--- a/es6/es6.pptx
+++ b/es6/es6.pptx
@@ -6,6 +6,14 @@
   </p:sldMasterIdLst>
   <p:sldIdLst>
     <p:sldId id="256" r:id="rId2"/>
+    <p:sldId id="260" r:id="rId3"/>
+    <p:sldId id="261" r:id="rId4"/>
+    <p:sldId id="263" r:id="rId5"/>
+    <p:sldId id="264" r:id="rId6"/>
+    <p:sldId id="262" r:id="rId7"/>
+    <p:sldId id="259" r:id="rId8"/>
+    <p:sldId id="257" r:id="rId9"/>
+    <p:sldId id="265" r:id="rId10"/>
   </p:sldIdLst>
   <p:sldSz cx="12192000" cy="6858000"/>
   <p:notesSz cx="6858000" cy="9144000"/>
@@ -104,6 +112,11 @@
       </a:defRPr>
     </a:lvl9pPr>
   </p:defaultTextStyle>
+  <p:extLst>
+    <p:ext uri="{EFAFB233-063F-42B5-8137-9DF3F51BA10A}">
+      <p15:sldGuideLst xmlns:p15="http://schemas.microsoft.com/office/powerpoint/2012/main"/>
+    </p:ext>
+  </p:extLst>
 </p:presentation>
 </file>
 
@@ -2974,31 +2987,60 @@
             <p:ph type="ctrTitle"/>
           </p:nvPr>
         </p:nvSpPr>
-        <p:spPr/>
-        <p:txBody>
-          <a:bodyPr/>
-          <a:lstStyle/>
-          <a:p>
-            <a:endParaRPr lang="en-US"/>
-          </a:p>
-        </p:txBody>
-      </p:sp>
-      <p:sp>
-        <p:nvSpPr>
-          <p:cNvPr id="3" name="Subtitle 2"/>
-          <p:cNvSpPr>
-            <a:spLocks noGrp="1"/>
-          </p:cNvSpPr>
-          <p:nvPr>
-            <p:ph type="subTitle" idx="1"/>
-          </p:nvPr>
-        </p:nvSpPr>
-        <p:spPr/>
-        <p:txBody>
-          <a:bodyPr/>
-          <a:lstStyle/>
-          <a:p>
-            <a:endParaRPr lang="en-US"/>
+        <p:spPr>
+          <a:xfrm>
+            <a:off x="1551432" y="1863027"/>
+            <a:ext cx="9144000" cy="2387600"/>
+          </a:xfrm>
+        </p:spPr>
+        <p:txBody>
+          <a:bodyPr>
+            <a:normAutofit fontScale="90000"/>
+          </a:bodyPr>
+          <a:lstStyle/>
+          <a:p>
+            <a:r>
+              <a:rPr lang="en-US" dirty="0"/>
+              <a:t>ECMAScript </a:t>
+            </a:r>
+            <a:r>
+              <a:rPr lang="en-US" dirty="0" smtClean="0"/>
+              <a:t>Harmony</a:t>
+            </a:r>
+            <a:br>
+              <a:rPr lang="en-US" dirty="0" smtClean="0"/>
+            </a:br>
+            <a:r>
+              <a:rPr lang="en-US" dirty="0" err="1"/>
+              <a:t>ECMAScript.next</a:t>
+            </a:r>
+            <a:r>
+              <a:rPr lang="en-US" dirty="0" smtClean="0"/>
+              <a:t/>
+            </a:r>
+            <a:br>
+              <a:rPr lang="en-US" dirty="0" smtClean="0"/>
+            </a:br>
+            <a:r>
+              <a:rPr lang="en-US" dirty="0" smtClean="0"/>
+              <a:t>ECMAScript 6 (or </a:t>
+            </a:r>
+            <a:r>
+              <a:rPr lang="en-US" dirty="0"/>
+              <a:t>ES6</a:t>
+            </a:r>
+            <a:r>
+              <a:rPr lang="en-US" dirty="0" smtClean="0"/>
+              <a:t>)</a:t>
+            </a:r>
+            <a:br>
+              <a:rPr lang="en-US" dirty="0" smtClean="0"/>
+            </a:br>
+            <a:r>
+              <a:rPr lang="en-US" dirty="0"/>
+              <a:t> ECMAScript 2015</a:t>
+            </a:r>
+            <a:endParaRPr lang="en-US" dirty="0"/>
           </a:p>
         </p:txBody>
       </p:sp>
@@ -3006,6 +3048,961 @@
     <p:extLst>
       <p:ext uri="{BB962C8B-B14F-4D97-AF65-F5344CB8AC3E}">
         <p14:creationId xmlns:p14="http://schemas.microsoft.com/office/powerpoint/2010/main" val="3500102677"/>
+      </p:ext>
+    </p:extLst>
+  </p:cSld>
+  <p:clrMapOvr>
+    <a:masterClrMapping/>
+  </p:clrMapOvr>
+</p:sld>
+</file>
+
+<file path=ppt/slides/slide2.xml><?xml version="1.0" encoding="utf-8"?>
+<p:sld xmlns:a="http://schemas.openxmlformats.org/drawingml/2006/main" xmlns:r="http://schemas.openxmlformats.org/officeDocument/2006/relationships" xmlns:p="http://schemas.openxmlformats.org/presentationml/2006/main">
+  <p:cSld>
+    <p:spTree>
+      <p:nvGrpSpPr>
+        <p:cNvPr id="1" name=""/>
+        <p:cNvGrpSpPr/>
+        <p:nvPr/>
+      </p:nvGrpSpPr>
+      <p:grpSpPr>
+        <a:xfrm>
+          <a:off x="0" y="0"/>
+          <a:ext cx="0" cy="0"/>
+          <a:chOff x="0" y="0"/>
+          <a:chExt cx="0" cy="0"/>
+        </a:xfrm>
+      </p:grpSpPr>
+      <p:sp>
+        <p:nvSpPr>
+          <p:cNvPr id="2" name="Title 1"/>
+          <p:cNvSpPr>
+            <a:spLocks noGrp="1"/>
+          </p:cNvSpPr>
+          <p:nvPr>
+            <p:ph type="title"/>
+          </p:nvPr>
+        </p:nvSpPr>
+        <p:spPr/>
+        <p:txBody>
+          <a:bodyPr/>
+          <a:lstStyle/>
+          <a:p>
+            <a:r>
+              <a:rPr lang="en-US" dirty="0" smtClean="0"/>
+              <a:t>ES6 is a super set of ES5, nothing is removed</a:t>
+            </a:r>
+            <a:endParaRPr lang="en-US" dirty="0"/>
+          </a:p>
+        </p:txBody>
+      </p:sp>
+      <p:sp>
+        <p:nvSpPr>
+          <p:cNvPr id="3" name="Content Placeholder 2"/>
+          <p:cNvSpPr>
+            <a:spLocks noGrp="1"/>
+          </p:cNvSpPr>
+          <p:nvPr>
+            <p:ph idx="1"/>
+          </p:nvPr>
+        </p:nvSpPr>
+        <p:spPr/>
+        <p:txBody>
+          <a:bodyPr/>
+          <a:lstStyle/>
+          <a:p>
+            <a:pPr marL="0" indent="0">
+              <a:buNone/>
+            </a:pPr>
+            <a:r>
+              <a:rPr lang="en-US" dirty="0"/>
+              <a:t>ECMAScript 6 is a superset of ECMAScript 5 – new JavaScript versions must never break existing code</a:t>
+            </a:r>
+            <a:endParaRPr lang="en-US" dirty="0"/>
+          </a:p>
+        </p:txBody>
+      </p:sp>
+    </p:spTree>
+    <p:extLst>
+      <p:ext uri="{BB962C8B-B14F-4D97-AF65-F5344CB8AC3E}">
+        <p14:creationId xmlns:p14="http://schemas.microsoft.com/office/powerpoint/2010/main" val="1185723398"/>
+      </p:ext>
+    </p:extLst>
+  </p:cSld>
+  <p:clrMapOvr>
+    <a:masterClrMapping/>
+  </p:clrMapOvr>
+</p:sld>
+</file>
+
+<file path=ppt/slides/slide3.xml><?xml version="1.0" encoding="utf-8"?>
+<p:sld xmlns:a="http://schemas.openxmlformats.org/drawingml/2006/main" xmlns:r="http://schemas.openxmlformats.org/officeDocument/2006/relationships" xmlns:p="http://schemas.openxmlformats.org/presentationml/2006/main">
+  <p:cSld>
+    <p:spTree>
+      <p:nvGrpSpPr>
+        <p:cNvPr id="1" name=""/>
+        <p:cNvGrpSpPr/>
+        <p:nvPr/>
+      </p:nvGrpSpPr>
+      <p:grpSpPr>
+        <a:xfrm>
+          <a:off x="0" y="0"/>
+          <a:ext cx="0" cy="0"/>
+          <a:chOff x="0" y="0"/>
+          <a:chExt cx="0" cy="0"/>
+        </a:xfrm>
+      </p:grpSpPr>
+      <p:sp>
+        <p:nvSpPr>
+          <p:cNvPr id="2" name="Title 1"/>
+          <p:cNvSpPr>
+            <a:spLocks noGrp="1"/>
+          </p:cNvSpPr>
+          <p:nvPr>
+            <p:ph type="title"/>
+          </p:nvPr>
+        </p:nvSpPr>
+        <p:spPr/>
+        <p:txBody>
+          <a:bodyPr/>
+          <a:lstStyle/>
+          <a:p>
+            <a:r>
+              <a:rPr lang="en-US" dirty="0" smtClean="0"/>
+              <a:t>Goals of ES6</a:t>
+            </a:r>
+            <a:endParaRPr lang="en-US" dirty="0"/>
+          </a:p>
+        </p:txBody>
+      </p:sp>
+      <p:sp>
+        <p:nvSpPr>
+          <p:cNvPr id="3" name="Content Placeholder 2"/>
+          <p:cNvSpPr>
+            <a:spLocks noGrp="1"/>
+          </p:cNvSpPr>
+          <p:nvPr>
+            <p:ph idx="1"/>
+          </p:nvPr>
+        </p:nvSpPr>
+        <p:spPr/>
+        <p:txBody>
+          <a:bodyPr/>
+          <a:lstStyle/>
+          <a:p>
+            <a:pPr marL="0" indent="0">
+              <a:buNone/>
+            </a:pPr>
+            <a:r>
+              <a:rPr lang="en-US" dirty="0" smtClean="0"/>
+              <a:t>1) </a:t>
+            </a:r>
+            <a:r>
+              <a:rPr lang="en-US" b="1" dirty="0"/>
+              <a:t>Be a better </a:t>
+            </a:r>
+            <a:r>
+              <a:rPr lang="en-US" b="1" dirty="0" smtClean="0"/>
+              <a:t>language for writing</a:t>
+            </a:r>
+            <a:endParaRPr lang="en-US" b="1" dirty="0"/>
+          </a:p>
+          <a:p>
+            <a:pPr lvl="1"/>
+            <a:r>
+              <a:rPr lang="en-US" dirty="0" smtClean="0"/>
+              <a:t>complex applications (ES Modules);</a:t>
+            </a:r>
+            <a:endParaRPr lang="en-US" dirty="0"/>
+          </a:p>
+          <a:p>
+            <a:pPr lvl="1"/>
+            <a:r>
+              <a:rPr lang="en-US" dirty="0"/>
+              <a:t>libraries (possibly including the DOM) shared by those </a:t>
+            </a:r>
+            <a:r>
+              <a:rPr lang="en-US" dirty="0" smtClean="0"/>
+              <a:t>applications (Modules, Proxies);</a:t>
+            </a:r>
+            <a:endParaRPr lang="en-US" dirty="0"/>
+          </a:p>
+          <a:p>
+            <a:pPr lvl="1"/>
+            <a:r>
+              <a:rPr lang="en-US" dirty="0"/>
+              <a:t>code generators targeting the new </a:t>
+            </a:r>
+            <a:r>
+              <a:rPr lang="en-US" dirty="0" smtClean="0"/>
+              <a:t>edition (</a:t>
+            </a:r>
+            <a:r>
+              <a:rPr lang="en-US" dirty="0"/>
+              <a:t>compiling C/C++ to </a:t>
+            </a:r>
+            <a:r>
+              <a:rPr lang="en-US" dirty="0" smtClean="0"/>
+              <a:t>JS via </a:t>
+            </a:r>
+            <a:r>
+              <a:rPr lang="en-US" dirty="0" err="1" smtClean="0"/>
+              <a:t>Emscripten</a:t>
+            </a:r>
+            <a:r>
+              <a:rPr lang="en-US" dirty="0" smtClean="0"/>
+              <a:t>)</a:t>
+            </a:r>
+          </a:p>
+          <a:p>
+            <a:pPr lvl="2"/>
+            <a:r>
+              <a:rPr lang="en-US" dirty="0" err="1"/>
+              <a:t>Math.fround</a:t>
+            </a:r>
+            <a:r>
+              <a:rPr lang="en-US" dirty="0"/>
+              <a:t>() – rounding Numbers to 32 bit floats</a:t>
+            </a:r>
+          </a:p>
+          <a:p>
+            <a:pPr lvl="2"/>
+            <a:r>
+              <a:rPr lang="en-US" dirty="0" err="1"/>
+              <a:t>Math.imul</a:t>
+            </a:r>
+            <a:r>
+              <a:rPr lang="en-US" dirty="0"/>
+              <a:t>() – multiplying two 32 bit </a:t>
+            </a:r>
+            <a:r>
+              <a:rPr lang="en-US" dirty="0" err="1"/>
+              <a:t>ints</a:t>
+            </a:r>
+            <a:endParaRPr lang="en-US" dirty="0"/>
+          </a:p>
+          <a:p>
+            <a:pPr marL="0" indent="0">
+              <a:buNone/>
+            </a:pPr>
+            <a:endParaRPr lang="en-US" dirty="0"/>
+          </a:p>
+        </p:txBody>
+      </p:sp>
+    </p:spTree>
+    <p:extLst>
+      <p:ext uri="{BB962C8B-B14F-4D97-AF65-F5344CB8AC3E}">
+        <p14:creationId xmlns:p14="http://schemas.microsoft.com/office/powerpoint/2010/main" val="2104709124"/>
+      </p:ext>
+    </p:extLst>
+  </p:cSld>
+  <p:clrMapOvr>
+    <a:masterClrMapping/>
+  </p:clrMapOvr>
+</p:sld>
+</file>
+
+<file path=ppt/slides/slide4.xml><?xml version="1.0" encoding="utf-8"?>
+<p:sld xmlns:a="http://schemas.openxmlformats.org/drawingml/2006/main" xmlns:r="http://schemas.openxmlformats.org/officeDocument/2006/relationships" xmlns:p="http://schemas.openxmlformats.org/presentationml/2006/main">
+  <p:cSld>
+    <p:spTree>
+      <p:nvGrpSpPr>
+        <p:cNvPr id="1" name=""/>
+        <p:cNvGrpSpPr/>
+        <p:nvPr/>
+      </p:nvGrpSpPr>
+      <p:grpSpPr>
+        <a:xfrm>
+          <a:off x="0" y="0"/>
+          <a:ext cx="0" cy="0"/>
+          <a:chOff x="0" y="0"/>
+          <a:chExt cx="0" cy="0"/>
+        </a:xfrm>
+      </p:grpSpPr>
+      <p:sp>
+        <p:nvSpPr>
+          <p:cNvPr id="2" name="Title 1"/>
+          <p:cNvSpPr>
+            <a:spLocks noGrp="1"/>
+          </p:cNvSpPr>
+          <p:nvPr>
+            <p:ph type="title"/>
+          </p:nvPr>
+        </p:nvSpPr>
+        <p:spPr/>
+        <p:txBody>
+          <a:bodyPr/>
+          <a:lstStyle/>
+          <a:p>
+            <a:r>
+              <a:rPr lang="en-US" dirty="0"/>
+              <a:t>Goals of ES6</a:t>
+            </a:r>
+          </a:p>
+        </p:txBody>
+      </p:sp>
+      <p:sp>
+        <p:nvSpPr>
+          <p:cNvPr id="3" name="Content Placeholder 2"/>
+          <p:cNvSpPr>
+            <a:spLocks noGrp="1"/>
+          </p:cNvSpPr>
+          <p:nvPr>
+            <p:ph idx="1"/>
+          </p:nvPr>
+        </p:nvSpPr>
+        <p:spPr/>
+        <p:txBody>
+          <a:bodyPr/>
+          <a:lstStyle/>
+          <a:p>
+            <a:pPr marL="0" indent="0">
+              <a:buNone/>
+            </a:pPr>
+            <a:r>
+              <a:rPr lang="en-US" dirty="0"/>
+              <a:t>2) </a:t>
+            </a:r>
+            <a:r>
+              <a:rPr lang="en-US" b="1" dirty="0"/>
+              <a:t>Improve interoperation (adopting de facto </a:t>
+            </a:r>
+            <a:r>
+              <a:rPr lang="en-US" b="1" dirty="0" smtClean="0"/>
+              <a:t>standards)</a:t>
+            </a:r>
+          </a:p>
+          <a:p>
+            <a:r>
+              <a:rPr lang="en-US" dirty="0"/>
+              <a:t>Classes: are based on how constructor functions are currently used.</a:t>
+            </a:r>
+          </a:p>
+          <a:p>
+            <a:r>
+              <a:rPr lang="en-US" dirty="0"/>
+              <a:t>Modules: picked up design ideas from the </a:t>
+            </a:r>
+            <a:r>
+              <a:rPr lang="en-US" dirty="0" err="1"/>
+              <a:t>CommonJS</a:t>
+            </a:r>
+            <a:r>
+              <a:rPr lang="en-US" dirty="0"/>
+              <a:t> module format.</a:t>
+            </a:r>
+          </a:p>
+          <a:p>
+            <a:r>
+              <a:rPr lang="en-US" dirty="0"/>
+              <a:t>Arrow functions: have syntax that is borrowed from </a:t>
+            </a:r>
+            <a:r>
+              <a:rPr lang="en-US" dirty="0" err="1"/>
+              <a:t>CoffeeScript</a:t>
+            </a:r>
+            <a:r>
+              <a:rPr lang="en-US" dirty="0"/>
+              <a:t>.</a:t>
+            </a:r>
+          </a:p>
+          <a:p>
+            <a:r>
+              <a:rPr lang="en-US" dirty="0"/>
+              <a:t>Named function parameters: There is no built-in support for named parameters. Instead, the existing practice of naming parameters via object literals is supported via </a:t>
+            </a:r>
+            <a:r>
+              <a:rPr lang="en-US" dirty="0" err="1">
+                <a:hlinkClick r:id="rId2"/>
+              </a:rPr>
+              <a:t>destructuring</a:t>
+            </a:r>
+            <a:r>
+              <a:rPr lang="en-US" dirty="0">
+                <a:hlinkClick r:id="rId2"/>
+              </a:rPr>
+              <a:t> in parameter definitions</a:t>
+            </a:r>
+            <a:r>
+              <a:rPr lang="en-US" dirty="0"/>
+              <a:t>.</a:t>
+            </a:r>
+          </a:p>
+          <a:p>
+            <a:pPr marL="0" indent="0">
+              <a:buNone/>
+            </a:pPr>
+            <a:endParaRPr lang="en-US" b="1" dirty="0"/>
+          </a:p>
+          <a:p>
+            <a:pPr marL="0" indent="0">
+              <a:buNone/>
+            </a:pPr>
+            <a:endParaRPr lang="en-US" dirty="0"/>
+          </a:p>
+        </p:txBody>
+      </p:sp>
+    </p:spTree>
+    <p:extLst>
+      <p:ext uri="{BB962C8B-B14F-4D97-AF65-F5344CB8AC3E}">
+        <p14:creationId xmlns:p14="http://schemas.microsoft.com/office/powerpoint/2010/main" val="681007754"/>
+      </p:ext>
+    </p:extLst>
+  </p:cSld>
+  <p:clrMapOvr>
+    <a:masterClrMapping/>
+  </p:clrMapOvr>
+</p:sld>
+</file>
+
+<file path=ppt/slides/slide5.xml><?xml version="1.0" encoding="utf-8"?>
+<p:sld xmlns:a="http://schemas.openxmlformats.org/drawingml/2006/main" xmlns:r="http://schemas.openxmlformats.org/officeDocument/2006/relationships" xmlns:p="http://schemas.openxmlformats.org/presentationml/2006/main">
+  <p:cSld>
+    <p:spTree>
+      <p:nvGrpSpPr>
+        <p:cNvPr id="1" name=""/>
+        <p:cNvGrpSpPr/>
+        <p:nvPr/>
+      </p:nvGrpSpPr>
+      <p:grpSpPr>
+        <a:xfrm>
+          <a:off x="0" y="0"/>
+          <a:ext cx="0" cy="0"/>
+          <a:chOff x="0" y="0"/>
+          <a:chExt cx="0" cy="0"/>
+        </a:xfrm>
+      </p:grpSpPr>
+      <p:sp>
+        <p:nvSpPr>
+          <p:cNvPr id="2" name="Title 1"/>
+          <p:cNvSpPr>
+            <a:spLocks noGrp="1"/>
+          </p:cNvSpPr>
+          <p:nvPr>
+            <p:ph type="title"/>
+          </p:nvPr>
+        </p:nvSpPr>
+        <p:spPr/>
+        <p:txBody>
+          <a:bodyPr/>
+          <a:lstStyle/>
+          <a:p>
+            <a:r>
+              <a:rPr lang="en-US" dirty="0"/>
+              <a:t>Goals of ES6</a:t>
+            </a:r>
+          </a:p>
+        </p:txBody>
+      </p:sp>
+      <p:sp>
+        <p:nvSpPr>
+          <p:cNvPr id="3" name="Content Placeholder 2"/>
+          <p:cNvSpPr>
+            <a:spLocks noGrp="1"/>
+          </p:cNvSpPr>
+          <p:nvPr>
+            <p:ph idx="1"/>
+          </p:nvPr>
+        </p:nvSpPr>
+        <p:spPr/>
+        <p:txBody>
+          <a:bodyPr/>
+          <a:lstStyle/>
+          <a:p>
+            <a:pPr marL="0" indent="0">
+              <a:buNone/>
+            </a:pPr>
+            <a:r>
+              <a:rPr lang="en-US" dirty="0" smtClean="0"/>
+              <a:t>3) </a:t>
+            </a:r>
+            <a:r>
+              <a:rPr lang="en-US" b="1" dirty="0"/>
+              <a:t>Versioning</a:t>
+            </a:r>
+          </a:p>
+          <a:p>
+            <a:pPr marL="0" indent="0">
+              <a:buNone/>
+            </a:pPr>
+            <a:r>
+              <a:rPr lang="en-US" dirty="0"/>
+              <a:t>Keep versioning as simple and linear as possible</a:t>
+            </a:r>
+            <a:r>
+              <a:rPr lang="en-US" dirty="0" smtClean="0"/>
+              <a:t>.</a:t>
+            </a:r>
+          </a:p>
+          <a:p>
+            <a:pPr marL="0" indent="0">
+              <a:buNone/>
+            </a:pPr>
+            <a:endParaRPr lang="en-US" dirty="0"/>
+          </a:p>
+          <a:p>
+            <a:pPr marL="0" indent="0">
+              <a:buNone/>
+            </a:pPr>
+            <a:r>
+              <a:rPr lang="en-US" dirty="0"/>
+              <a:t>In an ES6 code base, everything is ES6, there are no parts that are ES5-specific.</a:t>
+            </a:r>
+            <a:endParaRPr lang="en-US" dirty="0"/>
+          </a:p>
+        </p:txBody>
+      </p:sp>
+    </p:spTree>
+    <p:extLst>
+      <p:ext uri="{BB962C8B-B14F-4D97-AF65-F5344CB8AC3E}">
+        <p14:creationId xmlns:p14="http://schemas.microsoft.com/office/powerpoint/2010/main" val="3735009423"/>
+      </p:ext>
+    </p:extLst>
+  </p:cSld>
+  <p:clrMapOvr>
+    <a:masterClrMapping/>
+  </p:clrMapOvr>
+</p:sld>
+</file>
+
+<file path=ppt/slides/slide6.xml><?xml version="1.0" encoding="utf-8"?>
+<p:sld xmlns:a="http://schemas.openxmlformats.org/drawingml/2006/main" xmlns:r="http://schemas.openxmlformats.org/officeDocument/2006/relationships" xmlns:p="http://schemas.openxmlformats.org/presentationml/2006/main">
+  <p:cSld>
+    <p:spTree>
+      <p:nvGrpSpPr>
+        <p:cNvPr id="1" name=""/>
+        <p:cNvGrpSpPr/>
+        <p:nvPr/>
+      </p:nvGrpSpPr>
+      <p:grpSpPr>
+        <a:xfrm>
+          <a:off x="0" y="0"/>
+          <a:ext cx="0" cy="0"/>
+          <a:chOff x="0" y="0"/>
+          <a:chExt cx="0" cy="0"/>
+        </a:xfrm>
+      </p:grpSpPr>
+      <p:sp>
+        <p:nvSpPr>
+          <p:cNvPr id="2" name="Title 1"/>
+          <p:cNvSpPr>
+            <a:spLocks noGrp="1"/>
+          </p:cNvSpPr>
+          <p:nvPr>
+            <p:ph type="title"/>
+          </p:nvPr>
+        </p:nvSpPr>
+        <p:spPr/>
+        <p:txBody>
+          <a:bodyPr/>
+          <a:lstStyle/>
+          <a:p>
+            <a:r>
+              <a:rPr lang="en-US" dirty="0" smtClean="0"/>
+              <a:t>ES6 Modules</a:t>
+            </a:r>
+            <a:endParaRPr lang="en-US" dirty="0"/>
+          </a:p>
+        </p:txBody>
+      </p:sp>
+      <p:sp>
+        <p:nvSpPr>
+          <p:cNvPr id="3" name="Content Placeholder 2"/>
+          <p:cNvSpPr>
+            <a:spLocks noGrp="1"/>
+          </p:cNvSpPr>
+          <p:nvPr>
+            <p:ph idx="1"/>
+          </p:nvPr>
+        </p:nvSpPr>
+        <p:spPr/>
+        <p:txBody>
+          <a:bodyPr/>
+          <a:lstStyle/>
+          <a:p>
+            <a:endParaRPr lang="en-US" dirty="0"/>
+          </a:p>
+        </p:txBody>
+      </p:sp>
+    </p:spTree>
+    <p:extLst>
+      <p:ext uri="{BB962C8B-B14F-4D97-AF65-F5344CB8AC3E}">
+        <p14:creationId xmlns:p14="http://schemas.microsoft.com/office/powerpoint/2010/main" val="1356563171"/>
+      </p:ext>
+    </p:extLst>
+  </p:cSld>
+  <p:clrMapOvr>
+    <a:masterClrMapping/>
+  </p:clrMapOvr>
+</p:sld>
+</file>
+
+<file path=ppt/slides/slide7.xml><?xml version="1.0" encoding="utf-8"?>
+<p:sld xmlns:a="http://schemas.openxmlformats.org/drawingml/2006/main" xmlns:r="http://schemas.openxmlformats.org/officeDocument/2006/relationships" xmlns:p="http://schemas.openxmlformats.org/presentationml/2006/main">
+  <p:cSld>
+    <p:spTree>
+      <p:nvGrpSpPr>
+        <p:cNvPr id="1" name=""/>
+        <p:cNvGrpSpPr/>
+        <p:nvPr/>
+      </p:nvGrpSpPr>
+      <p:grpSpPr>
+        <a:xfrm>
+          <a:off x="0" y="0"/>
+          <a:ext cx="0" cy="0"/>
+          <a:chOff x="0" y="0"/>
+          <a:chExt cx="0" cy="0"/>
+        </a:xfrm>
+      </p:grpSpPr>
+      <p:sp>
+        <p:nvSpPr>
+          <p:cNvPr id="2" name="Title 1"/>
+          <p:cNvSpPr>
+            <a:spLocks noGrp="1"/>
+          </p:cNvSpPr>
+          <p:nvPr>
+            <p:ph type="ctrTitle"/>
+          </p:nvPr>
+        </p:nvSpPr>
+        <p:spPr>
+          <a:xfrm>
+            <a:off x="1551432" y="1863027"/>
+            <a:ext cx="9144000" cy="2387600"/>
+          </a:xfrm>
+        </p:spPr>
+        <p:txBody>
+          <a:bodyPr>
+            <a:normAutofit/>
+          </a:bodyPr>
+          <a:lstStyle/>
+          <a:p>
+            <a:r>
+              <a:rPr lang="en-US" dirty="0" smtClean="0"/>
+              <a:t>ES7</a:t>
+            </a:r>
+            <a:br>
+              <a:rPr lang="en-US" dirty="0" smtClean="0"/>
+            </a:br>
+            <a:r>
+              <a:rPr lang="en-US" dirty="0"/>
+              <a:t> ECMAScript </a:t>
+            </a:r>
+            <a:r>
+              <a:rPr lang="en-US" dirty="0" smtClean="0"/>
+              <a:t>2016</a:t>
+            </a:r>
+            <a:endParaRPr lang="en-US" dirty="0"/>
+          </a:p>
+        </p:txBody>
+      </p:sp>
+    </p:spTree>
+    <p:extLst>
+      <p:ext uri="{BB962C8B-B14F-4D97-AF65-F5344CB8AC3E}">
+        <p14:creationId xmlns:p14="http://schemas.microsoft.com/office/powerpoint/2010/main" val="346249990"/>
+      </p:ext>
+    </p:extLst>
+  </p:cSld>
+  <p:clrMapOvr>
+    <a:masterClrMapping/>
+  </p:clrMapOvr>
+</p:sld>
+</file>
+
+<file path=ppt/slides/slide8.xml><?xml version="1.0" encoding="utf-8"?>
+<p:sld xmlns:a="http://schemas.openxmlformats.org/drawingml/2006/main" xmlns:r="http://schemas.openxmlformats.org/officeDocument/2006/relationships" xmlns:p="http://schemas.openxmlformats.org/presentationml/2006/main">
+  <p:cSld>
+    <p:spTree>
+      <p:nvGrpSpPr>
+        <p:cNvPr id="1" name=""/>
+        <p:cNvGrpSpPr/>
+        <p:nvPr/>
+      </p:nvGrpSpPr>
+      <p:grpSpPr>
+        <a:xfrm>
+          <a:off x="0" y="0"/>
+          <a:ext cx="0" cy="0"/>
+          <a:chOff x="0" y="0"/>
+          <a:chExt cx="0" cy="0"/>
+        </a:xfrm>
+      </p:grpSpPr>
+      <p:sp>
+        <p:nvSpPr>
+          <p:cNvPr id="2" name="Title 1"/>
+          <p:cNvSpPr>
+            <a:spLocks noGrp="1"/>
+          </p:cNvSpPr>
+          <p:nvPr>
+            <p:ph type="title"/>
+          </p:nvPr>
+        </p:nvSpPr>
+        <p:spPr/>
+        <p:txBody>
+          <a:bodyPr/>
+          <a:lstStyle/>
+          <a:p>
+            <a:r>
+              <a:rPr lang="en-US" dirty="0" smtClean="0"/>
+              <a:t>Types </a:t>
+            </a:r>
+            <a:endParaRPr lang="en-US" dirty="0"/>
+          </a:p>
+        </p:txBody>
+      </p:sp>
+      <p:sp>
+        <p:nvSpPr>
+          <p:cNvPr id="3" name="Content Placeholder 2"/>
+          <p:cNvSpPr>
+            <a:spLocks noGrp="1"/>
+          </p:cNvSpPr>
+          <p:nvPr>
+            <p:ph idx="1"/>
+          </p:nvPr>
+        </p:nvSpPr>
+        <p:spPr/>
+        <p:txBody>
+          <a:bodyPr/>
+          <a:lstStyle/>
+          <a:p>
+            <a:pPr marL="0" indent="0">
+              <a:buNone/>
+            </a:pPr>
+            <a:r>
+              <a:rPr lang="en-US" dirty="0"/>
+              <a:t>Static typing is not part of ES6</a:t>
+            </a:r>
+            <a:r>
+              <a:rPr lang="en-US" dirty="0" smtClean="0"/>
+              <a:t>.</a:t>
+            </a:r>
+          </a:p>
+          <a:p>
+            <a:pPr marL="0" indent="0">
+              <a:buNone/>
+            </a:pPr>
+            <a:endParaRPr lang="en-US" dirty="0" smtClean="0"/>
+          </a:p>
+          <a:p>
+            <a:pPr marL="0" indent="0">
+              <a:buNone/>
+            </a:pPr>
+            <a:r>
+              <a:rPr lang="en-US" dirty="0" smtClean="0"/>
+              <a:t>1) Microsoft </a:t>
+            </a:r>
+            <a:r>
+              <a:rPr lang="en-US" dirty="0" err="1" smtClean="0"/>
+              <a:t>TypeScript</a:t>
+            </a:r>
+            <a:r>
+              <a:rPr lang="en-US" dirty="0" smtClean="0"/>
+              <a:t> = ES6 + types</a:t>
+            </a:r>
+          </a:p>
+          <a:p>
+            <a:pPr marL="0" indent="0">
+              <a:buNone/>
+            </a:pPr>
+            <a:r>
+              <a:rPr lang="en-US" dirty="0" smtClean="0"/>
+              <a:t>2) Facebook Flow - type checker for ES6</a:t>
+            </a:r>
+          </a:p>
+          <a:p>
+            <a:pPr marL="0" indent="0">
+              <a:buNone/>
+            </a:pPr>
+            <a:endParaRPr lang="en-US" dirty="0"/>
+          </a:p>
+          <a:p>
+            <a:pPr marL="0" indent="0">
+              <a:buNone/>
+            </a:pPr>
+            <a:r>
+              <a:rPr lang="en-US" dirty="0"/>
+              <a:t>Both </a:t>
+            </a:r>
+            <a:r>
+              <a:rPr lang="en-US" dirty="0" err="1"/>
+              <a:t>TypeScript</a:t>
+            </a:r>
+            <a:r>
+              <a:rPr lang="en-US" dirty="0"/>
+              <a:t> and Flow are using the same notation</a:t>
+            </a:r>
+            <a:endParaRPr lang="en-US" dirty="0"/>
+          </a:p>
+        </p:txBody>
+      </p:sp>
+    </p:spTree>
+    <p:extLst>
+      <p:ext uri="{BB962C8B-B14F-4D97-AF65-F5344CB8AC3E}">
+        <p14:creationId xmlns:p14="http://schemas.microsoft.com/office/powerpoint/2010/main" val="1566343749"/>
+      </p:ext>
+    </p:extLst>
+  </p:cSld>
+  <p:clrMapOvr>
+    <a:masterClrMapping/>
+  </p:clrMapOvr>
+</p:sld>
+</file>
+
+<file path=ppt/slides/slide9.xml><?xml version="1.0" encoding="utf-8"?>
+<p:sld xmlns:a="http://schemas.openxmlformats.org/drawingml/2006/main" xmlns:r="http://schemas.openxmlformats.org/officeDocument/2006/relationships" xmlns:p="http://schemas.openxmlformats.org/presentationml/2006/main">
+  <p:cSld>
+    <p:spTree>
+      <p:nvGrpSpPr>
+        <p:cNvPr id="1" name=""/>
+        <p:cNvGrpSpPr/>
+        <p:nvPr/>
+      </p:nvGrpSpPr>
+      <p:grpSpPr>
+        <a:xfrm>
+          <a:off x="0" y="0"/>
+          <a:ext cx="0" cy="0"/>
+          <a:chOff x="0" y="0"/>
+          <a:chExt cx="0" cy="0"/>
+        </a:xfrm>
+      </p:grpSpPr>
+      <p:sp>
+        <p:nvSpPr>
+          <p:cNvPr id="2" name="Title 1"/>
+          <p:cNvSpPr>
+            <a:spLocks noGrp="1"/>
+          </p:cNvSpPr>
+          <p:nvPr>
+            <p:ph type="title"/>
+          </p:nvPr>
+        </p:nvSpPr>
+        <p:spPr/>
+        <p:txBody>
+          <a:bodyPr/>
+          <a:lstStyle/>
+          <a:p>
+            <a:r>
+              <a:rPr lang="en-US" dirty="0" smtClean="0"/>
+              <a:t>One version</a:t>
+            </a:r>
+            <a:endParaRPr lang="en-US" dirty="0"/>
+          </a:p>
+        </p:txBody>
+      </p:sp>
+      <p:sp>
+        <p:nvSpPr>
+          <p:cNvPr id="3" name="Content Placeholder 2"/>
+          <p:cNvSpPr>
+            <a:spLocks noGrp="1"/>
+          </p:cNvSpPr>
+          <p:nvPr>
+            <p:ph idx="1"/>
+          </p:nvPr>
+        </p:nvSpPr>
+        <p:spPr/>
+        <p:txBody>
+          <a:bodyPr/>
+          <a:lstStyle/>
+          <a:p>
+            <a:pPr marL="0" indent="0">
+              <a:buNone/>
+            </a:pPr>
+            <a:r>
+              <a:rPr lang="en-US" dirty="0" smtClean="0"/>
+              <a:t>No version like python 2 and 3.</a:t>
+            </a:r>
+          </a:p>
+          <a:p>
+            <a:pPr marL="0" indent="0">
+              <a:buNone/>
+            </a:pPr>
+            <a:r>
+              <a:rPr lang="en-US" dirty="0" smtClean="0"/>
+              <a:t>Fully backwards-compatible.</a:t>
+            </a:r>
+          </a:p>
+          <a:p>
+            <a:pPr marL="0" indent="0">
+              <a:buNone/>
+            </a:pPr>
+            <a:r>
+              <a:rPr lang="en-US" dirty="0" smtClean="0"/>
+              <a:t>No </a:t>
+            </a:r>
+            <a:r>
+              <a:rPr lang="en-US" dirty="0"/>
+              <a:t>breaking </a:t>
+            </a:r>
+            <a:r>
+              <a:rPr lang="en-US" dirty="0" smtClean="0"/>
+              <a:t>changes</a:t>
+            </a:r>
+          </a:p>
+          <a:p>
+            <a:pPr marL="0" indent="0">
+              <a:buNone/>
+            </a:pPr>
+            <a:r>
+              <a:rPr lang="en-US" dirty="0"/>
+              <a:t>“don’t break the web</a:t>
+            </a:r>
+            <a:r>
+              <a:rPr lang="en-US" dirty="0" smtClean="0"/>
+              <a:t>”</a:t>
+            </a:r>
+          </a:p>
+          <a:p>
+            <a:pPr marL="0" indent="0">
+              <a:buNone/>
+            </a:pPr>
+            <a:endParaRPr lang="en-US" dirty="0"/>
+          </a:p>
+          <a:p>
+            <a:pPr marL="0" indent="0">
+              <a:buNone/>
+            </a:pPr>
+            <a:r>
+              <a:rPr lang="en-US" dirty="0" smtClean="0"/>
+              <a:t>Migration from </a:t>
+            </a:r>
+            <a:r>
+              <a:rPr lang="en-US" dirty="0" err="1" smtClean="0">
+                <a:solidFill>
+                  <a:schemeClr val="accent2"/>
+                </a:solidFill>
+              </a:rPr>
+              <a:t>var</a:t>
+            </a:r>
+            <a:r>
+              <a:rPr lang="en-US" dirty="0" smtClean="0">
+                <a:solidFill>
+                  <a:schemeClr val="accent2"/>
+                </a:solidFill>
+              </a:rPr>
+              <a:t> </a:t>
+            </a:r>
+            <a:r>
+              <a:rPr lang="en-US" dirty="0" smtClean="0"/>
+              <a:t>to </a:t>
+            </a:r>
+            <a:r>
+              <a:rPr lang="en-US" dirty="0" smtClean="0">
+                <a:solidFill>
+                  <a:schemeClr val="accent2"/>
+                </a:solidFill>
+              </a:rPr>
+              <a:t>let</a:t>
+            </a:r>
+            <a:endParaRPr lang="en-US" dirty="0">
+              <a:solidFill>
+                <a:schemeClr val="accent2"/>
+              </a:solidFill>
+            </a:endParaRPr>
+          </a:p>
+        </p:txBody>
+      </p:sp>
+    </p:spTree>
+    <p:extLst>
+      <p:ext uri="{BB962C8B-B14F-4D97-AF65-F5344CB8AC3E}">
+        <p14:creationId xmlns:p14="http://schemas.microsoft.com/office/powerpoint/2010/main" val="2432760839"/>
       </p:ext>
     </p:extLst>
   </p:cSld>

--- a/es6/es6.pptx
+++ b/es6/es6.pptx
@@ -11,9 +11,19 @@
     <p:sldId id="263" r:id="rId5"/>
     <p:sldId id="264" r:id="rId6"/>
     <p:sldId id="262" r:id="rId7"/>
-    <p:sldId id="259" r:id="rId8"/>
-    <p:sldId id="257" r:id="rId9"/>
-    <p:sldId id="265" r:id="rId10"/>
+    <p:sldId id="266" r:id="rId8"/>
+    <p:sldId id="259" r:id="rId9"/>
+    <p:sldId id="257" r:id="rId10"/>
+    <p:sldId id="265" r:id="rId11"/>
+    <p:sldId id="267" r:id="rId12"/>
+    <p:sldId id="268" r:id="rId13"/>
+    <p:sldId id="269" r:id="rId14"/>
+    <p:sldId id="270" r:id="rId15"/>
+    <p:sldId id="271" r:id="rId16"/>
+    <p:sldId id="272" r:id="rId17"/>
+    <p:sldId id="273" r:id="rId18"/>
+    <p:sldId id="274" r:id="rId19"/>
+    <p:sldId id="275" r:id="rId20"/>
   </p:sldIdLst>
   <p:sldSz cx="12192000" cy="6858000"/>
   <p:notesSz cx="6858000" cy="9144000"/>
@@ -251,7 +261,7 @@
           <a:p>
             <a:fld id="{4D8EEEE2-ACBB-41C1-BCFD-8A829CFB8979}" type="datetimeFigureOut">
               <a:rPr lang="en-US" smtClean="0"/>
-              <a:t>8/26/2015</a:t>
+              <a:t>8/28/2015</a:t>
             </a:fld>
             <a:endParaRPr lang="en-US"/>
           </a:p>
@@ -421,7 +431,7 @@
           <a:p>
             <a:fld id="{4D8EEEE2-ACBB-41C1-BCFD-8A829CFB8979}" type="datetimeFigureOut">
               <a:rPr lang="en-US" smtClean="0"/>
-              <a:t>8/26/2015</a:t>
+              <a:t>8/28/2015</a:t>
             </a:fld>
             <a:endParaRPr lang="en-US"/>
           </a:p>
@@ -601,7 +611,7 @@
           <a:p>
             <a:fld id="{4D8EEEE2-ACBB-41C1-BCFD-8A829CFB8979}" type="datetimeFigureOut">
               <a:rPr lang="en-US" smtClean="0"/>
-              <a:t>8/26/2015</a:t>
+              <a:t>8/28/2015</a:t>
             </a:fld>
             <a:endParaRPr lang="en-US"/>
           </a:p>
@@ -771,7 +781,7 @@
           <a:p>
             <a:fld id="{4D8EEEE2-ACBB-41C1-BCFD-8A829CFB8979}" type="datetimeFigureOut">
               <a:rPr lang="en-US" smtClean="0"/>
-              <a:t>8/26/2015</a:t>
+              <a:t>8/28/2015</a:t>
             </a:fld>
             <a:endParaRPr lang="en-US"/>
           </a:p>
@@ -1017,7 +1027,7 @@
           <a:p>
             <a:fld id="{4D8EEEE2-ACBB-41C1-BCFD-8A829CFB8979}" type="datetimeFigureOut">
               <a:rPr lang="en-US" smtClean="0"/>
-              <a:t>8/26/2015</a:t>
+              <a:t>8/28/2015</a:t>
             </a:fld>
             <a:endParaRPr lang="en-US"/>
           </a:p>
@@ -1249,7 +1259,7 @@
           <a:p>
             <a:fld id="{4D8EEEE2-ACBB-41C1-BCFD-8A829CFB8979}" type="datetimeFigureOut">
               <a:rPr lang="en-US" smtClean="0"/>
-              <a:t>8/26/2015</a:t>
+              <a:t>8/28/2015</a:t>
             </a:fld>
             <a:endParaRPr lang="en-US"/>
           </a:p>
@@ -1616,7 +1626,7 @@
           <a:p>
             <a:fld id="{4D8EEEE2-ACBB-41C1-BCFD-8A829CFB8979}" type="datetimeFigureOut">
               <a:rPr lang="en-US" smtClean="0"/>
-              <a:t>8/26/2015</a:t>
+              <a:t>8/28/2015</a:t>
             </a:fld>
             <a:endParaRPr lang="en-US"/>
           </a:p>
@@ -1734,7 +1744,7 @@
           <a:p>
             <a:fld id="{4D8EEEE2-ACBB-41C1-BCFD-8A829CFB8979}" type="datetimeFigureOut">
               <a:rPr lang="en-US" smtClean="0"/>
-              <a:t>8/26/2015</a:t>
+              <a:t>8/28/2015</a:t>
             </a:fld>
             <a:endParaRPr lang="en-US"/>
           </a:p>
@@ -1829,7 +1839,7 @@
           <a:p>
             <a:fld id="{4D8EEEE2-ACBB-41C1-BCFD-8A829CFB8979}" type="datetimeFigureOut">
               <a:rPr lang="en-US" smtClean="0"/>
-              <a:t>8/26/2015</a:t>
+              <a:t>8/28/2015</a:t>
             </a:fld>
             <a:endParaRPr lang="en-US"/>
           </a:p>
@@ -2106,7 +2116,7 @@
           <a:p>
             <a:fld id="{4D8EEEE2-ACBB-41C1-BCFD-8A829CFB8979}" type="datetimeFigureOut">
               <a:rPr lang="en-US" smtClean="0"/>
-              <a:t>8/26/2015</a:t>
+              <a:t>8/28/2015</a:t>
             </a:fld>
             <a:endParaRPr lang="en-US"/>
           </a:p>
@@ -2359,7 +2369,7 @@
           <a:p>
             <a:fld id="{4D8EEEE2-ACBB-41C1-BCFD-8A829CFB8979}" type="datetimeFigureOut">
               <a:rPr lang="en-US" smtClean="0"/>
-              <a:t>8/26/2015</a:t>
+              <a:t>8/28/2015</a:t>
             </a:fld>
             <a:endParaRPr lang="en-US"/>
           </a:p>
@@ -2572,7 +2582,7 @@
           <a:p>
             <a:fld id="{4D8EEEE2-ACBB-41C1-BCFD-8A829CFB8979}" type="datetimeFigureOut">
               <a:rPr lang="en-US" smtClean="0"/>
-              <a:t>8/26/2015</a:t>
+              <a:t>8/28/2015</a:t>
             </a:fld>
             <a:endParaRPr lang="en-US"/>
           </a:p>
@@ -3040,7 +3050,6 @@
               <a:rPr lang="en-US" dirty="0"/>
               <a:t> ECMAScript 2015</a:t>
             </a:r>
-            <a:endParaRPr lang="en-US" dirty="0"/>
           </a:p>
         </p:txBody>
       </p:sp>
@@ -3054,6 +3063,2948 @@
   <p:clrMapOvr>
     <a:masterClrMapping/>
   </p:clrMapOvr>
+</p:sld>
+</file>
+
+<file path=ppt/slides/slide10.xml><?xml version="1.0" encoding="utf-8"?>
+<p:sld xmlns:a="http://schemas.openxmlformats.org/drawingml/2006/main" xmlns:r="http://schemas.openxmlformats.org/officeDocument/2006/relationships" xmlns:p="http://schemas.openxmlformats.org/presentationml/2006/main">
+  <p:cSld>
+    <p:spTree>
+      <p:nvGrpSpPr>
+        <p:cNvPr id="1" name=""/>
+        <p:cNvGrpSpPr/>
+        <p:nvPr/>
+      </p:nvGrpSpPr>
+      <p:grpSpPr>
+        <a:xfrm>
+          <a:off x="0" y="0"/>
+          <a:ext cx="0" cy="0"/>
+          <a:chOff x="0" y="0"/>
+          <a:chExt cx="0" cy="0"/>
+        </a:xfrm>
+      </p:grpSpPr>
+      <p:sp>
+        <p:nvSpPr>
+          <p:cNvPr id="2" name="Title 1"/>
+          <p:cNvSpPr>
+            <a:spLocks noGrp="1"/>
+          </p:cNvSpPr>
+          <p:nvPr>
+            <p:ph type="title"/>
+          </p:nvPr>
+        </p:nvSpPr>
+        <p:spPr/>
+        <p:txBody>
+          <a:bodyPr/>
+          <a:lstStyle/>
+          <a:p>
+            <a:r>
+              <a:rPr lang="en-US" dirty="0" smtClean="0"/>
+              <a:t>One version</a:t>
+            </a:r>
+            <a:endParaRPr lang="en-US" dirty="0"/>
+          </a:p>
+        </p:txBody>
+      </p:sp>
+      <p:sp>
+        <p:nvSpPr>
+          <p:cNvPr id="3" name="Content Placeholder 2"/>
+          <p:cNvSpPr>
+            <a:spLocks noGrp="1"/>
+          </p:cNvSpPr>
+          <p:nvPr>
+            <p:ph idx="1"/>
+          </p:nvPr>
+        </p:nvSpPr>
+        <p:spPr/>
+        <p:txBody>
+          <a:bodyPr/>
+          <a:lstStyle/>
+          <a:p>
+            <a:pPr marL="0" indent="0">
+              <a:buNone/>
+            </a:pPr>
+            <a:r>
+              <a:rPr lang="en-US" dirty="0" smtClean="0"/>
+              <a:t>No version like python 2 and 3.</a:t>
+            </a:r>
+          </a:p>
+          <a:p>
+            <a:pPr marL="0" indent="0">
+              <a:buNone/>
+            </a:pPr>
+            <a:r>
+              <a:rPr lang="en-US" dirty="0" smtClean="0"/>
+              <a:t>Fully backwards-compatible.</a:t>
+            </a:r>
+          </a:p>
+          <a:p>
+            <a:pPr marL="0" indent="0">
+              <a:buNone/>
+            </a:pPr>
+            <a:r>
+              <a:rPr lang="en-US" dirty="0" smtClean="0"/>
+              <a:t>No </a:t>
+            </a:r>
+            <a:r>
+              <a:rPr lang="en-US" dirty="0"/>
+              <a:t>breaking </a:t>
+            </a:r>
+            <a:r>
+              <a:rPr lang="en-US" dirty="0" smtClean="0"/>
+              <a:t>changes</a:t>
+            </a:r>
+          </a:p>
+          <a:p>
+            <a:pPr marL="0" indent="0">
+              <a:buNone/>
+            </a:pPr>
+            <a:r>
+              <a:rPr lang="en-US" dirty="0"/>
+              <a:t>“don’t break the web</a:t>
+            </a:r>
+            <a:r>
+              <a:rPr lang="en-US" dirty="0" smtClean="0"/>
+              <a:t>”</a:t>
+            </a:r>
+          </a:p>
+          <a:p>
+            <a:pPr marL="0" indent="0">
+              <a:buNone/>
+            </a:pPr>
+            <a:endParaRPr lang="en-US" dirty="0"/>
+          </a:p>
+          <a:p>
+            <a:pPr marL="0" indent="0">
+              <a:buNone/>
+            </a:pPr>
+            <a:r>
+              <a:rPr lang="en-US" dirty="0" smtClean="0"/>
+              <a:t>Migration from </a:t>
+            </a:r>
+            <a:r>
+              <a:rPr lang="en-US" dirty="0" err="1" smtClean="0">
+                <a:solidFill>
+                  <a:schemeClr val="accent2"/>
+                </a:solidFill>
+              </a:rPr>
+              <a:t>var</a:t>
+            </a:r>
+            <a:r>
+              <a:rPr lang="en-US" dirty="0" smtClean="0">
+                <a:solidFill>
+                  <a:schemeClr val="accent2"/>
+                </a:solidFill>
+              </a:rPr>
+              <a:t> </a:t>
+            </a:r>
+            <a:r>
+              <a:rPr lang="en-US" dirty="0" smtClean="0"/>
+              <a:t>to </a:t>
+            </a:r>
+            <a:r>
+              <a:rPr lang="en-US" dirty="0" smtClean="0">
+                <a:solidFill>
+                  <a:schemeClr val="accent2"/>
+                </a:solidFill>
+              </a:rPr>
+              <a:t>let. </a:t>
+            </a:r>
+            <a:r>
+              <a:rPr lang="en-US" dirty="0"/>
+              <a:t>Instead of cleaning up existing features, you introduce new, clean, features. </a:t>
+            </a:r>
+            <a:endParaRPr lang="en-US" dirty="0">
+              <a:solidFill>
+                <a:schemeClr val="accent2"/>
+              </a:solidFill>
+            </a:endParaRPr>
+          </a:p>
+        </p:txBody>
+      </p:sp>
+    </p:spTree>
+    <p:extLst>
+      <p:ext uri="{BB962C8B-B14F-4D97-AF65-F5344CB8AC3E}">
+        <p14:creationId xmlns:p14="http://schemas.microsoft.com/office/powerpoint/2010/main" val="2432760839"/>
+      </p:ext>
+    </p:extLst>
+  </p:cSld>
+  <p:clrMapOvr>
+    <a:masterClrMapping/>
+  </p:clrMapOvr>
+  <p:timing>
+    <p:tnLst>
+      <p:par>
+        <p:cTn id="1" dur="indefinite" restart="never" nodeType="tmRoot"/>
+      </p:par>
+    </p:tnLst>
+  </p:timing>
+</p:sld>
+</file>
+
+<file path=ppt/slides/slide11.xml><?xml version="1.0" encoding="utf-8"?>
+<p:sld xmlns:a="http://schemas.openxmlformats.org/drawingml/2006/main" xmlns:r="http://schemas.openxmlformats.org/officeDocument/2006/relationships" xmlns:p="http://schemas.openxmlformats.org/presentationml/2006/main">
+  <p:cSld>
+    <p:spTree>
+      <p:nvGrpSpPr>
+        <p:cNvPr id="1" name=""/>
+        <p:cNvGrpSpPr/>
+        <p:nvPr/>
+      </p:nvGrpSpPr>
+      <p:grpSpPr>
+        <a:xfrm>
+          <a:off x="0" y="0"/>
+          <a:ext cx="0" cy="0"/>
+          <a:chOff x="0" y="0"/>
+          <a:chExt cx="0" cy="0"/>
+        </a:xfrm>
+      </p:grpSpPr>
+      <p:sp>
+        <p:nvSpPr>
+          <p:cNvPr id="2" name="Title 1"/>
+          <p:cNvSpPr>
+            <a:spLocks noGrp="1"/>
+          </p:cNvSpPr>
+          <p:nvPr>
+            <p:ph type="title"/>
+          </p:nvPr>
+        </p:nvSpPr>
+        <p:spPr/>
+        <p:txBody>
+          <a:bodyPr/>
+          <a:lstStyle/>
+          <a:p>
+            <a:r>
+              <a:rPr lang="en-US" b="1" dirty="0"/>
+              <a:t>Strict mode and ECMAScript </a:t>
+            </a:r>
+            <a:r>
+              <a:rPr lang="en-US" b="1" dirty="0" smtClean="0"/>
+              <a:t>6</a:t>
+            </a:r>
+            <a:endParaRPr lang="en-US" dirty="0"/>
+          </a:p>
+        </p:txBody>
+      </p:sp>
+      <p:sp>
+        <p:nvSpPr>
+          <p:cNvPr id="4" name="Rectangle 1"/>
+          <p:cNvSpPr>
+            <a:spLocks noGrp="1" noChangeArrowheads="1"/>
+          </p:cNvSpPr>
+          <p:nvPr>
+            <p:ph idx="1"/>
+          </p:nvPr>
+        </p:nvSpPr>
+        <p:spPr bwMode="auto">
+          <a:xfrm>
+            <a:off x="838200" y="1601512"/>
+            <a:ext cx="1173719" cy="406471"/>
+          </a:xfrm>
+          <a:prstGeom prst="rect">
+            <a:avLst/>
+          </a:prstGeom>
+          <a:noFill/>
+          <a:ln>
+            <a:noFill/>
+          </a:ln>
+          <a:effectLst/>
+          <a:extLst>
+            <a:ext uri="{909E8E84-426E-40DD-AFC4-6F175D3DCCD1}">
+              <a14:hiddenFill xmlns:a14="http://schemas.microsoft.com/office/drawing/2010/main">
+                <a:solidFill>
+                  <a:schemeClr val="accent1"/>
+                </a:solidFill>
+              </a14:hiddenFill>
+            </a:ext>
+            <a:ext uri="{91240B29-F687-4F45-9708-019B960494DF}">
+              <a14:hiddenLine xmlns:a14="http://schemas.microsoft.com/office/drawing/2010/main" w="9525">
+                <a:solidFill>
+                  <a:schemeClr val="tx1"/>
+                </a:solidFill>
+                <a:miter lim="800000"/>
+                <a:headEnd/>
+                <a:tailEnd/>
+              </a14:hiddenLine>
+            </a:ext>
+            <a:ext uri="{AF507438-7753-43E0-B8FC-AC1667EBCBE1}">
+              <a14:hiddenEffects xmlns:a14="http://schemas.microsoft.com/office/drawing/2010/main">
+                <a:effectLst>
+                  <a:outerShdw dist="35921" dir="2700000" algn="ctr" rotWithShape="0">
+                    <a:schemeClr val="bg2"/>
+                  </a:outerShdw>
+                </a:effectLst>
+              </a14:hiddenEffects>
+            </a:ext>
+          </a:extLst>
+        </p:spPr>
+        <p:txBody>
+          <a:bodyPr vert="horz" wrap="none" lIns="91440" tIns="79350" rIns="91440" bIns="79350" numCol="1" anchor="ctr" anchorCtr="0" compatLnSpc="1">
+            <a:prstTxWarp prst="textNoShape">
+              <a:avLst/>
+            </a:prstTxWarp>
+            <a:spAutoFit/>
+          </a:bodyPr>
+          <a:lstStyle/>
+          <a:p>
+            <a:pPr marL="0" marR="0" lvl="0" indent="0" algn="l" defTabSz="914400" rtl="0" eaLnBrk="0" fontAlgn="base" latinLnBrk="0" hangingPunct="0">
+              <a:lnSpc>
+                <a:spcPct val="100000"/>
+              </a:lnSpc>
+              <a:spcBef>
+                <a:spcPct val="0"/>
+              </a:spcBef>
+              <a:spcAft>
+                <a:spcPct val="0"/>
+              </a:spcAft>
+              <a:buClrTx/>
+              <a:buSzTx/>
+              <a:buFontTx/>
+              <a:buNone/>
+              <a:tabLst/>
+            </a:pPr>
+            <a:r>
+              <a:rPr kumimoji="0" lang="en-US" altLang="en-US" sz="1600" b="0" i="0" u="none" strike="noStrike" cap="none" normalizeH="0" baseline="0" dirty="0" smtClean="0">
+                <a:ln>
+                  <a:noFill/>
+                </a:ln>
+                <a:solidFill>
+                  <a:srgbClr val="BA2121"/>
+                </a:solidFill>
+                <a:effectLst/>
+                <a:latin typeface="Arial Unicode MS" panose="020B0604020202020204" pitchFamily="34" charset="-128"/>
+              </a:rPr>
+              <a:t>'use strict'</a:t>
+            </a:r>
+            <a:r>
+              <a:rPr kumimoji="0" lang="en-US" altLang="en-US" sz="1600" b="0" i="0" u="none" strike="noStrike" cap="none" normalizeH="0" baseline="0" dirty="0" smtClean="0">
+                <a:ln>
+                  <a:noFill/>
+                </a:ln>
+                <a:solidFill>
+                  <a:srgbClr val="000000"/>
+                </a:solidFill>
+                <a:effectLst/>
+                <a:latin typeface="Arial Unicode MS" panose="020B0604020202020204" pitchFamily="34" charset="-128"/>
+              </a:rPr>
+              <a:t>;</a:t>
+            </a:r>
+            <a:r>
+              <a:rPr kumimoji="0" lang="en-US" altLang="en-US" sz="1200" b="0" i="0" u="none" strike="noStrike" cap="none" normalizeH="0" baseline="0" dirty="0" smtClean="0">
+                <a:ln>
+                  <a:noFill/>
+                </a:ln>
+                <a:solidFill>
+                  <a:schemeClr val="tx1"/>
+                </a:solidFill>
+                <a:effectLst/>
+              </a:rPr>
+              <a:t> </a:t>
+            </a:r>
+            <a:endParaRPr kumimoji="0" lang="en-US" altLang="en-US" sz="3600" b="0" i="0" u="none" strike="noStrike" cap="none" normalizeH="0" baseline="0" dirty="0" smtClean="0">
+              <a:ln>
+                <a:noFill/>
+              </a:ln>
+              <a:solidFill>
+                <a:schemeClr val="tx1"/>
+              </a:solidFill>
+              <a:effectLst/>
+              <a:latin typeface="Arial" panose="020B0604020202020204" pitchFamily="34" charset="0"/>
+            </a:endParaRPr>
+          </a:p>
+        </p:txBody>
+      </p:sp>
+    </p:spTree>
+    <p:extLst>
+      <p:ext uri="{BB962C8B-B14F-4D97-AF65-F5344CB8AC3E}">
+        <p14:creationId xmlns:p14="http://schemas.microsoft.com/office/powerpoint/2010/main" val="1418992518"/>
+      </p:ext>
+    </p:extLst>
+  </p:cSld>
+  <p:clrMapOvr>
+    <a:masterClrMapping/>
+  </p:clrMapOvr>
+  <p:timing>
+    <p:tnLst>
+      <p:par>
+        <p:cTn id="1" dur="indefinite" restart="never" nodeType="tmRoot"/>
+      </p:par>
+    </p:tnLst>
+  </p:timing>
+</p:sld>
+</file>
+
+<file path=ppt/slides/slide12.xml><?xml version="1.0" encoding="utf-8"?>
+<p:sld xmlns:a="http://schemas.openxmlformats.org/drawingml/2006/main" xmlns:r="http://schemas.openxmlformats.org/officeDocument/2006/relationships" xmlns:p="http://schemas.openxmlformats.org/presentationml/2006/main">
+  <p:cSld>
+    <p:spTree>
+      <p:nvGrpSpPr>
+        <p:cNvPr id="1" name=""/>
+        <p:cNvGrpSpPr/>
+        <p:nvPr/>
+      </p:nvGrpSpPr>
+      <p:grpSpPr>
+        <a:xfrm>
+          <a:off x="0" y="0"/>
+          <a:ext cx="0" cy="0"/>
+          <a:chOff x="0" y="0"/>
+          <a:chExt cx="0" cy="0"/>
+        </a:xfrm>
+      </p:grpSpPr>
+      <p:sp>
+        <p:nvSpPr>
+          <p:cNvPr id="2" name="Title 1"/>
+          <p:cNvSpPr>
+            <a:spLocks noGrp="1"/>
+          </p:cNvSpPr>
+          <p:nvPr>
+            <p:ph type="title"/>
+          </p:nvPr>
+        </p:nvSpPr>
+        <p:spPr/>
+        <p:txBody>
+          <a:bodyPr/>
+          <a:lstStyle/>
+          <a:p>
+            <a:endParaRPr lang="en-US"/>
+          </a:p>
+        </p:txBody>
+      </p:sp>
+      <p:sp>
+        <p:nvSpPr>
+          <p:cNvPr id="4" name="Rectangle 1"/>
+          <p:cNvSpPr>
+            <a:spLocks noGrp="1" noChangeArrowheads="1"/>
+          </p:cNvSpPr>
+          <p:nvPr>
+            <p:ph idx="1"/>
+          </p:nvPr>
+        </p:nvSpPr>
+        <p:spPr bwMode="auto">
+          <a:prstGeom prst="rect">
+            <a:avLst/>
+          </a:prstGeom>
+          <a:noFill/>
+          <a:ln>
+            <a:noFill/>
+          </a:ln>
+          <a:effectLst/>
+          <a:extLst>
+            <a:ext uri="{909E8E84-426E-40DD-AFC4-6F175D3DCCD1}">
+              <a14:hiddenFill xmlns:a14="http://schemas.microsoft.com/office/drawing/2010/main">
+                <a:solidFill>
+                  <a:schemeClr val="accent1"/>
+                </a:solidFill>
+              </a14:hiddenFill>
+            </a:ext>
+            <a:ext uri="{91240B29-F687-4F45-9708-019B960494DF}">
+              <a14:hiddenLine xmlns:a14="http://schemas.microsoft.com/office/drawing/2010/main" w="9525">
+                <a:solidFill>
+                  <a:schemeClr val="tx1"/>
+                </a:solidFill>
+                <a:miter lim="800000"/>
+                <a:headEnd/>
+                <a:tailEnd/>
+              </a14:hiddenLine>
+            </a:ext>
+            <a:ext uri="{AF507438-7753-43E0-B8FC-AC1667EBCBE1}">
+              <a14:hiddenEffects xmlns:a14="http://schemas.microsoft.com/office/drawing/2010/main">
+                <a:effectLst>
+                  <a:outerShdw dist="35921" dir="2700000" algn="ctr" rotWithShape="0">
+                    <a:schemeClr val="bg2"/>
+                  </a:outerShdw>
+                </a:effectLst>
+              </a14:hiddenEffects>
+            </a:ext>
+          </a:extLst>
+        </p:spPr>
+        <p:txBody>
+          <a:bodyPr vert="horz" wrap="none" lIns="91440" tIns="15870" rIns="91440" bIns="45720" numCol="1" anchor="ctr" anchorCtr="0" compatLnSpc="1">
+            <a:prstTxWarp prst="textNoShape">
+              <a:avLst/>
+            </a:prstTxWarp>
+            <a:spAutoFit/>
+          </a:bodyPr>
+          <a:lstStyle/>
+          <a:p>
+            <a:pPr marL="0" marR="0" lvl="0" indent="0" algn="l" defTabSz="914400" rtl="0" eaLnBrk="0" fontAlgn="base" latinLnBrk="0" hangingPunct="0">
+              <a:lnSpc>
+                <a:spcPct val="100000"/>
+              </a:lnSpc>
+              <a:spcBef>
+                <a:spcPct val="0"/>
+              </a:spcBef>
+              <a:spcAft>
+                <a:spcPct val="0"/>
+              </a:spcAft>
+              <a:buClrTx/>
+              <a:buSzTx/>
+              <a:buFontTx/>
+              <a:buNone/>
+              <a:tabLst/>
+            </a:pPr>
+            <a:endParaRPr kumimoji="0" lang="en-US" altLang="en-US" sz="1800" b="0" i="0" u="none" strike="noStrike" cap="none" normalizeH="0" baseline="0" smtClean="0">
+              <a:ln>
+                <a:noFill/>
+              </a:ln>
+              <a:solidFill>
+                <a:schemeClr val="tx1"/>
+              </a:solidFill>
+              <a:effectLst/>
+              <a:latin typeface="Arial" panose="020B0604020202020204" pitchFamily="34" charset="0"/>
+            </a:endParaRPr>
+          </a:p>
+          <a:p>
+            <a:pPr marL="0" marR="0" lvl="0" indent="0" algn="l" defTabSz="914400" rtl="0" eaLnBrk="0" fontAlgn="base" latinLnBrk="0" hangingPunct="0">
+              <a:lnSpc>
+                <a:spcPct val="100000"/>
+              </a:lnSpc>
+              <a:spcBef>
+                <a:spcPct val="0"/>
+              </a:spcBef>
+              <a:spcAft>
+                <a:spcPct val="0"/>
+              </a:spcAft>
+              <a:buClrTx/>
+              <a:buSzTx/>
+              <a:buFontTx/>
+              <a:buChar char="•"/>
+              <a:tabLst/>
+            </a:pPr>
+            <a:r>
+              <a:rPr kumimoji="0" lang="en-US" altLang="en-US" sz="1800" b="0" i="0" u="none" strike="noStrike" cap="none" normalizeH="0" baseline="0" smtClean="0">
+                <a:ln>
+                  <a:noFill/>
+                </a:ln>
+                <a:solidFill>
+                  <a:srgbClr val="000000"/>
+                </a:solidFill>
+                <a:effectLst/>
+                <a:latin typeface="Arial" panose="020B0604020202020204" pitchFamily="34" charset="0"/>
+                <a:cs typeface="Arial" panose="020B0604020202020204" pitchFamily="34" charset="0"/>
+              </a:rPr>
+              <a:t>Syntactic changes: some previously legal syntax is forbidden in strict mode. For example:</a:t>
+            </a:r>
+          </a:p>
+          <a:p>
+            <a:pPr marL="457200" marR="0" lvl="1" indent="0" algn="l" defTabSz="914400" rtl="0" eaLnBrk="0" fontAlgn="base" latinLnBrk="0" hangingPunct="0">
+              <a:lnSpc>
+                <a:spcPct val="100000"/>
+              </a:lnSpc>
+              <a:spcBef>
+                <a:spcPct val="0"/>
+              </a:spcBef>
+              <a:spcAft>
+                <a:spcPct val="0"/>
+              </a:spcAft>
+              <a:buClrTx/>
+              <a:buSzTx/>
+              <a:buFontTx/>
+              <a:buChar char="•"/>
+              <a:tabLst/>
+            </a:pPr>
+            <a:r>
+              <a:rPr kumimoji="0" lang="en-US" altLang="en-US" sz="1800" b="0" i="0" u="none" strike="noStrike" cap="none" normalizeH="0" baseline="0" smtClean="0">
+                <a:ln>
+                  <a:noFill/>
+                </a:ln>
+                <a:solidFill>
+                  <a:srgbClr val="000000"/>
+                </a:solidFill>
+                <a:effectLst/>
+                <a:latin typeface="Arial" panose="020B0604020202020204" pitchFamily="34" charset="0"/>
+                <a:cs typeface="Arial" panose="020B0604020202020204" pitchFamily="34" charset="0"/>
+              </a:rPr>
+              <a:t>The </a:t>
+            </a:r>
+            <a:r>
+              <a:rPr kumimoji="0" lang="en-US" altLang="en-US" sz="1000" b="0" i="0" u="none" strike="noStrike" cap="none" normalizeH="0" baseline="0" smtClean="0">
+                <a:ln>
+                  <a:noFill/>
+                </a:ln>
+                <a:solidFill>
+                  <a:srgbClr val="000000"/>
+                </a:solidFill>
+                <a:effectLst/>
+                <a:latin typeface="Arial Unicode MS" panose="020B0604020202020204" pitchFamily="34" charset="-128"/>
+                <a:cs typeface="Arial" panose="020B0604020202020204" pitchFamily="34" charset="0"/>
+              </a:rPr>
+              <a:t>with</a:t>
+            </a:r>
+            <a:r>
+              <a:rPr kumimoji="0" lang="en-US" altLang="en-US" sz="800" b="0" i="0" u="none" strike="noStrike" cap="none" normalizeH="0" baseline="0" smtClean="0">
+                <a:ln>
+                  <a:noFill/>
+                </a:ln>
+                <a:solidFill>
+                  <a:srgbClr val="000000"/>
+                </a:solidFill>
+                <a:effectLst/>
+                <a:latin typeface="Arial" panose="020B0604020202020204" pitchFamily="34" charset="0"/>
+                <a:cs typeface="Arial" panose="020B0604020202020204" pitchFamily="34" charset="0"/>
+              </a:rPr>
+              <a:t> </a:t>
+            </a:r>
+            <a:r>
+              <a:rPr kumimoji="0" lang="en-US" altLang="en-US" sz="1800" b="0" i="0" u="none" strike="noStrike" cap="none" normalizeH="0" baseline="0" smtClean="0">
+                <a:ln>
+                  <a:noFill/>
+                </a:ln>
+                <a:solidFill>
+                  <a:srgbClr val="000000"/>
+                </a:solidFill>
+                <a:effectLst/>
+                <a:latin typeface="Arial" panose="020B0604020202020204" pitchFamily="34" charset="0"/>
+                <a:cs typeface="Arial" panose="020B0604020202020204" pitchFamily="34" charset="0"/>
+              </a:rPr>
+              <a:t>statement is forbidden. It lets users add arbitrary objects to the chain of variable scopes, which slows down execution and makes it tricky to figure out what a variable refers to.</a:t>
+            </a:r>
+          </a:p>
+          <a:p>
+            <a:pPr marL="457200" marR="0" lvl="1" indent="0" algn="l" defTabSz="914400" rtl="0" eaLnBrk="0" fontAlgn="base" latinLnBrk="0" hangingPunct="0">
+              <a:lnSpc>
+                <a:spcPct val="100000"/>
+              </a:lnSpc>
+              <a:spcBef>
+                <a:spcPct val="0"/>
+              </a:spcBef>
+              <a:spcAft>
+                <a:spcPct val="0"/>
+              </a:spcAft>
+              <a:buClrTx/>
+              <a:buSzTx/>
+              <a:buFontTx/>
+              <a:buChar char="•"/>
+              <a:tabLst/>
+            </a:pPr>
+            <a:r>
+              <a:rPr kumimoji="0" lang="en-US" altLang="en-US" sz="1800" b="0" i="0" u="none" strike="noStrike" cap="none" normalizeH="0" baseline="0" smtClean="0">
+                <a:ln>
+                  <a:noFill/>
+                </a:ln>
+                <a:solidFill>
+                  <a:srgbClr val="000000"/>
+                </a:solidFill>
+                <a:effectLst/>
+                <a:latin typeface="Arial" panose="020B0604020202020204" pitchFamily="34" charset="0"/>
+                <a:cs typeface="Arial" panose="020B0604020202020204" pitchFamily="34" charset="0"/>
+              </a:rPr>
+              <a:t>Deleting an unqualified identifier (a variable, not a property) is forbidden.</a:t>
+            </a:r>
+          </a:p>
+          <a:p>
+            <a:pPr marL="457200" marR="0" lvl="1" indent="0" algn="l" defTabSz="914400" rtl="0" eaLnBrk="0" fontAlgn="base" latinLnBrk="0" hangingPunct="0">
+              <a:lnSpc>
+                <a:spcPct val="100000"/>
+              </a:lnSpc>
+              <a:spcBef>
+                <a:spcPct val="0"/>
+              </a:spcBef>
+              <a:spcAft>
+                <a:spcPct val="0"/>
+              </a:spcAft>
+              <a:buClrTx/>
+              <a:buSzTx/>
+              <a:buFontTx/>
+              <a:buChar char="•"/>
+              <a:tabLst/>
+            </a:pPr>
+            <a:r>
+              <a:rPr kumimoji="0" lang="en-US" altLang="en-US" sz="1800" b="0" i="0" u="none" strike="noStrike" cap="none" normalizeH="0" baseline="0" smtClean="0">
+                <a:ln>
+                  <a:noFill/>
+                </a:ln>
+                <a:solidFill>
+                  <a:srgbClr val="000000"/>
+                </a:solidFill>
+                <a:effectLst/>
+                <a:latin typeface="Arial" panose="020B0604020202020204" pitchFamily="34" charset="0"/>
+                <a:cs typeface="Arial" panose="020B0604020202020204" pitchFamily="34" charset="0"/>
+              </a:rPr>
+              <a:t>Functions can only be declared at the top level of a scope.</a:t>
+            </a:r>
+          </a:p>
+          <a:p>
+            <a:pPr marL="457200" marR="0" lvl="1" indent="0" algn="l" defTabSz="914400" rtl="0" eaLnBrk="0" fontAlgn="base" latinLnBrk="0" hangingPunct="0">
+              <a:lnSpc>
+                <a:spcPct val="100000"/>
+              </a:lnSpc>
+              <a:spcBef>
+                <a:spcPct val="0"/>
+              </a:spcBef>
+              <a:spcAft>
+                <a:spcPct val="0"/>
+              </a:spcAft>
+              <a:buClrTx/>
+              <a:buSzTx/>
+              <a:buFontTx/>
+              <a:buChar char="•"/>
+              <a:tabLst/>
+            </a:pPr>
+            <a:r>
+              <a:rPr kumimoji="0" lang="en-US" altLang="en-US" sz="1800" b="0" i="0" u="none" strike="noStrike" cap="none" normalizeH="0" baseline="0" smtClean="0">
+                <a:ln>
+                  <a:noFill/>
+                </a:ln>
+                <a:solidFill>
+                  <a:srgbClr val="000000"/>
+                </a:solidFill>
+                <a:effectLst/>
+                <a:latin typeface="Arial" panose="020B0604020202020204" pitchFamily="34" charset="0"/>
+                <a:cs typeface="Arial" panose="020B0604020202020204" pitchFamily="34" charset="0"/>
+              </a:rPr>
+              <a:t>More identifiers are </a:t>
+            </a:r>
+            <a:r>
+              <a:rPr kumimoji="0" lang="en-US" altLang="en-US" sz="1800" b="0" i="0" u="none" strike="noStrike" cap="none" normalizeH="0" baseline="0" smtClean="0">
+                <a:ln>
+                  <a:noFill/>
+                </a:ln>
+                <a:solidFill>
+                  <a:srgbClr val="000000"/>
+                </a:solidFill>
+                <a:effectLst/>
+                <a:latin typeface="Arial" panose="020B0604020202020204" pitchFamily="34" charset="0"/>
+                <a:cs typeface="Arial" panose="020B0604020202020204" pitchFamily="34" charset="0"/>
+                <a:hlinkClick r:id="rId2"/>
+              </a:rPr>
+              <a:t>reserved</a:t>
+            </a:r>
+            <a:r>
+              <a:rPr kumimoji="0" lang="en-US" altLang="en-US" sz="1800" b="0" i="0" u="none" strike="noStrike" cap="none" normalizeH="0" baseline="0" smtClean="0">
+                <a:ln>
+                  <a:noFill/>
+                </a:ln>
+                <a:solidFill>
+                  <a:srgbClr val="000000"/>
+                </a:solidFill>
+                <a:effectLst/>
+                <a:latin typeface="Arial" panose="020B0604020202020204" pitchFamily="34" charset="0"/>
+                <a:cs typeface="Arial" panose="020B0604020202020204" pitchFamily="34" charset="0"/>
+              </a:rPr>
+              <a:t>: </a:t>
+            </a:r>
+            <a:r>
+              <a:rPr kumimoji="0" lang="en-US" altLang="en-US" sz="1000" b="0" i="0" u="none" strike="noStrike" cap="none" normalizeH="0" baseline="0" smtClean="0">
+                <a:ln>
+                  <a:noFill/>
+                </a:ln>
+                <a:solidFill>
+                  <a:srgbClr val="000000"/>
+                </a:solidFill>
+                <a:effectLst/>
+                <a:latin typeface="Arial Unicode MS" panose="020B0604020202020204" pitchFamily="34" charset="-128"/>
+                <a:cs typeface="Arial" panose="020B0604020202020204" pitchFamily="34" charset="0"/>
+              </a:rPr>
+              <a:t>implements interface let package private protected public static yield</a:t>
+            </a:r>
+            <a:endParaRPr kumimoji="0" lang="en-US" altLang="en-US" sz="800" b="0" i="0" u="none" strike="noStrike" cap="none" normalizeH="0" baseline="0" smtClean="0">
+              <a:ln>
+                <a:noFill/>
+              </a:ln>
+              <a:solidFill>
+                <a:srgbClr val="000000"/>
+              </a:solidFill>
+              <a:effectLst/>
+              <a:latin typeface="Arial" panose="020B0604020202020204" pitchFamily="34" charset="0"/>
+              <a:cs typeface="Arial" panose="020B0604020202020204" pitchFamily="34" charset="0"/>
+            </a:endParaRPr>
+          </a:p>
+          <a:p>
+            <a:pPr marL="0" marR="0" lvl="0" indent="0" algn="l" defTabSz="914400" rtl="0" eaLnBrk="0" fontAlgn="base" latinLnBrk="0" hangingPunct="0">
+              <a:lnSpc>
+                <a:spcPct val="100000"/>
+              </a:lnSpc>
+              <a:spcBef>
+                <a:spcPct val="0"/>
+              </a:spcBef>
+              <a:spcAft>
+                <a:spcPct val="0"/>
+              </a:spcAft>
+              <a:buClrTx/>
+              <a:buSzTx/>
+              <a:buFontTx/>
+              <a:buChar char="•"/>
+              <a:tabLst/>
+            </a:pPr>
+            <a:r>
+              <a:rPr kumimoji="0" lang="en-US" altLang="en-US" sz="1800" b="0" i="0" u="none" strike="noStrike" cap="none" normalizeH="0" baseline="0" smtClean="0">
+                <a:ln>
+                  <a:noFill/>
+                </a:ln>
+                <a:solidFill>
+                  <a:srgbClr val="000000"/>
+                </a:solidFill>
+                <a:effectLst/>
+                <a:latin typeface="Arial" panose="020B0604020202020204" pitchFamily="34" charset="0"/>
+                <a:cs typeface="Arial" panose="020B0604020202020204" pitchFamily="34" charset="0"/>
+              </a:rPr>
+              <a:t>More errors. For example:</a:t>
+            </a:r>
+          </a:p>
+          <a:p>
+            <a:pPr marL="457200" marR="0" lvl="1" indent="0" algn="l" defTabSz="914400" rtl="0" eaLnBrk="0" fontAlgn="base" latinLnBrk="0" hangingPunct="0">
+              <a:lnSpc>
+                <a:spcPct val="100000"/>
+              </a:lnSpc>
+              <a:spcBef>
+                <a:spcPct val="0"/>
+              </a:spcBef>
+              <a:spcAft>
+                <a:spcPct val="0"/>
+              </a:spcAft>
+              <a:buClrTx/>
+              <a:buSzTx/>
+              <a:buFontTx/>
+              <a:buChar char="•"/>
+              <a:tabLst/>
+            </a:pPr>
+            <a:r>
+              <a:rPr kumimoji="0" lang="en-US" altLang="en-US" sz="1800" b="0" i="0" u="none" strike="noStrike" cap="none" normalizeH="0" baseline="0" smtClean="0">
+                <a:ln>
+                  <a:noFill/>
+                </a:ln>
+                <a:solidFill>
+                  <a:srgbClr val="000000"/>
+                </a:solidFill>
+                <a:effectLst/>
+                <a:latin typeface="Arial" panose="020B0604020202020204" pitchFamily="34" charset="0"/>
+                <a:cs typeface="Arial" panose="020B0604020202020204" pitchFamily="34" charset="0"/>
+              </a:rPr>
+              <a:t>Assigning to an undeclared variable causes a </a:t>
+            </a:r>
+            <a:r>
+              <a:rPr kumimoji="0" lang="en-US" altLang="en-US" sz="1000" b="0" i="0" u="none" strike="noStrike" cap="none" normalizeH="0" baseline="0" smtClean="0">
+                <a:ln>
+                  <a:noFill/>
+                </a:ln>
+                <a:solidFill>
+                  <a:srgbClr val="000000"/>
+                </a:solidFill>
+                <a:effectLst/>
+                <a:latin typeface="Arial Unicode MS" panose="020B0604020202020204" pitchFamily="34" charset="-128"/>
+                <a:cs typeface="Arial" panose="020B0604020202020204" pitchFamily="34" charset="0"/>
+              </a:rPr>
+              <a:t>ReferenceError</a:t>
+            </a:r>
+            <a:r>
+              <a:rPr kumimoji="0" lang="en-US" altLang="en-US" sz="800" b="0" i="0" u="none" strike="noStrike" cap="none" normalizeH="0" baseline="0" smtClean="0">
+                <a:ln>
+                  <a:noFill/>
+                </a:ln>
+                <a:solidFill>
+                  <a:srgbClr val="000000"/>
+                </a:solidFill>
+                <a:effectLst/>
+                <a:latin typeface="Arial" panose="020B0604020202020204" pitchFamily="34" charset="0"/>
+                <a:cs typeface="Arial" panose="020B0604020202020204" pitchFamily="34" charset="0"/>
+              </a:rPr>
+              <a:t>. In non-strict mode, a global variable is created in this case.</a:t>
+            </a:r>
+            <a:endParaRPr kumimoji="0" lang="en-US" altLang="en-US" sz="1800" b="0" i="0" u="none" strike="noStrike" cap="none" normalizeH="0" baseline="0" smtClean="0">
+              <a:ln>
+                <a:noFill/>
+              </a:ln>
+              <a:solidFill>
+                <a:srgbClr val="000000"/>
+              </a:solidFill>
+              <a:effectLst/>
+              <a:latin typeface="Arial" panose="020B0604020202020204" pitchFamily="34" charset="0"/>
+              <a:cs typeface="Arial" panose="020B0604020202020204" pitchFamily="34" charset="0"/>
+            </a:endParaRPr>
+          </a:p>
+          <a:p>
+            <a:pPr marL="457200" marR="0" lvl="1" indent="0" algn="l" defTabSz="914400" rtl="0" eaLnBrk="0" fontAlgn="base" latinLnBrk="0" hangingPunct="0">
+              <a:lnSpc>
+                <a:spcPct val="100000"/>
+              </a:lnSpc>
+              <a:spcBef>
+                <a:spcPct val="0"/>
+              </a:spcBef>
+              <a:spcAft>
+                <a:spcPct val="0"/>
+              </a:spcAft>
+              <a:buClrTx/>
+              <a:buSzTx/>
+              <a:buFontTx/>
+              <a:buChar char="•"/>
+              <a:tabLst/>
+            </a:pPr>
+            <a:r>
+              <a:rPr kumimoji="0" lang="en-US" altLang="en-US" sz="1800" b="0" i="0" u="none" strike="noStrike" cap="none" normalizeH="0" baseline="0" smtClean="0">
+                <a:ln>
+                  <a:noFill/>
+                </a:ln>
+                <a:solidFill>
+                  <a:srgbClr val="000000"/>
+                </a:solidFill>
+                <a:effectLst/>
+                <a:latin typeface="Arial" panose="020B0604020202020204" pitchFamily="34" charset="0"/>
+                <a:cs typeface="Arial" panose="020B0604020202020204" pitchFamily="34" charset="0"/>
+              </a:rPr>
+              <a:t>Changing read-only properties (such as the length of a string) causes a</a:t>
+            </a:r>
+            <a:r>
+              <a:rPr kumimoji="0" lang="en-US" altLang="en-US" sz="1000" b="0" i="0" u="none" strike="noStrike" cap="none" normalizeH="0" baseline="0" smtClean="0">
+                <a:ln>
+                  <a:noFill/>
+                </a:ln>
+                <a:solidFill>
+                  <a:srgbClr val="000000"/>
+                </a:solidFill>
+                <a:effectLst/>
+                <a:latin typeface="Arial Unicode MS" panose="020B0604020202020204" pitchFamily="34" charset="-128"/>
+                <a:cs typeface="Arial" panose="020B0604020202020204" pitchFamily="34" charset="0"/>
+              </a:rPr>
+              <a:t>TypeError</a:t>
+            </a:r>
+            <a:r>
+              <a:rPr kumimoji="0" lang="en-US" altLang="en-US" sz="800" b="0" i="0" u="none" strike="noStrike" cap="none" normalizeH="0" baseline="0" smtClean="0">
+                <a:ln>
+                  <a:noFill/>
+                </a:ln>
+                <a:solidFill>
+                  <a:srgbClr val="000000"/>
+                </a:solidFill>
+                <a:effectLst/>
+                <a:latin typeface="Arial" panose="020B0604020202020204" pitchFamily="34" charset="0"/>
+                <a:cs typeface="Arial" panose="020B0604020202020204" pitchFamily="34" charset="0"/>
+              </a:rPr>
+              <a:t>. In non-strict mode, it simply has no effect.</a:t>
+            </a:r>
+            <a:endParaRPr kumimoji="0" lang="en-US" altLang="en-US" sz="1800" b="0" i="0" u="none" strike="noStrike" cap="none" normalizeH="0" baseline="0" smtClean="0">
+              <a:ln>
+                <a:noFill/>
+              </a:ln>
+              <a:solidFill>
+                <a:srgbClr val="000000"/>
+              </a:solidFill>
+              <a:effectLst/>
+              <a:latin typeface="Arial" panose="020B0604020202020204" pitchFamily="34" charset="0"/>
+              <a:cs typeface="Arial" panose="020B0604020202020204" pitchFamily="34" charset="0"/>
+            </a:endParaRPr>
+          </a:p>
+          <a:p>
+            <a:pPr marL="0" marR="0" lvl="0" indent="0" algn="l" defTabSz="914400" rtl="0" eaLnBrk="0" fontAlgn="base" latinLnBrk="0" hangingPunct="0">
+              <a:lnSpc>
+                <a:spcPct val="100000"/>
+              </a:lnSpc>
+              <a:spcBef>
+                <a:spcPct val="0"/>
+              </a:spcBef>
+              <a:spcAft>
+                <a:spcPct val="0"/>
+              </a:spcAft>
+              <a:buClrTx/>
+              <a:buSzTx/>
+              <a:buFontTx/>
+              <a:buChar char="•"/>
+              <a:tabLst/>
+            </a:pPr>
+            <a:r>
+              <a:rPr kumimoji="0" lang="en-US" altLang="en-US" sz="1800" b="0" i="0" u="none" strike="noStrike" cap="none" normalizeH="0" baseline="0" smtClean="0">
+                <a:ln>
+                  <a:noFill/>
+                </a:ln>
+                <a:solidFill>
+                  <a:srgbClr val="000000"/>
+                </a:solidFill>
+                <a:effectLst/>
+                <a:latin typeface="Arial" panose="020B0604020202020204" pitchFamily="34" charset="0"/>
+                <a:cs typeface="Arial" panose="020B0604020202020204" pitchFamily="34" charset="0"/>
+              </a:rPr>
+              <a:t>Different semantics: Some constructs behave differently in strict mode. For example:</a:t>
+            </a:r>
+          </a:p>
+          <a:p>
+            <a:pPr marL="457200" marR="0" lvl="1" indent="0" algn="l" defTabSz="914400" rtl="0" eaLnBrk="0" fontAlgn="base" latinLnBrk="0" hangingPunct="0">
+              <a:lnSpc>
+                <a:spcPct val="100000"/>
+              </a:lnSpc>
+              <a:spcBef>
+                <a:spcPct val="0"/>
+              </a:spcBef>
+              <a:spcAft>
+                <a:spcPct val="0"/>
+              </a:spcAft>
+              <a:buClrTx/>
+              <a:buSzTx/>
+              <a:buFontTx/>
+              <a:buChar char="•"/>
+              <a:tabLst/>
+            </a:pPr>
+            <a:r>
+              <a:rPr kumimoji="0" lang="en-US" altLang="en-US" sz="1000" b="0" i="0" u="none" strike="noStrike" cap="none" normalizeH="0" baseline="0" smtClean="0">
+                <a:ln>
+                  <a:noFill/>
+                </a:ln>
+                <a:solidFill>
+                  <a:srgbClr val="000000"/>
+                </a:solidFill>
+                <a:effectLst/>
+                <a:latin typeface="Arial Unicode MS" panose="020B0604020202020204" pitchFamily="34" charset="-128"/>
+                <a:cs typeface="Arial" panose="020B0604020202020204" pitchFamily="34" charset="0"/>
+              </a:rPr>
+              <a:t>arguments</a:t>
+            </a:r>
+            <a:r>
+              <a:rPr kumimoji="0" lang="en-US" altLang="en-US" sz="800" b="0" i="0" u="none" strike="noStrike" cap="none" normalizeH="0" baseline="0" smtClean="0">
+                <a:ln>
+                  <a:noFill/>
+                </a:ln>
+                <a:solidFill>
+                  <a:srgbClr val="000000"/>
+                </a:solidFill>
+                <a:effectLst/>
+                <a:latin typeface="Arial" panose="020B0604020202020204" pitchFamily="34" charset="0"/>
+                <a:cs typeface="Arial" panose="020B0604020202020204" pitchFamily="34" charset="0"/>
+              </a:rPr>
+              <a:t> </a:t>
+            </a:r>
+            <a:r>
+              <a:rPr kumimoji="0" lang="en-US" altLang="en-US" sz="1800" b="0" i="0" u="none" strike="noStrike" cap="none" normalizeH="0" baseline="0" smtClean="0">
+                <a:ln>
+                  <a:noFill/>
+                </a:ln>
+                <a:solidFill>
+                  <a:srgbClr val="000000"/>
+                </a:solidFill>
+                <a:effectLst/>
+                <a:latin typeface="Arial" panose="020B0604020202020204" pitchFamily="34" charset="0"/>
+                <a:cs typeface="Arial" panose="020B0604020202020204" pitchFamily="34" charset="0"/>
+              </a:rPr>
+              <a:t>doesn’t track the current values of parameters, anymore.</a:t>
+            </a:r>
+          </a:p>
+          <a:p>
+            <a:pPr marL="457200" marR="0" lvl="1" indent="0" algn="l" defTabSz="914400" rtl="0" eaLnBrk="0" fontAlgn="base" latinLnBrk="0" hangingPunct="0">
+              <a:lnSpc>
+                <a:spcPct val="100000"/>
+              </a:lnSpc>
+              <a:spcBef>
+                <a:spcPct val="0"/>
+              </a:spcBef>
+              <a:spcAft>
+                <a:spcPct val="0"/>
+              </a:spcAft>
+              <a:buClrTx/>
+              <a:buSzTx/>
+              <a:buFontTx/>
+              <a:buChar char="•"/>
+              <a:tabLst/>
+            </a:pPr>
+            <a:r>
+              <a:rPr kumimoji="0" lang="en-US" altLang="en-US" sz="1000" b="0" i="0" u="none" strike="noStrike" cap="none" normalizeH="0" baseline="0" smtClean="0">
+                <a:ln>
+                  <a:noFill/>
+                </a:ln>
+                <a:solidFill>
+                  <a:srgbClr val="000000"/>
+                </a:solidFill>
+                <a:effectLst/>
+                <a:latin typeface="Arial Unicode MS" panose="020B0604020202020204" pitchFamily="34" charset="-128"/>
+                <a:cs typeface="Arial" panose="020B0604020202020204" pitchFamily="34" charset="0"/>
+              </a:rPr>
+              <a:t>this</a:t>
+            </a:r>
+            <a:r>
+              <a:rPr kumimoji="0" lang="en-US" altLang="en-US" sz="800" b="0" i="0" u="none" strike="noStrike" cap="none" normalizeH="0" baseline="0" smtClean="0">
+                <a:ln>
+                  <a:noFill/>
+                </a:ln>
+                <a:solidFill>
+                  <a:srgbClr val="000000"/>
+                </a:solidFill>
+                <a:effectLst/>
+                <a:latin typeface="Arial" panose="020B0604020202020204" pitchFamily="34" charset="0"/>
+                <a:cs typeface="Arial" panose="020B0604020202020204" pitchFamily="34" charset="0"/>
+              </a:rPr>
+              <a:t> </a:t>
+            </a:r>
+            <a:r>
+              <a:rPr kumimoji="0" lang="en-US" altLang="en-US" sz="1800" b="0" i="0" u="none" strike="noStrike" cap="none" normalizeH="0" baseline="0" smtClean="0">
+                <a:ln>
+                  <a:noFill/>
+                </a:ln>
+                <a:solidFill>
+                  <a:srgbClr val="000000"/>
+                </a:solidFill>
+                <a:effectLst/>
+                <a:latin typeface="Arial" panose="020B0604020202020204" pitchFamily="34" charset="0"/>
+                <a:cs typeface="Arial" panose="020B0604020202020204" pitchFamily="34" charset="0"/>
+              </a:rPr>
+              <a:t>is </a:t>
+            </a:r>
+            <a:r>
+              <a:rPr kumimoji="0" lang="en-US" altLang="en-US" sz="1000" b="0" i="0" u="none" strike="noStrike" cap="none" normalizeH="0" baseline="0" smtClean="0">
+                <a:ln>
+                  <a:noFill/>
+                </a:ln>
+                <a:solidFill>
+                  <a:srgbClr val="000000"/>
+                </a:solidFill>
+                <a:effectLst/>
+                <a:latin typeface="Arial Unicode MS" panose="020B0604020202020204" pitchFamily="34" charset="-128"/>
+                <a:cs typeface="Arial" panose="020B0604020202020204" pitchFamily="34" charset="0"/>
+              </a:rPr>
+              <a:t>undefined</a:t>
+            </a:r>
+            <a:r>
+              <a:rPr kumimoji="0" lang="en-US" altLang="en-US" sz="800" b="0" i="0" u="none" strike="noStrike" cap="none" normalizeH="0" baseline="0" smtClean="0">
+                <a:ln>
+                  <a:noFill/>
+                </a:ln>
+                <a:solidFill>
+                  <a:srgbClr val="000000"/>
+                </a:solidFill>
+                <a:effectLst/>
+                <a:latin typeface="Arial" panose="020B0604020202020204" pitchFamily="34" charset="0"/>
+                <a:cs typeface="Arial" panose="020B0604020202020204" pitchFamily="34" charset="0"/>
+              </a:rPr>
+              <a:t> </a:t>
+            </a:r>
+            <a:r>
+              <a:rPr kumimoji="0" lang="en-US" altLang="en-US" sz="1800" b="0" i="0" u="none" strike="noStrike" cap="none" normalizeH="0" baseline="0" smtClean="0">
+                <a:ln>
+                  <a:noFill/>
+                </a:ln>
+                <a:solidFill>
+                  <a:srgbClr val="000000"/>
+                </a:solidFill>
+                <a:effectLst/>
+                <a:latin typeface="Arial" panose="020B0604020202020204" pitchFamily="34" charset="0"/>
+                <a:cs typeface="Arial" panose="020B0604020202020204" pitchFamily="34" charset="0"/>
+              </a:rPr>
+              <a:t>in non-method functions. In non-strict mode, it refers to the global object (</a:t>
+            </a:r>
+            <a:r>
+              <a:rPr kumimoji="0" lang="en-US" altLang="en-US" sz="1000" b="0" i="0" u="none" strike="noStrike" cap="none" normalizeH="0" baseline="0" smtClean="0">
+                <a:ln>
+                  <a:noFill/>
+                </a:ln>
+                <a:solidFill>
+                  <a:srgbClr val="000000"/>
+                </a:solidFill>
+                <a:effectLst/>
+                <a:latin typeface="Arial Unicode MS" panose="020B0604020202020204" pitchFamily="34" charset="-128"/>
+                <a:cs typeface="Arial" panose="020B0604020202020204" pitchFamily="34" charset="0"/>
+              </a:rPr>
+              <a:t>window</a:t>
+            </a:r>
+            <a:r>
+              <a:rPr kumimoji="0" lang="en-US" altLang="en-US" sz="800" b="0" i="0" u="none" strike="noStrike" cap="none" normalizeH="0" baseline="0" smtClean="0">
+                <a:ln>
+                  <a:noFill/>
+                </a:ln>
+                <a:solidFill>
+                  <a:srgbClr val="000000"/>
+                </a:solidFill>
+                <a:effectLst/>
+                <a:latin typeface="Arial" panose="020B0604020202020204" pitchFamily="34" charset="0"/>
+                <a:cs typeface="Arial" panose="020B0604020202020204" pitchFamily="34" charset="0"/>
+              </a:rPr>
+              <a:t>), which meant that global variables were created if you called a constructor without</a:t>
+            </a:r>
+            <a:r>
+              <a:rPr kumimoji="0" lang="en-US" altLang="en-US" sz="1800" b="0" i="0" u="none" strike="noStrike" cap="none" normalizeH="0" baseline="0" smtClean="0">
+                <a:ln>
+                  <a:noFill/>
+                </a:ln>
+                <a:solidFill>
+                  <a:srgbClr val="000000"/>
+                </a:solidFill>
+                <a:effectLst/>
+                <a:latin typeface="Arial" panose="020B0604020202020204" pitchFamily="34" charset="0"/>
+                <a:cs typeface="Arial" panose="020B0604020202020204" pitchFamily="34" charset="0"/>
+              </a:rPr>
+              <a:t> </a:t>
+            </a:r>
+            <a:r>
+              <a:rPr kumimoji="0" lang="en-US" altLang="en-US" sz="1000" b="0" i="0" u="none" strike="noStrike" cap="none" normalizeH="0" baseline="0" smtClean="0">
+                <a:ln>
+                  <a:noFill/>
+                </a:ln>
+                <a:solidFill>
+                  <a:srgbClr val="000000"/>
+                </a:solidFill>
+                <a:effectLst/>
+                <a:latin typeface="Arial Unicode MS" panose="020B0604020202020204" pitchFamily="34" charset="-128"/>
+                <a:cs typeface="Arial" panose="020B0604020202020204" pitchFamily="34" charset="0"/>
+              </a:rPr>
+              <a:t>new</a:t>
+            </a:r>
+            <a:r>
+              <a:rPr kumimoji="0" lang="en-US" altLang="en-US" sz="800" b="0" i="0" u="none" strike="noStrike" cap="none" normalizeH="0" baseline="0" smtClean="0">
+                <a:ln>
+                  <a:noFill/>
+                </a:ln>
+                <a:solidFill>
+                  <a:srgbClr val="000000"/>
+                </a:solidFill>
+                <a:effectLst/>
+                <a:latin typeface="Arial" panose="020B0604020202020204" pitchFamily="34" charset="0"/>
+                <a:cs typeface="Arial" panose="020B0604020202020204" pitchFamily="34" charset="0"/>
+              </a:rPr>
+              <a:t>.</a:t>
+            </a:r>
+            <a:endParaRPr kumimoji="0" lang="en-US" altLang="en-US" sz="1800" b="0" i="0" u="none" strike="noStrike" cap="none" normalizeH="0" baseline="0" smtClean="0">
+              <a:ln>
+                <a:noFill/>
+              </a:ln>
+              <a:solidFill>
+                <a:srgbClr val="000000"/>
+              </a:solidFill>
+              <a:effectLst/>
+              <a:latin typeface="Arial" panose="020B0604020202020204" pitchFamily="34" charset="0"/>
+              <a:cs typeface="Arial" panose="020B0604020202020204" pitchFamily="34" charset="0"/>
+            </a:endParaRPr>
+          </a:p>
+          <a:p>
+            <a:pPr marL="0" marR="0" lvl="0" indent="0" algn="l" defTabSz="914400" rtl="0" eaLnBrk="0" fontAlgn="base" latinLnBrk="0" hangingPunct="0">
+              <a:lnSpc>
+                <a:spcPct val="100000"/>
+              </a:lnSpc>
+              <a:spcBef>
+                <a:spcPct val="0"/>
+              </a:spcBef>
+              <a:spcAft>
+                <a:spcPct val="0"/>
+              </a:spcAft>
+              <a:buClrTx/>
+              <a:buSzTx/>
+              <a:buFontTx/>
+              <a:buNone/>
+              <a:tabLst/>
+            </a:pPr>
+            <a:endParaRPr kumimoji="0" lang="en-US" altLang="en-US" sz="1800" b="0" i="0" u="none" strike="noStrike" cap="none" normalizeH="0" baseline="0" smtClean="0">
+              <a:ln>
+                <a:noFill/>
+              </a:ln>
+              <a:solidFill>
+                <a:schemeClr val="tx1"/>
+              </a:solidFill>
+              <a:effectLst/>
+              <a:latin typeface="Arial" panose="020B0604020202020204" pitchFamily="34" charset="0"/>
+            </a:endParaRPr>
+          </a:p>
+        </p:txBody>
+      </p:sp>
+    </p:spTree>
+    <p:extLst>
+      <p:ext uri="{BB962C8B-B14F-4D97-AF65-F5344CB8AC3E}">
+        <p14:creationId xmlns:p14="http://schemas.microsoft.com/office/powerpoint/2010/main" val="711794454"/>
+      </p:ext>
+    </p:extLst>
+  </p:cSld>
+  <p:clrMapOvr>
+    <a:masterClrMapping/>
+  </p:clrMapOvr>
+  <p:timing>
+    <p:tnLst>
+      <p:par>
+        <p:cTn id="1" dur="indefinite" restart="never" nodeType="tmRoot"/>
+      </p:par>
+    </p:tnLst>
+  </p:timing>
+</p:sld>
+</file>
+
+<file path=ppt/slides/slide13.xml><?xml version="1.0" encoding="utf-8"?>
+<p:sld xmlns:a="http://schemas.openxmlformats.org/drawingml/2006/main" xmlns:r="http://schemas.openxmlformats.org/officeDocument/2006/relationships" xmlns:p="http://schemas.openxmlformats.org/presentationml/2006/main">
+  <p:cSld>
+    <p:spTree>
+      <p:nvGrpSpPr>
+        <p:cNvPr id="1" name=""/>
+        <p:cNvGrpSpPr/>
+        <p:nvPr/>
+      </p:nvGrpSpPr>
+      <p:grpSpPr>
+        <a:xfrm>
+          <a:off x="0" y="0"/>
+          <a:ext cx="0" cy="0"/>
+          <a:chOff x="0" y="0"/>
+          <a:chExt cx="0" cy="0"/>
+        </a:xfrm>
+      </p:grpSpPr>
+      <p:sp>
+        <p:nvSpPr>
+          <p:cNvPr id="2" name="Title 1"/>
+          <p:cNvSpPr>
+            <a:spLocks noGrp="1"/>
+          </p:cNvSpPr>
+          <p:nvPr>
+            <p:ph type="title"/>
+          </p:nvPr>
+        </p:nvSpPr>
+        <p:spPr/>
+        <p:txBody>
+          <a:bodyPr/>
+          <a:lstStyle/>
+          <a:p>
+            <a:endParaRPr lang="en-US"/>
+          </a:p>
+        </p:txBody>
+      </p:sp>
+      <p:sp>
+        <p:nvSpPr>
+          <p:cNvPr id="3" name="Content Placeholder 2"/>
+          <p:cNvSpPr>
+            <a:spLocks noGrp="1"/>
+          </p:cNvSpPr>
+          <p:nvPr>
+            <p:ph idx="1"/>
+          </p:nvPr>
+        </p:nvSpPr>
+        <p:spPr/>
+        <p:txBody>
+          <a:bodyPr/>
+          <a:lstStyle/>
+          <a:p>
+            <a:r>
+              <a:rPr lang="en-US" dirty="0">
+                <a:hlinkClick r:id="rId2"/>
+              </a:rPr>
+              <a:t>http://school.rollingscopes.com/slides/js-strict-mode-talk</a:t>
+            </a:r>
+            <a:r>
+              <a:rPr lang="en-US" dirty="0" smtClean="0">
+                <a:hlinkClick r:id="rId2"/>
+              </a:rPr>
+              <a:t>/#/</a:t>
+            </a:r>
+            <a:endParaRPr lang="en-US" dirty="0" smtClean="0"/>
+          </a:p>
+          <a:p>
+            <a:r>
+              <a:rPr lang="en-US" dirty="0">
+                <a:hlinkClick r:id="rId3"/>
+              </a:rPr>
+              <a:t>http://school.rollingscopes.com/slides/js-object-talk</a:t>
+            </a:r>
+            <a:r>
+              <a:rPr lang="en-US" dirty="0" smtClean="0">
+                <a:hlinkClick r:id="rId3"/>
+              </a:rPr>
+              <a:t>/#/</a:t>
+            </a:r>
+            <a:endParaRPr lang="en-US" dirty="0" smtClean="0"/>
+          </a:p>
+          <a:p>
+            <a:endParaRPr lang="en-US" dirty="0"/>
+          </a:p>
+        </p:txBody>
+      </p:sp>
+    </p:spTree>
+    <p:extLst>
+      <p:ext uri="{BB962C8B-B14F-4D97-AF65-F5344CB8AC3E}">
+        <p14:creationId xmlns:p14="http://schemas.microsoft.com/office/powerpoint/2010/main" val="2517705999"/>
+      </p:ext>
+    </p:extLst>
+  </p:cSld>
+  <p:clrMapOvr>
+    <a:masterClrMapping/>
+  </p:clrMapOvr>
+  <p:timing>
+    <p:tnLst>
+      <p:par>
+        <p:cTn id="1" dur="indefinite" restart="never" nodeType="tmRoot"/>
+      </p:par>
+    </p:tnLst>
+  </p:timing>
+</p:sld>
+</file>
+
+<file path=ppt/slides/slide14.xml><?xml version="1.0" encoding="utf-8"?>
+<p:sld xmlns:a="http://schemas.openxmlformats.org/drawingml/2006/main" xmlns:r="http://schemas.openxmlformats.org/officeDocument/2006/relationships" xmlns:p="http://schemas.openxmlformats.org/presentationml/2006/main">
+  <p:cSld>
+    <p:spTree>
+      <p:nvGrpSpPr>
+        <p:cNvPr id="1" name=""/>
+        <p:cNvGrpSpPr/>
+        <p:nvPr/>
+      </p:nvGrpSpPr>
+      <p:grpSpPr>
+        <a:xfrm>
+          <a:off x="0" y="0"/>
+          <a:ext cx="0" cy="0"/>
+          <a:chOff x="0" y="0"/>
+          <a:chExt cx="0" cy="0"/>
+        </a:xfrm>
+      </p:grpSpPr>
+      <p:sp>
+        <p:nvSpPr>
+          <p:cNvPr id="2" name="Title 1"/>
+          <p:cNvSpPr>
+            <a:spLocks noGrp="1"/>
+          </p:cNvSpPr>
+          <p:nvPr>
+            <p:ph type="title"/>
+          </p:nvPr>
+        </p:nvSpPr>
+        <p:spPr/>
+        <p:txBody>
+          <a:bodyPr/>
+          <a:lstStyle/>
+          <a:p>
+            <a:r>
+              <a:rPr lang="en-US" dirty="0" smtClean="0"/>
+              <a:t>Strict mode</a:t>
+            </a:r>
+            <a:endParaRPr lang="en-US" dirty="0"/>
+          </a:p>
+        </p:txBody>
+      </p:sp>
+      <p:sp>
+        <p:nvSpPr>
+          <p:cNvPr id="3" name="Content Placeholder 2"/>
+          <p:cNvSpPr>
+            <a:spLocks noGrp="1"/>
+          </p:cNvSpPr>
+          <p:nvPr>
+            <p:ph idx="1"/>
+          </p:nvPr>
+        </p:nvSpPr>
+        <p:spPr/>
+        <p:txBody>
+          <a:bodyPr/>
+          <a:lstStyle/>
+          <a:p>
+            <a:pPr marL="0" indent="0">
+              <a:buNone/>
+            </a:pPr>
+            <a:r>
+              <a:rPr lang="en-US" dirty="0"/>
+              <a:t>Strict mode is a good example of why versioning is tricky: Even though it enables a cleaner version of JavaScript, its adoption is still relatively low.</a:t>
+            </a:r>
+            <a:endParaRPr lang="en-US" dirty="0"/>
+          </a:p>
+        </p:txBody>
+      </p:sp>
+    </p:spTree>
+    <p:extLst>
+      <p:ext uri="{BB962C8B-B14F-4D97-AF65-F5344CB8AC3E}">
+        <p14:creationId xmlns:p14="http://schemas.microsoft.com/office/powerpoint/2010/main" val="1705070849"/>
+      </p:ext>
+    </p:extLst>
+  </p:cSld>
+  <p:clrMapOvr>
+    <a:masterClrMapping/>
+  </p:clrMapOvr>
+  <p:timing>
+    <p:tnLst>
+      <p:par>
+        <p:cTn id="1" dur="indefinite" restart="never" nodeType="tmRoot"/>
+      </p:par>
+    </p:tnLst>
+  </p:timing>
+</p:sld>
+</file>
+
+<file path=ppt/slides/slide15.xml><?xml version="1.0" encoding="utf-8"?>
+<p:sld xmlns:a="http://schemas.openxmlformats.org/drawingml/2006/main" xmlns:r="http://schemas.openxmlformats.org/officeDocument/2006/relationships" xmlns:p="http://schemas.openxmlformats.org/presentationml/2006/main">
+  <p:cSld>
+    <p:spTree>
+      <p:nvGrpSpPr>
+        <p:cNvPr id="1" name=""/>
+        <p:cNvGrpSpPr/>
+        <p:nvPr/>
+      </p:nvGrpSpPr>
+      <p:grpSpPr>
+        <a:xfrm>
+          <a:off x="0" y="0"/>
+          <a:ext cx="0" cy="0"/>
+          <a:chOff x="0" y="0"/>
+          <a:chExt cx="0" cy="0"/>
+        </a:xfrm>
+      </p:grpSpPr>
+      <p:sp>
+        <p:nvSpPr>
+          <p:cNvPr id="2" name="Title 1"/>
+          <p:cNvSpPr>
+            <a:spLocks noGrp="1"/>
+          </p:cNvSpPr>
+          <p:nvPr>
+            <p:ph type="title"/>
+          </p:nvPr>
+        </p:nvSpPr>
+        <p:spPr/>
+        <p:txBody>
+          <a:bodyPr/>
+          <a:lstStyle/>
+          <a:p>
+            <a:r>
+              <a:rPr lang="en-US" dirty="0" smtClean="0"/>
+              <a:t>Let in sloppy and strict mode</a:t>
+            </a:r>
+            <a:endParaRPr lang="en-US" dirty="0"/>
+          </a:p>
+        </p:txBody>
+      </p:sp>
+      <p:sp>
+        <p:nvSpPr>
+          <p:cNvPr id="3" name="Content Placeholder 2"/>
+          <p:cNvSpPr>
+            <a:spLocks noGrp="1"/>
+          </p:cNvSpPr>
+          <p:nvPr>
+            <p:ph idx="1"/>
+          </p:nvPr>
+        </p:nvSpPr>
+        <p:spPr/>
+        <p:txBody>
+          <a:bodyPr>
+            <a:normAutofit lnSpcReduction="10000"/>
+          </a:bodyPr>
+          <a:lstStyle/>
+          <a:p>
+            <a:pPr marL="0" indent="0">
+              <a:buNone/>
+            </a:pPr>
+            <a:r>
+              <a:rPr lang="en-US" dirty="0" smtClean="0"/>
+              <a:t>ES5 Sloppy vs ES6 Sloppy</a:t>
+            </a:r>
+          </a:p>
+          <a:p>
+            <a:pPr marL="0" indent="0">
+              <a:buNone/>
+            </a:pPr>
+            <a:r>
+              <a:rPr lang="en-US" dirty="0" err="1"/>
+              <a:t>var</a:t>
+            </a:r>
+            <a:r>
+              <a:rPr lang="en-US" dirty="0"/>
+              <a:t> let = [];</a:t>
+            </a:r>
+          </a:p>
+          <a:p>
+            <a:pPr marL="0" indent="0">
+              <a:buNone/>
+            </a:pPr>
+            <a:r>
+              <a:rPr lang="en-US" dirty="0"/>
+              <a:t>let[x] = '</a:t>
+            </a:r>
+            <a:r>
+              <a:rPr lang="en-US" dirty="0" err="1"/>
+              <a:t>abc</a:t>
+            </a:r>
+            <a:r>
+              <a:rPr lang="en-US" dirty="0" smtClean="0"/>
+              <a:t>';</a:t>
+            </a:r>
+          </a:p>
+          <a:p>
+            <a:pPr marL="0" indent="0">
+              <a:buNone/>
+            </a:pPr>
+            <a:endParaRPr lang="en-US" dirty="0"/>
+          </a:p>
+          <a:p>
+            <a:pPr marL="0" indent="0">
+              <a:buNone/>
+            </a:pPr>
+            <a:endParaRPr lang="en-US" dirty="0" smtClean="0"/>
+          </a:p>
+          <a:p>
+            <a:pPr marL="0" indent="0">
+              <a:buNone/>
+            </a:pPr>
+            <a:endParaRPr lang="en-US" dirty="0"/>
+          </a:p>
+          <a:p>
+            <a:pPr marL="0" indent="0">
+              <a:buNone/>
+            </a:pPr>
+            <a:endParaRPr lang="en-US" dirty="0" smtClean="0"/>
+          </a:p>
+          <a:p>
+            <a:pPr marL="0" indent="0">
+              <a:buNone/>
+            </a:pPr>
+            <a:endParaRPr lang="en-US" dirty="0"/>
+          </a:p>
+          <a:p>
+            <a:pPr marL="0" indent="0">
+              <a:buNone/>
+            </a:pPr>
+            <a:r>
+              <a:rPr lang="en-US" dirty="0"/>
+              <a:t>http://exploringjs.com/es6/ch_one-javascript.html</a:t>
+            </a:r>
+          </a:p>
+        </p:txBody>
+      </p:sp>
+    </p:spTree>
+    <p:extLst>
+      <p:ext uri="{BB962C8B-B14F-4D97-AF65-F5344CB8AC3E}">
+        <p14:creationId xmlns:p14="http://schemas.microsoft.com/office/powerpoint/2010/main" val="471525551"/>
+      </p:ext>
+    </p:extLst>
+  </p:cSld>
+  <p:clrMapOvr>
+    <a:masterClrMapping/>
+  </p:clrMapOvr>
+  <p:timing>
+    <p:tnLst>
+      <p:par>
+        <p:cTn id="1" dur="indefinite" restart="never" nodeType="tmRoot"/>
+      </p:par>
+    </p:tnLst>
+  </p:timing>
+</p:sld>
+</file>
+
+<file path=ppt/slides/slide16.xml><?xml version="1.0" encoding="utf-8"?>
+<p:sld xmlns:a="http://schemas.openxmlformats.org/drawingml/2006/main" xmlns:r="http://schemas.openxmlformats.org/officeDocument/2006/relationships" xmlns:p="http://schemas.openxmlformats.org/presentationml/2006/main">
+  <p:cSld>
+    <p:spTree>
+      <p:nvGrpSpPr>
+        <p:cNvPr id="1" name=""/>
+        <p:cNvGrpSpPr/>
+        <p:nvPr/>
+      </p:nvGrpSpPr>
+      <p:grpSpPr>
+        <a:xfrm>
+          <a:off x="0" y="0"/>
+          <a:ext cx="0" cy="0"/>
+          <a:chOff x="0" y="0"/>
+          <a:chExt cx="0" cy="0"/>
+        </a:xfrm>
+      </p:grpSpPr>
+      <p:sp>
+        <p:nvSpPr>
+          <p:cNvPr id="2" name="Title 1"/>
+          <p:cNvSpPr>
+            <a:spLocks noGrp="1"/>
+          </p:cNvSpPr>
+          <p:nvPr>
+            <p:ph type="title"/>
+          </p:nvPr>
+        </p:nvSpPr>
+        <p:spPr/>
+        <p:txBody>
+          <a:bodyPr>
+            <a:normAutofit fontScale="90000"/>
+          </a:bodyPr>
+          <a:lstStyle/>
+          <a:p>
+            <a:r>
+              <a:rPr lang="en-US" b="1" dirty="0" smtClean="0"/>
+              <a:t>Block-level </a:t>
+            </a:r>
+            <a:r>
+              <a:rPr lang="en-US" b="1" dirty="0"/>
+              <a:t>function declarations in sloppy mode</a:t>
+            </a:r>
+            <a:br>
+              <a:rPr lang="en-US" b="1" dirty="0"/>
+            </a:br>
+            <a:endParaRPr lang="en-US" dirty="0"/>
+          </a:p>
+        </p:txBody>
+      </p:sp>
+      <p:sp>
+        <p:nvSpPr>
+          <p:cNvPr id="3" name="Content Placeholder 2"/>
+          <p:cNvSpPr>
+            <a:spLocks noGrp="1"/>
+          </p:cNvSpPr>
+          <p:nvPr>
+            <p:ph idx="1"/>
+          </p:nvPr>
+        </p:nvSpPr>
+        <p:spPr/>
+        <p:txBody>
+          <a:bodyPr/>
+          <a:lstStyle/>
+          <a:p>
+            <a:pPr marL="0" indent="0">
+              <a:buNone/>
+            </a:pPr>
+            <a:r>
+              <a:rPr lang="en-US" dirty="0"/>
+              <a:t>ECMAScript 5 strict mode forbids function declarations in blocks. The specification allowed them in sloppy mode, but didn’t specify how they should behave. Hence, various implementations of JavaScript support them, but handle them differently.</a:t>
+            </a:r>
+            <a:endParaRPr lang="en-US" dirty="0"/>
+          </a:p>
+        </p:txBody>
+      </p:sp>
+    </p:spTree>
+    <p:extLst>
+      <p:ext uri="{BB962C8B-B14F-4D97-AF65-F5344CB8AC3E}">
+        <p14:creationId xmlns:p14="http://schemas.microsoft.com/office/powerpoint/2010/main" val="377646086"/>
+      </p:ext>
+    </p:extLst>
+  </p:cSld>
+  <p:clrMapOvr>
+    <a:masterClrMapping/>
+  </p:clrMapOvr>
+  <p:timing>
+    <p:tnLst>
+      <p:par>
+        <p:cTn id="1" dur="indefinite" restart="never" nodeType="tmRoot"/>
+      </p:par>
+    </p:tnLst>
+  </p:timing>
+</p:sld>
+</file>
+
+<file path=ppt/slides/slide17.xml><?xml version="1.0" encoding="utf-8"?>
+<p:sld xmlns:a="http://schemas.openxmlformats.org/drawingml/2006/main" xmlns:r="http://schemas.openxmlformats.org/officeDocument/2006/relationships" xmlns:p="http://schemas.openxmlformats.org/presentationml/2006/main">
+  <p:cSld>
+    <p:spTree>
+      <p:nvGrpSpPr>
+        <p:cNvPr id="1" name=""/>
+        <p:cNvGrpSpPr/>
+        <p:nvPr/>
+      </p:nvGrpSpPr>
+      <p:grpSpPr>
+        <a:xfrm>
+          <a:off x="0" y="0"/>
+          <a:ext cx="0" cy="0"/>
+          <a:chOff x="0" y="0"/>
+          <a:chExt cx="0" cy="0"/>
+        </a:xfrm>
+      </p:grpSpPr>
+      <p:sp>
+        <p:nvSpPr>
+          <p:cNvPr id="2" name="Title 1"/>
+          <p:cNvSpPr>
+            <a:spLocks noGrp="1"/>
+          </p:cNvSpPr>
+          <p:nvPr>
+            <p:ph type="title"/>
+          </p:nvPr>
+        </p:nvSpPr>
+        <p:spPr/>
+        <p:txBody>
+          <a:bodyPr/>
+          <a:lstStyle/>
+          <a:p>
+            <a:endParaRPr lang="en-US" dirty="0"/>
+          </a:p>
+        </p:txBody>
+      </p:sp>
+      <p:sp>
+        <p:nvSpPr>
+          <p:cNvPr id="4" name="Rectangle 1"/>
+          <p:cNvSpPr>
+            <a:spLocks noGrp="1" noChangeArrowheads="1"/>
+          </p:cNvSpPr>
+          <p:nvPr>
+            <p:ph idx="1"/>
+          </p:nvPr>
+        </p:nvSpPr>
+        <p:spPr bwMode="auto">
+          <a:prstGeom prst="rect">
+            <a:avLst/>
+          </a:prstGeom>
+          <a:noFill/>
+          <a:ln>
+            <a:noFill/>
+          </a:ln>
+          <a:effectLst/>
+          <a:extLst>
+            <a:ext uri="{909E8E84-426E-40DD-AFC4-6F175D3DCCD1}">
+              <a14:hiddenFill xmlns:a14="http://schemas.microsoft.com/office/drawing/2010/main">
+                <a:solidFill>
+                  <a:schemeClr val="accent1"/>
+                </a:solidFill>
+              </a14:hiddenFill>
+            </a:ext>
+            <a:ext uri="{91240B29-F687-4F45-9708-019B960494DF}">
+              <a14:hiddenLine xmlns:a14="http://schemas.microsoft.com/office/drawing/2010/main" w="9525">
+                <a:solidFill>
+                  <a:schemeClr val="tx1"/>
+                </a:solidFill>
+                <a:miter lim="800000"/>
+                <a:headEnd/>
+                <a:tailEnd/>
+              </a14:hiddenLine>
+            </a:ext>
+            <a:ext uri="{AF507438-7753-43E0-B8FC-AC1667EBCBE1}">
+              <a14:hiddenEffects xmlns:a14="http://schemas.microsoft.com/office/drawing/2010/main">
+                <a:effectLst>
+                  <a:outerShdw dist="35921" dir="2700000" algn="ctr" rotWithShape="0">
+                    <a:schemeClr val="bg2"/>
+                  </a:outerShdw>
+                </a:effectLst>
+              </a14:hiddenEffects>
+            </a:ext>
+          </a:extLst>
+        </p:spPr>
+        <p:txBody>
+          <a:bodyPr vert="horz" wrap="none" lIns="91440" tIns="45720" rIns="91440" bIns="45720" numCol="1" anchor="ctr" anchorCtr="0" compatLnSpc="1">
+            <a:prstTxWarp prst="textNoShape">
+              <a:avLst/>
+            </a:prstTxWarp>
+            <a:spAutoFit/>
+          </a:bodyPr>
+          <a:lstStyle>
+            <a:lvl1pPr eaLnBrk="0" fontAlgn="base" hangingPunct="0">
+              <a:spcBef>
+                <a:spcPct val="0"/>
+              </a:spcBef>
+              <a:spcAft>
+                <a:spcPct val="0"/>
+              </a:spcAft>
+              <a:defRPr>
+                <a:solidFill>
+                  <a:schemeClr val="tx1"/>
+                </a:solidFill>
+                <a:latin typeface="Arial" panose="020B0604020202020204" pitchFamily="34" charset="0"/>
+              </a:defRPr>
+            </a:lvl1pPr>
+            <a:lvl2pPr eaLnBrk="0" fontAlgn="base" hangingPunct="0">
+              <a:spcBef>
+                <a:spcPct val="0"/>
+              </a:spcBef>
+              <a:spcAft>
+                <a:spcPct val="0"/>
+              </a:spcAft>
+              <a:defRPr>
+                <a:solidFill>
+                  <a:schemeClr val="tx1"/>
+                </a:solidFill>
+                <a:latin typeface="Arial" panose="020B0604020202020204" pitchFamily="34" charset="0"/>
+              </a:defRPr>
+            </a:lvl2pPr>
+            <a:lvl3pPr eaLnBrk="0" fontAlgn="base" hangingPunct="0">
+              <a:spcBef>
+                <a:spcPct val="0"/>
+              </a:spcBef>
+              <a:spcAft>
+                <a:spcPct val="0"/>
+              </a:spcAft>
+              <a:defRPr>
+                <a:solidFill>
+                  <a:schemeClr val="tx1"/>
+                </a:solidFill>
+                <a:latin typeface="Arial" panose="020B0604020202020204" pitchFamily="34" charset="0"/>
+              </a:defRPr>
+            </a:lvl3pPr>
+            <a:lvl4pPr eaLnBrk="0" fontAlgn="base" hangingPunct="0">
+              <a:spcBef>
+                <a:spcPct val="0"/>
+              </a:spcBef>
+              <a:spcAft>
+                <a:spcPct val="0"/>
+              </a:spcAft>
+              <a:defRPr>
+                <a:solidFill>
+                  <a:schemeClr val="tx1"/>
+                </a:solidFill>
+                <a:latin typeface="Arial" panose="020B0604020202020204" pitchFamily="34" charset="0"/>
+              </a:defRPr>
+            </a:lvl4pPr>
+            <a:lvl5pPr eaLnBrk="0" fontAlgn="base" hangingPunct="0">
+              <a:spcBef>
+                <a:spcPct val="0"/>
+              </a:spcBef>
+              <a:spcAft>
+                <a:spcPct val="0"/>
+              </a:spcAft>
+              <a:defRPr>
+                <a:solidFill>
+                  <a:schemeClr val="tx1"/>
+                </a:solidFill>
+                <a:latin typeface="Arial" panose="020B0604020202020204" pitchFamily="34" charset="0"/>
+              </a:defRPr>
+            </a:lvl5pPr>
+            <a:lvl6pPr eaLnBrk="0" fontAlgn="base" hangingPunct="0">
+              <a:spcBef>
+                <a:spcPct val="0"/>
+              </a:spcBef>
+              <a:spcAft>
+                <a:spcPct val="0"/>
+              </a:spcAft>
+              <a:defRPr>
+                <a:solidFill>
+                  <a:schemeClr val="tx1"/>
+                </a:solidFill>
+                <a:latin typeface="Arial" panose="020B0604020202020204" pitchFamily="34" charset="0"/>
+              </a:defRPr>
+            </a:lvl6pPr>
+            <a:lvl7pPr eaLnBrk="0" fontAlgn="base" hangingPunct="0">
+              <a:spcBef>
+                <a:spcPct val="0"/>
+              </a:spcBef>
+              <a:spcAft>
+                <a:spcPct val="0"/>
+              </a:spcAft>
+              <a:defRPr>
+                <a:solidFill>
+                  <a:schemeClr val="tx1"/>
+                </a:solidFill>
+                <a:latin typeface="Arial" panose="020B0604020202020204" pitchFamily="34" charset="0"/>
+              </a:defRPr>
+            </a:lvl7pPr>
+            <a:lvl8pPr eaLnBrk="0" fontAlgn="base" hangingPunct="0">
+              <a:spcBef>
+                <a:spcPct val="0"/>
+              </a:spcBef>
+              <a:spcAft>
+                <a:spcPct val="0"/>
+              </a:spcAft>
+              <a:defRPr>
+                <a:solidFill>
+                  <a:schemeClr val="tx1"/>
+                </a:solidFill>
+                <a:latin typeface="Arial" panose="020B0604020202020204" pitchFamily="34" charset="0"/>
+              </a:defRPr>
+            </a:lvl8pPr>
+            <a:lvl9pPr eaLnBrk="0" fontAlgn="base" hangingPunct="0">
+              <a:spcBef>
+                <a:spcPct val="0"/>
+              </a:spcBef>
+              <a:spcAft>
+                <a:spcPct val="0"/>
+              </a:spcAft>
+              <a:defRPr>
+                <a:solidFill>
+                  <a:schemeClr val="tx1"/>
+                </a:solidFill>
+                <a:latin typeface="Arial" panose="020B0604020202020204" pitchFamily="34" charset="0"/>
+              </a:defRPr>
+            </a:lvl9pPr>
+          </a:lstStyle>
+          <a:p>
+            <a:pPr marL="0" marR="0" lvl="0" indent="0" algn="l" defTabSz="914400" rtl="0" eaLnBrk="0" fontAlgn="base" latinLnBrk="0" hangingPunct="0">
+              <a:lnSpc>
+                <a:spcPct val="100000"/>
+              </a:lnSpc>
+              <a:spcBef>
+                <a:spcPct val="0"/>
+              </a:spcBef>
+              <a:spcAft>
+                <a:spcPct val="0"/>
+              </a:spcAft>
+              <a:buClrTx/>
+              <a:buSzTx/>
+              <a:buFontTx/>
+              <a:buNone/>
+              <a:tabLst/>
+            </a:pPr>
+            <a:r>
+              <a:rPr kumimoji="0" lang="en-US" altLang="en-US" sz="1800" b="0" i="0" u="none" strike="noStrike" cap="none" normalizeH="0" baseline="0" smtClean="0">
+                <a:ln>
+                  <a:noFill/>
+                </a:ln>
+                <a:solidFill>
+                  <a:srgbClr val="000000"/>
+                </a:solidFill>
+                <a:effectLst/>
+                <a:latin typeface="Arial" panose="020B0604020202020204" pitchFamily="34" charset="0"/>
+                <a:cs typeface="Arial" panose="020B0604020202020204" pitchFamily="34" charset="0"/>
+              </a:rPr>
+              <a:t>The identifiers </a:t>
+            </a:r>
+            <a:r>
+              <a:rPr kumimoji="0" lang="en-US" altLang="en-US" sz="1000" b="0" i="0" u="none" strike="noStrike" cap="none" normalizeH="0" baseline="0" smtClean="0">
+                <a:ln>
+                  <a:noFill/>
+                </a:ln>
+                <a:solidFill>
+                  <a:srgbClr val="000000"/>
+                </a:solidFill>
+                <a:effectLst/>
+                <a:latin typeface="Arial Unicode MS" panose="020B0604020202020204" pitchFamily="34" charset="-128"/>
+              </a:rPr>
+              <a:t>yield</a:t>
+            </a:r>
+            <a:r>
+              <a:rPr kumimoji="0" lang="en-US" altLang="en-US" sz="800" b="0" i="0" u="none" strike="noStrike" cap="none" normalizeH="0" baseline="0" smtClean="0">
+                <a:ln>
+                  <a:noFill/>
+                </a:ln>
+                <a:solidFill>
+                  <a:srgbClr val="000000"/>
+                </a:solidFill>
+                <a:effectLst/>
+                <a:latin typeface="Arial" panose="020B0604020202020204" pitchFamily="34" charset="0"/>
+                <a:cs typeface="Arial" panose="020B0604020202020204" pitchFamily="34" charset="0"/>
+              </a:rPr>
+              <a:t> </a:t>
+            </a:r>
+            <a:r>
+              <a:rPr kumimoji="0" lang="en-US" altLang="en-US" sz="1800" b="0" i="0" u="none" strike="noStrike" cap="none" normalizeH="0" baseline="0" smtClean="0">
+                <a:ln>
+                  <a:noFill/>
+                </a:ln>
+                <a:solidFill>
+                  <a:srgbClr val="000000"/>
+                </a:solidFill>
+                <a:effectLst/>
+                <a:latin typeface="Arial" panose="020B0604020202020204" pitchFamily="34" charset="0"/>
+                <a:cs typeface="Arial" panose="020B0604020202020204" pitchFamily="34" charset="0"/>
+              </a:rPr>
+              <a:t>and </a:t>
+            </a:r>
+            <a:r>
+              <a:rPr kumimoji="0" lang="en-US" altLang="en-US" sz="1000" b="0" i="0" u="none" strike="noStrike" cap="none" normalizeH="0" baseline="0" smtClean="0">
+                <a:ln>
+                  <a:noFill/>
+                </a:ln>
+                <a:solidFill>
+                  <a:srgbClr val="000000"/>
+                </a:solidFill>
+                <a:effectLst/>
+                <a:latin typeface="Arial Unicode MS" panose="020B0604020202020204" pitchFamily="34" charset="-128"/>
+              </a:rPr>
+              <a:t>static</a:t>
+            </a:r>
+            <a:r>
+              <a:rPr kumimoji="0" lang="en-US" altLang="en-US" sz="800" b="0" i="0" u="none" strike="noStrike" cap="none" normalizeH="0" baseline="0" smtClean="0">
+                <a:ln>
+                  <a:noFill/>
+                </a:ln>
+                <a:solidFill>
+                  <a:srgbClr val="000000"/>
+                </a:solidFill>
+                <a:effectLst/>
+                <a:latin typeface="Arial" panose="020B0604020202020204" pitchFamily="34" charset="0"/>
+                <a:cs typeface="Arial" panose="020B0604020202020204" pitchFamily="34" charset="0"/>
+              </a:rPr>
+              <a:t> </a:t>
+            </a:r>
+            <a:r>
+              <a:rPr kumimoji="0" lang="en-US" altLang="en-US" sz="1800" b="0" i="0" u="none" strike="noStrike" cap="none" normalizeH="0" baseline="0" smtClean="0">
+                <a:ln>
+                  <a:noFill/>
+                </a:ln>
+                <a:solidFill>
+                  <a:srgbClr val="000000"/>
+                </a:solidFill>
+                <a:effectLst/>
+                <a:latin typeface="Arial" panose="020B0604020202020204" pitchFamily="34" charset="0"/>
+                <a:cs typeface="Arial" panose="020B0604020202020204" pitchFamily="34" charset="0"/>
+              </a:rPr>
+              <a:t>are only reserved in ES5 strict mode</a:t>
+            </a:r>
+            <a:r>
+              <a:rPr kumimoji="0" lang="en-US" altLang="en-US" sz="1800" b="0" i="0" u="none" strike="noStrike" cap="none" normalizeH="0" baseline="0" smtClean="0">
+                <a:ln>
+                  <a:noFill/>
+                </a:ln>
+                <a:solidFill>
+                  <a:schemeClr val="tx1"/>
+                </a:solidFill>
+                <a:effectLst/>
+              </a:rPr>
+              <a:t> </a:t>
+            </a:r>
+            <a:endParaRPr kumimoji="0" lang="en-US" altLang="en-US" sz="1800" b="0" i="0" u="none" strike="noStrike" cap="none" normalizeH="0" baseline="0" smtClean="0">
+              <a:ln>
+                <a:noFill/>
+              </a:ln>
+              <a:solidFill>
+                <a:schemeClr val="tx1"/>
+              </a:solidFill>
+              <a:effectLst/>
+              <a:latin typeface="Arial" panose="020B0604020202020204" pitchFamily="34" charset="0"/>
+            </a:endParaRPr>
+          </a:p>
+        </p:txBody>
+      </p:sp>
+    </p:spTree>
+    <p:extLst>
+      <p:ext uri="{BB962C8B-B14F-4D97-AF65-F5344CB8AC3E}">
+        <p14:creationId xmlns:p14="http://schemas.microsoft.com/office/powerpoint/2010/main" val="3705790323"/>
+      </p:ext>
+    </p:extLst>
+  </p:cSld>
+  <p:clrMapOvr>
+    <a:masterClrMapping/>
+  </p:clrMapOvr>
+  <p:timing>
+    <p:tnLst>
+      <p:par>
+        <p:cTn id="1" dur="indefinite" restart="never" nodeType="tmRoot"/>
+      </p:par>
+    </p:tnLst>
+  </p:timing>
+</p:sld>
+</file>
+
+<file path=ppt/slides/slide18.xml><?xml version="1.0" encoding="utf-8"?>
+<p:sld xmlns:a="http://schemas.openxmlformats.org/drawingml/2006/main" xmlns:r="http://schemas.openxmlformats.org/officeDocument/2006/relationships" xmlns:p="http://schemas.openxmlformats.org/presentationml/2006/main">
+  <p:cSld>
+    <p:spTree>
+      <p:nvGrpSpPr>
+        <p:cNvPr id="1" name=""/>
+        <p:cNvGrpSpPr/>
+        <p:nvPr/>
+      </p:nvGrpSpPr>
+      <p:grpSpPr>
+        <a:xfrm>
+          <a:off x="0" y="0"/>
+          <a:ext cx="0" cy="0"/>
+          <a:chOff x="0" y="0"/>
+          <a:chExt cx="0" cy="0"/>
+        </a:xfrm>
+      </p:grpSpPr>
+      <p:sp>
+        <p:nvSpPr>
+          <p:cNvPr id="2" name="Title 1"/>
+          <p:cNvSpPr>
+            <a:spLocks noGrp="1"/>
+          </p:cNvSpPr>
+          <p:nvPr>
+            <p:ph type="title"/>
+          </p:nvPr>
+        </p:nvSpPr>
+        <p:spPr/>
+        <p:txBody>
+          <a:bodyPr/>
+          <a:lstStyle/>
+          <a:p>
+            <a:r>
+              <a:rPr lang="en-US" b="1" dirty="0"/>
+              <a:t>Implicit strict mode</a:t>
+            </a:r>
+          </a:p>
+        </p:txBody>
+      </p:sp>
+      <p:sp>
+        <p:nvSpPr>
+          <p:cNvPr id="4" name="Rectangle 1"/>
+          <p:cNvSpPr>
+            <a:spLocks noGrp="1" noChangeArrowheads="1"/>
+          </p:cNvSpPr>
+          <p:nvPr>
+            <p:ph idx="1"/>
+          </p:nvPr>
+        </p:nvSpPr>
+        <p:spPr bwMode="auto">
+          <a:xfrm>
+            <a:off x="748748" y="1690688"/>
+            <a:ext cx="8392041" cy="646331"/>
+          </a:xfrm>
+          <a:prstGeom prst="rect">
+            <a:avLst/>
+          </a:prstGeom>
+          <a:noFill/>
+          <a:ln>
+            <a:noFill/>
+          </a:ln>
+          <a:effectLst/>
+          <a:extLst>
+            <a:ext uri="{909E8E84-426E-40DD-AFC4-6F175D3DCCD1}">
+              <a14:hiddenFill xmlns:a14="http://schemas.microsoft.com/office/drawing/2010/main">
+                <a:solidFill>
+                  <a:schemeClr val="accent1"/>
+                </a:solidFill>
+              </a14:hiddenFill>
+            </a:ext>
+            <a:ext uri="{91240B29-F687-4F45-9708-019B960494DF}">
+              <a14:hiddenLine xmlns:a14="http://schemas.microsoft.com/office/drawing/2010/main" w="9525">
+                <a:solidFill>
+                  <a:schemeClr val="tx1"/>
+                </a:solidFill>
+                <a:miter lim="800000"/>
+                <a:headEnd/>
+                <a:tailEnd/>
+              </a14:hiddenLine>
+            </a:ext>
+            <a:ext uri="{AF507438-7753-43E0-B8FC-AC1667EBCBE1}">
+              <a14:hiddenEffects xmlns:a14="http://schemas.microsoft.com/office/drawing/2010/main">
+                <a:effectLst>
+                  <a:outerShdw dist="35921" dir="2700000" algn="ctr" rotWithShape="0">
+                    <a:schemeClr val="bg2"/>
+                  </a:outerShdw>
+                </a:effectLst>
+              </a14:hiddenEffects>
+            </a:ext>
+          </a:extLst>
+        </p:spPr>
+        <p:txBody>
+          <a:bodyPr vert="horz" wrap="none" lIns="91440" tIns="45720" rIns="91440" bIns="45720" numCol="1" anchor="ctr" anchorCtr="0" compatLnSpc="1">
+            <a:prstTxWarp prst="textNoShape">
+              <a:avLst/>
+            </a:prstTxWarp>
+            <a:spAutoFit/>
+          </a:bodyPr>
+          <a:lstStyle>
+            <a:lvl1pPr eaLnBrk="0" fontAlgn="base" hangingPunct="0">
+              <a:spcBef>
+                <a:spcPct val="0"/>
+              </a:spcBef>
+              <a:spcAft>
+                <a:spcPct val="0"/>
+              </a:spcAft>
+              <a:defRPr>
+                <a:solidFill>
+                  <a:schemeClr val="tx1"/>
+                </a:solidFill>
+                <a:latin typeface="Arial" panose="020B0604020202020204" pitchFamily="34" charset="0"/>
+              </a:defRPr>
+            </a:lvl1pPr>
+            <a:lvl2pPr eaLnBrk="0" fontAlgn="base" hangingPunct="0">
+              <a:spcBef>
+                <a:spcPct val="0"/>
+              </a:spcBef>
+              <a:spcAft>
+                <a:spcPct val="0"/>
+              </a:spcAft>
+              <a:defRPr>
+                <a:solidFill>
+                  <a:schemeClr val="tx1"/>
+                </a:solidFill>
+                <a:latin typeface="Arial" panose="020B0604020202020204" pitchFamily="34" charset="0"/>
+              </a:defRPr>
+            </a:lvl2pPr>
+            <a:lvl3pPr eaLnBrk="0" fontAlgn="base" hangingPunct="0">
+              <a:spcBef>
+                <a:spcPct val="0"/>
+              </a:spcBef>
+              <a:spcAft>
+                <a:spcPct val="0"/>
+              </a:spcAft>
+              <a:defRPr>
+                <a:solidFill>
+                  <a:schemeClr val="tx1"/>
+                </a:solidFill>
+                <a:latin typeface="Arial" panose="020B0604020202020204" pitchFamily="34" charset="0"/>
+              </a:defRPr>
+            </a:lvl3pPr>
+            <a:lvl4pPr eaLnBrk="0" fontAlgn="base" hangingPunct="0">
+              <a:spcBef>
+                <a:spcPct val="0"/>
+              </a:spcBef>
+              <a:spcAft>
+                <a:spcPct val="0"/>
+              </a:spcAft>
+              <a:defRPr>
+                <a:solidFill>
+                  <a:schemeClr val="tx1"/>
+                </a:solidFill>
+                <a:latin typeface="Arial" panose="020B0604020202020204" pitchFamily="34" charset="0"/>
+              </a:defRPr>
+            </a:lvl4pPr>
+            <a:lvl5pPr eaLnBrk="0" fontAlgn="base" hangingPunct="0">
+              <a:spcBef>
+                <a:spcPct val="0"/>
+              </a:spcBef>
+              <a:spcAft>
+                <a:spcPct val="0"/>
+              </a:spcAft>
+              <a:defRPr>
+                <a:solidFill>
+                  <a:schemeClr val="tx1"/>
+                </a:solidFill>
+                <a:latin typeface="Arial" panose="020B0604020202020204" pitchFamily="34" charset="0"/>
+              </a:defRPr>
+            </a:lvl5pPr>
+            <a:lvl6pPr eaLnBrk="0" fontAlgn="base" hangingPunct="0">
+              <a:spcBef>
+                <a:spcPct val="0"/>
+              </a:spcBef>
+              <a:spcAft>
+                <a:spcPct val="0"/>
+              </a:spcAft>
+              <a:defRPr>
+                <a:solidFill>
+                  <a:schemeClr val="tx1"/>
+                </a:solidFill>
+                <a:latin typeface="Arial" panose="020B0604020202020204" pitchFamily="34" charset="0"/>
+              </a:defRPr>
+            </a:lvl6pPr>
+            <a:lvl7pPr eaLnBrk="0" fontAlgn="base" hangingPunct="0">
+              <a:spcBef>
+                <a:spcPct val="0"/>
+              </a:spcBef>
+              <a:spcAft>
+                <a:spcPct val="0"/>
+              </a:spcAft>
+              <a:defRPr>
+                <a:solidFill>
+                  <a:schemeClr val="tx1"/>
+                </a:solidFill>
+                <a:latin typeface="Arial" panose="020B0604020202020204" pitchFamily="34" charset="0"/>
+              </a:defRPr>
+            </a:lvl7pPr>
+            <a:lvl8pPr eaLnBrk="0" fontAlgn="base" hangingPunct="0">
+              <a:spcBef>
+                <a:spcPct val="0"/>
+              </a:spcBef>
+              <a:spcAft>
+                <a:spcPct val="0"/>
+              </a:spcAft>
+              <a:defRPr>
+                <a:solidFill>
+                  <a:schemeClr val="tx1"/>
+                </a:solidFill>
+                <a:latin typeface="Arial" panose="020B0604020202020204" pitchFamily="34" charset="0"/>
+              </a:defRPr>
+            </a:lvl8pPr>
+            <a:lvl9pPr eaLnBrk="0" fontAlgn="base" hangingPunct="0">
+              <a:spcBef>
+                <a:spcPct val="0"/>
+              </a:spcBef>
+              <a:spcAft>
+                <a:spcPct val="0"/>
+              </a:spcAft>
+              <a:defRPr>
+                <a:solidFill>
+                  <a:schemeClr val="tx1"/>
+                </a:solidFill>
+                <a:latin typeface="Arial" panose="020B0604020202020204" pitchFamily="34" charset="0"/>
+              </a:defRPr>
+            </a:lvl9pPr>
+          </a:lstStyle>
+          <a:p>
+            <a:pPr marL="0" marR="0" lvl="0" indent="0" algn="l" defTabSz="914400" rtl="0" eaLnBrk="0" fontAlgn="base" latinLnBrk="0" hangingPunct="0">
+              <a:lnSpc>
+                <a:spcPct val="100000"/>
+              </a:lnSpc>
+              <a:spcBef>
+                <a:spcPct val="0"/>
+              </a:spcBef>
+              <a:spcAft>
+                <a:spcPct val="0"/>
+              </a:spcAft>
+              <a:buClrTx/>
+              <a:buSzTx/>
+              <a:buFontTx/>
+              <a:buNone/>
+              <a:tabLst/>
+            </a:pPr>
+            <a:r>
+              <a:rPr kumimoji="0" lang="en-US" altLang="en-US" sz="1800" b="0" i="0" u="none" strike="noStrike" cap="none" normalizeH="0" baseline="0" smtClean="0">
+                <a:ln>
+                  <a:noFill/>
+                </a:ln>
+                <a:solidFill>
+                  <a:srgbClr val="000000"/>
+                </a:solidFill>
+                <a:effectLst/>
+                <a:latin typeface="Arial" panose="020B0604020202020204" pitchFamily="34" charset="0"/>
+                <a:cs typeface="Arial" panose="020B0604020202020204" pitchFamily="34" charset="0"/>
+              </a:rPr>
+              <a:t>The bodies of modules and classes are implicitly in strict mode in ECMAScript 6 </a:t>
+            </a:r>
+          </a:p>
+          <a:p>
+            <a:pPr marL="0" marR="0" lvl="0" indent="0" algn="l" defTabSz="914400" rtl="0" eaLnBrk="0" fontAlgn="base" latinLnBrk="0" hangingPunct="0">
+              <a:lnSpc>
+                <a:spcPct val="100000"/>
+              </a:lnSpc>
+              <a:spcBef>
+                <a:spcPct val="0"/>
+              </a:spcBef>
+              <a:spcAft>
+                <a:spcPct val="0"/>
+              </a:spcAft>
+              <a:buClrTx/>
+              <a:buSzTx/>
+              <a:buFontTx/>
+              <a:buNone/>
+              <a:tabLst/>
+            </a:pPr>
+            <a:r>
+              <a:rPr kumimoji="0" lang="en-US" altLang="en-US" sz="1800" b="0" i="0" u="none" strike="noStrike" cap="none" normalizeH="0" baseline="0" smtClean="0">
+                <a:ln>
+                  <a:noFill/>
+                </a:ln>
+                <a:solidFill>
+                  <a:srgbClr val="000000"/>
+                </a:solidFill>
+                <a:effectLst/>
+                <a:latin typeface="Arial" panose="020B0604020202020204" pitchFamily="34" charset="0"/>
+                <a:cs typeface="Arial" panose="020B0604020202020204" pitchFamily="34" charset="0"/>
+              </a:rPr>
+              <a:t>– there is no need for the </a:t>
+            </a:r>
+            <a:r>
+              <a:rPr kumimoji="0" lang="en-US" altLang="en-US" sz="1000" b="0" i="0" u="none" strike="noStrike" cap="none" normalizeH="0" baseline="0" smtClean="0">
+                <a:ln>
+                  <a:noFill/>
+                </a:ln>
+                <a:solidFill>
+                  <a:srgbClr val="000000"/>
+                </a:solidFill>
+                <a:effectLst/>
+                <a:latin typeface="Arial Unicode MS" panose="020B0604020202020204" pitchFamily="34" charset="-128"/>
+              </a:rPr>
+              <a:t>'use strict'</a:t>
+            </a:r>
+            <a:r>
+              <a:rPr kumimoji="0" lang="en-US" altLang="en-US" sz="800" b="0" i="0" u="none" strike="noStrike" cap="none" normalizeH="0" baseline="0" smtClean="0">
+                <a:ln>
+                  <a:noFill/>
+                </a:ln>
+                <a:solidFill>
+                  <a:srgbClr val="000000"/>
+                </a:solidFill>
+                <a:effectLst/>
+                <a:latin typeface="Arial" panose="020B0604020202020204" pitchFamily="34" charset="0"/>
+                <a:cs typeface="Arial" panose="020B0604020202020204" pitchFamily="34" charset="0"/>
+              </a:rPr>
+              <a:t> </a:t>
+            </a:r>
+            <a:r>
+              <a:rPr kumimoji="0" lang="en-US" altLang="en-US" sz="1800" b="0" i="0" u="none" strike="noStrike" cap="none" normalizeH="0" baseline="0" smtClean="0">
+                <a:ln>
+                  <a:noFill/>
+                </a:ln>
+                <a:solidFill>
+                  <a:srgbClr val="000000"/>
+                </a:solidFill>
+                <a:effectLst/>
+                <a:latin typeface="Arial" panose="020B0604020202020204" pitchFamily="34" charset="0"/>
+                <a:cs typeface="Arial" panose="020B0604020202020204" pitchFamily="34" charset="0"/>
+              </a:rPr>
+              <a:t>marker.</a:t>
+            </a:r>
+            <a:r>
+              <a:rPr kumimoji="0" lang="en-US" altLang="en-US" sz="1800" b="0" i="0" u="none" strike="noStrike" cap="none" normalizeH="0" baseline="0" smtClean="0">
+                <a:ln>
+                  <a:noFill/>
+                </a:ln>
+                <a:solidFill>
+                  <a:schemeClr val="tx1"/>
+                </a:solidFill>
+                <a:effectLst/>
+              </a:rPr>
+              <a:t> </a:t>
+            </a:r>
+            <a:endParaRPr kumimoji="0" lang="en-US" altLang="en-US" sz="1800" b="0" i="0" u="none" strike="noStrike" cap="none" normalizeH="0" baseline="0" dirty="0" smtClean="0">
+              <a:ln>
+                <a:noFill/>
+              </a:ln>
+              <a:solidFill>
+                <a:schemeClr val="tx1"/>
+              </a:solidFill>
+              <a:effectLst/>
+              <a:latin typeface="Arial" panose="020B0604020202020204" pitchFamily="34" charset="0"/>
+            </a:endParaRPr>
+          </a:p>
+        </p:txBody>
+      </p:sp>
+      <p:sp>
+        <p:nvSpPr>
+          <p:cNvPr id="5" name="Rectangle 4"/>
+          <p:cNvSpPr/>
+          <p:nvPr/>
+        </p:nvSpPr>
+        <p:spPr>
+          <a:xfrm>
+            <a:off x="748748" y="2739252"/>
+            <a:ext cx="6096000" cy="923330"/>
+          </a:xfrm>
+          <a:prstGeom prst="rect">
+            <a:avLst/>
+          </a:prstGeom>
+        </p:spPr>
+        <p:txBody>
+          <a:bodyPr>
+            <a:spAutoFit/>
+          </a:bodyPr>
+          <a:lstStyle/>
+          <a:p>
+            <a:r>
+              <a:rPr lang="en-US" dirty="0">
+                <a:solidFill>
+                  <a:srgbClr val="000000"/>
+                </a:solidFill>
+                <a:latin typeface="Arial" panose="020B0604020202020204" pitchFamily="34" charset="0"/>
+              </a:rPr>
+              <a:t>The bodies of other constructs (such as arrow functions and generator functions) could have been made implicitly strict, too.</a:t>
+            </a:r>
+            <a:endParaRPr lang="en-US" dirty="0"/>
+          </a:p>
+        </p:txBody>
+      </p:sp>
+    </p:spTree>
+    <p:extLst>
+      <p:ext uri="{BB962C8B-B14F-4D97-AF65-F5344CB8AC3E}">
+        <p14:creationId xmlns:p14="http://schemas.microsoft.com/office/powerpoint/2010/main" val="889986240"/>
+      </p:ext>
+    </p:extLst>
+  </p:cSld>
+  <p:clrMapOvr>
+    <a:masterClrMapping/>
+  </p:clrMapOvr>
+  <p:timing>
+    <p:tnLst>
+      <p:par>
+        <p:cTn id="1" dur="indefinite" restart="never" nodeType="tmRoot"/>
+      </p:par>
+    </p:tnLst>
+  </p:timing>
+</p:sld>
+</file>
+
+<file path=ppt/slides/slide19.xml><?xml version="1.0" encoding="utf-8"?>
+<p:sld xmlns:a="http://schemas.openxmlformats.org/drawingml/2006/main" xmlns:r="http://schemas.openxmlformats.org/officeDocument/2006/relationships" xmlns:p="http://schemas.openxmlformats.org/presentationml/2006/main">
+  <p:cSld>
+    <p:spTree>
+      <p:nvGrpSpPr>
+        <p:cNvPr id="1" name=""/>
+        <p:cNvGrpSpPr/>
+        <p:nvPr/>
+      </p:nvGrpSpPr>
+      <p:grpSpPr>
+        <a:xfrm>
+          <a:off x="0" y="0"/>
+          <a:ext cx="0" cy="0"/>
+          <a:chOff x="0" y="0"/>
+          <a:chExt cx="0" cy="0"/>
+        </a:xfrm>
+      </p:grpSpPr>
+      <p:sp>
+        <p:nvSpPr>
+          <p:cNvPr id="2" name="Title 1"/>
+          <p:cNvSpPr>
+            <a:spLocks noGrp="1"/>
+          </p:cNvSpPr>
+          <p:nvPr>
+            <p:ph type="title"/>
+          </p:nvPr>
+        </p:nvSpPr>
+        <p:spPr/>
+        <p:txBody>
+          <a:bodyPr/>
+          <a:lstStyle/>
+          <a:p>
+            <a:r>
+              <a:rPr lang="en-US" b="1" dirty="0"/>
+              <a:t>Things that can’t be </a:t>
+            </a:r>
+            <a:r>
+              <a:rPr lang="en-US" b="1" dirty="0" smtClean="0"/>
+              <a:t>fixed</a:t>
+            </a:r>
+            <a:endParaRPr lang="en-US" dirty="0"/>
+          </a:p>
+        </p:txBody>
+      </p:sp>
+      <p:sp>
+        <p:nvSpPr>
+          <p:cNvPr id="4" name="Rectangle 1"/>
+          <p:cNvSpPr>
+            <a:spLocks noGrp="1" noChangeArrowheads="1"/>
+          </p:cNvSpPr>
+          <p:nvPr>
+            <p:ph idx="1"/>
+          </p:nvPr>
+        </p:nvSpPr>
+        <p:spPr bwMode="auto">
+          <a:xfrm>
+            <a:off x="838200" y="1945690"/>
+            <a:ext cx="7093226" cy="369332"/>
+          </a:xfrm>
+          <a:prstGeom prst="rect">
+            <a:avLst/>
+          </a:prstGeom>
+          <a:noFill/>
+          <a:ln>
+            <a:noFill/>
+          </a:ln>
+          <a:effectLst/>
+          <a:extLst>
+            <a:ext uri="{909E8E84-426E-40DD-AFC4-6F175D3DCCD1}">
+              <a14:hiddenFill xmlns:a14="http://schemas.microsoft.com/office/drawing/2010/main">
+                <a:solidFill>
+                  <a:schemeClr val="accent1"/>
+                </a:solidFill>
+              </a14:hiddenFill>
+            </a:ext>
+            <a:ext uri="{91240B29-F687-4F45-9708-019B960494DF}">
+              <a14:hiddenLine xmlns:a14="http://schemas.microsoft.com/office/drawing/2010/main" w="9525">
+                <a:solidFill>
+                  <a:schemeClr val="tx1"/>
+                </a:solidFill>
+                <a:miter lim="800000"/>
+                <a:headEnd/>
+                <a:tailEnd/>
+              </a14:hiddenLine>
+            </a:ext>
+            <a:ext uri="{AF507438-7753-43E0-B8FC-AC1667EBCBE1}">
+              <a14:hiddenEffects xmlns:a14="http://schemas.microsoft.com/office/drawing/2010/main">
+                <a:effectLst>
+                  <a:outerShdw dist="35921" dir="2700000" algn="ctr" rotWithShape="0">
+                    <a:schemeClr val="bg2"/>
+                  </a:outerShdw>
+                </a:effectLst>
+              </a14:hiddenEffects>
+            </a:ext>
+          </a:extLst>
+        </p:spPr>
+        <p:txBody>
+          <a:bodyPr vert="horz" wrap="square" lIns="91440" tIns="45720" rIns="91440" bIns="45720" numCol="1" anchor="ctr" anchorCtr="0" compatLnSpc="1">
+            <a:prstTxWarp prst="textNoShape">
+              <a:avLst/>
+            </a:prstTxWarp>
+            <a:spAutoFit/>
+          </a:bodyPr>
+          <a:lstStyle>
+            <a:lvl1pPr eaLnBrk="0" fontAlgn="base" hangingPunct="0">
+              <a:spcBef>
+                <a:spcPct val="0"/>
+              </a:spcBef>
+              <a:spcAft>
+                <a:spcPct val="0"/>
+              </a:spcAft>
+              <a:defRPr>
+                <a:solidFill>
+                  <a:schemeClr val="tx1"/>
+                </a:solidFill>
+                <a:latin typeface="Arial" panose="020B0604020202020204" pitchFamily="34" charset="0"/>
+              </a:defRPr>
+            </a:lvl1pPr>
+            <a:lvl2pPr eaLnBrk="0" fontAlgn="base" hangingPunct="0">
+              <a:spcBef>
+                <a:spcPct val="0"/>
+              </a:spcBef>
+              <a:spcAft>
+                <a:spcPct val="0"/>
+              </a:spcAft>
+              <a:defRPr>
+                <a:solidFill>
+                  <a:schemeClr val="tx1"/>
+                </a:solidFill>
+                <a:latin typeface="Arial" panose="020B0604020202020204" pitchFamily="34" charset="0"/>
+              </a:defRPr>
+            </a:lvl2pPr>
+            <a:lvl3pPr eaLnBrk="0" fontAlgn="base" hangingPunct="0">
+              <a:spcBef>
+                <a:spcPct val="0"/>
+              </a:spcBef>
+              <a:spcAft>
+                <a:spcPct val="0"/>
+              </a:spcAft>
+              <a:defRPr>
+                <a:solidFill>
+                  <a:schemeClr val="tx1"/>
+                </a:solidFill>
+                <a:latin typeface="Arial" panose="020B0604020202020204" pitchFamily="34" charset="0"/>
+              </a:defRPr>
+            </a:lvl3pPr>
+            <a:lvl4pPr eaLnBrk="0" fontAlgn="base" hangingPunct="0">
+              <a:spcBef>
+                <a:spcPct val="0"/>
+              </a:spcBef>
+              <a:spcAft>
+                <a:spcPct val="0"/>
+              </a:spcAft>
+              <a:defRPr>
+                <a:solidFill>
+                  <a:schemeClr val="tx1"/>
+                </a:solidFill>
+                <a:latin typeface="Arial" panose="020B0604020202020204" pitchFamily="34" charset="0"/>
+              </a:defRPr>
+            </a:lvl4pPr>
+            <a:lvl5pPr eaLnBrk="0" fontAlgn="base" hangingPunct="0">
+              <a:spcBef>
+                <a:spcPct val="0"/>
+              </a:spcBef>
+              <a:spcAft>
+                <a:spcPct val="0"/>
+              </a:spcAft>
+              <a:defRPr>
+                <a:solidFill>
+                  <a:schemeClr val="tx1"/>
+                </a:solidFill>
+                <a:latin typeface="Arial" panose="020B0604020202020204" pitchFamily="34" charset="0"/>
+              </a:defRPr>
+            </a:lvl5pPr>
+            <a:lvl6pPr eaLnBrk="0" fontAlgn="base" hangingPunct="0">
+              <a:spcBef>
+                <a:spcPct val="0"/>
+              </a:spcBef>
+              <a:spcAft>
+                <a:spcPct val="0"/>
+              </a:spcAft>
+              <a:defRPr>
+                <a:solidFill>
+                  <a:schemeClr val="tx1"/>
+                </a:solidFill>
+                <a:latin typeface="Arial" panose="020B0604020202020204" pitchFamily="34" charset="0"/>
+              </a:defRPr>
+            </a:lvl6pPr>
+            <a:lvl7pPr eaLnBrk="0" fontAlgn="base" hangingPunct="0">
+              <a:spcBef>
+                <a:spcPct val="0"/>
+              </a:spcBef>
+              <a:spcAft>
+                <a:spcPct val="0"/>
+              </a:spcAft>
+              <a:defRPr>
+                <a:solidFill>
+                  <a:schemeClr val="tx1"/>
+                </a:solidFill>
+                <a:latin typeface="Arial" panose="020B0604020202020204" pitchFamily="34" charset="0"/>
+              </a:defRPr>
+            </a:lvl7pPr>
+            <a:lvl8pPr eaLnBrk="0" fontAlgn="base" hangingPunct="0">
+              <a:spcBef>
+                <a:spcPct val="0"/>
+              </a:spcBef>
+              <a:spcAft>
+                <a:spcPct val="0"/>
+              </a:spcAft>
+              <a:defRPr>
+                <a:solidFill>
+                  <a:schemeClr val="tx1"/>
+                </a:solidFill>
+                <a:latin typeface="Arial" panose="020B0604020202020204" pitchFamily="34" charset="0"/>
+              </a:defRPr>
+            </a:lvl8pPr>
+            <a:lvl9pPr eaLnBrk="0" fontAlgn="base" hangingPunct="0">
+              <a:spcBef>
+                <a:spcPct val="0"/>
+              </a:spcBef>
+              <a:spcAft>
+                <a:spcPct val="0"/>
+              </a:spcAft>
+              <a:defRPr>
+                <a:solidFill>
+                  <a:schemeClr val="tx1"/>
+                </a:solidFill>
+                <a:latin typeface="Arial" panose="020B0604020202020204" pitchFamily="34" charset="0"/>
+              </a:defRPr>
+            </a:lvl9pPr>
+          </a:lstStyle>
+          <a:p>
+            <a:pPr marL="0" marR="0" lvl="0" indent="0" algn="l" defTabSz="914400" rtl="0" eaLnBrk="0" fontAlgn="base" latinLnBrk="0" hangingPunct="0">
+              <a:lnSpc>
+                <a:spcPct val="100000"/>
+              </a:lnSpc>
+              <a:spcBef>
+                <a:spcPct val="0"/>
+              </a:spcBef>
+              <a:spcAft>
+                <a:spcPct val="0"/>
+              </a:spcAft>
+              <a:buClrTx/>
+              <a:buSzTx/>
+              <a:buFontTx/>
+              <a:buNone/>
+              <a:tabLst/>
+            </a:pPr>
+            <a:r>
+              <a:rPr kumimoji="0" lang="en-US" altLang="en-US" sz="1800" b="0" i="0" u="none" strike="noStrike" cap="none" normalizeH="0" baseline="0" dirty="0" smtClean="0">
+                <a:ln>
+                  <a:noFill/>
+                </a:ln>
+                <a:solidFill>
+                  <a:srgbClr val="000000"/>
+                </a:solidFill>
+                <a:effectLst/>
+                <a:latin typeface="Arial" panose="020B0604020202020204" pitchFamily="34" charset="0"/>
+                <a:cs typeface="Arial" panose="020B0604020202020204" pitchFamily="34" charset="0"/>
+              </a:rPr>
+              <a:t> </a:t>
+            </a:r>
+            <a:r>
+              <a:rPr kumimoji="0" lang="en-US" altLang="en-US" sz="1000" b="0" i="0" u="none" strike="noStrike" cap="none" normalizeH="0" baseline="0" dirty="0" err="1" smtClean="0">
+                <a:ln>
+                  <a:noFill/>
+                </a:ln>
+                <a:solidFill>
+                  <a:srgbClr val="000000"/>
+                </a:solidFill>
+                <a:effectLst/>
+                <a:latin typeface="Arial Unicode MS" panose="020B0604020202020204" pitchFamily="34" charset="-128"/>
+              </a:rPr>
+              <a:t>typeof</a:t>
+            </a:r>
+            <a:r>
+              <a:rPr kumimoji="0" lang="en-US" altLang="en-US" sz="1000" b="0" i="0" u="none" strike="noStrike" cap="none" normalizeH="0" baseline="0" dirty="0" smtClean="0">
+                <a:ln>
+                  <a:noFill/>
+                </a:ln>
+                <a:solidFill>
+                  <a:srgbClr val="000000"/>
+                </a:solidFill>
+                <a:effectLst/>
+                <a:latin typeface="Arial Unicode MS" panose="020B0604020202020204" pitchFamily="34" charset="-128"/>
+              </a:rPr>
+              <a:t> null</a:t>
+            </a:r>
+            <a:r>
+              <a:rPr kumimoji="0" lang="en-US" altLang="en-US" sz="800" b="0" i="0" u="none" strike="noStrike" cap="none" normalizeH="0" baseline="0" dirty="0" smtClean="0">
+                <a:ln>
+                  <a:noFill/>
+                </a:ln>
+                <a:solidFill>
+                  <a:srgbClr val="000000"/>
+                </a:solidFill>
+                <a:effectLst/>
+                <a:latin typeface="Arial" panose="020B0604020202020204" pitchFamily="34" charset="0"/>
+                <a:cs typeface="Arial" panose="020B0604020202020204" pitchFamily="34" charset="0"/>
+              </a:rPr>
+              <a:t> </a:t>
+            </a:r>
+            <a:r>
+              <a:rPr kumimoji="0" lang="en-US" altLang="en-US" sz="1800" b="0" i="0" u="none" strike="noStrike" cap="none" normalizeH="0" baseline="0" dirty="0" smtClean="0">
+                <a:ln>
+                  <a:noFill/>
+                </a:ln>
+                <a:solidFill>
+                  <a:srgbClr val="000000"/>
+                </a:solidFill>
+                <a:effectLst/>
+                <a:latin typeface="Arial" panose="020B0604020202020204" pitchFamily="34" charset="0"/>
+                <a:cs typeface="Arial" panose="020B0604020202020204" pitchFamily="34" charset="0"/>
+              </a:rPr>
+              <a:t>should return the string </a:t>
+            </a:r>
+            <a:r>
+              <a:rPr kumimoji="0" lang="en-US" altLang="en-US" sz="1000" b="0" i="0" u="none" strike="noStrike" cap="none" normalizeH="0" baseline="0" dirty="0" smtClean="0">
+                <a:ln>
+                  <a:noFill/>
+                </a:ln>
+                <a:solidFill>
+                  <a:srgbClr val="000000"/>
+                </a:solidFill>
+                <a:effectLst/>
+                <a:latin typeface="Arial Unicode MS" panose="020B0604020202020204" pitchFamily="34" charset="-128"/>
+              </a:rPr>
+              <a:t>'null'</a:t>
+            </a:r>
+            <a:r>
+              <a:rPr kumimoji="0" lang="en-US" altLang="en-US" sz="800" b="0" i="0" u="none" strike="noStrike" cap="none" normalizeH="0" baseline="0" dirty="0" smtClean="0">
+                <a:ln>
+                  <a:noFill/>
+                </a:ln>
+                <a:solidFill>
+                  <a:srgbClr val="000000"/>
+                </a:solidFill>
+                <a:effectLst/>
+                <a:latin typeface="Arial" panose="020B0604020202020204" pitchFamily="34" charset="0"/>
+                <a:cs typeface="Arial" panose="020B0604020202020204" pitchFamily="34" charset="0"/>
+              </a:rPr>
+              <a:t> </a:t>
+            </a:r>
+            <a:r>
+              <a:rPr kumimoji="0" lang="en-US" altLang="en-US" sz="1800" b="0" i="0" u="none" strike="noStrike" cap="none" normalizeH="0" baseline="0" dirty="0" smtClean="0">
+                <a:ln>
+                  <a:noFill/>
+                </a:ln>
+                <a:solidFill>
+                  <a:srgbClr val="000000"/>
+                </a:solidFill>
+                <a:effectLst/>
+                <a:latin typeface="Arial" panose="020B0604020202020204" pitchFamily="34" charset="0"/>
+                <a:cs typeface="Arial" panose="020B0604020202020204" pitchFamily="34" charset="0"/>
+              </a:rPr>
+              <a:t>and not </a:t>
+            </a:r>
+            <a:r>
+              <a:rPr kumimoji="0" lang="en-US" altLang="en-US" sz="1000" b="0" i="0" u="none" strike="noStrike" cap="none" normalizeH="0" baseline="0" dirty="0" smtClean="0">
+                <a:ln>
+                  <a:noFill/>
+                </a:ln>
+                <a:solidFill>
+                  <a:srgbClr val="000000"/>
+                </a:solidFill>
+                <a:effectLst/>
+                <a:latin typeface="Arial Unicode MS" panose="020B0604020202020204" pitchFamily="34" charset="-128"/>
+              </a:rPr>
+              <a:t>'object'</a:t>
+            </a:r>
+            <a:r>
+              <a:rPr kumimoji="0" lang="en-US" altLang="en-US" sz="800" b="0" i="0" u="none" strike="noStrike" cap="none" normalizeH="0" baseline="0" dirty="0" smtClean="0">
+                <a:ln>
+                  <a:noFill/>
+                </a:ln>
+                <a:solidFill>
+                  <a:srgbClr val="000000"/>
+                </a:solidFill>
+                <a:effectLst/>
+                <a:latin typeface="Arial" panose="020B0604020202020204" pitchFamily="34" charset="0"/>
+                <a:cs typeface="Arial" panose="020B0604020202020204" pitchFamily="34" charset="0"/>
+              </a:rPr>
+              <a:t>.</a:t>
+            </a:r>
+            <a:r>
+              <a:rPr kumimoji="0" lang="en-US" altLang="en-US" sz="1800" b="0" i="0" u="none" strike="noStrike" cap="none" normalizeH="0" baseline="0" dirty="0" smtClean="0">
+                <a:ln>
+                  <a:noFill/>
+                </a:ln>
+                <a:solidFill>
+                  <a:srgbClr val="000000"/>
+                </a:solidFill>
+                <a:effectLst/>
+                <a:latin typeface="Arial" panose="020B0604020202020204" pitchFamily="34" charset="0"/>
+                <a:cs typeface="Arial" panose="020B0604020202020204" pitchFamily="34" charset="0"/>
+              </a:rPr>
+              <a:t> </a:t>
+            </a:r>
+            <a:r>
+              <a:rPr kumimoji="0" lang="en-US" altLang="en-US" sz="1800" b="0" i="0" u="none" strike="noStrike" cap="none" normalizeH="0" baseline="0" dirty="0" smtClean="0">
+                <a:ln>
+                  <a:noFill/>
+                </a:ln>
+                <a:solidFill>
+                  <a:schemeClr val="tx1"/>
+                </a:solidFill>
+                <a:effectLst/>
+              </a:rPr>
+              <a:t> </a:t>
+            </a:r>
+            <a:endParaRPr kumimoji="0" lang="en-US" altLang="en-US" sz="1800" b="0" i="0" u="none" strike="noStrike" cap="none" normalizeH="0" baseline="0" dirty="0" smtClean="0">
+              <a:ln>
+                <a:noFill/>
+              </a:ln>
+              <a:solidFill>
+                <a:schemeClr val="tx1"/>
+              </a:solidFill>
+              <a:effectLst/>
+              <a:latin typeface="Arial" panose="020B0604020202020204" pitchFamily="34" charset="0"/>
+            </a:endParaRPr>
+          </a:p>
+        </p:txBody>
+      </p:sp>
+      <p:sp>
+        <p:nvSpPr>
+          <p:cNvPr id="7" name="Rectangle 6"/>
+          <p:cNvSpPr/>
+          <p:nvPr/>
+        </p:nvSpPr>
+        <p:spPr>
+          <a:xfrm>
+            <a:off x="742122" y="2936870"/>
+            <a:ext cx="6096000" cy="646331"/>
+          </a:xfrm>
+          <a:prstGeom prst="rect">
+            <a:avLst/>
+          </a:prstGeom>
+        </p:spPr>
+        <p:txBody>
+          <a:bodyPr>
+            <a:spAutoFit/>
+          </a:bodyPr>
+          <a:lstStyle/>
+          <a:p>
+            <a:r>
+              <a:rPr lang="en-US" dirty="0"/>
+              <a:t>Second, the global object (window in browsers) shouldn’t be in the scope chain of variables</a:t>
+            </a:r>
+          </a:p>
+        </p:txBody>
+      </p:sp>
+    </p:spTree>
+    <p:extLst>
+      <p:ext uri="{BB962C8B-B14F-4D97-AF65-F5344CB8AC3E}">
+        <p14:creationId xmlns:p14="http://schemas.microsoft.com/office/powerpoint/2010/main" val="331920591"/>
+      </p:ext>
+    </p:extLst>
+  </p:cSld>
+  <p:clrMapOvr>
+    <a:masterClrMapping/>
+  </p:clrMapOvr>
+  <p:timing>
+    <p:tnLst>
+      <p:par>
+        <p:cTn id="1" dur="indefinite" restart="never" nodeType="tmRoot"/>
+      </p:par>
+    </p:tnLst>
+  </p:timing>
 </p:sld>
 </file>
 
@@ -3119,7 +6070,6 @@
               <a:rPr lang="en-US" dirty="0"/>
               <a:t>ECMAScript 6 is a superset of ECMAScript 5 – new JavaScript versions must never break existing code</a:t>
             </a:r>
-            <a:endParaRPr lang="en-US" dirty="0"/>
           </a:p>
         </p:txBody>
       </p:sp>
@@ -3549,7 +6499,6 @@
               <a:rPr lang="en-US" dirty="0"/>
               <a:t>In an ES6 code base, everything is ES6, there are no parts that are ES5-specific.</a:t>
             </a:r>
-            <a:endParaRPr lang="en-US" dirty="0"/>
           </a:p>
         </p:txBody>
       </p:sp>
@@ -3635,6 +6584,13 @@
   <p:clrMapOvr>
     <a:masterClrMapping/>
   </p:clrMapOvr>
+  <p:timing>
+    <p:tnLst>
+      <p:par>
+        <p:cTn id="1" dur="indefinite" restart="never" nodeType="tmRoot"/>
+      </p:par>
+    </p:tnLst>
+  </p:timing>
 </p:sld>
 </file>
 
@@ -3662,35 +6618,52 @@
             <a:spLocks noGrp="1"/>
           </p:cNvSpPr>
           <p:nvPr>
-            <p:ph type="ctrTitle"/>
-          </p:nvPr>
-        </p:nvSpPr>
-        <p:spPr>
-          <a:xfrm>
-            <a:off x="1551432" y="1863027"/>
-            <a:ext cx="9144000" cy="2387600"/>
-          </a:xfrm>
-        </p:spPr>
-        <p:txBody>
-          <a:bodyPr>
-            <a:normAutofit/>
-          </a:bodyPr>
-          <a:lstStyle/>
-          <a:p>
+            <p:ph type="title"/>
+          </p:nvPr>
+        </p:nvSpPr>
+        <p:spPr/>
+        <p:txBody>
+          <a:bodyPr/>
+          <a:lstStyle/>
+          <a:p>
+            <a:endParaRPr lang="en-US"/>
+          </a:p>
+        </p:txBody>
+      </p:sp>
+      <p:sp>
+        <p:nvSpPr>
+          <p:cNvPr id="3" name="Content Placeholder 2"/>
+          <p:cNvSpPr>
+            <a:spLocks noGrp="1"/>
+          </p:cNvSpPr>
+          <p:nvPr>
+            <p:ph idx="1"/>
+          </p:nvPr>
+        </p:nvSpPr>
+        <p:spPr/>
+        <p:txBody>
+          <a:bodyPr/>
+          <a:lstStyle/>
+          <a:p>
+            <a:pPr marL="0" indent="0">
+              <a:buNone/>
+            </a:pPr>
+            <a:r>
+              <a:rPr lang="en-US" dirty="0" err="1" smtClean="0"/>
+              <a:t>es</a:t>
+            </a:r>
             <a:r>
               <a:rPr lang="en-US" dirty="0" smtClean="0"/>
-              <a:t>ES7</a:t>
-            </a:r>
-            <a:br>
+              <a:t> 3.1 -&gt; es5</a:t>
+            </a:r>
+          </a:p>
+          <a:p>
+            <a:pPr marL="0" indent="0">
+              <a:buNone/>
+            </a:pPr>
+            <a:r>
               <a:rPr lang="en-US" dirty="0" smtClean="0"/>
-            </a:br>
-            <a:r>
-              <a:rPr lang="en-US" dirty="0"/>
-              <a:t> ECMAScript </a:t>
-            </a:r>
-            <a:r>
-              <a:rPr lang="en-US" dirty="0" smtClean="0"/>
-              <a:t>2016</a:t>
+              <a:t>Es4 -&gt; es6</a:t>
             </a:r>
             <a:endParaRPr lang="en-US" dirty="0"/>
           </a:p>
@@ -3699,13 +6672,20 @@
     </p:spTree>
     <p:extLst>
       <p:ext uri="{BB962C8B-B14F-4D97-AF65-F5344CB8AC3E}">
-        <p14:creationId xmlns:p14="http://schemas.microsoft.com/office/powerpoint/2010/main" val="346249990"/>
+        <p14:creationId xmlns:p14="http://schemas.microsoft.com/office/powerpoint/2010/main" val="55006971"/>
       </p:ext>
     </p:extLst>
   </p:cSld>
   <p:clrMapOvr>
     <a:masterClrMapping/>
   </p:clrMapOvr>
+  <p:timing>
+    <p:tnLst>
+      <p:par>
+        <p:cTn id="1" dur="indefinite" restart="never" nodeType="tmRoot"/>
+      </p:par>
+    </p:tnLst>
+  </p:timing>
 </p:sld>
 </file>
 
@@ -3733,102 +6713,35 @@
             <a:spLocks noGrp="1"/>
           </p:cNvSpPr>
           <p:nvPr>
-            <p:ph type="title"/>
-          </p:nvPr>
-        </p:nvSpPr>
-        <p:spPr/>
-        <p:txBody>
-          <a:bodyPr/>
+            <p:ph type="ctrTitle"/>
+          </p:nvPr>
+        </p:nvSpPr>
+        <p:spPr>
+          <a:xfrm>
+            <a:off x="1551432" y="1863027"/>
+            <a:ext cx="9144000" cy="2387600"/>
+          </a:xfrm>
+        </p:spPr>
+        <p:txBody>
+          <a:bodyPr>
+            <a:normAutofit/>
+          </a:bodyPr>
           <a:lstStyle/>
           <a:p>
             <a:r>
               <a:rPr lang="en-US" dirty="0" smtClean="0"/>
-              <a:t>Types </a:t>
-            </a:r>
-            <a:endParaRPr lang="en-US" dirty="0"/>
-          </a:p>
-        </p:txBody>
-      </p:sp>
-      <p:sp>
-        <p:nvSpPr>
-          <p:cNvPr id="3" name="Content Placeholder 2"/>
-          <p:cNvSpPr>
-            <a:spLocks noGrp="1"/>
-          </p:cNvSpPr>
-          <p:nvPr>
-            <p:ph idx="1"/>
-          </p:nvPr>
-        </p:nvSpPr>
-        <p:spPr/>
-        <p:txBody>
-          <a:bodyPr/>
-          <a:lstStyle/>
-          <a:p>
-            <a:pPr marL="0" indent="0">
-              <a:buNone/>
-            </a:pPr>
+              <a:t>ES7</a:t>
+            </a:r>
+            <a:br>
+              <a:rPr lang="en-US" dirty="0" smtClean="0"/>
+            </a:br>
             <a:r>
               <a:rPr lang="en-US" dirty="0"/>
-              <a:t>Static typing is not part of ES6</a:t>
+              <a:t> ECMAScript </a:t>
             </a:r>
             <a:r>
               <a:rPr lang="en-US" dirty="0" smtClean="0"/>
-              <a:t>.</a:t>
-            </a:r>
-          </a:p>
-          <a:p>
-            <a:pPr marL="0" indent="0">
-              <a:buNone/>
-            </a:pPr>
-            <a:endParaRPr lang="en-US" dirty="0" smtClean="0"/>
-          </a:p>
-          <a:p>
-            <a:pPr marL="0" indent="0">
-              <a:buNone/>
-            </a:pPr>
-            <a:r>
-              <a:rPr lang="en-US" dirty="0" smtClean="0"/>
-              <a:t>1) Microsoft </a:t>
-            </a:r>
-            <a:r>
-              <a:rPr lang="en-US" dirty="0" err="1" smtClean="0"/>
-              <a:t>TypeScript</a:t>
-            </a:r>
-            <a:r>
-              <a:rPr lang="en-US" dirty="0" smtClean="0"/>
-              <a:t> = ES6 + types</a:t>
-            </a:r>
-          </a:p>
-          <a:p>
-            <a:pPr marL="0" indent="0">
-              <a:buNone/>
-            </a:pPr>
-            <a:r>
-              <a:rPr lang="en-US" dirty="0" smtClean="0"/>
-              <a:t>2) Facebook Flow - type checker for ES6</a:t>
-            </a:r>
-          </a:p>
-          <a:p>
-            <a:pPr marL="0" indent="0">
-              <a:buNone/>
-            </a:pPr>
-            <a:endParaRPr lang="en-US" dirty="0"/>
-          </a:p>
-          <a:p>
-            <a:pPr marL="0" indent="0">
-              <a:buNone/>
-            </a:pPr>
-            <a:r>
-              <a:rPr lang="en-US" dirty="0"/>
-              <a:t>Both </a:t>
-            </a:r>
-            <a:r>
-              <a:rPr lang="en-US" dirty="0" err="1"/>
-              <a:t>TypeScript</a:t>
-            </a:r>
-            <a:r>
-              <a:rPr lang="en-US" dirty="0"/>
-              <a:t> and Flow are using the same notation</a:t>
+              <a:t>2016</a:t>
             </a:r>
             <a:endParaRPr lang="en-US" dirty="0"/>
           </a:p>
@@ -3837,13 +6750,20 @@
     </p:spTree>
     <p:extLst>
       <p:ext uri="{BB962C8B-B14F-4D97-AF65-F5344CB8AC3E}">
-        <p14:creationId xmlns:p14="http://schemas.microsoft.com/office/powerpoint/2010/main" val="1566343749"/>
+        <p14:creationId xmlns:p14="http://schemas.microsoft.com/office/powerpoint/2010/main" val="346249990"/>
       </p:ext>
     </p:extLst>
   </p:cSld>
   <p:clrMapOvr>
     <a:masterClrMapping/>
   </p:clrMapOvr>
+  <p:timing>
+    <p:tnLst>
+      <p:par>
+        <p:cTn id="1" dur="indefinite" restart="never" nodeType="tmRoot"/>
+      </p:par>
+    </p:tnLst>
+  </p:timing>
 </p:sld>
 </file>
 
@@ -3881,7 +6801,7 @@
           <a:p>
             <a:r>
               <a:rPr lang="en-US" dirty="0" smtClean="0"/>
-              <a:t>One version</a:t>
+              <a:t>Types </a:t>
             </a:r>
             <a:endParaRPr lang="en-US" dirty="0"/>
           </a:p>
@@ -3906,17 +6826,35 @@
               <a:buNone/>
             </a:pPr>
             <a:r>
+              <a:rPr lang="en-US" dirty="0"/>
+              <a:t>Static typing is not part of ES6</a:t>
+            </a:r>
+            <a:r>
               <a:rPr lang="en-US" dirty="0" smtClean="0"/>
-              <a:t>No version like python 2 and 3.</a:t>
+              <a:t>.</a:t>
             </a:r>
           </a:p>
           <a:p>
             <a:pPr marL="0" indent="0">
               <a:buNone/>
             </a:pPr>
+            <a:endParaRPr lang="en-US" dirty="0" smtClean="0"/>
+          </a:p>
+          <a:p>
+            <a:pPr marL="0" indent="0">
+              <a:buNone/>
+            </a:pPr>
             <a:r>
               <a:rPr lang="en-US" dirty="0" smtClean="0"/>
-              <a:t>Fully backwards-compatible.</a:t>
+              <a:t>1) Microsoft </a:t>
+            </a:r>
+            <a:r>
+              <a:rPr lang="en-US" dirty="0" err="1" smtClean="0"/>
+              <a:t>TypeScript</a:t>
+            </a:r>
+            <a:r>
+              <a:rPr lang="en-US" dirty="0" smtClean="0"/>
+              <a:t> = ES6 + types</a:t>
             </a:r>
           </a:p>
           <a:p>
@@ -3925,28 +6863,7 @@
             </a:pPr>
             <a:r>
               <a:rPr lang="en-US" dirty="0" smtClean="0"/>
-              <a:t>No </a:t>
-            </a:r>
-            <a:r>
-              <a:rPr lang="en-US" dirty="0"/>
-              <a:t>breaking </a:t>
-            </a:r>
-            <a:r>
-              <a:rPr lang="en-US" dirty="0" smtClean="0"/>
-              <a:t>changes</a:t>
-            </a:r>
-          </a:p>
-          <a:p>
-            <a:pPr marL="0" indent="0">
-              <a:buNone/>
-            </a:pPr>
-            <a:r>
-              <a:rPr lang="en-US" dirty="0"/>
-              <a:t>“don’t break the web</a:t>
-            </a:r>
-            <a:r>
-              <a:rPr lang="en-US" dirty="0" smtClean="0"/>
-              <a:t>”</a:t>
+              <a:t>2) Facebook Flow - type checker for ES6</a:t>
             </a:r>
           </a:p>
           <a:p>
@@ -3960,55 +6877,37 @@
               <a:buNone/>
             </a:pPr>
             <a:r>
-              <a:rPr lang="en-US" dirty="0" smtClean="0"/>
-              <a:t>Migration from </a:t>
-            </a:r>
-            <a:r>
-              <a:rPr lang="en-US" dirty="0" err="1" smtClean="0">
-                <a:solidFill>
-                  <a:schemeClr val="accent2"/>
-                </a:solidFill>
-              </a:rPr>
-              <a:t>var</a:t>
-            </a:r>
-            <a:r>
-              <a:rPr lang="en-US" dirty="0" smtClean="0">
-                <a:solidFill>
-                  <a:schemeClr val="accent2"/>
-                </a:solidFill>
-              </a:rPr>
-              <a:t> </a:t>
-            </a:r>
-            <a:r>
-              <a:rPr lang="en-US" dirty="0" smtClean="0"/>
-              <a:t>to </a:t>
-            </a:r>
-            <a:r>
-              <a:rPr lang="en-US" dirty="0" smtClean="0">
-                <a:solidFill>
-                  <a:schemeClr val="accent2"/>
-                </a:solidFill>
-              </a:rPr>
-              <a:t>let</a:t>
-            </a:r>
-            <a:endParaRPr lang="en-US" dirty="0">
-              <a:solidFill>
-                <a:schemeClr val="accent2"/>
-              </a:solidFill>
-            </a:endParaRPr>
+              <a:rPr lang="en-US" dirty="0"/>
+              <a:t>Both </a:t>
+            </a:r>
+            <a:r>
+              <a:rPr lang="en-US" dirty="0" err="1"/>
+              <a:t>TypeScript</a:t>
+            </a:r>
+            <a:r>
+              <a:rPr lang="en-US" dirty="0"/>
+              <a:t> and Flow are using the same notation</a:t>
+            </a:r>
           </a:p>
         </p:txBody>
       </p:sp>
     </p:spTree>
     <p:extLst>
       <p:ext uri="{BB962C8B-B14F-4D97-AF65-F5344CB8AC3E}">
-        <p14:creationId xmlns:p14="http://schemas.microsoft.com/office/powerpoint/2010/main" val="2432760839"/>
+        <p14:creationId xmlns:p14="http://schemas.microsoft.com/office/powerpoint/2010/main" val="1566343749"/>
       </p:ext>
     </p:extLst>
   </p:cSld>
   <p:clrMapOvr>
     <a:masterClrMapping/>
   </p:clrMapOvr>
+  <p:timing>
+    <p:tnLst>
+      <p:par>
+        <p:cTn id="1" dur="indefinite" restart="never" nodeType="tmRoot"/>
+      </p:par>
+    </p:tnLst>
+  </p:timing>
 </p:sld>
 </file>
 

--- a/es6/es6.pptx
+++ b/es6/es6.pptx
@@ -24,6 +24,7 @@
     <p:sldId id="273" r:id="rId18"/>
     <p:sldId id="274" r:id="rId19"/>
     <p:sldId id="275" r:id="rId20"/>
+    <p:sldId id="276" r:id="rId21"/>
   </p:sldIdLst>
   <p:sldSz cx="12192000" cy="6858000"/>
   <p:notesSz cx="6858000" cy="9144000"/>
@@ -261,7 +262,7 @@
           <a:p>
             <a:fld id="{4D8EEEE2-ACBB-41C1-BCFD-8A829CFB8979}" type="datetimeFigureOut">
               <a:rPr lang="en-US" smtClean="0"/>
-              <a:t>8/28/2015</a:t>
+              <a:t>8/31/2015</a:t>
             </a:fld>
             <a:endParaRPr lang="en-US"/>
           </a:p>
@@ -431,7 +432,7 @@
           <a:p>
             <a:fld id="{4D8EEEE2-ACBB-41C1-BCFD-8A829CFB8979}" type="datetimeFigureOut">
               <a:rPr lang="en-US" smtClean="0"/>
-              <a:t>8/28/2015</a:t>
+              <a:t>8/31/2015</a:t>
             </a:fld>
             <a:endParaRPr lang="en-US"/>
           </a:p>
@@ -611,7 +612,7 @@
           <a:p>
             <a:fld id="{4D8EEEE2-ACBB-41C1-BCFD-8A829CFB8979}" type="datetimeFigureOut">
               <a:rPr lang="en-US" smtClean="0"/>
-              <a:t>8/28/2015</a:t>
+              <a:t>8/31/2015</a:t>
             </a:fld>
             <a:endParaRPr lang="en-US"/>
           </a:p>
@@ -781,7 +782,7 @@
           <a:p>
             <a:fld id="{4D8EEEE2-ACBB-41C1-BCFD-8A829CFB8979}" type="datetimeFigureOut">
               <a:rPr lang="en-US" smtClean="0"/>
-              <a:t>8/28/2015</a:t>
+              <a:t>8/31/2015</a:t>
             </a:fld>
             <a:endParaRPr lang="en-US"/>
           </a:p>
@@ -1027,7 +1028,7 @@
           <a:p>
             <a:fld id="{4D8EEEE2-ACBB-41C1-BCFD-8A829CFB8979}" type="datetimeFigureOut">
               <a:rPr lang="en-US" smtClean="0"/>
-              <a:t>8/28/2015</a:t>
+              <a:t>8/31/2015</a:t>
             </a:fld>
             <a:endParaRPr lang="en-US"/>
           </a:p>
@@ -1259,7 +1260,7 @@
           <a:p>
             <a:fld id="{4D8EEEE2-ACBB-41C1-BCFD-8A829CFB8979}" type="datetimeFigureOut">
               <a:rPr lang="en-US" smtClean="0"/>
-              <a:t>8/28/2015</a:t>
+              <a:t>8/31/2015</a:t>
             </a:fld>
             <a:endParaRPr lang="en-US"/>
           </a:p>
@@ -1626,7 +1627,7 @@
           <a:p>
             <a:fld id="{4D8EEEE2-ACBB-41C1-BCFD-8A829CFB8979}" type="datetimeFigureOut">
               <a:rPr lang="en-US" smtClean="0"/>
-              <a:t>8/28/2015</a:t>
+              <a:t>8/31/2015</a:t>
             </a:fld>
             <a:endParaRPr lang="en-US"/>
           </a:p>
@@ -1744,7 +1745,7 @@
           <a:p>
             <a:fld id="{4D8EEEE2-ACBB-41C1-BCFD-8A829CFB8979}" type="datetimeFigureOut">
               <a:rPr lang="en-US" smtClean="0"/>
-              <a:t>8/28/2015</a:t>
+              <a:t>8/31/2015</a:t>
             </a:fld>
             <a:endParaRPr lang="en-US"/>
           </a:p>
@@ -1839,7 +1840,7 @@
           <a:p>
             <a:fld id="{4D8EEEE2-ACBB-41C1-BCFD-8A829CFB8979}" type="datetimeFigureOut">
               <a:rPr lang="en-US" smtClean="0"/>
-              <a:t>8/28/2015</a:t>
+              <a:t>8/31/2015</a:t>
             </a:fld>
             <a:endParaRPr lang="en-US"/>
           </a:p>
@@ -2116,7 +2117,7 @@
           <a:p>
             <a:fld id="{4D8EEEE2-ACBB-41C1-BCFD-8A829CFB8979}" type="datetimeFigureOut">
               <a:rPr lang="en-US" smtClean="0"/>
-              <a:t>8/28/2015</a:t>
+              <a:t>8/31/2015</a:t>
             </a:fld>
             <a:endParaRPr lang="en-US"/>
           </a:p>
@@ -2369,7 +2370,7 @@
           <a:p>
             <a:fld id="{4D8EEEE2-ACBB-41C1-BCFD-8A829CFB8979}" type="datetimeFigureOut">
               <a:rPr lang="en-US" smtClean="0"/>
-              <a:t>8/28/2015</a:t>
+              <a:t>8/31/2015</a:t>
             </a:fld>
             <a:endParaRPr lang="en-US"/>
           </a:p>
@@ -2582,7 +2583,7 @@
           <a:p>
             <a:fld id="{4D8EEEE2-ACBB-41C1-BCFD-8A829CFB8979}" type="datetimeFigureOut">
               <a:rPr lang="en-US" smtClean="0"/>
-              <a:t>8/28/2015</a:t>
+              <a:t>8/31/2015</a:t>
             </a:fld>
             <a:endParaRPr lang="en-US"/>
           </a:p>
@@ -4476,7 +4477,6 @@
               <a:rPr lang="en-US" dirty="0"/>
               <a:t>Strict mode is a good example of why versioning is tricky: Even though it enables a cleaner version of JavaScript, its adoption is still relatively low.</a:t>
             </a:r>
-            <a:endParaRPr lang="en-US" dirty="0"/>
           </a:p>
         </p:txBody>
       </p:sp>
@@ -4727,7 +4727,6 @@
               <a:rPr lang="en-US" dirty="0"/>
               <a:t>ECMAScript 5 strict mode forbids function declarations in blocks. The specification allowed them in sloppy mode, but didn’t specify how they should behave. Hence, various implementations of JavaScript support them, but handle them differently.</a:t>
             </a:r>
-            <a:endParaRPr lang="en-US" dirty="0"/>
           </a:p>
         </p:txBody>
       </p:sp>
@@ -6083,6 +6082,89 @@
   <p:clrMapOvr>
     <a:masterClrMapping/>
   </p:clrMapOvr>
+</p:sld>
+</file>
+
+<file path=ppt/slides/slide20.xml><?xml version="1.0" encoding="utf-8"?>
+<p:sld xmlns:a="http://schemas.openxmlformats.org/drawingml/2006/main" xmlns:r="http://schemas.openxmlformats.org/officeDocument/2006/relationships" xmlns:p="http://schemas.openxmlformats.org/presentationml/2006/main">
+  <p:cSld>
+    <p:spTree>
+      <p:nvGrpSpPr>
+        <p:cNvPr id="1" name=""/>
+        <p:cNvGrpSpPr/>
+        <p:nvPr/>
+      </p:nvGrpSpPr>
+      <p:grpSpPr>
+        <a:xfrm>
+          <a:off x="0" y="0"/>
+          <a:ext cx="0" cy="0"/>
+          <a:chOff x="0" y="0"/>
+          <a:chExt cx="0" cy="0"/>
+        </a:xfrm>
+      </p:grpSpPr>
+      <p:sp>
+        <p:nvSpPr>
+          <p:cNvPr id="2" name="Title 1"/>
+          <p:cNvSpPr>
+            <a:spLocks noGrp="1"/>
+          </p:cNvSpPr>
+          <p:nvPr>
+            <p:ph type="ctrTitle"/>
+          </p:nvPr>
+        </p:nvSpPr>
+        <p:spPr/>
+        <p:txBody>
+          <a:bodyPr/>
+          <a:lstStyle/>
+          <a:p>
+            <a:r>
+              <a:rPr lang="en-US" dirty="0" smtClean="0"/>
+              <a:t>ES6 In Depth: let and </a:t>
+            </a:r>
+            <a:r>
+              <a:rPr lang="en-US" dirty="0" err="1" smtClean="0"/>
+              <a:t>const</a:t>
+            </a:r>
+            <a:endParaRPr lang="en-US" dirty="0"/>
+          </a:p>
+        </p:txBody>
+      </p:sp>
+      <p:sp>
+        <p:nvSpPr>
+          <p:cNvPr id="3" name="Subtitle 2"/>
+          <p:cNvSpPr>
+            <a:spLocks noGrp="1"/>
+          </p:cNvSpPr>
+          <p:nvPr>
+            <p:ph type="subTitle" idx="1"/>
+          </p:nvPr>
+        </p:nvSpPr>
+        <p:spPr/>
+        <p:txBody>
+          <a:bodyPr/>
+          <a:lstStyle/>
+          <a:p>
+            <a:endParaRPr lang="en-US"/>
+          </a:p>
+        </p:txBody>
+      </p:sp>
+    </p:spTree>
+    <p:extLst>
+      <p:ext uri="{BB962C8B-B14F-4D97-AF65-F5344CB8AC3E}">
+        <p14:creationId xmlns:p14="http://schemas.microsoft.com/office/powerpoint/2010/main" val="510463316"/>
+      </p:ext>
+    </p:extLst>
+  </p:cSld>
+  <p:clrMapOvr>
+    <a:masterClrMapping/>
+  </p:clrMapOvr>
+  <p:timing>
+    <p:tnLst>
+      <p:par>
+        <p:cTn id="1" dur="indefinite" restart="never" nodeType="tmRoot"/>
+      </p:par>
+    </p:tnLst>
+  </p:timing>
 </p:sld>
 </file>
 

--- a/es6/es6.pptx
+++ b/es6/es6.pptx
@@ -25,6 +25,13 @@
     <p:sldId id="274" r:id="rId19"/>
     <p:sldId id="275" r:id="rId20"/>
     <p:sldId id="276" r:id="rId21"/>
+    <p:sldId id="277" r:id="rId22"/>
+    <p:sldId id="278" r:id="rId23"/>
+    <p:sldId id="279" r:id="rId24"/>
+    <p:sldId id="280" r:id="rId25"/>
+    <p:sldId id="281" r:id="rId26"/>
+    <p:sldId id="282" r:id="rId27"/>
+    <p:sldId id="283" r:id="rId28"/>
   </p:sldIdLst>
   <p:sldSz cx="12192000" cy="6858000"/>
   <p:notesSz cx="6858000" cy="9144000"/>
@@ -262,7 +269,7 @@
           <a:p>
             <a:fld id="{4D8EEEE2-ACBB-41C1-BCFD-8A829CFB8979}" type="datetimeFigureOut">
               <a:rPr lang="en-US" smtClean="0"/>
-              <a:t>8/31/2015</a:t>
+              <a:t>9/11/2015</a:t>
             </a:fld>
             <a:endParaRPr lang="en-US"/>
           </a:p>
@@ -432,7 +439,7 @@
           <a:p>
             <a:fld id="{4D8EEEE2-ACBB-41C1-BCFD-8A829CFB8979}" type="datetimeFigureOut">
               <a:rPr lang="en-US" smtClean="0"/>
-              <a:t>8/31/2015</a:t>
+              <a:t>9/11/2015</a:t>
             </a:fld>
             <a:endParaRPr lang="en-US"/>
           </a:p>
@@ -612,7 +619,7 @@
           <a:p>
             <a:fld id="{4D8EEEE2-ACBB-41C1-BCFD-8A829CFB8979}" type="datetimeFigureOut">
               <a:rPr lang="en-US" smtClean="0"/>
-              <a:t>8/31/2015</a:t>
+              <a:t>9/11/2015</a:t>
             </a:fld>
             <a:endParaRPr lang="en-US"/>
           </a:p>
@@ -782,7 +789,7 @@
           <a:p>
             <a:fld id="{4D8EEEE2-ACBB-41C1-BCFD-8A829CFB8979}" type="datetimeFigureOut">
               <a:rPr lang="en-US" smtClean="0"/>
-              <a:t>8/31/2015</a:t>
+              <a:t>9/11/2015</a:t>
             </a:fld>
             <a:endParaRPr lang="en-US"/>
           </a:p>
@@ -1028,7 +1035,7 @@
           <a:p>
             <a:fld id="{4D8EEEE2-ACBB-41C1-BCFD-8A829CFB8979}" type="datetimeFigureOut">
               <a:rPr lang="en-US" smtClean="0"/>
-              <a:t>8/31/2015</a:t>
+              <a:t>9/11/2015</a:t>
             </a:fld>
             <a:endParaRPr lang="en-US"/>
           </a:p>
@@ -1260,7 +1267,7 @@
           <a:p>
             <a:fld id="{4D8EEEE2-ACBB-41C1-BCFD-8A829CFB8979}" type="datetimeFigureOut">
               <a:rPr lang="en-US" smtClean="0"/>
-              <a:t>8/31/2015</a:t>
+              <a:t>9/11/2015</a:t>
             </a:fld>
             <a:endParaRPr lang="en-US"/>
           </a:p>
@@ -1627,7 +1634,7 @@
           <a:p>
             <a:fld id="{4D8EEEE2-ACBB-41C1-BCFD-8A829CFB8979}" type="datetimeFigureOut">
               <a:rPr lang="en-US" smtClean="0"/>
-              <a:t>8/31/2015</a:t>
+              <a:t>9/11/2015</a:t>
             </a:fld>
             <a:endParaRPr lang="en-US"/>
           </a:p>
@@ -1745,7 +1752,7 @@
           <a:p>
             <a:fld id="{4D8EEEE2-ACBB-41C1-BCFD-8A829CFB8979}" type="datetimeFigureOut">
               <a:rPr lang="en-US" smtClean="0"/>
-              <a:t>8/31/2015</a:t>
+              <a:t>9/11/2015</a:t>
             </a:fld>
             <a:endParaRPr lang="en-US"/>
           </a:p>
@@ -1840,7 +1847,7 @@
           <a:p>
             <a:fld id="{4D8EEEE2-ACBB-41C1-BCFD-8A829CFB8979}" type="datetimeFigureOut">
               <a:rPr lang="en-US" smtClean="0"/>
-              <a:t>8/31/2015</a:t>
+              <a:t>9/11/2015</a:t>
             </a:fld>
             <a:endParaRPr lang="en-US"/>
           </a:p>
@@ -2117,7 +2124,7 @@
           <a:p>
             <a:fld id="{4D8EEEE2-ACBB-41C1-BCFD-8A829CFB8979}" type="datetimeFigureOut">
               <a:rPr lang="en-US" smtClean="0"/>
-              <a:t>8/31/2015</a:t>
+              <a:t>9/11/2015</a:t>
             </a:fld>
             <a:endParaRPr lang="en-US"/>
           </a:p>
@@ -2370,7 +2377,7 @@
           <a:p>
             <a:fld id="{4D8EEEE2-ACBB-41C1-BCFD-8A829CFB8979}" type="datetimeFigureOut">
               <a:rPr lang="en-US" smtClean="0"/>
-              <a:t>8/31/2015</a:t>
+              <a:t>9/11/2015</a:t>
             </a:fld>
             <a:endParaRPr lang="en-US"/>
           </a:p>
@@ -2583,7 +2590,7 @@
           <a:p>
             <a:fld id="{4D8EEEE2-ACBB-41C1-BCFD-8A829CFB8979}" type="datetimeFigureOut">
               <a:rPr lang="en-US" smtClean="0"/>
-              <a:t>8/31/2015</a:t>
+              <a:t>9/11/2015</a:t>
             </a:fld>
             <a:endParaRPr lang="en-US"/>
           </a:p>
@@ -3064,6 +3071,13 @@
   <p:clrMapOvr>
     <a:masterClrMapping/>
   </p:clrMapOvr>
+  <p:timing>
+    <p:tnLst>
+      <p:par>
+        <p:cTn id="1" dur="indefinite" restart="never" nodeType="tmRoot"/>
+      </p:par>
+    </p:tnLst>
+  </p:timing>
 </p:sld>
 </file>
 
@@ -6152,6 +6166,3767 @@
     <p:extLst>
       <p:ext uri="{BB962C8B-B14F-4D97-AF65-F5344CB8AC3E}">
         <p14:creationId xmlns:p14="http://schemas.microsoft.com/office/powerpoint/2010/main" val="510463316"/>
+      </p:ext>
+    </p:extLst>
+  </p:cSld>
+  <p:clrMapOvr>
+    <a:masterClrMapping/>
+  </p:clrMapOvr>
+  <p:timing>
+    <p:tnLst>
+      <p:par>
+        <p:cTn id="1" dur="indefinite" restart="never" nodeType="tmRoot"/>
+      </p:par>
+    </p:tnLst>
+  </p:timing>
+</p:sld>
+</file>
+
+<file path=ppt/slides/slide21.xml><?xml version="1.0" encoding="utf-8"?>
+<p:sld xmlns:a="http://schemas.openxmlformats.org/drawingml/2006/main" xmlns:r="http://schemas.openxmlformats.org/officeDocument/2006/relationships" xmlns:p="http://schemas.openxmlformats.org/presentationml/2006/main">
+  <p:cSld>
+    <p:spTree>
+      <p:nvGrpSpPr>
+        <p:cNvPr id="1" name=""/>
+        <p:cNvGrpSpPr/>
+        <p:nvPr/>
+      </p:nvGrpSpPr>
+      <p:grpSpPr>
+        <a:xfrm>
+          <a:off x="0" y="0"/>
+          <a:ext cx="0" cy="0"/>
+          <a:chOff x="0" y="0"/>
+          <a:chExt cx="0" cy="0"/>
+        </a:xfrm>
+      </p:grpSpPr>
+      <p:sp>
+        <p:nvSpPr>
+          <p:cNvPr id="2" name="Title 1"/>
+          <p:cNvSpPr>
+            <a:spLocks noGrp="1"/>
+          </p:cNvSpPr>
+          <p:nvPr>
+            <p:ph type="title"/>
+          </p:nvPr>
+        </p:nvSpPr>
+        <p:spPr/>
+        <p:txBody>
+          <a:bodyPr/>
+          <a:lstStyle/>
+          <a:p>
+            <a:r>
+              <a:rPr lang="en-US" dirty="0" smtClean="0"/>
+              <a:t>ES5 Way</a:t>
+            </a:r>
+            <a:endParaRPr lang="en-US" dirty="0"/>
+          </a:p>
+        </p:txBody>
+      </p:sp>
+      <p:sp>
+        <p:nvSpPr>
+          <p:cNvPr id="4" name="Rectangle 1"/>
+          <p:cNvSpPr>
+            <a:spLocks noGrp="1" noChangeArrowheads="1"/>
+          </p:cNvSpPr>
+          <p:nvPr>
+            <p:ph idx="1"/>
+          </p:nvPr>
+        </p:nvSpPr>
+        <p:spPr bwMode="auto">
+          <a:xfrm>
+            <a:off x="715537" y="1546907"/>
+            <a:ext cx="3835987" cy="1384995"/>
+          </a:xfrm>
+          <a:prstGeom prst="rect">
+            <a:avLst/>
+          </a:prstGeom>
+          <a:solidFill>
+            <a:srgbClr val="F5F2F0"/>
+          </a:solidFill>
+          <a:ln>
+            <a:noFill/>
+          </a:ln>
+          <a:effectLst/>
+          <a:extLst>
+            <a:ext uri="{91240B29-F687-4F45-9708-019B960494DF}">
+              <a14:hiddenLine xmlns:a14="http://schemas.microsoft.com/office/drawing/2010/main" w="9525">
+                <a:solidFill>
+                  <a:schemeClr val="tx1"/>
+                </a:solidFill>
+                <a:miter lim="800000"/>
+                <a:headEnd/>
+                <a:tailEnd/>
+              </a14:hiddenLine>
+            </a:ext>
+            <a:ext uri="{AF507438-7753-43E0-B8FC-AC1667EBCBE1}">
+              <a14:hiddenEffects xmlns:a14="http://schemas.microsoft.com/office/drawing/2010/main">
+                <a:effectLst>
+                  <a:outerShdw dist="35921" dir="2700000" algn="ctr" rotWithShape="0">
+                    <a:schemeClr val="bg2"/>
+                  </a:outerShdw>
+                </a:effectLst>
+              </a14:hiddenEffects>
+            </a:ext>
+          </a:extLst>
+        </p:spPr>
+        <p:txBody>
+          <a:bodyPr vert="horz" wrap="none" lIns="0" tIns="0" rIns="0" bIns="0" numCol="1" anchor="ctr" anchorCtr="0" compatLnSpc="1">
+            <a:prstTxWarp prst="textNoShape">
+              <a:avLst/>
+            </a:prstTxWarp>
+            <a:spAutoFit/>
+          </a:bodyPr>
+          <a:lstStyle/>
+          <a:p>
+            <a:pPr marL="0" marR="0" lvl="0" indent="0" algn="l" defTabSz="914400" rtl="0" eaLnBrk="0" fontAlgn="base" latinLnBrk="0" hangingPunct="0">
+              <a:lnSpc>
+                <a:spcPct val="100000"/>
+              </a:lnSpc>
+              <a:spcBef>
+                <a:spcPct val="0"/>
+              </a:spcBef>
+              <a:spcAft>
+                <a:spcPct val="0"/>
+              </a:spcAft>
+              <a:buClrTx/>
+              <a:buSzTx/>
+              <a:buFontTx/>
+              <a:buNone/>
+              <a:tabLst/>
+            </a:pPr>
+            <a:r>
+              <a:rPr kumimoji="0" lang="en-US" altLang="en-US" sz="1800" b="0" i="0" u="none" strike="noStrike" cap="none" normalizeH="0" baseline="0" dirty="0" err="1" smtClean="0">
+                <a:ln>
+                  <a:noFill/>
+                </a:ln>
+                <a:solidFill>
+                  <a:srgbClr val="0077AA"/>
+                </a:solidFill>
+                <a:effectLst/>
+                <a:latin typeface="Consolas" panose="020B0609020204030204" pitchFamily="49" charset="0"/>
+                <a:cs typeface="Consolas" panose="020B0609020204030204" pitchFamily="49" charset="0"/>
+              </a:rPr>
+              <a:t>var</a:t>
+            </a:r>
+            <a:r>
+              <a:rPr kumimoji="0" lang="en-US" altLang="en-US" sz="1800" b="0" i="0" u="none" strike="noStrike" cap="none" normalizeH="0" baseline="0" dirty="0" smtClean="0">
+                <a:ln>
+                  <a:noFill/>
+                </a:ln>
+                <a:solidFill>
+                  <a:srgbClr val="000000"/>
+                </a:solidFill>
+                <a:effectLst/>
+                <a:latin typeface="Consolas" panose="020B0609020204030204" pitchFamily="49" charset="0"/>
+                <a:cs typeface="Consolas" panose="020B0609020204030204" pitchFamily="49" charset="0"/>
+              </a:rPr>
+              <a:t> x </a:t>
+            </a:r>
+            <a:r>
+              <a:rPr kumimoji="0" lang="en-US" altLang="en-US" sz="1800" b="0" i="0" u="none" strike="noStrike" cap="none" normalizeH="0" baseline="0" dirty="0" smtClean="0">
+                <a:ln>
+                  <a:noFill/>
+                </a:ln>
+                <a:solidFill>
+                  <a:srgbClr val="A67F59"/>
+                </a:solidFill>
+                <a:effectLst/>
+                <a:latin typeface="Consolas" panose="020B0609020204030204" pitchFamily="49" charset="0"/>
+                <a:cs typeface="Consolas" panose="020B0609020204030204" pitchFamily="49" charset="0"/>
+              </a:rPr>
+              <a:t>=</a:t>
+            </a:r>
+            <a:r>
+              <a:rPr kumimoji="0" lang="en-US" altLang="en-US" sz="1800" b="0" i="0" u="none" strike="noStrike" cap="none" normalizeH="0" baseline="0" dirty="0" smtClean="0">
+                <a:ln>
+                  <a:noFill/>
+                </a:ln>
+                <a:solidFill>
+                  <a:srgbClr val="000000"/>
+                </a:solidFill>
+                <a:effectLst/>
+                <a:latin typeface="Consolas" panose="020B0609020204030204" pitchFamily="49" charset="0"/>
+                <a:cs typeface="Consolas" panose="020B0609020204030204" pitchFamily="49" charset="0"/>
+              </a:rPr>
+              <a:t> </a:t>
+            </a:r>
+            <a:r>
+              <a:rPr kumimoji="0" lang="en-US" altLang="en-US" sz="1800" b="0" i="0" u="none" strike="noStrike" cap="none" normalizeH="0" baseline="0" dirty="0" smtClean="0">
+                <a:ln>
+                  <a:noFill/>
+                </a:ln>
+                <a:solidFill>
+                  <a:srgbClr val="669900"/>
+                </a:solidFill>
+                <a:effectLst/>
+                <a:latin typeface="Consolas" panose="020B0609020204030204" pitchFamily="49" charset="0"/>
+                <a:cs typeface="Consolas" panose="020B0609020204030204" pitchFamily="49" charset="0"/>
+              </a:rPr>
+              <a:t>'outer scope'</a:t>
+            </a:r>
+            <a:r>
+              <a:rPr kumimoji="0" lang="en-US" altLang="en-US" sz="1800" b="0" i="0" u="none" strike="noStrike" cap="none" normalizeH="0" baseline="0" dirty="0" smtClean="0">
+                <a:ln>
+                  <a:noFill/>
+                </a:ln>
+                <a:solidFill>
+                  <a:srgbClr val="999999"/>
+                </a:solidFill>
+                <a:effectLst/>
+                <a:latin typeface="Consolas" panose="020B0609020204030204" pitchFamily="49" charset="0"/>
+                <a:cs typeface="Consolas" panose="020B0609020204030204" pitchFamily="49" charset="0"/>
+              </a:rPr>
+              <a:t>;</a:t>
+            </a:r>
+            <a:r>
+              <a:rPr kumimoji="0" lang="en-US" altLang="en-US" sz="1800" b="0" i="0" u="none" strike="noStrike" cap="none" normalizeH="0" baseline="0" dirty="0" smtClean="0">
+                <a:ln>
+                  <a:noFill/>
+                </a:ln>
+                <a:solidFill>
+                  <a:srgbClr val="000000"/>
+                </a:solidFill>
+                <a:effectLst/>
+                <a:latin typeface="Consolas" panose="020B0609020204030204" pitchFamily="49" charset="0"/>
+                <a:cs typeface="Consolas" panose="020B0609020204030204" pitchFamily="49" charset="0"/>
+              </a:rPr>
+              <a:t> </a:t>
+            </a:r>
+          </a:p>
+          <a:p>
+            <a:pPr marL="0" marR="0" lvl="0" indent="0" algn="l" defTabSz="914400" rtl="0" eaLnBrk="0" fontAlgn="base" latinLnBrk="0" hangingPunct="0">
+              <a:lnSpc>
+                <a:spcPct val="100000"/>
+              </a:lnSpc>
+              <a:spcBef>
+                <a:spcPct val="0"/>
+              </a:spcBef>
+              <a:spcAft>
+                <a:spcPct val="0"/>
+              </a:spcAft>
+              <a:buClrTx/>
+              <a:buSzTx/>
+              <a:buFontTx/>
+              <a:buNone/>
+              <a:tabLst/>
+            </a:pPr>
+            <a:r>
+              <a:rPr kumimoji="0" lang="en-US" altLang="en-US" sz="1800" b="0" i="0" u="none" strike="noStrike" cap="none" normalizeH="0" baseline="0" dirty="0" smtClean="0">
+                <a:ln>
+                  <a:noFill/>
+                </a:ln>
+                <a:solidFill>
+                  <a:srgbClr val="999999"/>
+                </a:solidFill>
+                <a:effectLst/>
+                <a:latin typeface="Consolas" panose="020B0609020204030204" pitchFamily="49" charset="0"/>
+                <a:cs typeface="Consolas" panose="020B0609020204030204" pitchFamily="49" charset="0"/>
+              </a:rPr>
+              <a:t>(</a:t>
+            </a:r>
+            <a:r>
+              <a:rPr kumimoji="0" lang="en-US" altLang="en-US" sz="1800" b="0" i="0" u="none" strike="noStrike" cap="none" normalizeH="0" baseline="0" dirty="0" smtClean="0">
+                <a:ln>
+                  <a:noFill/>
+                </a:ln>
+                <a:solidFill>
+                  <a:srgbClr val="0077AA"/>
+                </a:solidFill>
+                <a:effectLst/>
+                <a:latin typeface="Consolas" panose="020B0609020204030204" pitchFamily="49" charset="0"/>
+                <a:cs typeface="Consolas" panose="020B0609020204030204" pitchFamily="49" charset="0"/>
+              </a:rPr>
+              <a:t>function</a:t>
+            </a:r>
+            <a:r>
+              <a:rPr kumimoji="0" lang="en-US" altLang="en-US" sz="1800" b="0" i="0" u="none" strike="noStrike" cap="none" normalizeH="0" baseline="0" dirty="0" smtClean="0">
+                <a:ln>
+                  <a:noFill/>
+                </a:ln>
+                <a:solidFill>
+                  <a:srgbClr val="999999"/>
+                </a:solidFill>
+                <a:effectLst/>
+                <a:latin typeface="Consolas" panose="020B0609020204030204" pitchFamily="49" charset="0"/>
+                <a:cs typeface="Consolas" panose="020B0609020204030204" pitchFamily="49" charset="0"/>
+              </a:rPr>
+              <a:t>()</a:t>
+            </a:r>
+            <a:r>
+              <a:rPr kumimoji="0" lang="en-US" altLang="en-US" sz="1800" b="0" i="0" u="none" strike="noStrike" cap="none" normalizeH="0" baseline="0" dirty="0" smtClean="0">
+                <a:ln>
+                  <a:noFill/>
+                </a:ln>
+                <a:solidFill>
+                  <a:srgbClr val="000000"/>
+                </a:solidFill>
+                <a:effectLst/>
+                <a:latin typeface="Consolas" panose="020B0609020204030204" pitchFamily="49" charset="0"/>
+                <a:cs typeface="Consolas" panose="020B0609020204030204" pitchFamily="49" charset="0"/>
+              </a:rPr>
+              <a:t> </a:t>
+            </a:r>
+            <a:r>
+              <a:rPr kumimoji="0" lang="en-US" altLang="en-US" sz="1800" b="0" i="0" u="none" strike="noStrike" cap="none" normalizeH="0" baseline="0" dirty="0" smtClean="0">
+                <a:ln>
+                  <a:noFill/>
+                </a:ln>
+                <a:solidFill>
+                  <a:srgbClr val="999999"/>
+                </a:solidFill>
+                <a:effectLst/>
+                <a:latin typeface="Consolas" panose="020B0609020204030204" pitchFamily="49" charset="0"/>
+                <a:cs typeface="Consolas" panose="020B0609020204030204" pitchFamily="49" charset="0"/>
+              </a:rPr>
+              <a:t>{</a:t>
+            </a:r>
+            <a:r>
+              <a:rPr kumimoji="0" lang="en-US" altLang="en-US" sz="1800" b="0" i="0" u="none" strike="noStrike" cap="none" normalizeH="0" baseline="0" dirty="0" smtClean="0">
+                <a:ln>
+                  <a:noFill/>
+                </a:ln>
+                <a:solidFill>
+                  <a:srgbClr val="000000"/>
+                </a:solidFill>
+                <a:effectLst/>
+                <a:latin typeface="Consolas" panose="020B0609020204030204" pitchFamily="49" charset="0"/>
+                <a:cs typeface="Consolas" panose="020B0609020204030204" pitchFamily="49" charset="0"/>
+              </a:rPr>
+              <a:t> </a:t>
+            </a:r>
+          </a:p>
+          <a:p>
+            <a:pPr marL="0" marR="0" lvl="0" indent="0" algn="l" defTabSz="914400" rtl="0" eaLnBrk="0" fontAlgn="base" latinLnBrk="0" hangingPunct="0">
+              <a:lnSpc>
+                <a:spcPct val="100000"/>
+              </a:lnSpc>
+              <a:spcBef>
+                <a:spcPct val="0"/>
+              </a:spcBef>
+              <a:spcAft>
+                <a:spcPct val="0"/>
+              </a:spcAft>
+              <a:buClrTx/>
+              <a:buSzTx/>
+              <a:buFontTx/>
+              <a:buNone/>
+              <a:tabLst/>
+            </a:pPr>
+            <a:r>
+              <a:rPr lang="en-US" altLang="en-US" sz="1800" dirty="0">
+                <a:solidFill>
+                  <a:srgbClr val="000000"/>
+                </a:solidFill>
+                <a:latin typeface="Consolas" panose="020B0609020204030204" pitchFamily="49" charset="0"/>
+                <a:cs typeface="Consolas" panose="020B0609020204030204" pitchFamily="49" charset="0"/>
+              </a:rPr>
+              <a:t>	</a:t>
+            </a:r>
+            <a:r>
+              <a:rPr kumimoji="0" lang="en-US" altLang="en-US" sz="1800" b="0" i="0" u="none" strike="noStrike" cap="none" normalizeH="0" baseline="0" dirty="0" smtClean="0">
+                <a:ln>
+                  <a:noFill/>
+                </a:ln>
+                <a:solidFill>
+                  <a:srgbClr val="000000"/>
+                </a:solidFill>
+                <a:effectLst/>
+                <a:latin typeface="Consolas" panose="020B0609020204030204" pitchFamily="49" charset="0"/>
+                <a:cs typeface="Consolas" panose="020B0609020204030204" pitchFamily="49" charset="0"/>
+              </a:rPr>
+              <a:t>console</a:t>
+            </a:r>
+            <a:r>
+              <a:rPr kumimoji="0" lang="en-US" altLang="en-US" sz="1800" b="0" i="0" u="none" strike="noStrike" cap="none" normalizeH="0" baseline="0" dirty="0" smtClean="0">
+                <a:ln>
+                  <a:noFill/>
+                </a:ln>
+                <a:solidFill>
+                  <a:srgbClr val="999999"/>
+                </a:solidFill>
+                <a:effectLst/>
+                <a:latin typeface="Consolas" panose="020B0609020204030204" pitchFamily="49" charset="0"/>
+                <a:cs typeface="Consolas" panose="020B0609020204030204" pitchFamily="49" charset="0"/>
+              </a:rPr>
+              <a:t>.</a:t>
+            </a:r>
+            <a:r>
+              <a:rPr kumimoji="0" lang="en-US" altLang="en-US" sz="1800" b="0" i="0" u="none" strike="noStrike" cap="none" normalizeH="0" baseline="0" dirty="0" smtClean="0">
+                <a:ln>
+                  <a:noFill/>
+                </a:ln>
+                <a:solidFill>
+                  <a:srgbClr val="DD4A68"/>
+                </a:solidFill>
+                <a:effectLst/>
+                <a:latin typeface="Consolas" panose="020B0609020204030204" pitchFamily="49" charset="0"/>
+                <a:cs typeface="Consolas" panose="020B0609020204030204" pitchFamily="49" charset="0"/>
+              </a:rPr>
+              <a:t>log</a:t>
+            </a:r>
+            <a:r>
+              <a:rPr kumimoji="0" lang="en-US" altLang="en-US" sz="1800" b="0" i="0" u="none" strike="noStrike" cap="none" normalizeH="0" baseline="0" dirty="0" smtClean="0">
+                <a:ln>
+                  <a:noFill/>
+                </a:ln>
+                <a:solidFill>
+                  <a:srgbClr val="999999"/>
+                </a:solidFill>
+                <a:effectLst/>
+                <a:latin typeface="Consolas" panose="020B0609020204030204" pitchFamily="49" charset="0"/>
+                <a:cs typeface="Consolas" panose="020B0609020204030204" pitchFamily="49" charset="0"/>
+              </a:rPr>
+              <a:t>(</a:t>
+            </a:r>
+            <a:r>
+              <a:rPr kumimoji="0" lang="en-US" altLang="en-US" sz="1800" b="0" i="0" u="none" strike="noStrike" cap="none" normalizeH="0" baseline="0" dirty="0" smtClean="0">
+                <a:ln>
+                  <a:noFill/>
+                </a:ln>
+                <a:solidFill>
+                  <a:srgbClr val="000000"/>
+                </a:solidFill>
+                <a:effectLst/>
+                <a:latin typeface="Consolas" panose="020B0609020204030204" pitchFamily="49" charset="0"/>
+                <a:cs typeface="Consolas" panose="020B0609020204030204" pitchFamily="49" charset="0"/>
+              </a:rPr>
+              <a:t>x</a:t>
+            </a:r>
+            <a:r>
+              <a:rPr kumimoji="0" lang="en-US" altLang="en-US" sz="1800" b="0" i="0" u="none" strike="noStrike" cap="none" normalizeH="0" baseline="0" dirty="0" smtClean="0">
+                <a:ln>
+                  <a:noFill/>
+                </a:ln>
+                <a:solidFill>
+                  <a:srgbClr val="999999"/>
+                </a:solidFill>
+                <a:effectLst/>
+                <a:latin typeface="Consolas" panose="020B0609020204030204" pitchFamily="49" charset="0"/>
+                <a:cs typeface="Consolas" panose="020B0609020204030204" pitchFamily="49" charset="0"/>
+              </a:rPr>
+              <a:t>);</a:t>
+            </a:r>
+            <a:r>
+              <a:rPr kumimoji="0" lang="en-US" altLang="en-US" sz="1800" b="0" i="0" u="none" strike="noStrike" cap="none" normalizeH="0" baseline="0" dirty="0" smtClean="0">
+                <a:ln>
+                  <a:noFill/>
+                </a:ln>
+                <a:solidFill>
+                  <a:srgbClr val="000000"/>
+                </a:solidFill>
+                <a:effectLst/>
+                <a:latin typeface="Consolas" panose="020B0609020204030204" pitchFamily="49" charset="0"/>
+                <a:cs typeface="Consolas" panose="020B0609020204030204" pitchFamily="49" charset="0"/>
+              </a:rPr>
+              <a:t> </a:t>
+            </a:r>
+          </a:p>
+          <a:p>
+            <a:pPr marL="0" marR="0" lvl="0" indent="0" algn="l" defTabSz="914400" rtl="0" eaLnBrk="0" fontAlgn="base" latinLnBrk="0" hangingPunct="0">
+              <a:lnSpc>
+                <a:spcPct val="100000"/>
+              </a:lnSpc>
+              <a:spcBef>
+                <a:spcPct val="0"/>
+              </a:spcBef>
+              <a:spcAft>
+                <a:spcPct val="0"/>
+              </a:spcAft>
+              <a:buClrTx/>
+              <a:buSzTx/>
+              <a:buFontTx/>
+              <a:buNone/>
+              <a:tabLst/>
+            </a:pPr>
+            <a:r>
+              <a:rPr lang="en-US" altLang="en-US" sz="1800" dirty="0">
+                <a:solidFill>
+                  <a:srgbClr val="000000"/>
+                </a:solidFill>
+                <a:latin typeface="Consolas" panose="020B0609020204030204" pitchFamily="49" charset="0"/>
+                <a:cs typeface="Consolas" panose="020B0609020204030204" pitchFamily="49" charset="0"/>
+              </a:rPr>
+              <a:t>	</a:t>
+            </a:r>
+            <a:r>
+              <a:rPr kumimoji="0" lang="en-US" altLang="en-US" sz="1800" b="0" i="0" u="none" strike="noStrike" cap="none" normalizeH="0" baseline="0" dirty="0" err="1" smtClean="0">
+                <a:ln>
+                  <a:noFill/>
+                </a:ln>
+                <a:solidFill>
+                  <a:srgbClr val="0077AA"/>
+                </a:solidFill>
+                <a:effectLst/>
+                <a:latin typeface="Consolas" panose="020B0609020204030204" pitchFamily="49" charset="0"/>
+                <a:cs typeface="Consolas" panose="020B0609020204030204" pitchFamily="49" charset="0"/>
+              </a:rPr>
+              <a:t>var</a:t>
+            </a:r>
+            <a:r>
+              <a:rPr kumimoji="0" lang="en-US" altLang="en-US" sz="1800" b="0" i="0" u="none" strike="noStrike" cap="none" normalizeH="0" baseline="0" dirty="0" smtClean="0">
+                <a:ln>
+                  <a:noFill/>
+                </a:ln>
+                <a:solidFill>
+                  <a:srgbClr val="000000"/>
+                </a:solidFill>
+                <a:effectLst/>
+                <a:latin typeface="Consolas" panose="020B0609020204030204" pitchFamily="49" charset="0"/>
+                <a:cs typeface="Consolas" panose="020B0609020204030204" pitchFamily="49" charset="0"/>
+              </a:rPr>
+              <a:t> x </a:t>
+            </a:r>
+            <a:r>
+              <a:rPr kumimoji="0" lang="en-US" altLang="en-US" sz="1800" b="0" i="0" u="none" strike="noStrike" cap="none" normalizeH="0" baseline="0" dirty="0" smtClean="0">
+                <a:ln>
+                  <a:noFill/>
+                </a:ln>
+                <a:solidFill>
+                  <a:srgbClr val="A67F59"/>
+                </a:solidFill>
+                <a:effectLst/>
+                <a:latin typeface="Consolas" panose="020B0609020204030204" pitchFamily="49" charset="0"/>
+                <a:cs typeface="Consolas" panose="020B0609020204030204" pitchFamily="49" charset="0"/>
+              </a:rPr>
+              <a:t>=</a:t>
+            </a:r>
+            <a:r>
+              <a:rPr kumimoji="0" lang="en-US" altLang="en-US" sz="1800" b="0" i="0" u="none" strike="noStrike" cap="none" normalizeH="0" baseline="0" dirty="0" smtClean="0">
+                <a:ln>
+                  <a:noFill/>
+                </a:ln>
+                <a:solidFill>
+                  <a:srgbClr val="000000"/>
+                </a:solidFill>
+                <a:effectLst/>
+                <a:latin typeface="Consolas" panose="020B0609020204030204" pitchFamily="49" charset="0"/>
+                <a:cs typeface="Consolas" panose="020B0609020204030204" pitchFamily="49" charset="0"/>
+              </a:rPr>
+              <a:t> </a:t>
+            </a:r>
+            <a:r>
+              <a:rPr kumimoji="0" lang="en-US" altLang="en-US" sz="1800" b="0" i="0" u="none" strike="noStrike" cap="none" normalizeH="0" baseline="0" dirty="0" smtClean="0">
+                <a:ln>
+                  <a:noFill/>
+                </a:ln>
+                <a:solidFill>
+                  <a:srgbClr val="669900"/>
+                </a:solidFill>
+                <a:effectLst/>
+                <a:latin typeface="Consolas" panose="020B0609020204030204" pitchFamily="49" charset="0"/>
+                <a:cs typeface="Consolas" panose="020B0609020204030204" pitchFamily="49" charset="0"/>
+              </a:rPr>
+              <a:t>'inner scope'</a:t>
+            </a:r>
+            <a:r>
+              <a:rPr kumimoji="0" lang="en-US" altLang="en-US" sz="1800" b="0" i="0" u="none" strike="noStrike" cap="none" normalizeH="0" baseline="0" dirty="0" smtClean="0">
+                <a:ln>
+                  <a:noFill/>
+                </a:ln>
+                <a:solidFill>
+                  <a:srgbClr val="999999"/>
+                </a:solidFill>
+                <a:effectLst/>
+                <a:latin typeface="Consolas" panose="020B0609020204030204" pitchFamily="49" charset="0"/>
+                <a:cs typeface="Consolas" panose="020B0609020204030204" pitchFamily="49" charset="0"/>
+              </a:rPr>
+              <a:t>;</a:t>
+            </a:r>
+            <a:r>
+              <a:rPr kumimoji="0" lang="en-US" altLang="en-US" sz="1800" b="0" i="0" u="none" strike="noStrike" cap="none" normalizeH="0" baseline="0" dirty="0" smtClean="0">
+                <a:ln>
+                  <a:noFill/>
+                </a:ln>
+                <a:solidFill>
+                  <a:srgbClr val="000000"/>
+                </a:solidFill>
+                <a:effectLst/>
+                <a:latin typeface="Consolas" panose="020B0609020204030204" pitchFamily="49" charset="0"/>
+                <a:cs typeface="Consolas" panose="020B0609020204030204" pitchFamily="49" charset="0"/>
+              </a:rPr>
+              <a:t> </a:t>
+            </a:r>
+          </a:p>
+          <a:p>
+            <a:pPr marL="0" marR="0" lvl="0" indent="0" algn="l" defTabSz="914400" rtl="0" eaLnBrk="0" fontAlgn="base" latinLnBrk="0" hangingPunct="0">
+              <a:lnSpc>
+                <a:spcPct val="100000"/>
+              </a:lnSpc>
+              <a:spcBef>
+                <a:spcPct val="0"/>
+              </a:spcBef>
+              <a:spcAft>
+                <a:spcPct val="0"/>
+              </a:spcAft>
+              <a:buClrTx/>
+              <a:buSzTx/>
+              <a:buFontTx/>
+              <a:buNone/>
+              <a:tabLst/>
+            </a:pPr>
+            <a:r>
+              <a:rPr kumimoji="0" lang="en-US" altLang="en-US" sz="1800" b="0" i="0" u="none" strike="noStrike" cap="none" normalizeH="0" baseline="0" dirty="0" smtClean="0">
+                <a:ln>
+                  <a:noFill/>
+                </a:ln>
+                <a:solidFill>
+                  <a:srgbClr val="999999"/>
+                </a:solidFill>
+                <a:effectLst/>
+                <a:latin typeface="Consolas" panose="020B0609020204030204" pitchFamily="49" charset="0"/>
+                <a:cs typeface="Consolas" panose="020B0609020204030204" pitchFamily="49" charset="0"/>
+              </a:rPr>
+              <a:t>}());</a:t>
+            </a:r>
+            <a:r>
+              <a:rPr kumimoji="0" lang="en-US" altLang="en-US" sz="1600" b="0" i="0" u="none" strike="noStrike" cap="none" normalizeH="0" baseline="0" dirty="0" smtClean="0">
+                <a:ln>
+                  <a:noFill/>
+                </a:ln>
+                <a:solidFill>
+                  <a:schemeClr val="tx1"/>
+                </a:solidFill>
+                <a:effectLst/>
+              </a:rPr>
+              <a:t> </a:t>
+            </a:r>
+            <a:endParaRPr kumimoji="0" lang="en-US" altLang="en-US" sz="4000" b="0" i="0" u="none" strike="noStrike" cap="none" normalizeH="0" baseline="0" dirty="0" smtClean="0">
+              <a:ln>
+                <a:noFill/>
+              </a:ln>
+              <a:solidFill>
+                <a:schemeClr val="tx1"/>
+              </a:solidFill>
+              <a:effectLst/>
+              <a:latin typeface="Arial" panose="020B0604020202020204" pitchFamily="34" charset="0"/>
+            </a:endParaRPr>
+          </a:p>
+        </p:txBody>
+      </p:sp>
+    </p:spTree>
+    <p:extLst>
+      <p:ext uri="{BB962C8B-B14F-4D97-AF65-F5344CB8AC3E}">
+        <p14:creationId xmlns:p14="http://schemas.microsoft.com/office/powerpoint/2010/main" val="1974594936"/>
+      </p:ext>
+    </p:extLst>
+  </p:cSld>
+  <p:clrMapOvr>
+    <a:masterClrMapping/>
+  </p:clrMapOvr>
+  <p:timing>
+    <p:tnLst>
+      <p:par>
+        <p:cTn id="1" dur="indefinite" restart="never" nodeType="tmRoot"/>
+      </p:par>
+    </p:tnLst>
+  </p:timing>
+</p:sld>
+</file>
+
+<file path=ppt/slides/slide22.xml><?xml version="1.0" encoding="utf-8"?>
+<p:sld xmlns:a="http://schemas.openxmlformats.org/drawingml/2006/main" xmlns:r="http://schemas.openxmlformats.org/officeDocument/2006/relationships" xmlns:p="http://schemas.openxmlformats.org/presentationml/2006/main">
+  <p:cSld>
+    <p:spTree>
+      <p:nvGrpSpPr>
+        <p:cNvPr id="1" name=""/>
+        <p:cNvGrpSpPr/>
+        <p:nvPr/>
+      </p:nvGrpSpPr>
+      <p:grpSpPr>
+        <a:xfrm>
+          <a:off x="0" y="0"/>
+          <a:ext cx="0" cy="0"/>
+          <a:chOff x="0" y="0"/>
+          <a:chExt cx="0" cy="0"/>
+        </a:xfrm>
+      </p:grpSpPr>
+      <p:sp>
+        <p:nvSpPr>
+          <p:cNvPr id="2" name="Title 1"/>
+          <p:cNvSpPr>
+            <a:spLocks noGrp="1"/>
+          </p:cNvSpPr>
+          <p:nvPr>
+            <p:ph type="title"/>
+          </p:nvPr>
+        </p:nvSpPr>
+        <p:spPr/>
+        <p:txBody>
+          <a:bodyPr/>
+          <a:lstStyle/>
+          <a:p>
+            <a:r>
+              <a:rPr lang="en-US" dirty="0" smtClean="0"/>
+              <a:t>ES6 - </a:t>
+            </a:r>
+            <a:r>
+              <a:rPr lang="en-US" dirty="0"/>
+              <a:t>Temporal Dead </a:t>
+            </a:r>
+            <a:r>
+              <a:rPr lang="en-US" dirty="0" smtClean="0"/>
+              <a:t>Zone</a:t>
+            </a:r>
+            <a:endParaRPr lang="en-US" dirty="0"/>
+          </a:p>
+        </p:txBody>
+      </p:sp>
+      <p:sp>
+        <p:nvSpPr>
+          <p:cNvPr id="4" name="Rectangle 1"/>
+          <p:cNvSpPr>
+            <a:spLocks noGrp="1" noChangeArrowheads="1"/>
+          </p:cNvSpPr>
+          <p:nvPr>
+            <p:ph idx="1"/>
+          </p:nvPr>
+        </p:nvSpPr>
+        <p:spPr bwMode="auto">
+          <a:xfrm>
+            <a:off x="760141" y="1567579"/>
+            <a:ext cx="5445401" cy="553998"/>
+          </a:xfrm>
+          <a:prstGeom prst="rect">
+            <a:avLst/>
+          </a:prstGeom>
+          <a:solidFill>
+            <a:srgbClr val="F5F2F0"/>
+          </a:solidFill>
+          <a:ln>
+            <a:noFill/>
+          </a:ln>
+          <a:effectLst/>
+          <a:extLst>
+            <a:ext uri="{91240B29-F687-4F45-9708-019B960494DF}">
+              <a14:hiddenLine xmlns:a14="http://schemas.microsoft.com/office/drawing/2010/main" w="9525">
+                <a:solidFill>
+                  <a:schemeClr val="tx1"/>
+                </a:solidFill>
+                <a:miter lim="800000"/>
+                <a:headEnd/>
+                <a:tailEnd/>
+              </a14:hiddenLine>
+            </a:ext>
+            <a:ext uri="{AF507438-7753-43E0-B8FC-AC1667EBCBE1}">
+              <a14:hiddenEffects xmlns:a14="http://schemas.microsoft.com/office/drawing/2010/main">
+                <a:effectLst>
+                  <a:outerShdw dist="35921" dir="2700000" algn="ctr" rotWithShape="0">
+                    <a:schemeClr val="bg2"/>
+                  </a:outerShdw>
+                </a:effectLst>
+              </a14:hiddenEffects>
+            </a:ext>
+          </a:extLst>
+        </p:spPr>
+        <p:txBody>
+          <a:bodyPr vert="horz" wrap="none" lIns="0" tIns="0" rIns="0" bIns="0" numCol="1" anchor="ctr" anchorCtr="0" compatLnSpc="1">
+            <a:prstTxWarp prst="textNoShape">
+              <a:avLst/>
+            </a:prstTxWarp>
+            <a:spAutoFit/>
+          </a:bodyPr>
+          <a:lstStyle/>
+          <a:p>
+            <a:pPr marL="0" marR="0" lvl="0" indent="0" algn="l" defTabSz="914400" rtl="0" eaLnBrk="0" fontAlgn="base" latinLnBrk="0" hangingPunct="0">
+              <a:lnSpc>
+                <a:spcPct val="100000"/>
+              </a:lnSpc>
+              <a:spcBef>
+                <a:spcPct val="0"/>
+              </a:spcBef>
+              <a:spcAft>
+                <a:spcPct val="0"/>
+              </a:spcAft>
+              <a:buClrTx/>
+              <a:buSzTx/>
+              <a:buFontTx/>
+              <a:buNone/>
+              <a:tabLst/>
+            </a:pPr>
+            <a:r>
+              <a:rPr kumimoji="0" lang="en-US" altLang="en-US" sz="1800" b="0" i="0" u="none" strike="noStrike" cap="none" normalizeH="0" baseline="0" dirty="0" smtClean="0">
+                <a:ln>
+                  <a:noFill/>
+                </a:ln>
+                <a:solidFill>
+                  <a:srgbClr val="000000"/>
+                </a:solidFill>
+                <a:effectLst/>
+                <a:latin typeface="Consolas" panose="020B0609020204030204" pitchFamily="49" charset="0"/>
+                <a:cs typeface="Consolas" panose="020B0609020204030204" pitchFamily="49" charset="0"/>
+              </a:rPr>
+              <a:t>console</a:t>
+            </a:r>
+            <a:r>
+              <a:rPr kumimoji="0" lang="en-US" altLang="en-US" sz="1800" b="0" i="0" u="none" strike="noStrike" cap="none" normalizeH="0" baseline="0" dirty="0" smtClean="0">
+                <a:ln>
+                  <a:noFill/>
+                </a:ln>
+                <a:solidFill>
+                  <a:srgbClr val="999999"/>
+                </a:solidFill>
+                <a:effectLst/>
+                <a:latin typeface="Consolas" panose="020B0609020204030204" pitchFamily="49" charset="0"/>
+                <a:cs typeface="Consolas" panose="020B0609020204030204" pitchFamily="49" charset="0"/>
+              </a:rPr>
+              <a:t>.</a:t>
+            </a:r>
+            <a:r>
+              <a:rPr kumimoji="0" lang="en-US" altLang="en-US" sz="1800" b="0" i="0" u="none" strike="noStrike" cap="none" normalizeH="0" baseline="0" dirty="0" smtClean="0">
+                <a:ln>
+                  <a:noFill/>
+                </a:ln>
+                <a:solidFill>
+                  <a:srgbClr val="DD4A68"/>
+                </a:solidFill>
+                <a:effectLst/>
+                <a:latin typeface="Consolas" panose="020B0609020204030204" pitchFamily="49" charset="0"/>
+                <a:cs typeface="Consolas" panose="020B0609020204030204" pitchFamily="49" charset="0"/>
+              </a:rPr>
+              <a:t>log</a:t>
+            </a:r>
+            <a:r>
+              <a:rPr kumimoji="0" lang="en-US" altLang="en-US" sz="1800" b="0" i="0" u="none" strike="noStrike" cap="none" normalizeH="0" baseline="0" dirty="0" smtClean="0">
+                <a:ln>
+                  <a:noFill/>
+                </a:ln>
+                <a:solidFill>
+                  <a:srgbClr val="999999"/>
+                </a:solidFill>
+                <a:effectLst/>
+                <a:latin typeface="Consolas" panose="020B0609020204030204" pitchFamily="49" charset="0"/>
+                <a:cs typeface="Consolas" panose="020B0609020204030204" pitchFamily="49" charset="0"/>
+              </a:rPr>
+              <a:t>(</a:t>
+            </a:r>
+            <a:r>
+              <a:rPr kumimoji="0" lang="en-US" altLang="en-US" sz="1800" b="0" i="0" u="none" strike="noStrike" cap="none" normalizeH="0" baseline="0" dirty="0" smtClean="0">
+                <a:ln>
+                  <a:noFill/>
+                </a:ln>
+                <a:solidFill>
+                  <a:srgbClr val="000000"/>
+                </a:solidFill>
+                <a:effectLst/>
+                <a:latin typeface="Consolas" panose="020B0609020204030204" pitchFamily="49" charset="0"/>
+                <a:cs typeface="Consolas" panose="020B0609020204030204" pitchFamily="49" charset="0"/>
+              </a:rPr>
+              <a:t>x</a:t>
+            </a:r>
+            <a:r>
+              <a:rPr kumimoji="0" lang="en-US" altLang="en-US" sz="1800" b="0" i="0" u="none" strike="noStrike" cap="none" normalizeH="0" baseline="0" dirty="0" smtClean="0">
+                <a:ln>
+                  <a:noFill/>
+                </a:ln>
+                <a:solidFill>
+                  <a:srgbClr val="999999"/>
+                </a:solidFill>
+                <a:effectLst/>
+                <a:latin typeface="Consolas" panose="020B0609020204030204" pitchFamily="49" charset="0"/>
+                <a:cs typeface="Consolas" panose="020B0609020204030204" pitchFamily="49" charset="0"/>
+              </a:rPr>
+              <a:t>);</a:t>
+            </a:r>
+            <a:r>
+              <a:rPr kumimoji="0" lang="en-US" altLang="en-US" sz="1800" b="0" i="0" u="none" strike="noStrike" cap="none" normalizeH="0" baseline="0" dirty="0" smtClean="0">
+                <a:ln>
+                  <a:noFill/>
+                </a:ln>
+                <a:solidFill>
+                  <a:srgbClr val="000000"/>
+                </a:solidFill>
+                <a:effectLst/>
+                <a:latin typeface="Consolas" panose="020B0609020204030204" pitchFamily="49" charset="0"/>
+                <a:cs typeface="Consolas" panose="020B0609020204030204" pitchFamily="49" charset="0"/>
+              </a:rPr>
+              <a:t> </a:t>
+            </a:r>
+            <a:r>
+              <a:rPr kumimoji="0" lang="en-US" altLang="en-US" sz="1800" b="0" i="0" u="none" strike="noStrike" cap="none" normalizeH="0" baseline="0" dirty="0" smtClean="0">
+                <a:ln>
+                  <a:noFill/>
+                </a:ln>
+                <a:solidFill>
+                  <a:srgbClr val="708090"/>
+                </a:solidFill>
+                <a:effectLst/>
+                <a:latin typeface="Consolas" panose="020B0609020204030204" pitchFamily="49" charset="0"/>
+                <a:cs typeface="Consolas" panose="020B0609020204030204" pitchFamily="49" charset="0"/>
+              </a:rPr>
+              <a:t>// throws a </a:t>
+            </a:r>
+            <a:r>
+              <a:rPr kumimoji="0" lang="en-US" altLang="en-US" sz="1800" b="0" i="0" u="none" strike="noStrike" cap="none" normalizeH="0" baseline="0" dirty="0" err="1" smtClean="0">
+                <a:ln>
+                  <a:noFill/>
+                </a:ln>
+                <a:solidFill>
+                  <a:srgbClr val="708090"/>
+                </a:solidFill>
+                <a:effectLst/>
+                <a:latin typeface="Consolas" panose="020B0609020204030204" pitchFamily="49" charset="0"/>
+                <a:cs typeface="Consolas" panose="020B0609020204030204" pitchFamily="49" charset="0"/>
+              </a:rPr>
+              <a:t>ReferenceError</a:t>
+            </a:r>
+            <a:r>
+              <a:rPr kumimoji="0" lang="en-US" altLang="en-US" sz="1800" b="0" i="0" u="none" strike="noStrike" cap="none" normalizeH="0" baseline="0" dirty="0" smtClean="0">
+                <a:ln>
+                  <a:noFill/>
+                </a:ln>
+                <a:solidFill>
+                  <a:srgbClr val="708090"/>
+                </a:solidFill>
+                <a:effectLst/>
+                <a:latin typeface="Consolas" panose="020B0609020204030204" pitchFamily="49" charset="0"/>
+                <a:cs typeface="Consolas" panose="020B0609020204030204" pitchFamily="49" charset="0"/>
+              </a:rPr>
+              <a:t> </a:t>
+            </a:r>
+          </a:p>
+          <a:p>
+            <a:pPr marL="0" marR="0" lvl="0" indent="0" algn="l" defTabSz="914400" rtl="0" eaLnBrk="0" fontAlgn="base" latinLnBrk="0" hangingPunct="0">
+              <a:lnSpc>
+                <a:spcPct val="100000"/>
+              </a:lnSpc>
+              <a:spcBef>
+                <a:spcPct val="0"/>
+              </a:spcBef>
+              <a:spcAft>
+                <a:spcPct val="0"/>
+              </a:spcAft>
+              <a:buClrTx/>
+              <a:buSzTx/>
+              <a:buFontTx/>
+              <a:buNone/>
+              <a:tabLst/>
+            </a:pPr>
+            <a:r>
+              <a:rPr kumimoji="0" lang="en-US" altLang="en-US" sz="1800" b="0" i="0" u="none" strike="noStrike" cap="none" normalizeH="0" baseline="0" dirty="0" smtClean="0">
+                <a:ln>
+                  <a:noFill/>
+                </a:ln>
+                <a:solidFill>
+                  <a:srgbClr val="0077AA"/>
+                </a:solidFill>
+                <a:effectLst/>
+                <a:latin typeface="Consolas" panose="020B0609020204030204" pitchFamily="49" charset="0"/>
+                <a:cs typeface="Consolas" panose="020B0609020204030204" pitchFamily="49" charset="0"/>
+              </a:rPr>
+              <a:t>let</a:t>
+            </a:r>
+            <a:r>
+              <a:rPr kumimoji="0" lang="en-US" altLang="en-US" sz="1800" b="0" i="0" u="none" strike="noStrike" cap="none" normalizeH="0" baseline="0" dirty="0" smtClean="0">
+                <a:ln>
+                  <a:noFill/>
+                </a:ln>
+                <a:solidFill>
+                  <a:srgbClr val="000000"/>
+                </a:solidFill>
+                <a:effectLst/>
+                <a:latin typeface="Consolas" panose="020B0609020204030204" pitchFamily="49" charset="0"/>
+                <a:cs typeface="Consolas" panose="020B0609020204030204" pitchFamily="49" charset="0"/>
+              </a:rPr>
+              <a:t> x </a:t>
+            </a:r>
+            <a:r>
+              <a:rPr kumimoji="0" lang="en-US" altLang="en-US" sz="1800" b="0" i="0" u="none" strike="noStrike" cap="none" normalizeH="0" baseline="0" dirty="0" smtClean="0">
+                <a:ln>
+                  <a:noFill/>
+                </a:ln>
+                <a:solidFill>
+                  <a:srgbClr val="A67F59"/>
+                </a:solidFill>
+                <a:effectLst/>
+                <a:latin typeface="Consolas" panose="020B0609020204030204" pitchFamily="49" charset="0"/>
+                <a:cs typeface="Consolas" panose="020B0609020204030204" pitchFamily="49" charset="0"/>
+              </a:rPr>
+              <a:t>=</a:t>
+            </a:r>
+            <a:r>
+              <a:rPr kumimoji="0" lang="en-US" altLang="en-US" sz="1800" b="0" i="0" u="none" strike="noStrike" cap="none" normalizeH="0" baseline="0" dirty="0" smtClean="0">
+                <a:ln>
+                  <a:noFill/>
+                </a:ln>
+                <a:solidFill>
+                  <a:srgbClr val="000000"/>
+                </a:solidFill>
+                <a:effectLst/>
+                <a:latin typeface="Consolas" panose="020B0609020204030204" pitchFamily="49" charset="0"/>
+                <a:cs typeface="Consolas" panose="020B0609020204030204" pitchFamily="49" charset="0"/>
+              </a:rPr>
+              <a:t> </a:t>
+            </a:r>
+            <a:r>
+              <a:rPr kumimoji="0" lang="en-US" altLang="en-US" sz="1800" b="0" i="0" u="none" strike="noStrike" cap="none" normalizeH="0" baseline="0" dirty="0" smtClean="0">
+                <a:ln>
+                  <a:noFill/>
+                </a:ln>
+                <a:solidFill>
+                  <a:srgbClr val="669900"/>
+                </a:solidFill>
+                <a:effectLst/>
+                <a:latin typeface="Consolas" panose="020B0609020204030204" pitchFamily="49" charset="0"/>
+                <a:cs typeface="Consolas" panose="020B0609020204030204" pitchFamily="49" charset="0"/>
+              </a:rPr>
+              <a:t>'hey'</a:t>
+            </a:r>
+            <a:r>
+              <a:rPr kumimoji="0" lang="en-US" altLang="en-US" sz="1800" b="0" i="0" u="none" strike="noStrike" cap="none" normalizeH="0" baseline="0" dirty="0" smtClean="0">
+                <a:ln>
+                  <a:noFill/>
+                </a:ln>
+                <a:solidFill>
+                  <a:srgbClr val="999999"/>
+                </a:solidFill>
+                <a:effectLst/>
+                <a:latin typeface="Consolas" panose="020B0609020204030204" pitchFamily="49" charset="0"/>
+                <a:cs typeface="Consolas" panose="020B0609020204030204" pitchFamily="49" charset="0"/>
+              </a:rPr>
+              <a:t>;</a:t>
+            </a:r>
+            <a:r>
+              <a:rPr kumimoji="0" lang="en-US" altLang="en-US" sz="1600" b="0" i="0" u="none" strike="noStrike" cap="none" normalizeH="0" baseline="0" dirty="0" smtClean="0">
+                <a:ln>
+                  <a:noFill/>
+                </a:ln>
+                <a:solidFill>
+                  <a:schemeClr val="tx1"/>
+                </a:solidFill>
+                <a:effectLst/>
+              </a:rPr>
+              <a:t> </a:t>
+            </a:r>
+            <a:endParaRPr kumimoji="0" lang="en-US" altLang="en-US" sz="4000" b="0" i="0" u="none" strike="noStrike" cap="none" normalizeH="0" baseline="0" dirty="0" smtClean="0">
+              <a:ln>
+                <a:noFill/>
+              </a:ln>
+              <a:solidFill>
+                <a:schemeClr val="tx1"/>
+              </a:solidFill>
+              <a:effectLst/>
+              <a:latin typeface="Arial" panose="020B0604020202020204" pitchFamily="34" charset="0"/>
+            </a:endParaRPr>
+          </a:p>
+        </p:txBody>
+      </p:sp>
+    </p:spTree>
+    <p:extLst>
+      <p:ext uri="{BB962C8B-B14F-4D97-AF65-F5344CB8AC3E}">
+        <p14:creationId xmlns:p14="http://schemas.microsoft.com/office/powerpoint/2010/main" val="1209413913"/>
+      </p:ext>
+    </p:extLst>
+  </p:cSld>
+  <p:clrMapOvr>
+    <a:masterClrMapping/>
+  </p:clrMapOvr>
+  <p:timing>
+    <p:tnLst>
+      <p:par>
+        <p:cTn id="1" dur="indefinite" restart="never" nodeType="tmRoot"/>
+      </p:par>
+    </p:tnLst>
+  </p:timing>
+</p:sld>
+</file>
+
+<file path=ppt/slides/slide23.xml><?xml version="1.0" encoding="utf-8"?>
+<p:sld xmlns:a="http://schemas.openxmlformats.org/drawingml/2006/main" xmlns:r="http://schemas.openxmlformats.org/officeDocument/2006/relationships" xmlns:p="http://schemas.openxmlformats.org/presentationml/2006/main">
+  <p:cSld>
+    <p:spTree>
+      <p:nvGrpSpPr>
+        <p:cNvPr id="1" name=""/>
+        <p:cNvGrpSpPr/>
+        <p:nvPr/>
+      </p:nvGrpSpPr>
+      <p:grpSpPr>
+        <a:xfrm>
+          <a:off x="0" y="0"/>
+          <a:ext cx="0" cy="0"/>
+          <a:chOff x="0" y="0"/>
+          <a:chExt cx="0" cy="0"/>
+        </a:xfrm>
+      </p:grpSpPr>
+      <p:sp>
+        <p:nvSpPr>
+          <p:cNvPr id="2" name="Title 1"/>
+          <p:cNvSpPr>
+            <a:spLocks noGrp="1"/>
+          </p:cNvSpPr>
+          <p:nvPr>
+            <p:ph type="title"/>
+          </p:nvPr>
+        </p:nvSpPr>
+        <p:spPr/>
+        <p:txBody>
+          <a:bodyPr/>
+          <a:lstStyle/>
+          <a:p>
+            <a:r>
+              <a:rPr lang="en-US" dirty="0" smtClean="0"/>
+              <a:t>Not so simple</a:t>
+            </a:r>
+            <a:endParaRPr lang="en-US" dirty="0"/>
+          </a:p>
+        </p:txBody>
+      </p:sp>
+      <p:sp>
+        <p:nvSpPr>
+          <p:cNvPr id="4" name="Rectangle 1"/>
+          <p:cNvSpPr>
+            <a:spLocks noGrp="1" noChangeArrowheads="1"/>
+          </p:cNvSpPr>
+          <p:nvPr>
+            <p:ph idx="1"/>
+          </p:nvPr>
+        </p:nvSpPr>
+        <p:spPr bwMode="auto">
+          <a:xfrm>
+            <a:off x="693233" y="1795575"/>
+            <a:ext cx="8841059" cy="1846659"/>
+          </a:xfrm>
+          <a:prstGeom prst="rect">
+            <a:avLst/>
+          </a:prstGeom>
+          <a:solidFill>
+            <a:srgbClr val="F5F2F0"/>
+          </a:solidFill>
+          <a:ln>
+            <a:noFill/>
+          </a:ln>
+          <a:effectLst/>
+          <a:extLst>
+            <a:ext uri="{91240B29-F687-4F45-9708-019B960494DF}">
+              <a14:hiddenLine xmlns:a14="http://schemas.microsoft.com/office/drawing/2010/main" w="9525">
+                <a:solidFill>
+                  <a:schemeClr val="tx1"/>
+                </a:solidFill>
+                <a:miter lim="800000"/>
+                <a:headEnd/>
+                <a:tailEnd/>
+              </a14:hiddenLine>
+            </a:ext>
+            <a:ext uri="{AF507438-7753-43E0-B8FC-AC1667EBCBE1}">
+              <a14:hiddenEffects xmlns:a14="http://schemas.microsoft.com/office/drawing/2010/main">
+                <a:effectLst>
+                  <a:outerShdw dist="35921" dir="2700000" algn="ctr" rotWithShape="0">
+                    <a:schemeClr val="bg2"/>
+                  </a:outerShdw>
+                </a:effectLst>
+              </a14:hiddenEffects>
+            </a:ext>
+          </a:extLst>
+        </p:spPr>
+        <p:txBody>
+          <a:bodyPr vert="horz" wrap="square" lIns="0" tIns="0" rIns="0" bIns="0" numCol="1" anchor="ctr" anchorCtr="0" compatLnSpc="1">
+            <a:prstTxWarp prst="textNoShape">
+              <a:avLst/>
+            </a:prstTxWarp>
+            <a:spAutoFit/>
+          </a:bodyPr>
+          <a:lstStyle/>
+          <a:p>
+            <a:pPr marL="0" marR="0" lvl="0" indent="0" algn="l" defTabSz="914400" rtl="0" eaLnBrk="0" fontAlgn="base" latinLnBrk="0" hangingPunct="0">
+              <a:lnSpc>
+                <a:spcPct val="100000"/>
+              </a:lnSpc>
+              <a:spcBef>
+                <a:spcPct val="0"/>
+              </a:spcBef>
+              <a:spcAft>
+                <a:spcPct val="0"/>
+              </a:spcAft>
+              <a:buClrTx/>
+              <a:buSzTx/>
+              <a:buFontTx/>
+              <a:buNone/>
+              <a:tabLst/>
+            </a:pPr>
+            <a:r>
+              <a:rPr kumimoji="0" lang="en-US" altLang="en-US" sz="2400" b="0" i="0" u="none" strike="noStrike" cap="none" normalizeH="0" baseline="0" dirty="0" smtClean="0">
+                <a:ln>
+                  <a:noFill/>
+                </a:ln>
+                <a:solidFill>
+                  <a:srgbClr val="0077AA"/>
+                </a:solidFill>
+                <a:effectLst/>
+                <a:latin typeface="Consolas" panose="020B0609020204030204" pitchFamily="49" charset="0"/>
+                <a:cs typeface="Consolas" panose="020B0609020204030204" pitchFamily="49" charset="0"/>
+              </a:rPr>
+              <a:t>let</a:t>
+            </a:r>
+            <a:r>
+              <a:rPr kumimoji="0" lang="en-US" altLang="en-US" sz="2400" b="0" i="0" u="none" strike="noStrike" cap="none" normalizeH="0" baseline="0" dirty="0" smtClean="0">
+                <a:ln>
+                  <a:noFill/>
+                </a:ln>
+                <a:solidFill>
+                  <a:srgbClr val="000000"/>
+                </a:solidFill>
+                <a:effectLst/>
+                <a:latin typeface="Consolas" panose="020B0609020204030204" pitchFamily="49" charset="0"/>
+                <a:cs typeface="Consolas" panose="020B0609020204030204" pitchFamily="49" charset="0"/>
+              </a:rPr>
+              <a:t> x </a:t>
+            </a:r>
+            <a:r>
+              <a:rPr kumimoji="0" lang="en-US" altLang="en-US" sz="2400" b="0" i="0" u="none" strike="noStrike" cap="none" normalizeH="0" baseline="0" dirty="0" smtClean="0">
+                <a:ln>
+                  <a:noFill/>
+                </a:ln>
+                <a:solidFill>
+                  <a:srgbClr val="A67F59"/>
+                </a:solidFill>
+                <a:effectLst/>
+                <a:latin typeface="Consolas" panose="020B0609020204030204" pitchFamily="49" charset="0"/>
+                <a:cs typeface="Consolas" panose="020B0609020204030204" pitchFamily="49" charset="0"/>
+              </a:rPr>
+              <a:t>=</a:t>
+            </a:r>
+            <a:r>
+              <a:rPr kumimoji="0" lang="en-US" altLang="en-US" sz="2400" b="0" i="0" u="none" strike="noStrike" cap="none" normalizeH="0" baseline="0" dirty="0" smtClean="0">
+                <a:ln>
+                  <a:noFill/>
+                </a:ln>
+                <a:solidFill>
+                  <a:srgbClr val="000000"/>
+                </a:solidFill>
+                <a:effectLst/>
+                <a:latin typeface="Consolas" panose="020B0609020204030204" pitchFamily="49" charset="0"/>
+                <a:cs typeface="Consolas" panose="020B0609020204030204" pitchFamily="49" charset="0"/>
+              </a:rPr>
+              <a:t> </a:t>
+            </a:r>
+            <a:r>
+              <a:rPr kumimoji="0" lang="en-US" altLang="en-US" sz="2400" b="0" i="0" u="none" strike="noStrike" cap="none" normalizeH="0" baseline="0" dirty="0" smtClean="0">
+                <a:ln>
+                  <a:noFill/>
+                </a:ln>
+                <a:solidFill>
+                  <a:srgbClr val="669900"/>
+                </a:solidFill>
+                <a:effectLst/>
+                <a:latin typeface="Consolas" panose="020B0609020204030204" pitchFamily="49" charset="0"/>
+                <a:cs typeface="Consolas" panose="020B0609020204030204" pitchFamily="49" charset="0"/>
+              </a:rPr>
+              <a:t>'outer scope'</a:t>
+            </a:r>
+            <a:r>
+              <a:rPr kumimoji="0" lang="en-US" altLang="en-US" sz="2400" b="0" i="0" u="none" strike="noStrike" cap="none" normalizeH="0" baseline="0" dirty="0" smtClean="0">
+                <a:ln>
+                  <a:noFill/>
+                </a:ln>
+                <a:solidFill>
+                  <a:srgbClr val="999999"/>
+                </a:solidFill>
+                <a:effectLst/>
+                <a:latin typeface="Consolas" panose="020B0609020204030204" pitchFamily="49" charset="0"/>
+                <a:cs typeface="Consolas" panose="020B0609020204030204" pitchFamily="49" charset="0"/>
+              </a:rPr>
+              <a:t>;</a:t>
+            </a:r>
+          </a:p>
+          <a:p>
+            <a:pPr marL="0" marR="0" lvl="0" indent="0" algn="l" defTabSz="914400" rtl="0" eaLnBrk="0" fontAlgn="base" latinLnBrk="0" hangingPunct="0">
+              <a:lnSpc>
+                <a:spcPct val="100000"/>
+              </a:lnSpc>
+              <a:spcBef>
+                <a:spcPct val="0"/>
+              </a:spcBef>
+              <a:spcAft>
+                <a:spcPct val="0"/>
+              </a:spcAft>
+              <a:buClrTx/>
+              <a:buSzTx/>
+              <a:buFontTx/>
+              <a:buNone/>
+              <a:tabLst/>
+            </a:pPr>
+            <a:r>
+              <a:rPr kumimoji="0" lang="en-US" altLang="en-US" sz="2400" b="0" i="0" u="none" strike="noStrike" cap="none" normalizeH="0" baseline="0" dirty="0" smtClean="0">
+                <a:ln>
+                  <a:noFill/>
+                </a:ln>
+                <a:solidFill>
+                  <a:srgbClr val="999999"/>
+                </a:solidFill>
+                <a:effectLst/>
+                <a:latin typeface="Consolas" panose="020B0609020204030204" pitchFamily="49" charset="0"/>
+                <a:cs typeface="Consolas" panose="020B0609020204030204" pitchFamily="49" charset="0"/>
+              </a:rPr>
+              <a:t>(</a:t>
+            </a:r>
+            <a:r>
+              <a:rPr kumimoji="0" lang="en-US" altLang="en-US" sz="2400" b="0" i="0" u="none" strike="noStrike" cap="none" normalizeH="0" baseline="0" dirty="0" smtClean="0">
+                <a:ln>
+                  <a:noFill/>
+                </a:ln>
+                <a:solidFill>
+                  <a:srgbClr val="0077AA"/>
+                </a:solidFill>
+                <a:effectLst/>
+                <a:latin typeface="Consolas" panose="020B0609020204030204" pitchFamily="49" charset="0"/>
+                <a:cs typeface="Consolas" panose="020B0609020204030204" pitchFamily="49" charset="0"/>
+              </a:rPr>
+              <a:t>function</a:t>
+            </a:r>
+            <a:r>
+              <a:rPr kumimoji="0" lang="en-US" altLang="en-US" sz="2400" b="0" i="0" u="none" strike="noStrike" cap="none" normalizeH="0" baseline="0" dirty="0" smtClean="0">
+                <a:ln>
+                  <a:noFill/>
+                </a:ln>
+                <a:solidFill>
+                  <a:srgbClr val="999999"/>
+                </a:solidFill>
+                <a:effectLst/>
+                <a:latin typeface="Consolas" panose="020B0609020204030204" pitchFamily="49" charset="0"/>
+                <a:cs typeface="Consolas" panose="020B0609020204030204" pitchFamily="49" charset="0"/>
+              </a:rPr>
+              <a:t>()</a:t>
+            </a:r>
+            <a:r>
+              <a:rPr kumimoji="0" lang="en-US" altLang="en-US" sz="2400" b="0" i="0" u="none" strike="noStrike" cap="none" normalizeH="0" baseline="0" dirty="0" smtClean="0">
+                <a:ln>
+                  <a:noFill/>
+                </a:ln>
+                <a:solidFill>
+                  <a:srgbClr val="000000"/>
+                </a:solidFill>
+                <a:effectLst/>
+                <a:latin typeface="Consolas" panose="020B0609020204030204" pitchFamily="49" charset="0"/>
+                <a:cs typeface="Consolas" panose="020B0609020204030204" pitchFamily="49" charset="0"/>
+              </a:rPr>
+              <a:t> </a:t>
+            </a:r>
+            <a:r>
+              <a:rPr kumimoji="0" lang="en-US" altLang="en-US" sz="2400" b="0" i="0" u="none" strike="noStrike" cap="none" normalizeH="0" baseline="0" dirty="0" smtClean="0">
+                <a:ln>
+                  <a:noFill/>
+                </a:ln>
+                <a:solidFill>
+                  <a:srgbClr val="999999"/>
+                </a:solidFill>
+                <a:effectLst/>
+                <a:latin typeface="Consolas" panose="020B0609020204030204" pitchFamily="49" charset="0"/>
+                <a:cs typeface="Consolas" panose="020B0609020204030204" pitchFamily="49" charset="0"/>
+              </a:rPr>
+              <a:t>{</a:t>
+            </a:r>
+            <a:r>
+              <a:rPr kumimoji="0" lang="en-US" altLang="en-US" sz="2400" b="0" i="0" u="none" strike="noStrike" cap="none" normalizeH="0" baseline="0" dirty="0" smtClean="0">
+                <a:ln>
+                  <a:noFill/>
+                </a:ln>
+                <a:solidFill>
+                  <a:srgbClr val="000000"/>
+                </a:solidFill>
+                <a:effectLst/>
+                <a:latin typeface="Consolas" panose="020B0609020204030204" pitchFamily="49" charset="0"/>
+                <a:cs typeface="Consolas" panose="020B0609020204030204" pitchFamily="49" charset="0"/>
+              </a:rPr>
+              <a:t> \</a:t>
+            </a:r>
+          </a:p>
+          <a:p>
+            <a:pPr marL="0" marR="0" lvl="0" indent="0" algn="l" defTabSz="914400" rtl="0" eaLnBrk="0" fontAlgn="base" latinLnBrk="0" hangingPunct="0">
+              <a:lnSpc>
+                <a:spcPct val="100000"/>
+              </a:lnSpc>
+              <a:spcBef>
+                <a:spcPct val="0"/>
+              </a:spcBef>
+              <a:spcAft>
+                <a:spcPct val="0"/>
+              </a:spcAft>
+              <a:buClrTx/>
+              <a:buSzTx/>
+              <a:buFontTx/>
+              <a:buNone/>
+              <a:tabLst/>
+            </a:pPr>
+            <a:r>
+              <a:rPr kumimoji="0" lang="en-US" altLang="en-US" sz="2400" b="0" i="0" u="none" strike="noStrike" cap="none" normalizeH="0" baseline="0" dirty="0" smtClean="0">
+                <a:ln>
+                  <a:noFill/>
+                </a:ln>
+                <a:solidFill>
+                  <a:srgbClr val="000000"/>
+                </a:solidFill>
+                <a:effectLst/>
+                <a:latin typeface="Consolas" panose="020B0609020204030204" pitchFamily="49" charset="0"/>
+                <a:cs typeface="Consolas" panose="020B0609020204030204" pitchFamily="49" charset="0"/>
+              </a:rPr>
+              <a:t>	console</a:t>
+            </a:r>
+            <a:r>
+              <a:rPr kumimoji="0" lang="en-US" altLang="en-US" sz="2400" b="0" i="0" u="none" strike="noStrike" cap="none" normalizeH="0" baseline="0" dirty="0" smtClean="0">
+                <a:ln>
+                  <a:noFill/>
+                </a:ln>
+                <a:solidFill>
+                  <a:srgbClr val="999999"/>
+                </a:solidFill>
+                <a:effectLst/>
+                <a:latin typeface="Consolas" panose="020B0609020204030204" pitchFamily="49" charset="0"/>
+                <a:cs typeface="Consolas" panose="020B0609020204030204" pitchFamily="49" charset="0"/>
+              </a:rPr>
+              <a:t>.</a:t>
+            </a:r>
+            <a:r>
+              <a:rPr kumimoji="0" lang="en-US" altLang="en-US" sz="2400" b="0" i="0" u="none" strike="noStrike" cap="none" normalizeH="0" baseline="0" dirty="0" smtClean="0">
+                <a:ln>
+                  <a:noFill/>
+                </a:ln>
+                <a:solidFill>
+                  <a:srgbClr val="DD4A68"/>
+                </a:solidFill>
+                <a:effectLst/>
+                <a:latin typeface="Consolas" panose="020B0609020204030204" pitchFamily="49" charset="0"/>
+                <a:cs typeface="Consolas" panose="020B0609020204030204" pitchFamily="49" charset="0"/>
+              </a:rPr>
+              <a:t>log</a:t>
+            </a:r>
+            <a:r>
+              <a:rPr kumimoji="0" lang="en-US" altLang="en-US" sz="2400" b="0" i="0" u="none" strike="noStrike" cap="none" normalizeH="0" baseline="0" dirty="0" smtClean="0">
+                <a:ln>
+                  <a:noFill/>
+                </a:ln>
+                <a:solidFill>
+                  <a:srgbClr val="999999"/>
+                </a:solidFill>
+                <a:effectLst/>
+                <a:latin typeface="Consolas" panose="020B0609020204030204" pitchFamily="49" charset="0"/>
+                <a:cs typeface="Consolas" panose="020B0609020204030204" pitchFamily="49" charset="0"/>
+              </a:rPr>
+              <a:t>(</a:t>
+            </a:r>
+            <a:r>
+              <a:rPr kumimoji="0" lang="en-US" altLang="en-US" sz="2400" b="0" i="0" u="none" strike="noStrike" cap="none" normalizeH="0" baseline="0" dirty="0" smtClean="0">
+                <a:ln>
+                  <a:noFill/>
+                </a:ln>
+                <a:solidFill>
+                  <a:srgbClr val="000000"/>
+                </a:solidFill>
+                <a:effectLst/>
+                <a:latin typeface="Consolas" panose="020B0609020204030204" pitchFamily="49" charset="0"/>
+                <a:cs typeface="Consolas" panose="020B0609020204030204" pitchFamily="49" charset="0"/>
+              </a:rPr>
+              <a:t>x</a:t>
+            </a:r>
+            <a:r>
+              <a:rPr kumimoji="0" lang="en-US" altLang="en-US" sz="2400" b="0" i="0" u="none" strike="noStrike" cap="none" normalizeH="0" baseline="0" dirty="0" smtClean="0">
+                <a:ln>
+                  <a:noFill/>
+                </a:ln>
+                <a:solidFill>
+                  <a:srgbClr val="999999"/>
+                </a:solidFill>
+                <a:effectLst/>
+                <a:latin typeface="Consolas" panose="020B0609020204030204" pitchFamily="49" charset="0"/>
+                <a:cs typeface="Consolas" panose="020B0609020204030204" pitchFamily="49" charset="0"/>
+              </a:rPr>
+              <a:t>);</a:t>
+            </a:r>
+            <a:r>
+              <a:rPr kumimoji="0" lang="en-US" altLang="en-US" sz="2400" b="0" i="0" u="none" strike="noStrike" cap="none" normalizeH="0" baseline="0" dirty="0" smtClean="0">
+                <a:ln>
+                  <a:noFill/>
+                </a:ln>
+                <a:solidFill>
+                  <a:srgbClr val="000000"/>
+                </a:solidFill>
+                <a:effectLst/>
+                <a:latin typeface="Consolas" panose="020B0609020204030204" pitchFamily="49" charset="0"/>
+                <a:cs typeface="Consolas" panose="020B0609020204030204" pitchFamily="49" charset="0"/>
+              </a:rPr>
+              <a:t> // hoist but</a:t>
+            </a:r>
+            <a:r>
+              <a:rPr kumimoji="0" lang="en-US" altLang="en-US" sz="2400" b="0" i="0" u="none" strike="noStrike" cap="none" normalizeH="0" dirty="0" smtClean="0">
+                <a:ln>
+                  <a:noFill/>
+                </a:ln>
+                <a:solidFill>
+                  <a:srgbClr val="000000"/>
+                </a:solidFill>
+                <a:effectLst/>
+                <a:latin typeface="Consolas" panose="020B0609020204030204" pitchFamily="49" charset="0"/>
+                <a:cs typeface="Consolas" panose="020B0609020204030204" pitchFamily="49" charset="0"/>
+              </a:rPr>
+              <a:t> throw error</a:t>
+            </a:r>
+            <a:endParaRPr kumimoji="0" lang="en-US" altLang="en-US" sz="2400" b="0" i="0" u="none" strike="noStrike" cap="none" normalizeH="0" baseline="0" dirty="0" smtClean="0">
+              <a:ln>
+                <a:noFill/>
+              </a:ln>
+              <a:solidFill>
+                <a:srgbClr val="000000"/>
+              </a:solidFill>
+              <a:effectLst/>
+              <a:latin typeface="Consolas" panose="020B0609020204030204" pitchFamily="49" charset="0"/>
+              <a:cs typeface="Consolas" panose="020B0609020204030204" pitchFamily="49" charset="0"/>
+            </a:endParaRPr>
+          </a:p>
+          <a:p>
+            <a:pPr marL="0" marR="0" lvl="0" indent="0" algn="l" defTabSz="914400" rtl="0" eaLnBrk="0" fontAlgn="base" latinLnBrk="0" hangingPunct="0">
+              <a:lnSpc>
+                <a:spcPct val="100000"/>
+              </a:lnSpc>
+              <a:spcBef>
+                <a:spcPct val="0"/>
+              </a:spcBef>
+              <a:spcAft>
+                <a:spcPct val="0"/>
+              </a:spcAft>
+              <a:buClrTx/>
+              <a:buSzTx/>
+              <a:buFontTx/>
+              <a:buNone/>
+              <a:tabLst/>
+            </a:pPr>
+            <a:r>
+              <a:rPr kumimoji="0" lang="en-US" altLang="en-US" sz="2400" b="0" i="0" u="none" strike="noStrike" cap="none" normalizeH="0" baseline="0" dirty="0" smtClean="0">
+                <a:ln>
+                  <a:noFill/>
+                </a:ln>
+                <a:solidFill>
+                  <a:srgbClr val="0077AA"/>
+                </a:solidFill>
+                <a:effectLst/>
+                <a:latin typeface="Consolas" panose="020B0609020204030204" pitchFamily="49" charset="0"/>
+                <a:cs typeface="Consolas" panose="020B0609020204030204" pitchFamily="49" charset="0"/>
+              </a:rPr>
+              <a:t>	let</a:t>
+            </a:r>
+            <a:r>
+              <a:rPr kumimoji="0" lang="en-US" altLang="en-US" sz="2400" b="0" i="0" u="none" strike="noStrike" cap="none" normalizeH="0" baseline="0" dirty="0" smtClean="0">
+                <a:ln>
+                  <a:noFill/>
+                </a:ln>
+                <a:solidFill>
+                  <a:srgbClr val="000000"/>
+                </a:solidFill>
+                <a:effectLst/>
+                <a:latin typeface="Consolas" panose="020B0609020204030204" pitchFamily="49" charset="0"/>
+                <a:cs typeface="Consolas" panose="020B0609020204030204" pitchFamily="49" charset="0"/>
+              </a:rPr>
+              <a:t> x </a:t>
+            </a:r>
+            <a:r>
+              <a:rPr kumimoji="0" lang="en-US" altLang="en-US" sz="2400" b="0" i="0" u="none" strike="noStrike" cap="none" normalizeH="0" baseline="0" dirty="0" smtClean="0">
+                <a:ln>
+                  <a:noFill/>
+                </a:ln>
+                <a:solidFill>
+                  <a:srgbClr val="A67F59"/>
+                </a:solidFill>
+                <a:effectLst/>
+                <a:latin typeface="Consolas" panose="020B0609020204030204" pitchFamily="49" charset="0"/>
+                <a:cs typeface="Consolas" panose="020B0609020204030204" pitchFamily="49" charset="0"/>
+              </a:rPr>
+              <a:t>=</a:t>
+            </a:r>
+            <a:r>
+              <a:rPr kumimoji="0" lang="en-US" altLang="en-US" sz="2400" b="0" i="0" u="none" strike="noStrike" cap="none" normalizeH="0" baseline="0" dirty="0" smtClean="0">
+                <a:ln>
+                  <a:noFill/>
+                </a:ln>
+                <a:solidFill>
+                  <a:srgbClr val="000000"/>
+                </a:solidFill>
+                <a:effectLst/>
+                <a:latin typeface="Consolas" panose="020B0609020204030204" pitchFamily="49" charset="0"/>
+                <a:cs typeface="Consolas" panose="020B0609020204030204" pitchFamily="49" charset="0"/>
+              </a:rPr>
+              <a:t> </a:t>
+            </a:r>
+            <a:r>
+              <a:rPr kumimoji="0" lang="en-US" altLang="en-US" sz="2400" b="0" i="0" u="none" strike="noStrike" cap="none" normalizeH="0" baseline="0" dirty="0" smtClean="0">
+                <a:ln>
+                  <a:noFill/>
+                </a:ln>
+                <a:solidFill>
+                  <a:srgbClr val="669900"/>
+                </a:solidFill>
+                <a:effectLst/>
+                <a:latin typeface="Consolas" panose="020B0609020204030204" pitchFamily="49" charset="0"/>
+                <a:cs typeface="Consolas" panose="020B0609020204030204" pitchFamily="49" charset="0"/>
+              </a:rPr>
+              <a:t>'inner scope'</a:t>
+            </a:r>
+            <a:r>
+              <a:rPr kumimoji="0" lang="en-US" altLang="en-US" sz="2400" b="0" i="0" u="none" strike="noStrike" cap="none" normalizeH="0" baseline="0" dirty="0" smtClean="0">
+                <a:ln>
+                  <a:noFill/>
+                </a:ln>
+                <a:solidFill>
+                  <a:srgbClr val="999999"/>
+                </a:solidFill>
+                <a:effectLst/>
+                <a:latin typeface="Consolas" panose="020B0609020204030204" pitchFamily="49" charset="0"/>
+                <a:cs typeface="Consolas" panose="020B0609020204030204" pitchFamily="49" charset="0"/>
+              </a:rPr>
+              <a:t>;</a:t>
+            </a:r>
+            <a:endParaRPr lang="en-US" altLang="en-US" sz="2400" dirty="0">
+              <a:solidFill>
+                <a:srgbClr val="000000"/>
+              </a:solidFill>
+              <a:latin typeface="Consolas" panose="020B0609020204030204" pitchFamily="49" charset="0"/>
+              <a:cs typeface="Consolas" panose="020B0609020204030204" pitchFamily="49" charset="0"/>
+            </a:endParaRPr>
+          </a:p>
+          <a:p>
+            <a:pPr marL="0" marR="0" lvl="0" indent="0" algn="l" defTabSz="914400" rtl="0" eaLnBrk="0" fontAlgn="base" latinLnBrk="0" hangingPunct="0">
+              <a:lnSpc>
+                <a:spcPct val="100000"/>
+              </a:lnSpc>
+              <a:spcBef>
+                <a:spcPct val="0"/>
+              </a:spcBef>
+              <a:spcAft>
+                <a:spcPct val="0"/>
+              </a:spcAft>
+              <a:buClrTx/>
+              <a:buSzTx/>
+              <a:buFontTx/>
+              <a:buNone/>
+              <a:tabLst/>
+            </a:pPr>
+            <a:r>
+              <a:rPr kumimoji="0" lang="en-US" altLang="en-US" sz="2400" b="0" i="0" u="none" strike="noStrike" cap="none" normalizeH="0" baseline="0" dirty="0" smtClean="0">
+                <a:ln>
+                  <a:noFill/>
+                </a:ln>
+                <a:solidFill>
+                  <a:srgbClr val="999999"/>
+                </a:solidFill>
+                <a:effectLst/>
+                <a:latin typeface="Consolas" panose="020B0609020204030204" pitchFamily="49" charset="0"/>
+                <a:cs typeface="Consolas" panose="020B0609020204030204" pitchFamily="49" charset="0"/>
+              </a:rPr>
+              <a:t>}());</a:t>
+            </a:r>
+            <a:r>
+              <a:rPr kumimoji="0" lang="en-US" altLang="en-US" sz="2000" b="0" i="0" u="none" strike="noStrike" cap="none" normalizeH="0" baseline="0" dirty="0" smtClean="0">
+                <a:ln>
+                  <a:noFill/>
+                </a:ln>
+                <a:solidFill>
+                  <a:schemeClr val="tx1"/>
+                </a:solidFill>
+                <a:effectLst/>
+              </a:rPr>
+              <a:t> </a:t>
+            </a:r>
+            <a:endParaRPr kumimoji="0" lang="en-US" altLang="en-US" sz="4800" b="0" i="0" u="none" strike="noStrike" cap="none" normalizeH="0" baseline="0" dirty="0" smtClean="0">
+              <a:ln>
+                <a:noFill/>
+              </a:ln>
+              <a:solidFill>
+                <a:schemeClr val="tx1"/>
+              </a:solidFill>
+              <a:effectLst/>
+              <a:latin typeface="Arial" panose="020B0604020202020204" pitchFamily="34" charset="0"/>
+            </a:endParaRPr>
+          </a:p>
+        </p:txBody>
+      </p:sp>
+    </p:spTree>
+    <p:extLst>
+      <p:ext uri="{BB962C8B-B14F-4D97-AF65-F5344CB8AC3E}">
+        <p14:creationId xmlns:p14="http://schemas.microsoft.com/office/powerpoint/2010/main" val="3927349336"/>
+      </p:ext>
+    </p:extLst>
+  </p:cSld>
+  <p:clrMapOvr>
+    <a:masterClrMapping/>
+  </p:clrMapOvr>
+  <p:timing>
+    <p:tnLst>
+      <p:par>
+        <p:cTn id="1" dur="indefinite" restart="never" nodeType="tmRoot"/>
+      </p:par>
+    </p:tnLst>
+  </p:timing>
+</p:sld>
+</file>
+
+<file path=ppt/slides/slide24.xml><?xml version="1.0" encoding="utf-8"?>
+<p:sld xmlns:a="http://schemas.openxmlformats.org/drawingml/2006/main" xmlns:r="http://schemas.openxmlformats.org/officeDocument/2006/relationships" xmlns:p="http://schemas.openxmlformats.org/presentationml/2006/main">
+  <p:cSld>
+    <p:spTree>
+      <p:nvGrpSpPr>
+        <p:cNvPr id="1" name=""/>
+        <p:cNvGrpSpPr/>
+        <p:nvPr/>
+      </p:nvGrpSpPr>
+      <p:grpSpPr>
+        <a:xfrm>
+          <a:off x="0" y="0"/>
+          <a:ext cx="0" cy="0"/>
+          <a:chOff x="0" y="0"/>
+          <a:chExt cx="0" cy="0"/>
+        </a:xfrm>
+      </p:grpSpPr>
+      <p:sp>
+        <p:nvSpPr>
+          <p:cNvPr id="2" name="Title 1"/>
+          <p:cNvSpPr>
+            <a:spLocks noGrp="1"/>
+          </p:cNvSpPr>
+          <p:nvPr>
+            <p:ph type="title"/>
+          </p:nvPr>
+        </p:nvSpPr>
+        <p:spPr/>
+        <p:txBody>
+          <a:bodyPr/>
+          <a:lstStyle/>
+          <a:p>
+            <a:endParaRPr lang="en-US"/>
+          </a:p>
+        </p:txBody>
+      </p:sp>
+      <p:sp>
+        <p:nvSpPr>
+          <p:cNvPr id="4" name="Rectangle 1"/>
+          <p:cNvSpPr>
+            <a:spLocks noGrp="1" noChangeArrowheads="1"/>
+          </p:cNvSpPr>
+          <p:nvPr>
+            <p:ph idx="1"/>
+          </p:nvPr>
+        </p:nvSpPr>
+        <p:spPr bwMode="auto">
+          <a:xfrm>
+            <a:off x="838200" y="3447297"/>
+            <a:ext cx="8501366" cy="1107996"/>
+          </a:xfrm>
+          <a:prstGeom prst="rect">
+            <a:avLst/>
+          </a:prstGeom>
+          <a:solidFill>
+            <a:srgbClr val="F9F2F4"/>
+          </a:solidFill>
+          <a:ln>
+            <a:noFill/>
+          </a:ln>
+          <a:effectLst/>
+          <a:extLst>
+            <a:ext uri="{91240B29-F687-4F45-9708-019B960494DF}">
+              <a14:hiddenLine xmlns:a14="http://schemas.microsoft.com/office/drawing/2010/main" w="9525">
+                <a:solidFill>
+                  <a:schemeClr val="tx1"/>
+                </a:solidFill>
+                <a:miter lim="800000"/>
+                <a:headEnd/>
+                <a:tailEnd/>
+              </a14:hiddenLine>
+            </a:ext>
+            <a:ext uri="{AF507438-7753-43E0-B8FC-AC1667EBCBE1}">
+              <a14:hiddenEffects xmlns:a14="http://schemas.microsoft.com/office/drawing/2010/main">
+                <a:effectLst>
+                  <a:outerShdw dist="35921" dir="2700000" algn="ctr" rotWithShape="0">
+                    <a:schemeClr val="bg2"/>
+                  </a:outerShdw>
+                </a:effectLst>
+              </a14:hiddenEffects>
+            </a:ext>
+          </a:extLst>
+        </p:spPr>
+        <p:txBody>
+          <a:bodyPr vert="horz" wrap="none" lIns="0" tIns="0" rIns="0" bIns="0" numCol="1" anchor="ctr" anchorCtr="0" compatLnSpc="1">
+            <a:prstTxWarp prst="textNoShape">
+              <a:avLst/>
+            </a:prstTxWarp>
+            <a:spAutoFit/>
+          </a:bodyPr>
+          <a:lstStyle>
+            <a:lvl1pPr eaLnBrk="0" fontAlgn="base" hangingPunct="0">
+              <a:spcBef>
+                <a:spcPct val="0"/>
+              </a:spcBef>
+              <a:spcAft>
+                <a:spcPct val="0"/>
+              </a:spcAft>
+              <a:defRPr>
+                <a:solidFill>
+                  <a:schemeClr val="tx1"/>
+                </a:solidFill>
+                <a:latin typeface="Arial" panose="020B0604020202020204" pitchFamily="34" charset="0"/>
+              </a:defRPr>
+            </a:lvl1pPr>
+            <a:lvl2pPr eaLnBrk="0" fontAlgn="base" hangingPunct="0">
+              <a:spcBef>
+                <a:spcPct val="0"/>
+              </a:spcBef>
+              <a:spcAft>
+                <a:spcPct val="0"/>
+              </a:spcAft>
+              <a:defRPr>
+                <a:solidFill>
+                  <a:schemeClr val="tx1"/>
+                </a:solidFill>
+                <a:latin typeface="Arial" panose="020B0604020202020204" pitchFamily="34" charset="0"/>
+              </a:defRPr>
+            </a:lvl2pPr>
+            <a:lvl3pPr eaLnBrk="0" fontAlgn="base" hangingPunct="0">
+              <a:spcBef>
+                <a:spcPct val="0"/>
+              </a:spcBef>
+              <a:spcAft>
+                <a:spcPct val="0"/>
+              </a:spcAft>
+              <a:defRPr>
+                <a:solidFill>
+                  <a:schemeClr val="tx1"/>
+                </a:solidFill>
+                <a:latin typeface="Arial" panose="020B0604020202020204" pitchFamily="34" charset="0"/>
+              </a:defRPr>
+            </a:lvl3pPr>
+            <a:lvl4pPr eaLnBrk="0" fontAlgn="base" hangingPunct="0">
+              <a:spcBef>
+                <a:spcPct val="0"/>
+              </a:spcBef>
+              <a:spcAft>
+                <a:spcPct val="0"/>
+              </a:spcAft>
+              <a:defRPr>
+                <a:solidFill>
+                  <a:schemeClr val="tx1"/>
+                </a:solidFill>
+                <a:latin typeface="Arial" panose="020B0604020202020204" pitchFamily="34" charset="0"/>
+              </a:defRPr>
+            </a:lvl4pPr>
+            <a:lvl5pPr eaLnBrk="0" fontAlgn="base" hangingPunct="0">
+              <a:spcBef>
+                <a:spcPct val="0"/>
+              </a:spcBef>
+              <a:spcAft>
+                <a:spcPct val="0"/>
+              </a:spcAft>
+              <a:defRPr>
+                <a:solidFill>
+                  <a:schemeClr val="tx1"/>
+                </a:solidFill>
+                <a:latin typeface="Arial" panose="020B0604020202020204" pitchFamily="34" charset="0"/>
+              </a:defRPr>
+            </a:lvl5pPr>
+            <a:lvl6pPr eaLnBrk="0" fontAlgn="base" hangingPunct="0">
+              <a:spcBef>
+                <a:spcPct val="0"/>
+              </a:spcBef>
+              <a:spcAft>
+                <a:spcPct val="0"/>
+              </a:spcAft>
+              <a:defRPr>
+                <a:solidFill>
+                  <a:schemeClr val="tx1"/>
+                </a:solidFill>
+                <a:latin typeface="Arial" panose="020B0604020202020204" pitchFamily="34" charset="0"/>
+              </a:defRPr>
+            </a:lvl6pPr>
+            <a:lvl7pPr eaLnBrk="0" fontAlgn="base" hangingPunct="0">
+              <a:spcBef>
+                <a:spcPct val="0"/>
+              </a:spcBef>
+              <a:spcAft>
+                <a:spcPct val="0"/>
+              </a:spcAft>
+              <a:defRPr>
+                <a:solidFill>
+                  <a:schemeClr val="tx1"/>
+                </a:solidFill>
+                <a:latin typeface="Arial" panose="020B0604020202020204" pitchFamily="34" charset="0"/>
+              </a:defRPr>
+            </a:lvl7pPr>
+            <a:lvl8pPr eaLnBrk="0" fontAlgn="base" hangingPunct="0">
+              <a:spcBef>
+                <a:spcPct val="0"/>
+              </a:spcBef>
+              <a:spcAft>
+                <a:spcPct val="0"/>
+              </a:spcAft>
+              <a:defRPr>
+                <a:solidFill>
+                  <a:schemeClr val="tx1"/>
+                </a:solidFill>
+                <a:latin typeface="Arial" panose="020B0604020202020204" pitchFamily="34" charset="0"/>
+              </a:defRPr>
+            </a:lvl8pPr>
+            <a:lvl9pPr eaLnBrk="0" fontAlgn="base" hangingPunct="0">
+              <a:spcBef>
+                <a:spcPct val="0"/>
+              </a:spcBef>
+              <a:spcAft>
+                <a:spcPct val="0"/>
+              </a:spcAft>
+              <a:defRPr>
+                <a:solidFill>
+                  <a:schemeClr val="tx1"/>
+                </a:solidFill>
+                <a:latin typeface="Arial" panose="020B0604020202020204" pitchFamily="34" charset="0"/>
+              </a:defRPr>
+            </a:lvl9pPr>
+          </a:lstStyle>
+          <a:p>
+            <a:pPr marL="0" marR="0" lvl="0" indent="0" algn="l" defTabSz="914400" rtl="0" eaLnBrk="0" fontAlgn="base" latinLnBrk="0" hangingPunct="0">
+              <a:lnSpc>
+                <a:spcPct val="100000"/>
+              </a:lnSpc>
+              <a:spcBef>
+                <a:spcPct val="0"/>
+              </a:spcBef>
+              <a:spcAft>
+                <a:spcPct val="0"/>
+              </a:spcAft>
+              <a:buClrTx/>
+              <a:buSzTx/>
+              <a:buFontTx/>
+              <a:buNone/>
+              <a:tabLst/>
+            </a:pPr>
+            <a:r>
+              <a:rPr lang="en-US" altLang="en-US" sz="1800" dirty="0"/>
+              <a:t>let/</a:t>
+            </a:r>
+            <a:r>
+              <a:rPr lang="en-US" altLang="en-US" sz="1800" dirty="0" err="1"/>
+              <a:t>const</a:t>
+            </a:r>
+            <a:r>
+              <a:rPr lang="en-US" altLang="en-US" sz="1800" dirty="0"/>
+              <a:t> declarations hoist!</a:t>
+            </a:r>
+          </a:p>
+          <a:p>
+            <a:pPr marL="0" lvl="0" indent="0">
+              <a:lnSpc>
+                <a:spcPct val="100000"/>
+              </a:lnSpc>
+              <a:buNone/>
+            </a:pPr>
+            <a:r>
+              <a:rPr kumimoji="0" lang="en-US" altLang="en-US" sz="800" b="0" i="0" u="none" strike="noStrike" cap="none" normalizeH="0" baseline="0" dirty="0" smtClean="0">
+                <a:ln>
+                  <a:noFill/>
+                </a:ln>
+                <a:solidFill>
+                  <a:schemeClr val="tx1"/>
+                </a:solidFill>
+                <a:effectLst/>
+              </a:rPr>
+              <a:t> </a:t>
+            </a:r>
+            <a:r>
+              <a:rPr lang="en-US" sz="1800" dirty="0"/>
+              <a:t>but may not be accessed in any way until the variable’s </a:t>
+            </a:r>
+            <a:r>
+              <a:rPr lang="en-US" sz="1800" i="1" dirty="0" err="1"/>
+              <a:t>LexicalBinding</a:t>
+            </a:r>
+            <a:r>
+              <a:rPr lang="en-US" sz="1800" dirty="0"/>
+              <a:t> is </a:t>
+            </a:r>
+            <a:r>
+              <a:rPr lang="en-US" sz="1800" dirty="0" smtClean="0"/>
+              <a:t>evaluated</a:t>
+            </a:r>
+          </a:p>
+          <a:p>
+            <a:pPr marL="0" lvl="0" indent="0">
+              <a:lnSpc>
+                <a:spcPct val="100000"/>
+              </a:lnSpc>
+              <a:buNone/>
+            </a:pPr>
+            <a:endParaRPr kumimoji="0" lang="en-US" altLang="en-US" sz="1800" b="0" i="0" u="none" strike="noStrike" cap="none" normalizeH="0" baseline="0" dirty="0">
+              <a:ln>
+                <a:noFill/>
+              </a:ln>
+              <a:solidFill>
+                <a:schemeClr val="tx1"/>
+              </a:solidFill>
+              <a:effectLst/>
+              <a:latin typeface="Arial" panose="020B0604020202020204" pitchFamily="34" charset="0"/>
+            </a:endParaRPr>
+          </a:p>
+          <a:p>
+            <a:pPr marL="0" lvl="0" indent="0">
+              <a:lnSpc>
+                <a:spcPct val="100000"/>
+              </a:lnSpc>
+              <a:buNone/>
+            </a:pPr>
+            <a:r>
+              <a:rPr lang="en-US" sz="1800" dirty="0"/>
+              <a:t>This is the TDZ</a:t>
+            </a:r>
+            <a:endParaRPr kumimoji="0" lang="en-US" altLang="en-US" sz="1800" b="0" i="0" u="none" strike="noStrike" cap="none" normalizeH="0" baseline="0" dirty="0" smtClean="0">
+              <a:ln>
+                <a:noFill/>
+              </a:ln>
+              <a:solidFill>
+                <a:schemeClr val="tx1"/>
+              </a:solidFill>
+              <a:effectLst/>
+              <a:latin typeface="Arial" panose="020B0604020202020204" pitchFamily="34" charset="0"/>
+            </a:endParaRPr>
+          </a:p>
+        </p:txBody>
+      </p:sp>
+    </p:spTree>
+    <p:extLst>
+      <p:ext uri="{BB962C8B-B14F-4D97-AF65-F5344CB8AC3E}">
+        <p14:creationId xmlns:p14="http://schemas.microsoft.com/office/powerpoint/2010/main" val="4205459705"/>
+      </p:ext>
+    </p:extLst>
+  </p:cSld>
+  <p:clrMapOvr>
+    <a:masterClrMapping/>
+  </p:clrMapOvr>
+  <p:timing>
+    <p:tnLst>
+      <p:par>
+        <p:cTn id="1" dur="indefinite" restart="never" nodeType="tmRoot"/>
+      </p:par>
+    </p:tnLst>
+  </p:timing>
+</p:sld>
+</file>
+
+<file path=ppt/slides/slide25.xml><?xml version="1.0" encoding="utf-8"?>
+<p:sld xmlns:a="http://schemas.openxmlformats.org/drawingml/2006/main" xmlns:r="http://schemas.openxmlformats.org/officeDocument/2006/relationships" xmlns:p="http://schemas.openxmlformats.org/presentationml/2006/main">
+  <p:cSld>
+    <p:spTree>
+      <p:nvGrpSpPr>
+        <p:cNvPr id="1" name=""/>
+        <p:cNvGrpSpPr/>
+        <p:nvPr/>
+      </p:nvGrpSpPr>
+      <p:grpSpPr>
+        <a:xfrm>
+          <a:off x="0" y="0"/>
+          <a:ext cx="0" cy="0"/>
+          <a:chOff x="0" y="0"/>
+          <a:chExt cx="0" cy="0"/>
+        </a:xfrm>
+      </p:grpSpPr>
+      <p:sp>
+        <p:nvSpPr>
+          <p:cNvPr id="2" name="Title 1"/>
+          <p:cNvSpPr>
+            <a:spLocks noGrp="1"/>
+          </p:cNvSpPr>
+          <p:nvPr>
+            <p:ph type="title"/>
+          </p:nvPr>
+        </p:nvSpPr>
+        <p:spPr/>
+        <p:txBody>
+          <a:bodyPr/>
+          <a:lstStyle/>
+          <a:p>
+            <a:endParaRPr lang="en-US"/>
+          </a:p>
+        </p:txBody>
+      </p:sp>
+      <p:sp>
+        <p:nvSpPr>
+          <p:cNvPr id="4" name="Rectangle 1"/>
+          <p:cNvSpPr>
+            <a:spLocks noGrp="1" noChangeArrowheads="1"/>
+          </p:cNvSpPr>
+          <p:nvPr>
+            <p:ph idx="1"/>
+          </p:nvPr>
+        </p:nvSpPr>
+        <p:spPr bwMode="auto">
+          <a:xfrm>
+            <a:off x="838200" y="3539629"/>
+            <a:ext cx="5219378" cy="923330"/>
+          </a:xfrm>
+          <a:prstGeom prst="rect">
+            <a:avLst/>
+          </a:prstGeom>
+          <a:solidFill>
+            <a:srgbClr val="F5F2F0"/>
+          </a:solidFill>
+          <a:ln>
+            <a:noFill/>
+          </a:ln>
+          <a:effectLst/>
+          <a:extLst>
+            <a:ext uri="{91240B29-F687-4F45-9708-019B960494DF}">
+              <a14:hiddenLine xmlns:a14="http://schemas.microsoft.com/office/drawing/2010/main" w="9525">
+                <a:solidFill>
+                  <a:schemeClr val="tx1"/>
+                </a:solidFill>
+                <a:miter lim="800000"/>
+                <a:headEnd/>
+                <a:tailEnd/>
+              </a14:hiddenLine>
+            </a:ext>
+            <a:ext uri="{AF507438-7753-43E0-B8FC-AC1667EBCBE1}">
+              <a14:hiddenEffects xmlns:a14="http://schemas.microsoft.com/office/drawing/2010/main">
+                <a:effectLst>
+                  <a:outerShdw dist="35921" dir="2700000" algn="ctr" rotWithShape="0">
+                    <a:schemeClr val="bg2"/>
+                  </a:outerShdw>
+                </a:effectLst>
+              </a14:hiddenEffects>
+            </a:ext>
+          </a:extLst>
+        </p:spPr>
+        <p:txBody>
+          <a:bodyPr vert="horz" wrap="none" lIns="0" tIns="0" rIns="0" bIns="0" numCol="1" anchor="ctr" anchorCtr="0" compatLnSpc="1">
+            <a:prstTxWarp prst="textNoShape">
+              <a:avLst/>
+            </a:prstTxWarp>
+            <a:spAutoFit/>
+          </a:bodyPr>
+          <a:lstStyle/>
+          <a:p>
+            <a:pPr marL="0" marR="0" lvl="0" indent="0" algn="l" defTabSz="914400" rtl="0" eaLnBrk="0" fontAlgn="base" latinLnBrk="0" hangingPunct="0">
+              <a:lnSpc>
+                <a:spcPct val="100000"/>
+              </a:lnSpc>
+              <a:spcBef>
+                <a:spcPct val="0"/>
+              </a:spcBef>
+              <a:spcAft>
+                <a:spcPct val="0"/>
+              </a:spcAft>
+              <a:buClrTx/>
+              <a:buSzTx/>
+              <a:buFontTx/>
+              <a:buNone/>
+              <a:tabLst/>
+            </a:pPr>
+            <a:r>
+              <a:rPr kumimoji="0" lang="en-US" altLang="en-US" sz="1000" b="0" i="0" u="none" strike="noStrike" cap="none" normalizeH="0" baseline="0" dirty="0" smtClean="0">
+                <a:ln>
+                  <a:noFill/>
+                </a:ln>
+                <a:solidFill>
+                  <a:srgbClr val="708090"/>
+                </a:solidFill>
+                <a:effectLst/>
+                <a:latin typeface="Consolas" panose="020B0609020204030204" pitchFamily="49" charset="0"/>
+                <a:cs typeface="Consolas" panose="020B0609020204030204" pitchFamily="49" charset="0"/>
+              </a:rPr>
+              <a:t>// Accessing `x` here before control flow evaluates the `let x` statement </a:t>
+            </a:r>
+          </a:p>
+          <a:p>
+            <a:pPr marL="0" marR="0" lvl="0" indent="0" algn="l" defTabSz="914400" rtl="0" eaLnBrk="0" fontAlgn="base" latinLnBrk="0" hangingPunct="0">
+              <a:lnSpc>
+                <a:spcPct val="100000"/>
+              </a:lnSpc>
+              <a:spcBef>
+                <a:spcPct val="0"/>
+              </a:spcBef>
+              <a:spcAft>
+                <a:spcPct val="0"/>
+              </a:spcAft>
+              <a:buClrTx/>
+              <a:buSzTx/>
+              <a:buFontTx/>
+              <a:buNone/>
+              <a:tabLst/>
+            </a:pPr>
+            <a:r>
+              <a:rPr kumimoji="0" lang="en-US" altLang="en-US" sz="1000" b="0" i="0" u="none" strike="noStrike" cap="none" normalizeH="0" baseline="0" dirty="0" smtClean="0">
+                <a:ln>
+                  <a:noFill/>
+                </a:ln>
+                <a:solidFill>
+                  <a:srgbClr val="708090"/>
+                </a:solidFill>
+                <a:effectLst/>
+                <a:latin typeface="Consolas" panose="020B0609020204030204" pitchFamily="49" charset="0"/>
+                <a:cs typeface="Consolas" panose="020B0609020204030204" pitchFamily="49" charset="0"/>
+              </a:rPr>
+              <a:t>// would throw a </a:t>
+            </a:r>
+            <a:r>
+              <a:rPr kumimoji="0" lang="en-US" altLang="en-US" sz="1000" b="0" i="0" u="none" strike="noStrike" cap="none" normalizeH="0" baseline="0" dirty="0" err="1" smtClean="0">
+                <a:ln>
+                  <a:noFill/>
+                </a:ln>
+                <a:solidFill>
+                  <a:srgbClr val="708090"/>
+                </a:solidFill>
+                <a:effectLst/>
+                <a:latin typeface="Consolas" panose="020B0609020204030204" pitchFamily="49" charset="0"/>
+                <a:cs typeface="Consolas" panose="020B0609020204030204" pitchFamily="49" charset="0"/>
+              </a:rPr>
+              <a:t>ReferenceError</a:t>
+            </a:r>
+            <a:r>
+              <a:rPr kumimoji="0" lang="en-US" altLang="en-US" sz="1000" b="0" i="0" u="none" strike="noStrike" cap="none" normalizeH="0" baseline="0" dirty="0" smtClean="0">
+                <a:ln>
+                  <a:noFill/>
+                </a:ln>
+                <a:solidFill>
+                  <a:srgbClr val="708090"/>
+                </a:solidFill>
+                <a:effectLst/>
+                <a:latin typeface="Consolas" panose="020B0609020204030204" pitchFamily="49" charset="0"/>
+                <a:cs typeface="Consolas" panose="020B0609020204030204" pitchFamily="49" charset="0"/>
+              </a:rPr>
+              <a:t> due to TDZ. </a:t>
+            </a:r>
+          </a:p>
+          <a:p>
+            <a:pPr marL="0" marR="0" lvl="0" indent="0" algn="l" defTabSz="914400" rtl="0" eaLnBrk="0" fontAlgn="base" latinLnBrk="0" hangingPunct="0">
+              <a:lnSpc>
+                <a:spcPct val="100000"/>
+              </a:lnSpc>
+              <a:spcBef>
+                <a:spcPct val="0"/>
+              </a:spcBef>
+              <a:spcAft>
+                <a:spcPct val="0"/>
+              </a:spcAft>
+              <a:buClrTx/>
+              <a:buSzTx/>
+              <a:buFontTx/>
+              <a:buNone/>
+              <a:tabLst/>
+            </a:pPr>
+            <a:r>
+              <a:rPr kumimoji="0" lang="en-US" altLang="en-US" sz="1000" b="0" i="0" u="none" strike="noStrike" cap="none" normalizeH="0" baseline="0" dirty="0" smtClean="0">
+                <a:ln>
+                  <a:noFill/>
+                </a:ln>
+                <a:solidFill>
+                  <a:srgbClr val="708090"/>
+                </a:solidFill>
+                <a:effectLst/>
+                <a:latin typeface="Consolas" panose="020B0609020204030204" pitchFamily="49" charset="0"/>
+                <a:cs typeface="Consolas" panose="020B0609020204030204" pitchFamily="49" charset="0"/>
+              </a:rPr>
+              <a:t>// console.log(x); </a:t>
+            </a:r>
+          </a:p>
+          <a:p>
+            <a:pPr marL="0" marR="0" lvl="0" indent="0" algn="l" defTabSz="914400" rtl="0" eaLnBrk="0" fontAlgn="base" latinLnBrk="0" hangingPunct="0">
+              <a:lnSpc>
+                <a:spcPct val="100000"/>
+              </a:lnSpc>
+              <a:spcBef>
+                <a:spcPct val="0"/>
+              </a:spcBef>
+              <a:spcAft>
+                <a:spcPct val="0"/>
+              </a:spcAft>
+              <a:buClrTx/>
+              <a:buSzTx/>
+              <a:buFontTx/>
+              <a:buNone/>
+              <a:tabLst/>
+            </a:pPr>
+            <a:endParaRPr lang="en-US" altLang="en-US" sz="1000" dirty="0">
+              <a:solidFill>
+                <a:srgbClr val="708090"/>
+              </a:solidFill>
+              <a:latin typeface="Consolas" panose="020B0609020204030204" pitchFamily="49" charset="0"/>
+              <a:cs typeface="Consolas" panose="020B0609020204030204" pitchFamily="49" charset="0"/>
+            </a:endParaRPr>
+          </a:p>
+          <a:p>
+            <a:pPr marL="0" marR="0" lvl="0" indent="0" algn="l" defTabSz="914400" rtl="0" eaLnBrk="0" fontAlgn="base" latinLnBrk="0" hangingPunct="0">
+              <a:lnSpc>
+                <a:spcPct val="100000"/>
+              </a:lnSpc>
+              <a:spcBef>
+                <a:spcPct val="0"/>
+              </a:spcBef>
+              <a:spcAft>
+                <a:spcPct val="0"/>
+              </a:spcAft>
+              <a:buClrTx/>
+              <a:buSzTx/>
+              <a:buFontTx/>
+              <a:buNone/>
+              <a:tabLst/>
+            </a:pPr>
+            <a:r>
+              <a:rPr kumimoji="0" lang="en-US" altLang="en-US" sz="1000" b="0" i="0" u="none" strike="noStrike" cap="none" normalizeH="0" baseline="0" dirty="0" smtClean="0">
+                <a:ln>
+                  <a:noFill/>
+                </a:ln>
+                <a:solidFill>
+                  <a:srgbClr val="0077AA"/>
+                </a:solidFill>
+                <a:effectLst/>
+                <a:latin typeface="Consolas" panose="020B0609020204030204" pitchFamily="49" charset="0"/>
+                <a:cs typeface="Consolas" panose="020B0609020204030204" pitchFamily="49" charset="0"/>
+              </a:rPr>
+              <a:t>let</a:t>
+            </a:r>
+            <a:r>
+              <a:rPr kumimoji="0" lang="en-US" altLang="en-US" sz="1000" b="0" i="0" u="none" strike="noStrike" cap="none" normalizeH="0" baseline="0" dirty="0" smtClean="0">
+                <a:ln>
+                  <a:noFill/>
+                </a:ln>
+                <a:solidFill>
+                  <a:srgbClr val="000000"/>
+                </a:solidFill>
+                <a:effectLst/>
+                <a:latin typeface="Consolas" panose="020B0609020204030204" pitchFamily="49" charset="0"/>
+                <a:cs typeface="Consolas" panose="020B0609020204030204" pitchFamily="49" charset="0"/>
+              </a:rPr>
+              <a:t> x </a:t>
+            </a:r>
+            <a:r>
+              <a:rPr kumimoji="0" lang="en-US" altLang="en-US" sz="1000" b="0" i="0" u="none" strike="noStrike" cap="none" normalizeH="0" baseline="0" dirty="0" smtClean="0">
+                <a:ln>
+                  <a:noFill/>
+                </a:ln>
+                <a:solidFill>
+                  <a:srgbClr val="A67F59"/>
+                </a:solidFill>
+                <a:effectLst/>
+                <a:latin typeface="Consolas" panose="020B0609020204030204" pitchFamily="49" charset="0"/>
+                <a:cs typeface="Consolas" panose="020B0609020204030204" pitchFamily="49" charset="0"/>
+              </a:rPr>
+              <a:t>=</a:t>
+            </a:r>
+            <a:r>
+              <a:rPr kumimoji="0" lang="en-US" altLang="en-US" sz="1000" b="0" i="0" u="none" strike="noStrike" cap="none" normalizeH="0" baseline="0" dirty="0" smtClean="0">
+                <a:ln>
+                  <a:noFill/>
+                </a:ln>
+                <a:solidFill>
+                  <a:srgbClr val="000000"/>
+                </a:solidFill>
+                <a:effectLst/>
+                <a:latin typeface="Consolas" panose="020B0609020204030204" pitchFamily="49" charset="0"/>
+                <a:cs typeface="Consolas" panose="020B0609020204030204" pitchFamily="49" charset="0"/>
+              </a:rPr>
+              <a:t> </a:t>
+            </a:r>
+            <a:r>
+              <a:rPr kumimoji="0" lang="en-US" altLang="en-US" sz="1000" b="0" i="0" u="none" strike="noStrike" cap="none" normalizeH="0" baseline="0" dirty="0" smtClean="0">
+                <a:ln>
+                  <a:noFill/>
+                </a:ln>
+                <a:solidFill>
+                  <a:srgbClr val="990055"/>
+                </a:solidFill>
+                <a:effectLst/>
+                <a:latin typeface="Consolas" panose="020B0609020204030204" pitchFamily="49" charset="0"/>
+                <a:cs typeface="Consolas" panose="020B0609020204030204" pitchFamily="49" charset="0"/>
+              </a:rPr>
+              <a:t>42</a:t>
+            </a:r>
+            <a:r>
+              <a:rPr kumimoji="0" lang="en-US" altLang="en-US" sz="1000" b="0" i="0" u="none" strike="noStrike" cap="none" normalizeH="0" baseline="0" dirty="0" smtClean="0">
+                <a:ln>
+                  <a:noFill/>
+                </a:ln>
+                <a:solidFill>
+                  <a:srgbClr val="999999"/>
+                </a:solidFill>
+                <a:effectLst/>
+                <a:latin typeface="Consolas" panose="020B0609020204030204" pitchFamily="49" charset="0"/>
+                <a:cs typeface="Consolas" panose="020B0609020204030204" pitchFamily="49" charset="0"/>
+              </a:rPr>
+              <a:t>;</a:t>
+            </a:r>
+            <a:r>
+              <a:rPr kumimoji="0" lang="en-US" altLang="en-US" sz="1000" b="0" i="0" u="none" strike="noStrike" cap="none" normalizeH="0" baseline="0" dirty="0" smtClean="0">
+                <a:ln>
+                  <a:noFill/>
+                </a:ln>
+                <a:solidFill>
+                  <a:srgbClr val="000000"/>
+                </a:solidFill>
+                <a:effectLst/>
+                <a:latin typeface="Consolas" panose="020B0609020204030204" pitchFamily="49" charset="0"/>
+                <a:cs typeface="Consolas" panose="020B0609020204030204" pitchFamily="49" charset="0"/>
+              </a:rPr>
+              <a:t> </a:t>
+            </a:r>
+            <a:r>
+              <a:rPr kumimoji="0" lang="en-US" altLang="en-US" sz="1000" b="0" i="0" u="none" strike="noStrike" cap="none" normalizeH="0" baseline="0" dirty="0" smtClean="0">
+                <a:ln>
+                  <a:noFill/>
+                </a:ln>
+                <a:solidFill>
+                  <a:srgbClr val="708090"/>
+                </a:solidFill>
+                <a:effectLst/>
+                <a:latin typeface="Consolas" panose="020B0609020204030204" pitchFamily="49" charset="0"/>
+                <a:cs typeface="Consolas" panose="020B0609020204030204" pitchFamily="49" charset="0"/>
+              </a:rPr>
+              <a:t>// From here on, accessing `x` is perfectly fine! </a:t>
+            </a:r>
+          </a:p>
+          <a:p>
+            <a:pPr marL="0" marR="0" lvl="0" indent="0" algn="l" defTabSz="914400" rtl="0" eaLnBrk="0" fontAlgn="base" latinLnBrk="0" hangingPunct="0">
+              <a:lnSpc>
+                <a:spcPct val="100000"/>
+              </a:lnSpc>
+              <a:spcBef>
+                <a:spcPct val="0"/>
+              </a:spcBef>
+              <a:spcAft>
+                <a:spcPct val="0"/>
+              </a:spcAft>
+              <a:buClrTx/>
+              <a:buSzTx/>
+              <a:buFontTx/>
+              <a:buNone/>
+              <a:tabLst/>
+            </a:pPr>
+            <a:r>
+              <a:rPr kumimoji="0" lang="en-US" altLang="en-US" sz="1000" b="0" i="0" u="none" strike="noStrike" cap="none" normalizeH="0" baseline="0" dirty="0" smtClean="0">
+                <a:ln>
+                  <a:noFill/>
+                </a:ln>
+                <a:solidFill>
+                  <a:srgbClr val="000000"/>
+                </a:solidFill>
+                <a:effectLst/>
+                <a:latin typeface="Consolas" panose="020B0609020204030204" pitchFamily="49" charset="0"/>
+                <a:cs typeface="Consolas" panose="020B0609020204030204" pitchFamily="49" charset="0"/>
+              </a:rPr>
+              <a:t>console</a:t>
+            </a:r>
+            <a:r>
+              <a:rPr kumimoji="0" lang="en-US" altLang="en-US" sz="1000" b="0" i="0" u="none" strike="noStrike" cap="none" normalizeH="0" baseline="0" dirty="0" smtClean="0">
+                <a:ln>
+                  <a:noFill/>
+                </a:ln>
+                <a:solidFill>
+                  <a:srgbClr val="999999"/>
+                </a:solidFill>
+                <a:effectLst/>
+                <a:latin typeface="Consolas" panose="020B0609020204030204" pitchFamily="49" charset="0"/>
+                <a:cs typeface="Consolas" panose="020B0609020204030204" pitchFamily="49" charset="0"/>
+              </a:rPr>
+              <a:t>.</a:t>
+            </a:r>
+            <a:r>
+              <a:rPr kumimoji="0" lang="en-US" altLang="en-US" sz="1000" b="0" i="0" u="none" strike="noStrike" cap="none" normalizeH="0" baseline="0" dirty="0" smtClean="0">
+                <a:ln>
+                  <a:noFill/>
+                </a:ln>
+                <a:solidFill>
+                  <a:srgbClr val="DD4A68"/>
+                </a:solidFill>
+                <a:effectLst/>
+                <a:latin typeface="Consolas" panose="020B0609020204030204" pitchFamily="49" charset="0"/>
+                <a:cs typeface="Consolas" panose="020B0609020204030204" pitchFamily="49" charset="0"/>
+              </a:rPr>
+              <a:t>log</a:t>
+            </a:r>
+            <a:r>
+              <a:rPr kumimoji="0" lang="en-US" altLang="en-US" sz="1000" b="0" i="0" u="none" strike="noStrike" cap="none" normalizeH="0" baseline="0" dirty="0" smtClean="0">
+                <a:ln>
+                  <a:noFill/>
+                </a:ln>
+                <a:solidFill>
+                  <a:srgbClr val="999999"/>
+                </a:solidFill>
+                <a:effectLst/>
+                <a:latin typeface="Consolas" panose="020B0609020204030204" pitchFamily="49" charset="0"/>
+                <a:cs typeface="Consolas" panose="020B0609020204030204" pitchFamily="49" charset="0"/>
+              </a:rPr>
+              <a:t>(</a:t>
+            </a:r>
+            <a:r>
+              <a:rPr kumimoji="0" lang="en-US" altLang="en-US" sz="1000" b="0" i="0" u="none" strike="noStrike" cap="none" normalizeH="0" baseline="0" dirty="0" smtClean="0">
+                <a:ln>
+                  <a:noFill/>
+                </a:ln>
+                <a:solidFill>
+                  <a:srgbClr val="000000"/>
+                </a:solidFill>
+                <a:effectLst/>
+                <a:latin typeface="Consolas" panose="020B0609020204030204" pitchFamily="49" charset="0"/>
+                <a:cs typeface="Consolas" panose="020B0609020204030204" pitchFamily="49" charset="0"/>
+              </a:rPr>
+              <a:t>x</a:t>
+            </a:r>
+            <a:r>
+              <a:rPr kumimoji="0" lang="en-US" altLang="en-US" sz="1000" b="0" i="0" u="none" strike="noStrike" cap="none" normalizeH="0" baseline="0" dirty="0" smtClean="0">
+                <a:ln>
+                  <a:noFill/>
+                </a:ln>
+                <a:solidFill>
+                  <a:srgbClr val="999999"/>
+                </a:solidFill>
+                <a:effectLst/>
+                <a:latin typeface="Consolas" panose="020B0609020204030204" pitchFamily="49" charset="0"/>
+                <a:cs typeface="Consolas" panose="020B0609020204030204" pitchFamily="49" charset="0"/>
+              </a:rPr>
+              <a:t>);</a:t>
+            </a:r>
+            <a:r>
+              <a:rPr kumimoji="0" lang="en-US" altLang="en-US" sz="900" b="0" i="0" u="none" strike="noStrike" cap="none" normalizeH="0" baseline="0" dirty="0" smtClean="0">
+                <a:ln>
+                  <a:noFill/>
+                </a:ln>
+                <a:solidFill>
+                  <a:schemeClr val="tx1"/>
+                </a:solidFill>
+                <a:effectLst/>
+              </a:rPr>
+              <a:t> </a:t>
+            </a:r>
+            <a:endParaRPr kumimoji="0" lang="en-US" altLang="en-US" sz="1800" b="0" i="0" u="none" strike="noStrike" cap="none" normalizeH="0" baseline="0" dirty="0" smtClean="0">
+              <a:ln>
+                <a:noFill/>
+              </a:ln>
+              <a:solidFill>
+                <a:schemeClr val="tx1"/>
+              </a:solidFill>
+              <a:effectLst/>
+              <a:latin typeface="Arial" panose="020B0604020202020204" pitchFamily="34" charset="0"/>
+            </a:endParaRPr>
+          </a:p>
+        </p:txBody>
+      </p:sp>
+    </p:spTree>
+    <p:extLst>
+      <p:ext uri="{BB962C8B-B14F-4D97-AF65-F5344CB8AC3E}">
+        <p14:creationId xmlns:p14="http://schemas.microsoft.com/office/powerpoint/2010/main" val="1165382354"/>
+      </p:ext>
+    </p:extLst>
+  </p:cSld>
+  <p:clrMapOvr>
+    <a:masterClrMapping/>
+  </p:clrMapOvr>
+  <p:timing>
+    <p:tnLst>
+      <p:par>
+        <p:cTn id="1" dur="indefinite" restart="never" nodeType="tmRoot"/>
+      </p:par>
+    </p:tnLst>
+  </p:timing>
+</p:sld>
+</file>
+
+<file path=ppt/slides/slide26.xml><?xml version="1.0" encoding="utf-8"?>
+<p:sld xmlns:a="http://schemas.openxmlformats.org/drawingml/2006/main" xmlns:r="http://schemas.openxmlformats.org/officeDocument/2006/relationships" xmlns:p="http://schemas.openxmlformats.org/presentationml/2006/main">
+  <p:cSld>
+    <p:spTree>
+      <p:nvGrpSpPr>
+        <p:cNvPr id="1" name=""/>
+        <p:cNvGrpSpPr/>
+        <p:nvPr/>
+      </p:nvGrpSpPr>
+      <p:grpSpPr>
+        <a:xfrm>
+          <a:off x="0" y="0"/>
+          <a:ext cx="0" cy="0"/>
+          <a:chOff x="0" y="0"/>
+          <a:chExt cx="0" cy="0"/>
+        </a:xfrm>
+      </p:grpSpPr>
+      <p:sp>
+        <p:nvSpPr>
+          <p:cNvPr id="2" name="Title 1"/>
+          <p:cNvSpPr>
+            <a:spLocks noGrp="1"/>
+          </p:cNvSpPr>
+          <p:nvPr>
+            <p:ph type="title"/>
+          </p:nvPr>
+        </p:nvSpPr>
+        <p:spPr/>
+        <p:txBody>
+          <a:bodyPr/>
+          <a:lstStyle/>
+          <a:p>
+            <a:r>
+              <a:rPr lang="en-US" dirty="0" err="1"/>
+              <a:t>ReferenceError</a:t>
+            </a:r>
+            <a:endParaRPr lang="en-US" dirty="0"/>
+          </a:p>
+        </p:txBody>
+      </p:sp>
+      <p:sp>
+        <p:nvSpPr>
+          <p:cNvPr id="4" name="Rectangle 1"/>
+          <p:cNvSpPr>
+            <a:spLocks noGrp="1" noChangeArrowheads="1"/>
+          </p:cNvSpPr>
+          <p:nvPr>
+            <p:ph idx="1"/>
+          </p:nvPr>
+        </p:nvSpPr>
+        <p:spPr bwMode="auto">
+          <a:xfrm>
+            <a:off x="838200" y="3447299"/>
+            <a:ext cx="4470776" cy="1107996"/>
+          </a:xfrm>
+          <a:prstGeom prst="rect">
+            <a:avLst/>
+          </a:prstGeom>
+          <a:solidFill>
+            <a:srgbClr val="F5F2F0"/>
+          </a:solidFill>
+          <a:ln>
+            <a:noFill/>
+          </a:ln>
+          <a:effectLst/>
+          <a:extLst>
+            <a:ext uri="{91240B29-F687-4F45-9708-019B960494DF}">
+              <a14:hiddenLine xmlns:a14="http://schemas.microsoft.com/office/drawing/2010/main" w="9525">
+                <a:solidFill>
+                  <a:schemeClr val="tx1"/>
+                </a:solidFill>
+                <a:miter lim="800000"/>
+                <a:headEnd/>
+                <a:tailEnd/>
+              </a14:hiddenLine>
+            </a:ext>
+            <a:ext uri="{AF507438-7753-43E0-B8FC-AC1667EBCBE1}">
+              <a14:hiddenEffects xmlns:a14="http://schemas.microsoft.com/office/drawing/2010/main">
+                <a:effectLst>
+                  <a:outerShdw dist="35921" dir="2700000" algn="ctr" rotWithShape="0">
+                    <a:schemeClr val="bg2"/>
+                  </a:outerShdw>
+                </a:effectLst>
+              </a14:hiddenEffects>
+            </a:ext>
+          </a:extLst>
+        </p:spPr>
+        <p:txBody>
+          <a:bodyPr vert="horz" wrap="none" lIns="0" tIns="0" rIns="0" bIns="0" numCol="1" anchor="ctr" anchorCtr="0" compatLnSpc="1">
+            <a:prstTxWarp prst="textNoShape">
+              <a:avLst/>
+            </a:prstTxWarp>
+            <a:spAutoFit/>
+          </a:bodyPr>
+          <a:lstStyle/>
+          <a:p>
+            <a:pPr marL="0" marR="0" lvl="0" indent="0" algn="l" defTabSz="914400" rtl="0" eaLnBrk="0" fontAlgn="base" latinLnBrk="0" hangingPunct="0">
+              <a:lnSpc>
+                <a:spcPct val="100000"/>
+              </a:lnSpc>
+              <a:spcBef>
+                <a:spcPct val="0"/>
+              </a:spcBef>
+              <a:spcAft>
+                <a:spcPct val="0"/>
+              </a:spcAft>
+              <a:buClrTx/>
+              <a:buSzTx/>
+              <a:buFontTx/>
+              <a:buNone/>
+              <a:tabLst/>
+            </a:pPr>
+            <a:r>
+              <a:rPr kumimoji="0" lang="en-US" altLang="en-US" sz="2400" b="0" i="0" u="none" strike="noStrike" cap="none" normalizeH="0" baseline="0" dirty="0" smtClean="0">
+                <a:ln>
+                  <a:noFill/>
+                </a:ln>
+                <a:solidFill>
+                  <a:srgbClr val="0077AA"/>
+                </a:solidFill>
+                <a:effectLst/>
+                <a:latin typeface="Consolas" panose="020B0609020204030204" pitchFamily="49" charset="0"/>
+                <a:cs typeface="Consolas" panose="020B0609020204030204" pitchFamily="49" charset="0"/>
+              </a:rPr>
+              <a:t>let</a:t>
+            </a:r>
+            <a:r>
+              <a:rPr kumimoji="0" lang="en-US" altLang="en-US" sz="2400" b="0" i="0" u="none" strike="noStrike" cap="none" normalizeH="0" baseline="0" dirty="0" smtClean="0">
+                <a:ln>
+                  <a:noFill/>
+                </a:ln>
+                <a:solidFill>
+                  <a:srgbClr val="000000"/>
+                </a:solidFill>
+                <a:effectLst/>
+                <a:latin typeface="Consolas" panose="020B0609020204030204" pitchFamily="49" charset="0"/>
+                <a:cs typeface="Consolas" panose="020B0609020204030204" pitchFamily="49" charset="0"/>
+              </a:rPr>
+              <a:t> a </a:t>
+            </a:r>
+            <a:r>
+              <a:rPr kumimoji="0" lang="en-US" altLang="en-US" sz="2400" b="0" i="0" u="none" strike="noStrike" cap="none" normalizeH="0" baseline="0" dirty="0" smtClean="0">
+                <a:ln>
+                  <a:noFill/>
+                </a:ln>
+                <a:solidFill>
+                  <a:srgbClr val="A67F59"/>
+                </a:solidFill>
+                <a:effectLst/>
+                <a:latin typeface="Consolas" panose="020B0609020204030204" pitchFamily="49" charset="0"/>
+                <a:cs typeface="Consolas" panose="020B0609020204030204" pitchFamily="49" charset="0"/>
+              </a:rPr>
+              <a:t>=</a:t>
+            </a:r>
+            <a:r>
+              <a:rPr kumimoji="0" lang="en-US" altLang="en-US" sz="2400" b="0" i="0" u="none" strike="noStrike" cap="none" normalizeH="0" baseline="0" dirty="0" smtClean="0">
+                <a:ln>
+                  <a:noFill/>
+                </a:ln>
+                <a:solidFill>
+                  <a:srgbClr val="000000"/>
+                </a:solidFill>
+                <a:effectLst/>
+                <a:latin typeface="Consolas" panose="020B0609020204030204" pitchFamily="49" charset="0"/>
+                <a:cs typeface="Consolas" panose="020B0609020204030204" pitchFamily="49" charset="0"/>
+              </a:rPr>
+              <a:t> </a:t>
+            </a:r>
+            <a:r>
+              <a:rPr kumimoji="0" lang="en-US" altLang="en-US" sz="2400" b="0" i="0" u="none" strike="noStrike" cap="none" normalizeH="0" baseline="0" dirty="0" smtClean="0">
+                <a:ln>
+                  <a:noFill/>
+                </a:ln>
+                <a:solidFill>
+                  <a:srgbClr val="DD4A68"/>
+                </a:solidFill>
+                <a:effectLst/>
+                <a:latin typeface="Consolas" panose="020B0609020204030204" pitchFamily="49" charset="0"/>
+                <a:cs typeface="Consolas" panose="020B0609020204030204" pitchFamily="49" charset="0"/>
+              </a:rPr>
+              <a:t>f</a:t>
+            </a:r>
+            <a:r>
+              <a:rPr kumimoji="0" lang="en-US" altLang="en-US" sz="2400" b="0" i="0" u="none" strike="noStrike" cap="none" normalizeH="0" baseline="0" dirty="0" smtClean="0">
+                <a:ln>
+                  <a:noFill/>
+                </a:ln>
+                <a:solidFill>
+                  <a:srgbClr val="999999"/>
+                </a:solidFill>
+                <a:effectLst/>
+                <a:latin typeface="Consolas" panose="020B0609020204030204" pitchFamily="49" charset="0"/>
+                <a:cs typeface="Consolas" panose="020B0609020204030204" pitchFamily="49" charset="0"/>
+              </a:rPr>
+              <a:t>();</a:t>
+            </a:r>
+            <a:r>
+              <a:rPr kumimoji="0" lang="en-US" altLang="en-US" sz="2400" b="0" i="0" u="none" strike="noStrike" cap="none" normalizeH="0" baseline="0" dirty="0" smtClean="0">
+                <a:ln>
+                  <a:noFill/>
+                </a:ln>
+                <a:solidFill>
+                  <a:srgbClr val="000000"/>
+                </a:solidFill>
+                <a:effectLst/>
+                <a:latin typeface="Consolas" panose="020B0609020204030204" pitchFamily="49" charset="0"/>
+                <a:cs typeface="Consolas" panose="020B0609020204030204" pitchFamily="49" charset="0"/>
+              </a:rPr>
+              <a:t> </a:t>
+            </a:r>
+          </a:p>
+          <a:p>
+            <a:pPr marL="0" marR="0" lvl="0" indent="0" algn="l" defTabSz="914400" rtl="0" eaLnBrk="0" fontAlgn="base" latinLnBrk="0" hangingPunct="0">
+              <a:lnSpc>
+                <a:spcPct val="100000"/>
+              </a:lnSpc>
+              <a:spcBef>
+                <a:spcPct val="0"/>
+              </a:spcBef>
+              <a:spcAft>
+                <a:spcPct val="0"/>
+              </a:spcAft>
+              <a:buClrTx/>
+              <a:buSzTx/>
+              <a:buFontTx/>
+              <a:buNone/>
+              <a:tabLst/>
+            </a:pPr>
+            <a:r>
+              <a:rPr kumimoji="0" lang="en-US" altLang="en-US" sz="2400" b="0" i="0" u="none" strike="noStrike" cap="none" normalizeH="0" baseline="0" dirty="0" err="1" smtClean="0">
+                <a:ln>
+                  <a:noFill/>
+                </a:ln>
+                <a:solidFill>
+                  <a:srgbClr val="0077AA"/>
+                </a:solidFill>
+                <a:effectLst/>
+                <a:latin typeface="Consolas" panose="020B0609020204030204" pitchFamily="49" charset="0"/>
+                <a:cs typeface="Consolas" panose="020B0609020204030204" pitchFamily="49" charset="0"/>
+              </a:rPr>
+              <a:t>const</a:t>
+            </a:r>
+            <a:r>
+              <a:rPr kumimoji="0" lang="en-US" altLang="en-US" sz="2400" b="0" i="0" u="none" strike="noStrike" cap="none" normalizeH="0" baseline="0" dirty="0" smtClean="0">
+                <a:ln>
+                  <a:noFill/>
+                </a:ln>
+                <a:solidFill>
+                  <a:srgbClr val="000000"/>
+                </a:solidFill>
+                <a:effectLst/>
+                <a:latin typeface="Consolas" panose="020B0609020204030204" pitchFamily="49" charset="0"/>
+                <a:cs typeface="Consolas" panose="020B0609020204030204" pitchFamily="49" charset="0"/>
+              </a:rPr>
+              <a:t> b </a:t>
+            </a:r>
+            <a:r>
+              <a:rPr kumimoji="0" lang="en-US" altLang="en-US" sz="2400" b="0" i="0" u="none" strike="noStrike" cap="none" normalizeH="0" baseline="0" dirty="0" smtClean="0">
+                <a:ln>
+                  <a:noFill/>
+                </a:ln>
+                <a:solidFill>
+                  <a:srgbClr val="A67F59"/>
+                </a:solidFill>
+                <a:effectLst/>
+                <a:latin typeface="Consolas" panose="020B0609020204030204" pitchFamily="49" charset="0"/>
+                <a:cs typeface="Consolas" panose="020B0609020204030204" pitchFamily="49" charset="0"/>
+              </a:rPr>
+              <a:t>=</a:t>
+            </a:r>
+            <a:r>
+              <a:rPr kumimoji="0" lang="en-US" altLang="en-US" sz="2400" b="0" i="0" u="none" strike="noStrike" cap="none" normalizeH="0" baseline="0" dirty="0" smtClean="0">
+                <a:ln>
+                  <a:noFill/>
+                </a:ln>
+                <a:solidFill>
+                  <a:srgbClr val="000000"/>
+                </a:solidFill>
+                <a:effectLst/>
+                <a:latin typeface="Consolas" panose="020B0609020204030204" pitchFamily="49" charset="0"/>
+                <a:cs typeface="Consolas" panose="020B0609020204030204" pitchFamily="49" charset="0"/>
+              </a:rPr>
+              <a:t> </a:t>
+            </a:r>
+            <a:r>
+              <a:rPr kumimoji="0" lang="en-US" altLang="en-US" sz="2400" b="0" i="0" u="none" strike="noStrike" cap="none" normalizeH="0" baseline="0" dirty="0" smtClean="0">
+                <a:ln>
+                  <a:noFill/>
+                </a:ln>
+                <a:solidFill>
+                  <a:srgbClr val="990055"/>
+                </a:solidFill>
+                <a:effectLst/>
+                <a:latin typeface="Consolas" panose="020B0609020204030204" pitchFamily="49" charset="0"/>
+                <a:cs typeface="Consolas" panose="020B0609020204030204" pitchFamily="49" charset="0"/>
+              </a:rPr>
+              <a:t>2</a:t>
+            </a:r>
+            <a:r>
+              <a:rPr kumimoji="0" lang="en-US" altLang="en-US" sz="2400" b="0" i="0" u="none" strike="noStrike" cap="none" normalizeH="0" baseline="0" dirty="0" smtClean="0">
+                <a:ln>
+                  <a:noFill/>
+                </a:ln>
+                <a:solidFill>
+                  <a:srgbClr val="999999"/>
+                </a:solidFill>
+                <a:effectLst/>
+                <a:latin typeface="Consolas" panose="020B0609020204030204" pitchFamily="49" charset="0"/>
+                <a:cs typeface="Consolas" panose="020B0609020204030204" pitchFamily="49" charset="0"/>
+              </a:rPr>
+              <a:t>;</a:t>
+            </a:r>
+            <a:r>
+              <a:rPr kumimoji="0" lang="en-US" altLang="en-US" sz="2400" b="0" i="0" u="none" strike="noStrike" cap="none" normalizeH="0" baseline="0" dirty="0" smtClean="0">
+                <a:ln>
+                  <a:noFill/>
+                </a:ln>
+                <a:solidFill>
+                  <a:srgbClr val="000000"/>
+                </a:solidFill>
+                <a:effectLst/>
+                <a:latin typeface="Consolas" panose="020B0609020204030204" pitchFamily="49" charset="0"/>
+                <a:cs typeface="Consolas" panose="020B0609020204030204" pitchFamily="49" charset="0"/>
+              </a:rPr>
+              <a:t> </a:t>
+            </a:r>
+          </a:p>
+          <a:p>
+            <a:pPr marL="0" marR="0" lvl="0" indent="0" algn="l" defTabSz="914400" rtl="0" eaLnBrk="0" fontAlgn="base" latinLnBrk="0" hangingPunct="0">
+              <a:lnSpc>
+                <a:spcPct val="100000"/>
+              </a:lnSpc>
+              <a:spcBef>
+                <a:spcPct val="0"/>
+              </a:spcBef>
+              <a:spcAft>
+                <a:spcPct val="0"/>
+              </a:spcAft>
+              <a:buClrTx/>
+              <a:buSzTx/>
+              <a:buFontTx/>
+              <a:buNone/>
+              <a:tabLst/>
+            </a:pPr>
+            <a:r>
+              <a:rPr kumimoji="0" lang="en-US" altLang="en-US" sz="2400" b="0" i="0" u="none" strike="noStrike" cap="none" normalizeH="0" baseline="0" dirty="0" smtClean="0">
+                <a:ln>
+                  <a:noFill/>
+                </a:ln>
+                <a:solidFill>
+                  <a:srgbClr val="0077AA"/>
+                </a:solidFill>
+                <a:effectLst/>
+                <a:latin typeface="Consolas" panose="020B0609020204030204" pitchFamily="49" charset="0"/>
+                <a:cs typeface="Consolas" panose="020B0609020204030204" pitchFamily="49" charset="0"/>
+              </a:rPr>
+              <a:t>function</a:t>
+            </a:r>
+            <a:r>
+              <a:rPr kumimoji="0" lang="en-US" altLang="en-US" sz="2400" b="0" i="0" u="none" strike="noStrike" cap="none" normalizeH="0" baseline="0" dirty="0" smtClean="0">
+                <a:ln>
+                  <a:noFill/>
+                </a:ln>
+                <a:solidFill>
+                  <a:srgbClr val="000000"/>
+                </a:solidFill>
+                <a:effectLst/>
+                <a:latin typeface="Consolas" panose="020B0609020204030204" pitchFamily="49" charset="0"/>
+                <a:cs typeface="Consolas" panose="020B0609020204030204" pitchFamily="49" charset="0"/>
+              </a:rPr>
+              <a:t> </a:t>
+            </a:r>
+            <a:r>
+              <a:rPr kumimoji="0" lang="en-US" altLang="en-US" sz="2400" b="0" i="0" u="none" strike="noStrike" cap="none" normalizeH="0" baseline="0" dirty="0" smtClean="0">
+                <a:ln>
+                  <a:noFill/>
+                </a:ln>
+                <a:solidFill>
+                  <a:srgbClr val="DD4A68"/>
+                </a:solidFill>
+                <a:effectLst/>
+                <a:latin typeface="Consolas" panose="020B0609020204030204" pitchFamily="49" charset="0"/>
+                <a:cs typeface="Consolas" panose="020B0609020204030204" pitchFamily="49" charset="0"/>
+              </a:rPr>
+              <a:t>f</a:t>
+            </a:r>
+            <a:r>
+              <a:rPr kumimoji="0" lang="en-US" altLang="en-US" sz="2400" b="0" i="0" u="none" strike="noStrike" cap="none" normalizeH="0" baseline="0" dirty="0" smtClean="0">
+                <a:ln>
+                  <a:noFill/>
+                </a:ln>
+                <a:solidFill>
+                  <a:srgbClr val="999999"/>
+                </a:solidFill>
+                <a:effectLst/>
+                <a:latin typeface="Consolas" panose="020B0609020204030204" pitchFamily="49" charset="0"/>
+                <a:cs typeface="Consolas" panose="020B0609020204030204" pitchFamily="49" charset="0"/>
+              </a:rPr>
+              <a:t>()</a:t>
+            </a:r>
+            <a:r>
+              <a:rPr kumimoji="0" lang="en-US" altLang="en-US" sz="2400" b="0" i="0" u="none" strike="noStrike" cap="none" normalizeH="0" baseline="0" dirty="0" smtClean="0">
+                <a:ln>
+                  <a:noFill/>
+                </a:ln>
+                <a:solidFill>
+                  <a:srgbClr val="000000"/>
+                </a:solidFill>
+                <a:effectLst/>
+                <a:latin typeface="Consolas" panose="020B0609020204030204" pitchFamily="49" charset="0"/>
+                <a:cs typeface="Consolas" panose="020B0609020204030204" pitchFamily="49" charset="0"/>
+              </a:rPr>
+              <a:t> </a:t>
+            </a:r>
+            <a:r>
+              <a:rPr kumimoji="0" lang="en-US" altLang="en-US" sz="2400" b="0" i="0" u="none" strike="noStrike" cap="none" normalizeH="0" baseline="0" dirty="0" smtClean="0">
+                <a:ln>
+                  <a:noFill/>
+                </a:ln>
+                <a:solidFill>
+                  <a:srgbClr val="999999"/>
+                </a:solidFill>
+                <a:effectLst/>
+                <a:latin typeface="Consolas" panose="020B0609020204030204" pitchFamily="49" charset="0"/>
+                <a:cs typeface="Consolas" panose="020B0609020204030204" pitchFamily="49" charset="0"/>
+              </a:rPr>
+              <a:t>{</a:t>
+            </a:r>
+            <a:r>
+              <a:rPr kumimoji="0" lang="en-US" altLang="en-US" sz="2400" b="0" i="0" u="none" strike="noStrike" cap="none" normalizeH="0" baseline="0" dirty="0" smtClean="0">
+                <a:ln>
+                  <a:noFill/>
+                </a:ln>
+                <a:solidFill>
+                  <a:srgbClr val="000000"/>
+                </a:solidFill>
+                <a:effectLst/>
+                <a:latin typeface="Consolas" panose="020B0609020204030204" pitchFamily="49" charset="0"/>
+                <a:cs typeface="Consolas" panose="020B0609020204030204" pitchFamily="49" charset="0"/>
+              </a:rPr>
+              <a:t> </a:t>
+            </a:r>
+            <a:r>
+              <a:rPr kumimoji="0" lang="en-US" altLang="en-US" sz="2400" b="0" i="0" u="none" strike="noStrike" cap="none" normalizeH="0" baseline="0" dirty="0" smtClean="0">
+                <a:ln>
+                  <a:noFill/>
+                </a:ln>
+                <a:solidFill>
+                  <a:srgbClr val="0077AA"/>
+                </a:solidFill>
+                <a:effectLst/>
+                <a:latin typeface="Consolas" panose="020B0609020204030204" pitchFamily="49" charset="0"/>
+                <a:cs typeface="Consolas" panose="020B0609020204030204" pitchFamily="49" charset="0"/>
+              </a:rPr>
+              <a:t>return</a:t>
+            </a:r>
+            <a:r>
+              <a:rPr kumimoji="0" lang="en-US" altLang="en-US" sz="2400" b="0" i="0" u="none" strike="noStrike" cap="none" normalizeH="0" baseline="0" dirty="0" smtClean="0">
+                <a:ln>
+                  <a:noFill/>
+                </a:ln>
+                <a:solidFill>
+                  <a:srgbClr val="000000"/>
+                </a:solidFill>
+                <a:effectLst/>
+                <a:latin typeface="Consolas" panose="020B0609020204030204" pitchFamily="49" charset="0"/>
+                <a:cs typeface="Consolas" panose="020B0609020204030204" pitchFamily="49" charset="0"/>
+              </a:rPr>
+              <a:t> b</a:t>
+            </a:r>
+            <a:r>
+              <a:rPr kumimoji="0" lang="en-US" altLang="en-US" sz="2400" b="0" i="0" u="none" strike="noStrike" cap="none" normalizeH="0" baseline="0" dirty="0" smtClean="0">
+                <a:ln>
+                  <a:noFill/>
+                </a:ln>
+                <a:solidFill>
+                  <a:srgbClr val="999999"/>
+                </a:solidFill>
+                <a:effectLst/>
+                <a:latin typeface="Consolas" panose="020B0609020204030204" pitchFamily="49" charset="0"/>
+                <a:cs typeface="Consolas" panose="020B0609020204030204" pitchFamily="49" charset="0"/>
+              </a:rPr>
+              <a:t>;</a:t>
+            </a:r>
+            <a:r>
+              <a:rPr kumimoji="0" lang="en-US" altLang="en-US" sz="2400" b="0" i="0" u="none" strike="noStrike" cap="none" normalizeH="0" baseline="0" dirty="0" smtClean="0">
+                <a:ln>
+                  <a:noFill/>
+                </a:ln>
+                <a:solidFill>
+                  <a:srgbClr val="000000"/>
+                </a:solidFill>
+                <a:effectLst/>
+                <a:latin typeface="Consolas" panose="020B0609020204030204" pitchFamily="49" charset="0"/>
+                <a:cs typeface="Consolas" panose="020B0609020204030204" pitchFamily="49" charset="0"/>
+              </a:rPr>
+              <a:t> </a:t>
+            </a:r>
+            <a:r>
+              <a:rPr kumimoji="0" lang="en-US" altLang="en-US" sz="2400" b="0" i="0" u="none" strike="noStrike" cap="none" normalizeH="0" baseline="0" dirty="0" smtClean="0">
+                <a:ln>
+                  <a:noFill/>
+                </a:ln>
+                <a:solidFill>
+                  <a:srgbClr val="999999"/>
+                </a:solidFill>
+                <a:effectLst/>
+                <a:latin typeface="Consolas" panose="020B0609020204030204" pitchFamily="49" charset="0"/>
+                <a:cs typeface="Consolas" panose="020B0609020204030204" pitchFamily="49" charset="0"/>
+              </a:rPr>
+              <a:t>}</a:t>
+            </a:r>
+            <a:r>
+              <a:rPr kumimoji="0" lang="en-US" altLang="en-US" sz="2000" b="0" i="0" u="none" strike="noStrike" cap="none" normalizeH="0" baseline="0" dirty="0" smtClean="0">
+                <a:ln>
+                  <a:noFill/>
+                </a:ln>
+                <a:solidFill>
+                  <a:schemeClr val="tx1"/>
+                </a:solidFill>
+                <a:effectLst/>
+              </a:rPr>
+              <a:t> </a:t>
+            </a:r>
+            <a:endParaRPr kumimoji="0" lang="en-US" altLang="en-US" sz="4800" b="0" i="0" u="none" strike="noStrike" cap="none" normalizeH="0" baseline="0" dirty="0" smtClean="0">
+              <a:ln>
+                <a:noFill/>
+              </a:ln>
+              <a:solidFill>
+                <a:schemeClr val="tx1"/>
+              </a:solidFill>
+              <a:effectLst/>
+              <a:latin typeface="Arial" panose="020B0604020202020204" pitchFamily="34" charset="0"/>
+            </a:endParaRPr>
+          </a:p>
+        </p:txBody>
+      </p:sp>
+    </p:spTree>
+    <p:extLst>
+      <p:ext uri="{BB962C8B-B14F-4D97-AF65-F5344CB8AC3E}">
+        <p14:creationId xmlns:p14="http://schemas.microsoft.com/office/powerpoint/2010/main" val="4266518205"/>
+      </p:ext>
+    </p:extLst>
+  </p:cSld>
+  <p:clrMapOvr>
+    <a:masterClrMapping/>
+  </p:clrMapOvr>
+  <p:timing>
+    <p:tnLst>
+      <p:par>
+        <p:cTn id="1" dur="indefinite" restart="never" nodeType="tmRoot"/>
+      </p:par>
+    </p:tnLst>
+  </p:timing>
+</p:sld>
+</file>
+
+<file path=ppt/slides/slide27.xml><?xml version="1.0" encoding="utf-8"?>
+<p:sld xmlns:a="http://schemas.openxmlformats.org/drawingml/2006/main" xmlns:r="http://schemas.openxmlformats.org/officeDocument/2006/relationships" xmlns:p="http://schemas.openxmlformats.org/presentationml/2006/main">
+  <p:cSld>
+    <p:spTree>
+      <p:nvGrpSpPr>
+        <p:cNvPr id="1" name=""/>
+        <p:cNvGrpSpPr/>
+        <p:nvPr/>
+      </p:nvGrpSpPr>
+      <p:grpSpPr>
+        <a:xfrm>
+          <a:off x="0" y="0"/>
+          <a:ext cx="0" cy="0"/>
+          <a:chOff x="0" y="0"/>
+          <a:chExt cx="0" cy="0"/>
+        </a:xfrm>
+      </p:grpSpPr>
+      <p:sp>
+        <p:nvSpPr>
+          <p:cNvPr id="2" name="Title 1"/>
+          <p:cNvSpPr>
+            <a:spLocks noGrp="1"/>
+          </p:cNvSpPr>
+          <p:nvPr>
+            <p:ph type="title"/>
+          </p:nvPr>
+        </p:nvSpPr>
+        <p:spPr/>
+        <p:txBody>
+          <a:bodyPr/>
+          <a:lstStyle/>
+          <a:p>
+            <a:r>
+              <a:rPr lang="en-US" dirty="0" smtClean="0"/>
+              <a:t>Example	</a:t>
+            </a:r>
+            <a:endParaRPr lang="en-US" dirty="0"/>
+          </a:p>
+        </p:txBody>
+      </p:sp>
+      <p:sp>
+        <p:nvSpPr>
+          <p:cNvPr id="4" name="Rectangle 1"/>
+          <p:cNvSpPr>
+            <a:spLocks noGrp="1" noChangeArrowheads="1"/>
+          </p:cNvSpPr>
+          <p:nvPr>
+            <p:ph idx="1"/>
+          </p:nvPr>
+        </p:nvSpPr>
+        <p:spPr bwMode="auto">
+          <a:xfrm>
+            <a:off x="838200" y="3139521"/>
+            <a:ext cx="4472378" cy="1723549"/>
+          </a:xfrm>
+          <a:prstGeom prst="rect">
+            <a:avLst/>
+          </a:prstGeom>
+          <a:solidFill>
+            <a:srgbClr val="F5F2F0"/>
+          </a:solidFill>
+          <a:ln>
+            <a:noFill/>
+          </a:ln>
+          <a:effectLst/>
+          <a:extLst>
+            <a:ext uri="{91240B29-F687-4F45-9708-019B960494DF}">
+              <a14:hiddenLine xmlns:a14="http://schemas.microsoft.com/office/drawing/2010/main" w="9525">
+                <a:solidFill>
+                  <a:schemeClr val="tx1"/>
+                </a:solidFill>
+                <a:miter lim="800000"/>
+                <a:headEnd/>
+                <a:tailEnd/>
+              </a14:hiddenLine>
+            </a:ext>
+            <a:ext uri="{AF507438-7753-43E0-B8FC-AC1667EBCBE1}">
+              <a14:hiddenEffects xmlns:a14="http://schemas.microsoft.com/office/drawing/2010/main">
+                <a:effectLst>
+                  <a:outerShdw dist="35921" dir="2700000" algn="ctr" rotWithShape="0">
+                    <a:schemeClr val="bg2"/>
+                  </a:outerShdw>
+                </a:effectLst>
+              </a14:hiddenEffects>
+            </a:ext>
+          </a:extLst>
+        </p:spPr>
+        <p:txBody>
+          <a:bodyPr vert="horz" wrap="none" lIns="0" tIns="0" rIns="0" bIns="0" numCol="1" anchor="ctr" anchorCtr="0" compatLnSpc="1">
+            <a:prstTxWarp prst="textNoShape">
+              <a:avLst/>
+            </a:prstTxWarp>
+            <a:spAutoFit/>
+          </a:bodyPr>
+          <a:lstStyle/>
+          <a:p>
+            <a:pPr marL="0" marR="0" lvl="0" indent="0" algn="l" defTabSz="914400" rtl="0" eaLnBrk="0" fontAlgn="base" latinLnBrk="0" hangingPunct="0">
+              <a:lnSpc>
+                <a:spcPct val="100000"/>
+              </a:lnSpc>
+              <a:spcBef>
+                <a:spcPct val="0"/>
+              </a:spcBef>
+              <a:spcAft>
+                <a:spcPct val="0"/>
+              </a:spcAft>
+              <a:buClrTx/>
+              <a:buSzTx/>
+              <a:buFontTx/>
+              <a:buNone/>
+              <a:tabLst/>
+            </a:pPr>
+            <a:r>
+              <a:rPr kumimoji="0" lang="en-US" altLang="en-US" b="0" i="0" u="none" strike="noStrike" cap="none" normalizeH="0" baseline="0" dirty="0" smtClean="0">
+                <a:ln>
+                  <a:noFill/>
+                </a:ln>
+                <a:solidFill>
+                  <a:srgbClr val="0077AA"/>
+                </a:solidFill>
+                <a:effectLst/>
+                <a:latin typeface="Consolas" panose="020B0609020204030204" pitchFamily="49" charset="0"/>
+                <a:cs typeface="Consolas" panose="020B0609020204030204" pitchFamily="49" charset="0"/>
+              </a:rPr>
+              <a:t>let</a:t>
+            </a:r>
+            <a:r>
+              <a:rPr kumimoji="0" lang="en-US" altLang="en-US" b="0" i="0" u="none" strike="noStrike" cap="none" normalizeH="0" baseline="0" dirty="0" smtClean="0">
+                <a:ln>
+                  <a:noFill/>
+                </a:ln>
+                <a:solidFill>
+                  <a:srgbClr val="000000"/>
+                </a:solidFill>
+                <a:effectLst/>
+                <a:latin typeface="Consolas" panose="020B0609020204030204" pitchFamily="49" charset="0"/>
+                <a:cs typeface="Consolas" panose="020B0609020204030204" pitchFamily="49" charset="0"/>
+              </a:rPr>
+              <a:t> b </a:t>
+            </a:r>
+            <a:r>
+              <a:rPr kumimoji="0" lang="en-US" altLang="en-US" b="0" i="0" u="none" strike="noStrike" cap="none" normalizeH="0" baseline="0" dirty="0" smtClean="0">
+                <a:ln>
+                  <a:noFill/>
+                </a:ln>
+                <a:solidFill>
+                  <a:srgbClr val="A67F59"/>
+                </a:solidFill>
+                <a:effectLst/>
+                <a:latin typeface="Consolas" panose="020B0609020204030204" pitchFamily="49" charset="0"/>
+                <a:cs typeface="Consolas" panose="020B0609020204030204" pitchFamily="49" charset="0"/>
+              </a:rPr>
+              <a:t>=</a:t>
+            </a:r>
+            <a:r>
+              <a:rPr kumimoji="0" lang="en-US" altLang="en-US" b="0" i="0" u="none" strike="noStrike" cap="none" normalizeH="0" baseline="0" dirty="0" smtClean="0">
+                <a:ln>
+                  <a:noFill/>
+                </a:ln>
+                <a:solidFill>
+                  <a:srgbClr val="000000"/>
+                </a:solidFill>
+                <a:effectLst/>
+                <a:latin typeface="Consolas" panose="020B0609020204030204" pitchFamily="49" charset="0"/>
+                <a:cs typeface="Consolas" panose="020B0609020204030204" pitchFamily="49" charset="0"/>
+              </a:rPr>
+              <a:t> </a:t>
+            </a:r>
+            <a:r>
+              <a:rPr kumimoji="0" lang="en-US" altLang="en-US" b="0" i="0" u="none" strike="noStrike" cap="none" normalizeH="0" baseline="0" dirty="0" smtClean="0">
+                <a:ln>
+                  <a:noFill/>
+                </a:ln>
+                <a:solidFill>
+                  <a:srgbClr val="990055"/>
+                </a:solidFill>
+                <a:effectLst/>
+                <a:latin typeface="Consolas" panose="020B0609020204030204" pitchFamily="49" charset="0"/>
+                <a:cs typeface="Consolas" panose="020B0609020204030204" pitchFamily="49" charset="0"/>
+              </a:rPr>
+              <a:t>1</a:t>
+            </a:r>
+            <a:r>
+              <a:rPr kumimoji="0" lang="en-US" altLang="en-US" b="0" i="0" u="none" strike="noStrike" cap="none" normalizeH="0" baseline="0" dirty="0" smtClean="0">
+                <a:ln>
+                  <a:noFill/>
+                </a:ln>
+                <a:solidFill>
+                  <a:srgbClr val="999999"/>
+                </a:solidFill>
+                <a:effectLst/>
+                <a:latin typeface="Consolas" panose="020B0609020204030204" pitchFamily="49" charset="0"/>
+                <a:cs typeface="Consolas" panose="020B0609020204030204" pitchFamily="49" charset="0"/>
+              </a:rPr>
+              <a:t>;</a:t>
+            </a:r>
+            <a:r>
+              <a:rPr kumimoji="0" lang="en-US" altLang="en-US" b="0" i="0" u="none" strike="noStrike" cap="none" normalizeH="0" baseline="0" dirty="0" smtClean="0">
+                <a:ln>
+                  <a:noFill/>
+                </a:ln>
+                <a:solidFill>
+                  <a:srgbClr val="000000"/>
+                </a:solidFill>
+                <a:effectLst/>
+                <a:latin typeface="Consolas" panose="020B0609020204030204" pitchFamily="49" charset="0"/>
+                <a:cs typeface="Consolas" panose="020B0609020204030204" pitchFamily="49" charset="0"/>
+              </a:rPr>
+              <a:t> </a:t>
+            </a:r>
+          </a:p>
+          <a:p>
+            <a:pPr marL="0" marR="0" lvl="0" indent="0" algn="l" defTabSz="914400" rtl="0" eaLnBrk="0" fontAlgn="base" latinLnBrk="0" hangingPunct="0">
+              <a:lnSpc>
+                <a:spcPct val="100000"/>
+              </a:lnSpc>
+              <a:spcBef>
+                <a:spcPct val="0"/>
+              </a:spcBef>
+              <a:spcAft>
+                <a:spcPct val="0"/>
+              </a:spcAft>
+              <a:buClrTx/>
+              <a:buSzTx/>
+              <a:buFontTx/>
+              <a:buNone/>
+              <a:tabLst/>
+            </a:pPr>
+            <a:r>
+              <a:rPr kumimoji="0" lang="en-US" altLang="en-US" b="0" i="0" u="none" strike="noStrike" cap="none" normalizeH="0" baseline="0" dirty="0" smtClean="0">
+                <a:ln>
+                  <a:noFill/>
+                </a:ln>
+                <a:solidFill>
+                  <a:srgbClr val="999999"/>
+                </a:solidFill>
+                <a:effectLst/>
+                <a:latin typeface="Consolas" panose="020B0609020204030204" pitchFamily="49" charset="0"/>
+                <a:cs typeface="Consolas" panose="020B0609020204030204" pitchFamily="49" charset="0"/>
+              </a:rPr>
+              <a:t>(</a:t>
+            </a:r>
+            <a:r>
+              <a:rPr kumimoji="0" lang="en-US" altLang="en-US" b="0" i="0" u="none" strike="noStrike" cap="none" normalizeH="0" baseline="0" dirty="0" smtClean="0">
+                <a:ln>
+                  <a:noFill/>
+                </a:ln>
+                <a:solidFill>
+                  <a:srgbClr val="0077AA"/>
+                </a:solidFill>
+                <a:effectLst/>
+                <a:latin typeface="Consolas" panose="020B0609020204030204" pitchFamily="49" charset="0"/>
+                <a:cs typeface="Consolas" panose="020B0609020204030204" pitchFamily="49" charset="0"/>
+              </a:rPr>
+              <a:t>function</a:t>
+            </a:r>
+            <a:r>
+              <a:rPr kumimoji="0" lang="en-US" altLang="en-US" b="0" i="0" u="none" strike="noStrike" cap="none" normalizeH="0" baseline="0" dirty="0" smtClean="0">
+                <a:ln>
+                  <a:noFill/>
+                </a:ln>
+                <a:solidFill>
+                  <a:srgbClr val="999999"/>
+                </a:solidFill>
+                <a:effectLst/>
+                <a:latin typeface="Consolas" panose="020B0609020204030204" pitchFamily="49" charset="0"/>
+                <a:cs typeface="Consolas" panose="020B0609020204030204" pitchFamily="49" charset="0"/>
+              </a:rPr>
+              <a:t>(</a:t>
+            </a:r>
+            <a:r>
+              <a:rPr kumimoji="0" lang="en-US" altLang="en-US" b="0" i="0" u="none" strike="noStrike" cap="none" normalizeH="0" baseline="0" dirty="0" smtClean="0">
+                <a:ln>
+                  <a:noFill/>
+                </a:ln>
+                <a:solidFill>
+                  <a:srgbClr val="000000"/>
+                </a:solidFill>
+                <a:effectLst/>
+                <a:latin typeface="Consolas" panose="020B0609020204030204" pitchFamily="49" charset="0"/>
+                <a:cs typeface="Consolas" panose="020B0609020204030204" pitchFamily="49" charset="0"/>
+              </a:rPr>
+              <a:t>a </a:t>
+            </a:r>
+            <a:r>
+              <a:rPr kumimoji="0" lang="en-US" altLang="en-US" b="0" i="0" u="none" strike="noStrike" cap="none" normalizeH="0" baseline="0" dirty="0" smtClean="0">
+                <a:ln>
+                  <a:noFill/>
+                </a:ln>
+                <a:solidFill>
+                  <a:srgbClr val="A67F59"/>
+                </a:solidFill>
+                <a:effectLst/>
+                <a:latin typeface="Consolas" panose="020B0609020204030204" pitchFamily="49" charset="0"/>
+                <a:cs typeface="Consolas" panose="020B0609020204030204" pitchFamily="49" charset="0"/>
+              </a:rPr>
+              <a:t>=</a:t>
+            </a:r>
+            <a:r>
+              <a:rPr kumimoji="0" lang="en-US" altLang="en-US" b="0" i="0" u="none" strike="noStrike" cap="none" normalizeH="0" baseline="0" dirty="0" smtClean="0">
+                <a:ln>
+                  <a:noFill/>
+                </a:ln>
+                <a:solidFill>
+                  <a:srgbClr val="000000"/>
+                </a:solidFill>
+                <a:effectLst/>
+                <a:latin typeface="Consolas" panose="020B0609020204030204" pitchFamily="49" charset="0"/>
+                <a:cs typeface="Consolas" panose="020B0609020204030204" pitchFamily="49" charset="0"/>
+              </a:rPr>
+              <a:t> b</a:t>
+            </a:r>
+            <a:r>
+              <a:rPr kumimoji="0" lang="en-US" altLang="en-US" b="0" i="0" u="none" strike="noStrike" cap="none" normalizeH="0" baseline="0" dirty="0" smtClean="0">
+                <a:ln>
+                  <a:noFill/>
+                </a:ln>
+                <a:solidFill>
+                  <a:srgbClr val="999999"/>
+                </a:solidFill>
+                <a:effectLst/>
+                <a:latin typeface="Consolas" panose="020B0609020204030204" pitchFamily="49" charset="0"/>
+                <a:cs typeface="Consolas" panose="020B0609020204030204" pitchFamily="49" charset="0"/>
+              </a:rPr>
+              <a:t>,</a:t>
+            </a:r>
+            <a:r>
+              <a:rPr kumimoji="0" lang="en-US" altLang="en-US" b="0" i="0" u="none" strike="noStrike" cap="none" normalizeH="0" baseline="0" dirty="0" smtClean="0">
+                <a:ln>
+                  <a:noFill/>
+                </a:ln>
+                <a:solidFill>
+                  <a:srgbClr val="000000"/>
+                </a:solidFill>
+                <a:effectLst/>
+                <a:latin typeface="Consolas" panose="020B0609020204030204" pitchFamily="49" charset="0"/>
+                <a:cs typeface="Consolas" panose="020B0609020204030204" pitchFamily="49" charset="0"/>
+              </a:rPr>
+              <a:t> b</a:t>
+            </a:r>
+            <a:r>
+              <a:rPr kumimoji="0" lang="en-US" altLang="en-US" b="0" i="0" u="none" strike="noStrike" cap="none" normalizeH="0" baseline="0" dirty="0" smtClean="0">
+                <a:ln>
+                  <a:noFill/>
+                </a:ln>
+                <a:solidFill>
+                  <a:srgbClr val="999999"/>
+                </a:solidFill>
+                <a:effectLst/>
+                <a:latin typeface="Consolas" panose="020B0609020204030204" pitchFamily="49" charset="0"/>
+                <a:cs typeface="Consolas" panose="020B0609020204030204" pitchFamily="49" charset="0"/>
+              </a:rPr>
+              <a:t>)</a:t>
+            </a:r>
+            <a:r>
+              <a:rPr kumimoji="0" lang="en-US" altLang="en-US" b="0" i="0" u="none" strike="noStrike" cap="none" normalizeH="0" baseline="0" dirty="0" smtClean="0">
+                <a:ln>
+                  <a:noFill/>
+                </a:ln>
+                <a:solidFill>
+                  <a:srgbClr val="000000"/>
+                </a:solidFill>
+                <a:effectLst/>
+                <a:latin typeface="Consolas" panose="020B0609020204030204" pitchFamily="49" charset="0"/>
+                <a:cs typeface="Consolas" panose="020B0609020204030204" pitchFamily="49" charset="0"/>
+              </a:rPr>
+              <a:t> </a:t>
+            </a:r>
+            <a:r>
+              <a:rPr kumimoji="0" lang="en-US" altLang="en-US" b="0" i="0" u="none" strike="noStrike" cap="none" normalizeH="0" baseline="0" dirty="0" smtClean="0">
+                <a:ln>
+                  <a:noFill/>
+                </a:ln>
+                <a:solidFill>
+                  <a:srgbClr val="999999"/>
+                </a:solidFill>
+                <a:effectLst/>
+                <a:latin typeface="Consolas" panose="020B0609020204030204" pitchFamily="49" charset="0"/>
+                <a:cs typeface="Consolas" panose="020B0609020204030204" pitchFamily="49" charset="0"/>
+              </a:rPr>
+              <a:t>{</a:t>
+            </a:r>
+          </a:p>
+          <a:p>
+            <a:pPr marL="0" marR="0" lvl="0" indent="0" algn="l" defTabSz="914400" rtl="0" eaLnBrk="0" fontAlgn="base" latinLnBrk="0" hangingPunct="0">
+              <a:lnSpc>
+                <a:spcPct val="100000"/>
+              </a:lnSpc>
+              <a:spcBef>
+                <a:spcPct val="0"/>
+              </a:spcBef>
+              <a:spcAft>
+                <a:spcPct val="0"/>
+              </a:spcAft>
+              <a:buClrTx/>
+              <a:buSzTx/>
+              <a:buFontTx/>
+              <a:buNone/>
+              <a:tabLst/>
+            </a:pPr>
+            <a:r>
+              <a:rPr lang="en-US" altLang="en-US" dirty="0">
+                <a:solidFill>
+                  <a:srgbClr val="000000"/>
+                </a:solidFill>
+                <a:latin typeface="Consolas" panose="020B0609020204030204" pitchFamily="49" charset="0"/>
+                <a:cs typeface="Consolas" panose="020B0609020204030204" pitchFamily="49" charset="0"/>
+              </a:rPr>
+              <a:t>	</a:t>
+            </a:r>
+            <a:r>
+              <a:rPr kumimoji="0" lang="en-US" altLang="en-US" b="0" i="0" u="none" strike="noStrike" cap="none" normalizeH="0" baseline="0" dirty="0" smtClean="0">
+                <a:ln>
+                  <a:noFill/>
+                </a:ln>
+                <a:solidFill>
+                  <a:srgbClr val="000000"/>
+                </a:solidFill>
+                <a:effectLst/>
+                <a:latin typeface="Consolas" panose="020B0609020204030204" pitchFamily="49" charset="0"/>
+                <a:cs typeface="Consolas" panose="020B0609020204030204" pitchFamily="49" charset="0"/>
+              </a:rPr>
+              <a:t>console</a:t>
+            </a:r>
+            <a:r>
+              <a:rPr kumimoji="0" lang="en-US" altLang="en-US" b="0" i="0" u="none" strike="noStrike" cap="none" normalizeH="0" baseline="0" dirty="0" smtClean="0">
+                <a:ln>
+                  <a:noFill/>
+                </a:ln>
+                <a:solidFill>
+                  <a:srgbClr val="999999"/>
+                </a:solidFill>
+                <a:effectLst/>
+                <a:latin typeface="Consolas" panose="020B0609020204030204" pitchFamily="49" charset="0"/>
+                <a:cs typeface="Consolas" panose="020B0609020204030204" pitchFamily="49" charset="0"/>
+              </a:rPr>
+              <a:t>.</a:t>
+            </a:r>
+            <a:r>
+              <a:rPr kumimoji="0" lang="en-US" altLang="en-US" b="0" i="0" u="none" strike="noStrike" cap="none" normalizeH="0" baseline="0" dirty="0" smtClean="0">
+                <a:ln>
+                  <a:noFill/>
+                </a:ln>
+                <a:solidFill>
+                  <a:srgbClr val="DD4A68"/>
+                </a:solidFill>
+                <a:effectLst/>
+                <a:latin typeface="Consolas" panose="020B0609020204030204" pitchFamily="49" charset="0"/>
+                <a:cs typeface="Consolas" panose="020B0609020204030204" pitchFamily="49" charset="0"/>
+              </a:rPr>
+              <a:t>log</a:t>
+            </a:r>
+            <a:r>
+              <a:rPr kumimoji="0" lang="en-US" altLang="en-US" b="0" i="0" u="none" strike="noStrike" cap="none" normalizeH="0" baseline="0" dirty="0" smtClean="0">
+                <a:ln>
+                  <a:noFill/>
+                </a:ln>
+                <a:solidFill>
+                  <a:srgbClr val="999999"/>
+                </a:solidFill>
+                <a:effectLst/>
+                <a:latin typeface="Consolas" panose="020B0609020204030204" pitchFamily="49" charset="0"/>
+                <a:cs typeface="Consolas" panose="020B0609020204030204" pitchFamily="49" charset="0"/>
+              </a:rPr>
+              <a:t>(</a:t>
+            </a:r>
+            <a:r>
+              <a:rPr kumimoji="0" lang="en-US" altLang="en-US" b="0" i="0" u="none" strike="noStrike" cap="none" normalizeH="0" baseline="0" dirty="0" smtClean="0">
+                <a:ln>
+                  <a:noFill/>
+                </a:ln>
+                <a:solidFill>
+                  <a:srgbClr val="000000"/>
+                </a:solidFill>
+                <a:effectLst/>
+                <a:latin typeface="Consolas" panose="020B0609020204030204" pitchFamily="49" charset="0"/>
+                <a:cs typeface="Consolas" panose="020B0609020204030204" pitchFamily="49" charset="0"/>
+              </a:rPr>
+              <a:t>a</a:t>
+            </a:r>
+            <a:r>
+              <a:rPr kumimoji="0" lang="en-US" altLang="en-US" b="0" i="0" u="none" strike="noStrike" cap="none" normalizeH="0" baseline="0" dirty="0" smtClean="0">
+                <a:ln>
+                  <a:noFill/>
+                </a:ln>
+                <a:solidFill>
+                  <a:srgbClr val="999999"/>
+                </a:solidFill>
+                <a:effectLst/>
+                <a:latin typeface="Consolas" panose="020B0609020204030204" pitchFamily="49" charset="0"/>
+                <a:cs typeface="Consolas" panose="020B0609020204030204" pitchFamily="49" charset="0"/>
+              </a:rPr>
+              <a:t>,</a:t>
+            </a:r>
+            <a:r>
+              <a:rPr kumimoji="0" lang="en-US" altLang="en-US" b="0" i="0" u="none" strike="noStrike" cap="none" normalizeH="0" baseline="0" dirty="0" smtClean="0">
+                <a:ln>
+                  <a:noFill/>
+                </a:ln>
+                <a:solidFill>
+                  <a:srgbClr val="000000"/>
+                </a:solidFill>
+                <a:effectLst/>
+                <a:latin typeface="Consolas" panose="020B0609020204030204" pitchFamily="49" charset="0"/>
+                <a:cs typeface="Consolas" panose="020B0609020204030204" pitchFamily="49" charset="0"/>
+              </a:rPr>
+              <a:t> b</a:t>
+            </a:r>
+            <a:r>
+              <a:rPr kumimoji="0" lang="en-US" altLang="en-US" b="0" i="0" u="none" strike="noStrike" cap="none" normalizeH="0" baseline="0" dirty="0" smtClean="0">
+                <a:ln>
+                  <a:noFill/>
+                </a:ln>
+                <a:solidFill>
+                  <a:srgbClr val="999999"/>
+                </a:solidFill>
+                <a:effectLst/>
+                <a:latin typeface="Consolas" panose="020B0609020204030204" pitchFamily="49" charset="0"/>
+                <a:cs typeface="Consolas" panose="020B0609020204030204" pitchFamily="49" charset="0"/>
+              </a:rPr>
+              <a:t>);</a:t>
+            </a:r>
+          </a:p>
+          <a:p>
+            <a:pPr marL="0" marR="0" lvl="0" indent="0" algn="l" defTabSz="914400" rtl="0" eaLnBrk="0" fontAlgn="base" latinLnBrk="0" hangingPunct="0">
+              <a:lnSpc>
+                <a:spcPct val="100000"/>
+              </a:lnSpc>
+              <a:spcBef>
+                <a:spcPct val="0"/>
+              </a:spcBef>
+              <a:spcAft>
+                <a:spcPct val="0"/>
+              </a:spcAft>
+              <a:buClrTx/>
+              <a:buSzTx/>
+              <a:buFontTx/>
+              <a:buNone/>
+              <a:tabLst/>
+            </a:pPr>
+            <a:r>
+              <a:rPr kumimoji="0" lang="en-US" altLang="en-US" b="0" i="0" u="none" strike="noStrike" cap="none" normalizeH="0" baseline="0" dirty="0" smtClean="0">
+                <a:ln>
+                  <a:noFill/>
+                </a:ln>
+                <a:solidFill>
+                  <a:srgbClr val="999999"/>
+                </a:solidFill>
+                <a:effectLst/>
+                <a:latin typeface="Consolas" panose="020B0609020204030204" pitchFamily="49" charset="0"/>
+                <a:cs typeface="Consolas" panose="020B0609020204030204" pitchFamily="49" charset="0"/>
+              </a:rPr>
+              <a:t>}(</a:t>
+            </a:r>
+            <a:r>
+              <a:rPr kumimoji="0" lang="en-US" altLang="en-US" b="0" i="0" u="none" strike="noStrike" cap="none" normalizeH="0" baseline="0" dirty="0" smtClean="0">
+                <a:ln>
+                  <a:noFill/>
+                </a:ln>
+                <a:solidFill>
+                  <a:srgbClr val="000000"/>
+                </a:solidFill>
+                <a:effectLst/>
+                <a:latin typeface="Consolas" panose="020B0609020204030204" pitchFamily="49" charset="0"/>
+                <a:cs typeface="Consolas" panose="020B0609020204030204" pitchFamily="49" charset="0"/>
+              </a:rPr>
+              <a:t>undefined</a:t>
+            </a:r>
+            <a:r>
+              <a:rPr kumimoji="0" lang="en-US" altLang="en-US" b="0" i="0" u="none" strike="noStrike" cap="none" normalizeH="0" baseline="0" dirty="0" smtClean="0">
+                <a:ln>
+                  <a:noFill/>
+                </a:ln>
+                <a:solidFill>
+                  <a:srgbClr val="999999"/>
+                </a:solidFill>
+                <a:effectLst/>
+                <a:latin typeface="Consolas" panose="020B0609020204030204" pitchFamily="49" charset="0"/>
+                <a:cs typeface="Consolas" panose="020B0609020204030204" pitchFamily="49" charset="0"/>
+              </a:rPr>
+              <a:t>,</a:t>
+            </a:r>
+            <a:r>
+              <a:rPr kumimoji="0" lang="en-US" altLang="en-US" b="0" i="0" u="none" strike="noStrike" cap="none" normalizeH="0" baseline="0" dirty="0" smtClean="0">
+                <a:ln>
+                  <a:noFill/>
+                </a:ln>
+                <a:solidFill>
+                  <a:srgbClr val="000000"/>
+                </a:solidFill>
+                <a:effectLst/>
+                <a:latin typeface="Consolas" panose="020B0609020204030204" pitchFamily="49" charset="0"/>
+                <a:cs typeface="Consolas" panose="020B0609020204030204" pitchFamily="49" charset="0"/>
+              </a:rPr>
+              <a:t> </a:t>
+            </a:r>
+            <a:r>
+              <a:rPr kumimoji="0" lang="en-US" altLang="en-US" b="0" i="0" u="none" strike="noStrike" cap="none" normalizeH="0" baseline="0" dirty="0" smtClean="0">
+                <a:ln>
+                  <a:noFill/>
+                </a:ln>
+                <a:solidFill>
+                  <a:srgbClr val="990055"/>
+                </a:solidFill>
+                <a:effectLst/>
+                <a:latin typeface="Consolas" panose="020B0609020204030204" pitchFamily="49" charset="0"/>
+                <a:cs typeface="Consolas" panose="020B0609020204030204" pitchFamily="49" charset="0"/>
+              </a:rPr>
+              <a:t>2</a:t>
+            </a:r>
+            <a:r>
+              <a:rPr kumimoji="0" lang="en-US" altLang="en-US" b="0" i="0" u="none" strike="noStrike" cap="none" normalizeH="0" baseline="0" dirty="0" smtClean="0">
+                <a:ln>
+                  <a:noFill/>
+                </a:ln>
+                <a:solidFill>
+                  <a:srgbClr val="999999"/>
+                </a:solidFill>
+                <a:effectLst/>
+                <a:latin typeface="Consolas" panose="020B0609020204030204" pitchFamily="49" charset="0"/>
+                <a:cs typeface="Consolas" panose="020B0609020204030204" pitchFamily="49" charset="0"/>
+              </a:rPr>
+              <a:t>));</a:t>
+            </a:r>
+            <a:r>
+              <a:rPr kumimoji="0" lang="en-US" altLang="en-US" sz="2400" b="0" i="0" u="none" strike="noStrike" cap="none" normalizeH="0" baseline="0" dirty="0" smtClean="0">
+                <a:ln>
+                  <a:noFill/>
+                </a:ln>
+                <a:solidFill>
+                  <a:schemeClr val="tx1"/>
+                </a:solidFill>
+                <a:effectLst/>
+              </a:rPr>
+              <a:t> </a:t>
+            </a:r>
+            <a:endParaRPr kumimoji="0" lang="en-US" altLang="en-US" sz="5400" b="0" i="0" u="none" strike="noStrike" cap="none" normalizeH="0" baseline="0" dirty="0" smtClean="0">
+              <a:ln>
+                <a:noFill/>
+              </a:ln>
+              <a:solidFill>
+                <a:schemeClr val="tx1"/>
+              </a:solidFill>
+              <a:effectLst/>
+              <a:latin typeface="Arial" panose="020B0604020202020204" pitchFamily="34" charset="0"/>
+            </a:endParaRPr>
+          </a:p>
+        </p:txBody>
+      </p:sp>
+    </p:spTree>
+    <p:extLst>
+      <p:ext uri="{BB962C8B-B14F-4D97-AF65-F5344CB8AC3E}">
+        <p14:creationId xmlns:p14="http://schemas.microsoft.com/office/powerpoint/2010/main" val="3234375480"/>
       </p:ext>
     </p:extLst>
   </p:cSld>

--- a/es6/es6.pptx
+++ b/es6/es6.pptx
@@ -26,12 +26,22 @@
     <p:sldId id="275" r:id="rId20"/>
     <p:sldId id="276" r:id="rId21"/>
     <p:sldId id="277" r:id="rId22"/>
-    <p:sldId id="278" r:id="rId23"/>
-    <p:sldId id="279" r:id="rId24"/>
-    <p:sldId id="280" r:id="rId25"/>
-    <p:sldId id="281" r:id="rId26"/>
-    <p:sldId id="282" r:id="rId27"/>
-    <p:sldId id="283" r:id="rId28"/>
+    <p:sldId id="285" r:id="rId23"/>
+    <p:sldId id="286" r:id="rId24"/>
+    <p:sldId id="287" r:id="rId25"/>
+    <p:sldId id="288" r:id="rId26"/>
+    <p:sldId id="289" r:id="rId27"/>
+    <p:sldId id="290" r:id="rId28"/>
+    <p:sldId id="291" r:id="rId29"/>
+    <p:sldId id="278" r:id="rId30"/>
+    <p:sldId id="279" r:id="rId31"/>
+    <p:sldId id="280" r:id="rId32"/>
+    <p:sldId id="281" r:id="rId33"/>
+    <p:sldId id="282" r:id="rId34"/>
+    <p:sldId id="283" r:id="rId35"/>
+    <p:sldId id="292" r:id="rId36"/>
+    <p:sldId id="293" r:id="rId37"/>
+    <p:sldId id="284" r:id="rId38"/>
   </p:sldIdLst>
   <p:sldSz cx="12192000" cy="6858000"/>
   <p:notesSz cx="6858000" cy="9144000"/>
@@ -6857,376 +6867,166 @@
           <a:p>
             <a:r>
               <a:rPr lang="en-US" dirty="0" smtClean="0"/>
-              <a:t>ES6 - </a:t>
+              <a:t>Problem with scope</a:t>
+            </a:r>
+            <a:endParaRPr lang="en-US" dirty="0"/>
+          </a:p>
+        </p:txBody>
+      </p:sp>
+      <p:sp>
+        <p:nvSpPr>
+          <p:cNvPr id="3" name="Content Placeholder 2"/>
+          <p:cNvSpPr>
+            <a:spLocks noGrp="1"/>
+          </p:cNvSpPr>
+          <p:nvPr>
+            <p:ph idx="1"/>
+          </p:nvPr>
+        </p:nvSpPr>
+        <p:spPr/>
+        <p:txBody>
+          <a:bodyPr/>
+          <a:lstStyle/>
+          <a:p>
+            <a:pPr marL="0" indent="0">
+              <a:buNone/>
+            </a:pPr>
+            <a:r>
+              <a:rPr lang="en-US" b="1" dirty="0"/>
+              <a:t>function</a:t>
             </a:r>
             <a:r>
               <a:rPr lang="en-US" dirty="0"/>
-              <a:t>Temporal Dead </a:t>
+              <a:t> </a:t>
+            </a:r>
+            <a:r>
+              <a:rPr lang="en-US" b="1" dirty="0" err="1"/>
+              <a:t>runTowerExperiment</a:t>
+            </a:r>
+            <a:r>
+              <a:rPr lang="en-US" dirty="0"/>
+              <a:t>(tower, </a:t>
+            </a:r>
+            <a:r>
+              <a:rPr lang="en-US" dirty="0" err="1"/>
+              <a:t>startTime</a:t>
+            </a:r>
+            <a:r>
+              <a:rPr lang="en-US" dirty="0"/>
+              <a:t>) { </a:t>
+            </a:r>
+            <a:endParaRPr lang="en-US" dirty="0" smtClean="0"/>
+          </a:p>
+          <a:p>
+            <a:pPr marL="457200" lvl="1" indent="0">
+              <a:buNone/>
+            </a:pPr>
+            <a:r>
+              <a:rPr lang="en-US" b="1" dirty="0" err="1" smtClean="0"/>
+              <a:t>var</a:t>
             </a:r>
             <a:r>
               <a:rPr lang="en-US" dirty="0" smtClean="0"/>
-              <a:t>Zone</a:t>
+              <a:t> </a:t>
+            </a:r>
+            <a:r>
+              <a:rPr lang="en-US" dirty="0"/>
+              <a:t>t = </a:t>
+            </a:r>
+            <a:r>
+              <a:rPr lang="en-US" dirty="0" err="1"/>
+              <a:t>startTime</a:t>
+            </a:r>
+            <a:r>
+              <a:rPr lang="en-US" dirty="0"/>
+              <a:t>; </a:t>
+            </a:r>
+            <a:endParaRPr lang="en-US" dirty="0" smtClean="0"/>
+          </a:p>
+          <a:p>
+            <a:pPr marL="457200" lvl="1" indent="0">
+              <a:buNone/>
+            </a:pPr>
+            <a:r>
+              <a:rPr lang="en-US" dirty="0" err="1" smtClean="0"/>
+              <a:t>tower.on</a:t>
+            </a:r>
+            <a:r>
+              <a:rPr lang="en-US" dirty="0"/>
+              <a:t>("tick", </a:t>
+            </a:r>
+            <a:r>
+              <a:rPr lang="en-US" b="1" dirty="0"/>
+              <a:t>function</a:t>
+            </a:r>
+            <a:r>
+              <a:rPr lang="en-US" dirty="0"/>
+              <a:t> () </a:t>
+            </a:r>
+            <a:r>
+              <a:rPr lang="en-US" dirty="0" smtClean="0"/>
+              <a:t>{</a:t>
+            </a:r>
+          </a:p>
+          <a:p>
+            <a:pPr marL="457200" lvl="1" indent="0">
+              <a:buNone/>
+            </a:pPr>
+            <a:r>
+              <a:rPr lang="en-US" dirty="0" smtClean="0"/>
+              <a:t> </a:t>
+            </a:r>
+            <a:r>
+              <a:rPr lang="en-US" dirty="0"/>
+              <a:t>... code that uses t ... </a:t>
+            </a:r>
+            <a:endParaRPr lang="en-US" dirty="0" smtClean="0"/>
+          </a:p>
+          <a:p>
+            <a:pPr marL="457200" lvl="1" indent="0">
+              <a:buNone/>
+            </a:pPr>
+            <a:r>
+              <a:rPr lang="en-US" dirty="0" smtClean="0"/>
+              <a:t>}); </a:t>
+            </a:r>
+          </a:p>
+          <a:p>
+            <a:pPr marL="457200" lvl="1" indent="0">
+              <a:buNone/>
+            </a:pPr>
+            <a:r>
+              <a:rPr lang="en-US" dirty="0" smtClean="0"/>
+              <a:t>... </a:t>
+            </a:r>
+            <a:r>
+              <a:rPr lang="en-US" dirty="0"/>
+              <a:t>more code ... </a:t>
+            </a:r>
+            <a:endParaRPr lang="en-US" dirty="0" smtClean="0"/>
+          </a:p>
+          <a:p>
+            <a:pPr marL="0" indent="0">
+              <a:buNone/>
+            </a:pPr>
+            <a:r>
+              <a:rPr lang="en-US" dirty="0" smtClean="0"/>
+              <a:t>}</a:t>
             </a:r>
             <a:endParaRPr lang="en-US" dirty="0"/>
-          </a:p>
-        </p:txBody>
-      </p:sp>
-      <p:sp>
-        <p:nvSpPr>
-          <p:cNvPr id="4" name="Rectangle 1"/>
-          <p:cNvSpPr>
-            <a:spLocks noGrp="1" noChangeArrowheads="1"/>
-          </p:cNvSpPr>
-          <p:nvPr>
-            <p:ph idx="1"/>
-          </p:nvPr>
-        </p:nvSpPr>
-        <p:spPr bwMode="auto">
-          <a:xfrm>
-            <a:off x="760141" y="1567579"/>
-            <a:ext cx="5445401" cy="553998"/>
-          </a:xfrm>
-          <a:prstGeom prst="rect">
-            <a:avLst/>
-          </a:prstGeom>
-          <a:solidFill>
-            <a:srgbClr val="F5F2F0"/>
-          </a:solidFill>
-          <a:ln>
-            <a:noFill/>
-          </a:ln>
-          <a:effectLst/>
-          <a:extLst>
-            <a:ext uri="{91240B29-F687-4F45-9708-019B960494DF}">
-              <a14:hiddenLine xmlns:a14="http://schemas.microsoft.com/office/drawing/2010/main" w="9525">
-                <a:solidFill>
-                  <a:schemeClr val="tx1"/>
-                </a:solidFill>
-                <a:miter lim="800000"/>
-                <a:headEnd/>
-                <a:tailEnd/>
-              </a14:hiddenLine>
-            </a:ext>
-            <a:ext uri="{AF507438-7753-43E0-B8FC-AC1667EBCBE1}">
-              <a14:hiddenEffects xmlns:a14="http://schemas.microsoft.com/office/drawing/2010/main">
-                <a:effectLst>
-                  <a:outerShdw dist="35921" dir="2700000" algn="ctr" rotWithShape="0">
-                    <a:schemeClr val="bg2"/>
-                  </a:outerShdw>
-                </a:effectLst>
-              </a14:hiddenEffects>
-            </a:ext>
-          </a:extLst>
-        </p:spPr>
-        <p:txBody>
-          <a:bodyPr vert="horz" wrap="none" lIns="0" tIns="0" rIns="0" bIns="0" numCol="1" anchor="ctr" anchorCtr="0" compatLnSpc="1">
-            <a:prstTxWarp prst="textNoShape">
-              <a:avLst/>
-            </a:prstTxWarp>
-            <a:spAutoFit/>
-          </a:bodyPr>
-          <a:lstStyle/>
-          <a:p>
-            <a:pPr marL="0" marR="0" lvl="0" indent="0" algn="l" defTabSz="914400" rtl="0" eaLnBrk="0" fontAlgn="base" latinLnBrk="0" hangingPunct="0">
-              <a:lnSpc>
-                <a:spcPct val="100000"/>
-              </a:lnSpc>
-              <a:spcBef>
-                <a:spcPct val="0"/>
-              </a:spcBef>
-              <a:spcAft>
-                <a:spcPct val="0"/>
-              </a:spcAft>
-              <a:buClrTx/>
-              <a:buSzTx/>
-              <a:buFontTx/>
-              <a:buNone/>
-              <a:tabLst/>
-            </a:pPr>
-            <a:r>
-              <a:rPr kumimoji="0" lang="en-US" altLang="en-US" sz="1800" b="0" i="0" u="none" strike="noStrike" cap="none" normalizeH="0" baseline="0" dirty="0" smtClean="0">
-                <a:ln>
-                  <a:noFill/>
-                </a:ln>
-                <a:solidFill>
-                  <a:srgbClr val="000000"/>
-                </a:solidFill>
-                <a:effectLst/>
-                <a:latin typeface="Consolas" panose="020B0609020204030204" pitchFamily="49" charset="0"/>
-                <a:cs typeface="Consolas" panose="020B0609020204030204" pitchFamily="49" charset="0"/>
-              </a:rPr>
-              <a:t>console</a:t>
-            </a:r>
-            <a:r>
-              <a:rPr kumimoji="0" lang="en-US" altLang="en-US" sz="1800" b="0" i="0" u="none" strike="noStrike" cap="none" normalizeH="0" baseline="0" dirty="0" smtClean="0">
-                <a:ln>
-                  <a:noFill/>
-                </a:ln>
-                <a:solidFill>
-                  <a:srgbClr val="999999"/>
-                </a:solidFill>
-                <a:effectLst/>
-                <a:latin typeface="Consolas" panose="020B0609020204030204" pitchFamily="49" charset="0"/>
-                <a:cs typeface="Consolas" panose="020B0609020204030204" pitchFamily="49" charset="0"/>
-              </a:rPr>
-              <a:t>.</a:t>
-            </a:r>
-            <a:r>
-              <a:rPr kumimoji="0" lang="en-US" altLang="en-US" sz="1800" b="0" i="0" u="none" strike="noStrike" cap="none" normalizeH="0" baseline="0" dirty="0" smtClean="0">
-                <a:ln>
-                  <a:noFill/>
-                </a:ln>
-                <a:solidFill>
-                  <a:srgbClr val="DD4A68"/>
-                </a:solidFill>
-                <a:effectLst/>
-                <a:latin typeface="Consolas" panose="020B0609020204030204" pitchFamily="49" charset="0"/>
-                <a:cs typeface="Consolas" panose="020B0609020204030204" pitchFamily="49" charset="0"/>
-              </a:rPr>
-              <a:t>log</a:t>
-            </a:r>
-            <a:r>
-              <a:rPr kumimoji="0" lang="en-US" altLang="en-US" sz="1800" b="0" i="0" u="none" strike="noStrike" cap="none" normalizeH="0" baseline="0" dirty="0" smtClean="0">
-                <a:ln>
-                  <a:noFill/>
-                </a:ln>
-                <a:solidFill>
-                  <a:srgbClr val="999999"/>
-                </a:solidFill>
-                <a:effectLst/>
-                <a:latin typeface="Consolas" panose="020B0609020204030204" pitchFamily="49" charset="0"/>
-                <a:cs typeface="Consolas" panose="020B0609020204030204" pitchFamily="49" charset="0"/>
-              </a:rPr>
-              <a:t>(</a:t>
-            </a:r>
-            <a:r>
-              <a:rPr kumimoji="0" lang="en-US" altLang="en-US" sz="1800" b="0" i="0" u="none" strike="noStrike" cap="none" normalizeH="0" baseline="0" dirty="0" smtClean="0">
-                <a:ln>
-                  <a:noFill/>
-                </a:ln>
-                <a:solidFill>
-                  <a:srgbClr val="000000"/>
-                </a:solidFill>
-                <a:effectLst/>
-                <a:latin typeface="Consolas" panose="020B0609020204030204" pitchFamily="49" charset="0"/>
-                <a:cs typeface="Consolas" panose="020B0609020204030204" pitchFamily="49" charset="0"/>
-              </a:rPr>
-              <a:t>x</a:t>
-            </a:r>
-            <a:r>
-              <a:rPr kumimoji="0" lang="en-US" altLang="en-US" sz="1800" b="0" i="0" u="none" strike="noStrike" cap="none" normalizeH="0" baseline="0" dirty="0" smtClean="0">
-                <a:ln>
-                  <a:noFill/>
-                </a:ln>
-                <a:solidFill>
-                  <a:srgbClr val="999999"/>
-                </a:solidFill>
-                <a:effectLst/>
-                <a:latin typeface="Consolas" panose="020B0609020204030204" pitchFamily="49" charset="0"/>
-                <a:cs typeface="Consolas" panose="020B0609020204030204" pitchFamily="49" charset="0"/>
-              </a:rPr>
-              <a:t>);</a:t>
-            </a:r>
-            <a:r>
-              <a:rPr kumimoji="0" lang="en-US" altLang="en-US" sz="1800" b="0" i="0" u="none" strike="noStrike" cap="none" normalizeH="0" baseline="0" dirty="0" smtClean="0">
-                <a:ln>
-                  <a:noFill/>
-                </a:ln>
-                <a:solidFill>
-                  <a:srgbClr val="000000"/>
-                </a:solidFill>
-                <a:effectLst/>
-                <a:latin typeface="Consolas" panose="020B0609020204030204" pitchFamily="49" charset="0"/>
-                <a:cs typeface="Consolas" panose="020B0609020204030204" pitchFamily="49" charset="0"/>
-              </a:rPr>
-              <a:t> </a:t>
-            </a:r>
-            <a:r>
-              <a:rPr kumimoji="0" lang="en-US" altLang="en-US" sz="1800" b="0" i="0" u="none" strike="noStrike" cap="none" normalizeH="0" baseline="0" dirty="0" smtClean="0">
-                <a:ln>
-                  <a:noFill/>
-                </a:ln>
-                <a:solidFill>
-                  <a:srgbClr val="708090"/>
-                </a:solidFill>
-                <a:effectLst/>
-                <a:latin typeface="Consolas" panose="020B0609020204030204" pitchFamily="49" charset="0"/>
-                <a:cs typeface="Consolas" panose="020B0609020204030204" pitchFamily="49" charset="0"/>
-              </a:rPr>
-              <a:t>// throws a </a:t>
-            </a:r>
-            <a:r>
-              <a:rPr kumimoji="0" lang="en-US" altLang="en-US" sz="1800" b="0" i="0" u="none" strike="noStrike" cap="none" normalizeH="0" baseline="0" dirty="0" err="1" smtClean="0">
-                <a:ln>
-                  <a:noFill/>
-                </a:ln>
-                <a:solidFill>
-                  <a:srgbClr val="708090"/>
-                </a:solidFill>
-                <a:effectLst/>
-                <a:latin typeface="Consolas" panose="020B0609020204030204" pitchFamily="49" charset="0"/>
-                <a:cs typeface="Consolas" panose="020B0609020204030204" pitchFamily="49" charset="0"/>
-              </a:rPr>
-              <a:t>ReferenceError</a:t>
-            </a:r>
-            <a:r>
-              <a:rPr kumimoji="0" lang="en-US" altLang="en-US" sz="1800" b="0" i="0" u="none" strike="noStrike" cap="none" normalizeH="0" baseline="0" dirty="0" smtClean="0">
-                <a:ln>
-                  <a:noFill/>
-                </a:ln>
-                <a:solidFill>
-                  <a:srgbClr val="708090"/>
-                </a:solidFill>
-                <a:effectLst/>
-                <a:latin typeface="Consolas" panose="020B0609020204030204" pitchFamily="49" charset="0"/>
-                <a:cs typeface="Consolas" panose="020B0609020204030204" pitchFamily="49" charset="0"/>
-              </a:rPr>
-              <a:t> </a:t>
-            </a:r>
-          </a:p>
-          <a:p>
-            <a:pPr marL="0" marR="0" lvl="0" indent="0" algn="l" defTabSz="914400" rtl="0" eaLnBrk="0" fontAlgn="base" latinLnBrk="0" hangingPunct="0">
-              <a:lnSpc>
-                <a:spcPct val="100000"/>
-              </a:lnSpc>
-              <a:spcBef>
-                <a:spcPct val="0"/>
-              </a:spcBef>
-              <a:spcAft>
-                <a:spcPct val="0"/>
-              </a:spcAft>
-              <a:buClrTx/>
-              <a:buSzTx/>
-              <a:buFontTx/>
-              <a:buNone/>
-              <a:tabLst/>
-            </a:pPr>
-            <a:r>
-              <a:rPr kumimoji="0" lang="en-US" altLang="en-US" sz="1800" b="0" i="0" u="none" strike="noStrike" cap="none" normalizeH="0" baseline="0" dirty="0" smtClean="0">
-                <a:ln>
-                  <a:noFill/>
-                </a:ln>
-                <a:solidFill>
-                  <a:srgbClr val="0077AA"/>
-                </a:solidFill>
-                <a:effectLst/>
-                <a:latin typeface="Consolas" panose="020B0609020204030204" pitchFamily="49" charset="0"/>
-                <a:cs typeface="Consolas" panose="020B0609020204030204" pitchFamily="49" charset="0"/>
-              </a:rPr>
-              <a:t>let</a:t>
-            </a:r>
-            <a:r>
-              <a:rPr kumimoji="0" lang="en-US" altLang="en-US" sz="1800" b="0" i="0" u="none" strike="noStrike" cap="none" normalizeH="0" baseline="0" dirty="0" smtClean="0">
-                <a:ln>
-                  <a:noFill/>
-                </a:ln>
-                <a:solidFill>
-                  <a:srgbClr val="000000"/>
-                </a:solidFill>
-                <a:effectLst/>
-                <a:latin typeface="Consolas" panose="020B0609020204030204" pitchFamily="49" charset="0"/>
-                <a:cs typeface="Consolas" panose="020B0609020204030204" pitchFamily="49" charset="0"/>
-              </a:rPr>
-              <a:t> x </a:t>
-            </a:r>
-            <a:r>
-              <a:rPr kumimoji="0" lang="en-US" altLang="en-US" sz="1800" b="0" i="0" u="none" strike="noStrike" cap="none" normalizeH="0" baseline="0" dirty="0" smtClean="0">
-                <a:ln>
-                  <a:noFill/>
-                </a:ln>
-                <a:solidFill>
-                  <a:srgbClr val="A67F59"/>
-                </a:solidFill>
-                <a:effectLst/>
-                <a:latin typeface="Consolas" panose="020B0609020204030204" pitchFamily="49" charset="0"/>
-                <a:cs typeface="Consolas" panose="020B0609020204030204" pitchFamily="49" charset="0"/>
-              </a:rPr>
-              <a:t>=</a:t>
-            </a:r>
-            <a:r>
-              <a:rPr kumimoji="0" lang="en-US" altLang="en-US" sz="1800" b="0" i="0" u="none" strike="noStrike" cap="none" normalizeH="0" baseline="0" dirty="0" smtClean="0">
-                <a:ln>
-                  <a:noFill/>
-                </a:ln>
-                <a:solidFill>
-                  <a:srgbClr val="000000"/>
-                </a:solidFill>
-                <a:effectLst/>
-                <a:latin typeface="Consolas" panose="020B0609020204030204" pitchFamily="49" charset="0"/>
-                <a:cs typeface="Consolas" panose="020B0609020204030204" pitchFamily="49" charset="0"/>
-              </a:rPr>
-              <a:t> </a:t>
-            </a:r>
-            <a:r>
-              <a:rPr kumimoji="0" lang="en-US" altLang="en-US" sz="1800" b="0" i="0" u="none" strike="noStrike" cap="none" normalizeH="0" baseline="0" dirty="0" smtClean="0">
-                <a:ln>
-                  <a:noFill/>
-                </a:ln>
-                <a:solidFill>
-                  <a:srgbClr val="669900"/>
-                </a:solidFill>
-                <a:effectLst/>
-                <a:latin typeface="Consolas" panose="020B0609020204030204" pitchFamily="49" charset="0"/>
-                <a:cs typeface="Consolas" panose="020B0609020204030204" pitchFamily="49" charset="0"/>
-              </a:rPr>
-              <a:t>'hey'</a:t>
-            </a:r>
-            <a:r>
-              <a:rPr kumimoji="0" lang="en-US" altLang="en-US" sz="1800" b="0" i="0" u="none" strike="noStrike" cap="none" normalizeH="0" baseline="0" dirty="0" smtClean="0">
-                <a:ln>
-                  <a:noFill/>
-                </a:ln>
-                <a:solidFill>
-                  <a:srgbClr val="999999"/>
-                </a:solidFill>
-                <a:effectLst/>
-                <a:latin typeface="Consolas" panose="020B0609020204030204" pitchFamily="49" charset="0"/>
-                <a:cs typeface="Consolas" panose="020B0609020204030204" pitchFamily="49" charset="0"/>
-              </a:rPr>
-              <a:t>;</a:t>
-            </a:r>
-            <a:r>
-              <a:rPr kumimoji="0" lang="en-US" altLang="en-US" sz="1600" b="0" i="0" u="none" strike="noStrike" cap="none" normalizeH="0" baseline="0" dirty="0" smtClean="0">
-                <a:ln>
-                  <a:noFill/>
-                </a:ln>
-                <a:solidFill>
-                  <a:schemeClr val="tx1"/>
-                </a:solidFill>
-                <a:effectLst/>
-              </a:rPr>
-              <a:t> </a:t>
-            </a:r>
-            <a:endParaRPr kumimoji="0" lang="en-US" altLang="en-US" sz="4000" b="0" i="0" u="none" strike="noStrike" cap="none" normalizeH="0" baseline="0" dirty="0" smtClean="0">
-              <a:ln>
-                <a:noFill/>
-              </a:ln>
-              <a:solidFill>
-                <a:schemeClr val="tx1"/>
-              </a:solidFill>
-              <a:effectLst/>
-              <a:latin typeface="Arial" panose="020B0604020202020204" pitchFamily="34" charset="0"/>
-            </a:endParaRPr>
           </a:p>
         </p:txBody>
       </p:sp>
     </p:spTree>
     <p:extLst>
       <p:ext uri="{BB962C8B-B14F-4D97-AF65-F5344CB8AC3E}">
-        <p14:creationId xmlns:p14="http://schemas.microsoft.com/office/powerpoint/2010/main" val="1209413913"/>
+        <p14:creationId xmlns:p14="http://schemas.microsoft.com/office/powerpoint/2010/main" val="3224400424"/>
       </p:ext>
     </p:extLst>
   </p:cSld>
   <p:clrMapOvr>
     <a:masterClrMapping/>
   </p:clrMapOvr>
-  <p:timing>
-    <p:tnLst>
-      <p:par>
-        <p:cTn id="1" dur="indefinite" restart="never" nodeType="tmRoot"/>
-      </p:par>
-    </p:tnLst>
-  </p:timing>
 </p:sld>
 </file>
 
@@ -7264,7 +7064,7 @@
           <a:p>
             <a:r>
               <a:rPr lang="en-US" dirty="0" smtClean="0"/>
-              <a:t>Not so simple</a:t>
+              <a:t>One month later…</a:t>
             </a:r>
             <a:endParaRPr lang="en-US" dirty="0"/>
           </a:p>
@@ -7272,586 +7072,33 @@
       </p:sp>
       <p:sp>
         <p:nvSpPr>
-          <p:cNvPr id="4" name="Rectangle 1"/>
-          <p:cNvSpPr>
-            <a:spLocks noGrp="1" noChangeArrowheads="1"/>
+          <p:cNvPr id="3" name="Content Placeholder 2"/>
+          <p:cNvSpPr>
+            <a:spLocks noGrp="1"/>
           </p:cNvSpPr>
           <p:nvPr>
             <p:ph idx="1"/>
           </p:nvPr>
         </p:nvSpPr>
-        <p:spPr bwMode="auto">
-          <a:xfrm>
-            <a:off x="693233" y="1795575"/>
-            <a:ext cx="8841059" cy="1846659"/>
-          </a:xfrm>
-          <a:prstGeom prst="rect">
-            <a:avLst/>
-          </a:prstGeom>
-          <a:solidFill>
-            <a:srgbClr val="F5F2F0"/>
-          </a:solidFill>
-          <a:ln>
-            <a:noFill/>
-          </a:ln>
-          <a:effectLst/>
-          <a:extLst>
-            <a:ext uri="{91240B29-F687-4F45-9708-019B960494DF}">
-              <a14:hiddenLine xmlns:a14="http://schemas.microsoft.com/office/drawing/2010/main" w="9525">
-                <a:solidFill>
-                  <a:schemeClr val="tx1"/>
-                </a:solidFill>
-                <a:miter lim="800000"/>
-                <a:headEnd/>
-                <a:tailEnd/>
-              </a14:hiddenLine>
-            </a:ext>
-            <a:ext uri="{AF507438-7753-43E0-B8FC-AC1667EBCBE1}">
-              <a14:hiddenEffects xmlns:a14="http://schemas.microsoft.com/office/drawing/2010/main">
-                <a:effectLst>
-                  <a:outerShdw dist="35921" dir="2700000" algn="ctr" rotWithShape="0">
-                    <a:schemeClr val="bg2"/>
-                  </a:outerShdw>
-                </a:effectLst>
-              </a14:hiddenEffects>
-            </a:ext>
-          </a:extLst>
-        </p:spPr>
-        <p:txBody>
-          <a:bodyPr vert="horz" wrap="square" lIns="0" tIns="0" rIns="0" bIns="0" numCol="1" anchor="ctr" anchorCtr="0" compatLnSpc="1">
-            <a:prstTxWarp prst="textNoShape">
-              <a:avLst/>
-            </a:prstTxWarp>
-            <a:spAutoFit/>
-          </a:bodyPr>
+        <p:spPr/>
+        <p:txBody>
+          <a:bodyPr/>
           <a:lstStyle/>
           <a:p>
-            <a:pPr marL="0" marR="0" lvl="0" indent="0" algn="l" defTabSz="914400" rtl="0" eaLnBrk="0" fontAlgn="base" latinLnBrk="0" hangingPunct="0">
-              <a:lnSpc>
-                <a:spcPct val="100000"/>
-              </a:lnSpc>
-              <a:spcBef>
-                <a:spcPct val="0"/>
-              </a:spcBef>
-              <a:spcAft>
-                <a:spcPct val="0"/>
-              </a:spcAft>
-              <a:buClrTx/>
-              <a:buSzTx/>
-              <a:buFontTx/>
-              <a:buNone/>
-              <a:tabLst/>
-            </a:pPr>
-            <a:r>
-              <a:rPr kumimoji="0" lang="en-US" altLang="en-US" sz="2400" b="0" i="0" u="none" strike="noStrike" cap="none" normalizeH="0" baseline="0" dirty="0" smtClean="0">
-                <a:ln>
-                  <a:noFill/>
-                </a:ln>
-                <a:solidFill>
-                  <a:srgbClr val="0077AA"/>
-                </a:solidFill>
-                <a:effectLst/>
-                <a:latin typeface="Consolas" panose="020B0609020204030204" pitchFamily="49" charset="0"/>
-                <a:cs typeface="Consolas" panose="020B0609020204030204" pitchFamily="49" charset="0"/>
-              </a:rPr>
-              <a:t>let</a:t>
-            </a:r>
-            <a:r>
-              <a:rPr kumimoji="0" lang="en-US" altLang="en-US" sz="2400" b="0" i="0" u="none" strike="noStrike" cap="none" normalizeH="0" baseline="0" dirty="0" smtClean="0">
-                <a:ln>
-                  <a:noFill/>
-                </a:ln>
-                <a:solidFill>
-                  <a:srgbClr val="000000"/>
-                </a:solidFill>
-                <a:effectLst/>
-                <a:latin typeface="Consolas" panose="020B0609020204030204" pitchFamily="49" charset="0"/>
-                <a:cs typeface="Consolas" panose="020B0609020204030204" pitchFamily="49" charset="0"/>
-              </a:rPr>
-              <a:t> x </a:t>
-            </a:r>
-            <a:r>
-              <a:rPr kumimoji="0" lang="en-US" altLang="en-US" sz="2400" b="0" i="0" u="none" strike="noStrike" cap="none" normalizeH="0" baseline="0" dirty="0" smtClean="0">
-                <a:ln>
-                  <a:noFill/>
-                </a:ln>
-                <a:solidFill>
-                  <a:srgbClr val="A67F59"/>
-                </a:solidFill>
-                <a:effectLst/>
-                <a:latin typeface="Consolas" panose="020B0609020204030204" pitchFamily="49" charset="0"/>
-                <a:cs typeface="Consolas" panose="020B0609020204030204" pitchFamily="49" charset="0"/>
-              </a:rPr>
-              <a:t>=</a:t>
-            </a:r>
-            <a:r>
-              <a:rPr kumimoji="0" lang="en-US" altLang="en-US" sz="2400" b="0" i="0" u="none" strike="noStrike" cap="none" normalizeH="0" baseline="0" dirty="0" smtClean="0">
-                <a:ln>
-                  <a:noFill/>
-                </a:ln>
-                <a:solidFill>
-                  <a:srgbClr val="000000"/>
-                </a:solidFill>
-                <a:effectLst/>
-                <a:latin typeface="Consolas" panose="020B0609020204030204" pitchFamily="49" charset="0"/>
-                <a:cs typeface="Consolas" panose="020B0609020204030204" pitchFamily="49" charset="0"/>
-              </a:rPr>
-              <a:t> </a:t>
-            </a:r>
-            <a:r>
-              <a:rPr kumimoji="0" lang="en-US" altLang="en-US" sz="2400" b="0" i="0" u="none" strike="noStrike" cap="none" normalizeH="0" baseline="0" dirty="0" smtClean="0">
-                <a:ln>
-                  <a:noFill/>
-                </a:ln>
-                <a:solidFill>
-                  <a:srgbClr val="669900"/>
-                </a:solidFill>
-                <a:effectLst/>
-                <a:latin typeface="Consolas" panose="020B0609020204030204" pitchFamily="49" charset="0"/>
-                <a:cs typeface="Consolas" panose="020B0609020204030204" pitchFamily="49" charset="0"/>
-              </a:rPr>
-              <a:t>'outer scope'</a:t>
-            </a:r>
-            <a:r>
-              <a:rPr kumimoji="0" lang="en-US" altLang="en-US" sz="2400" b="0" i="0" u="none" strike="noStrike" cap="none" normalizeH="0" baseline="0" dirty="0" smtClean="0">
-                <a:ln>
-                  <a:noFill/>
-                </a:ln>
-                <a:solidFill>
-                  <a:srgbClr val="999999"/>
-                </a:solidFill>
-                <a:effectLst/>
-                <a:latin typeface="Consolas" panose="020B0609020204030204" pitchFamily="49" charset="0"/>
-                <a:cs typeface="Consolas" panose="020B0609020204030204" pitchFamily="49" charset="0"/>
-              </a:rPr>
-              <a:t>;</a:t>
-            </a:r>
-          </a:p>
-          <a:p>
-            <a:pPr marL="0" marR="0" lvl="0" indent="0" algn="l" defTabSz="914400" rtl="0" eaLnBrk="0" fontAlgn="base" latinLnBrk="0" hangingPunct="0">
-              <a:lnSpc>
-                <a:spcPct val="100000"/>
-              </a:lnSpc>
-              <a:spcBef>
-                <a:spcPct val="0"/>
-              </a:spcBef>
-              <a:spcAft>
-                <a:spcPct val="0"/>
-              </a:spcAft>
-              <a:buClrTx/>
-              <a:buSzTx/>
-              <a:buFontTx/>
-              <a:buNone/>
-              <a:tabLst/>
-            </a:pPr>
-            <a:r>
-              <a:rPr kumimoji="0" lang="en-US" altLang="en-US" sz="2400" b="0" i="0" u="none" strike="noStrike" cap="none" normalizeH="0" baseline="0" dirty="0" smtClean="0">
-                <a:ln>
-                  <a:noFill/>
-                </a:ln>
-                <a:solidFill>
-                  <a:srgbClr val="999999"/>
-                </a:solidFill>
-                <a:effectLst/>
-                <a:latin typeface="Consolas" panose="020B0609020204030204" pitchFamily="49" charset="0"/>
-                <a:cs typeface="Consolas" panose="020B0609020204030204" pitchFamily="49" charset="0"/>
-              </a:rPr>
-              <a:t>(</a:t>
-            </a:r>
-            <a:r>
-              <a:rPr kumimoji="0" lang="en-US" altLang="en-US" sz="2400" b="0" i="0" u="none" strike="noStrike" cap="none" normalizeH="0" baseline="0" dirty="0" smtClean="0">
-                <a:ln>
-                  <a:noFill/>
-                </a:ln>
-                <a:solidFill>
-                  <a:srgbClr val="0077AA"/>
-                </a:solidFill>
-                <a:effectLst/>
-                <a:latin typeface="Consolas" panose="020B0609020204030204" pitchFamily="49" charset="0"/>
-                <a:cs typeface="Consolas" panose="020B0609020204030204" pitchFamily="49" charset="0"/>
-              </a:rPr>
-              <a:t>function</a:t>
-            </a:r>
-            <a:r>
-              <a:rPr kumimoji="0" lang="en-US" altLang="en-US" sz="2400" b="0" i="0" u="none" strike="noStrike" cap="none" normalizeH="0" baseline="0" dirty="0" smtClean="0">
-                <a:ln>
-                  <a:noFill/>
-                </a:ln>
-                <a:solidFill>
-                  <a:srgbClr val="999999"/>
-                </a:solidFill>
-                <a:effectLst/>
-                <a:latin typeface="Consolas" panose="020B0609020204030204" pitchFamily="49" charset="0"/>
-                <a:cs typeface="Consolas" panose="020B0609020204030204" pitchFamily="49" charset="0"/>
-              </a:rPr>
-              <a:t>()</a:t>
-            </a:r>
-            <a:r>
-              <a:rPr kumimoji="0" lang="en-US" altLang="en-US" sz="2400" b="0" i="0" u="none" strike="noStrike" cap="none" normalizeH="0" baseline="0" dirty="0" smtClean="0">
-                <a:ln>
-                  <a:noFill/>
-                </a:ln>
-                <a:solidFill>
-                  <a:srgbClr val="000000"/>
-                </a:solidFill>
-                <a:effectLst/>
-                <a:latin typeface="Consolas" panose="020B0609020204030204" pitchFamily="49" charset="0"/>
-                <a:cs typeface="Consolas" panose="020B0609020204030204" pitchFamily="49" charset="0"/>
-              </a:rPr>
-              <a:t> </a:t>
-            </a:r>
-            <a:r>
-              <a:rPr kumimoji="0" lang="en-US" altLang="en-US" sz="2400" b="0" i="0" u="none" strike="noStrike" cap="none" normalizeH="0" baseline="0" dirty="0" smtClean="0">
-                <a:ln>
-                  <a:noFill/>
-                </a:ln>
-                <a:solidFill>
-                  <a:srgbClr val="999999"/>
-                </a:solidFill>
-                <a:effectLst/>
-                <a:latin typeface="Consolas" panose="020B0609020204030204" pitchFamily="49" charset="0"/>
-                <a:cs typeface="Consolas" panose="020B0609020204030204" pitchFamily="49" charset="0"/>
-              </a:rPr>
-              <a:t>{</a:t>
-            </a:r>
-            <a:r>
-              <a:rPr kumimoji="0" lang="en-US" altLang="en-US" sz="2400" b="0" i="0" u="none" strike="noStrike" cap="none" normalizeH="0" baseline="0" dirty="0" smtClean="0">
-                <a:ln>
-                  <a:noFill/>
-                </a:ln>
-                <a:solidFill>
-                  <a:srgbClr val="000000"/>
-                </a:solidFill>
-                <a:effectLst/>
-                <a:latin typeface="Consolas" panose="020B0609020204030204" pitchFamily="49" charset="0"/>
-                <a:cs typeface="Consolas" panose="020B0609020204030204" pitchFamily="49" charset="0"/>
-              </a:rPr>
-              <a:t> \</a:t>
-            </a:r>
-          </a:p>
-          <a:p>
-            <a:pPr marL="0" marR="0" lvl="0" indent="0" algn="l" defTabSz="914400" rtl="0" eaLnBrk="0" fontAlgn="base" latinLnBrk="0" hangingPunct="0">
-              <a:lnSpc>
-                <a:spcPct val="100000"/>
-              </a:lnSpc>
-              <a:spcBef>
-                <a:spcPct val="0"/>
-              </a:spcBef>
-              <a:spcAft>
-                <a:spcPct val="0"/>
-              </a:spcAft>
-              <a:buClrTx/>
-              <a:buSzTx/>
-              <a:buFontTx/>
-              <a:buNone/>
-              <a:tabLst/>
-            </a:pPr>
-            <a:r>
-              <a:rPr kumimoji="0" lang="en-US" altLang="en-US" sz="2400" b="0" i="0" u="none" strike="noStrike" cap="none" normalizeH="0" baseline="0" dirty="0" smtClean="0">
-                <a:ln>
-                  <a:noFill/>
-                </a:ln>
-                <a:solidFill>
-                  <a:srgbClr val="000000"/>
-                </a:solidFill>
-                <a:effectLst/>
-                <a:latin typeface="Consolas" panose="020B0609020204030204" pitchFamily="49" charset="0"/>
-                <a:cs typeface="Consolas" panose="020B0609020204030204" pitchFamily="49" charset="0"/>
-              </a:rPr>
-              <a:t>	console</a:t>
-            </a:r>
-            <a:r>
-              <a:rPr kumimoji="0" lang="en-US" altLang="en-US" sz="2400" b="0" i="0" u="none" strike="noStrike" cap="none" normalizeH="0" baseline="0" dirty="0" smtClean="0">
-                <a:ln>
-                  <a:noFill/>
-                </a:ln>
-                <a:solidFill>
-                  <a:srgbClr val="999999"/>
-                </a:solidFill>
-                <a:effectLst/>
-                <a:latin typeface="Consolas" panose="020B0609020204030204" pitchFamily="49" charset="0"/>
-                <a:cs typeface="Consolas" panose="020B0609020204030204" pitchFamily="49" charset="0"/>
-              </a:rPr>
-              <a:t>.</a:t>
-            </a:r>
-            <a:r>
-              <a:rPr kumimoji="0" lang="en-US" altLang="en-US" sz="2400" b="0" i="0" u="none" strike="noStrike" cap="none" normalizeH="0" baseline="0" dirty="0" smtClean="0">
-                <a:ln>
-                  <a:noFill/>
-                </a:ln>
-                <a:solidFill>
-                  <a:srgbClr val="DD4A68"/>
-                </a:solidFill>
-                <a:effectLst/>
-                <a:latin typeface="Consolas" panose="020B0609020204030204" pitchFamily="49" charset="0"/>
-                <a:cs typeface="Consolas" panose="020B0609020204030204" pitchFamily="49" charset="0"/>
-              </a:rPr>
-              <a:t>log</a:t>
-            </a:r>
-            <a:r>
-              <a:rPr kumimoji="0" lang="en-US" altLang="en-US" sz="2400" b="0" i="0" u="none" strike="noStrike" cap="none" normalizeH="0" baseline="0" dirty="0" smtClean="0">
-                <a:ln>
-                  <a:noFill/>
-                </a:ln>
-                <a:solidFill>
-                  <a:srgbClr val="999999"/>
-                </a:solidFill>
-                <a:effectLst/>
-                <a:latin typeface="Consolas" panose="020B0609020204030204" pitchFamily="49" charset="0"/>
-                <a:cs typeface="Consolas" panose="020B0609020204030204" pitchFamily="49" charset="0"/>
-              </a:rPr>
-              <a:t>(</a:t>
-            </a:r>
-            <a:r>
-              <a:rPr kumimoji="0" lang="en-US" altLang="en-US" sz="2400" b="0" i="0" u="none" strike="noStrike" cap="none" normalizeH="0" baseline="0" dirty="0" smtClean="0">
-                <a:ln>
-                  <a:noFill/>
-                </a:ln>
-                <a:solidFill>
-                  <a:srgbClr val="000000"/>
-                </a:solidFill>
-                <a:effectLst/>
-                <a:latin typeface="Consolas" panose="020B0609020204030204" pitchFamily="49" charset="0"/>
-                <a:cs typeface="Consolas" panose="020B0609020204030204" pitchFamily="49" charset="0"/>
-              </a:rPr>
-              <a:t>x</a:t>
-            </a:r>
-            <a:r>
-              <a:rPr kumimoji="0" lang="en-US" altLang="en-US" sz="2400" b="0" i="0" u="none" strike="noStrike" cap="none" normalizeH="0" baseline="0" dirty="0" smtClean="0">
-                <a:ln>
-                  <a:noFill/>
-                </a:ln>
-                <a:solidFill>
-                  <a:srgbClr val="999999"/>
-                </a:solidFill>
-                <a:effectLst/>
-                <a:latin typeface="Consolas" panose="020B0609020204030204" pitchFamily="49" charset="0"/>
-                <a:cs typeface="Consolas" panose="020B0609020204030204" pitchFamily="49" charset="0"/>
-              </a:rPr>
-              <a:t>);</a:t>
-            </a:r>
-            <a:r>
-              <a:rPr kumimoji="0" lang="en-US" altLang="en-US" sz="2400" b="0" i="0" u="none" strike="noStrike" cap="none" normalizeH="0" baseline="0" dirty="0" smtClean="0">
-                <a:ln>
-                  <a:noFill/>
-                </a:ln>
-                <a:solidFill>
-                  <a:srgbClr val="000000"/>
-                </a:solidFill>
-                <a:effectLst/>
-                <a:latin typeface="Consolas" panose="020B0609020204030204" pitchFamily="49" charset="0"/>
-                <a:cs typeface="Consolas" panose="020B0609020204030204" pitchFamily="49" charset="0"/>
-              </a:rPr>
-              <a:t> // hoist but</a:t>
-            </a:r>
-            <a:r>
-              <a:rPr kumimoji="0" lang="en-US" altLang="en-US" sz="2400" b="0" i="0" u="none" strike="noStrike" cap="none" normalizeH="0" dirty="0" smtClean="0">
-                <a:ln>
-                  <a:noFill/>
-                </a:ln>
-                <a:solidFill>
-                  <a:srgbClr val="000000"/>
-                </a:solidFill>
-                <a:effectLst/>
-                <a:latin typeface="Consolas" panose="020B0609020204030204" pitchFamily="49" charset="0"/>
-                <a:cs typeface="Consolas" panose="020B0609020204030204" pitchFamily="49" charset="0"/>
-              </a:rPr>
-              <a:t> throw error</a:t>
-            </a:r>
-            <a:endParaRPr kumimoji="0" lang="en-US" altLang="en-US" sz="2400" b="0" i="0" u="none" strike="noStrike" cap="none" normalizeH="0" baseline="0" dirty="0" smtClean="0">
-              <a:ln>
-                <a:noFill/>
-              </a:ln>
-              <a:solidFill>
-                <a:srgbClr val="000000"/>
-              </a:solidFill>
-              <a:effectLst/>
-              <a:latin typeface="Consolas" panose="020B0609020204030204" pitchFamily="49" charset="0"/>
-              <a:cs typeface="Consolas" panose="020B0609020204030204" pitchFamily="49" charset="0"/>
-            </a:endParaRPr>
-          </a:p>
-          <a:p>
-            <a:pPr marL="0" marR="0" lvl="0" indent="0" algn="l" defTabSz="914400" rtl="0" eaLnBrk="0" fontAlgn="base" latinLnBrk="0" hangingPunct="0">
-              <a:lnSpc>
-                <a:spcPct val="100000"/>
-              </a:lnSpc>
-              <a:spcBef>
-                <a:spcPct val="0"/>
-              </a:spcBef>
-              <a:spcAft>
-                <a:spcPct val="0"/>
-              </a:spcAft>
-              <a:buClrTx/>
-              <a:buSzTx/>
-              <a:buFontTx/>
-              <a:buNone/>
-              <a:tabLst/>
-            </a:pPr>
-            <a:r>
-              <a:rPr kumimoji="0" lang="en-US" altLang="en-US" sz="2400" b="0" i="0" u="none" strike="noStrike" cap="none" normalizeH="0" baseline="0" dirty="0" smtClean="0">
-                <a:ln>
-                  <a:noFill/>
-                </a:ln>
-                <a:solidFill>
-                  <a:srgbClr val="0077AA"/>
-                </a:solidFill>
-                <a:effectLst/>
-                <a:latin typeface="Consolas" panose="020B0609020204030204" pitchFamily="49" charset="0"/>
-                <a:cs typeface="Consolas" panose="020B0609020204030204" pitchFamily="49" charset="0"/>
-              </a:rPr>
-              <a:t>	let</a:t>
-            </a:r>
-            <a:r>
-              <a:rPr kumimoji="0" lang="en-US" altLang="en-US" sz="2400" b="0" i="0" u="none" strike="noStrike" cap="none" normalizeH="0" baseline="0" dirty="0" smtClean="0">
-                <a:ln>
-                  <a:noFill/>
-                </a:ln>
-                <a:solidFill>
-                  <a:srgbClr val="000000"/>
-                </a:solidFill>
-                <a:effectLst/>
-                <a:latin typeface="Consolas" panose="020B0609020204030204" pitchFamily="49" charset="0"/>
-                <a:cs typeface="Consolas" panose="020B0609020204030204" pitchFamily="49" charset="0"/>
-              </a:rPr>
-              <a:t> x </a:t>
-            </a:r>
-            <a:r>
-              <a:rPr kumimoji="0" lang="en-US" altLang="en-US" sz="2400" b="0" i="0" u="none" strike="noStrike" cap="none" normalizeH="0" baseline="0" dirty="0" smtClean="0">
-                <a:ln>
-                  <a:noFill/>
-                </a:ln>
-                <a:solidFill>
-                  <a:srgbClr val="A67F59"/>
-                </a:solidFill>
-                <a:effectLst/>
-                <a:latin typeface="Consolas" panose="020B0609020204030204" pitchFamily="49" charset="0"/>
-                <a:cs typeface="Consolas" panose="020B0609020204030204" pitchFamily="49" charset="0"/>
-              </a:rPr>
-              <a:t>=</a:t>
-            </a:r>
-            <a:r>
-              <a:rPr kumimoji="0" lang="en-US" altLang="en-US" sz="2400" b="0" i="0" u="none" strike="noStrike" cap="none" normalizeH="0" baseline="0" dirty="0" smtClean="0">
-                <a:ln>
-                  <a:noFill/>
-                </a:ln>
-                <a:solidFill>
-                  <a:srgbClr val="000000"/>
-                </a:solidFill>
-                <a:effectLst/>
-                <a:latin typeface="Consolas" panose="020B0609020204030204" pitchFamily="49" charset="0"/>
-                <a:cs typeface="Consolas" panose="020B0609020204030204" pitchFamily="49" charset="0"/>
-              </a:rPr>
-              <a:t> </a:t>
-            </a:r>
-            <a:r>
-              <a:rPr kumimoji="0" lang="en-US" altLang="en-US" sz="2400" b="0" i="0" u="none" strike="noStrike" cap="none" normalizeH="0" baseline="0" dirty="0" smtClean="0">
-                <a:ln>
-                  <a:noFill/>
-                </a:ln>
-                <a:solidFill>
-                  <a:srgbClr val="669900"/>
-                </a:solidFill>
-                <a:effectLst/>
-                <a:latin typeface="Consolas" panose="020B0609020204030204" pitchFamily="49" charset="0"/>
-                <a:cs typeface="Consolas" panose="020B0609020204030204" pitchFamily="49" charset="0"/>
-              </a:rPr>
-              <a:t>'inner scope'</a:t>
-            </a:r>
-            <a:r>
-              <a:rPr kumimoji="0" lang="en-US" altLang="en-US" sz="2400" b="0" i="0" u="none" strike="noStrike" cap="none" normalizeH="0" baseline="0" dirty="0" smtClean="0">
-                <a:ln>
-                  <a:noFill/>
-                </a:ln>
-                <a:solidFill>
-                  <a:srgbClr val="999999"/>
-                </a:solidFill>
-                <a:effectLst/>
-                <a:latin typeface="Consolas" panose="020B0609020204030204" pitchFamily="49" charset="0"/>
-                <a:cs typeface="Consolas" panose="020B0609020204030204" pitchFamily="49" charset="0"/>
-              </a:rPr>
-              <a:t>;</a:t>
-            </a:r>
-            <a:endParaRPr lang="en-US" altLang="en-US" sz="2400" dirty="0">
-              <a:solidFill>
-                <a:srgbClr val="000000"/>
-              </a:solidFill>
-              <a:latin typeface="Consolas" panose="020B0609020204030204" pitchFamily="49" charset="0"/>
-              <a:cs typeface="Consolas" panose="020B0609020204030204" pitchFamily="49" charset="0"/>
-            </a:endParaRPr>
-          </a:p>
-          <a:p>
-            <a:pPr marL="0" marR="0" lvl="0" indent="0" algn="l" defTabSz="914400" rtl="0" eaLnBrk="0" fontAlgn="base" latinLnBrk="0" hangingPunct="0">
-              <a:lnSpc>
-                <a:spcPct val="100000"/>
-              </a:lnSpc>
-              <a:spcBef>
-                <a:spcPct val="0"/>
-              </a:spcBef>
-              <a:spcAft>
-                <a:spcPct val="0"/>
-              </a:spcAft>
-              <a:buClrTx/>
-              <a:buSzTx/>
-              <a:buFontTx/>
-              <a:buNone/>
-              <a:tabLst/>
-            </a:pPr>
-            <a:r>
-              <a:rPr kumimoji="0" lang="en-US" altLang="en-US" sz="2400" b="0" i="0" u="none" strike="noStrike" cap="none" normalizeH="0" baseline="0" dirty="0" smtClean="0">
-                <a:ln>
-                  <a:noFill/>
-                </a:ln>
-                <a:solidFill>
-                  <a:srgbClr val="999999"/>
-                </a:solidFill>
-                <a:effectLst/>
-                <a:latin typeface="Consolas" panose="020B0609020204030204" pitchFamily="49" charset="0"/>
-                <a:cs typeface="Consolas" panose="020B0609020204030204" pitchFamily="49" charset="0"/>
-              </a:rPr>
-              <a:t>}());</a:t>
-            </a:r>
-            <a:r>
-              <a:rPr kumimoji="0" lang="en-US" altLang="en-US" sz="2000" b="0" i="0" u="none" strike="noStrike" cap="none" normalizeH="0" baseline="0" dirty="0" smtClean="0">
-                <a:ln>
-                  <a:noFill/>
-                </a:ln>
-                <a:solidFill>
-                  <a:schemeClr val="tx1"/>
-                </a:solidFill>
-                <a:effectLst/>
-              </a:rPr>
-              <a:t> </a:t>
-            </a:r>
-            <a:endParaRPr kumimoji="0" lang="en-US" altLang="en-US" sz="4800" b="0" i="0" u="none" strike="noStrike" cap="none" normalizeH="0" baseline="0" dirty="0" smtClean="0">
-              <a:ln>
-                <a:noFill/>
-              </a:ln>
-              <a:solidFill>
-                <a:schemeClr val="tx1"/>
-              </a:solidFill>
-              <a:effectLst/>
-              <a:latin typeface="Arial" panose="020B0604020202020204" pitchFamily="34" charset="0"/>
-            </a:endParaRPr>
+            <a:endParaRPr lang="en-US"/>
           </a:p>
         </p:txBody>
       </p:sp>
     </p:spTree>
     <p:extLst>
       <p:ext uri="{BB962C8B-B14F-4D97-AF65-F5344CB8AC3E}">
-        <p14:creationId xmlns:p14="http://schemas.microsoft.com/office/powerpoint/2010/main" val="3927349336"/>
+        <p14:creationId xmlns:p14="http://schemas.microsoft.com/office/powerpoint/2010/main" val="568849104"/>
       </p:ext>
     </p:extLst>
   </p:cSld>
   <p:clrMapOvr>
     <a:masterClrMapping/>
   </p:clrMapOvr>
-  <p:timing>
-    <p:tnLst>
-      <p:par>
-        <p:cTn id="1" dur="indefinite" restart="never" nodeType="tmRoot"/>
-      </p:par>
-    </p:tnLst>
-  </p:timing>
 </p:sld>
 </file>
 
@@ -7893,311 +7140,227 @@
       </p:sp>
       <p:sp>
         <p:nvSpPr>
-          <p:cNvPr id="4" name="Rectangle 1"/>
-          <p:cNvSpPr>
-            <a:spLocks noGrp="1" noChangeArrowheads="1"/>
+          <p:cNvPr id="3" name="Content Placeholder 2"/>
+          <p:cNvSpPr>
+            <a:spLocks noGrp="1"/>
           </p:cNvSpPr>
           <p:nvPr>
             <p:ph idx="1"/>
           </p:nvPr>
         </p:nvSpPr>
-        <p:spPr bwMode="auto">
-          <a:xfrm>
-            <a:off x="838200" y="3447297"/>
-            <a:ext cx="8501366" cy="1107996"/>
-          </a:xfrm>
-          <a:prstGeom prst="rect">
-            <a:avLst/>
-          </a:prstGeom>
-          <a:solidFill>
-            <a:srgbClr val="F9F2F4"/>
-          </a:solidFill>
-          <a:ln>
-            <a:noFill/>
-          </a:ln>
-          <a:effectLst/>
-          <a:extLst>
-            <a:ext uri="{91240B29-F687-4F45-9708-019B960494DF}">
-              <a14:hiddenLine xmlns:a14="http://schemas.microsoft.com/office/drawing/2010/main" w="9525">
-                <a:solidFill>
-                  <a:schemeClr val="tx1"/>
-                </a:solidFill>
-                <a:miter lim="800000"/>
-                <a:headEnd/>
-                <a:tailEnd/>
-              </a14:hiddenLine>
-            </a:ext>
-            <a:ext uri="{AF507438-7753-43E0-B8FC-AC1667EBCBE1}">
-              <a14:hiddenEffects xmlns:a14="http://schemas.microsoft.com/office/drawing/2010/main">
-                <a:effectLst>
-                  <a:outerShdw dist="35921" dir="2700000" algn="ctr" rotWithShape="0">
-                    <a:schemeClr val="bg2"/>
-                  </a:outerShdw>
-                </a:effectLst>
-              </a14:hiddenEffects>
-            </a:ext>
-          </a:extLst>
-        </p:spPr>
-        <p:txBody>
-          <a:bodyPr vert="horz" wrap="none" lIns="0" tIns="0" rIns="0" bIns="0" numCol="1" anchor="ctr" anchorCtr="0" compatLnSpc="1">
-            <a:prstTxWarp prst="textNoShape">
-              <a:avLst/>
-            </a:prstTxWarp>
-            <a:spAutoFit/>
+        <p:spPr/>
+        <p:txBody>
+          <a:bodyPr>
+            <a:normAutofit/>
           </a:bodyPr>
-          <a:lstStyle>
-            <a:lvl1pPr eaLnBrk="0" fontAlgn="base" hangingPunct="0">
-              <a:spcBef>
-                <a:spcPct val="0"/>
-              </a:spcBef>
-              <a:spcAft>
-                <a:spcPct val="0"/>
-              </a:spcAft>
-              <a:defRPr>
-                <a:solidFill>
-                  <a:schemeClr val="tx1"/>
-                </a:solidFill>
-                <a:latin typeface="Arial" panose="020B0604020202020204" pitchFamily="34" charset="0"/>
-              </a:defRPr>
-            </a:lvl1pPr>
-            <a:lvl2pPr eaLnBrk="0" fontAlgn="base" hangingPunct="0">
-              <a:spcBef>
-                <a:spcPct val="0"/>
-              </a:spcBef>
-              <a:spcAft>
-                <a:spcPct val="0"/>
-              </a:spcAft>
-              <a:defRPr>
-                <a:solidFill>
-                  <a:schemeClr val="tx1"/>
-                </a:solidFill>
-                <a:latin typeface="Arial" panose="020B0604020202020204" pitchFamily="34" charset="0"/>
-              </a:defRPr>
-            </a:lvl2pPr>
-            <a:lvl3pPr eaLnBrk="0" fontAlgn="base" hangingPunct="0">
-              <a:spcBef>
-                <a:spcPct val="0"/>
-              </a:spcBef>
-              <a:spcAft>
-                <a:spcPct val="0"/>
-              </a:spcAft>
-              <a:defRPr>
-                <a:solidFill>
-                  <a:schemeClr val="tx1"/>
-                </a:solidFill>
-                <a:latin typeface="Arial" panose="020B0604020202020204" pitchFamily="34" charset="0"/>
-              </a:defRPr>
-            </a:lvl3pPr>
-            <a:lvl4pPr eaLnBrk="0" fontAlgn="base" hangingPunct="0">
-              <a:spcBef>
-                <a:spcPct val="0"/>
-              </a:spcBef>
-              <a:spcAft>
-                <a:spcPct val="0"/>
-              </a:spcAft>
-              <a:defRPr>
-                <a:solidFill>
-                  <a:schemeClr val="tx1"/>
-                </a:solidFill>
-                <a:latin typeface="Arial" panose="020B0604020202020204" pitchFamily="34" charset="0"/>
-              </a:defRPr>
-            </a:lvl4pPr>
-            <a:lvl5pPr eaLnBrk="0" fontAlgn="base" hangingPunct="0">
-              <a:spcBef>
-                <a:spcPct val="0"/>
-              </a:spcBef>
-              <a:spcAft>
-                <a:spcPct val="0"/>
-              </a:spcAft>
-              <a:defRPr>
-                <a:solidFill>
-                  <a:schemeClr val="tx1"/>
-                </a:solidFill>
-                <a:latin typeface="Arial" panose="020B0604020202020204" pitchFamily="34" charset="0"/>
-              </a:defRPr>
-            </a:lvl5pPr>
-            <a:lvl6pPr eaLnBrk="0" fontAlgn="base" hangingPunct="0">
-              <a:spcBef>
-                <a:spcPct val="0"/>
-              </a:spcBef>
-              <a:spcAft>
-                <a:spcPct val="0"/>
-              </a:spcAft>
-              <a:defRPr>
-                <a:solidFill>
-                  <a:schemeClr val="tx1"/>
-                </a:solidFill>
-                <a:latin typeface="Arial" panose="020B0604020202020204" pitchFamily="34" charset="0"/>
-              </a:defRPr>
-            </a:lvl6pPr>
-            <a:lvl7pPr eaLnBrk="0" fontAlgn="base" hangingPunct="0">
-              <a:spcBef>
-                <a:spcPct val="0"/>
-              </a:spcBef>
-              <a:spcAft>
-                <a:spcPct val="0"/>
-              </a:spcAft>
-              <a:defRPr>
-                <a:solidFill>
-                  <a:schemeClr val="tx1"/>
-                </a:solidFill>
-                <a:latin typeface="Arial" panose="020B0604020202020204" pitchFamily="34" charset="0"/>
-              </a:defRPr>
-            </a:lvl7pPr>
-            <a:lvl8pPr eaLnBrk="0" fontAlgn="base" hangingPunct="0">
-              <a:spcBef>
-                <a:spcPct val="0"/>
-              </a:spcBef>
-              <a:spcAft>
-                <a:spcPct val="0"/>
-              </a:spcAft>
-              <a:defRPr>
-                <a:solidFill>
-                  <a:schemeClr val="tx1"/>
-                </a:solidFill>
-                <a:latin typeface="Arial" panose="020B0604020202020204" pitchFamily="34" charset="0"/>
-              </a:defRPr>
-            </a:lvl8pPr>
-            <a:lvl9pPr eaLnBrk="0" fontAlgn="base" hangingPunct="0">
-              <a:spcBef>
-                <a:spcPct val="0"/>
-              </a:spcBef>
-              <a:spcAft>
-                <a:spcPct val="0"/>
-              </a:spcAft>
-              <a:defRPr>
-                <a:solidFill>
-                  <a:schemeClr val="tx1"/>
-                </a:solidFill>
-                <a:latin typeface="Arial" panose="020B0604020202020204" pitchFamily="34" charset="0"/>
-              </a:defRPr>
-            </a:lvl9pPr>
-          </a:lstStyle>
-          <a:p>
-            <a:pPr marL="0" marR="0" lvl="0" indent="0" algn="l" defTabSz="914400" rtl="0" eaLnBrk="0" fontAlgn="base" latinLnBrk="0" hangingPunct="0">
-              <a:lnSpc>
-                <a:spcPct val="100000"/>
-              </a:lnSpc>
-              <a:spcBef>
-                <a:spcPct val="0"/>
-              </a:spcBef>
-              <a:spcAft>
-                <a:spcPct val="0"/>
-              </a:spcAft>
-              <a:buClrTx/>
-              <a:buSzTx/>
-              <a:buFontTx/>
-              <a:buNone/>
-              <a:tabLst/>
+          <a:lstStyle/>
+          <a:p>
+            <a:pPr marL="0" indent="0">
+              <a:buNone/>
             </a:pPr>
             <a:r>
-              <a:rPr lang="en-US" altLang="en-US" sz="1800" dirty="0"/>
-              <a:t>let/</a:t>
-            </a:r>
-            <a:r>
-              <a:rPr lang="en-US" altLang="en-US" sz="1800" dirty="0" err="1"/>
-              <a:t>const</a:t>
-            </a:r>
-            <a:r>
-              <a:rPr lang="en-US" altLang="en-US" sz="1800" dirty="0"/>
-              <a:t> declarations hoist!</a:t>
-            </a:r>
-          </a:p>
-          <a:p>
-            <a:pPr marL="0" lvl="0" indent="0">
-              <a:lnSpc>
-                <a:spcPct val="100000"/>
-              </a:lnSpc>
+              <a:rPr lang="en-US" b="1" dirty="0"/>
+              <a:t>function</a:t>
+            </a:r>
+            <a:r>
+              <a:rPr lang="en-US" dirty="0"/>
+              <a:t> </a:t>
+            </a:r>
+            <a:r>
+              <a:rPr lang="en-US" b="1" dirty="0" err="1"/>
+              <a:t>runTowerExperiment</a:t>
+            </a:r>
+            <a:r>
+              <a:rPr lang="en-US" dirty="0"/>
+              <a:t>(tower, </a:t>
+            </a:r>
+            <a:r>
+              <a:rPr lang="en-US" dirty="0" err="1"/>
+              <a:t>startTime</a:t>
+            </a:r>
+            <a:r>
+              <a:rPr lang="en-US" dirty="0"/>
+              <a:t>) { </a:t>
+            </a:r>
+            <a:endParaRPr lang="en-US" dirty="0" smtClean="0"/>
+          </a:p>
+          <a:p>
+            <a:pPr marL="457200" lvl="1" indent="0">
               <a:buNone/>
             </a:pPr>
             <a:r>
-              <a:rPr kumimoji="0" lang="en-US" altLang="en-US" sz="800" b="0" i="0" u="none" strike="noStrike" cap="none" normalizeH="0" baseline="0" dirty="0" smtClean="0">
-                <a:ln>
-                  <a:noFill/>
-                </a:ln>
-                <a:solidFill>
-                  <a:schemeClr val="tx1"/>
-                </a:solidFill>
-                <a:effectLst/>
-              </a:rPr>
+              <a:rPr lang="en-US" b="1" dirty="0" err="1" smtClean="0"/>
+              <a:t>var</a:t>
+            </a:r>
+            <a:r>
+              <a:rPr lang="en-US" dirty="0" smtClean="0"/>
               <a:t> </a:t>
             </a:r>
             <a:r>
-              <a:rPr lang="en-US" sz="1800" dirty="0"/>
-              <a:t>but may not be accessed in any way until the variable’s </a:t>
-            </a:r>
-            <a:r>
-              <a:rPr lang="en-US" sz="1800" i="1" dirty="0" err="1"/>
-              <a:t>LexicalBinding</a:t>
-            </a:r>
-            <a:r>
-              <a:rPr lang="en-US" sz="1800" dirty="0"/>
-              <a:t> is </a:t>
-            </a:r>
-            <a:r>
-              <a:rPr lang="en-US" sz="1800" dirty="0" smtClean="0"/>
-              <a:t>evaluated</a:t>
-            </a:r>
-          </a:p>
-          <a:p>
-            <a:pPr marL="0" lvl="0" indent="0">
-              <a:lnSpc>
-                <a:spcPct val="100000"/>
-              </a:lnSpc>
+              <a:rPr lang="en-US" dirty="0"/>
+              <a:t>t = </a:t>
+            </a:r>
+            <a:r>
+              <a:rPr lang="en-US" dirty="0" err="1"/>
+              <a:t>startTime</a:t>
+            </a:r>
+            <a:r>
+              <a:rPr lang="en-US" dirty="0"/>
+              <a:t>; </a:t>
+            </a:r>
+            <a:endParaRPr lang="en-US" dirty="0" smtClean="0"/>
+          </a:p>
+          <a:p>
+            <a:pPr marL="457200" lvl="1" indent="0">
               <a:buNone/>
             </a:pPr>
-            <a:endParaRPr kumimoji="0" lang="en-US" altLang="en-US" sz="1800" b="0" i="0" u="none" strike="noStrike" cap="none" normalizeH="0" baseline="0" dirty="0">
-              <a:ln>
-                <a:noFill/>
-              </a:ln>
-              <a:solidFill>
-                <a:schemeClr val="tx1"/>
-              </a:solidFill>
-              <a:effectLst/>
-              <a:latin typeface="Arial" panose="020B0604020202020204" pitchFamily="34" charset="0"/>
-            </a:endParaRPr>
-          </a:p>
-          <a:p>
-            <a:pPr marL="0" lvl="0" indent="0">
-              <a:lnSpc>
-                <a:spcPct val="100000"/>
-              </a:lnSpc>
+            <a:r>
+              <a:rPr lang="en-US" dirty="0" err="1" smtClean="0"/>
+              <a:t>tower.on</a:t>
+            </a:r>
+            <a:r>
+              <a:rPr lang="en-US" dirty="0"/>
+              <a:t>("tick", </a:t>
+            </a:r>
+            <a:r>
+              <a:rPr lang="en-US" b="1" dirty="0"/>
+              <a:t>function</a:t>
+            </a:r>
+            <a:r>
+              <a:rPr lang="en-US" dirty="0"/>
+              <a:t> () { </a:t>
+            </a:r>
+            <a:endParaRPr lang="en-US" dirty="0" smtClean="0"/>
+          </a:p>
+          <a:p>
+            <a:pPr marL="914400" lvl="2" indent="0">
               <a:buNone/>
             </a:pPr>
             <a:r>
-              <a:rPr lang="en-US" sz="1800" dirty="0"/>
-              <a:t>This is the TDZ</a:t>
-            </a:r>
-            <a:endParaRPr kumimoji="0" lang="en-US" altLang="en-US" sz="1800" b="0" i="0" u="none" strike="noStrike" cap="none" normalizeH="0" baseline="0" dirty="0" smtClean="0">
-              <a:ln>
-                <a:noFill/>
-              </a:ln>
-              <a:solidFill>
-                <a:schemeClr val="tx1"/>
-              </a:solidFill>
-              <a:effectLst/>
-              <a:latin typeface="Arial" panose="020B0604020202020204" pitchFamily="34" charset="0"/>
-            </a:endParaRPr>
+              <a:rPr lang="en-US" dirty="0" smtClean="0"/>
+              <a:t>... </a:t>
+            </a:r>
+            <a:r>
+              <a:rPr lang="en-US" dirty="0"/>
+              <a:t>code that uses t ... </a:t>
+            </a:r>
+            <a:endParaRPr lang="en-US" dirty="0" smtClean="0"/>
+          </a:p>
+          <a:p>
+            <a:pPr marL="914400" lvl="2" indent="0">
+              <a:buNone/>
+            </a:pPr>
+            <a:r>
+              <a:rPr lang="en-US" b="1" dirty="0" smtClean="0"/>
+              <a:t>if</a:t>
+            </a:r>
+            <a:r>
+              <a:rPr lang="en-US" dirty="0" smtClean="0"/>
+              <a:t> </a:t>
+            </a:r>
+            <a:r>
+              <a:rPr lang="en-US" dirty="0"/>
+              <a:t>(</a:t>
+            </a:r>
+            <a:r>
+              <a:rPr lang="en-US" dirty="0" err="1"/>
+              <a:t>bowlingBall.altitude</a:t>
+            </a:r>
+            <a:r>
+              <a:rPr lang="en-US" dirty="0"/>
+              <a:t>() &lt;= 0) { </a:t>
+            </a:r>
+            <a:endParaRPr lang="en-US" dirty="0" smtClean="0"/>
+          </a:p>
+          <a:p>
+            <a:pPr marL="1371600" lvl="3" indent="0">
+              <a:buNone/>
+            </a:pPr>
+            <a:r>
+              <a:rPr lang="en-US" b="1" u="sng" dirty="0" err="1" smtClean="0"/>
+              <a:t>var</a:t>
+            </a:r>
+            <a:r>
+              <a:rPr lang="en-US" u="sng" dirty="0" smtClean="0"/>
+              <a:t> </a:t>
+            </a:r>
+            <a:r>
+              <a:rPr lang="en-US" u="sng" dirty="0"/>
+              <a:t>t = </a:t>
+            </a:r>
+            <a:r>
+              <a:rPr lang="en-US" u="sng" dirty="0" err="1"/>
+              <a:t>readTachymeter</a:t>
+            </a:r>
+            <a:r>
+              <a:rPr lang="en-US" u="sng" dirty="0"/>
+              <a:t>(); </a:t>
+            </a:r>
+            <a:endParaRPr lang="en-US" u="sng" dirty="0" smtClean="0"/>
+          </a:p>
+          <a:p>
+            <a:pPr marL="1371600" lvl="3" indent="0">
+              <a:buNone/>
+            </a:pPr>
+            <a:r>
+              <a:rPr lang="en-US" dirty="0" smtClean="0"/>
+              <a:t>... </a:t>
+            </a:r>
+          </a:p>
+          <a:p>
+            <a:pPr marL="914400" lvl="2" indent="0">
+              <a:buNone/>
+            </a:pPr>
+            <a:r>
+              <a:rPr lang="en-US" dirty="0" smtClean="0"/>
+              <a:t>} </a:t>
+            </a:r>
+          </a:p>
+          <a:p>
+            <a:pPr marL="457200" lvl="1" indent="0">
+              <a:buNone/>
+            </a:pPr>
+            <a:r>
+              <a:rPr lang="en-US" dirty="0" smtClean="0"/>
+              <a:t>});</a:t>
+            </a:r>
+          </a:p>
+          <a:p>
+            <a:pPr marL="457200" lvl="1" indent="0">
+              <a:buNone/>
+            </a:pPr>
+            <a:r>
+              <a:rPr lang="en-US" dirty="0" smtClean="0"/>
+              <a:t> </a:t>
+            </a:r>
+            <a:r>
+              <a:rPr lang="en-US" dirty="0"/>
+              <a:t>... more code ... </a:t>
+            </a:r>
+            <a:endParaRPr lang="en-US" dirty="0" smtClean="0"/>
+          </a:p>
+          <a:p>
+            <a:pPr marL="0" indent="0">
+              <a:buNone/>
+            </a:pPr>
+            <a:r>
+              <a:rPr lang="en-US" dirty="0" smtClean="0"/>
+              <a:t>}</a:t>
+            </a:r>
+            <a:endParaRPr lang="en-US" dirty="0"/>
           </a:p>
         </p:txBody>
       </p:sp>
     </p:spTree>
     <p:extLst>
       <p:ext uri="{BB962C8B-B14F-4D97-AF65-F5344CB8AC3E}">
-        <p14:creationId xmlns:p14="http://schemas.microsoft.com/office/powerpoint/2010/main" val="4205459705"/>
+        <p14:creationId xmlns:p14="http://schemas.microsoft.com/office/powerpoint/2010/main" val="1148578103"/>
       </p:ext>
     </p:extLst>
   </p:cSld>
   <p:clrMapOvr>
     <a:masterClrMapping/>
   </p:clrMapOvr>
-  <p:timing>
-    <p:tnLst>
-      <p:par>
-        <p:cTn id="1" dur="indefinite" restart="never" nodeType="tmRoot"/>
-      </p:par>
-    </p:tnLst>
-  </p:timing>
 </p:sld>
 </file>
 
@@ -8233,487 +7396,47 @@
           <a:bodyPr/>
           <a:lstStyle/>
           <a:p>
+            <a:r>
+              <a:rPr lang="en-US" b="1" dirty="0"/>
+              <a:t>Problem #2: Variable oversharing in </a:t>
+            </a:r>
+            <a:r>
+              <a:rPr lang="en-US" b="1" dirty="0" smtClean="0"/>
+              <a:t>loops</a:t>
+            </a:r>
+            <a:endParaRPr lang="en-US" dirty="0"/>
+          </a:p>
+        </p:txBody>
+      </p:sp>
+      <p:sp>
+        <p:nvSpPr>
+          <p:cNvPr id="3" name="Content Placeholder 2"/>
+          <p:cNvSpPr>
+            <a:spLocks noGrp="1"/>
+          </p:cNvSpPr>
+          <p:nvPr>
+            <p:ph idx="1"/>
+          </p:nvPr>
+        </p:nvSpPr>
+        <p:spPr/>
+        <p:txBody>
+          <a:bodyPr/>
+          <a:lstStyle/>
+          <a:p>
             <a:endParaRPr lang="en-US"/>
-          </a:p>
-        </p:txBody>
-      </p:sp>
-      <p:sp>
-        <p:nvSpPr>
-          <p:cNvPr id="4" name="Rectangle 1"/>
-          <p:cNvSpPr>
-            <a:spLocks noGrp="1" noChangeArrowheads="1"/>
-          </p:cNvSpPr>
-          <p:nvPr>
-            <p:ph idx="1"/>
-          </p:nvPr>
-        </p:nvSpPr>
-        <p:spPr bwMode="auto">
-          <a:xfrm>
-            <a:off x="838200" y="3539629"/>
-            <a:ext cx="5219378" cy="923330"/>
-          </a:xfrm>
-          <a:prstGeom prst="rect">
-            <a:avLst/>
-          </a:prstGeom>
-          <a:solidFill>
-            <a:srgbClr val="F5F2F0"/>
-          </a:solidFill>
-          <a:ln>
-            <a:noFill/>
-          </a:ln>
-          <a:effectLst/>
-          <a:extLst>
-            <a:ext uri="{91240B29-F687-4F45-9708-019B960494DF}">
-              <a14:hiddenLine xmlns:a14="http://schemas.microsoft.com/office/drawing/2010/main" w="9525">
-                <a:solidFill>
-                  <a:schemeClr val="tx1"/>
-                </a:solidFill>
-                <a:miter lim="800000"/>
-                <a:headEnd/>
-                <a:tailEnd/>
-              </a14:hiddenLine>
-            </a:ext>
-            <a:ext uri="{AF507438-7753-43E0-B8FC-AC1667EBCBE1}">
-              <a14:hiddenEffects xmlns:a14="http://schemas.microsoft.com/office/drawing/2010/main">
-                <a:effectLst>
-                  <a:outerShdw dist="35921" dir="2700000" algn="ctr" rotWithShape="0">
-                    <a:schemeClr val="bg2"/>
-                  </a:outerShdw>
-                </a:effectLst>
-              </a14:hiddenEffects>
-            </a:ext>
-          </a:extLst>
-        </p:spPr>
-        <p:txBody>
-          <a:bodyPr vert="horz" wrap="none" lIns="0" tIns="0" rIns="0" bIns="0" numCol="1" anchor="ctr" anchorCtr="0" compatLnSpc="1">
-            <a:prstTxWarp prst="textNoShape">
-              <a:avLst/>
-            </a:prstTxWarp>
-            <a:spAutoFit/>
-          </a:bodyPr>
-          <a:lstStyle/>
-          <a:p>
-            <a:pPr marL="0" marR="0" lvl="0" indent="0" algn="l" defTabSz="914400" rtl="0" eaLnBrk="0" fontAlgn="base" latinLnBrk="0" hangingPunct="0">
-              <a:lnSpc>
-                <a:spcPct val="100000"/>
-              </a:lnSpc>
-              <a:spcBef>
-                <a:spcPct val="0"/>
-              </a:spcBef>
-              <a:spcAft>
-                <a:spcPct val="0"/>
-              </a:spcAft>
-              <a:buClrTx/>
-              <a:buSzTx/>
-              <a:buFontTx/>
-              <a:buNone/>
-              <a:tabLst/>
-            </a:pPr>
-            <a:r>
-              <a:rPr kumimoji="0" lang="en-US" altLang="en-US" sz="1000" b="0" i="0" u="none" strike="noStrike" cap="none" normalizeH="0" baseline="0" dirty="0" smtClean="0">
-                <a:ln>
-                  <a:noFill/>
-                </a:ln>
-                <a:solidFill>
-                  <a:srgbClr val="708090"/>
-                </a:solidFill>
-                <a:effectLst/>
-                <a:latin typeface="Consolas" panose="020B0609020204030204" pitchFamily="49" charset="0"/>
-                <a:cs typeface="Consolas" panose="020B0609020204030204" pitchFamily="49" charset="0"/>
-              </a:rPr>
-              <a:t>// Accessing `x` here before control flow evaluates the `let x` statement </a:t>
-            </a:r>
-          </a:p>
-          <a:p>
-            <a:pPr marL="0" marR="0" lvl="0" indent="0" algn="l" defTabSz="914400" rtl="0" eaLnBrk="0" fontAlgn="base" latinLnBrk="0" hangingPunct="0">
-              <a:lnSpc>
-                <a:spcPct val="100000"/>
-              </a:lnSpc>
-              <a:spcBef>
-                <a:spcPct val="0"/>
-              </a:spcBef>
-              <a:spcAft>
-                <a:spcPct val="0"/>
-              </a:spcAft>
-              <a:buClrTx/>
-              <a:buSzTx/>
-              <a:buFontTx/>
-              <a:buNone/>
-              <a:tabLst/>
-            </a:pPr>
-            <a:r>
-              <a:rPr kumimoji="0" lang="en-US" altLang="en-US" sz="1000" b="0" i="0" u="none" strike="noStrike" cap="none" normalizeH="0" baseline="0" dirty="0" smtClean="0">
-                <a:ln>
-                  <a:noFill/>
-                </a:ln>
-                <a:solidFill>
-                  <a:srgbClr val="708090"/>
-                </a:solidFill>
-                <a:effectLst/>
-                <a:latin typeface="Consolas" panose="020B0609020204030204" pitchFamily="49" charset="0"/>
-                <a:cs typeface="Consolas" panose="020B0609020204030204" pitchFamily="49" charset="0"/>
-              </a:rPr>
-              <a:t>// would throw a </a:t>
-            </a:r>
-            <a:r>
-              <a:rPr kumimoji="0" lang="en-US" altLang="en-US" sz="1000" b="0" i="0" u="none" strike="noStrike" cap="none" normalizeH="0" baseline="0" dirty="0" err="1" smtClean="0">
-                <a:ln>
-                  <a:noFill/>
-                </a:ln>
-                <a:solidFill>
-                  <a:srgbClr val="708090"/>
-                </a:solidFill>
-                <a:effectLst/>
-                <a:latin typeface="Consolas" panose="020B0609020204030204" pitchFamily="49" charset="0"/>
-                <a:cs typeface="Consolas" panose="020B0609020204030204" pitchFamily="49" charset="0"/>
-              </a:rPr>
-              <a:t>ReferenceError</a:t>
-            </a:r>
-            <a:r>
-              <a:rPr kumimoji="0" lang="en-US" altLang="en-US" sz="1000" b="0" i="0" u="none" strike="noStrike" cap="none" normalizeH="0" baseline="0" dirty="0" smtClean="0">
-                <a:ln>
-                  <a:noFill/>
-                </a:ln>
-                <a:solidFill>
-                  <a:srgbClr val="708090"/>
-                </a:solidFill>
-                <a:effectLst/>
-                <a:latin typeface="Consolas" panose="020B0609020204030204" pitchFamily="49" charset="0"/>
-                <a:cs typeface="Consolas" panose="020B0609020204030204" pitchFamily="49" charset="0"/>
-              </a:rPr>
-              <a:t> due to TDZ. </a:t>
-            </a:r>
-          </a:p>
-          <a:p>
-            <a:pPr marL="0" marR="0" lvl="0" indent="0" algn="l" defTabSz="914400" rtl="0" eaLnBrk="0" fontAlgn="base" latinLnBrk="0" hangingPunct="0">
-              <a:lnSpc>
-                <a:spcPct val="100000"/>
-              </a:lnSpc>
-              <a:spcBef>
-                <a:spcPct val="0"/>
-              </a:spcBef>
-              <a:spcAft>
-                <a:spcPct val="0"/>
-              </a:spcAft>
-              <a:buClrTx/>
-              <a:buSzTx/>
-              <a:buFontTx/>
-              <a:buNone/>
-              <a:tabLst/>
-            </a:pPr>
-            <a:r>
-              <a:rPr kumimoji="0" lang="en-US" altLang="en-US" sz="1000" b="0" i="0" u="none" strike="noStrike" cap="none" normalizeH="0" baseline="0" dirty="0" smtClean="0">
-                <a:ln>
-                  <a:noFill/>
-                </a:ln>
-                <a:solidFill>
-                  <a:srgbClr val="708090"/>
-                </a:solidFill>
-                <a:effectLst/>
-                <a:latin typeface="Consolas" panose="020B0609020204030204" pitchFamily="49" charset="0"/>
-                <a:cs typeface="Consolas" panose="020B0609020204030204" pitchFamily="49" charset="0"/>
-              </a:rPr>
-              <a:t>// console.log(x); </a:t>
-            </a:r>
-          </a:p>
-          <a:p>
-            <a:pPr marL="0" marR="0" lvl="0" indent="0" algn="l" defTabSz="914400" rtl="0" eaLnBrk="0" fontAlgn="base" latinLnBrk="0" hangingPunct="0">
-              <a:lnSpc>
-                <a:spcPct val="100000"/>
-              </a:lnSpc>
-              <a:spcBef>
-                <a:spcPct val="0"/>
-              </a:spcBef>
-              <a:spcAft>
-                <a:spcPct val="0"/>
-              </a:spcAft>
-              <a:buClrTx/>
-              <a:buSzTx/>
-              <a:buFontTx/>
-              <a:buNone/>
-              <a:tabLst/>
-            </a:pPr>
-            <a:endParaRPr lang="en-US" altLang="en-US" sz="1000" dirty="0">
-              <a:solidFill>
-                <a:srgbClr val="708090"/>
-              </a:solidFill>
-              <a:latin typeface="Consolas" panose="020B0609020204030204" pitchFamily="49" charset="0"/>
-              <a:cs typeface="Consolas" panose="020B0609020204030204" pitchFamily="49" charset="0"/>
-            </a:endParaRPr>
-          </a:p>
-          <a:p>
-            <a:pPr marL="0" marR="0" lvl="0" indent="0" algn="l" defTabSz="914400" rtl="0" eaLnBrk="0" fontAlgn="base" latinLnBrk="0" hangingPunct="0">
-              <a:lnSpc>
-                <a:spcPct val="100000"/>
-              </a:lnSpc>
-              <a:spcBef>
-                <a:spcPct val="0"/>
-              </a:spcBef>
-              <a:spcAft>
-                <a:spcPct val="0"/>
-              </a:spcAft>
-              <a:buClrTx/>
-              <a:buSzTx/>
-              <a:buFontTx/>
-              <a:buNone/>
-              <a:tabLst/>
-            </a:pPr>
-            <a:r>
-              <a:rPr kumimoji="0" lang="en-US" altLang="en-US" sz="1000" b="0" i="0" u="none" strike="noStrike" cap="none" normalizeH="0" baseline="0" dirty="0" smtClean="0">
-                <a:ln>
-                  <a:noFill/>
-                </a:ln>
-                <a:solidFill>
-                  <a:srgbClr val="0077AA"/>
-                </a:solidFill>
-                <a:effectLst/>
-                <a:latin typeface="Consolas" panose="020B0609020204030204" pitchFamily="49" charset="0"/>
-                <a:cs typeface="Consolas" panose="020B0609020204030204" pitchFamily="49" charset="0"/>
-              </a:rPr>
-              <a:t>let</a:t>
-            </a:r>
-            <a:r>
-              <a:rPr kumimoji="0" lang="en-US" altLang="en-US" sz="1000" b="0" i="0" u="none" strike="noStrike" cap="none" normalizeH="0" baseline="0" dirty="0" smtClean="0">
-                <a:ln>
-                  <a:noFill/>
-                </a:ln>
-                <a:solidFill>
-                  <a:srgbClr val="000000"/>
-                </a:solidFill>
-                <a:effectLst/>
-                <a:latin typeface="Consolas" panose="020B0609020204030204" pitchFamily="49" charset="0"/>
-                <a:cs typeface="Consolas" panose="020B0609020204030204" pitchFamily="49" charset="0"/>
-              </a:rPr>
-              <a:t> x </a:t>
-            </a:r>
-            <a:r>
-              <a:rPr kumimoji="0" lang="en-US" altLang="en-US" sz="1000" b="0" i="0" u="none" strike="noStrike" cap="none" normalizeH="0" baseline="0" dirty="0" smtClean="0">
-                <a:ln>
-                  <a:noFill/>
-                </a:ln>
-                <a:solidFill>
-                  <a:srgbClr val="A67F59"/>
-                </a:solidFill>
-                <a:effectLst/>
-                <a:latin typeface="Consolas" panose="020B0609020204030204" pitchFamily="49" charset="0"/>
-                <a:cs typeface="Consolas" panose="020B0609020204030204" pitchFamily="49" charset="0"/>
-              </a:rPr>
-              <a:t>=</a:t>
-            </a:r>
-            <a:r>
-              <a:rPr kumimoji="0" lang="en-US" altLang="en-US" sz="1000" b="0" i="0" u="none" strike="noStrike" cap="none" normalizeH="0" baseline="0" dirty="0" smtClean="0">
-                <a:ln>
-                  <a:noFill/>
-                </a:ln>
-                <a:solidFill>
-                  <a:srgbClr val="000000"/>
-                </a:solidFill>
-                <a:effectLst/>
-                <a:latin typeface="Consolas" panose="020B0609020204030204" pitchFamily="49" charset="0"/>
-                <a:cs typeface="Consolas" panose="020B0609020204030204" pitchFamily="49" charset="0"/>
-              </a:rPr>
-              <a:t> </a:t>
-            </a:r>
-            <a:r>
-              <a:rPr kumimoji="0" lang="en-US" altLang="en-US" sz="1000" b="0" i="0" u="none" strike="noStrike" cap="none" normalizeH="0" baseline="0" dirty="0" smtClean="0">
-                <a:ln>
-                  <a:noFill/>
-                </a:ln>
-                <a:solidFill>
-                  <a:srgbClr val="990055"/>
-                </a:solidFill>
-                <a:effectLst/>
-                <a:latin typeface="Consolas" panose="020B0609020204030204" pitchFamily="49" charset="0"/>
-                <a:cs typeface="Consolas" panose="020B0609020204030204" pitchFamily="49" charset="0"/>
-              </a:rPr>
-              <a:t>42</a:t>
-            </a:r>
-            <a:r>
-              <a:rPr kumimoji="0" lang="en-US" altLang="en-US" sz="1000" b="0" i="0" u="none" strike="noStrike" cap="none" normalizeH="0" baseline="0" dirty="0" smtClean="0">
-                <a:ln>
-                  <a:noFill/>
-                </a:ln>
-                <a:solidFill>
-                  <a:srgbClr val="999999"/>
-                </a:solidFill>
-                <a:effectLst/>
-                <a:latin typeface="Consolas" panose="020B0609020204030204" pitchFamily="49" charset="0"/>
-                <a:cs typeface="Consolas" panose="020B0609020204030204" pitchFamily="49" charset="0"/>
-              </a:rPr>
-              <a:t>;</a:t>
-            </a:r>
-            <a:r>
-              <a:rPr kumimoji="0" lang="en-US" altLang="en-US" sz="1000" b="0" i="0" u="none" strike="noStrike" cap="none" normalizeH="0" baseline="0" dirty="0" smtClean="0">
-                <a:ln>
-                  <a:noFill/>
-                </a:ln>
-                <a:solidFill>
-                  <a:srgbClr val="000000"/>
-                </a:solidFill>
-                <a:effectLst/>
-                <a:latin typeface="Consolas" panose="020B0609020204030204" pitchFamily="49" charset="0"/>
-                <a:cs typeface="Consolas" panose="020B0609020204030204" pitchFamily="49" charset="0"/>
-              </a:rPr>
-              <a:t> </a:t>
-            </a:r>
-            <a:r>
-              <a:rPr kumimoji="0" lang="en-US" altLang="en-US" sz="1000" b="0" i="0" u="none" strike="noStrike" cap="none" normalizeH="0" baseline="0" dirty="0" smtClean="0">
-                <a:ln>
-                  <a:noFill/>
-                </a:ln>
-                <a:solidFill>
-                  <a:srgbClr val="708090"/>
-                </a:solidFill>
-                <a:effectLst/>
-                <a:latin typeface="Consolas" panose="020B0609020204030204" pitchFamily="49" charset="0"/>
-                <a:cs typeface="Consolas" panose="020B0609020204030204" pitchFamily="49" charset="0"/>
-              </a:rPr>
-              <a:t>// From here on, accessing `x` is perfectly fine! </a:t>
-            </a:r>
-          </a:p>
-          <a:p>
-            <a:pPr marL="0" marR="0" lvl="0" indent="0" algn="l" defTabSz="914400" rtl="0" eaLnBrk="0" fontAlgn="base" latinLnBrk="0" hangingPunct="0">
-              <a:lnSpc>
-                <a:spcPct val="100000"/>
-              </a:lnSpc>
-              <a:spcBef>
-                <a:spcPct val="0"/>
-              </a:spcBef>
-              <a:spcAft>
-                <a:spcPct val="0"/>
-              </a:spcAft>
-              <a:buClrTx/>
-              <a:buSzTx/>
-              <a:buFontTx/>
-              <a:buNone/>
-              <a:tabLst/>
-            </a:pPr>
-            <a:r>
-              <a:rPr kumimoji="0" lang="en-US" altLang="en-US" sz="1000" b="0" i="0" u="none" strike="noStrike" cap="none" normalizeH="0" baseline="0" dirty="0" smtClean="0">
-                <a:ln>
-                  <a:noFill/>
-                </a:ln>
-                <a:solidFill>
-                  <a:srgbClr val="000000"/>
-                </a:solidFill>
-                <a:effectLst/>
-                <a:latin typeface="Consolas" panose="020B0609020204030204" pitchFamily="49" charset="0"/>
-                <a:cs typeface="Consolas" panose="020B0609020204030204" pitchFamily="49" charset="0"/>
-              </a:rPr>
-              <a:t>console</a:t>
-            </a:r>
-            <a:r>
-              <a:rPr kumimoji="0" lang="en-US" altLang="en-US" sz="1000" b="0" i="0" u="none" strike="noStrike" cap="none" normalizeH="0" baseline="0" dirty="0" smtClean="0">
-                <a:ln>
-                  <a:noFill/>
-                </a:ln>
-                <a:solidFill>
-                  <a:srgbClr val="999999"/>
-                </a:solidFill>
-                <a:effectLst/>
-                <a:latin typeface="Consolas" panose="020B0609020204030204" pitchFamily="49" charset="0"/>
-                <a:cs typeface="Consolas" panose="020B0609020204030204" pitchFamily="49" charset="0"/>
-              </a:rPr>
-              <a:t>.</a:t>
-            </a:r>
-            <a:r>
-              <a:rPr kumimoji="0" lang="en-US" altLang="en-US" sz="1000" b="0" i="0" u="none" strike="noStrike" cap="none" normalizeH="0" baseline="0" dirty="0" smtClean="0">
-                <a:ln>
-                  <a:noFill/>
-                </a:ln>
-                <a:solidFill>
-                  <a:srgbClr val="DD4A68"/>
-                </a:solidFill>
-                <a:effectLst/>
-                <a:latin typeface="Consolas" panose="020B0609020204030204" pitchFamily="49" charset="0"/>
-                <a:cs typeface="Consolas" panose="020B0609020204030204" pitchFamily="49" charset="0"/>
-              </a:rPr>
-              <a:t>log</a:t>
-            </a:r>
-            <a:r>
-              <a:rPr kumimoji="0" lang="en-US" altLang="en-US" sz="1000" b="0" i="0" u="none" strike="noStrike" cap="none" normalizeH="0" baseline="0" dirty="0" smtClean="0">
-                <a:ln>
-                  <a:noFill/>
-                </a:ln>
-                <a:solidFill>
-                  <a:srgbClr val="999999"/>
-                </a:solidFill>
-                <a:effectLst/>
-                <a:latin typeface="Consolas" panose="020B0609020204030204" pitchFamily="49" charset="0"/>
-                <a:cs typeface="Consolas" panose="020B0609020204030204" pitchFamily="49" charset="0"/>
-              </a:rPr>
-              <a:t>(</a:t>
-            </a:r>
-            <a:r>
-              <a:rPr kumimoji="0" lang="en-US" altLang="en-US" sz="1000" b="0" i="0" u="none" strike="noStrike" cap="none" normalizeH="0" baseline="0" dirty="0" smtClean="0">
-                <a:ln>
-                  <a:noFill/>
-                </a:ln>
-                <a:solidFill>
-                  <a:srgbClr val="000000"/>
-                </a:solidFill>
-                <a:effectLst/>
-                <a:latin typeface="Consolas" panose="020B0609020204030204" pitchFamily="49" charset="0"/>
-                <a:cs typeface="Consolas" panose="020B0609020204030204" pitchFamily="49" charset="0"/>
-              </a:rPr>
-              <a:t>x</a:t>
-            </a:r>
-            <a:r>
-              <a:rPr kumimoji="0" lang="en-US" altLang="en-US" sz="1000" b="0" i="0" u="none" strike="noStrike" cap="none" normalizeH="0" baseline="0" dirty="0" smtClean="0">
-                <a:ln>
-                  <a:noFill/>
-                </a:ln>
-                <a:solidFill>
-                  <a:srgbClr val="999999"/>
-                </a:solidFill>
-                <a:effectLst/>
-                <a:latin typeface="Consolas" panose="020B0609020204030204" pitchFamily="49" charset="0"/>
-                <a:cs typeface="Consolas" panose="020B0609020204030204" pitchFamily="49" charset="0"/>
-              </a:rPr>
-              <a:t>);</a:t>
-            </a:r>
-            <a:r>
-              <a:rPr kumimoji="0" lang="en-US" altLang="en-US" sz="900" b="0" i="0" u="none" strike="noStrike" cap="none" normalizeH="0" baseline="0" dirty="0" smtClean="0">
-                <a:ln>
-                  <a:noFill/>
-                </a:ln>
-                <a:solidFill>
-                  <a:schemeClr val="tx1"/>
-                </a:solidFill>
-                <a:effectLst/>
-              </a:rPr>
-              <a:t> </a:t>
-            </a:r>
-            <a:endParaRPr kumimoji="0" lang="en-US" altLang="en-US" sz="1800" b="0" i="0" u="none" strike="noStrike" cap="none" normalizeH="0" baseline="0" dirty="0" smtClean="0">
-              <a:ln>
-                <a:noFill/>
-              </a:ln>
-              <a:solidFill>
-                <a:schemeClr val="tx1"/>
-              </a:solidFill>
-              <a:effectLst/>
-              <a:latin typeface="Arial" panose="020B0604020202020204" pitchFamily="34" charset="0"/>
-            </a:endParaRPr>
           </a:p>
         </p:txBody>
       </p:sp>
     </p:spTree>
     <p:extLst>
       <p:ext uri="{BB962C8B-B14F-4D97-AF65-F5344CB8AC3E}">
-        <p14:creationId xmlns:p14="http://schemas.microsoft.com/office/powerpoint/2010/main" val="1165382354"/>
+        <p14:creationId xmlns:p14="http://schemas.microsoft.com/office/powerpoint/2010/main" val="2977075770"/>
       </p:ext>
     </p:extLst>
   </p:cSld>
   <p:clrMapOvr>
     <a:masterClrMapping/>
   </p:clrMapOvr>
-  <p:timing>
-    <p:tnLst>
-      <p:par>
-        <p:cTn id="1" dur="indefinite" restart="never" nodeType="tmRoot"/>
-      </p:par>
-    </p:tnLst>
-  </p:timing>
 </p:sld>
 </file>
 
@@ -8736,12 +7459,12 @@
       </p:grpSpPr>
       <p:sp>
         <p:nvSpPr>
-          <p:cNvPr id="2" name="Title 1"/>
+          <p:cNvPr id="3" name="Content Placeholder 2"/>
           <p:cNvSpPr>
             <a:spLocks noGrp="1"/>
           </p:cNvSpPr>
           <p:nvPr>
-            <p:ph type="title"/>
+            <p:ph idx="1"/>
           </p:nvPr>
         </p:nvSpPr>
         <p:spPr/>
@@ -8749,11 +7472,7 @@
           <a:bodyPr/>
           <a:lstStyle/>
           <a:p>
-            <a:r>
-              <a:rPr lang="en-US" dirty="0" err="1"/>
-              <a:t>ReferenceError</a:t>
-            </a:r>
-            <a:endParaRPr lang="en-US" dirty="0"/>
+            <a:endParaRPr lang="en-US"/>
           </a:p>
         </p:txBody>
       </p:sp>
@@ -8764,19 +7483,19 @@
             <a:spLocks noGrp="1" noChangeArrowheads="1"/>
           </p:cNvSpPr>
           <p:nvPr>
-            <p:ph idx="1"/>
+            <p:ph type="title"/>
           </p:nvPr>
         </p:nvSpPr>
         <p:spPr bwMode="auto">
           <a:xfrm>
-            <a:off x="838200" y="3447299"/>
-            <a:ext cx="4470776" cy="1107996"/>
+            <a:off x="838200" y="230610"/>
+            <a:ext cx="5052665" cy="1594592"/>
           </a:xfrm>
           <a:prstGeom prst="rect">
             <a:avLst/>
           </a:prstGeom>
           <a:solidFill>
-            <a:srgbClr val="F5F2F0"/>
+            <a:srgbClr val="FFFFFF"/>
           </a:solidFill>
           <a:ln>
             <a:noFill/>
@@ -8805,7 +7524,7 @@
           </a:extLst>
         </p:spPr>
         <p:txBody>
-          <a:bodyPr vert="horz" wrap="none" lIns="0" tIns="0" rIns="0" bIns="0" numCol="1" anchor="ctr" anchorCtr="0" compatLnSpc="1">
+          <a:bodyPr vert="horz" wrap="none" lIns="0" tIns="158700" rIns="0" bIns="79350" numCol="1" anchor="ctr" anchorCtr="0" compatLnSpc="1">
             <a:prstTxWarp prst="textNoShape">
               <a:avLst/>
             </a:prstTxWarp>
@@ -8830,21 +7549,20 @@
               <a:tabLst/>
             </a:pPr>
             <a:r>
-              <a:rPr kumimoji="0" lang="en-US" altLang="en-US" sz="2400" b="0" i="0" u="none" strike="noStrike" cap="none" normalizeH="0" baseline="0" dirty="0" smtClean="0">
-                <a:ln>
-                  <a:noFill/>
-                </a:ln>
-                <a:solidFill>
-                  <a:srgbClr val="0077AA"/>
-                </a:solidFill>
-                <a:effectLst/>
-                <a:latin typeface="Consolas" panose="020B0609020204030204" pitchFamily="49" charset="0"/>
-                <a:cs typeface="Consolas" panose="020B0609020204030204" pitchFamily="49" charset="0"/>
+              <a:rPr kumimoji="0" lang="en-US" altLang="en-US" b="1" i="0" u="none" strike="noStrike" cap="none" normalizeH="0" baseline="0" dirty="0" smtClean="0">
+                <a:ln>
+                  <a:noFill/>
+                </a:ln>
+                <a:solidFill>
+                  <a:srgbClr val="000000"/>
+                </a:solidFill>
+                <a:effectLst/>
+                <a:latin typeface="Arial Unicode MS" panose="020B0604020202020204" pitchFamily="34" charset="-128"/>
               </a:rPr>
               <a:t>let</a:t>
             </a:r>
             <a:r>
-              <a:rPr kumimoji="0" lang="en-US" altLang="en-US" sz="2400" b="0" i="0" u="none" strike="noStrike" cap="none" normalizeH="0" baseline="0" dirty="0" smtClean="0">
+              <a:rPr kumimoji="0" lang="en-US" altLang="en-US" b="1" i="0" u="none" strike="noStrike" cap="none" normalizeH="0" baseline="0" dirty="0" smtClean="0">
                 <a:ln>
                   <a:noFill/>
                 </a:ln>
@@ -8852,27 +7570,12 @@
                   <a:srgbClr val="000000"/>
                 </a:solidFill>
                 <a:effectLst/>
-                <a:latin typeface="Consolas" panose="020B0609020204030204" pitchFamily="49" charset="0"/>
-                <a:cs typeface="Consolas" panose="020B0609020204030204" pitchFamily="49" charset="0"/>
-              </a:rPr>
-              <a:t> a </a:t>
-            </a:r>
-            <a:r>
-              <a:rPr kumimoji="0" lang="en-US" altLang="en-US" sz="2400" b="0" i="0" u="none" strike="noStrike" cap="none" normalizeH="0" baseline="0" dirty="0" smtClean="0">
-                <a:ln>
-                  <a:noFill/>
-                </a:ln>
-                <a:solidFill>
-                  <a:srgbClr val="A67F59"/>
-                </a:solidFill>
-                <a:effectLst/>
-                <a:latin typeface="Consolas" panose="020B0609020204030204" pitchFamily="49" charset="0"/>
-                <a:cs typeface="Consolas" panose="020B0609020204030204" pitchFamily="49" charset="0"/>
-              </a:rPr>
-              <a:t>=</a:t>
-            </a:r>
-            <a:r>
-              <a:rPr kumimoji="0" lang="en-US" altLang="en-US" sz="2400" b="0" i="0" u="none" strike="noStrike" cap="none" normalizeH="0" baseline="0" dirty="0" smtClean="0">
+                <a:latin typeface="Open Sans"/>
+              </a:rPr>
+              <a:t> is the new </a:t>
+            </a:r>
+            <a:r>
+              <a:rPr kumimoji="0" lang="en-US" altLang="en-US" b="1" i="0" u="none" strike="noStrike" cap="none" normalizeH="0" baseline="0" dirty="0" err="1" smtClean="0">
                 <a:ln>
                   <a:noFill/>
                 </a:ln>
@@ -8880,41 +7583,12 @@
                   <a:srgbClr val="000000"/>
                 </a:solidFill>
                 <a:effectLst/>
-                <a:latin typeface="Consolas" panose="020B0609020204030204" pitchFamily="49" charset="0"/>
-                <a:cs typeface="Consolas" panose="020B0609020204030204" pitchFamily="49" charset="0"/>
-              </a:rPr>
-              <a:t> </a:t>
-            </a:r>
-            <a:r>
-              <a:rPr kumimoji="0" lang="en-US" altLang="en-US" sz="2400" b="0" i="0" u="none" strike="noStrike" cap="none" normalizeH="0" baseline="0" dirty="0" smtClean="0">
-                <a:ln>
-                  <a:noFill/>
-                </a:ln>
-                <a:solidFill>
-                  <a:srgbClr val="DD4A68"/>
-                </a:solidFill>
-                <a:effectLst/>
-                <a:latin typeface="Consolas" panose="020B0609020204030204" pitchFamily="49" charset="0"/>
-                <a:cs typeface="Consolas" panose="020B0609020204030204" pitchFamily="49" charset="0"/>
-              </a:rPr>
-              <a:t>f</a:t>
-            </a:r>
-            <a:r>
-              <a:rPr kumimoji="0" lang="en-US" altLang="en-US" sz="2400" b="0" i="0" u="none" strike="noStrike" cap="none" normalizeH="0" baseline="0" dirty="0" smtClean="0">
-                <a:ln>
-                  <a:noFill/>
-                </a:ln>
-                <a:solidFill>
-                  <a:srgbClr val="999999"/>
-                </a:solidFill>
-                <a:effectLst/>
-                <a:latin typeface="Consolas" panose="020B0609020204030204" pitchFamily="49" charset="0"/>
-                <a:cs typeface="Consolas" panose="020B0609020204030204" pitchFamily="49" charset="0"/>
-              </a:rPr>
-              <a:t>();</a:t>
-            </a:r>
-            <a:r>
-              <a:rPr kumimoji="0" lang="en-US" altLang="en-US" sz="2400" b="0" i="0" u="none" strike="noStrike" cap="none" normalizeH="0" baseline="0" dirty="0" smtClean="0">
+                <a:latin typeface="Arial Unicode MS" panose="020B0604020202020204" pitchFamily="34" charset="-128"/>
+              </a:rPr>
+              <a:t>var</a:t>
+            </a:r>
+            <a:r>
+              <a:rPr kumimoji="0" lang="en-US" altLang="en-US" b="1" i="0" u="none" strike="noStrike" cap="none" normalizeH="0" baseline="0" dirty="0" smtClean="0">
                 <a:ln>
                   <a:noFill/>
                 </a:ln>
@@ -8922,11 +7596,20 @@
                   <a:srgbClr val="000000"/>
                 </a:solidFill>
                 <a:effectLst/>
-                <a:latin typeface="Consolas" panose="020B0609020204030204" pitchFamily="49" charset="0"/>
-                <a:cs typeface="Consolas" panose="020B0609020204030204" pitchFamily="49" charset="0"/>
-              </a:rPr>
-              <a:t> </a:t>
-            </a:r>
+                <a:latin typeface="Arial Unicode MS" panose="020B0604020202020204" pitchFamily="34" charset="-128"/>
+              </a:rPr>
+              <a:t> !!!</a:t>
+            </a:r>
+            <a:endParaRPr kumimoji="0" lang="en-US" altLang="en-US" b="1" i="0" u="none" strike="noStrike" cap="none" normalizeH="0" baseline="0" dirty="0" smtClean="0">
+              <a:ln>
+                <a:noFill/>
+              </a:ln>
+              <a:solidFill>
+                <a:srgbClr val="000000"/>
+              </a:solidFill>
+              <a:effectLst/>
+              <a:latin typeface="Open Sans"/>
+            </a:endParaRPr>
           </a:p>
           <a:p>
             <a:pPr marL="0" marR="0" lvl="0" indent="0" algn="l" defTabSz="914400" rtl="0" eaLnBrk="0" fontAlgn="base" latinLnBrk="0" hangingPunct="0">
@@ -8945,303 +7628,7 @@
               <a:buNone/>
               <a:tabLst/>
             </a:pPr>
-            <a:r>
-              <a:rPr kumimoji="0" lang="en-US" altLang="en-US" sz="2400" b="0" i="0" u="none" strike="noStrike" cap="none" normalizeH="0" baseline="0" dirty="0" err="1" smtClean="0">
-                <a:ln>
-                  <a:noFill/>
-                </a:ln>
-                <a:solidFill>
-                  <a:srgbClr val="0077AA"/>
-                </a:solidFill>
-                <a:effectLst/>
-                <a:latin typeface="Consolas" panose="020B0609020204030204" pitchFamily="49" charset="0"/>
-                <a:cs typeface="Consolas" panose="020B0609020204030204" pitchFamily="49" charset="0"/>
-              </a:rPr>
-              <a:t>const</a:t>
-            </a:r>
-            <a:r>
-              <a:rPr kumimoji="0" lang="en-US" altLang="en-US" sz="2400" b="0" i="0" u="none" strike="noStrike" cap="none" normalizeH="0" baseline="0" dirty="0" smtClean="0">
-                <a:ln>
-                  <a:noFill/>
-                </a:ln>
-                <a:solidFill>
-                  <a:srgbClr val="000000"/>
-                </a:solidFill>
-                <a:effectLst/>
-                <a:latin typeface="Consolas" panose="020B0609020204030204" pitchFamily="49" charset="0"/>
-                <a:cs typeface="Consolas" panose="020B0609020204030204" pitchFamily="49" charset="0"/>
-              </a:rPr>
-              <a:t> b </a:t>
-            </a:r>
-            <a:r>
-              <a:rPr kumimoji="0" lang="en-US" altLang="en-US" sz="2400" b="0" i="0" u="none" strike="noStrike" cap="none" normalizeH="0" baseline="0" dirty="0" smtClean="0">
-                <a:ln>
-                  <a:noFill/>
-                </a:ln>
-                <a:solidFill>
-                  <a:srgbClr val="A67F59"/>
-                </a:solidFill>
-                <a:effectLst/>
-                <a:latin typeface="Consolas" panose="020B0609020204030204" pitchFamily="49" charset="0"/>
-                <a:cs typeface="Consolas" panose="020B0609020204030204" pitchFamily="49" charset="0"/>
-              </a:rPr>
-              <a:t>=</a:t>
-            </a:r>
-            <a:r>
-              <a:rPr kumimoji="0" lang="en-US" altLang="en-US" sz="2400" b="0" i="0" u="none" strike="noStrike" cap="none" normalizeH="0" baseline="0" dirty="0" smtClean="0">
-                <a:ln>
-                  <a:noFill/>
-                </a:ln>
-                <a:solidFill>
-                  <a:srgbClr val="000000"/>
-                </a:solidFill>
-                <a:effectLst/>
-                <a:latin typeface="Consolas" panose="020B0609020204030204" pitchFamily="49" charset="0"/>
-                <a:cs typeface="Consolas" panose="020B0609020204030204" pitchFamily="49" charset="0"/>
-              </a:rPr>
-              <a:t> </a:t>
-            </a:r>
-            <a:r>
-              <a:rPr kumimoji="0" lang="en-US" altLang="en-US" sz="2400" b="0" i="0" u="none" strike="noStrike" cap="none" normalizeH="0" baseline="0" dirty="0" smtClean="0">
-                <a:ln>
-                  <a:noFill/>
-                </a:ln>
-                <a:solidFill>
-                  <a:srgbClr val="990055"/>
-                </a:solidFill>
-                <a:effectLst/>
-                <a:latin typeface="Consolas" panose="020B0609020204030204" pitchFamily="49" charset="0"/>
-                <a:cs typeface="Consolas" panose="020B0609020204030204" pitchFamily="49" charset="0"/>
-              </a:rPr>
-              <a:t>2</a:t>
-            </a:r>
-            <a:r>
-              <a:rPr kumimoji="0" lang="en-US" altLang="en-US" sz="2400" b="0" i="0" u="none" strike="noStrike" cap="none" normalizeH="0" baseline="0" dirty="0" smtClean="0">
-                <a:ln>
-                  <a:noFill/>
-                </a:ln>
-                <a:solidFill>
-                  <a:srgbClr val="999999"/>
-                </a:solidFill>
-                <a:effectLst/>
-                <a:latin typeface="Consolas" panose="020B0609020204030204" pitchFamily="49" charset="0"/>
-                <a:cs typeface="Consolas" panose="020B0609020204030204" pitchFamily="49" charset="0"/>
-              </a:rPr>
-              <a:t>;</a:t>
-            </a:r>
-            <a:r>
-              <a:rPr kumimoji="0" lang="en-US" altLang="en-US" sz="2400" b="0" i="0" u="none" strike="noStrike" cap="none" normalizeH="0" baseline="0" dirty="0" smtClean="0">
-                <a:ln>
-                  <a:noFill/>
-                </a:ln>
-                <a:solidFill>
-                  <a:srgbClr val="000000"/>
-                </a:solidFill>
-                <a:effectLst/>
-                <a:latin typeface="Consolas" panose="020B0609020204030204" pitchFamily="49" charset="0"/>
-                <a:cs typeface="Consolas" panose="020B0609020204030204" pitchFamily="49" charset="0"/>
-              </a:rPr>
-              <a:t> </a:t>
-            </a:r>
-          </a:p>
-          <a:p>
-            <a:pPr marL="0" marR="0" lvl="0" indent="0" algn="l" defTabSz="914400" rtl="0" eaLnBrk="0" fontAlgn="base" latinLnBrk="0" hangingPunct="0">
-              <a:lnSpc>
-                <a:spcPct val="100000"/>
-              </a:lnSpc>
-              <a:spcBef>
-                <a:spcPct val="0"/>
-              </a:spcBef>
-              <a:spcAft>
-                <a:spcPct val="0"/>
-              </a:spcAft>
-              <a:buClrTx/>
-              <a:buSzTx/>
-              <a:buFontTx/>
-              <a:buNone/>
-              <a:tabLst/>
-            </a:pPr>
-            <a:r>
-              <a:rPr kumimoji="0" lang="en-US" altLang="en-US" sz="2400" b="0" i="0" u="none" strike="noStrike" cap="none" normalizeH="0" baseline="0" dirty="0" smtClean="0">
-                <a:ln>
-                  <a:noFill/>
-                </a:ln>
-                <a:solidFill>
-                  <a:srgbClr val="0077AA"/>
-                </a:solidFill>
-                <a:effectLst/>
-                <a:latin typeface="Consolas" panose="020B0609020204030204" pitchFamily="49" charset="0"/>
-                <a:cs typeface="Consolas" panose="020B0609020204030204" pitchFamily="49" charset="0"/>
-              </a:rPr>
-              <a:t>function</a:t>
-            </a:r>
-            <a:r>
-              <a:rPr kumimoji="0" lang="en-US" altLang="en-US" sz="2400" b="0" i="0" u="none" strike="noStrike" cap="none" normalizeH="0" baseline="0" dirty="0" smtClean="0">
-                <a:ln>
-                  <a:noFill/>
-                </a:ln>
-                <a:solidFill>
-                  <a:srgbClr val="000000"/>
-                </a:solidFill>
-                <a:effectLst/>
-                <a:latin typeface="Consolas" panose="020B0609020204030204" pitchFamily="49" charset="0"/>
-                <a:cs typeface="Consolas" panose="020B0609020204030204" pitchFamily="49" charset="0"/>
-              </a:rPr>
-              <a:t> </a:t>
-            </a:r>
-            <a:r>
-              <a:rPr kumimoji="0" lang="en-US" altLang="en-US" sz="2400" b="0" i="0" u="none" strike="noStrike" cap="none" normalizeH="0" baseline="0" dirty="0" smtClean="0">
-                <a:ln>
-                  <a:noFill/>
-                </a:ln>
-                <a:solidFill>
-                  <a:srgbClr val="DD4A68"/>
-                </a:solidFill>
-                <a:effectLst/>
-                <a:latin typeface="Consolas" panose="020B0609020204030204" pitchFamily="49" charset="0"/>
-                <a:cs typeface="Consolas" panose="020B0609020204030204" pitchFamily="49" charset="0"/>
-              </a:rPr>
-              <a:t>f</a:t>
-            </a:r>
-            <a:r>
-              <a:rPr kumimoji="0" lang="en-US" altLang="en-US" sz="2400" b="0" i="0" u="none" strike="noStrike" cap="none" normalizeH="0" baseline="0" dirty="0" smtClean="0">
-                <a:ln>
-                  <a:noFill/>
-                </a:ln>
-                <a:solidFill>
-                  <a:srgbClr val="999999"/>
-                </a:solidFill>
-                <a:effectLst/>
-                <a:latin typeface="Consolas" panose="020B0609020204030204" pitchFamily="49" charset="0"/>
-                <a:cs typeface="Consolas" panose="020B0609020204030204" pitchFamily="49" charset="0"/>
-              </a:rPr>
-              <a:t>()</a:t>
-            </a:r>
-            <a:r>
-              <a:rPr kumimoji="0" lang="en-US" altLang="en-US" sz="2400" b="0" i="0" u="none" strike="noStrike" cap="none" normalizeH="0" baseline="0" dirty="0" smtClean="0">
-                <a:ln>
-                  <a:noFill/>
-                </a:ln>
-                <a:solidFill>
-                  <a:srgbClr val="000000"/>
-                </a:solidFill>
-                <a:effectLst/>
-                <a:latin typeface="Consolas" panose="020B0609020204030204" pitchFamily="49" charset="0"/>
-                <a:cs typeface="Consolas" panose="020B0609020204030204" pitchFamily="49" charset="0"/>
-              </a:rPr>
-              <a:t> </a:t>
-            </a:r>
-            <a:r>
-              <a:rPr kumimoji="0" lang="en-US" altLang="en-US" sz="2400" b="0" i="0" u="none" strike="noStrike" cap="none" normalizeH="0" baseline="0" dirty="0" smtClean="0">
-                <a:ln>
-                  <a:noFill/>
-                </a:ln>
-                <a:solidFill>
-                  <a:srgbClr val="999999"/>
-                </a:solidFill>
-                <a:effectLst/>
-                <a:latin typeface="Consolas" panose="020B0609020204030204" pitchFamily="49" charset="0"/>
-                <a:cs typeface="Consolas" panose="020B0609020204030204" pitchFamily="49" charset="0"/>
-              </a:rPr>
-              <a:t>{</a:t>
-            </a:r>
-            <a:r>
-              <a:rPr kumimoji="0" lang="en-US" altLang="en-US" sz="2400" b="0" i="0" u="none" strike="noStrike" cap="none" normalizeH="0" baseline="0" dirty="0" smtClean="0">
-                <a:ln>
-                  <a:noFill/>
-                </a:ln>
-                <a:solidFill>
-                  <a:srgbClr val="000000"/>
-                </a:solidFill>
-                <a:effectLst/>
-                <a:latin typeface="Consolas" panose="020B0609020204030204" pitchFamily="49" charset="0"/>
-                <a:cs typeface="Consolas" panose="020B0609020204030204" pitchFamily="49" charset="0"/>
-              </a:rPr>
-              <a:t> </a:t>
-            </a:r>
-            <a:r>
-              <a:rPr kumimoji="0" lang="en-US" altLang="en-US" sz="2400" b="0" i="0" u="none" strike="noStrike" cap="none" normalizeH="0" baseline="0" dirty="0" smtClean="0">
-                <a:ln>
-                  <a:noFill/>
-                </a:ln>
-                <a:solidFill>
-                  <a:srgbClr val="0077AA"/>
-                </a:solidFill>
-                <a:effectLst/>
-                <a:latin typeface="Consolas" panose="020B0609020204030204" pitchFamily="49" charset="0"/>
-                <a:cs typeface="Consolas" panose="020B0609020204030204" pitchFamily="49" charset="0"/>
-              </a:rPr>
-              <a:t>return</a:t>
-            </a:r>
-            <a:r>
-              <a:rPr kumimoji="0" lang="en-US" altLang="en-US" sz="2400" b="0" i="0" u="none" strike="noStrike" cap="none" normalizeH="0" baseline="0" dirty="0" smtClean="0">
-                <a:ln>
-                  <a:noFill/>
-                </a:ln>
-                <a:solidFill>
-                  <a:srgbClr val="000000"/>
-                </a:solidFill>
-                <a:effectLst/>
-                <a:latin typeface="Consolas" panose="020B0609020204030204" pitchFamily="49" charset="0"/>
-                <a:cs typeface="Consolas" panose="020B0609020204030204" pitchFamily="49" charset="0"/>
-              </a:rPr>
-              <a:t> b</a:t>
-            </a:r>
-            <a:r>
-              <a:rPr kumimoji="0" lang="en-US" altLang="en-US" sz="2400" b="0" i="0" u="none" strike="noStrike" cap="none" normalizeH="0" baseline="0" dirty="0" smtClean="0">
-                <a:ln>
-                  <a:noFill/>
-                </a:ln>
-                <a:solidFill>
-                  <a:srgbClr val="999999"/>
-                </a:solidFill>
-                <a:effectLst/>
-                <a:latin typeface="Consolas" panose="020B0609020204030204" pitchFamily="49" charset="0"/>
-                <a:cs typeface="Consolas" panose="020B0609020204030204" pitchFamily="49" charset="0"/>
-              </a:rPr>
-              <a:t>;</a:t>
-            </a:r>
-            <a:r>
-              <a:rPr kumimoji="0" lang="en-US" altLang="en-US" sz="2400" b="0" i="0" u="none" strike="noStrike" cap="none" normalizeH="0" baseline="0" dirty="0" smtClean="0">
-                <a:ln>
-                  <a:noFill/>
-                </a:ln>
-                <a:solidFill>
-                  <a:srgbClr val="000000"/>
-                </a:solidFill>
-                <a:effectLst/>
-                <a:latin typeface="Consolas" panose="020B0609020204030204" pitchFamily="49" charset="0"/>
-                <a:cs typeface="Consolas" panose="020B0609020204030204" pitchFamily="49" charset="0"/>
-              </a:rPr>
-              <a:t> </a:t>
-            </a:r>
-            <a:r>
-              <a:rPr kumimoji="0" lang="en-US" altLang="en-US" sz="2400" b="0" i="0" u="none" strike="noStrike" cap="none" normalizeH="0" baseline="0" dirty="0" smtClean="0">
-                <a:ln>
-                  <a:noFill/>
-                </a:ln>
-                <a:solidFill>
-                  <a:srgbClr val="999999"/>
-                </a:solidFill>
-                <a:effectLst/>
-                <a:latin typeface="Consolas" panose="020B0609020204030204" pitchFamily="49" charset="0"/>
-                <a:cs typeface="Consolas" panose="020B0609020204030204" pitchFamily="49" charset="0"/>
-              </a:rPr>
-              <a:t>}</a:t>
-            </a:r>
-            <a:r>
-              <a:rPr kumimoji="0" lang="en-US" altLang="en-US" sz="2000" b="0" i="0" u="none" strike="noStrike" cap="none" normalizeH="0" baseline="0" dirty="0" smtClean="0">
-                <a:ln>
-                  <a:noFill/>
-                </a:ln>
-                <a:solidFill>
-                  <a:schemeClr val="tx1"/>
-                </a:solidFill>
-                <a:effectLst/>
-              </a:rPr>
-              <a:t> </a:t>
-            </a:r>
-            <a:endParaRPr kumimoji="0" lang="en-US" altLang="en-US" sz="4800" b="0" i="0" u="none" strike="noStrike" cap="none" normalizeH="0" baseline="0" dirty="0" smtClean="0">
+            <a:endParaRPr kumimoji="0" lang="en-US" altLang="en-US" b="0" i="0" u="none" strike="noStrike" cap="none" normalizeH="0" baseline="0" dirty="0" smtClean="0">
               <a:ln>
                 <a:noFill/>
               </a:ln>
@@ -9257,20 +7644,13 @@
     </p:spTree>
     <p:extLst>
       <p:ext uri="{BB962C8B-B14F-4D97-AF65-F5344CB8AC3E}">
-        <p14:creationId xmlns:p14="http://schemas.microsoft.com/office/powerpoint/2010/main" val="4266518205"/>
+        <p14:creationId xmlns:p14="http://schemas.microsoft.com/office/powerpoint/2010/main" val="823240893"/>
       </p:ext>
     </p:extLst>
   </p:cSld>
   <p:clrMapOvr>
     <a:masterClrMapping/>
   </p:clrMapOvr>
-  <p:timing>
-    <p:tnLst>
-      <p:par>
-        <p:cTn id="1" dur="indefinite" restart="never" nodeType="tmRoot"/>
-      </p:par>
-    </p:tnLst>
-  </p:timing>
 </p:sld>
 </file>
 
@@ -9308,7 +7688,7 @@
           <a:p>
             <a:r>
               <a:rPr lang="en-US" dirty="0" smtClean="0"/>
-              <a:t>Example	</a:t>
+              <a:t>Let</a:t>
             </a:r>
             <a:endParaRPr lang="en-US" dirty="0"/>
           </a:p>
@@ -9326,14 +7706,14 @@
         </p:nvSpPr>
         <p:spPr bwMode="auto">
           <a:xfrm>
-            <a:off x="838200" y="3139521"/>
-            <a:ext cx="4472378" cy="1723549"/>
+            <a:off x="509016" y="1825684"/>
+            <a:ext cx="10318402" cy="1754326"/>
           </a:xfrm>
           <a:prstGeom prst="rect">
             <a:avLst/>
           </a:prstGeom>
           <a:solidFill>
-            <a:srgbClr val="F5F2F0"/>
+            <a:srgbClr val="FFFFFF"/>
           </a:solidFill>
           <a:ln>
             <a:noFill/>
@@ -9362,6 +7742,889 @@
           </a:extLst>
         </p:spPr>
         <p:txBody>
+          <a:bodyPr vert="horz" wrap="none" lIns="91440" tIns="45720" rIns="91440" bIns="45720" numCol="1" anchor="ctr" anchorCtr="0" compatLnSpc="1">
+            <a:prstTxWarp prst="textNoShape">
+              <a:avLst/>
+            </a:prstTxWarp>
+            <a:spAutoFit/>
+          </a:bodyPr>
+          <a:lstStyle/>
+          <a:p>
+            <a:pPr eaLnBrk="0" fontAlgn="base" hangingPunct="0">
+              <a:lnSpc>
+                <a:spcPct val="100000"/>
+              </a:lnSpc>
+              <a:spcBef>
+                <a:spcPct val="0"/>
+              </a:spcBef>
+              <a:spcAft>
+                <a:spcPct val="0"/>
+              </a:spcAft>
+            </a:pPr>
+            <a:r>
+              <a:rPr kumimoji="0" lang="en-US" altLang="en-US" sz="1800" i="0" u="none" strike="noStrike" cap="none" normalizeH="0" baseline="0" dirty="0" smtClean="0">
+                <a:ln>
+                  <a:noFill/>
+                </a:ln>
+                <a:effectLst/>
+                <a:latin typeface="Arial Unicode MS" panose="020B0604020202020204" pitchFamily="34" charset="-128"/>
+              </a:rPr>
+              <a:t>let</a:t>
+            </a:r>
+            <a:r>
+              <a:rPr kumimoji="0" lang="en-US" altLang="en-US" sz="1800" i="0" u="none" strike="noStrike" cap="none" normalizeH="0" baseline="0" dirty="0" smtClean="0">
+                <a:ln>
+                  <a:noFill/>
+                </a:ln>
+                <a:effectLst/>
+                <a:latin typeface="Open Sans"/>
+              </a:rPr>
+              <a:t> variables are block-scoped</a:t>
+            </a:r>
+            <a:r>
+              <a:rPr kumimoji="0" lang="en-US" altLang="en-US" sz="1800" i="0" u="none" strike="noStrike" cap="none" normalizeH="0" baseline="0" dirty="0" smtClean="0">
+                <a:ln>
+                  <a:noFill/>
+                </a:ln>
+                <a:effectLst/>
+              </a:rPr>
+              <a:t> </a:t>
+            </a:r>
+          </a:p>
+          <a:p>
+            <a:pPr eaLnBrk="0" fontAlgn="base" hangingPunct="0">
+              <a:lnSpc>
+                <a:spcPct val="100000"/>
+              </a:lnSpc>
+              <a:spcBef>
+                <a:spcPct val="0"/>
+              </a:spcBef>
+              <a:spcAft>
+                <a:spcPct val="0"/>
+              </a:spcAft>
+            </a:pPr>
+            <a:r>
+              <a:rPr lang="en-US" altLang="en-US" sz="1800" dirty="0"/>
+              <a:t>Global let variables are not properties on the global object.</a:t>
+            </a:r>
+          </a:p>
+          <a:p>
+            <a:pPr eaLnBrk="0" fontAlgn="base" hangingPunct="0">
+              <a:lnSpc>
+                <a:spcPct val="100000"/>
+              </a:lnSpc>
+              <a:spcBef>
+                <a:spcPct val="0"/>
+              </a:spcBef>
+              <a:spcAft>
+                <a:spcPct val="0"/>
+              </a:spcAft>
+            </a:pPr>
+            <a:r>
+              <a:rPr lang="en-US" altLang="en-US" sz="1800" dirty="0"/>
+              <a:t>Loops of the form for (let x...) create a fresh binding for x in each iteration. (Simple for, for-in, for-of loops)</a:t>
+            </a:r>
+          </a:p>
+          <a:p>
+            <a:pPr eaLnBrk="0" fontAlgn="base" hangingPunct="0">
+              <a:lnSpc>
+                <a:spcPct val="100000"/>
+              </a:lnSpc>
+              <a:spcBef>
+                <a:spcPct val="0"/>
+              </a:spcBef>
+              <a:spcAft>
+                <a:spcPct val="0"/>
+              </a:spcAft>
+            </a:pPr>
+            <a:r>
+              <a:rPr lang="en-US" altLang="en-US" sz="1800" dirty="0"/>
+              <a:t>It’s an error to try to use a let variable before its declaration is reached. </a:t>
+            </a:r>
+          </a:p>
+          <a:p>
+            <a:pPr eaLnBrk="0" fontAlgn="base" hangingPunct="0">
+              <a:lnSpc>
+                <a:spcPct val="100000"/>
+              </a:lnSpc>
+              <a:spcBef>
+                <a:spcPct val="0"/>
+              </a:spcBef>
+              <a:spcAft>
+                <a:spcPct val="0"/>
+              </a:spcAft>
+            </a:pPr>
+            <a:r>
+              <a:rPr lang="en-US" altLang="en-US" sz="1800" dirty="0" err="1"/>
+              <a:t>Redeclaring</a:t>
+            </a:r>
+            <a:r>
+              <a:rPr lang="en-US" altLang="en-US" sz="1800" dirty="0"/>
+              <a:t> a variable with let is a </a:t>
+            </a:r>
+            <a:r>
+              <a:rPr lang="en-US" altLang="en-US" sz="1800" dirty="0" err="1"/>
+              <a:t>SyntaxError</a:t>
+            </a:r>
+            <a:r>
+              <a:rPr lang="en-US" altLang="en-US" sz="1800" dirty="0"/>
+              <a:t>.</a:t>
+            </a:r>
+            <a:endParaRPr kumimoji="0" lang="en-US" altLang="en-US" sz="1800" i="0" u="none" strike="noStrike" cap="none" normalizeH="0" baseline="0" dirty="0" smtClean="0">
+              <a:ln>
+                <a:noFill/>
+              </a:ln>
+              <a:effectLst/>
+            </a:endParaRPr>
+          </a:p>
+          <a:p>
+            <a:pPr eaLnBrk="0" fontAlgn="base" hangingPunct="0">
+              <a:lnSpc>
+                <a:spcPct val="100000"/>
+              </a:lnSpc>
+              <a:spcBef>
+                <a:spcPct val="0"/>
+              </a:spcBef>
+              <a:spcAft>
+                <a:spcPct val="0"/>
+              </a:spcAft>
+            </a:pPr>
+            <a:endParaRPr kumimoji="0" lang="en-US" altLang="en-US" sz="1800" i="0" u="none" strike="noStrike" cap="none" normalizeH="0" baseline="0" dirty="0" smtClean="0">
+              <a:ln>
+                <a:noFill/>
+              </a:ln>
+              <a:effectLst/>
+              <a:latin typeface="Arial" panose="020B0604020202020204" pitchFamily="34" charset="0"/>
+            </a:endParaRPr>
+          </a:p>
+        </p:txBody>
+      </p:sp>
+    </p:spTree>
+    <p:extLst>
+      <p:ext uri="{BB962C8B-B14F-4D97-AF65-F5344CB8AC3E}">
+        <p14:creationId xmlns:p14="http://schemas.microsoft.com/office/powerpoint/2010/main" val="4057368319"/>
+      </p:ext>
+    </p:extLst>
+  </p:cSld>
+  <p:clrMapOvr>
+    <a:masterClrMapping/>
+  </p:clrMapOvr>
+</p:sld>
+</file>
+
+<file path=ppt/slides/slide28.xml><?xml version="1.0" encoding="utf-8"?>
+<p:sld xmlns:a="http://schemas.openxmlformats.org/drawingml/2006/main" xmlns:r="http://schemas.openxmlformats.org/officeDocument/2006/relationships" xmlns:p="http://schemas.openxmlformats.org/presentationml/2006/main">
+  <p:cSld>
+    <p:spTree>
+      <p:nvGrpSpPr>
+        <p:cNvPr id="1" name=""/>
+        <p:cNvGrpSpPr/>
+        <p:nvPr/>
+      </p:nvGrpSpPr>
+      <p:grpSpPr>
+        <a:xfrm>
+          <a:off x="0" y="0"/>
+          <a:ext cx="0" cy="0"/>
+          <a:chOff x="0" y="0"/>
+          <a:chExt cx="0" cy="0"/>
+        </a:xfrm>
+      </p:grpSpPr>
+      <p:sp>
+        <p:nvSpPr>
+          <p:cNvPr id="2" name="Title 1"/>
+          <p:cNvSpPr>
+            <a:spLocks noGrp="1"/>
+          </p:cNvSpPr>
+          <p:nvPr>
+            <p:ph type="title"/>
+          </p:nvPr>
+        </p:nvSpPr>
+        <p:spPr/>
+        <p:txBody>
+          <a:bodyPr/>
+          <a:lstStyle/>
+          <a:p>
+            <a:r>
+              <a:rPr lang="en-US" dirty="0" err="1" smtClean="0"/>
+              <a:t>Const</a:t>
+            </a:r>
+            <a:endParaRPr lang="en-US" dirty="0"/>
+          </a:p>
+        </p:txBody>
+      </p:sp>
+      <p:sp>
+        <p:nvSpPr>
+          <p:cNvPr id="5" name="Rectangle 3"/>
+          <p:cNvSpPr>
+            <a:spLocks noChangeArrowheads="1"/>
+          </p:cNvSpPr>
+          <p:nvPr/>
+        </p:nvSpPr>
+        <p:spPr bwMode="auto">
+          <a:xfrm>
+            <a:off x="838200" y="1529049"/>
+            <a:ext cx="7766870" cy="1477328"/>
+          </a:xfrm>
+          <a:prstGeom prst="rect">
+            <a:avLst/>
+          </a:prstGeom>
+          <a:noFill/>
+          <a:ln>
+            <a:noFill/>
+          </a:ln>
+          <a:effectLst/>
+          <a:extLst>
+            <a:ext uri="{909E8E84-426E-40DD-AFC4-6F175D3DCCD1}">
+              <a14:hiddenFill xmlns:a14="http://schemas.microsoft.com/office/drawing/2010/main">
+                <a:solidFill>
+                  <a:schemeClr val="accent1"/>
+                </a:solidFill>
+              </a14:hiddenFill>
+            </a:ext>
+            <a:ext uri="{91240B29-F687-4F45-9708-019B960494DF}">
+              <a14:hiddenLine xmlns:a14="http://schemas.microsoft.com/office/drawing/2010/main" w="9525">
+                <a:solidFill>
+                  <a:schemeClr val="tx1"/>
+                </a:solidFill>
+                <a:miter lim="800000"/>
+                <a:headEnd/>
+                <a:tailEnd/>
+              </a14:hiddenLine>
+            </a:ext>
+            <a:ext uri="{AF507438-7753-43E0-B8FC-AC1667EBCBE1}">
+              <a14:hiddenEffects xmlns:a14="http://schemas.microsoft.com/office/drawing/2010/main">
+                <a:effectLst>
+                  <a:outerShdw dist="35921" dir="2700000" algn="ctr" rotWithShape="0">
+                    <a:schemeClr val="bg2"/>
+                  </a:outerShdw>
+                </a:effectLst>
+              </a14:hiddenEffects>
+            </a:ext>
+          </a:extLst>
+        </p:spPr>
+        <p:txBody>
+          <a:bodyPr vert="horz" wrap="none" lIns="91440" tIns="45720" rIns="91440" bIns="45720" numCol="1" anchor="ctr" anchorCtr="0" compatLnSpc="1">
+            <a:prstTxWarp prst="textNoShape">
+              <a:avLst/>
+            </a:prstTxWarp>
+            <a:spAutoFit/>
+          </a:bodyPr>
+          <a:lstStyle>
+            <a:lvl1pPr eaLnBrk="0" fontAlgn="base" hangingPunct="0">
+              <a:spcBef>
+                <a:spcPct val="0"/>
+              </a:spcBef>
+              <a:spcAft>
+                <a:spcPct val="0"/>
+              </a:spcAft>
+              <a:defRPr>
+                <a:solidFill>
+                  <a:schemeClr val="tx1"/>
+                </a:solidFill>
+                <a:latin typeface="Arial" panose="020B0604020202020204" pitchFamily="34" charset="0"/>
+              </a:defRPr>
+            </a:lvl1pPr>
+            <a:lvl2pPr eaLnBrk="0" fontAlgn="base" hangingPunct="0">
+              <a:spcBef>
+                <a:spcPct val="0"/>
+              </a:spcBef>
+              <a:spcAft>
+                <a:spcPct val="0"/>
+              </a:spcAft>
+              <a:defRPr>
+                <a:solidFill>
+                  <a:schemeClr val="tx1"/>
+                </a:solidFill>
+                <a:latin typeface="Arial" panose="020B0604020202020204" pitchFamily="34" charset="0"/>
+              </a:defRPr>
+            </a:lvl2pPr>
+            <a:lvl3pPr eaLnBrk="0" fontAlgn="base" hangingPunct="0">
+              <a:spcBef>
+                <a:spcPct val="0"/>
+              </a:spcBef>
+              <a:spcAft>
+                <a:spcPct val="0"/>
+              </a:spcAft>
+              <a:defRPr>
+                <a:solidFill>
+                  <a:schemeClr val="tx1"/>
+                </a:solidFill>
+                <a:latin typeface="Arial" panose="020B0604020202020204" pitchFamily="34" charset="0"/>
+              </a:defRPr>
+            </a:lvl3pPr>
+            <a:lvl4pPr eaLnBrk="0" fontAlgn="base" hangingPunct="0">
+              <a:spcBef>
+                <a:spcPct val="0"/>
+              </a:spcBef>
+              <a:spcAft>
+                <a:spcPct val="0"/>
+              </a:spcAft>
+              <a:defRPr>
+                <a:solidFill>
+                  <a:schemeClr val="tx1"/>
+                </a:solidFill>
+                <a:latin typeface="Arial" panose="020B0604020202020204" pitchFamily="34" charset="0"/>
+              </a:defRPr>
+            </a:lvl4pPr>
+            <a:lvl5pPr eaLnBrk="0" fontAlgn="base" hangingPunct="0">
+              <a:spcBef>
+                <a:spcPct val="0"/>
+              </a:spcBef>
+              <a:spcAft>
+                <a:spcPct val="0"/>
+              </a:spcAft>
+              <a:defRPr>
+                <a:solidFill>
+                  <a:schemeClr val="tx1"/>
+                </a:solidFill>
+                <a:latin typeface="Arial" panose="020B0604020202020204" pitchFamily="34" charset="0"/>
+              </a:defRPr>
+            </a:lvl5pPr>
+            <a:lvl6pPr eaLnBrk="0" fontAlgn="base" hangingPunct="0">
+              <a:spcBef>
+                <a:spcPct val="0"/>
+              </a:spcBef>
+              <a:spcAft>
+                <a:spcPct val="0"/>
+              </a:spcAft>
+              <a:defRPr>
+                <a:solidFill>
+                  <a:schemeClr val="tx1"/>
+                </a:solidFill>
+                <a:latin typeface="Arial" panose="020B0604020202020204" pitchFamily="34" charset="0"/>
+              </a:defRPr>
+            </a:lvl6pPr>
+            <a:lvl7pPr eaLnBrk="0" fontAlgn="base" hangingPunct="0">
+              <a:spcBef>
+                <a:spcPct val="0"/>
+              </a:spcBef>
+              <a:spcAft>
+                <a:spcPct val="0"/>
+              </a:spcAft>
+              <a:defRPr>
+                <a:solidFill>
+                  <a:schemeClr val="tx1"/>
+                </a:solidFill>
+                <a:latin typeface="Arial" panose="020B0604020202020204" pitchFamily="34" charset="0"/>
+              </a:defRPr>
+            </a:lvl7pPr>
+            <a:lvl8pPr eaLnBrk="0" fontAlgn="base" hangingPunct="0">
+              <a:spcBef>
+                <a:spcPct val="0"/>
+              </a:spcBef>
+              <a:spcAft>
+                <a:spcPct val="0"/>
+              </a:spcAft>
+              <a:defRPr>
+                <a:solidFill>
+                  <a:schemeClr val="tx1"/>
+                </a:solidFill>
+                <a:latin typeface="Arial" panose="020B0604020202020204" pitchFamily="34" charset="0"/>
+              </a:defRPr>
+            </a:lvl8pPr>
+            <a:lvl9pPr eaLnBrk="0" fontAlgn="base" hangingPunct="0">
+              <a:spcBef>
+                <a:spcPct val="0"/>
+              </a:spcBef>
+              <a:spcAft>
+                <a:spcPct val="0"/>
+              </a:spcAft>
+              <a:defRPr>
+                <a:solidFill>
+                  <a:schemeClr val="tx1"/>
+                </a:solidFill>
+                <a:latin typeface="Arial" panose="020B0604020202020204" pitchFamily="34" charset="0"/>
+              </a:defRPr>
+            </a:lvl9pPr>
+          </a:lstStyle>
+          <a:p>
+            <a:pPr marL="0" marR="0" lvl="0" indent="0" algn="l" defTabSz="914400" rtl="0" eaLnBrk="0" fontAlgn="base" latinLnBrk="0" hangingPunct="0">
+              <a:lnSpc>
+                <a:spcPct val="100000"/>
+              </a:lnSpc>
+              <a:spcBef>
+                <a:spcPct val="0"/>
+              </a:spcBef>
+              <a:spcAft>
+                <a:spcPct val="0"/>
+              </a:spcAft>
+              <a:buClrTx/>
+              <a:buSzTx/>
+              <a:buFontTx/>
+              <a:buNone/>
+              <a:tabLst/>
+            </a:pPr>
+            <a:r>
+              <a:rPr kumimoji="0" lang="en-US" altLang="en-US" b="1" i="0" u="none" strike="noStrike" cap="none" normalizeH="0" baseline="0" dirty="0" err="1" smtClean="0">
+                <a:ln>
+                  <a:noFill/>
+                </a:ln>
+                <a:solidFill>
+                  <a:srgbClr val="000000"/>
+                </a:solidFill>
+                <a:effectLst/>
+                <a:latin typeface="Courier New" panose="02070309020205020404" pitchFamily="49" charset="0"/>
+                <a:cs typeface="Courier New" panose="02070309020205020404" pitchFamily="49" charset="0"/>
+              </a:rPr>
+              <a:t>const</a:t>
+            </a:r>
+            <a:r>
+              <a:rPr kumimoji="0" lang="en-US" altLang="en-US" b="0" i="0" u="none" strike="noStrike" cap="none" normalizeH="0" baseline="0" dirty="0" smtClean="0">
+                <a:ln>
+                  <a:noFill/>
+                </a:ln>
+                <a:solidFill>
+                  <a:srgbClr val="000000"/>
+                </a:solidFill>
+                <a:effectLst/>
+                <a:latin typeface="Courier New" panose="02070309020205020404" pitchFamily="49" charset="0"/>
+                <a:cs typeface="Courier New" panose="02070309020205020404" pitchFamily="49" charset="0"/>
+              </a:rPr>
+              <a:t> MAX_CAT_SIZE_KG = </a:t>
+            </a:r>
+            <a:r>
+              <a:rPr kumimoji="0" lang="en-US" altLang="en-US" b="0" i="0" u="none" strike="noStrike" cap="none" normalizeH="0" baseline="0" dirty="0" smtClean="0">
+                <a:ln>
+                  <a:noFill/>
+                </a:ln>
+                <a:solidFill>
+                  <a:srgbClr val="008800"/>
+                </a:solidFill>
+                <a:effectLst/>
+                <a:latin typeface="Courier New" panose="02070309020205020404" pitchFamily="49" charset="0"/>
+                <a:cs typeface="Courier New" panose="02070309020205020404" pitchFamily="49" charset="0"/>
+              </a:rPr>
+              <a:t>3000</a:t>
+            </a:r>
+            <a:r>
+              <a:rPr kumimoji="0" lang="en-US" altLang="en-US" b="0" i="0" u="none" strike="noStrike" cap="none" normalizeH="0" baseline="0" dirty="0" smtClean="0">
+                <a:ln>
+                  <a:noFill/>
+                </a:ln>
+                <a:solidFill>
+                  <a:srgbClr val="000000"/>
+                </a:solidFill>
+                <a:effectLst/>
+                <a:latin typeface="Courier New" panose="02070309020205020404" pitchFamily="49" charset="0"/>
+                <a:cs typeface="Courier New" panose="02070309020205020404" pitchFamily="49" charset="0"/>
+              </a:rPr>
+              <a:t>; </a:t>
+            </a:r>
+            <a:r>
+              <a:rPr kumimoji="0" lang="en-US" altLang="en-US" b="0" i="0" u="none" strike="noStrike" cap="none" normalizeH="0" baseline="0" dirty="0" smtClean="0">
+                <a:ln>
+                  <a:noFill/>
+                </a:ln>
+                <a:solidFill>
+                  <a:srgbClr val="888888"/>
+                </a:solidFill>
+                <a:effectLst/>
+                <a:latin typeface="Courier New" panose="02070309020205020404" pitchFamily="49" charset="0"/>
+                <a:cs typeface="Courier New" panose="02070309020205020404" pitchFamily="49" charset="0"/>
+              </a:rPr>
+              <a:t>// </a:t>
+            </a:r>
+          </a:p>
+          <a:p>
+            <a:pPr marL="0" marR="0" lvl="0" indent="0" algn="l" defTabSz="914400" rtl="0" eaLnBrk="0" fontAlgn="base" latinLnBrk="0" hangingPunct="0">
+              <a:lnSpc>
+                <a:spcPct val="100000"/>
+              </a:lnSpc>
+              <a:spcBef>
+                <a:spcPct val="0"/>
+              </a:spcBef>
+              <a:spcAft>
+                <a:spcPct val="0"/>
+              </a:spcAft>
+              <a:buClrTx/>
+              <a:buSzTx/>
+              <a:buFontTx/>
+              <a:buNone/>
+              <a:tabLst/>
+            </a:pPr>
+            <a:r>
+              <a:rPr kumimoji="0" lang="en-US" altLang="en-US" b="0" i="0" u="none" strike="noStrike" cap="none" normalizeH="0" baseline="0" dirty="0" smtClean="0">
+                <a:ln>
+                  <a:noFill/>
+                </a:ln>
+                <a:solidFill>
+                  <a:srgbClr val="000000"/>
+                </a:solidFill>
+                <a:effectLst/>
+                <a:latin typeface="Courier New" panose="02070309020205020404" pitchFamily="49" charset="0"/>
+                <a:cs typeface="Courier New" panose="02070309020205020404" pitchFamily="49" charset="0"/>
+              </a:rPr>
+              <a:t>MAX_CAT_SIZE_KG = </a:t>
+            </a:r>
+            <a:r>
+              <a:rPr kumimoji="0" lang="en-US" altLang="en-US" b="0" i="0" u="none" strike="noStrike" cap="none" normalizeH="0" baseline="0" dirty="0" smtClean="0">
+                <a:ln>
+                  <a:noFill/>
+                </a:ln>
+                <a:solidFill>
+                  <a:srgbClr val="008800"/>
+                </a:solidFill>
+                <a:effectLst/>
+                <a:latin typeface="Courier New" panose="02070309020205020404" pitchFamily="49" charset="0"/>
+                <a:cs typeface="Courier New" panose="02070309020205020404" pitchFamily="49" charset="0"/>
+              </a:rPr>
+              <a:t>5000</a:t>
+            </a:r>
+            <a:r>
+              <a:rPr kumimoji="0" lang="en-US" altLang="en-US" b="0" i="0" u="none" strike="noStrike" cap="none" normalizeH="0" baseline="0" dirty="0" smtClean="0">
+                <a:ln>
+                  <a:noFill/>
+                </a:ln>
+                <a:solidFill>
+                  <a:srgbClr val="000000"/>
+                </a:solidFill>
+                <a:effectLst/>
+                <a:latin typeface="Courier New" panose="02070309020205020404" pitchFamily="49" charset="0"/>
+                <a:cs typeface="Courier New" panose="02070309020205020404" pitchFamily="49" charset="0"/>
+              </a:rPr>
+              <a:t>; </a:t>
+            </a:r>
+            <a:r>
+              <a:rPr kumimoji="0" lang="en-US" altLang="en-US" b="0" i="0" u="none" strike="noStrike" cap="none" normalizeH="0" baseline="0" dirty="0" smtClean="0">
+                <a:ln>
+                  <a:noFill/>
+                </a:ln>
+                <a:solidFill>
+                  <a:srgbClr val="888888"/>
+                </a:solidFill>
+                <a:effectLst/>
+                <a:latin typeface="Courier New" panose="02070309020205020404" pitchFamily="49" charset="0"/>
+                <a:cs typeface="Courier New" panose="02070309020205020404" pitchFamily="49" charset="0"/>
+              </a:rPr>
+              <a:t>// </a:t>
+            </a:r>
+            <a:r>
+              <a:rPr kumimoji="0" lang="en-US" altLang="en-US" b="0" i="0" u="none" strike="noStrike" cap="none" normalizeH="0" baseline="0" dirty="0" err="1" smtClean="0">
+                <a:ln>
+                  <a:noFill/>
+                </a:ln>
+                <a:solidFill>
+                  <a:srgbClr val="888888"/>
+                </a:solidFill>
+                <a:effectLst/>
+                <a:latin typeface="Courier New" panose="02070309020205020404" pitchFamily="49" charset="0"/>
+                <a:cs typeface="Courier New" panose="02070309020205020404" pitchFamily="49" charset="0"/>
+              </a:rPr>
+              <a:t>SyntaxError</a:t>
+            </a:r>
+            <a:r>
+              <a:rPr kumimoji="0" lang="en-US" altLang="en-US" b="0" i="0" u="none" strike="noStrike" cap="none" normalizeH="0" baseline="0" dirty="0" smtClean="0">
+                <a:ln>
+                  <a:noFill/>
+                </a:ln>
+                <a:solidFill>
+                  <a:srgbClr val="000000"/>
+                </a:solidFill>
+                <a:effectLst/>
+                <a:latin typeface="Courier New" panose="02070309020205020404" pitchFamily="49" charset="0"/>
+                <a:cs typeface="Courier New" panose="02070309020205020404" pitchFamily="49" charset="0"/>
+              </a:rPr>
+              <a:t> </a:t>
+            </a:r>
+          </a:p>
+          <a:p>
+            <a:pPr marL="0" marR="0" lvl="0" indent="0" algn="l" defTabSz="914400" rtl="0" eaLnBrk="0" fontAlgn="base" latinLnBrk="0" hangingPunct="0">
+              <a:lnSpc>
+                <a:spcPct val="100000"/>
+              </a:lnSpc>
+              <a:spcBef>
+                <a:spcPct val="0"/>
+              </a:spcBef>
+              <a:spcAft>
+                <a:spcPct val="0"/>
+              </a:spcAft>
+              <a:buClrTx/>
+              <a:buSzTx/>
+              <a:buFontTx/>
+              <a:buNone/>
+              <a:tabLst/>
+            </a:pPr>
+            <a:r>
+              <a:rPr kumimoji="0" lang="en-US" altLang="en-US" b="0" i="0" u="none" strike="noStrike" cap="none" normalizeH="0" baseline="0" dirty="0" smtClean="0">
+                <a:ln>
+                  <a:noFill/>
+                </a:ln>
+                <a:solidFill>
+                  <a:srgbClr val="000000"/>
+                </a:solidFill>
+                <a:effectLst/>
+                <a:latin typeface="Courier New" panose="02070309020205020404" pitchFamily="49" charset="0"/>
+                <a:cs typeface="Courier New" panose="02070309020205020404" pitchFamily="49" charset="0"/>
+              </a:rPr>
+              <a:t>MAX_CAT_SIZE_KG++; </a:t>
+            </a:r>
+            <a:r>
+              <a:rPr kumimoji="0" lang="en-US" altLang="en-US" b="0" i="0" u="none" strike="noStrike" cap="none" normalizeH="0" baseline="0" dirty="0" smtClean="0">
+                <a:ln>
+                  <a:noFill/>
+                </a:ln>
+                <a:solidFill>
+                  <a:srgbClr val="888888"/>
+                </a:solidFill>
+                <a:effectLst/>
+                <a:latin typeface="Courier New" panose="02070309020205020404" pitchFamily="49" charset="0"/>
+                <a:cs typeface="Courier New" panose="02070309020205020404" pitchFamily="49" charset="0"/>
+              </a:rPr>
+              <a:t>// nice try, but still a </a:t>
+            </a:r>
+            <a:r>
+              <a:rPr kumimoji="0" lang="en-US" altLang="en-US" b="0" i="0" u="none" strike="noStrike" cap="none" normalizeH="0" baseline="0" dirty="0" err="1" smtClean="0">
+                <a:ln>
+                  <a:noFill/>
+                </a:ln>
+                <a:solidFill>
+                  <a:srgbClr val="888888"/>
+                </a:solidFill>
+                <a:effectLst/>
+                <a:latin typeface="Courier New" panose="02070309020205020404" pitchFamily="49" charset="0"/>
+                <a:cs typeface="Courier New" panose="02070309020205020404" pitchFamily="49" charset="0"/>
+              </a:rPr>
+              <a:t>SyntaxError</a:t>
+            </a:r>
+            <a:endParaRPr kumimoji="0" lang="en-US" altLang="en-US" b="0" i="0" u="none" strike="noStrike" cap="none" normalizeH="0" baseline="0" dirty="0" smtClean="0">
+              <a:ln>
+                <a:noFill/>
+              </a:ln>
+              <a:solidFill>
+                <a:srgbClr val="888888"/>
+              </a:solidFill>
+              <a:effectLst/>
+              <a:latin typeface="Courier New" panose="02070309020205020404" pitchFamily="49" charset="0"/>
+              <a:cs typeface="Courier New" panose="02070309020205020404" pitchFamily="49" charset="0"/>
+            </a:endParaRPr>
+          </a:p>
+          <a:p>
+            <a:pPr marL="0" marR="0" lvl="0" indent="0" algn="l" defTabSz="914400" rtl="0" eaLnBrk="0" fontAlgn="base" latinLnBrk="0" hangingPunct="0">
+              <a:lnSpc>
+                <a:spcPct val="100000"/>
+              </a:lnSpc>
+              <a:spcBef>
+                <a:spcPct val="0"/>
+              </a:spcBef>
+              <a:spcAft>
+                <a:spcPct val="0"/>
+              </a:spcAft>
+              <a:buClrTx/>
+              <a:buSzTx/>
+              <a:buFontTx/>
+              <a:buNone/>
+              <a:tabLst/>
+            </a:pPr>
+            <a:endParaRPr lang="en-US" altLang="en-US" dirty="0">
+              <a:solidFill>
+                <a:srgbClr val="888888"/>
+              </a:solidFill>
+              <a:latin typeface="Courier New" panose="02070309020205020404" pitchFamily="49" charset="0"/>
+              <a:cs typeface="Courier New" panose="02070309020205020404" pitchFamily="49" charset="0"/>
+            </a:endParaRPr>
+          </a:p>
+          <a:p>
+            <a:pPr lvl="0"/>
+            <a:r>
+              <a:rPr lang="en-US" b="1" dirty="0" err="1"/>
+              <a:t>const</a:t>
+            </a:r>
+            <a:r>
+              <a:rPr lang="en-US" dirty="0"/>
+              <a:t> </a:t>
+            </a:r>
+            <a:r>
+              <a:rPr lang="en-US" dirty="0" err="1"/>
+              <a:t>theFairest</a:t>
+            </a:r>
+            <a:r>
+              <a:rPr lang="en-US" dirty="0"/>
+              <a:t>; // </a:t>
+            </a:r>
+            <a:r>
+              <a:rPr lang="en-US" dirty="0" err="1"/>
+              <a:t>SyntaxError</a:t>
+            </a:r>
+            <a:r>
+              <a:rPr lang="en-US" dirty="0"/>
+              <a:t>, you troublemaker</a:t>
+            </a:r>
+            <a:r>
+              <a:rPr kumimoji="0" lang="en-US" altLang="en-US" b="0" i="0" u="none" strike="noStrike" cap="none" normalizeH="0" baseline="0" dirty="0" smtClean="0">
+                <a:ln>
+                  <a:noFill/>
+                </a:ln>
+                <a:solidFill>
+                  <a:schemeClr val="tx1"/>
+                </a:solidFill>
+                <a:effectLst/>
+              </a:rPr>
+              <a:t> </a:t>
+            </a:r>
+            <a:endParaRPr kumimoji="0" lang="en-US" altLang="en-US" b="0" i="0" u="none" strike="noStrike" cap="none" normalizeH="0" baseline="0" dirty="0" smtClean="0">
+              <a:ln>
+                <a:noFill/>
+              </a:ln>
+              <a:solidFill>
+                <a:srgbClr val="888888"/>
+              </a:solidFill>
+              <a:effectLst/>
+              <a:latin typeface="Courier New" panose="02070309020205020404" pitchFamily="49" charset="0"/>
+              <a:cs typeface="Courier New" panose="02070309020205020404" pitchFamily="49" charset="0"/>
+            </a:endParaRPr>
+          </a:p>
+        </p:txBody>
+      </p:sp>
+      <p:pic>
+        <p:nvPicPr>
+          <p:cNvPr id="3076" name="Picture 4" descr="🙀"/>
+          <p:cNvPicPr>
+            <a:picLocks noChangeAspect="1" noChangeArrowheads="1"/>
+          </p:cNvPicPr>
+          <p:nvPr/>
+        </p:nvPicPr>
+        <p:blipFill>
+          <a:blip r:embed="rId2">
+            <a:extLst>
+              <a:ext uri="{28A0092B-C50C-407E-A947-70E740481C1C}">
+                <a14:useLocalDpi xmlns:a14="http://schemas.microsoft.com/office/drawing/2010/main" val="0"/>
+              </a:ext>
+            </a:extLst>
+          </a:blip>
+          <a:srcRect/>
+          <a:stretch>
+            <a:fillRect/>
+          </a:stretch>
+        </p:blipFill>
+        <p:spPr bwMode="auto">
+          <a:xfrm>
+            <a:off x="2682875" y="-327025"/>
+            <a:ext cx="685800" cy="685800"/>
+          </a:xfrm>
+          <a:prstGeom prst="rect">
+            <a:avLst/>
+          </a:prstGeom>
+          <a:noFill/>
+          <a:extLst>
+            <a:ext uri="{909E8E84-426E-40DD-AFC4-6F175D3DCCD1}">
+              <a14:hiddenFill xmlns:a14="http://schemas.microsoft.com/office/drawing/2010/main">
+                <a:solidFill>
+                  <a:srgbClr val="FFFFFF"/>
+                </a:solidFill>
+              </a14:hiddenFill>
+            </a:ext>
+          </a:extLst>
+        </p:spPr>
+      </p:pic>
+    </p:spTree>
+    <p:extLst>
+      <p:ext uri="{BB962C8B-B14F-4D97-AF65-F5344CB8AC3E}">
+        <p14:creationId xmlns:p14="http://schemas.microsoft.com/office/powerpoint/2010/main" val="3928090536"/>
+      </p:ext>
+    </p:extLst>
+  </p:cSld>
+  <p:clrMapOvr>
+    <a:masterClrMapping/>
+  </p:clrMapOvr>
+</p:sld>
+</file>
+
+<file path=ppt/slides/slide29.xml><?xml version="1.0" encoding="utf-8"?>
+<p:sld xmlns:a="http://schemas.openxmlformats.org/drawingml/2006/main" xmlns:r="http://schemas.openxmlformats.org/officeDocument/2006/relationships" xmlns:p="http://schemas.openxmlformats.org/presentationml/2006/main">
+  <p:cSld>
+    <p:spTree>
+      <p:nvGrpSpPr>
+        <p:cNvPr id="1" name=""/>
+        <p:cNvGrpSpPr/>
+        <p:nvPr/>
+      </p:nvGrpSpPr>
+      <p:grpSpPr>
+        <a:xfrm>
+          <a:off x="0" y="0"/>
+          <a:ext cx="0" cy="0"/>
+          <a:chOff x="0" y="0"/>
+          <a:chExt cx="0" cy="0"/>
+        </a:xfrm>
+      </p:grpSpPr>
+      <p:sp>
+        <p:nvSpPr>
+          <p:cNvPr id="2" name="Title 1"/>
+          <p:cNvSpPr>
+            <a:spLocks noGrp="1"/>
+          </p:cNvSpPr>
+          <p:nvPr>
+            <p:ph type="title"/>
+          </p:nvPr>
+        </p:nvSpPr>
+        <p:spPr/>
+        <p:txBody>
+          <a:bodyPr/>
+          <a:lstStyle/>
+          <a:p>
+            <a:r>
+              <a:rPr lang="en-US" dirty="0" smtClean="0"/>
+              <a:t>ES6 - </a:t>
+            </a:r>
+            <a:r>
+              <a:rPr lang="en-US" dirty="0"/>
+              <a:t>Temporal Dead </a:t>
+            </a:r>
+            <a:r>
+              <a:rPr lang="en-US" dirty="0" smtClean="0"/>
+              <a:t>Zone</a:t>
+            </a:r>
+            <a:endParaRPr lang="en-US" dirty="0"/>
+          </a:p>
+        </p:txBody>
+      </p:sp>
+      <p:sp>
+        <p:nvSpPr>
+          <p:cNvPr id="4" name="Rectangle 1"/>
+          <p:cNvSpPr>
+            <a:spLocks noGrp="1" noChangeArrowheads="1"/>
+          </p:cNvSpPr>
+          <p:nvPr>
+            <p:ph idx="1"/>
+          </p:nvPr>
+        </p:nvSpPr>
+        <p:spPr bwMode="auto">
+          <a:xfrm>
+            <a:off x="760141" y="1567579"/>
+            <a:ext cx="5445401" cy="553998"/>
+          </a:xfrm>
+          <a:prstGeom prst="rect">
+            <a:avLst/>
+          </a:prstGeom>
+          <a:solidFill>
+            <a:srgbClr val="F5F2F0"/>
+          </a:solidFill>
+          <a:ln>
+            <a:noFill/>
+          </a:ln>
+          <a:effectLst/>
+          <a:extLst>
+            <a:ext uri="{91240B29-F687-4F45-9708-019B960494DF}">
+              <a14:hiddenLine xmlns:a14="http://schemas.microsoft.com/office/drawing/2010/main" w="9525">
+                <a:solidFill>
+                  <a:schemeClr val="tx1"/>
+                </a:solidFill>
+                <a:miter lim="800000"/>
+                <a:headEnd/>
+                <a:tailEnd/>
+              </a14:hiddenLine>
+            </a:ext>
+            <a:ext uri="{AF507438-7753-43E0-B8FC-AC1667EBCBE1}">
+              <a14:hiddenEffects xmlns:a14="http://schemas.microsoft.com/office/drawing/2010/main">
+                <a:effectLst>
+                  <a:outerShdw dist="35921" dir="2700000" algn="ctr" rotWithShape="0">
+                    <a:schemeClr val="bg2"/>
+                  </a:outerShdw>
+                </a:effectLst>
+              </a14:hiddenEffects>
+            </a:ext>
+          </a:extLst>
+        </p:spPr>
+        <p:txBody>
           <a:bodyPr vert="horz" wrap="none" lIns="0" tIns="0" rIns="0" bIns="0" numCol="1" anchor="ctr" anchorCtr="0" compatLnSpc="1">
             <a:prstTxWarp prst="textNoShape">
               <a:avLst/>
@@ -9387,21 +8650,7 @@
               <a:tabLst/>
             </a:pPr>
             <a:r>
-              <a:rPr kumimoji="0" lang="en-US" altLang="en-US" b="0" i="0" u="none" strike="noStrike" cap="none" normalizeH="0" baseline="0" dirty="0" smtClean="0">
-                <a:ln>
-                  <a:noFill/>
-                </a:ln>
-                <a:solidFill>
-                  <a:srgbClr val="0077AA"/>
-                </a:solidFill>
-                <a:effectLst/>
-                <a:latin typeface="Consolas" panose="020B0609020204030204" pitchFamily="49" charset="0"/>
-                <a:cs typeface="Consolas" panose="020B0609020204030204" pitchFamily="49" charset="0"/>
-              </a:rPr>
-              <a:t>let</a:t>
-            </a:r>
-            <a:r>
-              <a:rPr kumimoji="0" lang="en-US" altLang="en-US" b="0" i="0" u="none" strike="noStrike" cap="none" normalizeH="0" baseline="0" dirty="0" smtClean="0">
+              <a:rPr kumimoji="0" lang="en-US" altLang="en-US" sz="1800" b="0" i="0" u="none" strike="noStrike" cap="none" normalizeH="0" baseline="0" dirty="0" smtClean="0">
                 <a:ln>
                   <a:noFill/>
                 </a:ln>
@@ -9412,24 +8661,52 @@
                 <a:latin typeface="Consolas" panose="020B0609020204030204" pitchFamily="49" charset="0"/>
                 <a:cs typeface="Consolas" panose="020B0609020204030204" pitchFamily="49" charset="0"/>
               </a:rPr>
-              <a:t> b </a:t>
-            </a:r>
-            <a:r>
-              <a:rPr kumimoji="0" lang="en-US" altLang="en-US" b="0" i="0" u="none" strike="noStrike" cap="none" normalizeH="0" baseline="0" dirty="0" smtClean="0">
-                <a:ln>
-                  <a:noFill/>
-                </a:ln>
-                <a:solidFill>
-                  <a:srgbClr val="A67F59"/>
-                </a:solidFill>
-                <a:effectLst/>
-                <a:latin typeface="Consolas" panose="020B0609020204030204" pitchFamily="49" charset="0"/>
-                <a:cs typeface="Consolas" panose="020B0609020204030204" pitchFamily="49" charset="0"/>
-              </a:rPr>
-              <a:t>=</a:t>
-            </a:r>
-            <a:r>
-              <a:rPr kumimoji="0" lang="en-US" altLang="en-US" b="0" i="0" u="none" strike="noStrike" cap="none" normalizeH="0" baseline="0" dirty="0" smtClean="0">
+              <a:t>console</a:t>
+            </a:r>
+            <a:r>
+              <a:rPr kumimoji="0" lang="en-US" altLang="en-US" sz="1800" b="0" i="0" u="none" strike="noStrike" cap="none" normalizeH="0" baseline="0" dirty="0" smtClean="0">
+                <a:ln>
+                  <a:noFill/>
+                </a:ln>
+                <a:solidFill>
+                  <a:srgbClr val="999999"/>
+                </a:solidFill>
+                <a:effectLst/>
+                <a:latin typeface="Consolas" panose="020B0609020204030204" pitchFamily="49" charset="0"/>
+                <a:cs typeface="Consolas" panose="020B0609020204030204" pitchFamily="49" charset="0"/>
+              </a:rPr>
+              <a:t>.</a:t>
+            </a:r>
+            <a:r>
+              <a:rPr kumimoji="0" lang="en-US" altLang="en-US" sz="1800" b="0" i="0" u="none" strike="noStrike" cap="none" normalizeH="0" baseline="0" dirty="0" smtClean="0">
+                <a:ln>
+                  <a:noFill/>
+                </a:ln>
+                <a:solidFill>
+                  <a:srgbClr val="DD4A68"/>
+                </a:solidFill>
+                <a:effectLst/>
+                <a:latin typeface="Consolas" panose="020B0609020204030204" pitchFamily="49" charset="0"/>
+                <a:cs typeface="Consolas" panose="020B0609020204030204" pitchFamily="49" charset="0"/>
+              </a:rPr>
+              <a:t>log</a:t>
+            </a:r>
+            <a:r>
+              <a:rPr kumimoji="0" lang="en-US" altLang="en-US" sz="1800" b="0" i="0" u="none" strike="noStrike" cap="none" normalizeH="0" baseline="0" dirty="0" smtClean="0">
+                <a:ln>
+                  <a:noFill/>
+                </a:ln>
+                <a:solidFill>
+                  <a:srgbClr val="999999"/>
+                </a:solidFill>
+                <a:effectLst/>
+                <a:latin typeface="Consolas" panose="020B0609020204030204" pitchFamily="49" charset="0"/>
+                <a:cs typeface="Consolas" panose="020B0609020204030204" pitchFamily="49" charset="0"/>
+              </a:rPr>
+              <a:t>(</a:t>
+            </a:r>
+            <a:r>
+              <a:rPr kumimoji="0" lang="en-US" altLang="en-US" sz="1800" b="0" i="0" u="none" strike="noStrike" cap="none" normalizeH="0" baseline="0" dirty="0" smtClean="0">
                 <a:ln>
                   <a:noFill/>
                 </a:ln>
@@ -9440,43 +8717,71 @@
                 <a:latin typeface="Consolas" panose="020B0609020204030204" pitchFamily="49" charset="0"/>
                 <a:cs typeface="Consolas" panose="020B0609020204030204" pitchFamily="49" charset="0"/>
               </a:rPr>
+              <a:t>x</a:t>
+            </a:r>
+            <a:r>
+              <a:rPr kumimoji="0" lang="en-US" altLang="en-US" sz="1800" b="0" i="0" u="none" strike="noStrike" cap="none" normalizeH="0" baseline="0" dirty="0" smtClean="0">
+                <a:ln>
+                  <a:noFill/>
+                </a:ln>
+                <a:solidFill>
+                  <a:srgbClr val="999999"/>
+                </a:solidFill>
+                <a:effectLst/>
+                <a:latin typeface="Consolas" panose="020B0609020204030204" pitchFamily="49" charset="0"/>
+                <a:cs typeface="Consolas" panose="020B0609020204030204" pitchFamily="49" charset="0"/>
+              </a:rPr>
+              <a:t>);</a:t>
+            </a:r>
+            <a:r>
+              <a:rPr kumimoji="0" lang="en-US" altLang="en-US" sz="1800" b="0" i="0" u="none" strike="noStrike" cap="none" normalizeH="0" baseline="0" dirty="0" smtClean="0">
+                <a:ln>
+                  <a:noFill/>
+                </a:ln>
+                <a:solidFill>
+                  <a:srgbClr val="000000"/>
+                </a:solidFill>
+                <a:effectLst/>
+                <a:latin typeface="Consolas" panose="020B0609020204030204" pitchFamily="49" charset="0"/>
+                <a:cs typeface="Consolas" panose="020B0609020204030204" pitchFamily="49" charset="0"/>
+              </a:rPr>
               <a:t> </a:t>
             </a:r>
             <a:r>
-              <a:rPr kumimoji="0" lang="en-US" altLang="en-US" b="0" i="0" u="none" strike="noStrike" cap="none" normalizeH="0" baseline="0" dirty="0" smtClean="0">
-                <a:ln>
-                  <a:noFill/>
-                </a:ln>
-                <a:solidFill>
-                  <a:srgbClr val="990055"/>
-                </a:solidFill>
-                <a:effectLst/>
-                <a:latin typeface="Consolas" panose="020B0609020204030204" pitchFamily="49" charset="0"/>
-                <a:cs typeface="Consolas" panose="020B0609020204030204" pitchFamily="49" charset="0"/>
-              </a:rPr>
-              <a:t>1</a:t>
-            </a:r>
-            <a:r>
-              <a:rPr kumimoji="0" lang="en-US" altLang="en-US" b="0" i="0" u="none" strike="noStrike" cap="none" normalizeH="0" baseline="0" dirty="0" smtClean="0">
-                <a:ln>
-                  <a:noFill/>
-                </a:ln>
-                <a:solidFill>
-                  <a:srgbClr val="999999"/>
-                </a:solidFill>
-                <a:effectLst/>
-                <a:latin typeface="Consolas" panose="020B0609020204030204" pitchFamily="49" charset="0"/>
-                <a:cs typeface="Consolas" panose="020B0609020204030204" pitchFamily="49" charset="0"/>
-              </a:rPr>
-              <a:t>;</a:t>
-            </a:r>
-            <a:r>
-              <a:rPr kumimoji="0" lang="en-US" altLang="en-US" b="0" i="0" u="none" strike="noStrike" cap="none" normalizeH="0" baseline="0" dirty="0" smtClean="0">
-                <a:ln>
-                  <a:noFill/>
-                </a:ln>
-                <a:solidFill>
-                  <a:srgbClr val="000000"/>
+              <a:rPr kumimoji="0" lang="en-US" altLang="en-US" sz="1800" b="0" i="0" u="none" strike="noStrike" cap="none" normalizeH="0" baseline="0" dirty="0" smtClean="0">
+                <a:ln>
+                  <a:noFill/>
+                </a:ln>
+                <a:solidFill>
+                  <a:srgbClr val="708090"/>
+                </a:solidFill>
+                <a:effectLst/>
+                <a:latin typeface="Consolas" panose="020B0609020204030204" pitchFamily="49" charset="0"/>
+                <a:cs typeface="Consolas" panose="020B0609020204030204" pitchFamily="49" charset="0"/>
+              </a:rPr>
+              <a:t>// throws a </a:t>
+            </a:r>
+            <a:r>
+              <a:rPr kumimoji="0" lang="en-US" altLang="en-US" sz="1800" b="0" i="0" u="none" strike="noStrike" cap="none" normalizeH="0" baseline="0" dirty="0" err="1" smtClean="0">
+                <a:ln>
+                  <a:noFill/>
+                </a:ln>
+                <a:solidFill>
+                  <a:srgbClr val="708090"/>
+                </a:solidFill>
+                <a:effectLst/>
+                <a:latin typeface="Consolas" panose="020B0609020204030204" pitchFamily="49" charset="0"/>
+                <a:cs typeface="Consolas" panose="020B0609020204030204" pitchFamily="49" charset="0"/>
+              </a:rPr>
+              <a:t>ReferenceError</a:t>
+            </a:r>
+            <a:r>
+              <a:rPr kumimoji="0" lang="en-US" altLang="en-US" sz="1800" b="0" i="0" u="none" strike="noStrike" cap="none" normalizeH="0" baseline="0" dirty="0" smtClean="0">
+                <a:ln>
+                  <a:noFill/>
+                </a:ln>
+                <a:solidFill>
+                  <a:srgbClr val="708090"/>
                 </a:solidFill>
                 <a:effectLst/>
                 <a:latin typeface="Consolas" panose="020B0609020204030204" pitchFamily="49" charset="0"/>
@@ -9503,7 +8808,77 @@
               <a:tabLst/>
             </a:pPr>
             <a:r>
-              <a:rPr kumimoji="0" lang="en-US" altLang="en-US" b="0" i="0" u="none" strike="noStrike" cap="none" normalizeH="0" baseline="0" dirty="0" smtClean="0">
+              <a:rPr kumimoji="0" lang="en-US" altLang="en-US" sz="1800" b="0" i="0" u="none" strike="noStrike" cap="none" normalizeH="0" baseline="0" dirty="0" smtClean="0">
+                <a:ln>
+                  <a:noFill/>
+                </a:ln>
+                <a:solidFill>
+                  <a:srgbClr val="0077AA"/>
+                </a:solidFill>
+                <a:effectLst/>
+                <a:latin typeface="Consolas" panose="020B0609020204030204" pitchFamily="49" charset="0"/>
+                <a:cs typeface="Consolas" panose="020B0609020204030204" pitchFamily="49" charset="0"/>
+              </a:rPr>
+              <a:t>let</a:t>
+            </a:r>
+            <a:r>
+              <a:rPr kumimoji="0" lang="en-US" altLang="en-US" sz="1800" b="0" i="0" u="none" strike="noStrike" cap="none" normalizeH="0" baseline="0" dirty="0" smtClean="0">
+                <a:ln>
+                  <a:noFill/>
+                </a:ln>
+                <a:solidFill>
+                  <a:srgbClr val="000000"/>
+                </a:solidFill>
+                <a:effectLst/>
+                <a:latin typeface="Consolas" panose="020B0609020204030204" pitchFamily="49" charset="0"/>
+                <a:cs typeface="Consolas" panose="020B0609020204030204" pitchFamily="49" charset="0"/>
+              </a:rPr>
+              <a:t> x </a:t>
+            </a:r>
+            <a:r>
+              <a:rPr kumimoji="0" lang="en-US" altLang="en-US" sz="1800" b="0" i="0" u="none" strike="noStrike" cap="none" normalizeH="0" baseline="0" dirty="0" smtClean="0">
+                <a:ln>
+                  <a:noFill/>
+                </a:ln>
+                <a:solidFill>
+                  <a:srgbClr val="A67F59"/>
+                </a:solidFill>
+                <a:effectLst/>
+                <a:latin typeface="Consolas" panose="020B0609020204030204" pitchFamily="49" charset="0"/>
+                <a:cs typeface="Consolas" panose="020B0609020204030204" pitchFamily="49" charset="0"/>
+              </a:rPr>
+              <a:t>=</a:t>
+            </a:r>
+            <a:r>
+              <a:rPr kumimoji="0" lang="en-US" altLang="en-US" sz="1800" b="0" i="0" u="none" strike="noStrike" cap="none" normalizeH="0" baseline="0" dirty="0" smtClean="0">
+                <a:ln>
+                  <a:noFill/>
+                </a:ln>
+                <a:solidFill>
+                  <a:srgbClr val="000000"/>
+                </a:solidFill>
+                <a:effectLst/>
+                <a:latin typeface="Consolas" panose="020B0609020204030204" pitchFamily="49" charset="0"/>
+                <a:cs typeface="Consolas" panose="020B0609020204030204" pitchFamily="49" charset="0"/>
+              </a:rPr>
+              <a:t> </a:t>
+            </a:r>
+            <a:r>
+              <a:rPr kumimoji="0" lang="en-US" altLang="en-US" sz="1800" b="0" i="0" u="none" strike="noStrike" cap="none" normalizeH="0" baseline="0" dirty="0" smtClean="0">
+                <a:ln>
+                  <a:noFill/>
+                </a:ln>
+                <a:solidFill>
+                  <a:srgbClr val="669900"/>
+                </a:solidFill>
+                <a:effectLst/>
+                <a:latin typeface="Consolas" panose="020B0609020204030204" pitchFamily="49" charset="0"/>
+                <a:cs typeface="Consolas" panose="020B0609020204030204" pitchFamily="49" charset="0"/>
+              </a:rPr>
+              <a:t>'hey'</a:t>
+            </a:r>
+            <a:r>
+              <a:rPr kumimoji="0" lang="en-US" altLang="en-US" sz="1800" b="0" i="0" u="none" strike="noStrike" cap="none" normalizeH="0" baseline="0" dirty="0" smtClean="0">
                 <a:ln>
                   <a:noFill/>
                 </a:ln>
@@ -9514,403 +8889,21 @@
                 <a:latin typeface="Consolas" panose="020B0609020204030204" pitchFamily="49" charset="0"/>
                 <a:cs typeface="Consolas" panose="020B0609020204030204" pitchFamily="49" charset="0"/>
               </a:rPr>
-              <a:t>(</a:t>
-            </a:r>
-            <a:r>
-              <a:rPr kumimoji="0" lang="en-US" altLang="en-US" b="0" i="0" u="none" strike="noStrike" cap="none" normalizeH="0" baseline="0" dirty="0" smtClean="0">
-                <a:ln>
-                  <a:noFill/>
-                </a:ln>
-                <a:solidFill>
-                  <a:srgbClr val="0077AA"/>
-                </a:solidFill>
-                <a:effectLst/>
-                <a:latin typeface="Consolas" panose="020B0609020204030204" pitchFamily="49" charset="0"/>
-                <a:cs typeface="Consolas" panose="020B0609020204030204" pitchFamily="49" charset="0"/>
-              </a:rPr>
-              <a:t>function</a:t>
-            </a:r>
-            <a:r>
-              <a:rPr kumimoji="0" lang="en-US" altLang="en-US" b="0" i="0" u="none" strike="noStrike" cap="none" normalizeH="0" baseline="0" dirty="0" smtClean="0">
-                <a:ln>
-                  <a:noFill/>
-                </a:ln>
-                <a:solidFill>
-                  <a:srgbClr val="999999"/>
-                </a:solidFill>
-                <a:effectLst/>
-                <a:latin typeface="Consolas" panose="020B0609020204030204" pitchFamily="49" charset="0"/>
-                <a:cs typeface="Consolas" panose="020B0609020204030204" pitchFamily="49" charset="0"/>
-              </a:rPr>
-              <a:t>(</a:t>
-            </a:r>
-            <a:r>
-              <a:rPr kumimoji="0" lang="en-US" altLang="en-US" b="0" i="0" u="none" strike="noStrike" cap="none" normalizeH="0" baseline="0" dirty="0" smtClean="0">
-                <a:ln>
-                  <a:noFill/>
-                </a:ln>
-                <a:solidFill>
-                  <a:srgbClr val="000000"/>
-                </a:solidFill>
-                <a:effectLst/>
-                <a:latin typeface="Consolas" panose="020B0609020204030204" pitchFamily="49" charset="0"/>
-                <a:cs typeface="Consolas" panose="020B0609020204030204" pitchFamily="49" charset="0"/>
-              </a:rPr>
-              <a:t>a </a:t>
-            </a:r>
-            <a:r>
-              <a:rPr kumimoji="0" lang="en-US" altLang="en-US" b="0" i="0" u="none" strike="noStrike" cap="none" normalizeH="0" baseline="0" dirty="0" smtClean="0">
-                <a:ln>
-                  <a:noFill/>
-                </a:ln>
-                <a:solidFill>
-                  <a:srgbClr val="A67F59"/>
-                </a:solidFill>
-                <a:effectLst/>
-                <a:latin typeface="Consolas" panose="020B0609020204030204" pitchFamily="49" charset="0"/>
-                <a:cs typeface="Consolas" panose="020B0609020204030204" pitchFamily="49" charset="0"/>
-              </a:rPr>
-              <a:t>=</a:t>
-            </a:r>
-            <a:r>
-              <a:rPr kumimoji="0" lang="en-US" altLang="en-US" b="0" i="0" u="none" strike="noStrike" cap="none" normalizeH="0" baseline="0" dirty="0" smtClean="0">
-                <a:ln>
-                  <a:noFill/>
-                </a:ln>
-                <a:solidFill>
-                  <a:srgbClr val="000000"/>
-                </a:solidFill>
-                <a:effectLst/>
-                <a:latin typeface="Consolas" panose="020B0609020204030204" pitchFamily="49" charset="0"/>
-                <a:cs typeface="Consolas" panose="020B0609020204030204" pitchFamily="49" charset="0"/>
-              </a:rPr>
-              <a:t> b</a:t>
-            </a:r>
-            <a:r>
-              <a:rPr kumimoji="0" lang="en-US" altLang="en-US" b="0" i="0" u="none" strike="noStrike" cap="none" normalizeH="0" baseline="0" dirty="0" smtClean="0">
-                <a:ln>
-                  <a:noFill/>
-                </a:ln>
-                <a:solidFill>
-                  <a:srgbClr val="999999"/>
-                </a:solidFill>
-                <a:effectLst/>
-                <a:latin typeface="Consolas" panose="020B0609020204030204" pitchFamily="49" charset="0"/>
-                <a:cs typeface="Consolas" panose="020B0609020204030204" pitchFamily="49" charset="0"/>
-              </a:rPr>
-              <a:t>,</a:t>
-            </a:r>
-            <a:r>
-              <a:rPr kumimoji="0" lang="en-US" altLang="en-US" b="0" i="0" u="none" strike="noStrike" cap="none" normalizeH="0" baseline="0" dirty="0" smtClean="0">
-                <a:ln>
-                  <a:noFill/>
-                </a:ln>
-                <a:solidFill>
-                  <a:srgbClr val="000000"/>
-                </a:solidFill>
-                <a:effectLst/>
-                <a:latin typeface="Consolas" panose="020B0609020204030204" pitchFamily="49" charset="0"/>
-                <a:cs typeface="Consolas" panose="020B0609020204030204" pitchFamily="49" charset="0"/>
-              </a:rPr>
-              <a:t> b</a:t>
-            </a:r>
-            <a:r>
-              <a:rPr kumimoji="0" lang="en-US" altLang="en-US" b="0" i="0" u="none" strike="noStrike" cap="none" normalizeH="0" baseline="0" dirty="0" smtClean="0">
-                <a:ln>
-                  <a:noFill/>
-                </a:ln>
-                <a:solidFill>
-                  <a:srgbClr val="999999"/>
-                </a:solidFill>
-                <a:effectLst/>
-                <a:latin typeface="Consolas" panose="020B0609020204030204" pitchFamily="49" charset="0"/>
-                <a:cs typeface="Consolas" panose="020B0609020204030204" pitchFamily="49" charset="0"/>
-              </a:rPr>
-              <a:t>)</a:t>
-            </a:r>
-            <a:r>
-              <a:rPr kumimoji="0" lang="en-US" altLang="en-US" b="0" i="0" u="none" strike="noStrike" cap="none" normalizeH="0" baseline="0" dirty="0" smtClean="0">
-                <a:ln>
-                  <a:noFill/>
-                </a:ln>
-                <a:solidFill>
-                  <a:srgbClr val="000000"/>
-                </a:solidFill>
-                <a:effectLst/>
-                <a:latin typeface="Consolas" panose="020B0609020204030204" pitchFamily="49" charset="0"/>
-                <a:cs typeface="Consolas" panose="020B0609020204030204" pitchFamily="49" charset="0"/>
+              <a:t>;</a:t>
+            </a:r>
+            <a:r>
+              <a:rPr kumimoji="0" lang="en-US" altLang="en-US" sz="1600" b="0" i="0" u="none" strike="noStrike" cap="none" normalizeH="0" baseline="0" dirty="0" smtClean="0">
+                <a:ln>
+                  <a:noFill/>
+                </a:ln>
+                <a:solidFill>
+                  <a:schemeClr val="tx1"/>
+                </a:solidFill>
+                <a:effectLst/>
               </a:rPr>
               <a:t> </a:t>
             </a:r>
-            <a:r>
-              <a:rPr kumimoji="0" lang="en-US" altLang="en-US" b="0" i="0" u="none" strike="noStrike" cap="none" normalizeH="0" baseline="0" dirty="0" smtClean="0">
-                <a:ln>
-                  <a:noFill/>
-                </a:ln>
-                <a:solidFill>
-                  <a:srgbClr val="999999"/>
-                </a:solidFill>
-                <a:effectLst/>
-                <a:latin typeface="Consolas" panose="020B0609020204030204" pitchFamily="49" charset="0"/>
-                <a:cs typeface="Consolas" panose="020B0609020204030204" pitchFamily="49" charset="0"/>
-              </a:rPr>
-              <a:t>{</a:t>
-            </a:r>
-          </a:p>
-          <a:p>
-            <a:pPr marL="0" marR="0" lvl="0" indent="0" algn="l" defTabSz="914400" rtl="0" eaLnBrk="0" fontAlgn="base" latinLnBrk="0" hangingPunct="0">
-              <a:lnSpc>
-                <a:spcPct val="100000"/>
-              </a:lnSpc>
-              <a:spcBef>
-                <a:spcPct val="0"/>
-              </a:spcBef>
-              <a:spcAft>
-                <a:spcPct val="0"/>
-              </a:spcAft>
-              <a:buClrTx/>
-              <a:buSzTx/>
-              <a:buFontTx/>
-              <a:buNone/>
-              <a:tabLst/>
-            </a:pPr>
-            <a:r>
-              <a:rPr lang="en-US" altLang="en-US" dirty="0">
-                <a:solidFill>
-                  <a:srgbClr val="000000"/>
-                </a:solidFill>
-                <a:latin typeface="Consolas" panose="020B0609020204030204" pitchFamily="49" charset="0"/>
-                <a:cs typeface="Consolas" panose="020B0609020204030204" pitchFamily="49" charset="0"/>
-              </a:rPr>
-              <a:t>	</a:t>
-            </a:r>
-            <a:r>
-              <a:rPr kumimoji="0" lang="en-US" altLang="en-US" b="0" i="0" u="none" strike="noStrike" cap="none" normalizeH="0" baseline="0" dirty="0" smtClean="0">
-                <a:ln>
-                  <a:noFill/>
-                </a:ln>
-                <a:solidFill>
-                  <a:srgbClr val="000000"/>
-                </a:solidFill>
-                <a:effectLst/>
-                <a:latin typeface="Consolas" panose="020B0609020204030204" pitchFamily="49" charset="0"/>
-                <a:cs typeface="Consolas" panose="020B0609020204030204" pitchFamily="49" charset="0"/>
-              </a:rPr>
-              <a:t>console</a:t>
-            </a:r>
-            <a:r>
-              <a:rPr kumimoji="0" lang="en-US" altLang="en-US" b="0" i="0" u="none" strike="noStrike" cap="none" normalizeH="0" baseline="0" dirty="0" smtClean="0">
-                <a:ln>
-                  <a:noFill/>
-                </a:ln>
-                <a:solidFill>
-                  <a:srgbClr val="999999"/>
-                </a:solidFill>
-                <a:effectLst/>
-                <a:latin typeface="Consolas" panose="020B0609020204030204" pitchFamily="49" charset="0"/>
-                <a:cs typeface="Consolas" panose="020B0609020204030204" pitchFamily="49" charset="0"/>
-              </a:rPr>
-              <a:t>.</a:t>
-            </a:r>
-            <a:r>
-              <a:rPr kumimoji="0" lang="en-US" altLang="en-US" b="0" i="0" u="none" strike="noStrike" cap="none" normalizeH="0" baseline="0" dirty="0" smtClean="0">
-                <a:ln>
-                  <a:noFill/>
-                </a:ln>
-                <a:solidFill>
-                  <a:srgbClr val="DD4A68"/>
-                </a:solidFill>
-                <a:effectLst/>
-                <a:latin typeface="Consolas" panose="020B0609020204030204" pitchFamily="49" charset="0"/>
-                <a:cs typeface="Consolas" panose="020B0609020204030204" pitchFamily="49" charset="0"/>
-              </a:rPr>
-              <a:t>log</a:t>
-            </a:r>
-            <a:r>
-              <a:rPr kumimoji="0" lang="en-US" altLang="en-US" b="0" i="0" u="none" strike="noStrike" cap="none" normalizeH="0" baseline="0" dirty="0" smtClean="0">
-                <a:ln>
-                  <a:noFill/>
-                </a:ln>
-                <a:solidFill>
-                  <a:srgbClr val="999999"/>
-                </a:solidFill>
-                <a:effectLst/>
-                <a:latin typeface="Consolas" panose="020B0609020204030204" pitchFamily="49" charset="0"/>
-                <a:cs typeface="Consolas" panose="020B0609020204030204" pitchFamily="49" charset="0"/>
-              </a:rPr>
-              <a:t>(</a:t>
-            </a:r>
-            <a:r>
-              <a:rPr kumimoji="0" lang="en-US" altLang="en-US" b="0" i="0" u="none" strike="noStrike" cap="none" normalizeH="0" baseline="0" dirty="0" smtClean="0">
-                <a:ln>
-                  <a:noFill/>
-                </a:ln>
-                <a:solidFill>
-                  <a:srgbClr val="000000"/>
-                </a:solidFill>
-                <a:effectLst/>
-                <a:latin typeface="Consolas" panose="020B0609020204030204" pitchFamily="49" charset="0"/>
-                <a:cs typeface="Consolas" panose="020B0609020204030204" pitchFamily="49" charset="0"/>
-              </a:rPr>
-              <a:t>a</a:t>
-            </a:r>
-            <a:r>
-              <a:rPr kumimoji="0" lang="en-US" altLang="en-US" b="0" i="0" u="none" strike="noStrike" cap="none" normalizeH="0" baseline="0" dirty="0" smtClean="0">
-                <a:ln>
-                  <a:noFill/>
-                </a:ln>
-                <a:solidFill>
-                  <a:srgbClr val="999999"/>
-                </a:solidFill>
-                <a:effectLst/>
-                <a:latin typeface="Consolas" panose="020B0609020204030204" pitchFamily="49" charset="0"/>
-                <a:cs typeface="Consolas" panose="020B0609020204030204" pitchFamily="49" charset="0"/>
-              </a:rPr>
-              <a:t>,</a:t>
-            </a:r>
-            <a:r>
-              <a:rPr kumimoji="0" lang="en-US" altLang="en-US" b="0" i="0" u="none" strike="noStrike" cap="none" normalizeH="0" baseline="0" dirty="0" smtClean="0">
-                <a:ln>
-                  <a:noFill/>
-                </a:ln>
-                <a:solidFill>
-                  <a:srgbClr val="000000"/>
-                </a:solidFill>
-                <a:effectLst/>
-                <a:latin typeface="Consolas" panose="020B0609020204030204" pitchFamily="49" charset="0"/>
-                <a:cs typeface="Consolas" panose="020B0609020204030204" pitchFamily="49" charset="0"/>
-              </a:rPr>
-              <a:t> b</a:t>
-            </a:r>
-            <a:r>
-              <a:rPr kumimoji="0" lang="en-US" altLang="en-US" b="0" i="0" u="none" strike="noStrike" cap="none" normalizeH="0" baseline="0" dirty="0" smtClean="0">
-                <a:ln>
-                  <a:noFill/>
-                </a:ln>
-                <a:solidFill>
-                  <a:srgbClr val="999999"/>
-                </a:solidFill>
-                <a:effectLst/>
-                <a:latin typeface="Consolas" panose="020B0609020204030204" pitchFamily="49" charset="0"/>
-                <a:cs typeface="Consolas" panose="020B0609020204030204" pitchFamily="49" charset="0"/>
-              </a:rPr>
-              <a:t>);</a:t>
-            </a:r>
-          </a:p>
-          <a:p>
-            <a:pPr marL="0" marR="0" lvl="0" indent="0" algn="l" defTabSz="914400" rtl="0" eaLnBrk="0" fontAlgn="base" latinLnBrk="0" hangingPunct="0">
-              <a:lnSpc>
-                <a:spcPct val="100000"/>
-              </a:lnSpc>
-              <a:spcBef>
-                <a:spcPct val="0"/>
-              </a:spcBef>
-              <a:spcAft>
-                <a:spcPct val="0"/>
-              </a:spcAft>
-              <a:buClrTx/>
-              <a:buSzTx/>
-              <a:buFontTx/>
-              <a:buNone/>
-              <a:tabLst/>
-            </a:pPr>
-            <a:r>
-              <a:rPr kumimoji="0" lang="en-US" altLang="en-US" b="0" i="0" u="none" strike="noStrike" cap="none" normalizeH="0" baseline="0" dirty="0" smtClean="0">
-                <a:ln>
-                  <a:noFill/>
-                </a:ln>
-                <a:solidFill>
-                  <a:srgbClr val="999999"/>
-                </a:solidFill>
-                <a:effectLst/>
-                <a:latin typeface="Consolas" panose="020B0609020204030204" pitchFamily="49" charset="0"/>
-                <a:cs typeface="Consolas" panose="020B0609020204030204" pitchFamily="49" charset="0"/>
-              </a:rPr>
-              <a:t>}(</a:t>
-            </a:r>
-            <a:r>
-              <a:rPr kumimoji="0" lang="en-US" altLang="en-US" b="0" i="0" u="none" strike="noStrike" cap="none" normalizeH="0" baseline="0" dirty="0" smtClean="0">
-                <a:ln>
-                  <a:noFill/>
-                </a:ln>
-                <a:solidFill>
-                  <a:srgbClr val="000000"/>
-                </a:solidFill>
-                <a:effectLst/>
-                <a:latin typeface="Consolas" panose="020B0609020204030204" pitchFamily="49" charset="0"/>
-                <a:cs typeface="Consolas" panose="020B0609020204030204" pitchFamily="49" charset="0"/>
-              </a:rPr>
-              <a:t>undefined</a:t>
-            </a:r>
-            <a:r>
-              <a:rPr kumimoji="0" lang="en-US" altLang="en-US" b="0" i="0" u="none" strike="noStrike" cap="none" normalizeH="0" baseline="0" dirty="0" smtClean="0">
-                <a:ln>
-                  <a:noFill/>
-                </a:ln>
-                <a:solidFill>
-                  <a:srgbClr val="999999"/>
-                </a:solidFill>
-                <a:effectLst/>
-                <a:latin typeface="Consolas" panose="020B0609020204030204" pitchFamily="49" charset="0"/>
-                <a:cs typeface="Consolas" panose="020B0609020204030204" pitchFamily="49" charset="0"/>
-              </a:rPr>
-              <a:t>,</a:t>
-            </a:r>
-            <a:r>
-              <a:rPr kumimoji="0" lang="en-US" altLang="en-US" b="0" i="0" u="none" strike="noStrike" cap="none" normalizeH="0" baseline="0" dirty="0" smtClean="0">
-                <a:ln>
-                  <a:noFill/>
-                </a:ln>
-                <a:solidFill>
-                  <a:srgbClr val="000000"/>
-                </a:solidFill>
-                <a:effectLst/>
-                <a:latin typeface="Consolas" panose="020B0609020204030204" pitchFamily="49" charset="0"/>
-                <a:cs typeface="Consolas" panose="020B0609020204030204" pitchFamily="49" charset="0"/>
-              </a:rPr>
-              <a:t> </a:t>
-            </a:r>
-            <a:r>
-              <a:rPr kumimoji="0" lang="en-US" altLang="en-US" b="0" i="0" u="none" strike="noStrike" cap="none" normalizeH="0" baseline="0" dirty="0" smtClean="0">
-                <a:ln>
-                  <a:noFill/>
-                </a:ln>
-                <a:solidFill>
-                  <a:srgbClr val="990055"/>
-                </a:solidFill>
-                <a:effectLst/>
-                <a:latin typeface="Consolas" panose="020B0609020204030204" pitchFamily="49" charset="0"/>
-                <a:cs typeface="Consolas" panose="020B0609020204030204" pitchFamily="49" charset="0"/>
-              </a:rPr>
-              <a:t>2</a:t>
-            </a:r>
-            <a:r>
-              <a:rPr kumimoji="0" lang="en-US" altLang="en-US" b="0" i="0" u="none" strike="noStrike" cap="none" normalizeH="0" baseline="0" dirty="0" smtClean="0">
-                <a:ln>
-                  <a:noFill/>
-                </a:ln>
-                <a:solidFill>
-                  <a:srgbClr val="999999"/>
-                </a:solidFill>
-                <a:effectLst/>
-                <a:latin typeface="Consolas" panose="020B0609020204030204" pitchFamily="49" charset="0"/>
-                <a:cs typeface="Consolas" panose="020B0609020204030204" pitchFamily="49" charset="0"/>
-              </a:rPr>
-              <a:t>));</a:t>
-            </a:r>
-            <a:r>
-              <a:rPr kumimoji="0" lang="en-US" altLang="en-US" sz="2400" b="0" i="0" u="none" strike="noStrike" cap="none" normalizeH="0" baseline="0" dirty="0" smtClean="0">
-                <a:ln>
-                  <a:noFill/>
-                </a:ln>
-                <a:solidFill>
-                  <a:schemeClr val="tx1"/>
-                </a:solidFill>
-                <a:effectLst/>
-              </a:rPr>
-              <a:t> </a:t>
-            </a:r>
-            <a:endParaRPr kumimoji="0" lang="en-US" altLang="en-US" sz="5400" b="0" i="0" u="none" strike="noStrike" cap="none" normalizeH="0" baseline="0" dirty="0" smtClean="0">
+            <a:endParaRPr kumimoji="0" lang="en-US" altLang="en-US" sz="4000" b="0" i="0" u="none" strike="noStrike" cap="none" normalizeH="0" baseline="0" dirty="0" smtClean="0">
               <a:ln>
                 <a:noFill/>
               </a:ln>
@@ -9926,7 +8919,7 @@
     </p:spTree>
     <p:extLst>
       <p:ext uri="{BB962C8B-B14F-4D97-AF65-F5344CB8AC3E}">
-        <p14:creationId xmlns:p14="http://schemas.microsoft.com/office/powerpoint/2010/main" val="3234375480"/>
+        <p14:creationId xmlns:p14="http://schemas.microsoft.com/office/powerpoint/2010/main" val="1209413913"/>
       </p:ext>
     </p:extLst>
   </p:cSld>
@@ -10101,6 +9094,3179 @@
     <p:extLst>
       <p:ext uri="{BB962C8B-B14F-4D97-AF65-F5344CB8AC3E}">
         <p14:creationId xmlns:p14="http://schemas.microsoft.com/office/powerpoint/2010/main" val="2104709124"/>
+      </p:ext>
+    </p:extLst>
+  </p:cSld>
+  <p:clrMapOvr>
+    <a:masterClrMapping/>
+  </p:clrMapOvr>
+</p:sld>
+</file>
+
+<file path=ppt/slides/slide30.xml><?xml version="1.0" encoding="utf-8"?>
+<p:sld xmlns:a="http://schemas.openxmlformats.org/drawingml/2006/main" xmlns:r="http://schemas.openxmlformats.org/officeDocument/2006/relationships" xmlns:p="http://schemas.openxmlformats.org/presentationml/2006/main">
+  <p:cSld>
+    <p:spTree>
+      <p:nvGrpSpPr>
+        <p:cNvPr id="1" name=""/>
+        <p:cNvGrpSpPr/>
+        <p:nvPr/>
+      </p:nvGrpSpPr>
+      <p:grpSpPr>
+        <a:xfrm>
+          <a:off x="0" y="0"/>
+          <a:ext cx="0" cy="0"/>
+          <a:chOff x="0" y="0"/>
+          <a:chExt cx="0" cy="0"/>
+        </a:xfrm>
+      </p:grpSpPr>
+      <p:sp>
+        <p:nvSpPr>
+          <p:cNvPr id="2" name="Title 1"/>
+          <p:cNvSpPr>
+            <a:spLocks noGrp="1"/>
+          </p:cNvSpPr>
+          <p:nvPr>
+            <p:ph type="title"/>
+          </p:nvPr>
+        </p:nvSpPr>
+        <p:spPr/>
+        <p:txBody>
+          <a:bodyPr/>
+          <a:lstStyle/>
+          <a:p>
+            <a:r>
+              <a:rPr lang="en-US" dirty="0" smtClean="0"/>
+              <a:t>Not so simple</a:t>
+            </a:r>
+            <a:endParaRPr lang="en-US" dirty="0"/>
+          </a:p>
+        </p:txBody>
+      </p:sp>
+      <p:sp>
+        <p:nvSpPr>
+          <p:cNvPr id="4" name="Rectangle 1"/>
+          <p:cNvSpPr>
+            <a:spLocks noGrp="1" noChangeArrowheads="1"/>
+          </p:cNvSpPr>
+          <p:nvPr>
+            <p:ph idx="1"/>
+          </p:nvPr>
+        </p:nvSpPr>
+        <p:spPr bwMode="auto">
+          <a:xfrm>
+            <a:off x="693233" y="1795575"/>
+            <a:ext cx="8841059" cy="1846659"/>
+          </a:xfrm>
+          <a:prstGeom prst="rect">
+            <a:avLst/>
+          </a:prstGeom>
+          <a:solidFill>
+            <a:srgbClr val="F5F2F0"/>
+          </a:solidFill>
+          <a:ln>
+            <a:noFill/>
+          </a:ln>
+          <a:effectLst/>
+          <a:extLst>
+            <a:ext uri="{91240B29-F687-4F45-9708-019B960494DF}">
+              <a14:hiddenLine xmlns:a14="http://schemas.microsoft.com/office/drawing/2010/main" w="9525">
+                <a:solidFill>
+                  <a:schemeClr val="tx1"/>
+                </a:solidFill>
+                <a:miter lim="800000"/>
+                <a:headEnd/>
+                <a:tailEnd/>
+              </a14:hiddenLine>
+            </a:ext>
+            <a:ext uri="{AF507438-7753-43E0-B8FC-AC1667EBCBE1}">
+              <a14:hiddenEffects xmlns:a14="http://schemas.microsoft.com/office/drawing/2010/main">
+                <a:effectLst>
+                  <a:outerShdw dist="35921" dir="2700000" algn="ctr" rotWithShape="0">
+                    <a:schemeClr val="bg2"/>
+                  </a:outerShdw>
+                </a:effectLst>
+              </a14:hiddenEffects>
+            </a:ext>
+          </a:extLst>
+        </p:spPr>
+        <p:txBody>
+          <a:bodyPr vert="horz" wrap="square" lIns="0" tIns="0" rIns="0" bIns="0" numCol="1" anchor="ctr" anchorCtr="0" compatLnSpc="1">
+            <a:prstTxWarp prst="textNoShape">
+              <a:avLst/>
+            </a:prstTxWarp>
+            <a:spAutoFit/>
+          </a:bodyPr>
+          <a:lstStyle/>
+          <a:p>
+            <a:pPr marL="0" marR="0" lvl="0" indent="0" algn="l" defTabSz="914400" rtl="0" eaLnBrk="0" fontAlgn="base" latinLnBrk="0" hangingPunct="0">
+              <a:lnSpc>
+                <a:spcPct val="100000"/>
+              </a:lnSpc>
+              <a:spcBef>
+                <a:spcPct val="0"/>
+              </a:spcBef>
+              <a:spcAft>
+                <a:spcPct val="0"/>
+              </a:spcAft>
+              <a:buClrTx/>
+              <a:buSzTx/>
+              <a:buFontTx/>
+              <a:buNone/>
+              <a:tabLst/>
+            </a:pPr>
+            <a:r>
+              <a:rPr kumimoji="0" lang="en-US" altLang="en-US" sz="2400" b="0" i="0" u="none" strike="noStrike" cap="none" normalizeH="0" baseline="0" dirty="0" smtClean="0">
+                <a:ln>
+                  <a:noFill/>
+                </a:ln>
+                <a:solidFill>
+                  <a:srgbClr val="0077AA"/>
+                </a:solidFill>
+                <a:effectLst/>
+                <a:latin typeface="Consolas" panose="020B0609020204030204" pitchFamily="49" charset="0"/>
+                <a:cs typeface="Consolas" panose="020B0609020204030204" pitchFamily="49" charset="0"/>
+              </a:rPr>
+              <a:t>let</a:t>
+            </a:r>
+            <a:r>
+              <a:rPr kumimoji="0" lang="en-US" altLang="en-US" sz="2400" b="0" i="0" u="none" strike="noStrike" cap="none" normalizeH="0" baseline="0" dirty="0" smtClean="0">
+                <a:ln>
+                  <a:noFill/>
+                </a:ln>
+                <a:solidFill>
+                  <a:srgbClr val="000000"/>
+                </a:solidFill>
+                <a:effectLst/>
+                <a:latin typeface="Consolas" panose="020B0609020204030204" pitchFamily="49" charset="0"/>
+                <a:cs typeface="Consolas" panose="020B0609020204030204" pitchFamily="49" charset="0"/>
+              </a:rPr>
+              <a:t> x </a:t>
+            </a:r>
+            <a:r>
+              <a:rPr kumimoji="0" lang="en-US" altLang="en-US" sz="2400" b="0" i="0" u="none" strike="noStrike" cap="none" normalizeH="0" baseline="0" dirty="0" smtClean="0">
+                <a:ln>
+                  <a:noFill/>
+                </a:ln>
+                <a:solidFill>
+                  <a:srgbClr val="A67F59"/>
+                </a:solidFill>
+                <a:effectLst/>
+                <a:latin typeface="Consolas" panose="020B0609020204030204" pitchFamily="49" charset="0"/>
+                <a:cs typeface="Consolas" panose="020B0609020204030204" pitchFamily="49" charset="0"/>
+              </a:rPr>
+              <a:t>=</a:t>
+            </a:r>
+            <a:r>
+              <a:rPr kumimoji="0" lang="en-US" altLang="en-US" sz="2400" b="0" i="0" u="none" strike="noStrike" cap="none" normalizeH="0" baseline="0" dirty="0" smtClean="0">
+                <a:ln>
+                  <a:noFill/>
+                </a:ln>
+                <a:solidFill>
+                  <a:srgbClr val="000000"/>
+                </a:solidFill>
+                <a:effectLst/>
+                <a:latin typeface="Consolas" panose="020B0609020204030204" pitchFamily="49" charset="0"/>
+                <a:cs typeface="Consolas" panose="020B0609020204030204" pitchFamily="49" charset="0"/>
+              </a:rPr>
+              <a:t> </a:t>
+            </a:r>
+            <a:r>
+              <a:rPr kumimoji="0" lang="en-US" altLang="en-US" sz="2400" b="0" i="0" u="none" strike="noStrike" cap="none" normalizeH="0" baseline="0" dirty="0" smtClean="0">
+                <a:ln>
+                  <a:noFill/>
+                </a:ln>
+                <a:solidFill>
+                  <a:srgbClr val="669900"/>
+                </a:solidFill>
+                <a:effectLst/>
+                <a:latin typeface="Consolas" panose="020B0609020204030204" pitchFamily="49" charset="0"/>
+                <a:cs typeface="Consolas" panose="020B0609020204030204" pitchFamily="49" charset="0"/>
+              </a:rPr>
+              <a:t>'outer scope'</a:t>
+            </a:r>
+            <a:r>
+              <a:rPr kumimoji="0" lang="en-US" altLang="en-US" sz="2400" b="0" i="0" u="none" strike="noStrike" cap="none" normalizeH="0" baseline="0" dirty="0" smtClean="0">
+                <a:ln>
+                  <a:noFill/>
+                </a:ln>
+                <a:solidFill>
+                  <a:srgbClr val="999999"/>
+                </a:solidFill>
+                <a:effectLst/>
+                <a:latin typeface="Consolas" panose="020B0609020204030204" pitchFamily="49" charset="0"/>
+                <a:cs typeface="Consolas" panose="020B0609020204030204" pitchFamily="49" charset="0"/>
+              </a:rPr>
+              <a:t>;</a:t>
+            </a:r>
+          </a:p>
+          <a:p>
+            <a:pPr marL="0" marR="0" lvl="0" indent="0" algn="l" defTabSz="914400" rtl="0" eaLnBrk="0" fontAlgn="base" latinLnBrk="0" hangingPunct="0">
+              <a:lnSpc>
+                <a:spcPct val="100000"/>
+              </a:lnSpc>
+              <a:spcBef>
+                <a:spcPct val="0"/>
+              </a:spcBef>
+              <a:spcAft>
+                <a:spcPct val="0"/>
+              </a:spcAft>
+              <a:buClrTx/>
+              <a:buSzTx/>
+              <a:buFontTx/>
+              <a:buNone/>
+              <a:tabLst/>
+            </a:pPr>
+            <a:r>
+              <a:rPr kumimoji="0" lang="en-US" altLang="en-US" sz="2400" b="0" i="0" u="none" strike="noStrike" cap="none" normalizeH="0" baseline="0" dirty="0" smtClean="0">
+                <a:ln>
+                  <a:noFill/>
+                </a:ln>
+                <a:solidFill>
+                  <a:srgbClr val="999999"/>
+                </a:solidFill>
+                <a:effectLst/>
+                <a:latin typeface="Consolas" panose="020B0609020204030204" pitchFamily="49" charset="0"/>
+                <a:cs typeface="Consolas" panose="020B0609020204030204" pitchFamily="49" charset="0"/>
+              </a:rPr>
+              <a:t>(</a:t>
+            </a:r>
+            <a:r>
+              <a:rPr kumimoji="0" lang="en-US" altLang="en-US" sz="2400" b="0" i="0" u="none" strike="noStrike" cap="none" normalizeH="0" baseline="0" dirty="0" smtClean="0">
+                <a:ln>
+                  <a:noFill/>
+                </a:ln>
+                <a:solidFill>
+                  <a:srgbClr val="0077AA"/>
+                </a:solidFill>
+                <a:effectLst/>
+                <a:latin typeface="Consolas" panose="020B0609020204030204" pitchFamily="49" charset="0"/>
+                <a:cs typeface="Consolas" panose="020B0609020204030204" pitchFamily="49" charset="0"/>
+              </a:rPr>
+              <a:t>function</a:t>
+            </a:r>
+            <a:r>
+              <a:rPr kumimoji="0" lang="en-US" altLang="en-US" sz="2400" b="0" i="0" u="none" strike="noStrike" cap="none" normalizeH="0" baseline="0" dirty="0" smtClean="0">
+                <a:ln>
+                  <a:noFill/>
+                </a:ln>
+                <a:solidFill>
+                  <a:srgbClr val="999999"/>
+                </a:solidFill>
+                <a:effectLst/>
+                <a:latin typeface="Consolas" panose="020B0609020204030204" pitchFamily="49" charset="0"/>
+                <a:cs typeface="Consolas" panose="020B0609020204030204" pitchFamily="49" charset="0"/>
+              </a:rPr>
+              <a:t>()</a:t>
+            </a:r>
+            <a:r>
+              <a:rPr kumimoji="0" lang="en-US" altLang="en-US" sz="2400" b="0" i="0" u="none" strike="noStrike" cap="none" normalizeH="0" baseline="0" dirty="0" smtClean="0">
+                <a:ln>
+                  <a:noFill/>
+                </a:ln>
+                <a:solidFill>
+                  <a:srgbClr val="000000"/>
+                </a:solidFill>
+                <a:effectLst/>
+                <a:latin typeface="Consolas" panose="020B0609020204030204" pitchFamily="49" charset="0"/>
+                <a:cs typeface="Consolas" panose="020B0609020204030204" pitchFamily="49" charset="0"/>
+              </a:rPr>
+              <a:t> </a:t>
+            </a:r>
+            <a:r>
+              <a:rPr kumimoji="0" lang="en-US" altLang="en-US" sz="2400" b="0" i="0" u="none" strike="noStrike" cap="none" normalizeH="0" baseline="0" dirty="0" smtClean="0">
+                <a:ln>
+                  <a:noFill/>
+                </a:ln>
+                <a:solidFill>
+                  <a:srgbClr val="999999"/>
+                </a:solidFill>
+                <a:effectLst/>
+                <a:latin typeface="Consolas" panose="020B0609020204030204" pitchFamily="49" charset="0"/>
+                <a:cs typeface="Consolas" panose="020B0609020204030204" pitchFamily="49" charset="0"/>
+              </a:rPr>
+              <a:t>{</a:t>
+            </a:r>
+            <a:r>
+              <a:rPr kumimoji="0" lang="en-US" altLang="en-US" sz="2400" b="0" i="0" u="none" strike="noStrike" cap="none" normalizeH="0" baseline="0" dirty="0" smtClean="0">
+                <a:ln>
+                  <a:noFill/>
+                </a:ln>
+                <a:solidFill>
+                  <a:srgbClr val="000000"/>
+                </a:solidFill>
+                <a:effectLst/>
+                <a:latin typeface="Consolas" panose="020B0609020204030204" pitchFamily="49" charset="0"/>
+                <a:cs typeface="Consolas" panose="020B0609020204030204" pitchFamily="49" charset="0"/>
+              </a:rPr>
+              <a:t> \</a:t>
+            </a:r>
+          </a:p>
+          <a:p>
+            <a:pPr marL="0" marR="0" lvl="0" indent="0" algn="l" defTabSz="914400" rtl="0" eaLnBrk="0" fontAlgn="base" latinLnBrk="0" hangingPunct="0">
+              <a:lnSpc>
+                <a:spcPct val="100000"/>
+              </a:lnSpc>
+              <a:spcBef>
+                <a:spcPct val="0"/>
+              </a:spcBef>
+              <a:spcAft>
+                <a:spcPct val="0"/>
+              </a:spcAft>
+              <a:buClrTx/>
+              <a:buSzTx/>
+              <a:buFontTx/>
+              <a:buNone/>
+              <a:tabLst/>
+            </a:pPr>
+            <a:r>
+              <a:rPr kumimoji="0" lang="en-US" altLang="en-US" sz="2400" b="0" i="0" u="none" strike="noStrike" cap="none" normalizeH="0" baseline="0" dirty="0" smtClean="0">
+                <a:ln>
+                  <a:noFill/>
+                </a:ln>
+                <a:solidFill>
+                  <a:srgbClr val="000000"/>
+                </a:solidFill>
+                <a:effectLst/>
+                <a:latin typeface="Consolas" panose="020B0609020204030204" pitchFamily="49" charset="0"/>
+                <a:cs typeface="Consolas" panose="020B0609020204030204" pitchFamily="49" charset="0"/>
+              </a:rPr>
+              <a:t>	console</a:t>
+            </a:r>
+            <a:r>
+              <a:rPr kumimoji="0" lang="en-US" altLang="en-US" sz="2400" b="0" i="0" u="none" strike="noStrike" cap="none" normalizeH="0" baseline="0" dirty="0" smtClean="0">
+                <a:ln>
+                  <a:noFill/>
+                </a:ln>
+                <a:solidFill>
+                  <a:srgbClr val="999999"/>
+                </a:solidFill>
+                <a:effectLst/>
+                <a:latin typeface="Consolas" panose="020B0609020204030204" pitchFamily="49" charset="0"/>
+                <a:cs typeface="Consolas" panose="020B0609020204030204" pitchFamily="49" charset="0"/>
+              </a:rPr>
+              <a:t>.</a:t>
+            </a:r>
+            <a:r>
+              <a:rPr kumimoji="0" lang="en-US" altLang="en-US" sz="2400" b="0" i="0" u="none" strike="noStrike" cap="none" normalizeH="0" baseline="0" dirty="0" smtClean="0">
+                <a:ln>
+                  <a:noFill/>
+                </a:ln>
+                <a:solidFill>
+                  <a:srgbClr val="DD4A68"/>
+                </a:solidFill>
+                <a:effectLst/>
+                <a:latin typeface="Consolas" panose="020B0609020204030204" pitchFamily="49" charset="0"/>
+                <a:cs typeface="Consolas" panose="020B0609020204030204" pitchFamily="49" charset="0"/>
+              </a:rPr>
+              <a:t>log</a:t>
+            </a:r>
+            <a:r>
+              <a:rPr kumimoji="0" lang="en-US" altLang="en-US" sz="2400" b="0" i="0" u="none" strike="noStrike" cap="none" normalizeH="0" baseline="0" dirty="0" smtClean="0">
+                <a:ln>
+                  <a:noFill/>
+                </a:ln>
+                <a:solidFill>
+                  <a:srgbClr val="999999"/>
+                </a:solidFill>
+                <a:effectLst/>
+                <a:latin typeface="Consolas" panose="020B0609020204030204" pitchFamily="49" charset="0"/>
+                <a:cs typeface="Consolas" panose="020B0609020204030204" pitchFamily="49" charset="0"/>
+              </a:rPr>
+              <a:t>(</a:t>
+            </a:r>
+            <a:r>
+              <a:rPr kumimoji="0" lang="en-US" altLang="en-US" sz="2400" b="0" i="0" u="none" strike="noStrike" cap="none" normalizeH="0" baseline="0" dirty="0" smtClean="0">
+                <a:ln>
+                  <a:noFill/>
+                </a:ln>
+                <a:solidFill>
+                  <a:srgbClr val="000000"/>
+                </a:solidFill>
+                <a:effectLst/>
+                <a:latin typeface="Consolas" panose="020B0609020204030204" pitchFamily="49" charset="0"/>
+                <a:cs typeface="Consolas" panose="020B0609020204030204" pitchFamily="49" charset="0"/>
+              </a:rPr>
+              <a:t>x</a:t>
+            </a:r>
+            <a:r>
+              <a:rPr kumimoji="0" lang="en-US" altLang="en-US" sz="2400" b="0" i="0" u="none" strike="noStrike" cap="none" normalizeH="0" baseline="0" dirty="0" smtClean="0">
+                <a:ln>
+                  <a:noFill/>
+                </a:ln>
+                <a:solidFill>
+                  <a:srgbClr val="999999"/>
+                </a:solidFill>
+                <a:effectLst/>
+                <a:latin typeface="Consolas" panose="020B0609020204030204" pitchFamily="49" charset="0"/>
+                <a:cs typeface="Consolas" panose="020B0609020204030204" pitchFamily="49" charset="0"/>
+              </a:rPr>
+              <a:t>);</a:t>
+            </a:r>
+            <a:r>
+              <a:rPr kumimoji="0" lang="en-US" altLang="en-US" sz="2400" b="0" i="0" u="none" strike="noStrike" cap="none" normalizeH="0" baseline="0" dirty="0" smtClean="0">
+                <a:ln>
+                  <a:noFill/>
+                </a:ln>
+                <a:solidFill>
+                  <a:srgbClr val="000000"/>
+                </a:solidFill>
+                <a:effectLst/>
+                <a:latin typeface="Consolas" panose="020B0609020204030204" pitchFamily="49" charset="0"/>
+                <a:cs typeface="Consolas" panose="020B0609020204030204" pitchFamily="49" charset="0"/>
+              </a:rPr>
+              <a:t> // hoist but</a:t>
+            </a:r>
+            <a:r>
+              <a:rPr kumimoji="0" lang="en-US" altLang="en-US" sz="2400" b="0" i="0" u="none" strike="noStrike" cap="none" normalizeH="0" dirty="0" smtClean="0">
+                <a:ln>
+                  <a:noFill/>
+                </a:ln>
+                <a:solidFill>
+                  <a:srgbClr val="000000"/>
+                </a:solidFill>
+                <a:effectLst/>
+                <a:latin typeface="Consolas" panose="020B0609020204030204" pitchFamily="49" charset="0"/>
+                <a:cs typeface="Consolas" panose="020B0609020204030204" pitchFamily="49" charset="0"/>
+              </a:rPr>
+              <a:t> throw error</a:t>
+            </a:r>
+            <a:endParaRPr kumimoji="0" lang="en-US" altLang="en-US" sz="2400" b="0" i="0" u="none" strike="noStrike" cap="none" normalizeH="0" baseline="0" dirty="0" smtClean="0">
+              <a:ln>
+                <a:noFill/>
+              </a:ln>
+              <a:solidFill>
+                <a:srgbClr val="000000"/>
+              </a:solidFill>
+              <a:effectLst/>
+              <a:latin typeface="Consolas" panose="020B0609020204030204" pitchFamily="49" charset="0"/>
+              <a:cs typeface="Consolas" panose="020B0609020204030204" pitchFamily="49" charset="0"/>
+            </a:endParaRPr>
+          </a:p>
+          <a:p>
+            <a:pPr marL="0" marR="0" lvl="0" indent="0" algn="l" defTabSz="914400" rtl="0" eaLnBrk="0" fontAlgn="base" latinLnBrk="0" hangingPunct="0">
+              <a:lnSpc>
+                <a:spcPct val="100000"/>
+              </a:lnSpc>
+              <a:spcBef>
+                <a:spcPct val="0"/>
+              </a:spcBef>
+              <a:spcAft>
+                <a:spcPct val="0"/>
+              </a:spcAft>
+              <a:buClrTx/>
+              <a:buSzTx/>
+              <a:buFontTx/>
+              <a:buNone/>
+              <a:tabLst/>
+            </a:pPr>
+            <a:r>
+              <a:rPr kumimoji="0" lang="en-US" altLang="en-US" sz="2400" b="0" i="0" u="none" strike="noStrike" cap="none" normalizeH="0" baseline="0" dirty="0" smtClean="0">
+                <a:ln>
+                  <a:noFill/>
+                </a:ln>
+                <a:solidFill>
+                  <a:srgbClr val="0077AA"/>
+                </a:solidFill>
+                <a:effectLst/>
+                <a:latin typeface="Consolas" panose="020B0609020204030204" pitchFamily="49" charset="0"/>
+                <a:cs typeface="Consolas" panose="020B0609020204030204" pitchFamily="49" charset="0"/>
+              </a:rPr>
+              <a:t>	let</a:t>
+            </a:r>
+            <a:r>
+              <a:rPr kumimoji="0" lang="en-US" altLang="en-US" sz="2400" b="0" i="0" u="none" strike="noStrike" cap="none" normalizeH="0" baseline="0" dirty="0" smtClean="0">
+                <a:ln>
+                  <a:noFill/>
+                </a:ln>
+                <a:solidFill>
+                  <a:srgbClr val="000000"/>
+                </a:solidFill>
+                <a:effectLst/>
+                <a:latin typeface="Consolas" panose="020B0609020204030204" pitchFamily="49" charset="0"/>
+                <a:cs typeface="Consolas" panose="020B0609020204030204" pitchFamily="49" charset="0"/>
+              </a:rPr>
+              <a:t> x </a:t>
+            </a:r>
+            <a:r>
+              <a:rPr kumimoji="0" lang="en-US" altLang="en-US" sz="2400" b="0" i="0" u="none" strike="noStrike" cap="none" normalizeH="0" baseline="0" dirty="0" smtClean="0">
+                <a:ln>
+                  <a:noFill/>
+                </a:ln>
+                <a:solidFill>
+                  <a:srgbClr val="A67F59"/>
+                </a:solidFill>
+                <a:effectLst/>
+                <a:latin typeface="Consolas" panose="020B0609020204030204" pitchFamily="49" charset="0"/>
+                <a:cs typeface="Consolas" panose="020B0609020204030204" pitchFamily="49" charset="0"/>
+              </a:rPr>
+              <a:t>=</a:t>
+            </a:r>
+            <a:r>
+              <a:rPr kumimoji="0" lang="en-US" altLang="en-US" sz="2400" b="0" i="0" u="none" strike="noStrike" cap="none" normalizeH="0" baseline="0" dirty="0" smtClean="0">
+                <a:ln>
+                  <a:noFill/>
+                </a:ln>
+                <a:solidFill>
+                  <a:srgbClr val="000000"/>
+                </a:solidFill>
+                <a:effectLst/>
+                <a:latin typeface="Consolas" panose="020B0609020204030204" pitchFamily="49" charset="0"/>
+                <a:cs typeface="Consolas" panose="020B0609020204030204" pitchFamily="49" charset="0"/>
+              </a:rPr>
+              <a:t> </a:t>
+            </a:r>
+            <a:r>
+              <a:rPr kumimoji="0" lang="en-US" altLang="en-US" sz="2400" b="0" i="0" u="none" strike="noStrike" cap="none" normalizeH="0" baseline="0" dirty="0" smtClean="0">
+                <a:ln>
+                  <a:noFill/>
+                </a:ln>
+                <a:solidFill>
+                  <a:srgbClr val="669900"/>
+                </a:solidFill>
+                <a:effectLst/>
+                <a:latin typeface="Consolas" panose="020B0609020204030204" pitchFamily="49" charset="0"/>
+                <a:cs typeface="Consolas" panose="020B0609020204030204" pitchFamily="49" charset="0"/>
+              </a:rPr>
+              <a:t>'inner scope'</a:t>
+            </a:r>
+            <a:r>
+              <a:rPr kumimoji="0" lang="en-US" altLang="en-US" sz="2400" b="0" i="0" u="none" strike="noStrike" cap="none" normalizeH="0" baseline="0" dirty="0" smtClean="0">
+                <a:ln>
+                  <a:noFill/>
+                </a:ln>
+                <a:solidFill>
+                  <a:srgbClr val="999999"/>
+                </a:solidFill>
+                <a:effectLst/>
+                <a:latin typeface="Consolas" panose="020B0609020204030204" pitchFamily="49" charset="0"/>
+                <a:cs typeface="Consolas" panose="020B0609020204030204" pitchFamily="49" charset="0"/>
+              </a:rPr>
+              <a:t>;</a:t>
+            </a:r>
+            <a:endParaRPr lang="en-US" altLang="en-US" sz="2400" dirty="0">
+              <a:solidFill>
+                <a:srgbClr val="000000"/>
+              </a:solidFill>
+              <a:latin typeface="Consolas" panose="020B0609020204030204" pitchFamily="49" charset="0"/>
+              <a:cs typeface="Consolas" panose="020B0609020204030204" pitchFamily="49" charset="0"/>
+            </a:endParaRPr>
+          </a:p>
+          <a:p>
+            <a:pPr marL="0" marR="0" lvl="0" indent="0" algn="l" defTabSz="914400" rtl="0" eaLnBrk="0" fontAlgn="base" latinLnBrk="0" hangingPunct="0">
+              <a:lnSpc>
+                <a:spcPct val="100000"/>
+              </a:lnSpc>
+              <a:spcBef>
+                <a:spcPct val="0"/>
+              </a:spcBef>
+              <a:spcAft>
+                <a:spcPct val="0"/>
+              </a:spcAft>
+              <a:buClrTx/>
+              <a:buSzTx/>
+              <a:buFontTx/>
+              <a:buNone/>
+              <a:tabLst/>
+            </a:pPr>
+            <a:r>
+              <a:rPr kumimoji="0" lang="en-US" altLang="en-US" sz="2400" b="0" i="0" u="none" strike="noStrike" cap="none" normalizeH="0" baseline="0" dirty="0" smtClean="0">
+                <a:ln>
+                  <a:noFill/>
+                </a:ln>
+                <a:solidFill>
+                  <a:srgbClr val="999999"/>
+                </a:solidFill>
+                <a:effectLst/>
+                <a:latin typeface="Consolas" panose="020B0609020204030204" pitchFamily="49" charset="0"/>
+                <a:cs typeface="Consolas" panose="020B0609020204030204" pitchFamily="49" charset="0"/>
+              </a:rPr>
+              <a:t>}());</a:t>
+            </a:r>
+            <a:r>
+              <a:rPr kumimoji="0" lang="en-US" altLang="en-US" sz="2000" b="0" i="0" u="none" strike="noStrike" cap="none" normalizeH="0" baseline="0" dirty="0" smtClean="0">
+                <a:ln>
+                  <a:noFill/>
+                </a:ln>
+                <a:solidFill>
+                  <a:schemeClr val="tx1"/>
+                </a:solidFill>
+                <a:effectLst/>
+              </a:rPr>
+              <a:t> </a:t>
+            </a:r>
+            <a:endParaRPr kumimoji="0" lang="en-US" altLang="en-US" sz="4800" b="0" i="0" u="none" strike="noStrike" cap="none" normalizeH="0" baseline="0" dirty="0" smtClean="0">
+              <a:ln>
+                <a:noFill/>
+              </a:ln>
+              <a:solidFill>
+                <a:schemeClr val="tx1"/>
+              </a:solidFill>
+              <a:effectLst/>
+              <a:latin typeface="Arial" panose="020B0604020202020204" pitchFamily="34" charset="0"/>
+            </a:endParaRPr>
+          </a:p>
+        </p:txBody>
+      </p:sp>
+    </p:spTree>
+    <p:extLst>
+      <p:ext uri="{BB962C8B-B14F-4D97-AF65-F5344CB8AC3E}">
+        <p14:creationId xmlns:p14="http://schemas.microsoft.com/office/powerpoint/2010/main" val="3927349336"/>
+      </p:ext>
+    </p:extLst>
+  </p:cSld>
+  <p:clrMapOvr>
+    <a:masterClrMapping/>
+  </p:clrMapOvr>
+  <p:timing>
+    <p:tnLst>
+      <p:par>
+        <p:cTn id="1" dur="indefinite" restart="never" nodeType="tmRoot"/>
+      </p:par>
+    </p:tnLst>
+  </p:timing>
+</p:sld>
+</file>
+
+<file path=ppt/slides/slide31.xml><?xml version="1.0" encoding="utf-8"?>
+<p:sld xmlns:a="http://schemas.openxmlformats.org/drawingml/2006/main" xmlns:r="http://schemas.openxmlformats.org/officeDocument/2006/relationships" xmlns:p="http://schemas.openxmlformats.org/presentationml/2006/main">
+  <p:cSld>
+    <p:spTree>
+      <p:nvGrpSpPr>
+        <p:cNvPr id="1" name=""/>
+        <p:cNvGrpSpPr/>
+        <p:nvPr/>
+      </p:nvGrpSpPr>
+      <p:grpSpPr>
+        <a:xfrm>
+          <a:off x="0" y="0"/>
+          <a:ext cx="0" cy="0"/>
+          <a:chOff x="0" y="0"/>
+          <a:chExt cx="0" cy="0"/>
+        </a:xfrm>
+      </p:grpSpPr>
+      <p:sp>
+        <p:nvSpPr>
+          <p:cNvPr id="2" name="Title 1"/>
+          <p:cNvSpPr>
+            <a:spLocks noGrp="1"/>
+          </p:cNvSpPr>
+          <p:nvPr>
+            <p:ph type="title"/>
+          </p:nvPr>
+        </p:nvSpPr>
+        <p:spPr/>
+        <p:txBody>
+          <a:bodyPr/>
+          <a:lstStyle/>
+          <a:p>
+            <a:endParaRPr lang="en-US"/>
+          </a:p>
+        </p:txBody>
+      </p:sp>
+      <p:sp>
+        <p:nvSpPr>
+          <p:cNvPr id="4" name="Rectangle 1"/>
+          <p:cNvSpPr>
+            <a:spLocks noGrp="1" noChangeArrowheads="1"/>
+          </p:cNvSpPr>
+          <p:nvPr>
+            <p:ph idx="1"/>
+          </p:nvPr>
+        </p:nvSpPr>
+        <p:spPr bwMode="auto">
+          <a:xfrm>
+            <a:off x="838200" y="3447297"/>
+            <a:ext cx="8501366" cy="1107996"/>
+          </a:xfrm>
+          <a:prstGeom prst="rect">
+            <a:avLst/>
+          </a:prstGeom>
+          <a:solidFill>
+            <a:srgbClr val="F9F2F4"/>
+          </a:solidFill>
+          <a:ln>
+            <a:noFill/>
+          </a:ln>
+          <a:effectLst/>
+          <a:extLst>
+            <a:ext uri="{91240B29-F687-4F45-9708-019B960494DF}">
+              <a14:hiddenLine xmlns:a14="http://schemas.microsoft.com/office/drawing/2010/main" w="9525">
+                <a:solidFill>
+                  <a:schemeClr val="tx1"/>
+                </a:solidFill>
+                <a:miter lim="800000"/>
+                <a:headEnd/>
+                <a:tailEnd/>
+              </a14:hiddenLine>
+            </a:ext>
+            <a:ext uri="{AF507438-7753-43E0-B8FC-AC1667EBCBE1}">
+              <a14:hiddenEffects xmlns:a14="http://schemas.microsoft.com/office/drawing/2010/main">
+                <a:effectLst>
+                  <a:outerShdw dist="35921" dir="2700000" algn="ctr" rotWithShape="0">
+                    <a:schemeClr val="bg2"/>
+                  </a:outerShdw>
+                </a:effectLst>
+              </a14:hiddenEffects>
+            </a:ext>
+          </a:extLst>
+        </p:spPr>
+        <p:txBody>
+          <a:bodyPr vert="horz" wrap="none" lIns="0" tIns="0" rIns="0" bIns="0" numCol="1" anchor="ctr" anchorCtr="0" compatLnSpc="1">
+            <a:prstTxWarp prst="textNoShape">
+              <a:avLst/>
+            </a:prstTxWarp>
+            <a:spAutoFit/>
+          </a:bodyPr>
+          <a:lstStyle>
+            <a:lvl1pPr eaLnBrk="0" fontAlgn="base" hangingPunct="0">
+              <a:spcBef>
+                <a:spcPct val="0"/>
+              </a:spcBef>
+              <a:spcAft>
+                <a:spcPct val="0"/>
+              </a:spcAft>
+              <a:defRPr>
+                <a:solidFill>
+                  <a:schemeClr val="tx1"/>
+                </a:solidFill>
+                <a:latin typeface="Arial" panose="020B0604020202020204" pitchFamily="34" charset="0"/>
+              </a:defRPr>
+            </a:lvl1pPr>
+            <a:lvl2pPr eaLnBrk="0" fontAlgn="base" hangingPunct="0">
+              <a:spcBef>
+                <a:spcPct val="0"/>
+              </a:spcBef>
+              <a:spcAft>
+                <a:spcPct val="0"/>
+              </a:spcAft>
+              <a:defRPr>
+                <a:solidFill>
+                  <a:schemeClr val="tx1"/>
+                </a:solidFill>
+                <a:latin typeface="Arial" panose="020B0604020202020204" pitchFamily="34" charset="0"/>
+              </a:defRPr>
+            </a:lvl2pPr>
+            <a:lvl3pPr eaLnBrk="0" fontAlgn="base" hangingPunct="0">
+              <a:spcBef>
+                <a:spcPct val="0"/>
+              </a:spcBef>
+              <a:spcAft>
+                <a:spcPct val="0"/>
+              </a:spcAft>
+              <a:defRPr>
+                <a:solidFill>
+                  <a:schemeClr val="tx1"/>
+                </a:solidFill>
+                <a:latin typeface="Arial" panose="020B0604020202020204" pitchFamily="34" charset="0"/>
+              </a:defRPr>
+            </a:lvl3pPr>
+            <a:lvl4pPr eaLnBrk="0" fontAlgn="base" hangingPunct="0">
+              <a:spcBef>
+                <a:spcPct val="0"/>
+              </a:spcBef>
+              <a:spcAft>
+                <a:spcPct val="0"/>
+              </a:spcAft>
+              <a:defRPr>
+                <a:solidFill>
+                  <a:schemeClr val="tx1"/>
+                </a:solidFill>
+                <a:latin typeface="Arial" panose="020B0604020202020204" pitchFamily="34" charset="0"/>
+              </a:defRPr>
+            </a:lvl4pPr>
+            <a:lvl5pPr eaLnBrk="0" fontAlgn="base" hangingPunct="0">
+              <a:spcBef>
+                <a:spcPct val="0"/>
+              </a:spcBef>
+              <a:spcAft>
+                <a:spcPct val="0"/>
+              </a:spcAft>
+              <a:defRPr>
+                <a:solidFill>
+                  <a:schemeClr val="tx1"/>
+                </a:solidFill>
+                <a:latin typeface="Arial" panose="020B0604020202020204" pitchFamily="34" charset="0"/>
+              </a:defRPr>
+            </a:lvl5pPr>
+            <a:lvl6pPr eaLnBrk="0" fontAlgn="base" hangingPunct="0">
+              <a:spcBef>
+                <a:spcPct val="0"/>
+              </a:spcBef>
+              <a:spcAft>
+                <a:spcPct val="0"/>
+              </a:spcAft>
+              <a:defRPr>
+                <a:solidFill>
+                  <a:schemeClr val="tx1"/>
+                </a:solidFill>
+                <a:latin typeface="Arial" panose="020B0604020202020204" pitchFamily="34" charset="0"/>
+              </a:defRPr>
+            </a:lvl6pPr>
+            <a:lvl7pPr eaLnBrk="0" fontAlgn="base" hangingPunct="0">
+              <a:spcBef>
+                <a:spcPct val="0"/>
+              </a:spcBef>
+              <a:spcAft>
+                <a:spcPct val="0"/>
+              </a:spcAft>
+              <a:defRPr>
+                <a:solidFill>
+                  <a:schemeClr val="tx1"/>
+                </a:solidFill>
+                <a:latin typeface="Arial" panose="020B0604020202020204" pitchFamily="34" charset="0"/>
+              </a:defRPr>
+            </a:lvl7pPr>
+            <a:lvl8pPr eaLnBrk="0" fontAlgn="base" hangingPunct="0">
+              <a:spcBef>
+                <a:spcPct val="0"/>
+              </a:spcBef>
+              <a:spcAft>
+                <a:spcPct val="0"/>
+              </a:spcAft>
+              <a:defRPr>
+                <a:solidFill>
+                  <a:schemeClr val="tx1"/>
+                </a:solidFill>
+                <a:latin typeface="Arial" panose="020B0604020202020204" pitchFamily="34" charset="0"/>
+              </a:defRPr>
+            </a:lvl8pPr>
+            <a:lvl9pPr eaLnBrk="0" fontAlgn="base" hangingPunct="0">
+              <a:spcBef>
+                <a:spcPct val="0"/>
+              </a:spcBef>
+              <a:spcAft>
+                <a:spcPct val="0"/>
+              </a:spcAft>
+              <a:defRPr>
+                <a:solidFill>
+                  <a:schemeClr val="tx1"/>
+                </a:solidFill>
+                <a:latin typeface="Arial" panose="020B0604020202020204" pitchFamily="34" charset="0"/>
+              </a:defRPr>
+            </a:lvl9pPr>
+          </a:lstStyle>
+          <a:p>
+            <a:pPr marL="0" marR="0" lvl="0" indent="0" algn="l" defTabSz="914400" rtl="0" eaLnBrk="0" fontAlgn="base" latinLnBrk="0" hangingPunct="0">
+              <a:lnSpc>
+                <a:spcPct val="100000"/>
+              </a:lnSpc>
+              <a:spcBef>
+                <a:spcPct val="0"/>
+              </a:spcBef>
+              <a:spcAft>
+                <a:spcPct val="0"/>
+              </a:spcAft>
+              <a:buClrTx/>
+              <a:buSzTx/>
+              <a:buFontTx/>
+              <a:buNone/>
+              <a:tabLst/>
+            </a:pPr>
+            <a:r>
+              <a:rPr lang="en-US" altLang="en-US" sz="1800" dirty="0"/>
+              <a:t>let/</a:t>
+            </a:r>
+            <a:r>
+              <a:rPr lang="en-US" altLang="en-US" sz="1800" dirty="0" err="1"/>
+              <a:t>const</a:t>
+            </a:r>
+            <a:r>
+              <a:rPr lang="en-US" altLang="en-US" sz="1800" dirty="0"/>
+              <a:t> declarations hoist!</a:t>
+            </a:r>
+          </a:p>
+          <a:p>
+            <a:pPr marL="0" lvl="0" indent="0">
+              <a:lnSpc>
+                <a:spcPct val="100000"/>
+              </a:lnSpc>
+              <a:buNone/>
+            </a:pPr>
+            <a:r>
+              <a:rPr kumimoji="0" lang="en-US" altLang="en-US" sz="800" b="0" i="0" u="none" strike="noStrike" cap="none" normalizeH="0" baseline="0" dirty="0" smtClean="0">
+                <a:ln>
+                  <a:noFill/>
+                </a:ln>
+                <a:solidFill>
+                  <a:schemeClr val="tx1"/>
+                </a:solidFill>
+                <a:effectLst/>
+              </a:rPr>
+              <a:t> </a:t>
+            </a:r>
+            <a:r>
+              <a:rPr lang="en-US" sz="1800" dirty="0"/>
+              <a:t>but may not be accessed in any way until the variable’s </a:t>
+            </a:r>
+            <a:r>
+              <a:rPr lang="en-US" sz="1800" i="1" dirty="0" err="1"/>
+              <a:t>LexicalBinding</a:t>
+            </a:r>
+            <a:r>
+              <a:rPr lang="en-US" sz="1800" dirty="0"/>
+              <a:t> is </a:t>
+            </a:r>
+            <a:r>
+              <a:rPr lang="en-US" sz="1800" dirty="0" smtClean="0"/>
+              <a:t>evaluated</a:t>
+            </a:r>
+          </a:p>
+          <a:p>
+            <a:pPr marL="0" lvl="0" indent="0">
+              <a:lnSpc>
+                <a:spcPct val="100000"/>
+              </a:lnSpc>
+              <a:buNone/>
+            </a:pPr>
+            <a:endParaRPr kumimoji="0" lang="en-US" altLang="en-US" sz="1800" b="0" i="0" u="none" strike="noStrike" cap="none" normalizeH="0" baseline="0" dirty="0">
+              <a:ln>
+                <a:noFill/>
+              </a:ln>
+              <a:solidFill>
+                <a:schemeClr val="tx1"/>
+              </a:solidFill>
+              <a:effectLst/>
+              <a:latin typeface="Arial" panose="020B0604020202020204" pitchFamily="34" charset="0"/>
+            </a:endParaRPr>
+          </a:p>
+          <a:p>
+            <a:pPr marL="0" lvl="0" indent="0">
+              <a:lnSpc>
+                <a:spcPct val="100000"/>
+              </a:lnSpc>
+              <a:buNone/>
+            </a:pPr>
+            <a:r>
+              <a:rPr lang="en-US" sz="1800" dirty="0"/>
+              <a:t>This is the TDZ</a:t>
+            </a:r>
+            <a:endParaRPr kumimoji="0" lang="en-US" altLang="en-US" sz="1800" b="0" i="0" u="none" strike="noStrike" cap="none" normalizeH="0" baseline="0" dirty="0" smtClean="0">
+              <a:ln>
+                <a:noFill/>
+              </a:ln>
+              <a:solidFill>
+                <a:schemeClr val="tx1"/>
+              </a:solidFill>
+              <a:effectLst/>
+              <a:latin typeface="Arial" panose="020B0604020202020204" pitchFamily="34" charset="0"/>
+            </a:endParaRPr>
+          </a:p>
+        </p:txBody>
+      </p:sp>
+    </p:spTree>
+    <p:extLst>
+      <p:ext uri="{BB962C8B-B14F-4D97-AF65-F5344CB8AC3E}">
+        <p14:creationId xmlns:p14="http://schemas.microsoft.com/office/powerpoint/2010/main" val="4205459705"/>
+      </p:ext>
+    </p:extLst>
+  </p:cSld>
+  <p:clrMapOvr>
+    <a:masterClrMapping/>
+  </p:clrMapOvr>
+  <p:timing>
+    <p:tnLst>
+      <p:par>
+        <p:cTn id="1" dur="indefinite" restart="never" nodeType="tmRoot"/>
+      </p:par>
+    </p:tnLst>
+  </p:timing>
+</p:sld>
+</file>
+
+<file path=ppt/slides/slide32.xml><?xml version="1.0" encoding="utf-8"?>
+<p:sld xmlns:a="http://schemas.openxmlformats.org/drawingml/2006/main" xmlns:r="http://schemas.openxmlformats.org/officeDocument/2006/relationships" xmlns:p="http://schemas.openxmlformats.org/presentationml/2006/main">
+  <p:cSld>
+    <p:spTree>
+      <p:nvGrpSpPr>
+        <p:cNvPr id="1" name=""/>
+        <p:cNvGrpSpPr/>
+        <p:nvPr/>
+      </p:nvGrpSpPr>
+      <p:grpSpPr>
+        <a:xfrm>
+          <a:off x="0" y="0"/>
+          <a:ext cx="0" cy="0"/>
+          <a:chOff x="0" y="0"/>
+          <a:chExt cx="0" cy="0"/>
+        </a:xfrm>
+      </p:grpSpPr>
+      <p:sp>
+        <p:nvSpPr>
+          <p:cNvPr id="2" name="Title 1"/>
+          <p:cNvSpPr>
+            <a:spLocks noGrp="1"/>
+          </p:cNvSpPr>
+          <p:nvPr>
+            <p:ph type="title"/>
+          </p:nvPr>
+        </p:nvSpPr>
+        <p:spPr/>
+        <p:txBody>
+          <a:bodyPr/>
+          <a:lstStyle/>
+          <a:p>
+            <a:endParaRPr lang="en-US"/>
+          </a:p>
+        </p:txBody>
+      </p:sp>
+      <p:sp>
+        <p:nvSpPr>
+          <p:cNvPr id="4" name="Rectangle 1"/>
+          <p:cNvSpPr>
+            <a:spLocks noGrp="1" noChangeArrowheads="1"/>
+          </p:cNvSpPr>
+          <p:nvPr>
+            <p:ph idx="1"/>
+          </p:nvPr>
+        </p:nvSpPr>
+        <p:spPr bwMode="auto">
+          <a:xfrm>
+            <a:off x="838200" y="3539629"/>
+            <a:ext cx="5219378" cy="923330"/>
+          </a:xfrm>
+          <a:prstGeom prst="rect">
+            <a:avLst/>
+          </a:prstGeom>
+          <a:solidFill>
+            <a:srgbClr val="F5F2F0"/>
+          </a:solidFill>
+          <a:ln>
+            <a:noFill/>
+          </a:ln>
+          <a:effectLst/>
+          <a:extLst>
+            <a:ext uri="{91240B29-F687-4F45-9708-019B960494DF}">
+              <a14:hiddenLine xmlns:a14="http://schemas.microsoft.com/office/drawing/2010/main" w="9525">
+                <a:solidFill>
+                  <a:schemeClr val="tx1"/>
+                </a:solidFill>
+                <a:miter lim="800000"/>
+                <a:headEnd/>
+                <a:tailEnd/>
+              </a14:hiddenLine>
+            </a:ext>
+            <a:ext uri="{AF507438-7753-43E0-B8FC-AC1667EBCBE1}">
+              <a14:hiddenEffects xmlns:a14="http://schemas.microsoft.com/office/drawing/2010/main">
+                <a:effectLst>
+                  <a:outerShdw dist="35921" dir="2700000" algn="ctr" rotWithShape="0">
+                    <a:schemeClr val="bg2"/>
+                  </a:outerShdw>
+                </a:effectLst>
+              </a14:hiddenEffects>
+            </a:ext>
+          </a:extLst>
+        </p:spPr>
+        <p:txBody>
+          <a:bodyPr vert="horz" wrap="none" lIns="0" tIns="0" rIns="0" bIns="0" numCol="1" anchor="ctr" anchorCtr="0" compatLnSpc="1">
+            <a:prstTxWarp prst="textNoShape">
+              <a:avLst/>
+            </a:prstTxWarp>
+            <a:spAutoFit/>
+          </a:bodyPr>
+          <a:lstStyle/>
+          <a:p>
+            <a:pPr marL="0" marR="0" lvl="0" indent="0" algn="l" defTabSz="914400" rtl="0" eaLnBrk="0" fontAlgn="base" latinLnBrk="0" hangingPunct="0">
+              <a:lnSpc>
+                <a:spcPct val="100000"/>
+              </a:lnSpc>
+              <a:spcBef>
+                <a:spcPct val="0"/>
+              </a:spcBef>
+              <a:spcAft>
+                <a:spcPct val="0"/>
+              </a:spcAft>
+              <a:buClrTx/>
+              <a:buSzTx/>
+              <a:buFontTx/>
+              <a:buNone/>
+              <a:tabLst/>
+            </a:pPr>
+            <a:r>
+              <a:rPr kumimoji="0" lang="en-US" altLang="en-US" sz="1000" b="0" i="0" u="none" strike="noStrike" cap="none" normalizeH="0" baseline="0" dirty="0" smtClean="0">
+                <a:ln>
+                  <a:noFill/>
+                </a:ln>
+                <a:solidFill>
+                  <a:srgbClr val="708090"/>
+                </a:solidFill>
+                <a:effectLst/>
+                <a:latin typeface="Consolas" panose="020B0609020204030204" pitchFamily="49" charset="0"/>
+                <a:cs typeface="Consolas" panose="020B0609020204030204" pitchFamily="49" charset="0"/>
+              </a:rPr>
+              <a:t>// Accessing `x` here before control flow evaluates the `let x` statement </a:t>
+            </a:r>
+          </a:p>
+          <a:p>
+            <a:pPr marL="0" marR="0" lvl="0" indent="0" algn="l" defTabSz="914400" rtl="0" eaLnBrk="0" fontAlgn="base" latinLnBrk="0" hangingPunct="0">
+              <a:lnSpc>
+                <a:spcPct val="100000"/>
+              </a:lnSpc>
+              <a:spcBef>
+                <a:spcPct val="0"/>
+              </a:spcBef>
+              <a:spcAft>
+                <a:spcPct val="0"/>
+              </a:spcAft>
+              <a:buClrTx/>
+              <a:buSzTx/>
+              <a:buFontTx/>
+              <a:buNone/>
+              <a:tabLst/>
+            </a:pPr>
+            <a:r>
+              <a:rPr kumimoji="0" lang="en-US" altLang="en-US" sz="1000" b="0" i="0" u="none" strike="noStrike" cap="none" normalizeH="0" baseline="0" dirty="0" smtClean="0">
+                <a:ln>
+                  <a:noFill/>
+                </a:ln>
+                <a:solidFill>
+                  <a:srgbClr val="708090"/>
+                </a:solidFill>
+                <a:effectLst/>
+                <a:latin typeface="Consolas" panose="020B0609020204030204" pitchFamily="49" charset="0"/>
+                <a:cs typeface="Consolas" panose="020B0609020204030204" pitchFamily="49" charset="0"/>
+              </a:rPr>
+              <a:t>// would throw a </a:t>
+            </a:r>
+            <a:r>
+              <a:rPr kumimoji="0" lang="en-US" altLang="en-US" sz="1000" b="0" i="0" u="none" strike="noStrike" cap="none" normalizeH="0" baseline="0" dirty="0" err="1" smtClean="0">
+                <a:ln>
+                  <a:noFill/>
+                </a:ln>
+                <a:solidFill>
+                  <a:srgbClr val="708090"/>
+                </a:solidFill>
+                <a:effectLst/>
+                <a:latin typeface="Consolas" panose="020B0609020204030204" pitchFamily="49" charset="0"/>
+                <a:cs typeface="Consolas" panose="020B0609020204030204" pitchFamily="49" charset="0"/>
+              </a:rPr>
+              <a:t>ReferenceError</a:t>
+            </a:r>
+            <a:r>
+              <a:rPr kumimoji="0" lang="en-US" altLang="en-US" sz="1000" b="0" i="0" u="none" strike="noStrike" cap="none" normalizeH="0" baseline="0" dirty="0" smtClean="0">
+                <a:ln>
+                  <a:noFill/>
+                </a:ln>
+                <a:solidFill>
+                  <a:srgbClr val="708090"/>
+                </a:solidFill>
+                <a:effectLst/>
+                <a:latin typeface="Consolas" panose="020B0609020204030204" pitchFamily="49" charset="0"/>
+                <a:cs typeface="Consolas" panose="020B0609020204030204" pitchFamily="49" charset="0"/>
+              </a:rPr>
+              <a:t> due to TDZ. </a:t>
+            </a:r>
+          </a:p>
+          <a:p>
+            <a:pPr marL="0" marR="0" lvl="0" indent="0" algn="l" defTabSz="914400" rtl="0" eaLnBrk="0" fontAlgn="base" latinLnBrk="0" hangingPunct="0">
+              <a:lnSpc>
+                <a:spcPct val="100000"/>
+              </a:lnSpc>
+              <a:spcBef>
+                <a:spcPct val="0"/>
+              </a:spcBef>
+              <a:spcAft>
+                <a:spcPct val="0"/>
+              </a:spcAft>
+              <a:buClrTx/>
+              <a:buSzTx/>
+              <a:buFontTx/>
+              <a:buNone/>
+              <a:tabLst/>
+            </a:pPr>
+            <a:r>
+              <a:rPr kumimoji="0" lang="en-US" altLang="en-US" sz="1000" b="0" i="0" u="none" strike="noStrike" cap="none" normalizeH="0" baseline="0" dirty="0" smtClean="0">
+                <a:ln>
+                  <a:noFill/>
+                </a:ln>
+                <a:solidFill>
+                  <a:srgbClr val="708090"/>
+                </a:solidFill>
+                <a:effectLst/>
+                <a:latin typeface="Consolas" panose="020B0609020204030204" pitchFamily="49" charset="0"/>
+                <a:cs typeface="Consolas" panose="020B0609020204030204" pitchFamily="49" charset="0"/>
+              </a:rPr>
+              <a:t>// console.log(x); </a:t>
+            </a:r>
+          </a:p>
+          <a:p>
+            <a:pPr marL="0" marR="0" lvl="0" indent="0" algn="l" defTabSz="914400" rtl="0" eaLnBrk="0" fontAlgn="base" latinLnBrk="0" hangingPunct="0">
+              <a:lnSpc>
+                <a:spcPct val="100000"/>
+              </a:lnSpc>
+              <a:spcBef>
+                <a:spcPct val="0"/>
+              </a:spcBef>
+              <a:spcAft>
+                <a:spcPct val="0"/>
+              </a:spcAft>
+              <a:buClrTx/>
+              <a:buSzTx/>
+              <a:buFontTx/>
+              <a:buNone/>
+              <a:tabLst/>
+            </a:pPr>
+            <a:endParaRPr lang="en-US" altLang="en-US" sz="1000" dirty="0">
+              <a:solidFill>
+                <a:srgbClr val="708090"/>
+              </a:solidFill>
+              <a:latin typeface="Consolas" panose="020B0609020204030204" pitchFamily="49" charset="0"/>
+              <a:cs typeface="Consolas" panose="020B0609020204030204" pitchFamily="49" charset="0"/>
+            </a:endParaRPr>
+          </a:p>
+          <a:p>
+            <a:pPr marL="0" marR="0" lvl="0" indent="0" algn="l" defTabSz="914400" rtl="0" eaLnBrk="0" fontAlgn="base" latinLnBrk="0" hangingPunct="0">
+              <a:lnSpc>
+                <a:spcPct val="100000"/>
+              </a:lnSpc>
+              <a:spcBef>
+                <a:spcPct val="0"/>
+              </a:spcBef>
+              <a:spcAft>
+                <a:spcPct val="0"/>
+              </a:spcAft>
+              <a:buClrTx/>
+              <a:buSzTx/>
+              <a:buFontTx/>
+              <a:buNone/>
+              <a:tabLst/>
+            </a:pPr>
+            <a:r>
+              <a:rPr kumimoji="0" lang="en-US" altLang="en-US" sz="1000" b="0" i="0" u="none" strike="noStrike" cap="none" normalizeH="0" baseline="0" dirty="0" smtClean="0">
+                <a:ln>
+                  <a:noFill/>
+                </a:ln>
+                <a:solidFill>
+                  <a:srgbClr val="0077AA"/>
+                </a:solidFill>
+                <a:effectLst/>
+                <a:latin typeface="Consolas" panose="020B0609020204030204" pitchFamily="49" charset="0"/>
+                <a:cs typeface="Consolas" panose="020B0609020204030204" pitchFamily="49" charset="0"/>
+              </a:rPr>
+              <a:t>let</a:t>
+            </a:r>
+            <a:r>
+              <a:rPr kumimoji="0" lang="en-US" altLang="en-US" sz="1000" b="0" i="0" u="none" strike="noStrike" cap="none" normalizeH="0" baseline="0" dirty="0" smtClean="0">
+                <a:ln>
+                  <a:noFill/>
+                </a:ln>
+                <a:solidFill>
+                  <a:srgbClr val="000000"/>
+                </a:solidFill>
+                <a:effectLst/>
+                <a:latin typeface="Consolas" panose="020B0609020204030204" pitchFamily="49" charset="0"/>
+                <a:cs typeface="Consolas" panose="020B0609020204030204" pitchFamily="49" charset="0"/>
+              </a:rPr>
+              <a:t> x </a:t>
+            </a:r>
+            <a:r>
+              <a:rPr kumimoji="0" lang="en-US" altLang="en-US" sz="1000" b="0" i="0" u="none" strike="noStrike" cap="none" normalizeH="0" baseline="0" dirty="0" smtClean="0">
+                <a:ln>
+                  <a:noFill/>
+                </a:ln>
+                <a:solidFill>
+                  <a:srgbClr val="A67F59"/>
+                </a:solidFill>
+                <a:effectLst/>
+                <a:latin typeface="Consolas" panose="020B0609020204030204" pitchFamily="49" charset="0"/>
+                <a:cs typeface="Consolas" panose="020B0609020204030204" pitchFamily="49" charset="0"/>
+              </a:rPr>
+              <a:t>=</a:t>
+            </a:r>
+            <a:r>
+              <a:rPr kumimoji="0" lang="en-US" altLang="en-US" sz="1000" b="0" i="0" u="none" strike="noStrike" cap="none" normalizeH="0" baseline="0" dirty="0" smtClean="0">
+                <a:ln>
+                  <a:noFill/>
+                </a:ln>
+                <a:solidFill>
+                  <a:srgbClr val="000000"/>
+                </a:solidFill>
+                <a:effectLst/>
+                <a:latin typeface="Consolas" panose="020B0609020204030204" pitchFamily="49" charset="0"/>
+                <a:cs typeface="Consolas" panose="020B0609020204030204" pitchFamily="49" charset="0"/>
+              </a:rPr>
+              <a:t> </a:t>
+            </a:r>
+            <a:r>
+              <a:rPr kumimoji="0" lang="en-US" altLang="en-US" sz="1000" b="0" i="0" u="none" strike="noStrike" cap="none" normalizeH="0" baseline="0" dirty="0" smtClean="0">
+                <a:ln>
+                  <a:noFill/>
+                </a:ln>
+                <a:solidFill>
+                  <a:srgbClr val="990055"/>
+                </a:solidFill>
+                <a:effectLst/>
+                <a:latin typeface="Consolas" panose="020B0609020204030204" pitchFamily="49" charset="0"/>
+                <a:cs typeface="Consolas" panose="020B0609020204030204" pitchFamily="49" charset="0"/>
+              </a:rPr>
+              <a:t>42</a:t>
+            </a:r>
+            <a:r>
+              <a:rPr kumimoji="0" lang="en-US" altLang="en-US" sz="1000" b="0" i="0" u="none" strike="noStrike" cap="none" normalizeH="0" baseline="0" dirty="0" smtClean="0">
+                <a:ln>
+                  <a:noFill/>
+                </a:ln>
+                <a:solidFill>
+                  <a:srgbClr val="999999"/>
+                </a:solidFill>
+                <a:effectLst/>
+                <a:latin typeface="Consolas" panose="020B0609020204030204" pitchFamily="49" charset="0"/>
+                <a:cs typeface="Consolas" panose="020B0609020204030204" pitchFamily="49" charset="0"/>
+              </a:rPr>
+              <a:t>;</a:t>
+            </a:r>
+            <a:r>
+              <a:rPr kumimoji="0" lang="en-US" altLang="en-US" sz="1000" b="0" i="0" u="none" strike="noStrike" cap="none" normalizeH="0" baseline="0" dirty="0" smtClean="0">
+                <a:ln>
+                  <a:noFill/>
+                </a:ln>
+                <a:solidFill>
+                  <a:srgbClr val="000000"/>
+                </a:solidFill>
+                <a:effectLst/>
+                <a:latin typeface="Consolas" panose="020B0609020204030204" pitchFamily="49" charset="0"/>
+                <a:cs typeface="Consolas" panose="020B0609020204030204" pitchFamily="49" charset="0"/>
+              </a:rPr>
+              <a:t> </a:t>
+            </a:r>
+            <a:r>
+              <a:rPr kumimoji="0" lang="en-US" altLang="en-US" sz="1000" b="0" i="0" u="none" strike="noStrike" cap="none" normalizeH="0" baseline="0" dirty="0" smtClean="0">
+                <a:ln>
+                  <a:noFill/>
+                </a:ln>
+                <a:solidFill>
+                  <a:srgbClr val="708090"/>
+                </a:solidFill>
+                <a:effectLst/>
+                <a:latin typeface="Consolas" panose="020B0609020204030204" pitchFamily="49" charset="0"/>
+                <a:cs typeface="Consolas" panose="020B0609020204030204" pitchFamily="49" charset="0"/>
+              </a:rPr>
+              <a:t>// From here on, accessing `x` is perfectly fine! </a:t>
+            </a:r>
+          </a:p>
+          <a:p>
+            <a:pPr marL="0" marR="0" lvl="0" indent="0" algn="l" defTabSz="914400" rtl="0" eaLnBrk="0" fontAlgn="base" latinLnBrk="0" hangingPunct="0">
+              <a:lnSpc>
+                <a:spcPct val="100000"/>
+              </a:lnSpc>
+              <a:spcBef>
+                <a:spcPct val="0"/>
+              </a:spcBef>
+              <a:spcAft>
+                <a:spcPct val="0"/>
+              </a:spcAft>
+              <a:buClrTx/>
+              <a:buSzTx/>
+              <a:buFontTx/>
+              <a:buNone/>
+              <a:tabLst/>
+            </a:pPr>
+            <a:r>
+              <a:rPr kumimoji="0" lang="en-US" altLang="en-US" sz="1000" b="0" i="0" u="none" strike="noStrike" cap="none" normalizeH="0" baseline="0" dirty="0" smtClean="0">
+                <a:ln>
+                  <a:noFill/>
+                </a:ln>
+                <a:solidFill>
+                  <a:srgbClr val="000000"/>
+                </a:solidFill>
+                <a:effectLst/>
+                <a:latin typeface="Consolas" panose="020B0609020204030204" pitchFamily="49" charset="0"/>
+                <a:cs typeface="Consolas" panose="020B0609020204030204" pitchFamily="49" charset="0"/>
+              </a:rPr>
+              <a:t>console</a:t>
+            </a:r>
+            <a:r>
+              <a:rPr kumimoji="0" lang="en-US" altLang="en-US" sz="1000" b="0" i="0" u="none" strike="noStrike" cap="none" normalizeH="0" baseline="0" dirty="0" smtClean="0">
+                <a:ln>
+                  <a:noFill/>
+                </a:ln>
+                <a:solidFill>
+                  <a:srgbClr val="999999"/>
+                </a:solidFill>
+                <a:effectLst/>
+                <a:latin typeface="Consolas" panose="020B0609020204030204" pitchFamily="49" charset="0"/>
+                <a:cs typeface="Consolas" panose="020B0609020204030204" pitchFamily="49" charset="0"/>
+              </a:rPr>
+              <a:t>.</a:t>
+            </a:r>
+            <a:r>
+              <a:rPr kumimoji="0" lang="en-US" altLang="en-US" sz="1000" b="0" i="0" u="none" strike="noStrike" cap="none" normalizeH="0" baseline="0" dirty="0" smtClean="0">
+                <a:ln>
+                  <a:noFill/>
+                </a:ln>
+                <a:solidFill>
+                  <a:srgbClr val="DD4A68"/>
+                </a:solidFill>
+                <a:effectLst/>
+                <a:latin typeface="Consolas" panose="020B0609020204030204" pitchFamily="49" charset="0"/>
+                <a:cs typeface="Consolas" panose="020B0609020204030204" pitchFamily="49" charset="0"/>
+              </a:rPr>
+              <a:t>log</a:t>
+            </a:r>
+            <a:r>
+              <a:rPr kumimoji="0" lang="en-US" altLang="en-US" sz="1000" b="0" i="0" u="none" strike="noStrike" cap="none" normalizeH="0" baseline="0" dirty="0" smtClean="0">
+                <a:ln>
+                  <a:noFill/>
+                </a:ln>
+                <a:solidFill>
+                  <a:srgbClr val="999999"/>
+                </a:solidFill>
+                <a:effectLst/>
+                <a:latin typeface="Consolas" panose="020B0609020204030204" pitchFamily="49" charset="0"/>
+                <a:cs typeface="Consolas" panose="020B0609020204030204" pitchFamily="49" charset="0"/>
+              </a:rPr>
+              <a:t>(</a:t>
+            </a:r>
+            <a:r>
+              <a:rPr kumimoji="0" lang="en-US" altLang="en-US" sz="1000" b="0" i="0" u="none" strike="noStrike" cap="none" normalizeH="0" baseline="0" dirty="0" smtClean="0">
+                <a:ln>
+                  <a:noFill/>
+                </a:ln>
+                <a:solidFill>
+                  <a:srgbClr val="000000"/>
+                </a:solidFill>
+                <a:effectLst/>
+                <a:latin typeface="Consolas" panose="020B0609020204030204" pitchFamily="49" charset="0"/>
+                <a:cs typeface="Consolas" panose="020B0609020204030204" pitchFamily="49" charset="0"/>
+              </a:rPr>
+              <a:t>x</a:t>
+            </a:r>
+            <a:r>
+              <a:rPr kumimoji="0" lang="en-US" altLang="en-US" sz="1000" b="0" i="0" u="none" strike="noStrike" cap="none" normalizeH="0" baseline="0" dirty="0" smtClean="0">
+                <a:ln>
+                  <a:noFill/>
+                </a:ln>
+                <a:solidFill>
+                  <a:srgbClr val="999999"/>
+                </a:solidFill>
+                <a:effectLst/>
+                <a:latin typeface="Consolas" panose="020B0609020204030204" pitchFamily="49" charset="0"/>
+                <a:cs typeface="Consolas" panose="020B0609020204030204" pitchFamily="49" charset="0"/>
+              </a:rPr>
+              <a:t>);</a:t>
+            </a:r>
+            <a:r>
+              <a:rPr kumimoji="0" lang="en-US" altLang="en-US" sz="900" b="0" i="0" u="none" strike="noStrike" cap="none" normalizeH="0" baseline="0" dirty="0" smtClean="0">
+                <a:ln>
+                  <a:noFill/>
+                </a:ln>
+                <a:solidFill>
+                  <a:schemeClr val="tx1"/>
+                </a:solidFill>
+                <a:effectLst/>
+              </a:rPr>
+              <a:t> </a:t>
+            </a:r>
+            <a:endParaRPr kumimoji="0" lang="en-US" altLang="en-US" sz="1800" b="0" i="0" u="none" strike="noStrike" cap="none" normalizeH="0" baseline="0" dirty="0" smtClean="0">
+              <a:ln>
+                <a:noFill/>
+              </a:ln>
+              <a:solidFill>
+                <a:schemeClr val="tx1"/>
+              </a:solidFill>
+              <a:effectLst/>
+              <a:latin typeface="Arial" panose="020B0604020202020204" pitchFamily="34" charset="0"/>
+            </a:endParaRPr>
+          </a:p>
+        </p:txBody>
+      </p:sp>
+    </p:spTree>
+    <p:extLst>
+      <p:ext uri="{BB962C8B-B14F-4D97-AF65-F5344CB8AC3E}">
+        <p14:creationId xmlns:p14="http://schemas.microsoft.com/office/powerpoint/2010/main" val="1165382354"/>
+      </p:ext>
+    </p:extLst>
+  </p:cSld>
+  <p:clrMapOvr>
+    <a:masterClrMapping/>
+  </p:clrMapOvr>
+  <p:timing>
+    <p:tnLst>
+      <p:par>
+        <p:cTn id="1" dur="indefinite" restart="never" nodeType="tmRoot"/>
+      </p:par>
+    </p:tnLst>
+  </p:timing>
+</p:sld>
+</file>
+
+<file path=ppt/slides/slide33.xml><?xml version="1.0" encoding="utf-8"?>
+<p:sld xmlns:a="http://schemas.openxmlformats.org/drawingml/2006/main" xmlns:r="http://schemas.openxmlformats.org/officeDocument/2006/relationships" xmlns:p="http://schemas.openxmlformats.org/presentationml/2006/main">
+  <p:cSld>
+    <p:spTree>
+      <p:nvGrpSpPr>
+        <p:cNvPr id="1" name=""/>
+        <p:cNvGrpSpPr/>
+        <p:nvPr/>
+      </p:nvGrpSpPr>
+      <p:grpSpPr>
+        <a:xfrm>
+          <a:off x="0" y="0"/>
+          <a:ext cx="0" cy="0"/>
+          <a:chOff x="0" y="0"/>
+          <a:chExt cx="0" cy="0"/>
+        </a:xfrm>
+      </p:grpSpPr>
+      <p:sp>
+        <p:nvSpPr>
+          <p:cNvPr id="2" name="Title 1"/>
+          <p:cNvSpPr>
+            <a:spLocks noGrp="1"/>
+          </p:cNvSpPr>
+          <p:nvPr>
+            <p:ph type="title"/>
+          </p:nvPr>
+        </p:nvSpPr>
+        <p:spPr/>
+        <p:txBody>
+          <a:bodyPr/>
+          <a:lstStyle/>
+          <a:p>
+            <a:r>
+              <a:rPr lang="en-US" dirty="0" err="1"/>
+              <a:t>ReferenceError</a:t>
+            </a:r>
+            <a:endParaRPr lang="en-US" dirty="0"/>
+          </a:p>
+        </p:txBody>
+      </p:sp>
+      <p:sp>
+        <p:nvSpPr>
+          <p:cNvPr id="4" name="Rectangle 1"/>
+          <p:cNvSpPr>
+            <a:spLocks noGrp="1" noChangeArrowheads="1"/>
+          </p:cNvSpPr>
+          <p:nvPr>
+            <p:ph idx="1"/>
+          </p:nvPr>
+        </p:nvSpPr>
+        <p:spPr bwMode="auto">
+          <a:xfrm>
+            <a:off x="838200" y="3447299"/>
+            <a:ext cx="4470776" cy="1107996"/>
+          </a:xfrm>
+          <a:prstGeom prst="rect">
+            <a:avLst/>
+          </a:prstGeom>
+          <a:solidFill>
+            <a:srgbClr val="F5F2F0"/>
+          </a:solidFill>
+          <a:ln>
+            <a:noFill/>
+          </a:ln>
+          <a:effectLst/>
+          <a:extLst>
+            <a:ext uri="{91240B29-F687-4F45-9708-019B960494DF}">
+              <a14:hiddenLine xmlns:a14="http://schemas.microsoft.com/office/drawing/2010/main" w="9525">
+                <a:solidFill>
+                  <a:schemeClr val="tx1"/>
+                </a:solidFill>
+                <a:miter lim="800000"/>
+                <a:headEnd/>
+                <a:tailEnd/>
+              </a14:hiddenLine>
+            </a:ext>
+            <a:ext uri="{AF507438-7753-43E0-B8FC-AC1667EBCBE1}">
+              <a14:hiddenEffects xmlns:a14="http://schemas.microsoft.com/office/drawing/2010/main">
+                <a:effectLst>
+                  <a:outerShdw dist="35921" dir="2700000" algn="ctr" rotWithShape="0">
+                    <a:schemeClr val="bg2"/>
+                  </a:outerShdw>
+                </a:effectLst>
+              </a14:hiddenEffects>
+            </a:ext>
+          </a:extLst>
+        </p:spPr>
+        <p:txBody>
+          <a:bodyPr vert="horz" wrap="none" lIns="0" tIns="0" rIns="0" bIns="0" numCol="1" anchor="ctr" anchorCtr="0" compatLnSpc="1">
+            <a:prstTxWarp prst="textNoShape">
+              <a:avLst/>
+            </a:prstTxWarp>
+            <a:spAutoFit/>
+          </a:bodyPr>
+          <a:lstStyle/>
+          <a:p>
+            <a:pPr marL="0" marR="0" lvl="0" indent="0" algn="l" defTabSz="914400" rtl="0" eaLnBrk="0" fontAlgn="base" latinLnBrk="0" hangingPunct="0">
+              <a:lnSpc>
+                <a:spcPct val="100000"/>
+              </a:lnSpc>
+              <a:spcBef>
+                <a:spcPct val="0"/>
+              </a:spcBef>
+              <a:spcAft>
+                <a:spcPct val="0"/>
+              </a:spcAft>
+              <a:buClrTx/>
+              <a:buSzTx/>
+              <a:buFontTx/>
+              <a:buNone/>
+              <a:tabLst/>
+            </a:pPr>
+            <a:r>
+              <a:rPr kumimoji="0" lang="en-US" altLang="en-US" sz="2400" b="0" i="0" u="none" strike="noStrike" cap="none" normalizeH="0" baseline="0" dirty="0" smtClean="0">
+                <a:ln>
+                  <a:noFill/>
+                </a:ln>
+                <a:solidFill>
+                  <a:srgbClr val="0077AA"/>
+                </a:solidFill>
+                <a:effectLst/>
+                <a:latin typeface="Consolas" panose="020B0609020204030204" pitchFamily="49" charset="0"/>
+                <a:cs typeface="Consolas" panose="020B0609020204030204" pitchFamily="49" charset="0"/>
+              </a:rPr>
+              <a:t>let</a:t>
+            </a:r>
+            <a:r>
+              <a:rPr kumimoji="0" lang="en-US" altLang="en-US" sz="2400" b="0" i="0" u="none" strike="noStrike" cap="none" normalizeH="0" baseline="0" dirty="0" smtClean="0">
+                <a:ln>
+                  <a:noFill/>
+                </a:ln>
+                <a:solidFill>
+                  <a:srgbClr val="000000"/>
+                </a:solidFill>
+                <a:effectLst/>
+                <a:latin typeface="Consolas" panose="020B0609020204030204" pitchFamily="49" charset="0"/>
+                <a:cs typeface="Consolas" panose="020B0609020204030204" pitchFamily="49" charset="0"/>
+              </a:rPr>
+              <a:t> a </a:t>
+            </a:r>
+            <a:r>
+              <a:rPr kumimoji="0" lang="en-US" altLang="en-US" sz="2400" b="0" i="0" u="none" strike="noStrike" cap="none" normalizeH="0" baseline="0" dirty="0" smtClean="0">
+                <a:ln>
+                  <a:noFill/>
+                </a:ln>
+                <a:solidFill>
+                  <a:srgbClr val="A67F59"/>
+                </a:solidFill>
+                <a:effectLst/>
+                <a:latin typeface="Consolas" panose="020B0609020204030204" pitchFamily="49" charset="0"/>
+                <a:cs typeface="Consolas" panose="020B0609020204030204" pitchFamily="49" charset="0"/>
+              </a:rPr>
+              <a:t>=</a:t>
+            </a:r>
+            <a:r>
+              <a:rPr kumimoji="0" lang="en-US" altLang="en-US" sz="2400" b="0" i="0" u="none" strike="noStrike" cap="none" normalizeH="0" baseline="0" dirty="0" smtClean="0">
+                <a:ln>
+                  <a:noFill/>
+                </a:ln>
+                <a:solidFill>
+                  <a:srgbClr val="000000"/>
+                </a:solidFill>
+                <a:effectLst/>
+                <a:latin typeface="Consolas" panose="020B0609020204030204" pitchFamily="49" charset="0"/>
+                <a:cs typeface="Consolas" panose="020B0609020204030204" pitchFamily="49" charset="0"/>
+              </a:rPr>
+              <a:t> </a:t>
+            </a:r>
+            <a:r>
+              <a:rPr kumimoji="0" lang="en-US" altLang="en-US" sz="2400" b="0" i="0" u="none" strike="noStrike" cap="none" normalizeH="0" baseline="0" dirty="0" smtClean="0">
+                <a:ln>
+                  <a:noFill/>
+                </a:ln>
+                <a:solidFill>
+                  <a:srgbClr val="DD4A68"/>
+                </a:solidFill>
+                <a:effectLst/>
+                <a:latin typeface="Consolas" panose="020B0609020204030204" pitchFamily="49" charset="0"/>
+                <a:cs typeface="Consolas" panose="020B0609020204030204" pitchFamily="49" charset="0"/>
+              </a:rPr>
+              <a:t>f</a:t>
+            </a:r>
+            <a:r>
+              <a:rPr kumimoji="0" lang="en-US" altLang="en-US" sz="2400" b="0" i="0" u="none" strike="noStrike" cap="none" normalizeH="0" baseline="0" dirty="0" smtClean="0">
+                <a:ln>
+                  <a:noFill/>
+                </a:ln>
+                <a:solidFill>
+                  <a:srgbClr val="999999"/>
+                </a:solidFill>
+                <a:effectLst/>
+                <a:latin typeface="Consolas" panose="020B0609020204030204" pitchFamily="49" charset="0"/>
+                <a:cs typeface="Consolas" panose="020B0609020204030204" pitchFamily="49" charset="0"/>
+              </a:rPr>
+              <a:t>();</a:t>
+            </a:r>
+            <a:r>
+              <a:rPr kumimoji="0" lang="en-US" altLang="en-US" sz="2400" b="0" i="0" u="none" strike="noStrike" cap="none" normalizeH="0" baseline="0" dirty="0" smtClean="0">
+                <a:ln>
+                  <a:noFill/>
+                </a:ln>
+                <a:solidFill>
+                  <a:srgbClr val="000000"/>
+                </a:solidFill>
+                <a:effectLst/>
+                <a:latin typeface="Consolas" panose="020B0609020204030204" pitchFamily="49" charset="0"/>
+                <a:cs typeface="Consolas" panose="020B0609020204030204" pitchFamily="49" charset="0"/>
+              </a:rPr>
+              <a:t> </a:t>
+            </a:r>
+          </a:p>
+          <a:p>
+            <a:pPr marL="0" marR="0" lvl="0" indent="0" algn="l" defTabSz="914400" rtl="0" eaLnBrk="0" fontAlgn="base" latinLnBrk="0" hangingPunct="0">
+              <a:lnSpc>
+                <a:spcPct val="100000"/>
+              </a:lnSpc>
+              <a:spcBef>
+                <a:spcPct val="0"/>
+              </a:spcBef>
+              <a:spcAft>
+                <a:spcPct val="0"/>
+              </a:spcAft>
+              <a:buClrTx/>
+              <a:buSzTx/>
+              <a:buFontTx/>
+              <a:buNone/>
+              <a:tabLst/>
+            </a:pPr>
+            <a:r>
+              <a:rPr kumimoji="0" lang="en-US" altLang="en-US" sz="2400" b="0" i="0" u="none" strike="noStrike" cap="none" normalizeH="0" baseline="0" dirty="0" err="1" smtClean="0">
+                <a:ln>
+                  <a:noFill/>
+                </a:ln>
+                <a:solidFill>
+                  <a:srgbClr val="0077AA"/>
+                </a:solidFill>
+                <a:effectLst/>
+                <a:latin typeface="Consolas" panose="020B0609020204030204" pitchFamily="49" charset="0"/>
+                <a:cs typeface="Consolas" panose="020B0609020204030204" pitchFamily="49" charset="0"/>
+              </a:rPr>
+              <a:t>const</a:t>
+            </a:r>
+            <a:r>
+              <a:rPr kumimoji="0" lang="en-US" altLang="en-US" sz="2400" b="0" i="0" u="none" strike="noStrike" cap="none" normalizeH="0" baseline="0" dirty="0" smtClean="0">
+                <a:ln>
+                  <a:noFill/>
+                </a:ln>
+                <a:solidFill>
+                  <a:srgbClr val="000000"/>
+                </a:solidFill>
+                <a:effectLst/>
+                <a:latin typeface="Consolas" panose="020B0609020204030204" pitchFamily="49" charset="0"/>
+                <a:cs typeface="Consolas" panose="020B0609020204030204" pitchFamily="49" charset="0"/>
+              </a:rPr>
+              <a:t> b </a:t>
+            </a:r>
+            <a:r>
+              <a:rPr kumimoji="0" lang="en-US" altLang="en-US" sz="2400" b="0" i="0" u="none" strike="noStrike" cap="none" normalizeH="0" baseline="0" dirty="0" smtClean="0">
+                <a:ln>
+                  <a:noFill/>
+                </a:ln>
+                <a:solidFill>
+                  <a:srgbClr val="A67F59"/>
+                </a:solidFill>
+                <a:effectLst/>
+                <a:latin typeface="Consolas" panose="020B0609020204030204" pitchFamily="49" charset="0"/>
+                <a:cs typeface="Consolas" panose="020B0609020204030204" pitchFamily="49" charset="0"/>
+              </a:rPr>
+              <a:t>=</a:t>
+            </a:r>
+            <a:r>
+              <a:rPr kumimoji="0" lang="en-US" altLang="en-US" sz="2400" b="0" i="0" u="none" strike="noStrike" cap="none" normalizeH="0" baseline="0" dirty="0" smtClean="0">
+                <a:ln>
+                  <a:noFill/>
+                </a:ln>
+                <a:solidFill>
+                  <a:srgbClr val="000000"/>
+                </a:solidFill>
+                <a:effectLst/>
+                <a:latin typeface="Consolas" panose="020B0609020204030204" pitchFamily="49" charset="0"/>
+                <a:cs typeface="Consolas" panose="020B0609020204030204" pitchFamily="49" charset="0"/>
+              </a:rPr>
+              <a:t> </a:t>
+            </a:r>
+            <a:r>
+              <a:rPr kumimoji="0" lang="en-US" altLang="en-US" sz="2400" b="0" i="0" u="none" strike="noStrike" cap="none" normalizeH="0" baseline="0" dirty="0" smtClean="0">
+                <a:ln>
+                  <a:noFill/>
+                </a:ln>
+                <a:solidFill>
+                  <a:srgbClr val="990055"/>
+                </a:solidFill>
+                <a:effectLst/>
+                <a:latin typeface="Consolas" panose="020B0609020204030204" pitchFamily="49" charset="0"/>
+                <a:cs typeface="Consolas" panose="020B0609020204030204" pitchFamily="49" charset="0"/>
+              </a:rPr>
+              <a:t>2</a:t>
+            </a:r>
+            <a:r>
+              <a:rPr kumimoji="0" lang="en-US" altLang="en-US" sz="2400" b="0" i="0" u="none" strike="noStrike" cap="none" normalizeH="0" baseline="0" dirty="0" smtClean="0">
+                <a:ln>
+                  <a:noFill/>
+                </a:ln>
+                <a:solidFill>
+                  <a:srgbClr val="999999"/>
+                </a:solidFill>
+                <a:effectLst/>
+                <a:latin typeface="Consolas" panose="020B0609020204030204" pitchFamily="49" charset="0"/>
+                <a:cs typeface="Consolas" panose="020B0609020204030204" pitchFamily="49" charset="0"/>
+              </a:rPr>
+              <a:t>;</a:t>
+            </a:r>
+            <a:r>
+              <a:rPr kumimoji="0" lang="en-US" altLang="en-US" sz="2400" b="0" i="0" u="none" strike="noStrike" cap="none" normalizeH="0" baseline="0" dirty="0" smtClean="0">
+                <a:ln>
+                  <a:noFill/>
+                </a:ln>
+                <a:solidFill>
+                  <a:srgbClr val="000000"/>
+                </a:solidFill>
+                <a:effectLst/>
+                <a:latin typeface="Consolas" panose="020B0609020204030204" pitchFamily="49" charset="0"/>
+                <a:cs typeface="Consolas" panose="020B0609020204030204" pitchFamily="49" charset="0"/>
+              </a:rPr>
+              <a:t> </a:t>
+            </a:r>
+          </a:p>
+          <a:p>
+            <a:pPr marL="0" marR="0" lvl="0" indent="0" algn="l" defTabSz="914400" rtl="0" eaLnBrk="0" fontAlgn="base" latinLnBrk="0" hangingPunct="0">
+              <a:lnSpc>
+                <a:spcPct val="100000"/>
+              </a:lnSpc>
+              <a:spcBef>
+                <a:spcPct val="0"/>
+              </a:spcBef>
+              <a:spcAft>
+                <a:spcPct val="0"/>
+              </a:spcAft>
+              <a:buClrTx/>
+              <a:buSzTx/>
+              <a:buFontTx/>
+              <a:buNone/>
+              <a:tabLst/>
+            </a:pPr>
+            <a:r>
+              <a:rPr kumimoji="0" lang="en-US" altLang="en-US" sz="2400" b="0" i="0" u="none" strike="noStrike" cap="none" normalizeH="0" baseline="0" dirty="0" smtClean="0">
+                <a:ln>
+                  <a:noFill/>
+                </a:ln>
+                <a:solidFill>
+                  <a:srgbClr val="0077AA"/>
+                </a:solidFill>
+                <a:effectLst/>
+                <a:latin typeface="Consolas" panose="020B0609020204030204" pitchFamily="49" charset="0"/>
+                <a:cs typeface="Consolas" panose="020B0609020204030204" pitchFamily="49" charset="0"/>
+              </a:rPr>
+              <a:t>function</a:t>
+            </a:r>
+            <a:r>
+              <a:rPr kumimoji="0" lang="en-US" altLang="en-US" sz="2400" b="0" i="0" u="none" strike="noStrike" cap="none" normalizeH="0" baseline="0" dirty="0" smtClean="0">
+                <a:ln>
+                  <a:noFill/>
+                </a:ln>
+                <a:solidFill>
+                  <a:srgbClr val="000000"/>
+                </a:solidFill>
+                <a:effectLst/>
+                <a:latin typeface="Consolas" panose="020B0609020204030204" pitchFamily="49" charset="0"/>
+                <a:cs typeface="Consolas" panose="020B0609020204030204" pitchFamily="49" charset="0"/>
+              </a:rPr>
+              <a:t> </a:t>
+            </a:r>
+            <a:r>
+              <a:rPr kumimoji="0" lang="en-US" altLang="en-US" sz="2400" b="0" i="0" u="none" strike="noStrike" cap="none" normalizeH="0" baseline="0" dirty="0" smtClean="0">
+                <a:ln>
+                  <a:noFill/>
+                </a:ln>
+                <a:solidFill>
+                  <a:srgbClr val="DD4A68"/>
+                </a:solidFill>
+                <a:effectLst/>
+                <a:latin typeface="Consolas" panose="020B0609020204030204" pitchFamily="49" charset="0"/>
+                <a:cs typeface="Consolas" panose="020B0609020204030204" pitchFamily="49" charset="0"/>
+              </a:rPr>
+              <a:t>f</a:t>
+            </a:r>
+            <a:r>
+              <a:rPr kumimoji="0" lang="en-US" altLang="en-US" sz="2400" b="0" i="0" u="none" strike="noStrike" cap="none" normalizeH="0" baseline="0" dirty="0" smtClean="0">
+                <a:ln>
+                  <a:noFill/>
+                </a:ln>
+                <a:solidFill>
+                  <a:srgbClr val="999999"/>
+                </a:solidFill>
+                <a:effectLst/>
+                <a:latin typeface="Consolas" panose="020B0609020204030204" pitchFamily="49" charset="0"/>
+                <a:cs typeface="Consolas" panose="020B0609020204030204" pitchFamily="49" charset="0"/>
+              </a:rPr>
+              <a:t>()</a:t>
+            </a:r>
+            <a:r>
+              <a:rPr kumimoji="0" lang="en-US" altLang="en-US" sz="2400" b="0" i="0" u="none" strike="noStrike" cap="none" normalizeH="0" baseline="0" dirty="0" smtClean="0">
+                <a:ln>
+                  <a:noFill/>
+                </a:ln>
+                <a:solidFill>
+                  <a:srgbClr val="000000"/>
+                </a:solidFill>
+                <a:effectLst/>
+                <a:latin typeface="Consolas" panose="020B0609020204030204" pitchFamily="49" charset="0"/>
+                <a:cs typeface="Consolas" panose="020B0609020204030204" pitchFamily="49" charset="0"/>
+              </a:rPr>
+              <a:t> </a:t>
+            </a:r>
+            <a:r>
+              <a:rPr kumimoji="0" lang="en-US" altLang="en-US" sz="2400" b="0" i="0" u="none" strike="noStrike" cap="none" normalizeH="0" baseline="0" dirty="0" smtClean="0">
+                <a:ln>
+                  <a:noFill/>
+                </a:ln>
+                <a:solidFill>
+                  <a:srgbClr val="999999"/>
+                </a:solidFill>
+                <a:effectLst/>
+                <a:latin typeface="Consolas" panose="020B0609020204030204" pitchFamily="49" charset="0"/>
+                <a:cs typeface="Consolas" panose="020B0609020204030204" pitchFamily="49" charset="0"/>
+              </a:rPr>
+              <a:t>{</a:t>
+            </a:r>
+            <a:r>
+              <a:rPr kumimoji="0" lang="en-US" altLang="en-US" sz="2400" b="0" i="0" u="none" strike="noStrike" cap="none" normalizeH="0" baseline="0" dirty="0" smtClean="0">
+                <a:ln>
+                  <a:noFill/>
+                </a:ln>
+                <a:solidFill>
+                  <a:srgbClr val="000000"/>
+                </a:solidFill>
+                <a:effectLst/>
+                <a:latin typeface="Consolas" panose="020B0609020204030204" pitchFamily="49" charset="0"/>
+                <a:cs typeface="Consolas" panose="020B0609020204030204" pitchFamily="49" charset="0"/>
+              </a:rPr>
+              <a:t> </a:t>
+            </a:r>
+            <a:r>
+              <a:rPr kumimoji="0" lang="en-US" altLang="en-US" sz="2400" b="0" i="0" u="none" strike="noStrike" cap="none" normalizeH="0" baseline="0" dirty="0" smtClean="0">
+                <a:ln>
+                  <a:noFill/>
+                </a:ln>
+                <a:solidFill>
+                  <a:srgbClr val="0077AA"/>
+                </a:solidFill>
+                <a:effectLst/>
+                <a:latin typeface="Consolas" panose="020B0609020204030204" pitchFamily="49" charset="0"/>
+                <a:cs typeface="Consolas" panose="020B0609020204030204" pitchFamily="49" charset="0"/>
+              </a:rPr>
+              <a:t>return</a:t>
+            </a:r>
+            <a:r>
+              <a:rPr kumimoji="0" lang="en-US" altLang="en-US" sz="2400" b="0" i="0" u="none" strike="noStrike" cap="none" normalizeH="0" baseline="0" dirty="0" smtClean="0">
+                <a:ln>
+                  <a:noFill/>
+                </a:ln>
+                <a:solidFill>
+                  <a:srgbClr val="000000"/>
+                </a:solidFill>
+                <a:effectLst/>
+                <a:latin typeface="Consolas" panose="020B0609020204030204" pitchFamily="49" charset="0"/>
+                <a:cs typeface="Consolas" panose="020B0609020204030204" pitchFamily="49" charset="0"/>
+              </a:rPr>
+              <a:t> b</a:t>
+            </a:r>
+            <a:r>
+              <a:rPr kumimoji="0" lang="en-US" altLang="en-US" sz="2400" b="0" i="0" u="none" strike="noStrike" cap="none" normalizeH="0" baseline="0" dirty="0" smtClean="0">
+                <a:ln>
+                  <a:noFill/>
+                </a:ln>
+                <a:solidFill>
+                  <a:srgbClr val="999999"/>
+                </a:solidFill>
+                <a:effectLst/>
+                <a:latin typeface="Consolas" panose="020B0609020204030204" pitchFamily="49" charset="0"/>
+                <a:cs typeface="Consolas" panose="020B0609020204030204" pitchFamily="49" charset="0"/>
+              </a:rPr>
+              <a:t>;</a:t>
+            </a:r>
+            <a:r>
+              <a:rPr kumimoji="0" lang="en-US" altLang="en-US" sz="2400" b="0" i="0" u="none" strike="noStrike" cap="none" normalizeH="0" baseline="0" dirty="0" smtClean="0">
+                <a:ln>
+                  <a:noFill/>
+                </a:ln>
+                <a:solidFill>
+                  <a:srgbClr val="000000"/>
+                </a:solidFill>
+                <a:effectLst/>
+                <a:latin typeface="Consolas" panose="020B0609020204030204" pitchFamily="49" charset="0"/>
+                <a:cs typeface="Consolas" panose="020B0609020204030204" pitchFamily="49" charset="0"/>
+              </a:rPr>
+              <a:t> </a:t>
+            </a:r>
+            <a:r>
+              <a:rPr kumimoji="0" lang="en-US" altLang="en-US" sz="2400" b="0" i="0" u="none" strike="noStrike" cap="none" normalizeH="0" baseline="0" dirty="0" smtClean="0">
+                <a:ln>
+                  <a:noFill/>
+                </a:ln>
+                <a:solidFill>
+                  <a:srgbClr val="999999"/>
+                </a:solidFill>
+                <a:effectLst/>
+                <a:latin typeface="Consolas" panose="020B0609020204030204" pitchFamily="49" charset="0"/>
+                <a:cs typeface="Consolas" panose="020B0609020204030204" pitchFamily="49" charset="0"/>
+              </a:rPr>
+              <a:t>}</a:t>
+            </a:r>
+            <a:r>
+              <a:rPr kumimoji="0" lang="en-US" altLang="en-US" sz="2000" b="0" i="0" u="none" strike="noStrike" cap="none" normalizeH="0" baseline="0" dirty="0" smtClean="0">
+                <a:ln>
+                  <a:noFill/>
+                </a:ln>
+                <a:solidFill>
+                  <a:schemeClr val="tx1"/>
+                </a:solidFill>
+                <a:effectLst/>
+              </a:rPr>
+              <a:t> </a:t>
+            </a:r>
+            <a:endParaRPr kumimoji="0" lang="en-US" altLang="en-US" sz="4800" b="0" i="0" u="none" strike="noStrike" cap="none" normalizeH="0" baseline="0" dirty="0" smtClean="0">
+              <a:ln>
+                <a:noFill/>
+              </a:ln>
+              <a:solidFill>
+                <a:schemeClr val="tx1"/>
+              </a:solidFill>
+              <a:effectLst/>
+              <a:latin typeface="Arial" panose="020B0604020202020204" pitchFamily="34" charset="0"/>
+            </a:endParaRPr>
+          </a:p>
+        </p:txBody>
+      </p:sp>
+    </p:spTree>
+    <p:extLst>
+      <p:ext uri="{BB962C8B-B14F-4D97-AF65-F5344CB8AC3E}">
+        <p14:creationId xmlns:p14="http://schemas.microsoft.com/office/powerpoint/2010/main" val="4266518205"/>
+      </p:ext>
+    </p:extLst>
+  </p:cSld>
+  <p:clrMapOvr>
+    <a:masterClrMapping/>
+  </p:clrMapOvr>
+  <p:timing>
+    <p:tnLst>
+      <p:par>
+        <p:cTn id="1" dur="indefinite" restart="never" nodeType="tmRoot"/>
+      </p:par>
+    </p:tnLst>
+  </p:timing>
+</p:sld>
+</file>
+
+<file path=ppt/slides/slide34.xml><?xml version="1.0" encoding="utf-8"?>
+<p:sld xmlns:a="http://schemas.openxmlformats.org/drawingml/2006/main" xmlns:r="http://schemas.openxmlformats.org/officeDocument/2006/relationships" xmlns:p="http://schemas.openxmlformats.org/presentationml/2006/main">
+  <p:cSld>
+    <p:spTree>
+      <p:nvGrpSpPr>
+        <p:cNvPr id="1" name=""/>
+        <p:cNvGrpSpPr/>
+        <p:nvPr/>
+      </p:nvGrpSpPr>
+      <p:grpSpPr>
+        <a:xfrm>
+          <a:off x="0" y="0"/>
+          <a:ext cx="0" cy="0"/>
+          <a:chOff x="0" y="0"/>
+          <a:chExt cx="0" cy="0"/>
+        </a:xfrm>
+      </p:grpSpPr>
+      <p:sp>
+        <p:nvSpPr>
+          <p:cNvPr id="2" name="Title 1"/>
+          <p:cNvSpPr>
+            <a:spLocks noGrp="1"/>
+          </p:cNvSpPr>
+          <p:nvPr>
+            <p:ph type="title"/>
+          </p:nvPr>
+        </p:nvSpPr>
+        <p:spPr/>
+        <p:txBody>
+          <a:bodyPr/>
+          <a:lstStyle/>
+          <a:p>
+            <a:r>
+              <a:rPr lang="en-US" dirty="0" smtClean="0"/>
+              <a:t>Example	</a:t>
+            </a:r>
+            <a:endParaRPr lang="en-US" dirty="0"/>
+          </a:p>
+        </p:txBody>
+      </p:sp>
+      <p:sp>
+        <p:nvSpPr>
+          <p:cNvPr id="4" name="Rectangle 1"/>
+          <p:cNvSpPr>
+            <a:spLocks noGrp="1" noChangeArrowheads="1"/>
+          </p:cNvSpPr>
+          <p:nvPr>
+            <p:ph idx="1"/>
+          </p:nvPr>
+        </p:nvSpPr>
+        <p:spPr bwMode="auto">
+          <a:xfrm>
+            <a:off x="838200" y="3139521"/>
+            <a:ext cx="4472378" cy="1723549"/>
+          </a:xfrm>
+          <a:prstGeom prst="rect">
+            <a:avLst/>
+          </a:prstGeom>
+          <a:solidFill>
+            <a:srgbClr val="F5F2F0"/>
+          </a:solidFill>
+          <a:ln>
+            <a:noFill/>
+          </a:ln>
+          <a:effectLst/>
+          <a:extLst>
+            <a:ext uri="{91240B29-F687-4F45-9708-019B960494DF}">
+              <a14:hiddenLine xmlns:a14="http://schemas.microsoft.com/office/drawing/2010/main" w="9525">
+                <a:solidFill>
+                  <a:schemeClr val="tx1"/>
+                </a:solidFill>
+                <a:miter lim="800000"/>
+                <a:headEnd/>
+                <a:tailEnd/>
+              </a14:hiddenLine>
+            </a:ext>
+            <a:ext uri="{AF507438-7753-43E0-B8FC-AC1667EBCBE1}">
+              <a14:hiddenEffects xmlns:a14="http://schemas.microsoft.com/office/drawing/2010/main">
+                <a:effectLst>
+                  <a:outerShdw dist="35921" dir="2700000" algn="ctr" rotWithShape="0">
+                    <a:schemeClr val="bg2"/>
+                  </a:outerShdw>
+                </a:effectLst>
+              </a14:hiddenEffects>
+            </a:ext>
+          </a:extLst>
+        </p:spPr>
+        <p:txBody>
+          <a:bodyPr vert="horz" wrap="none" lIns="0" tIns="0" rIns="0" bIns="0" numCol="1" anchor="ctr" anchorCtr="0" compatLnSpc="1">
+            <a:prstTxWarp prst="textNoShape">
+              <a:avLst/>
+            </a:prstTxWarp>
+            <a:spAutoFit/>
+          </a:bodyPr>
+          <a:lstStyle/>
+          <a:p>
+            <a:pPr marL="0" marR="0" lvl="0" indent="0" algn="l" defTabSz="914400" rtl="0" eaLnBrk="0" fontAlgn="base" latinLnBrk="0" hangingPunct="0">
+              <a:lnSpc>
+                <a:spcPct val="100000"/>
+              </a:lnSpc>
+              <a:spcBef>
+                <a:spcPct val="0"/>
+              </a:spcBef>
+              <a:spcAft>
+                <a:spcPct val="0"/>
+              </a:spcAft>
+              <a:buClrTx/>
+              <a:buSzTx/>
+              <a:buFontTx/>
+              <a:buNone/>
+              <a:tabLst/>
+            </a:pPr>
+            <a:r>
+              <a:rPr kumimoji="0" lang="en-US" altLang="en-US" b="0" i="0" u="none" strike="noStrike" cap="none" normalizeH="0" baseline="0" dirty="0" smtClean="0">
+                <a:ln>
+                  <a:noFill/>
+                </a:ln>
+                <a:solidFill>
+                  <a:srgbClr val="0077AA"/>
+                </a:solidFill>
+                <a:effectLst/>
+                <a:latin typeface="Consolas" panose="020B0609020204030204" pitchFamily="49" charset="0"/>
+                <a:cs typeface="Consolas" panose="020B0609020204030204" pitchFamily="49" charset="0"/>
+              </a:rPr>
+              <a:t>let</a:t>
+            </a:r>
+            <a:r>
+              <a:rPr kumimoji="0" lang="en-US" altLang="en-US" b="0" i="0" u="none" strike="noStrike" cap="none" normalizeH="0" baseline="0" dirty="0" smtClean="0">
+                <a:ln>
+                  <a:noFill/>
+                </a:ln>
+                <a:solidFill>
+                  <a:srgbClr val="000000"/>
+                </a:solidFill>
+                <a:effectLst/>
+                <a:latin typeface="Consolas" panose="020B0609020204030204" pitchFamily="49" charset="0"/>
+                <a:cs typeface="Consolas" panose="020B0609020204030204" pitchFamily="49" charset="0"/>
+              </a:rPr>
+              <a:t> b </a:t>
+            </a:r>
+            <a:r>
+              <a:rPr kumimoji="0" lang="en-US" altLang="en-US" b="0" i="0" u="none" strike="noStrike" cap="none" normalizeH="0" baseline="0" dirty="0" smtClean="0">
+                <a:ln>
+                  <a:noFill/>
+                </a:ln>
+                <a:solidFill>
+                  <a:srgbClr val="A67F59"/>
+                </a:solidFill>
+                <a:effectLst/>
+                <a:latin typeface="Consolas" panose="020B0609020204030204" pitchFamily="49" charset="0"/>
+                <a:cs typeface="Consolas" panose="020B0609020204030204" pitchFamily="49" charset="0"/>
+              </a:rPr>
+              <a:t>=</a:t>
+            </a:r>
+            <a:r>
+              <a:rPr kumimoji="0" lang="en-US" altLang="en-US" b="0" i="0" u="none" strike="noStrike" cap="none" normalizeH="0" baseline="0" dirty="0" smtClean="0">
+                <a:ln>
+                  <a:noFill/>
+                </a:ln>
+                <a:solidFill>
+                  <a:srgbClr val="000000"/>
+                </a:solidFill>
+                <a:effectLst/>
+                <a:latin typeface="Consolas" panose="020B0609020204030204" pitchFamily="49" charset="0"/>
+                <a:cs typeface="Consolas" panose="020B0609020204030204" pitchFamily="49" charset="0"/>
+              </a:rPr>
+              <a:t> </a:t>
+            </a:r>
+            <a:r>
+              <a:rPr kumimoji="0" lang="en-US" altLang="en-US" b="0" i="0" u="none" strike="noStrike" cap="none" normalizeH="0" baseline="0" dirty="0" smtClean="0">
+                <a:ln>
+                  <a:noFill/>
+                </a:ln>
+                <a:solidFill>
+                  <a:srgbClr val="990055"/>
+                </a:solidFill>
+                <a:effectLst/>
+                <a:latin typeface="Consolas" panose="020B0609020204030204" pitchFamily="49" charset="0"/>
+                <a:cs typeface="Consolas" panose="020B0609020204030204" pitchFamily="49" charset="0"/>
+              </a:rPr>
+              <a:t>1</a:t>
+            </a:r>
+            <a:r>
+              <a:rPr kumimoji="0" lang="en-US" altLang="en-US" b="0" i="0" u="none" strike="noStrike" cap="none" normalizeH="0" baseline="0" dirty="0" smtClean="0">
+                <a:ln>
+                  <a:noFill/>
+                </a:ln>
+                <a:solidFill>
+                  <a:srgbClr val="999999"/>
+                </a:solidFill>
+                <a:effectLst/>
+                <a:latin typeface="Consolas" panose="020B0609020204030204" pitchFamily="49" charset="0"/>
+                <a:cs typeface="Consolas" panose="020B0609020204030204" pitchFamily="49" charset="0"/>
+              </a:rPr>
+              <a:t>;</a:t>
+            </a:r>
+            <a:r>
+              <a:rPr kumimoji="0" lang="en-US" altLang="en-US" b="0" i="0" u="none" strike="noStrike" cap="none" normalizeH="0" baseline="0" dirty="0" smtClean="0">
+                <a:ln>
+                  <a:noFill/>
+                </a:ln>
+                <a:solidFill>
+                  <a:srgbClr val="000000"/>
+                </a:solidFill>
+                <a:effectLst/>
+                <a:latin typeface="Consolas" panose="020B0609020204030204" pitchFamily="49" charset="0"/>
+                <a:cs typeface="Consolas" panose="020B0609020204030204" pitchFamily="49" charset="0"/>
+              </a:rPr>
+              <a:t> </a:t>
+            </a:r>
+          </a:p>
+          <a:p>
+            <a:pPr marL="0" marR="0" lvl="0" indent="0" algn="l" defTabSz="914400" rtl="0" eaLnBrk="0" fontAlgn="base" latinLnBrk="0" hangingPunct="0">
+              <a:lnSpc>
+                <a:spcPct val="100000"/>
+              </a:lnSpc>
+              <a:spcBef>
+                <a:spcPct val="0"/>
+              </a:spcBef>
+              <a:spcAft>
+                <a:spcPct val="0"/>
+              </a:spcAft>
+              <a:buClrTx/>
+              <a:buSzTx/>
+              <a:buFontTx/>
+              <a:buNone/>
+              <a:tabLst/>
+            </a:pPr>
+            <a:r>
+              <a:rPr kumimoji="0" lang="en-US" altLang="en-US" b="0" i="0" u="none" strike="noStrike" cap="none" normalizeH="0" baseline="0" dirty="0" smtClean="0">
+                <a:ln>
+                  <a:noFill/>
+                </a:ln>
+                <a:solidFill>
+                  <a:srgbClr val="999999"/>
+                </a:solidFill>
+                <a:effectLst/>
+                <a:latin typeface="Consolas" panose="020B0609020204030204" pitchFamily="49" charset="0"/>
+                <a:cs typeface="Consolas" panose="020B0609020204030204" pitchFamily="49" charset="0"/>
+              </a:rPr>
+              <a:t>(</a:t>
+            </a:r>
+            <a:r>
+              <a:rPr kumimoji="0" lang="en-US" altLang="en-US" b="0" i="0" u="none" strike="noStrike" cap="none" normalizeH="0" baseline="0" dirty="0" smtClean="0">
+                <a:ln>
+                  <a:noFill/>
+                </a:ln>
+                <a:solidFill>
+                  <a:srgbClr val="0077AA"/>
+                </a:solidFill>
+                <a:effectLst/>
+                <a:latin typeface="Consolas" panose="020B0609020204030204" pitchFamily="49" charset="0"/>
+                <a:cs typeface="Consolas" panose="020B0609020204030204" pitchFamily="49" charset="0"/>
+              </a:rPr>
+              <a:t>function</a:t>
+            </a:r>
+            <a:r>
+              <a:rPr kumimoji="0" lang="en-US" altLang="en-US" b="0" i="0" u="none" strike="noStrike" cap="none" normalizeH="0" baseline="0" dirty="0" smtClean="0">
+                <a:ln>
+                  <a:noFill/>
+                </a:ln>
+                <a:solidFill>
+                  <a:srgbClr val="999999"/>
+                </a:solidFill>
+                <a:effectLst/>
+                <a:latin typeface="Consolas" panose="020B0609020204030204" pitchFamily="49" charset="0"/>
+                <a:cs typeface="Consolas" panose="020B0609020204030204" pitchFamily="49" charset="0"/>
+              </a:rPr>
+              <a:t>(</a:t>
+            </a:r>
+            <a:r>
+              <a:rPr kumimoji="0" lang="en-US" altLang="en-US" b="0" i="0" u="none" strike="noStrike" cap="none" normalizeH="0" baseline="0" dirty="0" smtClean="0">
+                <a:ln>
+                  <a:noFill/>
+                </a:ln>
+                <a:solidFill>
+                  <a:srgbClr val="000000"/>
+                </a:solidFill>
+                <a:effectLst/>
+                <a:latin typeface="Consolas" panose="020B0609020204030204" pitchFamily="49" charset="0"/>
+                <a:cs typeface="Consolas" panose="020B0609020204030204" pitchFamily="49" charset="0"/>
+              </a:rPr>
+              <a:t>a </a:t>
+            </a:r>
+            <a:r>
+              <a:rPr kumimoji="0" lang="en-US" altLang="en-US" b="0" i="0" u="none" strike="noStrike" cap="none" normalizeH="0" baseline="0" dirty="0" smtClean="0">
+                <a:ln>
+                  <a:noFill/>
+                </a:ln>
+                <a:solidFill>
+                  <a:srgbClr val="A67F59"/>
+                </a:solidFill>
+                <a:effectLst/>
+                <a:latin typeface="Consolas" panose="020B0609020204030204" pitchFamily="49" charset="0"/>
+                <a:cs typeface="Consolas" panose="020B0609020204030204" pitchFamily="49" charset="0"/>
+              </a:rPr>
+              <a:t>=</a:t>
+            </a:r>
+            <a:r>
+              <a:rPr kumimoji="0" lang="en-US" altLang="en-US" b="0" i="0" u="none" strike="noStrike" cap="none" normalizeH="0" baseline="0" dirty="0" smtClean="0">
+                <a:ln>
+                  <a:noFill/>
+                </a:ln>
+                <a:solidFill>
+                  <a:srgbClr val="000000"/>
+                </a:solidFill>
+                <a:effectLst/>
+                <a:latin typeface="Consolas" panose="020B0609020204030204" pitchFamily="49" charset="0"/>
+                <a:cs typeface="Consolas" panose="020B0609020204030204" pitchFamily="49" charset="0"/>
+              </a:rPr>
+              <a:t> b</a:t>
+            </a:r>
+            <a:r>
+              <a:rPr kumimoji="0" lang="en-US" altLang="en-US" b="0" i="0" u="none" strike="noStrike" cap="none" normalizeH="0" baseline="0" dirty="0" smtClean="0">
+                <a:ln>
+                  <a:noFill/>
+                </a:ln>
+                <a:solidFill>
+                  <a:srgbClr val="999999"/>
+                </a:solidFill>
+                <a:effectLst/>
+                <a:latin typeface="Consolas" panose="020B0609020204030204" pitchFamily="49" charset="0"/>
+                <a:cs typeface="Consolas" panose="020B0609020204030204" pitchFamily="49" charset="0"/>
+              </a:rPr>
+              <a:t>,</a:t>
+            </a:r>
+            <a:r>
+              <a:rPr kumimoji="0" lang="en-US" altLang="en-US" b="0" i="0" u="none" strike="noStrike" cap="none" normalizeH="0" baseline="0" dirty="0" smtClean="0">
+                <a:ln>
+                  <a:noFill/>
+                </a:ln>
+                <a:solidFill>
+                  <a:srgbClr val="000000"/>
+                </a:solidFill>
+                <a:effectLst/>
+                <a:latin typeface="Consolas" panose="020B0609020204030204" pitchFamily="49" charset="0"/>
+                <a:cs typeface="Consolas" panose="020B0609020204030204" pitchFamily="49" charset="0"/>
+              </a:rPr>
+              <a:t> b</a:t>
+            </a:r>
+            <a:r>
+              <a:rPr kumimoji="0" lang="en-US" altLang="en-US" b="0" i="0" u="none" strike="noStrike" cap="none" normalizeH="0" baseline="0" dirty="0" smtClean="0">
+                <a:ln>
+                  <a:noFill/>
+                </a:ln>
+                <a:solidFill>
+                  <a:srgbClr val="999999"/>
+                </a:solidFill>
+                <a:effectLst/>
+                <a:latin typeface="Consolas" panose="020B0609020204030204" pitchFamily="49" charset="0"/>
+                <a:cs typeface="Consolas" panose="020B0609020204030204" pitchFamily="49" charset="0"/>
+              </a:rPr>
+              <a:t>)</a:t>
+            </a:r>
+            <a:r>
+              <a:rPr kumimoji="0" lang="en-US" altLang="en-US" b="0" i="0" u="none" strike="noStrike" cap="none" normalizeH="0" baseline="0" dirty="0" smtClean="0">
+                <a:ln>
+                  <a:noFill/>
+                </a:ln>
+                <a:solidFill>
+                  <a:srgbClr val="000000"/>
+                </a:solidFill>
+                <a:effectLst/>
+                <a:latin typeface="Consolas" panose="020B0609020204030204" pitchFamily="49" charset="0"/>
+                <a:cs typeface="Consolas" panose="020B0609020204030204" pitchFamily="49" charset="0"/>
+              </a:rPr>
+              <a:t> </a:t>
+            </a:r>
+            <a:r>
+              <a:rPr kumimoji="0" lang="en-US" altLang="en-US" b="0" i="0" u="none" strike="noStrike" cap="none" normalizeH="0" baseline="0" dirty="0" smtClean="0">
+                <a:ln>
+                  <a:noFill/>
+                </a:ln>
+                <a:solidFill>
+                  <a:srgbClr val="999999"/>
+                </a:solidFill>
+                <a:effectLst/>
+                <a:latin typeface="Consolas" panose="020B0609020204030204" pitchFamily="49" charset="0"/>
+                <a:cs typeface="Consolas" panose="020B0609020204030204" pitchFamily="49" charset="0"/>
+              </a:rPr>
+              <a:t>{</a:t>
+            </a:r>
+          </a:p>
+          <a:p>
+            <a:pPr marL="0" marR="0" lvl="0" indent="0" algn="l" defTabSz="914400" rtl="0" eaLnBrk="0" fontAlgn="base" latinLnBrk="0" hangingPunct="0">
+              <a:lnSpc>
+                <a:spcPct val="100000"/>
+              </a:lnSpc>
+              <a:spcBef>
+                <a:spcPct val="0"/>
+              </a:spcBef>
+              <a:spcAft>
+                <a:spcPct val="0"/>
+              </a:spcAft>
+              <a:buClrTx/>
+              <a:buSzTx/>
+              <a:buFontTx/>
+              <a:buNone/>
+              <a:tabLst/>
+            </a:pPr>
+            <a:r>
+              <a:rPr lang="en-US" altLang="en-US" dirty="0">
+                <a:solidFill>
+                  <a:srgbClr val="000000"/>
+                </a:solidFill>
+                <a:latin typeface="Consolas" panose="020B0609020204030204" pitchFamily="49" charset="0"/>
+                <a:cs typeface="Consolas" panose="020B0609020204030204" pitchFamily="49" charset="0"/>
+              </a:rPr>
+              <a:t>	</a:t>
+            </a:r>
+            <a:r>
+              <a:rPr kumimoji="0" lang="en-US" altLang="en-US" b="0" i="0" u="none" strike="noStrike" cap="none" normalizeH="0" baseline="0" dirty="0" smtClean="0">
+                <a:ln>
+                  <a:noFill/>
+                </a:ln>
+                <a:solidFill>
+                  <a:srgbClr val="000000"/>
+                </a:solidFill>
+                <a:effectLst/>
+                <a:latin typeface="Consolas" panose="020B0609020204030204" pitchFamily="49" charset="0"/>
+                <a:cs typeface="Consolas" panose="020B0609020204030204" pitchFamily="49" charset="0"/>
+              </a:rPr>
+              <a:t>console</a:t>
+            </a:r>
+            <a:r>
+              <a:rPr kumimoji="0" lang="en-US" altLang="en-US" b="0" i="0" u="none" strike="noStrike" cap="none" normalizeH="0" baseline="0" dirty="0" smtClean="0">
+                <a:ln>
+                  <a:noFill/>
+                </a:ln>
+                <a:solidFill>
+                  <a:srgbClr val="999999"/>
+                </a:solidFill>
+                <a:effectLst/>
+                <a:latin typeface="Consolas" panose="020B0609020204030204" pitchFamily="49" charset="0"/>
+                <a:cs typeface="Consolas" panose="020B0609020204030204" pitchFamily="49" charset="0"/>
+              </a:rPr>
+              <a:t>.</a:t>
+            </a:r>
+            <a:r>
+              <a:rPr kumimoji="0" lang="en-US" altLang="en-US" b="0" i="0" u="none" strike="noStrike" cap="none" normalizeH="0" baseline="0" dirty="0" smtClean="0">
+                <a:ln>
+                  <a:noFill/>
+                </a:ln>
+                <a:solidFill>
+                  <a:srgbClr val="DD4A68"/>
+                </a:solidFill>
+                <a:effectLst/>
+                <a:latin typeface="Consolas" panose="020B0609020204030204" pitchFamily="49" charset="0"/>
+                <a:cs typeface="Consolas" panose="020B0609020204030204" pitchFamily="49" charset="0"/>
+              </a:rPr>
+              <a:t>log</a:t>
+            </a:r>
+            <a:r>
+              <a:rPr kumimoji="0" lang="en-US" altLang="en-US" b="0" i="0" u="none" strike="noStrike" cap="none" normalizeH="0" baseline="0" dirty="0" smtClean="0">
+                <a:ln>
+                  <a:noFill/>
+                </a:ln>
+                <a:solidFill>
+                  <a:srgbClr val="999999"/>
+                </a:solidFill>
+                <a:effectLst/>
+                <a:latin typeface="Consolas" panose="020B0609020204030204" pitchFamily="49" charset="0"/>
+                <a:cs typeface="Consolas" panose="020B0609020204030204" pitchFamily="49" charset="0"/>
+              </a:rPr>
+              <a:t>(</a:t>
+            </a:r>
+            <a:r>
+              <a:rPr kumimoji="0" lang="en-US" altLang="en-US" b="0" i="0" u="none" strike="noStrike" cap="none" normalizeH="0" baseline="0" dirty="0" smtClean="0">
+                <a:ln>
+                  <a:noFill/>
+                </a:ln>
+                <a:solidFill>
+                  <a:srgbClr val="000000"/>
+                </a:solidFill>
+                <a:effectLst/>
+                <a:latin typeface="Consolas" panose="020B0609020204030204" pitchFamily="49" charset="0"/>
+                <a:cs typeface="Consolas" panose="020B0609020204030204" pitchFamily="49" charset="0"/>
+              </a:rPr>
+              <a:t>a</a:t>
+            </a:r>
+            <a:r>
+              <a:rPr kumimoji="0" lang="en-US" altLang="en-US" b="0" i="0" u="none" strike="noStrike" cap="none" normalizeH="0" baseline="0" dirty="0" smtClean="0">
+                <a:ln>
+                  <a:noFill/>
+                </a:ln>
+                <a:solidFill>
+                  <a:srgbClr val="999999"/>
+                </a:solidFill>
+                <a:effectLst/>
+                <a:latin typeface="Consolas" panose="020B0609020204030204" pitchFamily="49" charset="0"/>
+                <a:cs typeface="Consolas" panose="020B0609020204030204" pitchFamily="49" charset="0"/>
+              </a:rPr>
+              <a:t>,</a:t>
+            </a:r>
+            <a:r>
+              <a:rPr kumimoji="0" lang="en-US" altLang="en-US" b="0" i="0" u="none" strike="noStrike" cap="none" normalizeH="0" baseline="0" dirty="0" smtClean="0">
+                <a:ln>
+                  <a:noFill/>
+                </a:ln>
+                <a:solidFill>
+                  <a:srgbClr val="000000"/>
+                </a:solidFill>
+                <a:effectLst/>
+                <a:latin typeface="Consolas" panose="020B0609020204030204" pitchFamily="49" charset="0"/>
+                <a:cs typeface="Consolas" panose="020B0609020204030204" pitchFamily="49" charset="0"/>
+              </a:rPr>
+              <a:t> b</a:t>
+            </a:r>
+            <a:r>
+              <a:rPr kumimoji="0" lang="en-US" altLang="en-US" b="0" i="0" u="none" strike="noStrike" cap="none" normalizeH="0" baseline="0" dirty="0" smtClean="0">
+                <a:ln>
+                  <a:noFill/>
+                </a:ln>
+                <a:solidFill>
+                  <a:srgbClr val="999999"/>
+                </a:solidFill>
+                <a:effectLst/>
+                <a:latin typeface="Consolas" panose="020B0609020204030204" pitchFamily="49" charset="0"/>
+                <a:cs typeface="Consolas" panose="020B0609020204030204" pitchFamily="49" charset="0"/>
+              </a:rPr>
+              <a:t>);</a:t>
+            </a:r>
+          </a:p>
+          <a:p>
+            <a:pPr marL="0" marR="0" lvl="0" indent="0" algn="l" defTabSz="914400" rtl="0" eaLnBrk="0" fontAlgn="base" latinLnBrk="0" hangingPunct="0">
+              <a:lnSpc>
+                <a:spcPct val="100000"/>
+              </a:lnSpc>
+              <a:spcBef>
+                <a:spcPct val="0"/>
+              </a:spcBef>
+              <a:spcAft>
+                <a:spcPct val="0"/>
+              </a:spcAft>
+              <a:buClrTx/>
+              <a:buSzTx/>
+              <a:buFontTx/>
+              <a:buNone/>
+              <a:tabLst/>
+            </a:pPr>
+            <a:r>
+              <a:rPr kumimoji="0" lang="en-US" altLang="en-US" b="0" i="0" u="none" strike="noStrike" cap="none" normalizeH="0" baseline="0" dirty="0" smtClean="0">
+                <a:ln>
+                  <a:noFill/>
+                </a:ln>
+                <a:solidFill>
+                  <a:srgbClr val="999999"/>
+                </a:solidFill>
+                <a:effectLst/>
+                <a:latin typeface="Consolas" panose="020B0609020204030204" pitchFamily="49" charset="0"/>
+                <a:cs typeface="Consolas" panose="020B0609020204030204" pitchFamily="49" charset="0"/>
+              </a:rPr>
+              <a:t>}(</a:t>
+            </a:r>
+            <a:r>
+              <a:rPr kumimoji="0" lang="en-US" altLang="en-US" b="0" i="0" u="none" strike="noStrike" cap="none" normalizeH="0" baseline="0" dirty="0" smtClean="0">
+                <a:ln>
+                  <a:noFill/>
+                </a:ln>
+                <a:solidFill>
+                  <a:srgbClr val="000000"/>
+                </a:solidFill>
+                <a:effectLst/>
+                <a:latin typeface="Consolas" panose="020B0609020204030204" pitchFamily="49" charset="0"/>
+                <a:cs typeface="Consolas" panose="020B0609020204030204" pitchFamily="49" charset="0"/>
+              </a:rPr>
+              <a:t>undefined</a:t>
+            </a:r>
+            <a:r>
+              <a:rPr kumimoji="0" lang="en-US" altLang="en-US" b="0" i="0" u="none" strike="noStrike" cap="none" normalizeH="0" baseline="0" dirty="0" smtClean="0">
+                <a:ln>
+                  <a:noFill/>
+                </a:ln>
+                <a:solidFill>
+                  <a:srgbClr val="999999"/>
+                </a:solidFill>
+                <a:effectLst/>
+                <a:latin typeface="Consolas" panose="020B0609020204030204" pitchFamily="49" charset="0"/>
+                <a:cs typeface="Consolas" panose="020B0609020204030204" pitchFamily="49" charset="0"/>
+              </a:rPr>
+              <a:t>,</a:t>
+            </a:r>
+            <a:r>
+              <a:rPr kumimoji="0" lang="en-US" altLang="en-US" b="0" i="0" u="none" strike="noStrike" cap="none" normalizeH="0" baseline="0" dirty="0" smtClean="0">
+                <a:ln>
+                  <a:noFill/>
+                </a:ln>
+                <a:solidFill>
+                  <a:srgbClr val="000000"/>
+                </a:solidFill>
+                <a:effectLst/>
+                <a:latin typeface="Consolas" panose="020B0609020204030204" pitchFamily="49" charset="0"/>
+                <a:cs typeface="Consolas" panose="020B0609020204030204" pitchFamily="49" charset="0"/>
+              </a:rPr>
+              <a:t> </a:t>
+            </a:r>
+            <a:r>
+              <a:rPr kumimoji="0" lang="en-US" altLang="en-US" b="0" i="0" u="none" strike="noStrike" cap="none" normalizeH="0" baseline="0" dirty="0" smtClean="0">
+                <a:ln>
+                  <a:noFill/>
+                </a:ln>
+                <a:solidFill>
+                  <a:srgbClr val="990055"/>
+                </a:solidFill>
+                <a:effectLst/>
+                <a:latin typeface="Consolas" panose="020B0609020204030204" pitchFamily="49" charset="0"/>
+                <a:cs typeface="Consolas" panose="020B0609020204030204" pitchFamily="49" charset="0"/>
+              </a:rPr>
+              <a:t>2</a:t>
+            </a:r>
+            <a:r>
+              <a:rPr kumimoji="0" lang="en-US" altLang="en-US" b="0" i="0" u="none" strike="noStrike" cap="none" normalizeH="0" baseline="0" dirty="0" smtClean="0">
+                <a:ln>
+                  <a:noFill/>
+                </a:ln>
+                <a:solidFill>
+                  <a:srgbClr val="999999"/>
+                </a:solidFill>
+                <a:effectLst/>
+                <a:latin typeface="Consolas" panose="020B0609020204030204" pitchFamily="49" charset="0"/>
+                <a:cs typeface="Consolas" panose="020B0609020204030204" pitchFamily="49" charset="0"/>
+              </a:rPr>
+              <a:t>));</a:t>
+            </a:r>
+            <a:r>
+              <a:rPr kumimoji="0" lang="en-US" altLang="en-US" sz="2400" b="0" i="0" u="none" strike="noStrike" cap="none" normalizeH="0" baseline="0" dirty="0" smtClean="0">
+                <a:ln>
+                  <a:noFill/>
+                </a:ln>
+                <a:solidFill>
+                  <a:schemeClr val="tx1"/>
+                </a:solidFill>
+                <a:effectLst/>
+              </a:rPr>
+              <a:t> </a:t>
+            </a:r>
+            <a:endParaRPr kumimoji="0" lang="en-US" altLang="en-US" sz="5400" b="0" i="0" u="none" strike="noStrike" cap="none" normalizeH="0" baseline="0" dirty="0" smtClean="0">
+              <a:ln>
+                <a:noFill/>
+              </a:ln>
+              <a:solidFill>
+                <a:schemeClr val="tx1"/>
+              </a:solidFill>
+              <a:effectLst/>
+              <a:latin typeface="Arial" panose="020B0604020202020204" pitchFamily="34" charset="0"/>
+            </a:endParaRPr>
+          </a:p>
+        </p:txBody>
+      </p:sp>
+    </p:spTree>
+    <p:extLst>
+      <p:ext uri="{BB962C8B-B14F-4D97-AF65-F5344CB8AC3E}">
+        <p14:creationId xmlns:p14="http://schemas.microsoft.com/office/powerpoint/2010/main" val="3234375480"/>
+      </p:ext>
+    </p:extLst>
+  </p:cSld>
+  <p:clrMapOvr>
+    <a:masterClrMapping/>
+  </p:clrMapOvr>
+  <p:timing>
+    <p:tnLst>
+      <p:par>
+        <p:cTn id="1" dur="indefinite" restart="never" nodeType="tmRoot"/>
+      </p:par>
+    </p:tnLst>
+  </p:timing>
+</p:sld>
+</file>
+
+<file path=ppt/slides/slide35.xml><?xml version="1.0" encoding="utf-8"?>
+<p:sld xmlns:a="http://schemas.openxmlformats.org/drawingml/2006/main" xmlns:r="http://schemas.openxmlformats.org/officeDocument/2006/relationships" xmlns:p="http://schemas.openxmlformats.org/presentationml/2006/main">
+  <p:cSld>
+    <p:spTree>
+      <p:nvGrpSpPr>
+        <p:cNvPr id="1" name=""/>
+        <p:cNvGrpSpPr/>
+        <p:nvPr/>
+      </p:nvGrpSpPr>
+      <p:grpSpPr>
+        <a:xfrm>
+          <a:off x="0" y="0"/>
+          <a:ext cx="0" cy="0"/>
+          <a:chOff x="0" y="0"/>
+          <a:chExt cx="0" cy="0"/>
+        </a:xfrm>
+      </p:grpSpPr>
+      <p:sp>
+        <p:nvSpPr>
+          <p:cNvPr id="2" name="Title 1"/>
+          <p:cNvSpPr>
+            <a:spLocks noGrp="1"/>
+          </p:cNvSpPr>
+          <p:nvPr>
+            <p:ph type="title"/>
+          </p:nvPr>
+        </p:nvSpPr>
+        <p:spPr/>
+        <p:txBody>
+          <a:bodyPr/>
+          <a:lstStyle/>
+          <a:p>
+            <a:r>
+              <a:rPr lang="en-US" dirty="0" smtClean="0"/>
+              <a:t>Scope</a:t>
+            </a:r>
+            <a:endParaRPr lang="en-US" dirty="0"/>
+          </a:p>
+        </p:txBody>
+      </p:sp>
+      <p:sp>
+        <p:nvSpPr>
+          <p:cNvPr id="3" name="Content Placeholder 2"/>
+          <p:cNvSpPr>
+            <a:spLocks noGrp="1"/>
+          </p:cNvSpPr>
+          <p:nvPr>
+            <p:ph idx="1"/>
+          </p:nvPr>
+        </p:nvSpPr>
+        <p:spPr/>
+        <p:txBody>
+          <a:bodyPr/>
+          <a:lstStyle/>
+          <a:p>
+            <a:pPr marL="0" indent="0">
+              <a:buNone/>
+            </a:pPr>
+            <a:r>
+              <a:rPr lang="en-US" dirty="0" smtClean="0"/>
+              <a:t>ES3 – global scope, function scope, try-catch</a:t>
+            </a:r>
+          </a:p>
+          <a:p>
+            <a:pPr marL="0" indent="0">
+              <a:buNone/>
+            </a:pPr>
+            <a:r>
+              <a:rPr lang="en-US" dirty="0"/>
+              <a:t>ES5 </a:t>
+            </a:r>
+            <a:r>
+              <a:rPr lang="en-US" dirty="0" smtClean="0"/>
+              <a:t>- added </a:t>
+            </a:r>
+            <a:r>
+              <a:rPr lang="en-US" dirty="0"/>
+              <a:t>a scope used by strict </a:t>
+            </a:r>
+            <a:r>
+              <a:rPr lang="en-US" dirty="0" err="1"/>
+              <a:t>eval</a:t>
+            </a:r>
+            <a:r>
+              <a:rPr lang="en-US" dirty="0" smtClean="0"/>
+              <a:t>().</a:t>
+            </a:r>
+          </a:p>
+          <a:p>
+            <a:pPr marL="0" indent="0">
+              <a:buNone/>
+            </a:pPr>
+            <a:r>
+              <a:rPr lang="en-US" dirty="0" smtClean="0"/>
+              <a:t>ES6 </a:t>
+            </a:r>
+            <a:r>
+              <a:rPr lang="en-US" dirty="0"/>
+              <a:t>- block scopes, for-loop scopes, the new global let scope, module scopes, and additional scopes that are used when evaluating default values for arguments</a:t>
+            </a:r>
+          </a:p>
+        </p:txBody>
+      </p:sp>
+    </p:spTree>
+    <p:extLst>
+      <p:ext uri="{BB962C8B-B14F-4D97-AF65-F5344CB8AC3E}">
+        <p14:creationId xmlns:p14="http://schemas.microsoft.com/office/powerpoint/2010/main" val="3197421052"/>
+      </p:ext>
+    </p:extLst>
+  </p:cSld>
+  <p:clrMapOvr>
+    <a:masterClrMapping/>
+  </p:clrMapOvr>
+</p:sld>
+</file>
+
+<file path=ppt/slides/slide36.xml><?xml version="1.0" encoding="utf-8"?>
+<p:sld xmlns:a="http://schemas.openxmlformats.org/drawingml/2006/main" xmlns:r="http://schemas.openxmlformats.org/officeDocument/2006/relationships" xmlns:p="http://schemas.openxmlformats.org/presentationml/2006/main">
+  <p:cSld>
+    <p:spTree>
+      <p:nvGrpSpPr>
+        <p:cNvPr id="1" name=""/>
+        <p:cNvGrpSpPr/>
+        <p:nvPr/>
+      </p:nvGrpSpPr>
+      <p:grpSpPr>
+        <a:xfrm>
+          <a:off x="0" y="0"/>
+          <a:ext cx="0" cy="0"/>
+          <a:chOff x="0" y="0"/>
+          <a:chExt cx="0" cy="0"/>
+        </a:xfrm>
+      </p:grpSpPr>
+      <p:sp>
+        <p:nvSpPr>
+          <p:cNvPr id="3" name="Content Placeholder 2"/>
+          <p:cNvSpPr>
+            <a:spLocks noGrp="1"/>
+          </p:cNvSpPr>
+          <p:nvPr>
+            <p:ph idx="1"/>
+          </p:nvPr>
+        </p:nvSpPr>
+        <p:spPr/>
+        <p:txBody>
+          <a:bodyPr/>
+          <a:lstStyle/>
+          <a:p>
+            <a:pPr marL="0" indent="0">
+              <a:buNone/>
+            </a:pPr>
+            <a:r>
+              <a:rPr lang="en-US" dirty="0"/>
+              <a:t>Yes. To use them on the web, you’ll have to use an ES6 compiler such </a:t>
+            </a:r>
+            <a:r>
+              <a:rPr lang="en-US" dirty="0" err="1"/>
+              <a:t>as</a:t>
+            </a:r>
+            <a:r>
+              <a:rPr lang="en-US" dirty="0" err="1">
+                <a:hlinkClick r:id="rId2"/>
+              </a:rPr>
+              <a:t>Babel</a:t>
+            </a:r>
+            <a:r>
+              <a:rPr lang="en-US" dirty="0"/>
+              <a:t>, </a:t>
+            </a:r>
+            <a:r>
+              <a:rPr lang="en-US" dirty="0" err="1">
+                <a:hlinkClick r:id="rId3"/>
+              </a:rPr>
+              <a:t>Traceur</a:t>
+            </a:r>
+            <a:r>
+              <a:rPr lang="en-US" dirty="0"/>
+              <a:t>, or </a:t>
+            </a:r>
+            <a:r>
+              <a:rPr lang="en-US" dirty="0" err="1">
+                <a:hlinkClick r:id="rId4"/>
+              </a:rPr>
+              <a:t>TypeScript</a:t>
+            </a:r>
+            <a:r>
+              <a:rPr lang="en-US" dirty="0"/>
+              <a:t>. (Babel and </a:t>
+            </a:r>
+            <a:r>
+              <a:rPr lang="en-US" dirty="0" err="1"/>
+              <a:t>Traceur</a:t>
+            </a:r>
+            <a:r>
+              <a:rPr lang="en-US" dirty="0"/>
+              <a:t> do not support the temporal dead zone yet.)</a:t>
+            </a:r>
+            <a:endParaRPr lang="en-US" dirty="0"/>
+          </a:p>
+        </p:txBody>
+      </p:sp>
+      <p:sp>
+        <p:nvSpPr>
+          <p:cNvPr id="4" name="Rectangle 1"/>
+          <p:cNvSpPr>
+            <a:spLocks noGrp="1" noChangeArrowheads="1"/>
+          </p:cNvSpPr>
+          <p:nvPr>
+            <p:ph type="title"/>
+          </p:nvPr>
+        </p:nvSpPr>
+        <p:spPr bwMode="auto">
+          <a:xfrm>
+            <a:off x="838200" y="230611"/>
+            <a:ext cx="7561365" cy="1594592"/>
+          </a:xfrm>
+          <a:prstGeom prst="rect">
+            <a:avLst/>
+          </a:prstGeom>
+          <a:solidFill>
+            <a:srgbClr val="FFFFFF"/>
+          </a:solidFill>
+          <a:ln>
+            <a:noFill/>
+          </a:ln>
+          <a:effectLst/>
+          <a:extLst>
+            <a:ext uri="{91240B29-F687-4F45-9708-019B960494DF}">
+              <a14:hiddenLine xmlns:a14="http://schemas.microsoft.com/office/drawing/2010/main" w="9525">
+                <a:solidFill>
+                  <a:schemeClr val="tx1"/>
+                </a:solidFill>
+                <a:miter lim="800000"/>
+                <a:headEnd/>
+                <a:tailEnd/>
+              </a14:hiddenLine>
+            </a:ext>
+            <a:ext uri="{AF507438-7753-43E0-B8FC-AC1667EBCBE1}">
+              <a14:hiddenEffects xmlns:a14="http://schemas.microsoft.com/office/drawing/2010/main">
+                <a:effectLst>
+                  <a:outerShdw dist="35921" dir="2700000" algn="ctr" rotWithShape="0">
+                    <a:schemeClr val="bg2"/>
+                  </a:outerShdw>
+                </a:effectLst>
+              </a14:hiddenEffects>
+            </a:ext>
+          </a:extLst>
+        </p:spPr>
+        <p:txBody>
+          <a:bodyPr vert="horz" wrap="none" lIns="0" tIns="158700" rIns="0" bIns="79350" numCol="1" anchor="ctr" anchorCtr="0" compatLnSpc="1">
+            <a:prstTxWarp prst="textNoShape">
+              <a:avLst/>
+            </a:prstTxWarp>
+            <a:spAutoFit/>
+          </a:bodyPr>
+          <a:lstStyle/>
+          <a:p>
+            <a:pPr marL="0" marR="0" lvl="0" indent="0" algn="l" defTabSz="914400" rtl="0" eaLnBrk="0" fontAlgn="base" latinLnBrk="0" hangingPunct="0">
+              <a:lnSpc>
+                <a:spcPct val="100000"/>
+              </a:lnSpc>
+              <a:spcBef>
+                <a:spcPct val="0"/>
+              </a:spcBef>
+              <a:spcAft>
+                <a:spcPct val="0"/>
+              </a:spcAft>
+              <a:buClrTx/>
+              <a:buSzTx/>
+              <a:buFontTx/>
+              <a:buNone/>
+              <a:tabLst/>
+            </a:pPr>
+            <a:r>
+              <a:rPr kumimoji="0" lang="en-US" altLang="en-US" b="1" i="0" u="none" strike="noStrike" cap="none" normalizeH="0" baseline="0" smtClean="0">
+                <a:ln>
+                  <a:noFill/>
+                </a:ln>
+                <a:solidFill>
+                  <a:srgbClr val="000000"/>
+                </a:solidFill>
+                <a:effectLst/>
+                <a:latin typeface="Open Sans"/>
+              </a:rPr>
+              <a:t>Can I use </a:t>
+            </a:r>
+            <a:r>
+              <a:rPr kumimoji="0" lang="en-US" altLang="en-US" b="1" i="0" u="none" strike="noStrike" cap="none" normalizeH="0" baseline="0" smtClean="0">
+                <a:ln>
+                  <a:noFill/>
+                </a:ln>
+                <a:solidFill>
+                  <a:srgbClr val="000000"/>
+                </a:solidFill>
+                <a:effectLst/>
+                <a:latin typeface="Arial Unicode MS" panose="020B0604020202020204" pitchFamily="34" charset="-128"/>
+              </a:rPr>
+              <a:t>let</a:t>
+            </a:r>
+            <a:r>
+              <a:rPr kumimoji="0" lang="en-US" altLang="en-US" b="1" i="0" u="none" strike="noStrike" cap="none" normalizeH="0" baseline="0" smtClean="0">
+                <a:ln>
+                  <a:noFill/>
+                </a:ln>
+                <a:solidFill>
+                  <a:srgbClr val="000000"/>
+                </a:solidFill>
+                <a:effectLst/>
+                <a:latin typeface="Open Sans"/>
+              </a:rPr>
+              <a:t> and </a:t>
+            </a:r>
+            <a:r>
+              <a:rPr kumimoji="0" lang="en-US" altLang="en-US" b="1" i="0" u="none" strike="noStrike" cap="none" normalizeH="0" baseline="0" smtClean="0">
+                <a:ln>
+                  <a:noFill/>
+                </a:ln>
+                <a:solidFill>
+                  <a:srgbClr val="000000"/>
+                </a:solidFill>
+                <a:effectLst/>
+                <a:latin typeface="Arial Unicode MS" panose="020B0604020202020204" pitchFamily="34" charset="-128"/>
+              </a:rPr>
+              <a:t>const</a:t>
+            </a:r>
+            <a:r>
+              <a:rPr kumimoji="0" lang="en-US" altLang="en-US" b="1" i="0" u="none" strike="noStrike" cap="none" normalizeH="0" baseline="0" smtClean="0">
+                <a:ln>
+                  <a:noFill/>
+                </a:ln>
+                <a:solidFill>
+                  <a:srgbClr val="000000"/>
+                </a:solidFill>
+                <a:effectLst/>
+                <a:latin typeface="Open Sans"/>
+              </a:rPr>
+              <a:t> now?</a:t>
+            </a:r>
+          </a:p>
+          <a:p>
+            <a:pPr marL="0" marR="0" lvl="0" indent="0" algn="l" defTabSz="914400" rtl="0" eaLnBrk="0" fontAlgn="base" latinLnBrk="0" hangingPunct="0">
+              <a:lnSpc>
+                <a:spcPct val="100000"/>
+              </a:lnSpc>
+              <a:spcBef>
+                <a:spcPct val="0"/>
+              </a:spcBef>
+              <a:spcAft>
+                <a:spcPct val="0"/>
+              </a:spcAft>
+              <a:buClrTx/>
+              <a:buSzTx/>
+              <a:buFontTx/>
+              <a:buNone/>
+              <a:tabLst/>
+            </a:pPr>
+            <a:endParaRPr kumimoji="0" lang="en-US" altLang="en-US" b="0" i="0" u="none" strike="noStrike" cap="none" normalizeH="0" baseline="0" smtClean="0">
+              <a:ln>
+                <a:noFill/>
+              </a:ln>
+              <a:solidFill>
+                <a:schemeClr val="tx1"/>
+              </a:solidFill>
+              <a:effectLst/>
+              <a:latin typeface="Arial" panose="020B0604020202020204" pitchFamily="34" charset="0"/>
+            </a:endParaRPr>
+          </a:p>
+        </p:txBody>
+      </p:sp>
+    </p:spTree>
+    <p:extLst>
+      <p:ext uri="{BB962C8B-B14F-4D97-AF65-F5344CB8AC3E}">
+        <p14:creationId xmlns:p14="http://schemas.microsoft.com/office/powerpoint/2010/main" val="1856033063"/>
+      </p:ext>
+    </p:extLst>
+  </p:cSld>
+  <p:clrMapOvr>
+    <a:masterClrMapping/>
+  </p:clrMapOvr>
+</p:sld>
+</file>
+
+<file path=ppt/slides/slide37.xml><?xml version="1.0" encoding="utf-8"?>
+<p:sld xmlns:a="http://schemas.openxmlformats.org/drawingml/2006/main" xmlns:r="http://schemas.openxmlformats.org/officeDocument/2006/relationships" xmlns:p="http://schemas.openxmlformats.org/presentationml/2006/main">
+  <p:cSld>
+    <p:spTree>
+      <p:nvGrpSpPr>
+        <p:cNvPr id="1" name=""/>
+        <p:cNvGrpSpPr/>
+        <p:nvPr/>
+      </p:nvGrpSpPr>
+      <p:grpSpPr>
+        <a:xfrm>
+          <a:off x="0" y="0"/>
+          <a:ext cx="0" cy="0"/>
+          <a:chOff x="0" y="0"/>
+          <a:chExt cx="0" cy="0"/>
+        </a:xfrm>
+      </p:grpSpPr>
+      <p:sp>
+        <p:nvSpPr>
+          <p:cNvPr id="2" name="Title 1"/>
+          <p:cNvSpPr>
+            <a:spLocks noGrp="1"/>
+          </p:cNvSpPr>
+          <p:nvPr>
+            <p:ph type="title"/>
+          </p:nvPr>
+        </p:nvSpPr>
+        <p:spPr/>
+        <p:txBody>
+          <a:bodyPr/>
+          <a:lstStyle/>
+          <a:p>
+            <a:r>
+              <a:rPr lang="en-US" dirty="0" smtClean="0"/>
+              <a:t>References</a:t>
+            </a:r>
+            <a:endParaRPr lang="en-US" dirty="0"/>
+          </a:p>
+        </p:txBody>
+      </p:sp>
+      <p:sp>
+        <p:nvSpPr>
+          <p:cNvPr id="3" name="Content Placeholder 2"/>
+          <p:cNvSpPr>
+            <a:spLocks noGrp="1"/>
+          </p:cNvSpPr>
+          <p:nvPr>
+            <p:ph idx="1"/>
+          </p:nvPr>
+        </p:nvSpPr>
+        <p:spPr/>
+        <p:txBody>
+          <a:bodyPr/>
+          <a:lstStyle/>
+          <a:p>
+            <a:pPr marL="0" indent="0">
+              <a:buNone/>
+            </a:pPr>
+            <a:r>
+              <a:rPr lang="en-US" dirty="0"/>
+              <a:t>https://hacks.mozilla.org/category/es6-in-depth/</a:t>
+            </a:r>
+          </a:p>
+        </p:txBody>
+      </p:sp>
+    </p:spTree>
+    <p:extLst>
+      <p:ext uri="{BB962C8B-B14F-4D97-AF65-F5344CB8AC3E}">
+        <p14:creationId xmlns:p14="http://schemas.microsoft.com/office/powerpoint/2010/main" val="4024423919"/>
       </p:ext>
     </p:extLst>
   </p:cSld>

--- a/es6/es6.pptx
+++ b/es6/es6.pptx
@@ -24,24 +24,7 @@
     <p:sldId id="273" r:id="rId18"/>
     <p:sldId id="274" r:id="rId19"/>
     <p:sldId id="275" r:id="rId20"/>
-    <p:sldId id="276" r:id="rId21"/>
-    <p:sldId id="277" r:id="rId22"/>
-    <p:sldId id="285" r:id="rId23"/>
-    <p:sldId id="286" r:id="rId24"/>
-    <p:sldId id="287" r:id="rId25"/>
-    <p:sldId id="288" r:id="rId26"/>
-    <p:sldId id="289" r:id="rId27"/>
-    <p:sldId id="290" r:id="rId28"/>
-    <p:sldId id="291" r:id="rId29"/>
-    <p:sldId id="278" r:id="rId30"/>
-    <p:sldId id="279" r:id="rId31"/>
-    <p:sldId id="280" r:id="rId32"/>
-    <p:sldId id="281" r:id="rId33"/>
-    <p:sldId id="282" r:id="rId34"/>
-    <p:sldId id="283" r:id="rId35"/>
-    <p:sldId id="292" r:id="rId36"/>
-    <p:sldId id="293" r:id="rId37"/>
-    <p:sldId id="284" r:id="rId38"/>
+    <p:sldId id="284" r:id="rId21"/>
   </p:sldIdLst>
   <p:sldSz cx="12192000" cy="6858000"/>
   <p:notesSz cx="6858000" cy="9144000"/>
@@ -279,7 +262,7 @@
           <a:p>
             <a:fld id="{4D8EEEE2-ACBB-41C1-BCFD-8A829CFB8979}" type="datetimeFigureOut">
               <a:rPr lang="en-US" smtClean="0"/>
-              <a:t>9/11/2015</a:t>
+              <a:t>9/12/2015</a:t>
             </a:fld>
             <a:endParaRPr lang="en-US"/>
           </a:p>
@@ -449,7 +432,7 @@
           <a:p>
             <a:fld id="{4D8EEEE2-ACBB-41C1-BCFD-8A829CFB8979}" type="datetimeFigureOut">
               <a:rPr lang="en-US" smtClean="0"/>
-              <a:t>9/11/2015</a:t>
+              <a:t>9/12/2015</a:t>
             </a:fld>
             <a:endParaRPr lang="en-US"/>
           </a:p>
@@ -629,7 +612,7 @@
           <a:p>
             <a:fld id="{4D8EEEE2-ACBB-41C1-BCFD-8A829CFB8979}" type="datetimeFigureOut">
               <a:rPr lang="en-US" smtClean="0"/>
-              <a:t>9/11/2015</a:t>
+              <a:t>9/12/2015</a:t>
             </a:fld>
             <a:endParaRPr lang="en-US"/>
           </a:p>
@@ -799,7 +782,7 @@
           <a:p>
             <a:fld id="{4D8EEEE2-ACBB-41C1-BCFD-8A829CFB8979}" type="datetimeFigureOut">
               <a:rPr lang="en-US" smtClean="0"/>
-              <a:t>9/11/2015</a:t>
+              <a:t>9/12/2015</a:t>
             </a:fld>
             <a:endParaRPr lang="en-US"/>
           </a:p>
@@ -1045,7 +1028,7 @@
           <a:p>
             <a:fld id="{4D8EEEE2-ACBB-41C1-BCFD-8A829CFB8979}" type="datetimeFigureOut">
               <a:rPr lang="en-US" smtClean="0"/>
-              <a:t>9/11/2015</a:t>
+              <a:t>9/12/2015</a:t>
             </a:fld>
             <a:endParaRPr lang="en-US"/>
           </a:p>
@@ -1277,7 +1260,7 @@
           <a:p>
             <a:fld id="{4D8EEEE2-ACBB-41C1-BCFD-8A829CFB8979}" type="datetimeFigureOut">
               <a:rPr lang="en-US" smtClean="0"/>
-              <a:t>9/11/2015</a:t>
+              <a:t>9/12/2015</a:t>
             </a:fld>
             <a:endParaRPr lang="en-US"/>
           </a:p>
@@ -1644,7 +1627,7 @@
           <a:p>
             <a:fld id="{4D8EEEE2-ACBB-41C1-BCFD-8A829CFB8979}" type="datetimeFigureOut">
               <a:rPr lang="en-US" smtClean="0"/>
-              <a:t>9/11/2015</a:t>
+              <a:t>9/12/2015</a:t>
             </a:fld>
             <a:endParaRPr lang="en-US"/>
           </a:p>
@@ -1762,7 +1745,7 @@
           <a:p>
             <a:fld id="{4D8EEEE2-ACBB-41C1-BCFD-8A829CFB8979}" type="datetimeFigureOut">
               <a:rPr lang="en-US" smtClean="0"/>
-              <a:t>9/11/2015</a:t>
+              <a:t>9/12/2015</a:t>
             </a:fld>
             <a:endParaRPr lang="en-US"/>
           </a:p>
@@ -1857,7 +1840,7 @@
           <a:p>
             <a:fld id="{4D8EEEE2-ACBB-41C1-BCFD-8A829CFB8979}" type="datetimeFigureOut">
               <a:rPr lang="en-US" smtClean="0"/>
-              <a:t>9/11/2015</a:t>
+              <a:t>9/12/2015</a:t>
             </a:fld>
             <a:endParaRPr lang="en-US"/>
           </a:p>
@@ -2134,7 +2117,7 @@
           <a:p>
             <a:fld id="{4D8EEEE2-ACBB-41C1-BCFD-8A829CFB8979}" type="datetimeFigureOut">
               <a:rPr lang="en-US" smtClean="0"/>
-              <a:t>9/11/2015</a:t>
+              <a:t>9/12/2015</a:t>
             </a:fld>
             <a:endParaRPr lang="en-US"/>
           </a:p>
@@ -2387,7 +2370,7 @@
           <a:p>
             <a:fld id="{4D8EEEE2-ACBB-41C1-BCFD-8A829CFB8979}" type="datetimeFigureOut">
               <a:rPr lang="en-US" smtClean="0"/>
-              <a:t>9/11/2015</a:t>
+              <a:t>9/12/2015</a:t>
             </a:fld>
             <a:endParaRPr lang="en-US"/>
           </a:p>
@@ -2600,7 +2583,7 @@
           <a:p>
             <a:fld id="{4D8EEEE2-ACBB-41C1-BCFD-8A829CFB8979}" type="datetimeFigureOut">
               <a:rPr lang="en-US" smtClean="0"/>
-              <a:t>9/11/2015</a:t>
+              <a:t>9/12/2015</a:t>
             </a:fld>
             <a:endParaRPr lang="en-US"/>
           </a:p>
@@ -6133,7 +6116,7 @@
             <a:spLocks noGrp="1"/>
           </p:cNvSpPr>
           <p:nvPr>
-            <p:ph type="ctrTitle"/>
+            <p:ph type="title"/>
           </p:nvPr>
         </p:nvSpPr>
         <p:spPr/>
@@ -6143,11 +6126,7 @@
           <a:p>
             <a:r>
               <a:rPr lang="en-US" dirty="0" smtClean="0"/>
-              <a:t>ES6 In Depth: let and </a:t>
-            </a:r>
-            <a:r>
-              <a:rPr lang="en-US" dirty="0" err="1" smtClean="0"/>
-              <a:t>const</a:t>
+              <a:t>References</a:t>
             </a:r>
             <a:endParaRPr lang="en-US" dirty="0"/>
           </a:p>
@@ -6155,12 +6134,12 @@
       </p:sp>
       <p:sp>
         <p:nvSpPr>
-          <p:cNvPr id="3" name="Subtitle 2"/>
-          <p:cNvSpPr>
-            <a:spLocks noGrp="1"/>
-          </p:cNvSpPr>
-          <p:nvPr>
-            <p:ph type="subTitle" idx="1"/>
+          <p:cNvPr id="3" name="Content Placeholder 2"/>
+          <p:cNvSpPr>
+            <a:spLocks noGrp="1"/>
+          </p:cNvSpPr>
+          <p:nvPr>
+            <p:ph idx="1"/>
           </p:nvPr>
         </p:nvSpPr>
         <p:spPr/>
@@ -6168,2771 +6147,26 @@
           <a:bodyPr/>
           <a:lstStyle/>
           <a:p>
-            <a:endParaRPr lang="en-US"/>
+            <a:pPr marL="0" indent="0">
+              <a:buNone/>
+            </a:pPr>
+            <a:r>
+              <a:rPr lang="en-US" dirty="0"/>
+              <a:t>https://hacks.mozilla.org/category/es6-in-depth/</a:t>
+            </a:r>
           </a:p>
         </p:txBody>
       </p:sp>
     </p:spTree>
     <p:extLst>
       <p:ext uri="{BB962C8B-B14F-4D97-AF65-F5344CB8AC3E}">
-        <p14:creationId xmlns:p14="http://schemas.microsoft.com/office/powerpoint/2010/main" val="510463316"/>
+        <p14:creationId xmlns:p14="http://schemas.microsoft.com/office/powerpoint/2010/main" val="4024423919"/>
       </p:ext>
     </p:extLst>
   </p:cSld>
   <p:clrMapOvr>
     <a:masterClrMapping/>
   </p:clrMapOvr>
-  <p:timing>
-    <p:tnLst>
-      <p:par>
-        <p:cTn id="1" dur="indefinite" restart="never" nodeType="tmRoot"/>
-      </p:par>
-    </p:tnLst>
-  </p:timing>
-</p:sld>
-</file>
-
-<file path=ppt/slides/slide21.xml><?xml version="1.0" encoding="utf-8"?>
-<p:sld xmlns:a="http://schemas.openxmlformats.org/drawingml/2006/main" xmlns:r="http://schemas.openxmlformats.org/officeDocument/2006/relationships" xmlns:p="http://schemas.openxmlformats.org/presentationml/2006/main">
-  <p:cSld>
-    <p:spTree>
-      <p:nvGrpSpPr>
-        <p:cNvPr id="1" name=""/>
-        <p:cNvGrpSpPr/>
-        <p:nvPr/>
-      </p:nvGrpSpPr>
-      <p:grpSpPr>
-        <a:xfrm>
-          <a:off x="0" y="0"/>
-          <a:ext cx="0" cy="0"/>
-          <a:chOff x="0" y="0"/>
-          <a:chExt cx="0" cy="0"/>
-        </a:xfrm>
-      </p:grpSpPr>
-      <p:sp>
-        <p:nvSpPr>
-          <p:cNvPr id="2" name="Title 1"/>
-          <p:cNvSpPr>
-            <a:spLocks noGrp="1"/>
-          </p:cNvSpPr>
-          <p:nvPr>
-            <p:ph type="title"/>
-          </p:nvPr>
-        </p:nvSpPr>
-        <p:spPr/>
-        <p:txBody>
-          <a:bodyPr/>
-          <a:lstStyle/>
-          <a:p>
-            <a:r>
-              <a:rPr lang="en-US" dirty="0" smtClean="0"/>
-              <a:t>ES5 Way</a:t>
-            </a:r>
-            <a:endParaRPr lang="en-US" dirty="0"/>
-          </a:p>
-        </p:txBody>
-      </p:sp>
-      <p:sp>
-        <p:nvSpPr>
-          <p:cNvPr id="4" name="Rectangle 1"/>
-          <p:cNvSpPr>
-            <a:spLocks noGrp="1" noChangeArrowheads="1"/>
-          </p:cNvSpPr>
-          <p:nvPr>
-            <p:ph idx="1"/>
-          </p:nvPr>
-        </p:nvSpPr>
-        <p:spPr bwMode="auto">
-          <a:xfrm>
-            <a:off x="715537" y="1546907"/>
-            <a:ext cx="3835987" cy="1384995"/>
-          </a:xfrm>
-          <a:prstGeom prst="rect">
-            <a:avLst/>
-          </a:prstGeom>
-          <a:solidFill>
-            <a:srgbClr val="F5F2F0"/>
-          </a:solidFill>
-          <a:ln>
-            <a:noFill/>
-          </a:ln>
-          <a:effectLst/>
-          <a:extLst>
-            <a:ext uri="{91240B29-F687-4F45-9708-019B960494DF}">
-              <a14:hiddenLine xmlns:a14="http://schemas.microsoft.com/office/drawing/2010/main" w="9525">
-                <a:solidFill>
-                  <a:schemeClr val="tx1"/>
-                </a:solidFill>
-                <a:miter lim="800000"/>
-                <a:headEnd/>
-                <a:tailEnd/>
-              </a14:hiddenLine>
-            </a:ext>
-            <a:ext uri="{AF507438-7753-43E0-B8FC-AC1667EBCBE1}">
-              <a14:hiddenEffects xmlns:a14="http://schemas.microsoft.com/office/drawing/2010/main">
-                <a:effectLst>
-                  <a:outerShdw dist="35921" dir="2700000" algn="ctr" rotWithShape="0">
-                    <a:schemeClr val="bg2"/>
-                  </a:outerShdw>
-                </a:effectLst>
-              </a14:hiddenEffects>
-            </a:ext>
-          </a:extLst>
-        </p:spPr>
-        <p:txBody>
-          <a:bodyPr vert="horz" wrap="none" lIns="0" tIns="0" rIns="0" bIns="0" numCol="1" anchor="ctr" anchorCtr="0" compatLnSpc="1">
-            <a:prstTxWarp prst="textNoShape">
-              <a:avLst/>
-            </a:prstTxWarp>
-            <a:spAutoFit/>
-          </a:bodyPr>
-          <a:lstStyle/>
-          <a:p>
-            <a:pPr marL="0" marR="0" lvl="0" indent="0" algn="l" defTabSz="914400" rtl="0" eaLnBrk="0" fontAlgn="base" latinLnBrk="0" hangingPunct="0">
-              <a:lnSpc>
-                <a:spcPct val="100000"/>
-              </a:lnSpc>
-              <a:spcBef>
-                <a:spcPct val="0"/>
-              </a:spcBef>
-              <a:spcAft>
-                <a:spcPct val="0"/>
-              </a:spcAft>
-              <a:buClrTx/>
-              <a:buSzTx/>
-              <a:buFontTx/>
-              <a:buNone/>
-              <a:tabLst/>
-            </a:pPr>
-            <a:r>
-              <a:rPr kumimoji="0" lang="en-US" altLang="en-US" sz="1800" b="0" i="0" u="none" strike="noStrike" cap="none" normalizeH="0" baseline="0" dirty="0" err="1" smtClean="0">
-                <a:ln>
-                  <a:noFill/>
-                </a:ln>
-                <a:solidFill>
-                  <a:srgbClr val="0077AA"/>
-                </a:solidFill>
-                <a:effectLst/>
-                <a:latin typeface="Consolas" panose="020B0609020204030204" pitchFamily="49" charset="0"/>
-                <a:cs typeface="Consolas" panose="020B0609020204030204" pitchFamily="49" charset="0"/>
-              </a:rPr>
-              <a:t>var</a:t>
-            </a:r>
-            <a:r>
-              <a:rPr kumimoji="0" lang="en-US" altLang="en-US" sz="1800" b="0" i="0" u="none" strike="noStrike" cap="none" normalizeH="0" baseline="0" dirty="0" smtClean="0">
-                <a:ln>
-                  <a:noFill/>
-                </a:ln>
-                <a:solidFill>
-                  <a:srgbClr val="000000"/>
-                </a:solidFill>
-                <a:effectLst/>
-                <a:latin typeface="Consolas" panose="020B0609020204030204" pitchFamily="49" charset="0"/>
-                <a:cs typeface="Consolas" panose="020B0609020204030204" pitchFamily="49" charset="0"/>
-              </a:rPr>
-              <a:t> x </a:t>
-            </a:r>
-            <a:r>
-              <a:rPr kumimoji="0" lang="en-US" altLang="en-US" sz="1800" b="0" i="0" u="none" strike="noStrike" cap="none" normalizeH="0" baseline="0" dirty="0" smtClean="0">
-                <a:ln>
-                  <a:noFill/>
-                </a:ln>
-                <a:solidFill>
-                  <a:srgbClr val="A67F59"/>
-                </a:solidFill>
-                <a:effectLst/>
-                <a:latin typeface="Consolas" panose="020B0609020204030204" pitchFamily="49" charset="0"/>
-                <a:cs typeface="Consolas" panose="020B0609020204030204" pitchFamily="49" charset="0"/>
-              </a:rPr>
-              <a:t>=</a:t>
-            </a:r>
-            <a:r>
-              <a:rPr kumimoji="0" lang="en-US" altLang="en-US" sz="1800" b="0" i="0" u="none" strike="noStrike" cap="none" normalizeH="0" baseline="0" dirty="0" smtClean="0">
-                <a:ln>
-                  <a:noFill/>
-                </a:ln>
-                <a:solidFill>
-                  <a:srgbClr val="000000"/>
-                </a:solidFill>
-                <a:effectLst/>
-                <a:latin typeface="Consolas" panose="020B0609020204030204" pitchFamily="49" charset="0"/>
-                <a:cs typeface="Consolas" panose="020B0609020204030204" pitchFamily="49" charset="0"/>
-              </a:rPr>
-              <a:t> </a:t>
-            </a:r>
-            <a:r>
-              <a:rPr kumimoji="0" lang="en-US" altLang="en-US" sz="1800" b="0" i="0" u="none" strike="noStrike" cap="none" normalizeH="0" baseline="0" dirty="0" smtClean="0">
-                <a:ln>
-                  <a:noFill/>
-                </a:ln>
-                <a:solidFill>
-                  <a:srgbClr val="669900"/>
-                </a:solidFill>
-                <a:effectLst/>
-                <a:latin typeface="Consolas" panose="020B0609020204030204" pitchFamily="49" charset="0"/>
-                <a:cs typeface="Consolas" panose="020B0609020204030204" pitchFamily="49" charset="0"/>
-              </a:rPr>
-              <a:t>'outer scope'</a:t>
-            </a:r>
-            <a:r>
-              <a:rPr kumimoji="0" lang="en-US" altLang="en-US" sz="1800" b="0" i="0" u="none" strike="noStrike" cap="none" normalizeH="0" baseline="0" dirty="0" smtClean="0">
-                <a:ln>
-                  <a:noFill/>
-                </a:ln>
-                <a:solidFill>
-                  <a:srgbClr val="999999"/>
-                </a:solidFill>
-                <a:effectLst/>
-                <a:latin typeface="Consolas" panose="020B0609020204030204" pitchFamily="49" charset="0"/>
-                <a:cs typeface="Consolas" panose="020B0609020204030204" pitchFamily="49" charset="0"/>
-              </a:rPr>
-              <a:t>;</a:t>
-            </a:r>
-            <a:r>
-              <a:rPr kumimoji="0" lang="en-US" altLang="en-US" sz="1800" b="0" i="0" u="none" strike="noStrike" cap="none" normalizeH="0" baseline="0" dirty="0" smtClean="0">
-                <a:ln>
-                  <a:noFill/>
-                </a:ln>
-                <a:solidFill>
-                  <a:srgbClr val="000000"/>
-                </a:solidFill>
-                <a:effectLst/>
-                <a:latin typeface="Consolas" panose="020B0609020204030204" pitchFamily="49" charset="0"/>
-                <a:cs typeface="Consolas" panose="020B0609020204030204" pitchFamily="49" charset="0"/>
-              </a:rPr>
-              <a:t> </a:t>
-            </a:r>
-          </a:p>
-          <a:p>
-            <a:pPr marL="0" marR="0" lvl="0" indent="0" algn="l" defTabSz="914400" rtl="0" eaLnBrk="0" fontAlgn="base" latinLnBrk="0" hangingPunct="0">
-              <a:lnSpc>
-                <a:spcPct val="100000"/>
-              </a:lnSpc>
-              <a:spcBef>
-                <a:spcPct val="0"/>
-              </a:spcBef>
-              <a:spcAft>
-                <a:spcPct val="0"/>
-              </a:spcAft>
-              <a:buClrTx/>
-              <a:buSzTx/>
-              <a:buFontTx/>
-              <a:buNone/>
-              <a:tabLst/>
-            </a:pPr>
-            <a:r>
-              <a:rPr kumimoji="0" lang="en-US" altLang="en-US" sz="1800" b="0" i="0" u="none" strike="noStrike" cap="none" normalizeH="0" baseline="0" dirty="0" smtClean="0">
-                <a:ln>
-                  <a:noFill/>
-                </a:ln>
-                <a:solidFill>
-                  <a:srgbClr val="999999"/>
-                </a:solidFill>
-                <a:effectLst/>
-                <a:latin typeface="Consolas" panose="020B0609020204030204" pitchFamily="49" charset="0"/>
-                <a:cs typeface="Consolas" panose="020B0609020204030204" pitchFamily="49" charset="0"/>
-              </a:rPr>
-              <a:t>(</a:t>
-            </a:r>
-            <a:r>
-              <a:rPr kumimoji="0" lang="en-US" altLang="en-US" sz="1800" b="0" i="0" u="none" strike="noStrike" cap="none" normalizeH="0" baseline="0" dirty="0" smtClean="0">
-                <a:ln>
-                  <a:noFill/>
-                </a:ln>
-                <a:solidFill>
-                  <a:srgbClr val="0077AA"/>
-                </a:solidFill>
-                <a:effectLst/>
-                <a:latin typeface="Consolas" panose="020B0609020204030204" pitchFamily="49" charset="0"/>
-                <a:cs typeface="Consolas" panose="020B0609020204030204" pitchFamily="49" charset="0"/>
-              </a:rPr>
-              <a:t>function</a:t>
-            </a:r>
-            <a:r>
-              <a:rPr kumimoji="0" lang="en-US" altLang="en-US" sz="1800" b="0" i="0" u="none" strike="noStrike" cap="none" normalizeH="0" baseline="0" dirty="0" smtClean="0">
-                <a:ln>
-                  <a:noFill/>
-                </a:ln>
-                <a:solidFill>
-                  <a:srgbClr val="999999"/>
-                </a:solidFill>
-                <a:effectLst/>
-                <a:latin typeface="Consolas" panose="020B0609020204030204" pitchFamily="49" charset="0"/>
-                <a:cs typeface="Consolas" panose="020B0609020204030204" pitchFamily="49" charset="0"/>
-              </a:rPr>
-              <a:t>()</a:t>
-            </a:r>
-            <a:r>
-              <a:rPr kumimoji="0" lang="en-US" altLang="en-US" sz="1800" b="0" i="0" u="none" strike="noStrike" cap="none" normalizeH="0" baseline="0" dirty="0" smtClean="0">
-                <a:ln>
-                  <a:noFill/>
-                </a:ln>
-                <a:solidFill>
-                  <a:srgbClr val="000000"/>
-                </a:solidFill>
-                <a:effectLst/>
-                <a:latin typeface="Consolas" panose="020B0609020204030204" pitchFamily="49" charset="0"/>
-                <a:cs typeface="Consolas" panose="020B0609020204030204" pitchFamily="49" charset="0"/>
-              </a:rPr>
-              <a:t> </a:t>
-            </a:r>
-            <a:r>
-              <a:rPr kumimoji="0" lang="en-US" altLang="en-US" sz="1800" b="0" i="0" u="none" strike="noStrike" cap="none" normalizeH="0" baseline="0" dirty="0" smtClean="0">
-                <a:ln>
-                  <a:noFill/>
-                </a:ln>
-                <a:solidFill>
-                  <a:srgbClr val="999999"/>
-                </a:solidFill>
-                <a:effectLst/>
-                <a:latin typeface="Consolas" panose="020B0609020204030204" pitchFamily="49" charset="0"/>
-                <a:cs typeface="Consolas" panose="020B0609020204030204" pitchFamily="49" charset="0"/>
-              </a:rPr>
-              <a:t>{</a:t>
-            </a:r>
-            <a:r>
-              <a:rPr kumimoji="0" lang="en-US" altLang="en-US" sz="1800" b="0" i="0" u="none" strike="noStrike" cap="none" normalizeH="0" baseline="0" dirty="0" smtClean="0">
-                <a:ln>
-                  <a:noFill/>
-                </a:ln>
-                <a:solidFill>
-                  <a:srgbClr val="000000"/>
-                </a:solidFill>
-                <a:effectLst/>
-                <a:latin typeface="Consolas" panose="020B0609020204030204" pitchFamily="49" charset="0"/>
-                <a:cs typeface="Consolas" panose="020B0609020204030204" pitchFamily="49" charset="0"/>
-              </a:rPr>
-              <a:t> </a:t>
-            </a:r>
-          </a:p>
-          <a:p>
-            <a:pPr marL="0" marR="0" lvl="0" indent="0" algn="l" defTabSz="914400" rtl="0" eaLnBrk="0" fontAlgn="base" latinLnBrk="0" hangingPunct="0">
-              <a:lnSpc>
-                <a:spcPct val="100000"/>
-              </a:lnSpc>
-              <a:spcBef>
-                <a:spcPct val="0"/>
-              </a:spcBef>
-              <a:spcAft>
-                <a:spcPct val="0"/>
-              </a:spcAft>
-              <a:buClrTx/>
-              <a:buSzTx/>
-              <a:buFontTx/>
-              <a:buNone/>
-              <a:tabLst/>
-            </a:pPr>
-            <a:r>
-              <a:rPr lang="en-US" altLang="en-US" sz="1800" dirty="0">
-                <a:solidFill>
-                  <a:srgbClr val="000000"/>
-                </a:solidFill>
-                <a:latin typeface="Consolas" panose="020B0609020204030204" pitchFamily="49" charset="0"/>
-                <a:cs typeface="Consolas" panose="020B0609020204030204" pitchFamily="49" charset="0"/>
-              </a:rPr>
-              <a:t>	</a:t>
-            </a:r>
-            <a:r>
-              <a:rPr kumimoji="0" lang="en-US" altLang="en-US" sz="1800" b="0" i="0" u="none" strike="noStrike" cap="none" normalizeH="0" baseline="0" dirty="0" smtClean="0">
-                <a:ln>
-                  <a:noFill/>
-                </a:ln>
-                <a:solidFill>
-                  <a:srgbClr val="000000"/>
-                </a:solidFill>
-                <a:effectLst/>
-                <a:latin typeface="Consolas" panose="020B0609020204030204" pitchFamily="49" charset="0"/>
-                <a:cs typeface="Consolas" panose="020B0609020204030204" pitchFamily="49" charset="0"/>
-              </a:rPr>
-              <a:t>console</a:t>
-            </a:r>
-            <a:r>
-              <a:rPr kumimoji="0" lang="en-US" altLang="en-US" sz="1800" b="0" i="0" u="none" strike="noStrike" cap="none" normalizeH="0" baseline="0" dirty="0" smtClean="0">
-                <a:ln>
-                  <a:noFill/>
-                </a:ln>
-                <a:solidFill>
-                  <a:srgbClr val="999999"/>
-                </a:solidFill>
-                <a:effectLst/>
-                <a:latin typeface="Consolas" panose="020B0609020204030204" pitchFamily="49" charset="0"/>
-                <a:cs typeface="Consolas" panose="020B0609020204030204" pitchFamily="49" charset="0"/>
-              </a:rPr>
-              <a:t>.</a:t>
-            </a:r>
-            <a:r>
-              <a:rPr kumimoji="0" lang="en-US" altLang="en-US" sz="1800" b="0" i="0" u="none" strike="noStrike" cap="none" normalizeH="0" baseline="0" dirty="0" smtClean="0">
-                <a:ln>
-                  <a:noFill/>
-                </a:ln>
-                <a:solidFill>
-                  <a:srgbClr val="DD4A68"/>
-                </a:solidFill>
-                <a:effectLst/>
-                <a:latin typeface="Consolas" panose="020B0609020204030204" pitchFamily="49" charset="0"/>
-                <a:cs typeface="Consolas" panose="020B0609020204030204" pitchFamily="49" charset="0"/>
-              </a:rPr>
-              <a:t>log</a:t>
-            </a:r>
-            <a:r>
-              <a:rPr kumimoji="0" lang="en-US" altLang="en-US" sz="1800" b="0" i="0" u="none" strike="noStrike" cap="none" normalizeH="0" baseline="0" dirty="0" smtClean="0">
-                <a:ln>
-                  <a:noFill/>
-                </a:ln>
-                <a:solidFill>
-                  <a:srgbClr val="999999"/>
-                </a:solidFill>
-                <a:effectLst/>
-                <a:latin typeface="Consolas" panose="020B0609020204030204" pitchFamily="49" charset="0"/>
-                <a:cs typeface="Consolas" panose="020B0609020204030204" pitchFamily="49" charset="0"/>
-              </a:rPr>
-              <a:t>(</a:t>
-            </a:r>
-            <a:r>
-              <a:rPr kumimoji="0" lang="en-US" altLang="en-US" sz="1800" b="0" i="0" u="none" strike="noStrike" cap="none" normalizeH="0" baseline="0" dirty="0" smtClean="0">
-                <a:ln>
-                  <a:noFill/>
-                </a:ln>
-                <a:solidFill>
-                  <a:srgbClr val="000000"/>
-                </a:solidFill>
-                <a:effectLst/>
-                <a:latin typeface="Consolas" panose="020B0609020204030204" pitchFamily="49" charset="0"/>
-                <a:cs typeface="Consolas" panose="020B0609020204030204" pitchFamily="49" charset="0"/>
-              </a:rPr>
-              <a:t>x</a:t>
-            </a:r>
-            <a:r>
-              <a:rPr kumimoji="0" lang="en-US" altLang="en-US" sz="1800" b="0" i="0" u="none" strike="noStrike" cap="none" normalizeH="0" baseline="0" dirty="0" smtClean="0">
-                <a:ln>
-                  <a:noFill/>
-                </a:ln>
-                <a:solidFill>
-                  <a:srgbClr val="999999"/>
-                </a:solidFill>
-                <a:effectLst/>
-                <a:latin typeface="Consolas" panose="020B0609020204030204" pitchFamily="49" charset="0"/>
-                <a:cs typeface="Consolas" panose="020B0609020204030204" pitchFamily="49" charset="0"/>
-              </a:rPr>
-              <a:t>);</a:t>
-            </a:r>
-            <a:r>
-              <a:rPr kumimoji="0" lang="en-US" altLang="en-US" sz="1800" b="0" i="0" u="none" strike="noStrike" cap="none" normalizeH="0" baseline="0" dirty="0" smtClean="0">
-                <a:ln>
-                  <a:noFill/>
-                </a:ln>
-                <a:solidFill>
-                  <a:srgbClr val="000000"/>
-                </a:solidFill>
-                <a:effectLst/>
-                <a:latin typeface="Consolas" panose="020B0609020204030204" pitchFamily="49" charset="0"/>
-                <a:cs typeface="Consolas" panose="020B0609020204030204" pitchFamily="49" charset="0"/>
-              </a:rPr>
-              <a:t> </a:t>
-            </a:r>
-          </a:p>
-          <a:p>
-            <a:pPr marL="0" marR="0" lvl="0" indent="0" algn="l" defTabSz="914400" rtl="0" eaLnBrk="0" fontAlgn="base" latinLnBrk="0" hangingPunct="0">
-              <a:lnSpc>
-                <a:spcPct val="100000"/>
-              </a:lnSpc>
-              <a:spcBef>
-                <a:spcPct val="0"/>
-              </a:spcBef>
-              <a:spcAft>
-                <a:spcPct val="0"/>
-              </a:spcAft>
-              <a:buClrTx/>
-              <a:buSzTx/>
-              <a:buFontTx/>
-              <a:buNone/>
-              <a:tabLst/>
-            </a:pPr>
-            <a:r>
-              <a:rPr lang="en-US" altLang="en-US" sz="1800" dirty="0">
-                <a:solidFill>
-                  <a:srgbClr val="000000"/>
-                </a:solidFill>
-                <a:latin typeface="Consolas" panose="020B0609020204030204" pitchFamily="49" charset="0"/>
-                <a:cs typeface="Consolas" panose="020B0609020204030204" pitchFamily="49" charset="0"/>
-              </a:rPr>
-              <a:t>	</a:t>
-            </a:r>
-            <a:r>
-              <a:rPr kumimoji="0" lang="en-US" altLang="en-US" sz="1800" b="0" i="0" u="none" strike="noStrike" cap="none" normalizeH="0" baseline="0" dirty="0" err="1" smtClean="0">
-                <a:ln>
-                  <a:noFill/>
-                </a:ln>
-                <a:solidFill>
-                  <a:srgbClr val="0077AA"/>
-                </a:solidFill>
-                <a:effectLst/>
-                <a:latin typeface="Consolas" panose="020B0609020204030204" pitchFamily="49" charset="0"/>
-                <a:cs typeface="Consolas" panose="020B0609020204030204" pitchFamily="49" charset="0"/>
-              </a:rPr>
-              <a:t>var</a:t>
-            </a:r>
-            <a:r>
-              <a:rPr kumimoji="0" lang="en-US" altLang="en-US" sz="1800" b="0" i="0" u="none" strike="noStrike" cap="none" normalizeH="0" baseline="0" dirty="0" smtClean="0">
-                <a:ln>
-                  <a:noFill/>
-                </a:ln>
-                <a:solidFill>
-                  <a:srgbClr val="000000"/>
-                </a:solidFill>
-                <a:effectLst/>
-                <a:latin typeface="Consolas" panose="020B0609020204030204" pitchFamily="49" charset="0"/>
-                <a:cs typeface="Consolas" panose="020B0609020204030204" pitchFamily="49" charset="0"/>
-              </a:rPr>
-              <a:t> x </a:t>
-            </a:r>
-            <a:r>
-              <a:rPr kumimoji="0" lang="en-US" altLang="en-US" sz="1800" b="0" i="0" u="none" strike="noStrike" cap="none" normalizeH="0" baseline="0" dirty="0" smtClean="0">
-                <a:ln>
-                  <a:noFill/>
-                </a:ln>
-                <a:solidFill>
-                  <a:srgbClr val="A67F59"/>
-                </a:solidFill>
-                <a:effectLst/>
-                <a:latin typeface="Consolas" panose="020B0609020204030204" pitchFamily="49" charset="0"/>
-                <a:cs typeface="Consolas" panose="020B0609020204030204" pitchFamily="49" charset="0"/>
-              </a:rPr>
-              <a:t>=</a:t>
-            </a:r>
-            <a:r>
-              <a:rPr kumimoji="0" lang="en-US" altLang="en-US" sz="1800" b="0" i="0" u="none" strike="noStrike" cap="none" normalizeH="0" baseline="0" dirty="0" smtClean="0">
-                <a:ln>
-                  <a:noFill/>
-                </a:ln>
-                <a:solidFill>
-                  <a:srgbClr val="000000"/>
-                </a:solidFill>
-                <a:effectLst/>
-                <a:latin typeface="Consolas" panose="020B0609020204030204" pitchFamily="49" charset="0"/>
-                <a:cs typeface="Consolas" panose="020B0609020204030204" pitchFamily="49" charset="0"/>
-              </a:rPr>
-              <a:t> </a:t>
-            </a:r>
-            <a:r>
-              <a:rPr kumimoji="0" lang="en-US" altLang="en-US" sz="1800" b="0" i="0" u="none" strike="noStrike" cap="none" normalizeH="0" baseline="0" dirty="0" smtClean="0">
-                <a:ln>
-                  <a:noFill/>
-                </a:ln>
-                <a:solidFill>
-                  <a:srgbClr val="669900"/>
-                </a:solidFill>
-                <a:effectLst/>
-                <a:latin typeface="Consolas" panose="020B0609020204030204" pitchFamily="49" charset="0"/>
-                <a:cs typeface="Consolas" panose="020B0609020204030204" pitchFamily="49" charset="0"/>
-              </a:rPr>
-              <a:t>'inner scope'</a:t>
-            </a:r>
-            <a:r>
-              <a:rPr kumimoji="0" lang="en-US" altLang="en-US" sz="1800" b="0" i="0" u="none" strike="noStrike" cap="none" normalizeH="0" baseline="0" dirty="0" smtClean="0">
-                <a:ln>
-                  <a:noFill/>
-                </a:ln>
-                <a:solidFill>
-                  <a:srgbClr val="999999"/>
-                </a:solidFill>
-                <a:effectLst/>
-                <a:latin typeface="Consolas" panose="020B0609020204030204" pitchFamily="49" charset="0"/>
-                <a:cs typeface="Consolas" panose="020B0609020204030204" pitchFamily="49" charset="0"/>
-              </a:rPr>
-              <a:t>;</a:t>
-            </a:r>
-            <a:r>
-              <a:rPr kumimoji="0" lang="en-US" altLang="en-US" sz="1800" b="0" i="0" u="none" strike="noStrike" cap="none" normalizeH="0" baseline="0" dirty="0" smtClean="0">
-                <a:ln>
-                  <a:noFill/>
-                </a:ln>
-                <a:solidFill>
-                  <a:srgbClr val="000000"/>
-                </a:solidFill>
-                <a:effectLst/>
-                <a:latin typeface="Consolas" panose="020B0609020204030204" pitchFamily="49" charset="0"/>
-                <a:cs typeface="Consolas" panose="020B0609020204030204" pitchFamily="49" charset="0"/>
-              </a:rPr>
-              <a:t> </a:t>
-            </a:r>
-          </a:p>
-          <a:p>
-            <a:pPr marL="0" marR="0" lvl="0" indent="0" algn="l" defTabSz="914400" rtl="0" eaLnBrk="0" fontAlgn="base" latinLnBrk="0" hangingPunct="0">
-              <a:lnSpc>
-                <a:spcPct val="100000"/>
-              </a:lnSpc>
-              <a:spcBef>
-                <a:spcPct val="0"/>
-              </a:spcBef>
-              <a:spcAft>
-                <a:spcPct val="0"/>
-              </a:spcAft>
-              <a:buClrTx/>
-              <a:buSzTx/>
-              <a:buFontTx/>
-              <a:buNone/>
-              <a:tabLst/>
-            </a:pPr>
-            <a:r>
-              <a:rPr kumimoji="0" lang="en-US" altLang="en-US" sz="1800" b="0" i="0" u="none" strike="noStrike" cap="none" normalizeH="0" baseline="0" dirty="0" smtClean="0">
-                <a:ln>
-                  <a:noFill/>
-                </a:ln>
-                <a:solidFill>
-                  <a:srgbClr val="999999"/>
-                </a:solidFill>
-                <a:effectLst/>
-                <a:latin typeface="Consolas" panose="020B0609020204030204" pitchFamily="49" charset="0"/>
-                <a:cs typeface="Consolas" panose="020B0609020204030204" pitchFamily="49" charset="0"/>
-              </a:rPr>
-              <a:t>}());</a:t>
-            </a:r>
-            <a:r>
-              <a:rPr kumimoji="0" lang="en-US" altLang="en-US" sz="1600" b="0" i="0" u="none" strike="noStrike" cap="none" normalizeH="0" baseline="0" dirty="0" smtClean="0">
-                <a:ln>
-                  <a:noFill/>
-                </a:ln>
-                <a:solidFill>
-                  <a:schemeClr val="tx1"/>
-                </a:solidFill>
-                <a:effectLst/>
-              </a:rPr>
-              <a:t> </a:t>
-            </a:r>
-            <a:endParaRPr kumimoji="0" lang="en-US" altLang="en-US" sz="4000" b="0" i="0" u="none" strike="noStrike" cap="none" normalizeH="0" baseline="0" dirty="0" smtClean="0">
-              <a:ln>
-                <a:noFill/>
-              </a:ln>
-              <a:solidFill>
-                <a:schemeClr val="tx1"/>
-              </a:solidFill>
-              <a:effectLst/>
-              <a:latin typeface="Arial" panose="020B0604020202020204" pitchFamily="34" charset="0"/>
-            </a:endParaRPr>
-          </a:p>
-        </p:txBody>
-      </p:sp>
-    </p:spTree>
-    <p:extLst>
-      <p:ext uri="{BB962C8B-B14F-4D97-AF65-F5344CB8AC3E}">
-        <p14:creationId xmlns:p14="http://schemas.microsoft.com/office/powerpoint/2010/main" val="1974594936"/>
-      </p:ext>
-    </p:extLst>
-  </p:cSld>
-  <p:clrMapOvr>
-    <a:masterClrMapping/>
-  </p:clrMapOvr>
-  <p:timing>
-    <p:tnLst>
-      <p:par>
-        <p:cTn id="1" dur="indefinite" restart="never" nodeType="tmRoot"/>
-      </p:par>
-    </p:tnLst>
-  </p:timing>
-</p:sld>
-</file>
-
-<file path=ppt/slides/slide22.xml><?xml version="1.0" encoding="utf-8"?>
-<p:sld xmlns:a="http://schemas.openxmlformats.org/drawingml/2006/main" xmlns:r="http://schemas.openxmlformats.org/officeDocument/2006/relationships" xmlns:p="http://schemas.openxmlformats.org/presentationml/2006/main">
-  <p:cSld>
-    <p:spTree>
-      <p:nvGrpSpPr>
-        <p:cNvPr id="1" name=""/>
-        <p:cNvGrpSpPr/>
-        <p:nvPr/>
-      </p:nvGrpSpPr>
-      <p:grpSpPr>
-        <a:xfrm>
-          <a:off x="0" y="0"/>
-          <a:ext cx="0" cy="0"/>
-          <a:chOff x="0" y="0"/>
-          <a:chExt cx="0" cy="0"/>
-        </a:xfrm>
-      </p:grpSpPr>
-      <p:sp>
-        <p:nvSpPr>
-          <p:cNvPr id="2" name="Title 1"/>
-          <p:cNvSpPr>
-            <a:spLocks noGrp="1"/>
-          </p:cNvSpPr>
-          <p:nvPr>
-            <p:ph type="title"/>
-          </p:nvPr>
-        </p:nvSpPr>
-        <p:spPr/>
-        <p:txBody>
-          <a:bodyPr/>
-          <a:lstStyle/>
-          <a:p>
-            <a:r>
-              <a:rPr lang="en-US" dirty="0" smtClean="0"/>
-              <a:t>Problem with scope</a:t>
-            </a:r>
-            <a:endParaRPr lang="en-US" dirty="0"/>
-          </a:p>
-        </p:txBody>
-      </p:sp>
-      <p:sp>
-        <p:nvSpPr>
-          <p:cNvPr id="3" name="Content Placeholder 2"/>
-          <p:cNvSpPr>
-            <a:spLocks noGrp="1"/>
-          </p:cNvSpPr>
-          <p:nvPr>
-            <p:ph idx="1"/>
-          </p:nvPr>
-        </p:nvSpPr>
-        <p:spPr/>
-        <p:txBody>
-          <a:bodyPr/>
-          <a:lstStyle/>
-          <a:p>
-            <a:pPr marL="0" indent="0">
-              <a:buNone/>
-            </a:pPr>
-            <a:r>
-              <a:rPr lang="en-US" b="1" dirty="0"/>
-              <a:t>function</a:t>
-            </a:r>
-            <a:r>
-              <a:rPr lang="en-US" dirty="0"/>
-              <a:t> </a:t>
-            </a:r>
-            <a:r>
-              <a:rPr lang="en-US" b="1" dirty="0" err="1"/>
-              <a:t>runTowerExperiment</a:t>
-            </a:r>
-            <a:r>
-              <a:rPr lang="en-US" dirty="0"/>
-              <a:t>(tower, </a:t>
-            </a:r>
-            <a:r>
-              <a:rPr lang="en-US" dirty="0" err="1"/>
-              <a:t>startTime</a:t>
-            </a:r>
-            <a:r>
-              <a:rPr lang="en-US" dirty="0"/>
-              <a:t>) { </a:t>
-            </a:r>
-            <a:endParaRPr lang="en-US" dirty="0" smtClean="0"/>
-          </a:p>
-          <a:p>
-            <a:pPr marL="457200" lvl="1" indent="0">
-              <a:buNone/>
-            </a:pPr>
-            <a:r>
-              <a:rPr lang="en-US" b="1" dirty="0" err="1" smtClean="0"/>
-              <a:t>var</a:t>
-            </a:r>
-            <a:r>
-              <a:rPr lang="en-US" dirty="0" smtClean="0"/>
-              <a:t> </a:t>
-            </a:r>
-            <a:r>
-              <a:rPr lang="en-US" dirty="0"/>
-              <a:t>t = </a:t>
-            </a:r>
-            <a:r>
-              <a:rPr lang="en-US" dirty="0" err="1"/>
-              <a:t>startTime</a:t>
-            </a:r>
-            <a:r>
-              <a:rPr lang="en-US" dirty="0"/>
-              <a:t>; </a:t>
-            </a:r>
-            <a:endParaRPr lang="en-US" dirty="0" smtClean="0"/>
-          </a:p>
-          <a:p>
-            <a:pPr marL="457200" lvl="1" indent="0">
-              <a:buNone/>
-            </a:pPr>
-            <a:r>
-              <a:rPr lang="en-US" dirty="0" err="1" smtClean="0"/>
-              <a:t>tower.on</a:t>
-            </a:r>
-            <a:r>
-              <a:rPr lang="en-US" dirty="0"/>
-              <a:t>("tick", </a:t>
-            </a:r>
-            <a:r>
-              <a:rPr lang="en-US" b="1" dirty="0"/>
-              <a:t>function</a:t>
-            </a:r>
-            <a:r>
-              <a:rPr lang="en-US" dirty="0"/>
-              <a:t> () </a:t>
-            </a:r>
-            <a:r>
-              <a:rPr lang="en-US" dirty="0" smtClean="0"/>
-              <a:t>{</a:t>
-            </a:r>
-          </a:p>
-          <a:p>
-            <a:pPr marL="457200" lvl="1" indent="0">
-              <a:buNone/>
-            </a:pPr>
-            <a:r>
-              <a:rPr lang="en-US" dirty="0" smtClean="0"/>
-              <a:t> </a:t>
-            </a:r>
-            <a:r>
-              <a:rPr lang="en-US" dirty="0"/>
-              <a:t>... code that uses t ... </a:t>
-            </a:r>
-            <a:endParaRPr lang="en-US" dirty="0" smtClean="0"/>
-          </a:p>
-          <a:p>
-            <a:pPr marL="457200" lvl="1" indent="0">
-              <a:buNone/>
-            </a:pPr>
-            <a:r>
-              <a:rPr lang="en-US" dirty="0" smtClean="0"/>
-              <a:t>}); </a:t>
-            </a:r>
-          </a:p>
-          <a:p>
-            <a:pPr marL="457200" lvl="1" indent="0">
-              <a:buNone/>
-            </a:pPr>
-            <a:r>
-              <a:rPr lang="en-US" dirty="0" smtClean="0"/>
-              <a:t>... </a:t>
-            </a:r>
-            <a:r>
-              <a:rPr lang="en-US" dirty="0"/>
-              <a:t>more code ... </a:t>
-            </a:r>
-            <a:endParaRPr lang="en-US" dirty="0" smtClean="0"/>
-          </a:p>
-          <a:p>
-            <a:pPr marL="0" indent="0">
-              <a:buNone/>
-            </a:pPr>
-            <a:r>
-              <a:rPr lang="en-US" dirty="0" smtClean="0"/>
-              <a:t>}</a:t>
-            </a:r>
-            <a:endParaRPr lang="en-US" dirty="0"/>
-          </a:p>
-        </p:txBody>
-      </p:sp>
-    </p:spTree>
-    <p:extLst>
-      <p:ext uri="{BB962C8B-B14F-4D97-AF65-F5344CB8AC3E}">
-        <p14:creationId xmlns:p14="http://schemas.microsoft.com/office/powerpoint/2010/main" val="3224400424"/>
-      </p:ext>
-    </p:extLst>
-  </p:cSld>
-  <p:clrMapOvr>
-    <a:masterClrMapping/>
-  </p:clrMapOvr>
-</p:sld>
-</file>
-
-<file path=ppt/slides/slide23.xml><?xml version="1.0" encoding="utf-8"?>
-<p:sld xmlns:a="http://schemas.openxmlformats.org/drawingml/2006/main" xmlns:r="http://schemas.openxmlformats.org/officeDocument/2006/relationships" xmlns:p="http://schemas.openxmlformats.org/presentationml/2006/main">
-  <p:cSld>
-    <p:spTree>
-      <p:nvGrpSpPr>
-        <p:cNvPr id="1" name=""/>
-        <p:cNvGrpSpPr/>
-        <p:nvPr/>
-      </p:nvGrpSpPr>
-      <p:grpSpPr>
-        <a:xfrm>
-          <a:off x="0" y="0"/>
-          <a:ext cx="0" cy="0"/>
-          <a:chOff x="0" y="0"/>
-          <a:chExt cx="0" cy="0"/>
-        </a:xfrm>
-      </p:grpSpPr>
-      <p:sp>
-        <p:nvSpPr>
-          <p:cNvPr id="2" name="Title 1"/>
-          <p:cNvSpPr>
-            <a:spLocks noGrp="1"/>
-          </p:cNvSpPr>
-          <p:nvPr>
-            <p:ph type="title"/>
-          </p:nvPr>
-        </p:nvSpPr>
-        <p:spPr/>
-        <p:txBody>
-          <a:bodyPr/>
-          <a:lstStyle/>
-          <a:p>
-            <a:r>
-              <a:rPr lang="en-US" dirty="0" smtClean="0"/>
-              <a:t>One month later…</a:t>
-            </a:r>
-            <a:endParaRPr lang="en-US" dirty="0"/>
-          </a:p>
-        </p:txBody>
-      </p:sp>
-      <p:sp>
-        <p:nvSpPr>
-          <p:cNvPr id="3" name="Content Placeholder 2"/>
-          <p:cNvSpPr>
-            <a:spLocks noGrp="1"/>
-          </p:cNvSpPr>
-          <p:nvPr>
-            <p:ph idx="1"/>
-          </p:nvPr>
-        </p:nvSpPr>
-        <p:spPr/>
-        <p:txBody>
-          <a:bodyPr/>
-          <a:lstStyle/>
-          <a:p>
-            <a:endParaRPr lang="en-US"/>
-          </a:p>
-        </p:txBody>
-      </p:sp>
-    </p:spTree>
-    <p:extLst>
-      <p:ext uri="{BB962C8B-B14F-4D97-AF65-F5344CB8AC3E}">
-        <p14:creationId xmlns:p14="http://schemas.microsoft.com/office/powerpoint/2010/main" val="568849104"/>
-      </p:ext>
-    </p:extLst>
-  </p:cSld>
-  <p:clrMapOvr>
-    <a:masterClrMapping/>
-  </p:clrMapOvr>
-</p:sld>
-</file>
-
-<file path=ppt/slides/slide24.xml><?xml version="1.0" encoding="utf-8"?>
-<p:sld xmlns:a="http://schemas.openxmlformats.org/drawingml/2006/main" xmlns:r="http://schemas.openxmlformats.org/officeDocument/2006/relationships" xmlns:p="http://schemas.openxmlformats.org/presentationml/2006/main">
-  <p:cSld>
-    <p:spTree>
-      <p:nvGrpSpPr>
-        <p:cNvPr id="1" name=""/>
-        <p:cNvGrpSpPr/>
-        <p:nvPr/>
-      </p:nvGrpSpPr>
-      <p:grpSpPr>
-        <a:xfrm>
-          <a:off x="0" y="0"/>
-          <a:ext cx="0" cy="0"/>
-          <a:chOff x="0" y="0"/>
-          <a:chExt cx="0" cy="0"/>
-        </a:xfrm>
-      </p:grpSpPr>
-      <p:sp>
-        <p:nvSpPr>
-          <p:cNvPr id="2" name="Title 1"/>
-          <p:cNvSpPr>
-            <a:spLocks noGrp="1"/>
-          </p:cNvSpPr>
-          <p:nvPr>
-            <p:ph type="title"/>
-          </p:nvPr>
-        </p:nvSpPr>
-        <p:spPr/>
-        <p:txBody>
-          <a:bodyPr/>
-          <a:lstStyle/>
-          <a:p>
-            <a:endParaRPr lang="en-US"/>
-          </a:p>
-        </p:txBody>
-      </p:sp>
-      <p:sp>
-        <p:nvSpPr>
-          <p:cNvPr id="3" name="Content Placeholder 2"/>
-          <p:cNvSpPr>
-            <a:spLocks noGrp="1"/>
-          </p:cNvSpPr>
-          <p:nvPr>
-            <p:ph idx="1"/>
-          </p:nvPr>
-        </p:nvSpPr>
-        <p:spPr/>
-        <p:txBody>
-          <a:bodyPr>
-            <a:normAutofit/>
-          </a:bodyPr>
-          <a:lstStyle/>
-          <a:p>
-            <a:pPr marL="0" indent="0">
-              <a:buNone/>
-            </a:pPr>
-            <a:r>
-              <a:rPr lang="en-US" b="1" dirty="0"/>
-              <a:t>function</a:t>
-            </a:r>
-            <a:r>
-              <a:rPr lang="en-US" dirty="0"/>
-              <a:t> </a:t>
-            </a:r>
-            <a:r>
-              <a:rPr lang="en-US" b="1" dirty="0" err="1"/>
-              <a:t>runTowerExperiment</a:t>
-            </a:r>
-            <a:r>
-              <a:rPr lang="en-US" dirty="0"/>
-              <a:t>(tower, </a:t>
-            </a:r>
-            <a:r>
-              <a:rPr lang="en-US" dirty="0" err="1"/>
-              <a:t>startTime</a:t>
-            </a:r>
-            <a:r>
-              <a:rPr lang="en-US" dirty="0"/>
-              <a:t>) { </a:t>
-            </a:r>
-            <a:endParaRPr lang="en-US" dirty="0" smtClean="0"/>
-          </a:p>
-          <a:p>
-            <a:pPr marL="457200" lvl="1" indent="0">
-              <a:buNone/>
-            </a:pPr>
-            <a:r>
-              <a:rPr lang="en-US" b="1" dirty="0" err="1" smtClean="0"/>
-              <a:t>var</a:t>
-            </a:r>
-            <a:r>
-              <a:rPr lang="en-US" dirty="0" smtClean="0"/>
-              <a:t> </a:t>
-            </a:r>
-            <a:r>
-              <a:rPr lang="en-US" dirty="0"/>
-              <a:t>t = </a:t>
-            </a:r>
-            <a:r>
-              <a:rPr lang="en-US" dirty="0" err="1"/>
-              <a:t>startTime</a:t>
-            </a:r>
-            <a:r>
-              <a:rPr lang="en-US" dirty="0"/>
-              <a:t>; </a:t>
-            </a:r>
-            <a:endParaRPr lang="en-US" dirty="0" smtClean="0"/>
-          </a:p>
-          <a:p>
-            <a:pPr marL="457200" lvl="1" indent="0">
-              <a:buNone/>
-            </a:pPr>
-            <a:r>
-              <a:rPr lang="en-US" dirty="0" err="1" smtClean="0"/>
-              <a:t>tower.on</a:t>
-            </a:r>
-            <a:r>
-              <a:rPr lang="en-US" dirty="0"/>
-              <a:t>("tick", </a:t>
-            </a:r>
-            <a:r>
-              <a:rPr lang="en-US" b="1" dirty="0"/>
-              <a:t>function</a:t>
-            </a:r>
-            <a:r>
-              <a:rPr lang="en-US" dirty="0"/>
-              <a:t> () { </a:t>
-            </a:r>
-            <a:endParaRPr lang="en-US" dirty="0" smtClean="0"/>
-          </a:p>
-          <a:p>
-            <a:pPr marL="914400" lvl="2" indent="0">
-              <a:buNone/>
-            </a:pPr>
-            <a:r>
-              <a:rPr lang="en-US" dirty="0" smtClean="0"/>
-              <a:t>... </a:t>
-            </a:r>
-            <a:r>
-              <a:rPr lang="en-US" dirty="0"/>
-              <a:t>code that uses t ... </a:t>
-            </a:r>
-            <a:endParaRPr lang="en-US" dirty="0" smtClean="0"/>
-          </a:p>
-          <a:p>
-            <a:pPr marL="914400" lvl="2" indent="0">
-              <a:buNone/>
-            </a:pPr>
-            <a:r>
-              <a:rPr lang="en-US" b="1" dirty="0" smtClean="0"/>
-              <a:t>if</a:t>
-            </a:r>
-            <a:r>
-              <a:rPr lang="en-US" dirty="0" smtClean="0"/>
-              <a:t> </a:t>
-            </a:r>
-            <a:r>
-              <a:rPr lang="en-US" dirty="0"/>
-              <a:t>(</a:t>
-            </a:r>
-            <a:r>
-              <a:rPr lang="en-US" dirty="0" err="1"/>
-              <a:t>bowlingBall.altitude</a:t>
-            </a:r>
-            <a:r>
-              <a:rPr lang="en-US" dirty="0"/>
-              <a:t>() &lt;= 0) { </a:t>
-            </a:r>
-            <a:endParaRPr lang="en-US" dirty="0" smtClean="0"/>
-          </a:p>
-          <a:p>
-            <a:pPr marL="1371600" lvl="3" indent="0">
-              <a:buNone/>
-            </a:pPr>
-            <a:r>
-              <a:rPr lang="en-US" b="1" u="sng" dirty="0" err="1" smtClean="0"/>
-              <a:t>var</a:t>
-            </a:r>
-            <a:r>
-              <a:rPr lang="en-US" u="sng" dirty="0" smtClean="0"/>
-              <a:t> </a:t>
-            </a:r>
-            <a:r>
-              <a:rPr lang="en-US" u="sng" dirty="0"/>
-              <a:t>t = </a:t>
-            </a:r>
-            <a:r>
-              <a:rPr lang="en-US" u="sng" dirty="0" err="1"/>
-              <a:t>readTachymeter</a:t>
-            </a:r>
-            <a:r>
-              <a:rPr lang="en-US" u="sng" dirty="0"/>
-              <a:t>(); </a:t>
-            </a:r>
-            <a:endParaRPr lang="en-US" u="sng" dirty="0" smtClean="0"/>
-          </a:p>
-          <a:p>
-            <a:pPr marL="1371600" lvl="3" indent="0">
-              <a:buNone/>
-            </a:pPr>
-            <a:r>
-              <a:rPr lang="en-US" dirty="0" smtClean="0"/>
-              <a:t>... </a:t>
-            </a:r>
-          </a:p>
-          <a:p>
-            <a:pPr marL="914400" lvl="2" indent="0">
-              <a:buNone/>
-            </a:pPr>
-            <a:r>
-              <a:rPr lang="en-US" dirty="0" smtClean="0"/>
-              <a:t>} </a:t>
-            </a:r>
-          </a:p>
-          <a:p>
-            <a:pPr marL="457200" lvl="1" indent="0">
-              <a:buNone/>
-            </a:pPr>
-            <a:r>
-              <a:rPr lang="en-US" dirty="0" smtClean="0"/>
-              <a:t>});</a:t>
-            </a:r>
-          </a:p>
-          <a:p>
-            <a:pPr marL="457200" lvl="1" indent="0">
-              <a:buNone/>
-            </a:pPr>
-            <a:r>
-              <a:rPr lang="en-US" dirty="0" smtClean="0"/>
-              <a:t> </a:t>
-            </a:r>
-            <a:r>
-              <a:rPr lang="en-US" dirty="0"/>
-              <a:t>... more code ... </a:t>
-            </a:r>
-            <a:endParaRPr lang="en-US" dirty="0" smtClean="0"/>
-          </a:p>
-          <a:p>
-            <a:pPr marL="0" indent="0">
-              <a:buNone/>
-            </a:pPr>
-            <a:r>
-              <a:rPr lang="en-US" dirty="0" smtClean="0"/>
-              <a:t>}</a:t>
-            </a:r>
-            <a:endParaRPr lang="en-US" dirty="0"/>
-          </a:p>
-        </p:txBody>
-      </p:sp>
-    </p:spTree>
-    <p:extLst>
-      <p:ext uri="{BB962C8B-B14F-4D97-AF65-F5344CB8AC3E}">
-        <p14:creationId xmlns:p14="http://schemas.microsoft.com/office/powerpoint/2010/main" val="1148578103"/>
-      </p:ext>
-    </p:extLst>
-  </p:cSld>
-  <p:clrMapOvr>
-    <a:masterClrMapping/>
-  </p:clrMapOvr>
-</p:sld>
-</file>
-
-<file path=ppt/slides/slide25.xml><?xml version="1.0" encoding="utf-8"?>
-<p:sld xmlns:a="http://schemas.openxmlformats.org/drawingml/2006/main" xmlns:r="http://schemas.openxmlformats.org/officeDocument/2006/relationships" xmlns:p="http://schemas.openxmlformats.org/presentationml/2006/main">
-  <p:cSld>
-    <p:spTree>
-      <p:nvGrpSpPr>
-        <p:cNvPr id="1" name=""/>
-        <p:cNvGrpSpPr/>
-        <p:nvPr/>
-      </p:nvGrpSpPr>
-      <p:grpSpPr>
-        <a:xfrm>
-          <a:off x="0" y="0"/>
-          <a:ext cx="0" cy="0"/>
-          <a:chOff x="0" y="0"/>
-          <a:chExt cx="0" cy="0"/>
-        </a:xfrm>
-      </p:grpSpPr>
-      <p:sp>
-        <p:nvSpPr>
-          <p:cNvPr id="2" name="Title 1"/>
-          <p:cNvSpPr>
-            <a:spLocks noGrp="1"/>
-          </p:cNvSpPr>
-          <p:nvPr>
-            <p:ph type="title"/>
-          </p:nvPr>
-        </p:nvSpPr>
-        <p:spPr/>
-        <p:txBody>
-          <a:bodyPr/>
-          <a:lstStyle/>
-          <a:p>
-            <a:r>
-              <a:rPr lang="en-US" b="1" dirty="0"/>
-              <a:t>Problem #2: Variable oversharing in </a:t>
-            </a:r>
-            <a:r>
-              <a:rPr lang="en-US" b="1" dirty="0" smtClean="0"/>
-              <a:t>loops</a:t>
-            </a:r>
-            <a:endParaRPr lang="en-US" dirty="0"/>
-          </a:p>
-        </p:txBody>
-      </p:sp>
-      <p:sp>
-        <p:nvSpPr>
-          <p:cNvPr id="3" name="Content Placeholder 2"/>
-          <p:cNvSpPr>
-            <a:spLocks noGrp="1"/>
-          </p:cNvSpPr>
-          <p:nvPr>
-            <p:ph idx="1"/>
-          </p:nvPr>
-        </p:nvSpPr>
-        <p:spPr/>
-        <p:txBody>
-          <a:bodyPr/>
-          <a:lstStyle/>
-          <a:p>
-            <a:endParaRPr lang="en-US"/>
-          </a:p>
-        </p:txBody>
-      </p:sp>
-    </p:spTree>
-    <p:extLst>
-      <p:ext uri="{BB962C8B-B14F-4D97-AF65-F5344CB8AC3E}">
-        <p14:creationId xmlns:p14="http://schemas.microsoft.com/office/powerpoint/2010/main" val="2977075770"/>
-      </p:ext>
-    </p:extLst>
-  </p:cSld>
-  <p:clrMapOvr>
-    <a:masterClrMapping/>
-  </p:clrMapOvr>
-</p:sld>
-</file>
-
-<file path=ppt/slides/slide26.xml><?xml version="1.0" encoding="utf-8"?>
-<p:sld xmlns:a="http://schemas.openxmlformats.org/drawingml/2006/main" xmlns:r="http://schemas.openxmlformats.org/officeDocument/2006/relationships" xmlns:p="http://schemas.openxmlformats.org/presentationml/2006/main">
-  <p:cSld>
-    <p:spTree>
-      <p:nvGrpSpPr>
-        <p:cNvPr id="1" name=""/>
-        <p:cNvGrpSpPr/>
-        <p:nvPr/>
-      </p:nvGrpSpPr>
-      <p:grpSpPr>
-        <a:xfrm>
-          <a:off x="0" y="0"/>
-          <a:ext cx="0" cy="0"/>
-          <a:chOff x="0" y="0"/>
-          <a:chExt cx="0" cy="0"/>
-        </a:xfrm>
-      </p:grpSpPr>
-      <p:sp>
-        <p:nvSpPr>
-          <p:cNvPr id="3" name="Content Placeholder 2"/>
-          <p:cNvSpPr>
-            <a:spLocks noGrp="1"/>
-          </p:cNvSpPr>
-          <p:nvPr>
-            <p:ph idx="1"/>
-          </p:nvPr>
-        </p:nvSpPr>
-        <p:spPr/>
-        <p:txBody>
-          <a:bodyPr/>
-          <a:lstStyle/>
-          <a:p>
-            <a:endParaRPr lang="en-US"/>
-          </a:p>
-        </p:txBody>
-      </p:sp>
-      <p:sp>
-        <p:nvSpPr>
-          <p:cNvPr id="4" name="Rectangle 1"/>
-          <p:cNvSpPr>
-            <a:spLocks noGrp="1" noChangeArrowheads="1"/>
-          </p:cNvSpPr>
-          <p:nvPr>
-            <p:ph type="title"/>
-          </p:nvPr>
-        </p:nvSpPr>
-        <p:spPr bwMode="auto">
-          <a:xfrm>
-            <a:off x="838200" y="230610"/>
-            <a:ext cx="5052665" cy="1594592"/>
-          </a:xfrm>
-          <a:prstGeom prst="rect">
-            <a:avLst/>
-          </a:prstGeom>
-          <a:solidFill>
-            <a:srgbClr val="FFFFFF"/>
-          </a:solidFill>
-          <a:ln>
-            <a:noFill/>
-          </a:ln>
-          <a:effectLst/>
-          <a:extLst>
-            <a:ext uri="{91240B29-F687-4F45-9708-019B960494DF}">
-              <a14:hiddenLine xmlns:a14="http://schemas.microsoft.com/office/drawing/2010/main" w="9525">
-                <a:solidFill>
-                  <a:schemeClr val="tx1"/>
-                </a:solidFill>
-                <a:miter lim="800000"/>
-                <a:headEnd/>
-                <a:tailEnd/>
-              </a14:hiddenLine>
-            </a:ext>
-            <a:ext uri="{AF507438-7753-43E0-B8FC-AC1667EBCBE1}">
-              <a14:hiddenEffects xmlns:a14="http://schemas.microsoft.com/office/drawing/2010/main">
-                <a:effectLst>
-                  <a:outerShdw dist="35921" dir="2700000" algn="ctr" rotWithShape="0">
-                    <a:schemeClr val="bg2"/>
-                  </a:outerShdw>
-                </a:effectLst>
-              </a14:hiddenEffects>
-            </a:ext>
-          </a:extLst>
-        </p:spPr>
-        <p:txBody>
-          <a:bodyPr vert="horz" wrap="none" lIns="0" tIns="158700" rIns="0" bIns="79350" numCol="1" anchor="ctr" anchorCtr="0" compatLnSpc="1">
-            <a:prstTxWarp prst="textNoShape">
-              <a:avLst/>
-            </a:prstTxWarp>
-            <a:spAutoFit/>
-          </a:bodyPr>
-          <a:lstStyle/>
-          <a:p>
-            <a:pPr marL="0" marR="0" lvl="0" indent="0" algn="l" defTabSz="914400" rtl="0" eaLnBrk="0" fontAlgn="base" latinLnBrk="0" hangingPunct="0">
-              <a:lnSpc>
-                <a:spcPct val="100000"/>
-              </a:lnSpc>
-              <a:spcBef>
-                <a:spcPct val="0"/>
-              </a:spcBef>
-              <a:spcAft>
-                <a:spcPct val="0"/>
-              </a:spcAft>
-              <a:buClrTx/>
-              <a:buSzTx/>
-              <a:buFontTx/>
-              <a:buNone/>
-              <a:tabLst/>
-            </a:pPr>
-            <a:r>
-              <a:rPr kumimoji="0" lang="en-US" altLang="en-US" b="1" i="0" u="none" strike="noStrike" cap="none" normalizeH="0" baseline="0" dirty="0" smtClean="0">
-                <a:ln>
-                  <a:noFill/>
-                </a:ln>
-                <a:solidFill>
-                  <a:srgbClr val="000000"/>
-                </a:solidFill>
-                <a:effectLst/>
-                <a:latin typeface="Arial Unicode MS" panose="020B0604020202020204" pitchFamily="34" charset="-128"/>
-              </a:rPr>
-              <a:t>let</a:t>
-            </a:r>
-            <a:r>
-              <a:rPr kumimoji="0" lang="en-US" altLang="en-US" b="1" i="0" u="none" strike="noStrike" cap="none" normalizeH="0" baseline="0" dirty="0" smtClean="0">
-                <a:ln>
-                  <a:noFill/>
-                </a:ln>
-                <a:solidFill>
-                  <a:srgbClr val="000000"/>
-                </a:solidFill>
-                <a:effectLst/>
-                <a:latin typeface="Open Sans"/>
-              </a:rPr>
-              <a:t> is the new </a:t>
-            </a:r>
-            <a:r>
-              <a:rPr kumimoji="0" lang="en-US" altLang="en-US" b="1" i="0" u="none" strike="noStrike" cap="none" normalizeH="0" baseline="0" dirty="0" err="1" smtClean="0">
-                <a:ln>
-                  <a:noFill/>
-                </a:ln>
-                <a:solidFill>
-                  <a:srgbClr val="000000"/>
-                </a:solidFill>
-                <a:effectLst/>
-                <a:latin typeface="Arial Unicode MS" panose="020B0604020202020204" pitchFamily="34" charset="-128"/>
-              </a:rPr>
-              <a:t>var</a:t>
-            </a:r>
-            <a:r>
-              <a:rPr kumimoji="0" lang="en-US" altLang="en-US" b="1" i="0" u="none" strike="noStrike" cap="none" normalizeH="0" baseline="0" dirty="0" smtClean="0">
-                <a:ln>
-                  <a:noFill/>
-                </a:ln>
-                <a:solidFill>
-                  <a:srgbClr val="000000"/>
-                </a:solidFill>
-                <a:effectLst/>
-                <a:latin typeface="Arial Unicode MS" panose="020B0604020202020204" pitchFamily="34" charset="-128"/>
-              </a:rPr>
-              <a:t> !!!</a:t>
-            </a:r>
-            <a:endParaRPr kumimoji="0" lang="en-US" altLang="en-US" b="1" i="0" u="none" strike="noStrike" cap="none" normalizeH="0" baseline="0" dirty="0" smtClean="0">
-              <a:ln>
-                <a:noFill/>
-              </a:ln>
-              <a:solidFill>
-                <a:srgbClr val="000000"/>
-              </a:solidFill>
-              <a:effectLst/>
-              <a:latin typeface="Open Sans"/>
-            </a:endParaRPr>
-          </a:p>
-          <a:p>
-            <a:pPr marL="0" marR="0" lvl="0" indent="0" algn="l" defTabSz="914400" rtl="0" eaLnBrk="0" fontAlgn="base" latinLnBrk="0" hangingPunct="0">
-              <a:lnSpc>
-                <a:spcPct val="100000"/>
-              </a:lnSpc>
-              <a:spcBef>
-                <a:spcPct val="0"/>
-              </a:spcBef>
-              <a:spcAft>
-                <a:spcPct val="0"/>
-              </a:spcAft>
-              <a:buClrTx/>
-              <a:buSzTx/>
-              <a:buFontTx/>
-              <a:buNone/>
-              <a:tabLst/>
-            </a:pPr>
-            <a:endParaRPr kumimoji="0" lang="en-US" altLang="en-US" b="0" i="0" u="none" strike="noStrike" cap="none" normalizeH="0" baseline="0" dirty="0" smtClean="0">
-              <a:ln>
-                <a:noFill/>
-              </a:ln>
-              <a:solidFill>
-                <a:schemeClr val="tx1"/>
-              </a:solidFill>
-              <a:effectLst/>
-              <a:latin typeface="Arial" panose="020B0604020202020204" pitchFamily="34" charset="0"/>
-            </a:endParaRPr>
-          </a:p>
-        </p:txBody>
-      </p:sp>
-    </p:spTree>
-    <p:extLst>
-      <p:ext uri="{BB962C8B-B14F-4D97-AF65-F5344CB8AC3E}">
-        <p14:creationId xmlns:p14="http://schemas.microsoft.com/office/powerpoint/2010/main" val="823240893"/>
-      </p:ext>
-    </p:extLst>
-  </p:cSld>
-  <p:clrMapOvr>
-    <a:masterClrMapping/>
-  </p:clrMapOvr>
-</p:sld>
-</file>
-
-<file path=ppt/slides/slide27.xml><?xml version="1.0" encoding="utf-8"?>
-<p:sld xmlns:a="http://schemas.openxmlformats.org/drawingml/2006/main" xmlns:r="http://schemas.openxmlformats.org/officeDocument/2006/relationships" xmlns:p="http://schemas.openxmlformats.org/presentationml/2006/main">
-  <p:cSld>
-    <p:spTree>
-      <p:nvGrpSpPr>
-        <p:cNvPr id="1" name=""/>
-        <p:cNvGrpSpPr/>
-        <p:nvPr/>
-      </p:nvGrpSpPr>
-      <p:grpSpPr>
-        <a:xfrm>
-          <a:off x="0" y="0"/>
-          <a:ext cx="0" cy="0"/>
-          <a:chOff x="0" y="0"/>
-          <a:chExt cx="0" cy="0"/>
-        </a:xfrm>
-      </p:grpSpPr>
-      <p:sp>
-        <p:nvSpPr>
-          <p:cNvPr id="2" name="Title 1"/>
-          <p:cNvSpPr>
-            <a:spLocks noGrp="1"/>
-          </p:cNvSpPr>
-          <p:nvPr>
-            <p:ph type="title"/>
-          </p:nvPr>
-        </p:nvSpPr>
-        <p:spPr/>
-        <p:txBody>
-          <a:bodyPr/>
-          <a:lstStyle/>
-          <a:p>
-            <a:r>
-              <a:rPr lang="en-US" dirty="0" smtClean="0"/>
-              <a:t>Let</a:t>
-            </a:r>
-            <a:endParaRPr lang="en-US" dirty="0"/>
-          </a:p>
-        </p:txBody>
-      </p:sp>
-      <p:sp>
-        <p:nvSpPr>
-          <p:cNvPr id="4" name="Rectangle 1"/>
-          <p:cNvSpPr>
-            <a:spLocks noGrp="1" noChangeArrowheads="1"/>
-          </p:cNvSpPr>
-          <p:nvPr>
-            <p:ph idx="1"/>
-          </p:nvPr>
-        </p:nvSpPr>
-        <p:spPr bwMode="auto">
-          <a:xfrm>
-            <a:off x="509016" y="1825684"/>
-            <a:ext cx="10318402" cy="1754326"/>
-          </a:xfrm>
-          <a:prstGeom prst="rect">
-            <a:avLst/>
-          </a:prstGeom>
-          <a:solidFill>
-            <a:srgbClr val="FFFFFF"/>
-          </a:solidFill>
-          <a:ln>
-            <a:noFill/>
-          </a:ln>
-          <a:effectLst/>
-          <a:extLst>
-            <a:ext uri="{91240B29-F687-4F45-9708-019B960494DF}">
-              <a14:hiddenLine xmlns:a14="http://schemas.microsoft.com/office/drawing/2010/main" w="9525">
-                <a:solidFill>
-                  <a:schemeClr val="tx1"/>
-                </a:solidFill>
-                <a:miter lim="800000"/>
-                <a:headEnd/>
-                <a:tailEnd/>
-              </a14:hiddenLine>
-            </a:ext>
-            <a:ext uri="{AF507438-7753-43E0-B8FC-AC1667EBCBE1}">
-              <a14:hiddenEffects xmlns:a14="http://schemas.microsoft.com/office/drawing/2010/main">
-                <a:effectLst>
-                  <a:outerShdw dist="35921" dir="2700000" algn="ctr" rotWithShape="0">
-                    <a:schemeClr val="bg2"/>
-                  </a:outerShdw>
-                </a:effectLst>
-              </a14:hiddenEffects>
-            </a:ext>
-          </a:extLst>
-        </p:spPr>
-        <p:txBody>
-          <a:bodyPr vert="horz" wrap="none" lIns="91440" tIns="45720" rIns="91440" bIns="45720" numCol="1" anchor="ctr" anchorCtr="0" compatLnSpc="1">
-            <a:prstTxWarp prst="textNoShape">
-              <a:avLst/>
-            </a:prstTxWarp>
-            <a:spAutoFit/>
-          </a:bodyPr>
-          <a:lstStyle/>
-          <a:p>
-            <a:pPr eaLnBrk="0" fontAlgn="base" hangingPunct="0">
-              <a:lnSpc>
-                <a:spcPct val="100000"/>
-              </a:lnSpc>
-              <a:spcBef>
-                <a:spcPct val="0"/>
-              </a:spcBef>
-              <a:spcAft>
-                <a:spcPct val="0"/>
-              </a:spcAft>
-            </a:pPr>
-            <a:r>
-              <a:rPr kumimoji="0" lang="en-US" altLang="en-US" sz="1800" i="0" u="none" strike="noStrike" cap="none" normalizeH="0" baseline="0" dirty="0" smtClean="0">
-                <a:ln>
-                  <a:noFill/>
-                </a:ln>
-                <a:effectLst/>
-                <a:latin typeface="Arial Unicode MS" panose="020B0604020202020204" pitchFamily="34" charset="-128"/>
-              </a:rPr>
-              <a:t>let</a:t>
-            </a:r>
-            <a:r>
-              <a:rPr kumimoji="0" lang="en-US" altLang="en-US" sz="1800" i="0" u="none" strike="noStrike" cap="none" normalizeH="0" baseline="0" dirty="0" smtClean="0">
-                <a:ln>
-                  <a:noFill/>
-                </a:ln>
-                <a:effectLst/>
-                <a:latin typeface="Open Sans"/>
-              </a:rPr>
-              <a:t> variables are block-scoped</a:t>
-            </a:r>
-            <a:r>
-              <a:rPr kumimoji="0" lang="en-US" altLang="en-US" sz="1800" i="0" u="none" strike="noStrike" cap="none" normalizeH="0" baseline="0" dirty="0" smtClean="0">
-                <a:ln>
-                  <a:noFill/>
-                </a:ln>
-                <a:effectLst/>
-              </a:rPr>
-              <a:t> </a:t>
-            </a:r>
-          </a:p>
-          <a:p>
-            <a:pPr eaLnBrk="0" fontAlgn="base" hangingPunct="0">
-              <a:lnSpc>
-                <a:spcPct val="100000"/>
-              </a:lnSpc>
-              <a:spcBef>
-                <a:spcPct val="0"/>
-              </a:spcBef>
-              <a:spcAft>
-                <a:spcPct val="0"/>
-              </a:spcAft>
-            </a:pPr>
-            <a:r>
-              <a:rPr lang="en-US" altLang="en-US" sz="1800" dirty="0"/>
-              <a:t>Global let variables are not properties on the global object.</a:t>
-            </a:r>
-          </a:p>
-          <a:p>
-            <a:pPr eaLnBrk="0" fontAlgn="base" hangingPunct="0">
-              <a:lnSpc>
-                <a:spcPct val="100000"/>
-              </a:lnSpc>
-              <a:spcBef>
-                <a:spcPct val="0"/>
-              </a:spcBef>
-              <a:spcAft>
-                <a:spcPct val="0"/>
-              </a:spcAft>
-            </a:pPr>
-            <a:r>
-              <a:rPr lang="en-US" altLang="en-US" sz="1800" dirty="0"/>
-              <a:t>Loops of the form for (let x...) create a fresh binding for x in each iteration. (Simple for, for-in, for-of loops)</a:t>
-            </a:r>
-          </a:p>
-          <a:p>
-            <a:pPr eaLnBrk="0" fontAlgn="base" hangingPunct="0">
-              <a:lnSpc>
-                <a:spcPct val="100000"/>
-              </a:lnSpc>
-              <a:spcBef>
-                <a:spcPct val="0"/>
-              </a:spcBef>
-              <a:spcAft>
-                <a:spcPct val="0"/>
-              </a:spcAft>
-            </a:pPr>
-            <a:r>
-              <a:rPr lang="en-US" altLang="en-US" sz="1800" dirty="0"/>
-              <a:t>It’s an error to try to use a let variable before its declaration is reached. </a:t>
-            </a:r>
-          </a:p>
-          <a:p>
-            <a:pPr eaLnBrk="0" fontAlgn="base" hangingPunct="0">
-              <a:lnSpc>
-                <a:spcPct val="100000"/>
-              </a:lnSpc>
-              <a:spcBef>
-                <a:spcPct val="0"/>
-              </a:spcBef>
-              <a:spcAft>
-                <a:spcPct val="0"/>
-              </a:spcAft>
-            </a:pPr>
-            <a:r>
-              <a:rPr lang="en-US" altLang="en-US" sz="1800" dirty="0" err="1"/>
-              <a:t>Redeclaring</a:t>
-            </a:r>
-            <a:r>
-              <a:rPr lang="en-US" altLang="en-US" sz="1800" dirty="0"/>
-              <a:t> a variable with let is a </a:t>
-            </a:r>
-            <a:r>
-              <a:rPr lang="en-US" altLang="en-US" sz="1800" dirty="0" err="1"/>
-              <a:t>SyntaxError</a:t>
-            </a:r>
-            <a:r>
-              <a:rPr lang="en-US" altLang="en-US" sz="1800" dirty="0"/>
-              <a:t>.</a:t>
-            </a:r>
-            <a:endParaRPr kumimoji="0" lang="en-US" altLang="en-US" sz="1800" i="0" u="none" strike="noStrike" cap="none" normalizeH="0" baseline="0" dirty="0" smtClean="0">
-              <a:ln>
-                <a:noFill/>
-              </a:ln>
-              <a:effectLst/>
-            </a:endParaRPr>
-          </a:p>
-          <a:p>
-            <a:pPr eaLnBrk="0" fontAlgn="base" hangingPunct="0">
-              <a:lnSpc>
-                <a:spcPct val="100000"/>
-              </a:lnSpc>
-              <a:spcBef>
-                <a:spcPct val="0"/>
-              </a:spcBef>
-              <a:spcAft>
-                <a:spcPct val="0"/>
-              </a:spcAft>
-            </a:pPr>
-            <a:endParaRPr kumimoji="0" lang="en-US" altLang="en-US" sz="1800" i="0" u="none" strike="noStrike" cap="none" normalizeH="0" baseline="0" dirty="0" smtClean="0">
-              <a:ln>
-                <a:noFill/>
-              </a:ln>
-              <a:effectLst/>
-              <a:latin typeface="Arial" panose="020B0604020202020204" pitchFamily="34" charset="0"/>
-            </a:endParaRPr>
-          </a:p>
-        </p:txBody>
-      </p:sp>
-    </p:spTree>
-    <p:extLst>
-      <p:ext uri="{BB962C8B-B14F-4D97-AF65-F5344CB8AC3E}">
-        <p14:creationId xmlns:p14="http://schemas.microsoft.com/office/powerpoint/2010/main" val="4057368319"/>
-      </p:ext>
-    </p:extLst>
-  </p:cSld>
-  <p:clrMapOvr>
-    <a:masterClrMapping/>
-  </p:clrMapOvr>
-</p:sld>
-</file>
-
-<file path=ppt/slides/slide28.xml><?xml version="1.0" encoding="utf-8"?>
-<p:sld xmlns:a="http://schemas.openxmlformats.org/drawingml/2006/main" xmlns:r="http://schemas.openxmlformats.org/officeDocument/2006/relationships" xmlns:p="http://schemas.openxmlformats.org/presentationml/2006/main">
-  <p:cSld>
-    <p:spTree>
-      <p:nvGrpSpPr>
-        <p:cNvPr id="1" name=""/>
-        <p:cNvGrpSpPr/>
-        <p:nvPr/>
-      </p:nvGrpSpPr>
-      <p:grpSpPr>
-        <a:xfrm>
-          <a:off x="0" y="0"/>
-          <a:ext cx="0" cy="0"/>
-          <a:chOff x="0" y="0"/>
-          <a:chExt cx="0" cy="0"/>
-        </a:xfrm>
-      </p:grpSpPr>
-      <p:sp>
-        <p:nvSpPr>
-          <p:cNvPr id="2" name="Title 1"/>
-          <p:cNvSpPr>
-            <a:spLocks noGrp="1"/>
-          </p:cNvSpPr>
-          <p:nvPr>
-            <p:ph type="title"/>
-          </p:nvPr>
-        </p:nvSpPr>
-        <p:spPr/>
-        <p:txBody>
-          <a:bodyPr/>
-          <a:lstStyle/>
-          <a:p>
-            <a:r>
-              <a:rPr lang="en-US" dirty="0" err="1" smtClean="0"/>
-              <a:t>Const</a:t>
-            </a:r>
-            <a:endParaRPr lang="en-US" dirty="0"/>
-          </a:p>
-        </p:txBody>
-      </p:sp>
-      <p:sp>
-        <p:nvSpPr>
-          <p:cNvPr id="5" name="Rectangle 3"/>
-          <p:cNvSpPr>
-            <a:spLocks noChangeArrowheads="1"/>
-          </p:cNvSpPr>
-          <p:nvPr/>
-        </p:nvSpPr>
-        <p:spPr bwMode="auto">
-          <a:xfrm>
-            <a:off x="838200" y="1529049"/>
-            <a:ext cx="7766870" cy="1477328"/>
-          </a:xfrm>
-          <a:prstGeom prst="rect">
-            <a:avLst/>
-          </a:prstGeom>
-          <a:noFill/>
-          <a:ln>
-            <a:noFill/>
-          </a:ln>
-          <a:effectLst/>
-          <a:extLst>
-            <a:ext uri="{909E8E84-426E-40DD-AFC4-6F175D3DCCD1}">
-              <a14:hiddenFill xmlns:a14="http://schemas.microsoft.com/office/drawing/2010/main">
-                <a:solidFill>
-                  <a:schemeClr val="accent1"/>
-                </a:solidFill>
-              </a14:hiddenFill>
-            </a:ext>
-            <a:ext uri="{91240B29-F687-4F45-9708-019B960494DF}">
-              <a14:hiddenLine xmlns:a14="http://schemas.microsoft.com/office/drawing/2010/main" w="9525">
-                <a:solidFill>
-                  <a:schemeClr val="tx1"/>
-                </a:solidFill>
-                <a:miter lim="800000"/>
-                <a:headEnd/>
-                <a:tailEnd/>
-              </a14:hiddenLine>
-            </a:ext>
-            <a:ext uri="{AF507438-7753-43E0-B8FC-AC1667EBCBE1}">
-              <a14:hiddenEffects xmlns:a14="http://schemas.microsoft.com/office/drawing/2010/main">
-                <a:effectLst>
-                  <a:outerShdw dist="35921" dir="2700000" algn="ctr" rotWithShape="0">
-                    <a:schemeClr val="bg2"/>
-                  </a:outerShdw>
-                </a:effectLst>
-              </a14:hiddenEffects>
-            </a:ext>
-          </a:extLst>
-        </p:spPr>
-        <p:txBody>
-          <a:bodyPr vert="horz" wrap="none" lIns="91440" tIns="45720" rIns="91440" bIns="45720" numCol="1" anchor="ctr" anchorCtr="0" compatLnSpc="1">
-            <a:prstTxWarp prst="textNoShape">
-              <a:avLst/>
-            </a:prstTxWarp>
-            <a:spAutoFit/>
-          </a:bodyPr>
-          <a:lstStyle>
-            <a:lvl1pPr eaLnBrk="0" fontAlgn="base" hangingPunct="0">
-              <a:spcBef>
-                <a:spcPct val="0"/>
-              </a:spcBef>
-              <a:spcAft>
-                <a:spcPct val="0"/>
-              </a:spcAft>
-              <a:defRPr>
-                <a:solidFill>
-                  <a:schemeClr val="tx1"/>
-                </a:solidFill>
-                <a:latin typeface="Arial" panose="020B0604020202020204" pitchFamily="34" charset="0"/>
-              </a:defRPr>
-            </a:lvl1pPr>
-            <a:lvl2pPr eaLnBrk="0" fontAlgn="base" hangingPunct="0">
-              <a:spcBef>
-                <a:spcPct val="0"/>
-              </a:spcBef>
-              <a:spcAft>
-                <a:spcPct val="0"/>
-              </a:spcAft>
-              <a:defRPr>
-                <a:solidFill>
-                  <a:schemeClr val="tx1"/>
-                </a:solidFill>
-                <a:latin typeface="Arial" panose="020B0604020202020204" pitchFamily="34" charset="0"/>
-              </a:defRPr>
-            </a:lvl2pPr>
-            <a:lvl3pPr eaLnBrk="0" fontAlgn="base" hangingPunct="0">
-              <a:spcBef>
-                <a:spcPct val="0"/>
-              </a:spcBef>
-              <a:spcAft>
-                <a:spcPct val="0"/>
-              </a:spcAft>
-              <a:defRPr>
-                <a:solidFill>
-                  <a:schemeClr val="tx1"/>
-                </a:solidFill>
-                <a:latin typeface="Arial" panose="020B0604020202020204" pitchFamily="34" charset="0"/>
-              </a:defRPr>
-            </a:lvl3pPr>
-            <a:lvl4pPr eaLnBrk="0" fontAlgn="base" hangingPunct="0">
-              <a:spcBef>
-                <a:spcPct val="0"/>
-              </a:spcBef>
-              <a:spcAft>
-                <a:spcPct val="0"/>
-              </a:spcAft>
-              <a:defRPr>
-                <a:solidFill>
-                  <a:schemeClr val="tx1"/>
-                </a:solidFill>
-                <a:latin typeface="Arial" panose="020B0604020202020204" pitchFamily="34" charset="0"/>
-              </a:defRPr>
-            </a:lvl4pPr>
-            <a:lvl5pPr eaLnBrk="0" fontAlgn="base" hangingPunct="0">
-              <a:spcBef>
-                <a:spcPct val="0"/>
-              </a:spcBef>
-              <a:spcAft>
-                <a:spcPct val="0"/>
-              </a:spcAft>
-              <a:defRPr>
-                <a:solidFill>
-                  <a:schemeClr val="tx1"/>
-                </a:solidFill>
-                <a:latin typeface="Arial" panose="020B0604020202020204" pitchFamily="34" charset="0"/>
-              </a:defRPr>
-            </a:lvl5pPr>
-            <a:lvl6pPr eaLnBrk="0" fontAlgn="base" hangingPunct="0">
-              <a:spcBef>
-                <a:spcPct val="0"/>
-              </a:spcBef>
-              <a:spcAft>
-                <a:spcPct val="0"/>
-              </a:spcAft>
-              <a:defRPr>
-                <a:solidFill>
-                  <a:schemeClr val="tx1"/>
-                </a:solidFill>
-                <a:latin typeface="Arial" panose="020B0604020202020204" pitchFamily="34" charset="0"/>
-              </a:defRPr>
-            </a:lvl6pPr>
-            <a:lvl7pPr eaLnBrk="0" fontAlgn="base" hangingPunct="0">
-              <a:spcBef>
-                <a:spcPct val="0"/>
-              </a:spcBef>
-              <a:spcAft>
-                <a:spcPct val="0"/>
-              </a:spcAft>
-              <a:defRPr>
-                <a:solidFill>
-                  <a:schemeClr val="tx1"/>
-                </a:solidFill>
-                <a:latin typeface="Arial" panose="020B0604020202020204" pitchFamily="34" charset="0"/>
-              </a:defRPr>
-            </a:lvl7pPr>
-            <a:lvl8pPr eaLnBrk="0" fontAlgn="base" hangingPunct="0">
-              <a:spcBef>
-                <a:spcPct val="0"/>
-              </a:spcBef>
-              <a:spcAft>
-                <a:spcPct val="0"/>
-              </a:spcAft>
-              <a:defRPr>
-                <a:solidFill>
-                  <a:schemeClr val="tx1"/>
-                </a:solidFill>
-                <a:latin typeface="Arial" panose="020B0604020202020204" pitchFamily="34" charset="0"/>
-              </a:defRPr>
-            </a:lvl8pPr>
-            <a:lvl9pPr eaLnBrk="0" fontAlgn="base" hangingPunct="0">
-              <a:spcBef>
-                <a:spcPct val="0"/>
-              </a:spcBef>
-              <a:spcAft>
-                <a:spcPct val="0"/>
-              </a:spcAft>
-              <a:defRPr>
-                <a:solidFill>
-                  <a:schemeClr val="tx1"/>
-                </a:solidFill>
-                <a:latin typeface="Arial" panose="020B0604020202020204" pitchFamily="34" charset="0"/>
-              </a:defRPr>
-            </a:lvl9pPr>
-          </a:lstStyle>
-          <a:p>
-            <a:pPr marL="0" marR="0" lvl="0" indent="0" algn="l" defTabSz="914400" rtl="0" eaLnBrk="0" fontAlgn="base" latinLnBrk="0" hangingPunct="0">
-              <a:lnSpc>
-                <a:spcPct val="100000"/>
-              </a:lnSpc>
-              <a:spcBef>
-                <a:spcPct val="0"/>
-              </a:spcBef>
-              <a:spcAft>
-                <a:spcPct val="0"/>
-              </a:spcAft>
-              <a:buClrTx/>
-              <a:buSzTx/>
-              <a:buFontTx/>
-              <a:buNone/>
-              <a:tabLst/>
-            </a:pPr>
-            <a:r>
-              <a:rPr kumimoji="0" lang="en-US" altLang="en-US" b="1" i="0" u="none" strike="noStrike" cap="none" normalizeH="0" baseline="0" dirty="0" err="1" smtClean="0">
-                <a:ln>
-                  <a:noFill/>
-                </a:ln>
-                <a:solidFill>
-                  <a:srgbClr val="000000"/>
-                </a:solidFill>
-                <a:effectLst/>
-                <a:latin typeface="Courier New" panose="02070309020205020404" pitchFamily="49" charset="0"/>
-                <a:cs typeface="Courier New" panose="02070309020205020404" pitchFamily="49" charset="0"/>
-              </a:rPr>
-              <a:t>const</a:t>
-            </a:r>
-            <a:r>
-              <a:rPr kumimoji="0" lang="en-US" altLang="en-US" b="0" i="0" u="none" strike="noStrike" cap="none" normalizeH="0" baseline="0" dirty="0" smtClean="0">
-                <a:ln>
-                  <a:noFill/>
-                </a:ln>
-                <a:solidFill>
-                  <a:srgbClr val="000000"/>
-                </a:solidFill>
-                <a:effectLst/>
-                <a:latin typeface="Courier New" panose="02070309020205020404" pitchFamily="49" charset="0"/>
-                <a:cs typeface="Courier New" panose="02070309020205020404" pitchFamily="49" charset="0"/>
-              </a:rPr>
-              <a:t> MAX_CAT_SIZE_KG = </a:t>
-            </a:r>
-            <a:r>
-              <a:rPr kumimoji="0" lang="en-US" altLang="en-US" b="0" i="0" u="none" strike="noStrike" cap="none" normalizeH="0" baseline="0" dirty="0" smtClean="0">
-                <a:ln>
-                  <a:noFill/>
-                </a:ln>
-                <a:solidFill>
-                  <a:srgbClr val="008800"/>
-                </a:solidFill>
-                <a:effectLst/>
-                <a:latin typeface="Courier New" panose="02070309020205020404" pitchFamily="49" charset="0"/>
-                <a:cs typeface="Courier New" panose="02070309020205020404" pitchFamily="49" charset="0"/>
-              </a:rPr>
-              <a:t>3000</a:t>
-            </a:r>
-            <a:r>
-              <a:rPr kumimoji="0" lang="en-US" altLang="en-US" b="0" i="0" u="none" strike="noStrike" cap="none" normalizeH="0" baseline="0" dirty="0" smtClean="0">
-                <a:ln>
-                  <a:noFill/>
-                </a:ln>
-                <a:solidFill>
-                  <a:srgbClr val="000000"/>
-                </a:solidFill>
-                <a:effectLst/>
-                <a:latin typeface="Courier New" panose="02070309020205020404" pitchFamily="49" charset="0"/>
-                <a:cs typeface="Courier New" panose="02070309020205020404" pitchFamily="49" charset="0"/>
-              </a:rPr>
-              <a:t>; </a:t>
-            </a:r>
-            <a:r>
-              <a:rPr kumimoji="0" lang="en-US" altLang="en-US" b="0" i="0" u="none" strike="noStrike" cap="none" normalizeH="0" baseline="0" dirty="0" smtClean="0">
-                <a:ln>
-                  <a:noFill/>
-                </a:ln>
-                <a:solidFill>
-                  <a:srgbClr val="888888"/>
-                </a:solidFill>
-                <a:effectLst/>
-                <a:latin typeface="Courier New" panose="02070309020205020404" pitchFamily="49" charset="0"/>
-                <a:cs typeface="Courier New" panose="02070309020205020404" pitchFamily="49" charset="0"/>
-              </a:rPr>
-              <a:t>// </a:t>
-            </a:r>
-          </a:p>
-          <a:p>
-            <a:pPr marL="0" marR="0" lvl="0" indent="0" algn="l" defTabSz="914400" rtl="0" eaLnBrk="0" fontAlgn="base" latinLnBrk="0" hangingPunct="0">
-              <a:lnSpc>
-                <a:spcPct val="100000"/>
-              </a:lnSpc>
-              <a:spcBef>
-                <a:spcPct val="0"/>
-              </a:spcBef>
-              <a:spcAft>
-                <a:spcPct val="0"/>
-              </a:spcAft>
-              <a:buClrTx/>
-              <a:buSzTx/>
-              <a:buFontTx/>
-              <a:buNone/>
-              <a:tabLst/>
-            </a:pPr>
-            <a:r>
-              <a:rPr kumimoji="0" lang="en-US" altLang="en-US" b="0" i="0" u="none" strike="noStrike" cap="none" normalizeH="0" baseline="0" dirty="0" smtClean="0">
-                <a:ln>
-                  <a:noFill/>
-                </a:ln>
-                <a:solidFill>
-                  <a:srgbClr val="000000"/>
-                </a:solidFill>
-                <a:effectLst/>
-                <a:latin typeface="Courier New" panose="02070309020205020404" pitchFamily="49" charset="0"/>
-                <a:cs typeface="Courier New" panose="02070309020205020404" pitchFamily="49" charset="0"/>
-              </a:rPr>
-              <a:t>MAX_CAT_SIZE_KG = </a:t>
-            </a:r>
-            <a:r>
-              <a:rPr kumimoji="0" lang="en-US" altLang="en-US" b="0" i="0" u="none" strike="noStrike" cap="none" normalizeH="0" baseline="0" dirty="0" smtClean="0">
-                <a:ln>
-                  <a:noFill/>
-                </a:ln>
-                <a:solidFill>
-                  <a:srgbClr val="008800"/>
-                </a:solidFill>
-                <a:effectLst/>
-                <a:latin typeface="Courier New" panose="02070309020205020404" pitchFamily="49" charset="0"/>
-                <a:cs typeface="Courier New" panose="02070309020205020404" pitchFamily="49" charset="0"/>
-              </a:rPr>
-              <a:t>5000</a:t>
-            </a:r>
-            <a:r>
-              <a:rPr kumimoji="0" lang="en-US" altLang="en-US" b="0" i="0" u="none" strike="noStrike" cap="none" normalizeH="0" baseline="0" dirty="0" smtClean="0">
-                <a:ln>
-                  <a:noFill/>
-                </a:ln>
-                <a:solidFill>
-                  <a:srgbClr val="000000"/>
-                </a:solidFill>
-                <a:effectLst/>
-                <a:latin typeface="Courier New" panose="02070309020205020404" pitchFamily="49" charset="0"/>
-                <a:cs typeface="Courier New" panose="02070309020205020404" pitchFamily="49" charset="0"/>
-              </a:rPr>
-              <a:t>; </a:t>
-            </a:r>
-            <a:r>
-              <a:rPr kumimoji="0" lang="en-US" altLang="en-US" b="0" i="0" u="none" strike="noStrike" cap="none" normalizeH="0" baseline="0" dirty="0" smtClean="0">
-                <a:ln>
-                  <a:noFill/>
-                </a:ln>
-                <a:solidFill>
-                  <a:srgbClr val="888888"/>
-                </a:solidFill>
-                <a:effectLst/>
-                <a:latin typeface="Courier New" panose="02070309020205020404" pitchFamily="49" charset="0"/>
-                <a:cs typeface="Courier New" panose="02070309020205020404" pitchFamily="49" charset="0"/>
-              </a:rPr>
-              <a:t>// </a:t>
-            </a:r>
-            <a:r>
-              <a:rPr kumimoji="0" lang="en-US" altLang="en-US" b="0" i="0" u="none" strike="noStrike" cap="none" normalizeH="0" baseline="0" dirty="0" err="1" smtClean="0">
-                <a:ln>
-                  <a:noFill/>
-                </a:ln>
-                <a:solidFill>
-                  <a:srgbClr val="888888"/>
-                </a:solidFill>
-                <a:effectLst/>
-                <a:latin typeface="Courier New" panose="02070309020205020404" pitchFamily="49" charset="0"/>
-                <a:cs typeface="Courier New" panose="02070309020205020404" pitchFamily="49" charset="0"/>
-              </a:rPr>
-              <a:t>SyntaxError</a:t>
-            </a:r>
-            <a:r>
-              <a:rPr kumimoji="0" lang="en-US" altLang="en-US" b="0" i="0" u="none" strike="noStrike" cap="none" normalizeH="0" baseline="0" dirty="0" smtClean="0">
-                <a:ln>
-                  <a:noFill/>
-                </a:ln>
-                <a:solidFill>
-                  <a:srgbClr val="000000"/>
-                </a:solidFill>
-                <a:effectLst/>
-                <a:latin typeface="Courier New" panose="02070309020205020404" pitchFamily="49" charset="0"/>
-                <a:cs typeface="Courier New" panose="02070309020205020404" pitchFamily="49" charset="0"/>
-              </a:rPr>
-              <a:t> </a:t>
-            </a:r>
-          </a:p>
-          <a:p>
-            <a:pPr marL="0" marR="0" lvl="0" indent="0" algn="l" defTabSz="914400" rtl="0" eaLnBrk="0" fontAlgn="base" latinLnBrk="0" hangingPunct="0">
-              <a:lnSpc>
-                <a:spcPct val="100000"/>
-              </a:lnSpc>
-              <a:spcBef>
-                <a:spcPct val="0"/>
-              </a:spcBef>
-              <a:spcAft>
-                <a:spcPct val="0"/>
-              </a:spcAft>
-              <a:buClrTx/>
-              <a:buSzTx/>
-              <a:buFontTx/>
-              <a:buNone/>
-              <a:tabLst/>
-            </a:pPr>
-            <a:r>
-              <a:rPr kumimoji="0" lang="en-US" altLang="en-US" b="0" i="0" u="none" strike="noStrike" cap="none" normalizeH="0" baseline="0" dirty="0" smtClean="0">
-                <a:ln>
-                  <a:noFill/>
-                </a:ln>
-                <a:solidFill>
-                  <a:srgbClr val="000000"/>
-                </a:solidFill>
-                <a:effectLst/>
-                <a:latin typeface="Courier New" panose="02070309020205020404" pitchFamily="49" charset="0"/>
-                <a:cs typeface="Courier New" panose="02070309020205020404" pitchFamily="49" charset="0"/>
-              </a:rPr>
-              <a:t>MAX_CAT_SIZE_KG++; </a:t>
-            </a:r>
-            <a:r>
-              <a:rPr kumimoji="0" lang="en-US" altLang="en-US" b="0" i="0" u="none" strike="noStrike" cap="none" normalizeH="0" baseline="0" dirty="0" smtClean="0">
-                <a:ln>
-                  <a:noFill/>
-                </a:ln>
-                <a:solidFill>
-                  <a:srgbClr val="888888"/>
-                </a:solidFill>
-                <a:effectLst/>
-                <a:latin typeface="Courier New" panose="02070309020205020404" pitchFamily="49" charset="0"/>
-                <a:cs typeface="Courier New" panose="02070309020205020404" pitchFamily="49" charset="0"/>
-              </a:rPr>
-              <a:t>// nice try, but still a </a:t>
-            </a:r>
-            <a:r>
-              <a:rPr kumimoji="0" lang="en-US" altLang="en-US" b="0" i="0" u="none" strike="noStrike" cap="none" normalizeH="0" baseline="0" dirty="0" err="1" smtClean="0">
-                <a:ln>
-                  <a:noFill/>
-                </a:ln>
-                <a:solidFill>
-                  <a:srgbClr val="888888"/>
-                </a:solidFill>
-                <a:effectLst/>
-                <a:latin typeface="Courier New" panose="02070309020205020404" pitchFamily="49" charset="0"/>
-                <a:cs typeface="Courier New" panose="02070309020205020404" pitchFamily="49" charset="0"/>
-              </a:rPr>
-              <a:t>SyntaxError</a:t>
-            </a:r>
-            <a:endParaRPr kumimoji="0" lang="en-US" altLang="en-US" b="0" i="0" u="none" strike="noStrike" cap="none" normalizeH="0" baseline="0" dirty="0" smtClean="0">
-              <a:ln>
-                <a:noFill/>
-              </a:ln>
-              <a:solidFill>
-                <a:srgbClr val="888888"/>
-              </a:solidFill>
-              <a:effectLst/>
-              <a:latin typeface="Courier New" panose="02070309020205020404" pitchFamily="49" charset="0"/>
-              <a:cs typeface="Courier New" panose="02070309020205020404" pitchFamily="49" charset="0"/>
-            </a:endParaRPr>
-          </a:p>
-          <a:p>
-            <a:pPr marL="0" marR="0" lvl="0" indent="0" algn="l" defTabSz="914400" rtl="0" eaLnBrk="0" fontAlgn="base" latinLnBrk="0" hangingPunct="0">
-              <a:lnSpc>
-                <a:spcPct val="100000"/>
-              </a:lnSpc>
-              <a:spcBef>
-                <a:spcPct val="0"/>
-              </a:spcBef>
-              <a:spcAft>
-                <a:spcPct val="0"/>
-              </a:spcAft>
-              <a:buClrTx/>
-              <a:buSzTx/>
-              <a:buFontTx/>
-              <a:buNone/>
-              <a:tabLst/>
-            </a:pPr>
-            <a:endParaRPr lang="en-US" altLang="en-US" dirty="0">
-              <a:solidFill>
-                <a:srgbClr val="888888"/>
-              </a:solidFill>
-              <a:latin typeface="Courier New" panose="02070309020205020404" pitchFamily="49" charset="0"/>
-              <a:cs typeface="Courier New" panose="02070309020205020404" pitchFamily="49" charset="0"/>
-            </a:endParaRPr>
-          </a:p>
-          <a:p>
-            <a:pPr lvl="0"/>
-            <a:r>
-              <a:rPr lang="en-US" b="1" dirty="0" err="1"/>
-              <a:t>const</a:t>
-            </a:r>
-            <a:r>
-              <a:rPr lang="en-US" dirty="0"/>
-              <a:t> </a:t>
-            </a:r>
-            <a:r>
-              <a:rPr lang="en-US" dirty="0" err="1"/>
-              <a:t>theFairest</a:t>
-            </a:r>
-            <a:r>
-              <a:rPr lang="en-US" dirty="0"/>
-              <a:t>; // </a:t>
-            </a:r>
-            <a:r>
-              <a:rPr lang="en-US" dirty="0" err="1"/>
-              <a:t>SyntaxError</a:t>
-            </a:r>
-            <a:r>
-              <a:rPr lang="en-US" dirty="0"/>
-              <a:t>, you troublemaker</a:t>
-            </a:r>
-            <a:r>
-              <a:rPr kumimoji="0" lang="en-US" altLang="en-US" b="0" i="0" u="none" strike="noStrike" cap="none" normalizeH="0" baseline="0" dirty="0" smtClean="0">
-                <a:ln>
-                  <a:noFill/>
-                </a:ln>
-                <a:solidFill>
-                  <a:schemeClr val="tx1"/>
-                </a:solidFill>
-                <a:effectLst/>
-              </a:rPr>
-              <a:t> </a:t>
-            </a:r>
-            <a:endParaRPr kumimoji="0" lang="en-US" altLang="en-US" b="0" i="0" u="none" strike="noStrike" cap="none" normalizeH="0" baseline="0" dirty="0" smtClean="0">
-              <a:ln>
-                <a:noFill/>
-              </a:ln>
-              <a:solidFill>
-                <a:srgbClr val="888888"/>
-              </a:solidFill>
-              <a:effectLst/>
-              <a:latin typeface="Courier New" panose="02070309020205020404" pitchFamily="49" charset="0"/>
-              <a:cs typeface="Courier New" panose="02070309020205020404" pitchFamily="49" charset="0"/>
-            </a:endParaRPr>
-          </a:p>
-        </p:txBody>
-      </p:sp>
-      <p:pic>
-        <p:nvPicPr>
-          <p:cNvPr id="3076" name="Picture 4" descr="🙀"/>
-          <p:cNvPicPr>
-            <a:picLocks noChangeAspect="1" noChangeArrowheads="1"/>
-          </p:cNvPicPr>
-          <p:nvPr/>
-        </p:nvPicPr>
-        <p:blipFill>
-          <a:blip r:embed="rId2">
-            <a:extLst>
-              <a:ext uri="{28A0092B-C50C-407E-A947-70E740481C1C}">
-                <a14:useLocalDpi xmlns:a14="http://schemas.microsoft.com/office/drawing/2010/main" val="0"/>
-              </a:ext>
-            </a:extLst>
-          </a:blip>
-          <a:srcRect/>
-          <a:stretch>
-            <a:fillRect/>
-          </a:stretch>
-        </p:blipFill>
-        <p:spPr bwMode="auto">
-          <a:xfrm>
-            <a:off x="2682875" y="-327025"/>
-            <a:ext cx="685800" cy="685800"/>
-          </a:xfrm>
-          <a:prstGeom prst="rect">
-            <a:avLst/>
-          </a:prstGeom>
-          <a:noFill/>
-          <a:extLst>
-            <a:ext uri="{909E8E84-426E-40DD-AFC4-6F175D3DCCD1}">
-              <a14:hiddenFill xmlns:a14="http://schemas.microsoft.com/office/drawing/2010/main">
-                <a:solidFill>
-                  <a:srgbClr val="FFFFFF"/>
-                </a:solidFill>
-              </a14:hiddenFill>
-            </a:ext>
-          </a:extLst>
-        </p:spPr>
-      </p:pic>
-    </p:spTree>
-    <p:extLst>
-      <p:ext uri="{BB962C8B-B14F-4D97-AF65-F5344CB8AC3E}">
-        <p14:creationId xmlns:p14="http://schemas.microsoft.com/office/powerpoint/2010/main" val="3928090536"/>
-      </p:ext>
-    </p:extLst>
-  </p:cSld>
-  <p:clrMapOvr>
-    <a:masterClrMapping/>
-  </p:clrMapOvr>
-</p:sld>
-</file>
-
-<file path=ppt/slides/slide29.xml><?xml version="1.0" encoding="utf-8"?>
-<p:sld xmlns:a="http://schemas.openxmlformats.org/drawingml/2006/main" xmlns:r="http://schemas.openxmlformats.org/officeDocument/2006/relationships" xmlns:p="http://schemas.openxmlformats.org/presentationml/2006/main">
-  <p:cSld>
-    <p:spTree>
-      <p:nvGrpSpPr>
-        <p:cNvPr id="1" name=""/>
-        <p:cNvGrpSpPr/>
-        <p:nvPr/>
-      </p:nvGrpSpPr>
-      <p:grpSpPr>
-        <a:xfrm>
-          <a:off x="0" y="0"/>
-          <a:ext cx="0" cy="0"/>
-          <a:chOff x="0" y="0"/>
-          <a:chExt cx="0" cy="0"/>
-        </a:xfrm>
-      </p:grpSpPr>
-      <p:sp>
-        <p:nvSpPr>
-          <p:cNvPr id="2" name="Title 1"/>
-          <p:cNvSpPr>
-            <a:spLocks noGrp="1"/>
-          </p:cNvSpPr>
-          <p:nvPr>
-            <p:ph type="title"/>
-          </p:nvPr>
-        </p:nvSpPr>
-        <p:spPr/>
-        <p:txBody>
-          <a:bodyPr/>
-          <a:lstStyle/>
-          <a:p>
-            <a:r>
-              <a:rPr lang="en-US" dirty="0" smtClean="0"/>
-              <a:t>ES6 - </a:t>
-            </a:r>
-            <a:r>
-              <a:rPr lang="en-US" dirty="0"/>
-              <a:t>Temporal Dead </a:t>
-            </a:r>
-            <a:r>
-              <a:rPr lang="en-US" dirty="0" smtClean="0"/>
-              <a:t>Zone</a:t>
-            </a:r>
-            <a:endParaRPr lang="en-US" dirty="0"/>
-          </a:p>
-        </p:txBody>
-      </p:sp>
-      <p:sp>
-        <p:nvSpPr>
-          <p:cNvPr id="4" name="Rectangle 1"/>
-          <p:cNvSpPr>
-            <a:spLocks noGrp="1" noChangeArrowheads="1"/>
-          </p:cNvSpPr>
-          <p:nvPr>
-            <p:ph idx="1"/>
-          </p:nvPr>
-        </p:nvSpPr>
-        <p:spPr bwMode="auto">
-          <a:xfrm>
-            <a:off x="760141" y="1567579"/>
-            <a:ext cx="5445401" cy="553998"/>
-          </a:xfrm>
-          <a:prstGeom prst="rect">
-            <a:avLst/>
-          </a:prstGeom>
-          <a:solidFill>
-            <a:srgbClr val="F5F2F0"/>
-          </a:solidFill>
-          <a:ln>
-            <a:noFill/>
-          </a:ln>
-          <a:effectLst/>
-          <a:extLst>
-            <a:ext uri="{91240B29-F687-4F45-9708-019B960494DF}">
-              <a14:hiddenLine xmlns:a14="http://schemas.microsoft.com/office/drawing/2010/main" w="9525">
-                <a:solidFill>
-                  <a:schemeClr val="tx1"/>
-                </a:solidFill>
-                <a:miter lim="800000"/>
-                <a:headEnd/>
-                <a:tailEnd/>
-              </a14:hiddenLine>
-            </a:ext>
-            <a:ext uri="{AF507438-7753-43E0-B8FC-AC1667EBCBE1}">
-              <a14:hiddenEffects xmlns:a14="http://schemas.microsoft.com/office/drawing/2010/main">
-                <a:effectLst>
-                  <a:outerShdw dist="35921" dir="2700000" algn="ctr" rotWithShape="0">
-                    <a:schemeClr val="bg2"/>
-                  </a:outerShdw>
-                </a:effectLst>
-              </a14:hiddenEffects>
-            </a:ext>
-          </a:extLst>
-        </p:spPr>
-        <p:txBody>
-          <a:bodyPr vert="horz" wrap="none" lIns="0" tIns="0" rIns="0" bIns="0" numCol="1" anchor="ctr" anchorCtr="0" compatLnSpc="1">
-            <a:prstTxWarp prst="textNoShape">
-              <a:avLst/>
-            </a:prstTxWarp>
-            <a:spAutoFit/>
-          </a:bodyPr>
-          <a:lstStyle/>
-          <a:p>
-            <a:pPr marL="0" marR="0" lvl="0" indent="0" algn="l" defTabSz="914400" rtl="0" eaLnBrk="0" fontAlgn="base" latinLnBrk="0" hangingPunct="0">
-              <a:lnSpc>
-                <a:spcPct val="100000"/>
-              </a:lnSpc>
-              <a:spcBef>
-                <a:spcPct val="0"/>
-              </a:spcBef>
-              <a:spcAft>
-                <a:spcPct val="0"/>
-              </a:spcAft>
-              <a:buClrTx/>
-              <a:buSzTx/>
-              <a:buFontTx/>
-              <a:buNone/>
-              <a:tabLst/>
-            </a:pPr>
-            <a:r>
-              <a:rPr kumimoji="0" lang="en-US" altLang="en-US" sz="1800" b="0" i="0" u="none" strike="noStrike" cap="none" normalizeH="0" baseline="0" dirty="0" smtClean="0">
-                <a:ln>
-                  <a:noFill/>
-                </a:ln>
-                <a:solidFill>
-                  <a:srgbClr val="000000"/>
-                </a:solidFill>
-                <a:effectLst/>
-                <a:latin typeface="Consolas" panose="020B0609020204030204" pitchFamily="49" charset="0"/>
-                <a:cs typeface="Consolas" panose="020B0609020204030204" pitchFamily="49" charset="0"/>
-              </a:rPr>
-              <a:t>console</a:t>
-            </a:r>
-            <a:r>
-              <a:rPr kumimoji="0" lang="en-US" altLang="en-US" sz="1800" b="0" i="0" u="none" strike="noStrike" cap="none" normalizeH="0" baseline="0" dirty="0" smtClean="0">
-                <a:ln>
-                  <a:noFill/>
-                </a:ln>
-                <a:solidFill>
-                  <a:srgbClr val="999999"/>
-                </a:solidFill>
-                <a:effectLst/>
-                <a:latin typeface="Consolas" panose="020B0609020204030204" pitchFamily="49" charset="0"/>
-                <a:cs typeface="Consolas" panose="020B0609020204030204" pitchFamily="49" charset="0"/>
-              </a:rPr>
-              <a:t>.</a:t>
-            </a:r>
-            <a:r>
-              <a:rPr kumimoji="0" lang="en-US" altLang="en-US" sz="1800" b="0" i="0" u="none" strike="noStrike" cap="none" normalizeH="0" baseline="0" dirty="0" smtClean="0">
-                <a:ln>
-                  <a:noFill/>
-                </a:ln>
-                <a:solidFill>
-                  <a:srgbClr val="DD4A68"/>
-                </a:solidFill>
-                <a:effectLst/>
-                <a:latin typeface="Consolas" panose="020B0609020204030204" pitchFamily="49" charset="0"/>
-                <a:cs typeface="Consolas" panose="020B0609020204030204" pitchFamily="49" charset="0"/>
-              </a:rPr>
-              <a:t>log</a:t>
-            </a:r>
-            <a:r>
-              <a:rPr kumimoji="0" lang="en-US" altLang="en-US" sz="1800" b="0" i="0" u="none" strike="noStrike" cap="none" normalizeH="0" baseline="0" dirty="0" smtClean="0">
-                <a:ln>
-                  <a:noFill/>
-                </a:ln>
-                <a:solidFill>
-                  <a:srgbClr val="999999"/>
-                </a:solidFill>
-                <a:effectLst/>
-                <a:latin typeface="Consolas" panose="020B0609020204030204" pitchFamily="49" charset="0"/>
-                <a:cs typeface="Consolas" panose="020B0609020204030204" pitchFamily="49" charset="0"/>
-              </a:rPr>
-              <a:t>(</a:t>
-            </a:r>
-            <a:r>
-              <a:rPr kumimoji="0" lang="en-US" altLang="en-US" sz="1800" b="0" i="0" u="none" strike="noStrike" cap="none" normalizeH="0" baseline="0" dirty="0" smtClean="0">
-                <a:ln>
-                  <a:noFill/>
-                </a:ln>
-                <a:solidFill>
-                  <a:srgbClr val="000000"/>
-                </a:solidFill>
-                <a:effectLst/>
-                <a:latin typeface="Consolas" panose="020B0609020204030204" pitchFamily="49" charset="0"/>
-                <a:cs typeface="Consolas" panose="020B0609020204030204" pitchFamily="49" charset="0"/>
-              </a:rPr>
-              <a:t>x</a:t>
-            </a:r>
-            <a:r>
-              <a:rPr kumimoji="0" lang="en-US" altLang="en-US" sz="1800" b="0" i="0" u="none" strike="noStrike" cap="none" normalizeH="0" baseline="0" dirty="0" smtClean="0">
-                <a:ln>
-                  <a:noFill/>
-                </a:ln>
-                <a:solidFill>
-                  <a:srgbClr val="999999"/>
-                </a:solidFill>
-                <a:effectLst/>
-                <a:latin typeface="Consolas" panose="020B0609020204030204" pitchFamily="49" charset="0"/>
-                <a:cs typeface="Consolas" panose="020B0609020204030204" pitchFamily="49" charset="0"/>
-              </a:rPr>
-              <a:t>);</a:t>
-            </a:r>
-            <a:r>
-              <a:rPr kumimoji="0" lang="en-US" altLang="en-US" sz="1800" b="0" i="0" u="none" strike="noStrike" cap="none" normalizeH="0" baseline="0" dirty="0" smtClean="0">
-                <a:ln>
-                  <a:noFill/>
-                </a:ln>
-                <a:solidFill>
-                  <a:srgbClr val="000000"/>
-                </a:solidFill>
-                <a:effectLst/>
-                <a:latin typeface="Consolas" panose="020B0609020204030204" pitchFamily="49" charset="0"/>
-                <a:cs typeface="Consolas" panose="020B0609020204030204" pitchFamily="49" charset="0"/>
-              </a:rPr>
-              <a:t> </a:t>
-            </a:r>
-            <a:r>
-              <a:rPr kumimoji="0" lang="en-US" altLang="en-US" sz="1800" b="0" i="0" u="none" strike="noStrike" cap="none" normalizeH="0" baseline="0" dirty="0" smtClean="0">
-                <a:ln>
-                  <a:noFill/>
-                </a:ln>
-                <a:solidFill>
-                  <a:srgbClr val="708090"/>
-                </a:solidFill>
-                <a:effectLst/>
-                <a:latin typeface="Consolas" panose="020B0609020204030204" pitchFamily="49" charset="0"/>
-                <a:cs typeface="Consolas" panose="020B0609020204030204" pitchFamily="49" charset="0"/>
-              </a:rPr>
-              <a:t>// throws a </a:t>
-            </a:r>
-            <a:r>
-              <a:rPr kumimoji="0" lang="en-US" altLang="en-US" sz="1800" b="0" i="0" u="none" strike="noStrike" cap="none" normalizeH="0" baseline="0" dirty="0" err="1" smtClean="0">
-                <a:ln>
-                  <a:noFill/>
-                </a:ln>
-                <a:solidFill>
-                  <a:srgbClr val="708090"/>
-                </a:solidFill>
-                <a:effectLst/>
-                <a:latin typeface="Consolas" panose="020B0609020204030204" pitchFamily="49" charset="0"/>
-                <a:cs typeface="Consolas" panose="020B0609020204030204" pitchFamily="49" charset="0"/>
-              </a:rPr>
-              <a:t>ReferenceError</a:t>
-            </a:r>
-            <a:r>
-              <a:rPr kumimoji="0" lang="en-US" altLang="en-US" sz="1800" b="0" i="0" u="none" strike="noStrike" cap="none" normalizeH="0" baseline="0" dirty="0" smtClean="0">
-                <a:ln>
-                  <a:noFill/>
-                </a:ln>
-                <a:solidFill>
-                  <a:srgbClr val="708090"/>
-                </a:solidFill>
-                <a:effectLst/>
-                <a:latin typeface="Consolas" panose="020B0609020204030204" pitchFamily="49" charset="0"/>
-                <a:cs typeface="Consolas" panose="020B0609020204030204" pitchFamily="49" charset="0"/>
-              </a:rPr>
-              <a:t> </a:t>
-            </a:r>
-          </a:p>
-          <a:p>
-            <a:pPr marL="0" marR="0" lvl="0" indent="0" algn="l" defTabSz="914400" rtl="0" eaLnBrk="0" fontAlgn="base" latinLnBrk="0" hangingPunct="0">
-              <a:lnSpc>
-                <a:spcPct val="100000"/>
-              </a:lnSpc>
-              <a:spcBef>
-                <a:spcPct val="0"/>
-              </a:spcBef>
-              <a:spcAft>
-                <a:spcPct val="0"/>
-              </a:spcAft>
-              <a:buClrTx/>
-              <a:buSzTx/>
-              <a:buFontTx/>
-              <a:buNone/>
-              <a:tabLst/>
-            </a:pPr>
-            <a:r>
-              <a:rPr kumimoji="0" lang="en-US" altLang="en-US" sz="1800" b="0" i="0" u="none" strike="noStrike" cap="none" normalizeH="0" baseline="0" dirty="0" smtClean="0">
-                <a:ln>
-                  <a:noFill/>
-                </a:ln>
-                <a:solidFill>
-                  <a:srgbClr val="0077AA"/>
-                </a:solidFill>
-                <a:effectLst/>
-                <a:latin typeface="Consolas" panose="020B0609020204030204" pitchFamily="49" charset="0"/>
-                <a:cs typeface="Consolas" panose="020B0609020204030204" pitchFamily="49" charset="0"/>
-              </a:rPr>
-              <a:t>let</a:t>
-            </a:r>
-            <a:r>
-              <a:rPr kumimoji="0" lang="en-US" altLang="en-US" sz="1800" b="0" i="0" u="none" strike="noStrike" cap="none" normalizeH="0" baseline="0" dirty="0" smtClean="0">
-                <a:ln>
-                  <a:noFill/>
-                </a:ln>
-                <a:solidFill>
-                  <a:srgbClr val="000000"/>
-                </a:solidFill>
-                <a:effectLst/>
-                <a:latin typeface="Consolas" panose="020B0609020204030204" pitchFamily="49" charset="0"/>
-                <a:cs typeface="Consolas" panose="020B0609020204030204" pitchFamily="49" charset="0"/>
-              </a:rPr>
-              <a:t> x </a:t>
-            </a:r>
-            <a:r>
-              <a:rPr kumimoji="0" lang="en-US" altLang="en-US" sz="1800" b="0" i="0" u="none" strike="noStrike" cap="none" normalizeH="0" baseline="0" dirty="0" smtClean="0">
-                <a:ln>
-                  <a:noFill/>
-                </a:ln>
-                <a:solidFill>
-                  <a:srgbClr val="A67F59"/>
-                </a:solidFill>
-                <a:effectLst/>
-                <a:latin typeface="Consolas" panose="020B0609020204030204" pitchFamily="49" charset="0"/>
-                <a:cs typeface="Consolas" panose="020B0609020204030204" pitchFamily="49" charset="0"/>
-              </a:rPr>
-              <a:t>=</a:t>
-            </a:r>
-            <a:r>
-              <a:rPr kumimoji="0" lang="en-US" altLang="en-US" sz="1800" b="0" i="0" u="none" strike="noStrike" cap="none" normalizeH="0" baseline="0" dirty="0" smtClean="0">
-                <a:ln>
-                  <a:noFill/>
-                </a:ln>
-                <a:solidFill>
-                  <a:srgbClr val="000000"/>
-                </a:solidFill>
-                <a:effectLst/>
-                <a:latin typeface="Consolas" panose="020B0609020204030204" pitchFamily="49" charset="0"/>
-                <a:cs typeface="Consolas" panose="020B0609020204030204" pitchFamily="49" charset="0"/>
-              </a:rPr>
-              <a:t> </a:t>
-            </a:r>
-            <a:r>
-              <a:rPr kumimoji="0" lang="en-US" altLang="en-US" sz="1800" b="0" i="0" u="none" strike="noStrike" cap="none" normalizeH="0" baseline="0" dirty="0" smtClean="0">
-                <a:ln>
-                  <a:noFill/>
-                </a:ln>
-                <a:solidFill>
-                  <a:srgbClr val="669900"/>
-                </a:solidFill>
-                <a:effectLst/>
-                <a:latin typeface="Consolas" panose="020B0609020204030204" pitchFamily="49" charset="0"/>
-                <a:cs typeface="Consolas" panose="020B0609020204030204" pitchFamily="49" charset="0"/>
-              </a:rPr>
-              <a:t>'hey'</a:t>
-            </a:r>
-            <a:r>
-              <a:rPr kumimoji="0" lang="en-US" altLang="en-US" sz="1800" b="0" i="0" u="none" strike="noStrike" cap="none" normalizeH="0" baseline="0" dirty="0" smtClean="0">
-                <a:ln>
-                  <a:noFill/>
-                </a:ln>
-                <a:solidFill>
-                  <a:srgbClr val="999999"/>
-                </a:solidFill>
-                <a:effectLst/>
-                <a:latin typeface="Consolas" panose="020B0609020204030204" pitchFamily="49" charset="0"/>
-                <a:cs typeface="Consolas" panose="020B0609020204030204" pitchFamily="49" charset="0"/>
-              </a:rPr>
-              <a:t>;</a:t>
-            </a:r>
-            <a:r>
-              <a:rPr kumimoji="0" lang="en-US" altLang="en-US" sz="1600" b="0" i="0" u="none" strike="noStrike" cap="none" normalizeH="0" baseline="0" dirty="0" smtClean="0">
-                <a:ln>
-                  <a:noFill/>
-                </a:ln>
-                <a:solidFill>
-                  <a:schemeClr val="tx1"/>
-                </a:solidFill>
-                <a:effectLst/>
-              </a:rPr>
-              <a:t> </a:t>
-            </a:r>
-            <a:endParaRPr kumimoji="0" lang="en-US" altLang="en-US" sz="4000" b="0" i="0" u="none" strike="noStrike" cap="none" normalizeH="0" baseline="0" dirty="0" smtClean="0">
-              <a:ln>
-                <a:noFill/>
-              </a:ln>
-              <a:solidFill>
-                <a:schemeClr val="tx1"/>
-              </a:solidFill>
-              <a:effectLst/>
-              <a:latin typeface="Arial" panose="020B0604020202020204" pitchFamily="34" charset="0"/>
-            </a:endParaRPr>
-          </a:p>
-        </p:txBody>
-      </p:sp>
-    </p:spTree>
-    <p:extLst>
-      <p:ext uri="{BB962C8B-B14F-4D97-AF65-F5344CB8AC3E}">
-        <p14:creationId xmlns:p14="http://schemas.microsoft.com/office/powerpoint/2010/main" val="1209413913"/>
-      </p:ext>
-    </p:extLst>
-  </p:cSld>
-  <p:clrMapOvr>
-    <a:masterClrMapping/>
-  </p:clrMapOvr>
-  <p:timing>
-    <p:tnLst>
-      <p:par>
-        <p:cTn id="1" dur="indefinite" restart="never" nodeType="tmRoot"/>
-      </p:par>
-    </p:tnLst>
-  </p:timing>
 </p:sld>
 </file>
 
@@ -9094,3179 +6328,6 @@
     <p:extLst>
       <p:ext uri="{BB962C8B-B14F-4D97-AF65-F5344CB8AC3E}">
         <p14:creationId xmlns:p14="http://schemas.microsoft.com/office/powerpoint/2010/main" val="2104709124"/>
-      </p:ext>
-    </p:extLst>
-  </p:cSld>
-  <p:clrMapOvr>
-    <a:masterClrMapping/>
-  </p:clrMapOvr>
-</p:sld>
-</file>
-
-<file path=ppt/slides/slide30.xml><?xml version="1.0" encoding="utf-8"?>
-<p:sld xmlns:a="http://schemas.openxmlformats.org/drawingml/2006/main" xmlns:r="http://schemas.openxmlformats.org/officeDocument/2006/relationships" xmlns:p="http://schemas.openxmlformats.org/presentationml/2006/main">
-  <p:cSld>
-    <p:spTree>
-      <p:nvGrpSpPr>
-        <p:cNvPr id="1" name=""/>
-        <p:cNvGrpSpPr/>
-        <p:nvPr/>
-      </p:nvGrpSpPr>
-      <p:grpSpPr>
-        <a:xfrm>
-          <a:off x="0" y="0"/>
-          <a:ext cx="0" cy="0"/>
-          <a:chOff x="0" y="0"/>
-          <a:chExt cx="0" cy="0"/>
-        </a:xfrm>
-      </p:grpSpPr>
-      <p:sp>
-        <p:nvSpPr>
-          <p:cNvPr id="2" name="Title 1"/>
-          <p:cNvSpPr>
-            <a:spLocks noGrp="1"/>
-          </p:cNvSpPr>
-          <p:nvPr>
-            <p:ph type="title"/>
-          </p:nvPr>
-        </p:nvSpPr>
-        <p:spPr/>
-        <p:txBody>
-          <a:bodyPr/>
-          <a:lstStyle/>
-          <a:p>
-            <a:r>
-              <a:rPr lang="en-US" dirty="0" smtClean="0"/>
-              <a:t>Not so simple</a:t>
-            </a:r>
-            <a:endParaRPr lang="en-US" dirty="0"/>
-          </a:p>
-        </p:txBody>
-      </p:sp>
-      <p:sp>
-        <p:nvSpPr>
-          <p:cNvPr id="4" name="Rectangle 1"/>
-          <p:cNvSpPr>
-            <a:spLocks noGrp="1" noChangeArrowheads="1"/>
-          </p:cNvSpPr>
-          <p:nvPr>
-            <p:ph idx="1"/>
-          </p:nvPr>
-        </p:nvSpPr>
-        <p:spPr bwMode="auto">
-          <a:xfrm>
-            <a:off x="693233" y="1795575"/>
-            <a:ext cx="8841059" cy="1846659"/>
-          </a:xfrm>
-          <a:prstGeom prst="rect">
-            <a:avLst/>
-          </a:prstGeom>
-          <a:solidFill>
-            <a:srgbClr val="F5F2F0"/>
-          </a:solidFill>
-          <a:ln>
-            <a:noFill/>
-          </a:ln>
-          <a:effectLst/>
-          <a:extLst>
-            <a:ext uri="{91240B29-F687-4F45-9708-019B960494DF}">
-              <a14:hiddenLine xmlns:a14="http://schemas.microsoft.com/office/drawing/2010/main" w="9525">
-                <a:solidFill>
-                  <a:schemeClr val="tx1"/>
-                </a:solidFill>
-                <a:miter lim="800000"/>
-                <a:headEnd/>
-                <a:tailEnd/>
-              </a14:hiddenLine>
-            </a:ext>
-            <a:ext uri="{AF507438-7753-43E0-B8FC-AC1667EBCBE1}">
-              <a14:hiddenEffects xmlns:a14="http://schemas.microsoft.com/office/drawing/2010/main">
-                <a:effectLst>
-                  <a:outerShdw dist="35921" dir="2700000" algn="ctr" rotWithShape="0">
-                    <a:schemeClr val="bg2"/>
-                  </a:outerShdw>
-                </a:effectLst>
-              </a14:hiddenEffects>
-            </a:ext>
-          </a:extLst>
-        </p:spPr>
-        <p:txBody>
-          <a:bodyPr vert="horz" wrap="square" lIns="0" tIns="0" rIns="0" bIns="0" numCol="1" anchor="ctr" anchorCtr="0" compatLnSpc="1">
-            <a:prstTxWarp prst="textNoShape">
-              <a:avLst/>
-            </a:prstTxWarp>
-            <a:spAutoFit/>
-          </a:bodyPr>
-          <a:lstStyle/>
-          <a:p>
-            <a:pPr marL="0" marR="0" lvl="0" indent="0" algn="l" defTabSz="914400" rtl="0" eaLnBrk="0" fontAlgn="base" latinLnBrk="0" hangingPunct="0">
-              <a:lnSpc>
-                <a:spcPct val="100000"/>
-              </a:lnSpc>
-              <a:spcBef>
-                <a:spcPct val="0"/>
-              </a:spcBef>
-              <a:spcAft>
-                <a:spcPct val="0"/>
-              </a:spcAft>
-              <a:buClrTx/>
-              <a:buSzTx/>
-              <a:buFontTx/>
-              <a:buNone/>
-              <a:tabLst/>
-            </a:pPr>
-            <a:r>
-              <a:rPr kumimoji="0" lang="en-US" altLang="en-US" sz="2400" b="0" i="0" u="none" strike="noStrike" cap="none" normalizeH="0" baseline="0" dirty="0" smtClean="0">
-                <a:ln>
-                  <a:noFill/>
-                </a:ln>
-                <a:solidFill>
-                  <a:srgbClr val="0077AA"/>
-                </a:solidFill>
-                <a:effectLst/>
-                <a:latin typeface="Consolas" panose="020B0609020204030204" pitchFamily="49" charset="0"/>
-                <a:cs typeface="Consolas" panose="020B0609020204030204" pitchFamily="49" charset="0"/>
-              </a:rPr>
-              <a:t>let</a:t>
-            </a:r>
-            <a:r>
-              <a:rPr kumimoji="0" lang="en-US" altLang="en-US" sz="2400" b="0" i="0" u="none" strike="noStrike" cap="none" normalizeH="0" baseline="0" dirty="0" smtClean="0">
-                <a:ln>
-                  <a:noFill/>
-                </a:ln>
-                <a:solidFill>
-                  <a:srgbClr val="000000"/>
-                </a:solidFill>
-                <a:effectLst/>
-                <a:latin typeface="Consolas" panose="020B0609020204030204" pitchFamily="49" charset="0"/>
-                <a:cs typeface="Consolas" panose="020B0609020204030204" pitchFamily="49" charset="0"/>
-              </a:rPr>
-              <a:t> x </a:t>
-            </a:r>
-            <a:r>
-              <a:rPr kumimoji="0" lang="en-US" altLang="en-US" sz="2400" b="0" i="0" u="none" strike="noStrike" cap="none" normalizeH="0" baseline="0" dirty="0" smtClean="0">
-                <a:ln>
-                  <a:noFill/>
-                </a:ln>
-                <a:solidFill>
-                  <a:srgbClr val="A67F59"/>
-                </a:solidFill>
-                <a:effectLst/>
-                <a:latin typeface="Consolas" panose="020B0609020204030204" pitchFamily="49" charset="0"/>
-                <a:cs typeface="Consolas" panose="020B0609020204030204" pitchFamily="49" charset="0"/>
-              </a:rPr>
-              <a:t>=</a:t>
-            </a:r>
-            <a:r>
-              <a:rPr kumimoji="0" lang="en-US" altLang="en-US" sz="2400" b="0" i="0" u="none" strike="noStrike" cap="none" normalizeH="0" baseline="0" dirty="0" smtClean="0">
-                <a:ln>
-                  <a:noFill/>
-                </a:ln>
-                <a:solidFill>
-                  <a:srgbClr val="000000"/>
-                </a:solidFill>
-                <a:effectLst/>
-                <a:latin typeface="Consolas" panose="020B0609020204030204" pitchFamily="49" charset="0"/>
-                <a:cs typeface="Consolas" panose="020B0609020204030204" pitchFamily="49" charset="0"/>
-              </a:rPr>
-              <a:t> </a:t>
-            </a:r>
-            <a:r>
-              <a:rPr kumimoji="0" lang="en-US" altLang="en-US" sz="2400" b="0" i="0" u="none" strike="noStrike" cap="none" normalizeH="0" baseline="0" dirty="0" smtClean="0">
-                <a:ln>
-                  <a:noFill/>
-                </a:ln>
-                <a:solidFill>
-                  <a:srgbClr val="669900"/>
-                </a:solidFill>
-                <a:effectLst/>
-                <a:latin typeface="Consolas" panose="020B0609020204030204" pitchFamily="49" charset="0"/>
-                <a:cs typeface="Consolas" panose="020B0609020204030204" pitchFamily="49" charset="0"/>
-              </a:rPr>
-              <a:t>'outer scope'</a:t>
-            </a:r>
-            <a:r>
-              <a:rPr kumimoji="0" lang="en-US" altLang="en-US" sz="2400" b="0" i="0" u="none" strike="noStrike" cap="none" normalizeH="0" baseline="0" dirty="0" smtClean="0">
-                <a:ln>
-                  <a:noFill/>
-                </a:ln>
-                <a:solidFill>
-                  <a:srgbClr val="999999"/>
-                </a:solidFill>
-                <a:effectLst/>
-                <a:latin typeface="Consolas" panose="020B0609020204030204" pitchFamily="49" charset="0"/>
-                <a:cs typeface="Consolas" panose="020B0609020204030204" pitchFamily="49" charset="0"/>
-              </a:rPr>
-              <a:t>;</a:t>
-            </a:r>
-          </a:p>
-          <a:p>
-            <a:pPr marL="0" marR="0" lvl="0" indent="0" algn="l" defTabSz="914400" rtl="0" eaLnBrk="0" fontAlgn="base" latinLnBrk="0" hangingPunct="0">
-              <a:lnSpc>
-                <a:spcPct val="100000"/>
-              </a:lnSpc>
-              <a:spcBef>
-                <a:spcPct val="0"/>
-              </a:spcBef>
-              <a:spcAft>
-                <a:spcPct val="0"/>
-              </a:spcAft>
-              <a:buClrTx/>
-              <a:buSzTx/>
-              <a:buFontTx/>
-              <a:buNone/>
-              <a:tabLst/>
-            </a:pPr>
-            <a:r>
-              <a:rPr kumimoji="0" lang="en-US" altLang="en-US" sz="2400" b="0" i="0" u="none" strike="noStrike" cap="none" normalizeH="0" baseline="0" dirty="0" smtClean="0">
-                <a:ln>
-                  <a:noFill/>
-                </a:ln>
-                <a:solidFill>
-                  <a:srgbClr val="999999"/>
-                </a:solidFill>
-                <a:effectLst/>
-                <a:latin typeface="Consolas" panose="020B0609020204030204" pitchFamily="49" charset="0"/>
-                <a:cs typeface="Consolas" panose="020B0609020204030204" pitchFamily="49" charset="0"/>
-              </a:rPr>
-              <a:t>(</a:t>
-            </a:r>
-            <a:r>
-              <a:rPr kumimoji="0" lang="en-US" altLang="en-US" sz="2400" b="0" i="0" u="none" strike="noStrike" cap="none" normalizeH="0" baseline="0" dirty="0" smtClean="0">
-                <a:ln>
-                  <a:noFill/>
-                </a:ln>
-                <a:solidFill>
-                  <a:srgbClr val="0077AA"/>
-                </a:solidFill>
-                <a:effectLst/>
-                <a:latin typeface="Consolas" panose="020B0609020204030204" pitchFamily="49" charset="0"/>
-                <a:cs typeface="Consolas" panose="020B0609020204030204" pitchFamily="49" charset="0"/>
-              </a:rPr>
-              <a:t>function</a:t>
-            </a:r>
-            <a:r>
-              <a:rPr kumimoji="0" lang="en-US" altLang="en-US" sz="2400" b="0" i="0" u="none" strike="noStrike" cap="none" normalizeH="0" baseline="0" dirty="0" smtClean="0">
-                <a:ln>
-                  <a:noFill/>
-                </a:ln>
-                <a:solidFill>
-                  <a:srgbClr val="999999"/>
-                </a:solidFill>
-                <a:effectLst/>
-                <a:latin typeface="Consolas" panose="020B0609020204030204" pitchFamily="49" charset="0"/>
-                <a:cs typeface="Consolas" panose="020B0609020204030204" pitchFamily="49" charset="0"/>
-              </a:rPr>
-              <a:t>()</a:t>
-            </a:r>
-            <a:r>
-              <a:rPr kumimoji="0" lang="en-US" altLang="en-US" sz="2400" b="0" i="0" u="none" strike="noStrike" cap="none" normalizeH="0" baseline="0" dirty="0" smtClean="0">
-                <a:ln>
-                  <a:noFill/>
-                </a:ln>
-                <a:solidFill>
-                  <a:srgbClr val="000000"/>
-                </a:solidFill>
-                <a:effectLst/>
-                <a:latin typeface="Consolas" panose="020B0609020204030204" pitchFamily="49" charset="0"/>
-                <a:cs typeface="Consolas" panose="020B0609020204030204" pitchFamily="49" charset="0"/>
-              </a:rPr>
-              <a:t> </a:t>
-            </a:r>
-            <a:r>
-              <a:rPr kumimoji="0" lang="en-US" altLang="en-US" sz="2400" b="0" i="0" u="none" strike="noStrike" cap="none" normalizeH="0" baseline="0" dirty="0" smtClean="0">
-                <a:ln>
-                  <a:noFill/>
-                </a:ln>
-                <a:solidFill>
-                  <a:srgbClr val="999999"/>
-                </a:solidFill>
-                <a:effectLst/>
-                <a:latin typeface="Consolas" panose="020B0609020204030204" pitchFamily="49" charset="0"/>
-                <a:cs typeface="Consolas" panose="020B0609020204030204" pitchFamily="49" charset="0"/>
-              </a:rPr>
-              <a:t>{</a:t>
-            </a:r>
-            <a:r>
-              <a:rPr kumimoji="0" lang="en-US" altLang="en-US" sz="2400" b="0" i="0" u="none" strike="noStrike" cap="none" normalizeH="0" baseline="0" dirty="0" smtClean="0">
-                <a:ln>
-                  <a:noFill/>
-                </a:ln>
-                <a:solidFill>
-                  <a:srgbClr val="000000"/>
-                </a:solidFill>
-                <a:effectLst/>
-                <a:latin typeface="Consolas" panose="020B0609020204030204" pitchFamily="49" charset="0"/>
-                <a:cs typeface="Consolas" panose="020B0609020204030204" pitchFamily="49" charset="0"/>
-              </a:rPr>
-              <a:t> \</a:t>
-            </a:r>
-          </a:p>
-          <a:p>
-            <a:pPr marL="0" marR="0" lvl="0" indent="0" algn="l" defTabSz="914400" rtl="0" eaLnBrk="0" fontAlgn="base" latinLnBrk="0" hangingPunct="0">
-              <a:lnSpc>
-                <a:spcPct val="100000"/>
-              </a:lnSpc>
-              <a:spcBef>
-                <a:spcPct val="0"/>
-              </a:spcBef>
-              <a:spcAft>
-                <a:spcPct val="0"/>
-              </a:spcAft>
-              <a:buClrTx/>
-              <a:buSzTx/>
-              <a:buFontTx/>
-              <a:buNone/>
-              <a:tabLst/>
-            </a:pPr>
-            <a:r>
-              <a:rPr kumimoji="0" lang="en-US" altLang="en-US" sz="2400" b="0" i="0" u="none" strike="noStrike" cap="none" normalizeH="0" baseline="0" dirty="0" smtClean="0">
-                <a:ln>
-                  <a:noFill/>
-                </a:ln>
-                <a:solidFill>
-                  <a:srgbClr val="000000"/>
-                </a:solidFill>
-                <a:effectLst/>
-                <a:latin typeface="Consolas" panose="020B0609020204030204" pitchFamily="49" charset="0"/>
-                <a:cs typeface="Consolas" panose="020B0609020204030204" pitchFamily="49" charset="0"/>
-              </a:rPr>
-              <a:t>	console</a:t>
-            </a:r>
-            <a:r>
-              <a:rPr kumimoji="0" lang="en-US" altLang="en-US" sz="2400" b="0" i="0" u="none" strike="noStrike" cap="none" normalizeH="0" baseline="0" dirty="0" smtClean="0">
-                <a:ln>
-                  <a:noFill/>
-                </a:ln>
-                <a:solidFill>
-                  <a:srgbClr val="999999"/>
-                </a:solidFill>
-                <a:effectLst/>
-                <a:latin typeface="Consolas" panose="020B0609020204030204" pitchFamily="49" charset="0"/>
-                <a:cs typeface="Consolas" panose="020B0609020204030204" pitchFamily="49" charset="0"/>
-              </a:rPr>
-              <a:t>.</a:t>
-            </a:r>
-            <a:r>
-              <a:rPr kumimoji="0" lang="en-US" altLang="en-US" sz="2400" b="0" i="0" u="none" strike="noStrike" cap="none" normalizeH="0" baseline="0" dirty="0" smtClean="0">
-                <a:ln>
-                  <a:noFill/>
-                </a:ln>
-                <a:solidFill>
-                  <a:srgbClr val="DD4A68"/>
-                </a:solidFill>
-                <a:effectLst/>
-                <a:latin typeface="Consolas" panose="020B0609020204030204" pitchFamily="49" charset="0"/>
-                <a:cs typeface="Consolas" panose="020B0609020204030204" pitchFamily="49" charset="0"/>
-              </a:rPr>
-              <a:t>log</a:t>
-            </a:r>
-            <a:r>
-              <a:rPr kumimoji="0" lang="en-US" altLang="en-US" sz="2400" b="0" i="0" u="none" strike="noStrike" cap="none" normalizeH="0" baseline="0" dirty="0" smtClean="0">
-                <a:ln>
-                  <a:noFill/>
-                </a:ln>
-                <a:solidFill>
-                  <a:srgbClr val="999999"/>
-                </a:solidFill>
-                <a:effectLst/>
-                <a:latin typeface="Consolas" panose="020B0609020204030204" pitchFamily="49" charset="0"/>
-                <a:cs typeface="Consolas" panose="020B0609020204030204" pitchFamily="49" charset="0"/>
-              </a:rPr>
-              <a:t>(</a:t>
-            </a:r>
-            <a:r>
-              <a:rPr kumimoji="0" lang="en-US" altLang="en-US" sz="2400" b="0" i="0" u="none" strike="noStrike" cap="none" normalizeH="0" baseline="0" dirty="0" smtClean="0">
-                <a:ln>
-                  <a:noFill/>
-                </a:ln>
-                <a:solidFill>
-                  <a:srgbClr val="000000"/>
-                </a:solidFill>
-                <a:effectLst/>
-                <a:latin typeface="Consolas" panose="020B0609020204030204" pitchFamily="49" charset="0"/>
-                <a:cs typeface="Consolas" panose="020B0609020204030204" pitchFamily="49" charset="0"/>
-              </a:rPr>
-              <a:t>x</a:t>
-            </a:r>
-            <a:r>
-              <a:rPr kumimoji="0" lang="en-US" altLang="en-US" sz="2400" b="0" i="0" u="none" strike="noStrike" cap="none" normalizeH="0" baseline="0" dirty="0" smtClean="0">
-                <a:ln>
-                  <a:noFill/>
-                </a:ln>
-                <a:solidFill>
-                  <a:srgbClr val="999999"/>
-                </a:solidFill>
-                <a:effectLst/>
-                <a:latin typeface="Consolas" panose="020B0609020204030204" pitchFamily="49" charset="0"/>
-                <a:cs typeface="Consolas" panose="020B0609020204030204" pitchFamily="49" charset="0"/>
-              </a:rPr>
-              <a:t>);</a:t>
-            </a:r>
-            <a:r>
-              <a:rPr kumimoji="0" lang="en-US" altLang="en-US" sz="2400" b="0" i="0" u="none" strike="noStrike" cap="none" normalizeH="0" baseline="0" dirty="0" smtClean="0">
-                <a:ln>
-                  <a:noFill/>
-                </a:ln>
-                <a:solidFill>
-                  <a:srgbClr val="000000"/>
-                </a:solidFill>
-                <a:effectLst/>
-                <a:latin typeface="Consolas" panose="020B0609020204030204" pitchFamily="49" charset="0"/>
-                <a:cs typeface="Consolas" panose="020B0609020204030204" pitchFamily="49" charset="0"/>
-              </a:rPr>
-              <a:t> // hoist but</a:t>
-            </a:r>
-            <a:r>
-              <a:rPr kumimoji="0" lang="en-US" altLang="en-US" sz="2400" b="0" i="0" u="none" strike="noStrike" cap="none" normalizeH="0" dirty="0" smtClean="0">
-                <a:ln>
-                  <a:noFill/>
-                </a:ln>
-                <a:solidFill>
-                  <a:srgbClr val="000000"/>
-                </a:solidFill>
-                <a:effectLst/>
-                <a:latin typeface="Consolas" panose="020B0609020204030204" pitchFamily="49" charset="0"/>
-                <a:cs typeface="Consolas" panose="020B0609020204030204" pitchFamily="49" charset="0"/>
-              </a:rPr>
-              <a:t> throw error</a:t>
-            </a:r>
-            <a:endParaRPr kumimoji="0" lang="en-US" altLang="en-US" sz="2400" b="0" i="0" u="none" strike="noStrike" cap="none" normalizeH="0" baseline="0" dirty="0" smtClean="0">
-              <a:ln>
-                <a:noFill/>
-              </a:ln>
-              <a:solidFill>
-                <a:srgbClr val="000000"/>
-              </a:solidFill>
-              <a:effectLst/>
-              <a:latin typeface="Consolas" panose="020B0609020204030204" pitchFamily="49" charset="0"/>
-              <a:cs typeface="Consolas" panose="020B0609020204030204" pitchFamily="49" charset="0"/>
-            </a:endParaRPr>
-          </a:p>
-          <a:p>
-            <a:pPr marL="0" marR="0" lvl="0" indent="0" algn="l" defTabSz="914400" rtl="0" eaLnBrk="0" fontAlgn="base" latinLnBrk="0" hangingPunct="0">
-              <a:lnSpc>
-                <a:spcPct val="100000"/>
-              </a:lnSpc>
-              <a:spcBef>
-                <a:spcPct val="0"/>
-              </a:spcBef>
-              <a:spcAft>
-                <a:spcPct val="0"/>
-              </a:spcAft>
-              <a:buClrTx/>
-              <a:buSzTx/>
-              <a:buFontTx/>
-              <a:buNone/>
-              <a:tabLst/>
-            </a:pPr>
-            <a:r>
-              <a:rPr kumimoji="0" lang="en-US" altLang="en-US" sz="2400" b="0" i="0" u="none" strike="noStrike" cap="none" normalizeH="0" baseline="0" dirty="0" smtClean="0">
-                <a:ln>
-                  <a:noFill/>
-                </a:ln>
-                <a:solidFill>
-                  <a:srgbClr val="0077AA"/>
-                </a:solidFill>
-                <a:effectLst/>
-                <a:latin typeface="Consolas" panose="020B0609020204030204" pitchFamily="49" charset="0"/>
-                <a:cs typeface="Consolas" panose="020B0609020204030204" pitchFamily="49" charset="0"/>
-              </a:rPr>
-              <a:t>	let</a:t>
-            </a:r>
-            <a:r>
-              <a:rPr kumimoji="0" lang="en-US" altLang="en-US" sz="2400" b="0" i="0" u="none" strike="noStrike" cap="none" normalizeH="0" baseline="0" dirty="0" smtClean="0">
-                <a:ln>
-                  <a:noFill/>
-                </a:ln>
-                <a:solidFill>
-                  <a:srgbClr val="000000"/>
-                </a:solidFill>
-                <a:effectLst/>
-                <a:latin typeface="Consolas" panose="020B0609020204030204" pitchFamily="49" charset="0"/>
-                <a:cs typeface="Consolas" panose="020B0609020204030204" pitchFamily="49" charset="0"/>
-              </a:rPr>
-              <a:t> x </a:t>
-            </a:r>
-            <a:r>
-              <a:rPr kumimoji="0" lang="en-US" altLang="en-US" sz="2400" b="0" i="0" u="none" strike="noStrike" cap="none" normalizeH="0" baseline="0" dirty="0" smtClean="0">
-                <a:ln>
-                  <a:noFill/>
-                </a:ln>
-                <a:solidFill>
-                  <a:srgbClr val="A67F59"/>
-                </a:solidFill>
-                <a:effectLst/>
-                <a:latin typeface="Consolas" panose="020B0609020204030204" pitchFamily="49" charset="0"/>
-                <a:cs typeface="Consolas" panose="020B0609020204030204" pitchFamily="49" charset="0"/>
-              </a:rPr>
-              <a:t>=</a:t>
-            </a:r>
-            <a:r>
-              <a:rPr kumimoji="0" lang="en-US" altLang="en-US" sz="2400" b="0" i="0" u="none" strike="noStrike" cap="none" normalizeH="0" baseline="0" dirty="0" smtClean="0">
-                <a:ln>
-                  <a:noFill/>
-                </a:ln>
-                <a:solidFill>
-                  <a:srgbClr val="000000"/>
-                </a:solidFill>
-                <a:effectLst/>
-                <a:latin typeface="Consolas" panose="020B0609020204030204" pitchFamily="49" charset="0"/>
-                <a:cs typeface="Consolas" panose="020B0609020204030204" pitchFamily="49" charset="0"/>
-              </a:rPr>
-              <a:t> </a:t>
-            </a:r>
-            <a:r>
-              <a:rPr kumimoji="0" lang="en-US" altLang="en-US" sz="2400" b="0" i="0" u="none" strike="noStrike" cap="none" normalizeH="0" baseline="0" dirty="0" smtClean="0">
-                <a:ln>
-                  <a:noFill/>
-                </a:ln>
-                <a:solidFill>
-                  <a:srgbClr val="669900"/>
-                </a:solidFill>
-                <a:effectLst/>
-                <a:latin typeface="Consolas" panose="020B0609020204030204" pitchFamily="49" charset="0"/>
-                <a:cs typeface="Consolas" panose="020B0609020204030204" pitchFamily="49" charset="0"/>
-              </a:rPr>
-              <a:t>'inner scope'</a:t>
-            </a:r>
-            <a:r>
-              <a:rPr kumimoji="0" lang="en-US" altLang="en-US" sz="2400" b="0" i="0" u="none" strike="noStrike" cap="none" normalizeH="0" baseline="0" dirty="0" smtClean="0">
-                <a:ln>
-                  <a:noFill/>
-                </a:ln>
-                <a:solidFill>
-                  <a:srgbClr val="999999"/>
-                </a:solidFill>
-                <a:effectLst/>
-                <a:latin typeface="Consolas" panose="020B0609020204030204" pitchFamily="49" charset="0"/>
-                <a:cs typeface="Consolas" panose="020B0609020204030204" pitchFamily="49" charset="0"/>
-              </a:rPr>
-              <a:t>;</a:t>
-            </a:r>
-            <a:endParaRPr lang="en-US" altLang="en-US" sz="2400" dirty="0">
-              <a:solidFill>
-                <a:srgbClr val="000000"/>
-              </a:solidFill>
-              <a:latin typeface="Consolas" panose="020B0609020204030204" pitchFamily="49" charset="0"/>
-              <a:cs typeface="Consolas" panose="020B0609020204030204" pitchFamily="49" charset="0"/>
-            </a:endParaRPr>
-          </a:p>
-          <a:p>
-            <a:pPr marL="0" marR="0" lvl="0" indent="0" algn="l" defTabSz="914400" rtl="0" eaLnBrk="0" fontAlgn="base" latinLnBrk="0" hangingPunct="0">
-              <a:lnSpc>
-                <a:spcPct val="100000"/>
-              </a:lnSpc>
-              <a:spcBef>
-                <a:spcPct val="0"/>
-              </a:spcBef>
-              <a:spcAft>
-                <a:spcPct val="0"/>
-              </a:spcAft>
-              <a:buClrTx/>
-              <a:buSzTx/>
-              <a:buFontTx/>
-              <a:buNone/>
-              <a:tabLst/>
-            </a:pPr>
-            <a:r>
-              <a:rPr kumimoji="0" lang="en-US" altLang="en-US" sz="2400" b="0" i="0" u="none" strike="noStrike" cap="none" normalizeH="0" baseline="0" dirty="0" smtClean="0">
-                <a:ln>
-                  <a:noFill/>
-                </a:ln>
-                <a:solidFill>
-                  <a:srgbClr val="999999"/>
-                </a:solidFill>
-                <a:effectLst/>
-                <a:latin typeface="Consolas" panose="020B0609020204030204" pitchFamily="49" charset="0"/>
-                <a:cs typeface="Consolas" panose="020B0609020204030204" pitchFamily="49" charset="0"/>
-              </a:rPr>
-              <a:t>}());</a:t>
-            </a:r>
-            <a:r>
-              <a:rPr kumimoji="0" lang="en-US" altLang="en-US" sz="2000" b="0" i="0" u="none" strike="noStrike" cap="none" normalizeH="0" baseline="0" dirty="0" smtClean="0">
-                <a:ln>
-                  <a:noFill/>
-                </a:ln>
-                <a:solidFill>
-                  <a:schemeClr val="tx1"/>
-                </a:solidFill>
-                <a:effectLst/>
-              </a:rPr>
-              <a:t> </a:t>
-            </a:r>
-            <a:endParaRPr kumimoji="0" lang="en-US" altLang="en-US" sz="4800" b="0" i="0" u="none" strike="noStrike" cap="none" normalizeH="0" baseline="0" dirty="0" smtClean="0">
-              <a:ln>
-                <a:noFill/>
-              </a:ln>
-              <a:solidFill>
-                <a:schemeClr val="tx1"/>
-              </a:solidFill>
-              <a:effectLst/>
-              <a:latin typeface="Arial" panose="020B0604020202020204" pitchFamily="34" charset="0"/>
-            </a:endParaRPr>
-          </a:p>
-        </p:txBody>
-      </p:sp>
-    </p:spTree>
-    <p:extLst>
-      <p:ext uri="{BB962C8B-B14F-4D97-AF65-F5344CB8AC3E}">
-        <p14:creationId xmlns:p14="http://schemas.microsoft.com/office/powerpoint/2010/main" val="3927349336"/>
-      </p:ext>
-    </p:extLst>
-  </p:cSld>
-  <p:clrMapOvr>
-    <a:masterClrMapping/>
-  </p:clrMapOvr>
-  <p:timing>
-    <p:tnLst>
-      <p:par>
-        <p:cTn id="1" dur="indefinite" restart="never" nodeType="tmRoot"/>
-      </p:par>
-    </p:tnLst>
-  </p:timing>
-</p:sld>
-</file>
-
-<file path=ppt/slides/slide31.xml><?xml version="1.0" encoding="utf-8"?>
-<p:sld xmlns:a="http://schemas.openxmlformats.org/drawingml/2006/main" xmlns:r="http://schemas.openxmlformats.org/officeDocument/2006/relationships" xmlns:p="http://schemas.openxmlformats.org/presentationml/2006/main">
-  <p:cSld>
-    <p:spTree>
-      <p:nvGrpSpPr>
-        <p:cNvPr id="1" name=""/>
-        <p:cNvGrpSpPr/>
-        <p:nvPr/>
-      </p:nvGrpSpPr>
-      <p:grpSpPr>
-        <a:xfrm>
-          <a:off x="0" y="0"/>
-          <a:ext cx="0" cy="0"/>
-          <a:chOff x="0" y="0"/>
-          <a:chExt cx="0" cy="0"/>
-        </a:xfrm>
-      </p:grpSpPr>
-      <p:sp>
-        <p:nvSpPr>
-          <p:cNvPr id="2" name="Title 1"/>
-          <p:cNvSpPr>
-            <a:spLocks noGrp="1"/>
-          </p:cNvSpPr>
-          <p:nvPr>
-            <p:ph type="title"/>
-          </p:nvPr>
-        </p:nvSpPr>
-        <p:spPr/>
-        <p:txBody>
-          <a:bodyPr/>
-          <a:lstStyle/>
-          <a:p>
-            <a:endParaRPr lang="en-US"/>
-          </a:p>
-        </p:txBody>
-      </p:sp>
-      <p:sp>
-        <p:nvSpPr>
-          <p:cNvPr id="4" name="Rectangle 1"/>
-          <p:cNvSpPr>
-            <a:spLocks noGrp="1" noChangeArrowheads="1"/>
-          </p:cNvSpPr>
-          <p:nvPr>
-            <p:ph idx="1"/>
-          </p:nvPr>
-        </p:nvSpPr>
-        <p:spPr bwMode="auto">
-          <a:xfrm>
-            <a:off x="838200" y="3447297"/>
-            <a:ext cx="8501366" cy="1107996"/>
-          </a:xfrm>
-          <a:prstGeom prst="rect">
-            <a:avLst/>
-          </a:prstGeom>
-          <a:solidFill>
-            <a:srgbClr val="F9F2F4"/>
-          </a:solidFill>
-          <a:ln>
-            <a:noFill/>
-          </a:ln>
-          <a:effectLst/>
-          <a:extLst>
-            <a:ext uri="{91240B29-F687-4F45-9708-019B960494DF}">
-              <a14:hiddenLine xmlns:a14="http://schemas.microsoft.com/office/drawing/2010/main" w="9525">
-                <a:solidFill>
-                  <a:schemeClr val="tx1"/>
-                </a:solidFill>
-                <a:miter lim="800000"/>
-                <a:headEnd/>
-                <a:tailEnd/>
-              </a14:hiddenLine>
-            </a:ext>
-            <a:ext uri="{AF507438-7753-43E0-B8FC-AC1667EBCBE1}">
-              <a14:hiddenEffects xmlns:a14="http://schemas.microsoft.com/office/drawing/2010/main">
-                <a:effectLst>
-                  <a:outerShdw dist="35921" dir="2700000" algn="ctr" rotWithShape="0">
-                    <a:schemeClr val="bg2"/>
-                  </a:outerShdw>
-                </a:effectLst>
-              </a14:hiddenEffects>
-            </a:ext>
-          </a:extLst>
-        </p:spPr>
-        <p:txBody>
-          <a:bodyPr vert="horz" wrap="none" lIns="0" tIns="0" rIns="0" bIns="0" numCol="1" anchor="ctr" anchorCtr="0" compatLnSpc="1">
-            <a:prstTxWarp prst="textNoShape">
-              <a:avLst/>
-            </a:prstTxWarp>
-            <a:spAutoFit/>
-          </a:bodyPr>
-          <a:lstStyle>
-            <a:lvl1pPr eaLnBrk="0" fontAlgn="base" hangingPunct="0">
-              <a:spcBef>
-                <a:spcPct val="0"/>
-              </a:spcBef>
-              <a:spcAft>
-                <a:spcPct val="0"/>
-              </a:spcAft>
-              <a:defRPr>
-                <a:solidFill>
-                  <a:schemeClr val="tx1"/>
-                </a:solidFill>
-                <a:latin typeface="Arial" panose="020B0604020202020204" pitchFamily="34" charset="0"/>
-              </a:defRPr>
-            </a:lvl1pPr>
-            <a:lvl2pPr eaLnBrk="0" fontAlgn="base" hangingPunct="0">
-              <a:spcBef>
-                <a:spcPct val="0"/>
-              </a:spcBef>
-              <a:spcAft>
-                <a:spcPct val="0"/>
-              </a:spcAft>
-              <a:defRPr>
-                <a:solidFill>
-                  <a:schemeClr val="tx1"/>
-                </a:solidFill>
-                <a:latin typeface="Arial" panose="020B0604020202020204" pitchFamily="34" charset="0"/>
-              </a:defRPr>
-            </a:lvl2pPr>
-            <a:lvl3pPr eaLnBrk="0" fontAlgn="base" hangingPunct="0">
-              <a:spcBef>
-                <a:spcPct val="0"/>
-              </a:spcBef>
-              <a:spcAft>
-                <a:spcPct val="0"/>
-              </a:spcAft>
-              <a:defRPr>
-                <a:solidFill>
-                  <a:schemeClr val="tx1"/>
-                </a:solidFill>
-                <a:latin typeface="Arial" panose="020B0604020202020204" pitchFamily="34" charset="0"/>
-              </a:defRPr>
-            </a:lvl3pPr>
-            <a:lvl4pPr eaLnBrk="0" fontAlgn="base" hangingPunct="0">
-              <a:spcBef>
-                <a:spcPct val="0"/>
-              </a:spcBef>
-              <a:spcAft>
-                <a:spcPct val="0"/>
-              </a:spcAft>
-              <a:defRPr>
-                <a:solidFill>
-                  <a:schemeClr val="tx1"/>
-                </a:solidFill>
-                <a:latin typeface="Arial" panose="020B0604020202020204" pitchFamily="34" charset="0"/>
-              </a:defRPr>
-            </a:lvl4pPr>
-            <a:lvl5pPr eaLnBrk="0" fontAlgn="base" hangingPunct="0">
-              <a:spcBef>
-                <a:spcPct val="0"/>
-              </a:spcBef>
-              <a:spcAft>
-                <a:spcPct val="0"/>
-              </a:spcAft>
-              <a:defRPr>
-                <a:solidFill>
-                  <a:schemeClr val="tx1"/>
-                </a:solidFill>
-                <a:latin typeface="Arial" panose="020B0604020202020204" pitchFamily="34" charset="0"/>
-              </a:defRPr>
-            </a:lvl5pPr>
-            <a:lvl6pPr eaLnBrk="0" fontAlgn="base" hangingPunct="0">
-              <a:spcBef>
-                <a:spcPct val="0"/>
-              </a:spcBef>
-              <a:spcAft>
-                <a:spcPct val="0"/>
-              </a:spcAft>
-              <a:defRPr>
-                <a:solidFill>
-                  <a:schemeClr val="tx1"/>
-                </a:solidFill>
-                <a:latin typeface="Arial" panose="020B0604020202020204" pitchFamily="34" charset="0"/>
-              </a:defRPr>
-            </a:lvl6pPr>
-            <a:lvl7pPr eaLnBrk="0" fontAlgn="base" hangingPunct="0">
-              <a:spcBef>
-                <a:spcPct val="0"/>
-              </a:spcBef>
-              <a:spcAft>
-                <a:spcPct val="0"/>
-              </a:spcAft>
-              <a:defRPr>
-                <a:solidFill>
-                  <a:schemeClr val="tx1"/>
-                </a:solidFill>
-                <a:latin typeface="Arial" panose="020B0604020202020204" pitchFamily="34" charset="0"/>
-              </a:defRPr>
-            </a:lvl7pPr>
-            <a:lvl8pPr eaLnBrk="0" fontAlgn="base" hangingPunct="0">
-              <a:spcBef>
-                <a:spcPct val="0"/>
-              </a:spcBef>
-              <a:spcAft>
-                <a:spcPct val="0"/>
-              </a:spcAft>
-              <a:defRPr>
-                <a:solidFill>
-                  <a:schemeClr val="tx1"/>
-                </a:solidFill>
-                <a:latin typeface="Arial" panose="020B0604020202020204" pitchFamily="34" charset="0"/>
-              </a:defRPr>
-            </a:lvl8pPr>
-            <a:lvl9pPr eaLnBrk="0" fontAlgn="base" hangingPunct="0">
-              <a:spcBef>
-                <a:spcPct val="0"/>
-              </a:spcBef>
-              <a:spcAft>
-                <a:spcPct val="0"/>
-              </a:spcAft>
-              <a:defRPr>
-                <a:solidFill>
-                  <a:schemeClr val="tx1"/>
-                </a:solidFill>
-                <a:latin typeface="Arial" panose="020B0604020202020204" pitchFamily="34" charset="0"/>
-              </a:defRPr>
-            </a:lvl9pPr>
-          </a:lstStyle>
-          <a:p>
-            <a:pPr marL="0" marR="0" lvl="0" indent="0" algn="l" defTabSz="914400" rtl="0" eaLnBrk="0" fontAlgn="base" latinLnBrk="0" hangingPunct="0">
-              <a:lnSpc>
-                <a:spcPct val="100000"/>
-              </a:lnSpc>
-              <a:spcBef>
-                <a:spcPct val="0"/>
-              </a:spcBef>
-              <a:spcAft>
-                <a:spcPct val="0"/>
-              </a:spcAft>
-              <a:buClrTx/>
-              <a:buSzTx/>
-              <a:buFontTx/>
-              <a:buNone/>
-              <a:tabLst/>
-            </a:pPr>
-            <a:r>
-              <a:rPr lang="en-US" altLang="en-US" sz="1800" dirty="0"/>
-              <a:t>let/</a:t>
-            </a:r>
-            <a:r>
-              <a:rPr lang="en-US" altLang="en-US" sz="1800" dirty="0" err="1"/>
-              <a:t>const</a:t>
-            </a:r>
-            <a:r>
-              <a:rPr lang="en-US" altLang="en-US" sz="1800" dirty="0"/>
-              <a:t> declarations hoist!</a:t>
-            </a:r>
-          </a:p>
-          <a:p>
-            <a:pPr marL="0" lvl="0" indent="0">
-              <a:lnSpc>
-                <a:spcPct val="100000"/>
-              </a:lnSpc>
-              <a:buNone/>
-            </a:pPr>
-            <a:r>
-              <a:rPr kumimoji="0" lang="en-US" altLang="en-US" sz="800" b="0" i="0" u="none" strike="noStrike" cap="none" normalizeH="0" baseline="0" dirty="0" smtClean="0">
-                <a:ln>
-                  <a:noFill/>
-                </a:ln>
-                <a:solidFill>
-                  <a:schemeClr val="tx1"/>
-                </a:solidFill>
-                <a:effectLst/>
-              </a:rPr>
-              <a:t> </a:t>
-            </a:r>
-            <a:r>
-              <a:rPr lang="en-US" sz="1800" dirty="0"/>
-              <a:t>but may not be accessed in any way until the variable’s </a:t>
-            </a:r>
-            <a:r>
-              <a:rPr lang="en-US" sz="1800" i="1" dirty="0" err="1"/>
-              <a:t>LexicalBinding</a:t>
-            </a:r>
-            <a:r>
-              <a:rPr lang="en-US" sz="1800" dirty="0"/>
-              <a:t> is </a:t>
-            </a:r>
-            <a:r>
-              <a:rPr lang="en-US" sz="1800" dirty="0" smtClean="0"/>
-              <a:t>evaluated</a:t>
-            </a:r>
-          </a:p>
-          <a:p>
-            <a:pPr marL="0" lvl="0" indent="0">
-              <a:lnSpc>
-                <a:spcPct val="100000"/>
-              </a:lnSpc>
-              <a:buNone/>
-            </a:pPr>
-            <a:endParaRPr kumimoji="0" lang="en-US" altLang="en-US" sz="1800" b="0" i="0" u="none" strike="noStrike" cap="none" normalizeH="0" baseline="0" dirty="0">
-              <a:ln>
-                <a:noFill/>
-              </a:ln>
-              <a:solidFill>
-                <a:schemeClr val="tx1"/>
-              </a:solidFill>
-              <a:effectLst/>
-              <a:latin typeface="Arial" panose="020B0604020202020204" pitchFamily="34" charset="0"/>
-            </a:endParaRPr>
-          </a:p>
-          <a:p>
-            <a:pPr marL="0" lvl="0" indent="0">
-              <a:lnSpc>
-                <a:spcPct val="100000"/>
-              </a:lnSpc>
-              <a:buNone/>
-            </a:pPr>
-            <a:r>
-              <a:rPr lang="en-US" sz="1800" dirty="0"/>
-              <a:t>This is the TDZ</a:t>
-            </a:r>
-            <a:endParaRPr kumimoji="0" lang="en-US" altLang="en-US" sz="1800" b="0" i="0" u="none" strike="noStrike" cap="none" normalizeH="0" baseline="0" dirty="0" smtClean="0">
-              <a:ln>
-                <a:noFill/>
-              </a:ln>
-              <a:solidFill>
-                <a:schemeClr val="tx1"/>
-              </a:solidFill>
-              <a:effectLst/>
-              <a:latin typeface="Arial" panose="020B0604020202020204" pitchFamily="34" charset="0"/>
-            </a:endParaRPr>
-          </a:p>
-        </p:txBody>
-      </p:sp>
-    </p:spTree>
-    <p:extLst>
-      <p:ext uri="{BB962C8B-B14F-4D97-AF65-F5344CB8AC3E}">
-        <p14:creationId xmlns:p14="http://schemas.microsoft.com/office/powerpoint/2010/main" val="4205459705"/>
-      </p:ext>
-    </p:extLst>
-  </p:cSld>
-  <p:clrMapOvr>
-    <a:masterClrMapping/>
-  </p:clrMapOvr>
-  <p:timing>
-    <p:tnLst>
-      <p:par>
-        <p:cTn id="1" dur="indefinite" restart="never" nodeType="tmRoot"/>
-      </p:par>
-    </p:tnLst>
-  </p:timing>
-</p:sld>
-</file>
-
-<file path=ppt/slides/slide32.xml><?xml version="1.0" encoding="utf-8"?>
-<p:sld xmlns:a="http://schemas.openxmlformats.org/drawingml/2006/main" xmlns:r="http://schemas.openxmlformats.org/officeDocument/2006/relationships" xmlns:p="http://schemas.openxmlformats.org/presentationml/2006/main">
-  <p:cSld>
-    <p:spTree>
-      <p:nvGrpSpPr>
-        <p:cNvPr id="1" name=""/>
-        <p:cNvGrpSpPr/>
-        <p:nvPr/>
-      </p:nvGrpSpPr>
-      <p:grpSpPr>
-        <a:xfrm>
-          <a:off x="0" y="0"/>
-          <a:ext cx="0" cy="0"/>
-          <a:chOff x="0" y="0"/>
-          <a:chExt cx="0" cy="0"/>
-        </a:xfrm>
-      </p:grpSpPr>
-      <p:sp>
-        <p:nvSpPr>
-          <p:cNvPr id="2" name="Title 1"/>
-          <p:cNvSpPr>
-            <a:spLocks noGrp="1"/>
-          </p:cNvSpPr>
-          <p:nvPr>
-            <p:ph type="title"/>
-          </p:nvPr>
-        </p:nvSpPr>
-        <p:spPr/>
-        <p:txBody>
-          <a:bodyPr/>
-          <a:lstStyle/>
-          <a:p>
-            <a:endParaRPr lang="en-US"/>
-          </a:p>
-        </p:txBody>
-      </p:sp>
-      <p:sp>
-        <p:nvSpPr>
-          <p:cNvPr id="4" name="Rectangle 1"/>
-          <p:cNvSpPr>
-            <a:spLocks noGrp="1" noChangeArrowheads="1"/>
-          </p:cNvSpPr>
-          <p:nvPr>
-            <p:ph idx="1"/>
-          </p:nvPr>
-        </p:nvSpPr>
-        <p:spPr bwMode="auto">
-          <a:xfrm>
-            <a:off x="838200" y="3539629"/>
-            <a:ext cx="5219378" cy="923330"/>
-          </a:xfrm>
-          <a:prstGeom prst="rect">
-            <a:avLst/>
-          </a:prstGeom>
-          <a:solidFill>
-            <a:srgbClr val="F5F2F0"/>
-          </a:solidFill>
-          <a:ln>
-            <a:noFill/>
-          </a:ln>
-          <a:effectLst/>
-          <a:extLst>
-            <a:ext uri="{91240B29-F687-4F45-9708-019B960494DF}">
-              <a14:hiddenLine xmlns:a14="http://schemas.microsoft.com/office/drawing/2010/main" w="9525">
-                <a:solidFill>
-                  <a:schemeClr val="tx1"/>
-                </a:solidFill>
-                <a:miter lim="800000"/>
-                <a:headEnd/>
-                <a:tailEnd/>
-              </a14:hiddenLine>
-            </a:ext>
-            <a:ext uri="{AF507438-7753-43E0-B8FC-AC1667EBCBE1}">
-              <a14:hiddenEffects xmlns:a14="http://schemas.microsoft.com/office/drawing/2010/main">
-                <a:effectLst>
-                  <a:outerShdw dist="35921" dir="2700000" algn="ctr" rotWithShape="0">
-                    <a:schemeClr val="bg2"/>
-                  </a:outerShdw>
-                </a:effectLst>
-              </a14:hiddenEffects>
-            </a:ext>
-          </a:extLst>
-        </p:spPr>
-        <p:txBody>
-          <a:bodyPr vert="horz" wrap="none" lIns="0" tIns="0" rIns="0" bIns="0" numCol="1" anchor="ctr" anchorCtr="0" compatLnSpc="1">
-            <a:prstTxWarp prst="textNoShape">
-              <a:avLst/>
-            </a:prstTxWarp>
-            <a:spAutoFit/>
-          </a:bodyPr>
-          <a:lstStyle/>
-          <a:p>
-            <a:pPr marL="0" marR="0" lvl="0" indent="0" algn="l" defTabSz="914400" rtl="0" eaLnBrk="0" fontAlgn="base" latinLnBrk="0" hangingPunct="0">
-              <a:lnSpc>
-                <a:spcPct val="100000"/>
-              </a:lnSpc>
-              <a:spcBef>
-                <a:spcPct val="0"/>
-              </a:spcBef>
-              <a:spcAft>
-                <a:spcPct val="0"/>
-              </a:spcAft>
-              <a:buClrTx/>
-              <a:buSzTx/>
-              <a:buFontTx/>
-              <a:buNone/>
-              <a:tabLst/>
-            </a:pPr>
-            <a:r>
-              <a:rPr kumimoji="0" lang="en-US" altLang="en-US" sz="1000" b="0" i="0" u="none" strike="noStrike" cap="none" normalizeH="0" baseline="0" dirty="0" smtClean="0">
-                <a:ln>
-                  <a:noFill/>
-                </a:ln>
-                <a:solidFill>
-                  <a:srgbClr val="708090"/>
-                </a:solidFill>
-                <a:effectLst/>
-                <a:latin typeface="Consolas" panose="020B0609020204030204" pitchFamily="49" charset="0"/>
-                <a:cs typeface="Consolas" panose="020B0609020204030204" pitchFamily="49" charset="0"/>
-              </a:rPr>
-              <a:t>// Accessing `x` here before control flow evaluates the `let x` statement </a:t>
-            </a:r>
-          </a:p>
-          <a:p>
-            <a:pPr marL="0" marR="0" lvl="0" indent="0" algn="l" defTabSz="914400" rtl="0" eaLnBrk="0" fontAlgn="base" latinLnBrk="0" hangingPunct="0">
-              <a:lnSpc>
-                <a:spcPct val="100000"/>
-              </a:lnSpc>
-              <a:spcBef>
-                <a:spcPct val="0"/>
-              </a:spcBef>
-              <a:spcAft>
-                <a:spcPct val="0"/>
-              </a:spcAft>
-              <a:buClrTx/>
-              <a:buSzTx/>
-              <a:buFontTx/>
-              <a:buNone/>
-              <a:tabLst/>
-            </a:pPr>
-            <a:r>
-              <a:rPr kumimoji="0" lang="en-US" altLang="en-US" sz="1000" b="0" i="0" u="none" strike="noStrike" cap="none" normalizeH="0" baseline="0" dirty="0" smtClean="0">
-                <a:ln>
-                  <a:noFill/>
-                </a:ln>
-                <a:solidFill>
-                  <a:srgbClr val="708090"/>
-                </a:solidFill>
-                <a:effectLst/>
-                <a:latin typeface="Consolas" panose="020B0609020204030204" pitchFamily="49" charset="0"/>
-                <a:cs typeface="Consolas" panose="020B0609020204030204" pitchFamily="49" charset="0"/>
-              </a:rPr>
-              <a:t>// would throw a </a:t>
-            </a:r>
-            <a:r>
-              <a:rPr kumimoji="0" lang="en-US" altLang="en-US" sz="1000" b="0" i="0" u="none" strike="noStrike" cap="none" normalizeH="0" baseline="0" dirty="0" err="1" smtClean="0">
-                <a:ln>
-                  <a:noFill/>
-                </a:ln>
-                <a:solidFill>
-                  <a:srgbClr val="708090"/>
-                </a:solidFill>
-                <a:effectLst/>
-                <a:latin typeface="Consolas" panose="020B0609020204030204" pitchFamily="49" charset="0"/>
-                <a:cs typeface="Consolas" panose="020B0609020204030204" pitchFamily="49" charset="0"/>
-              </a:rPr>
-              <a:t>ReferenceError</a:t>
-            </a:r>
-            <a:r>
-              <a:rPr kumimoji="0" lang="en-US" altLang="en-US" sz="1000" b="0" i="0" u="none" strike="noStrike" cap="none" normalizeH="0" baseline="0" dirty="0" smtClean="0">
-                <a:ln>
-                  <a:noFill/>
-                </a:ln>
-                <a:solidFill>
-                  <a:srgbClr val="708090"/>
-                </a:solidFill>
-                <a:effectLst/>
-                <a:latin typeface="Consolas" panose="020B0609020204030204" pitchFamily="49" charset="0"/>
-                <a:cs typeface="Consolas" panose="020B0609020204030204" pitchFamily="49" charset="0"/>
-              </a:rPr>
-              <a:t> due to TDZ. </a:t>
-            </a:r>
-          </a:p>
-          <a:p>
-            <a:pPr marL="0" marR="0" lvl="0" indent="0" algn="l" defTabSz="914400" rtl="0" eaLnBrk="0" fontAlgn="base" latinLnBrk="0" hangingPunct="0">
-              <a:lnSpc>
-                <a:spcPct val="100000"/>
-              </a:lnSpc>
-              <a:spcBef>
-                <a:spcPct val="0"/>
-              </a:spcBef>
-              <a:spcAft>
-                <a:spcPct val="0"/>
-              </a:spcAft>
-              <a:buClrTx/>
-              <a:buSzTx/>
-              <a:buFontTx/>
-              <a:buNone/>
-              <a:tabLst/>
-            </a:pPr>
-            <a:r>
-              <a:rPr kumimoji="0" lang="en-US" altLang="en-US" sz="1000" b="0" i="0" u="none" strike="noStrike" cap="none" normalizeH="0" baseline="0" dirty="0" smtClean="0">
-                <a:ln>
-                  <a:noFill/>
-                </a:ln>
-                <a:solidFill>
-                  <a:srgbClr val="708090"/>
-                </a:solidFill>
-                <a:effectLst/>
-                <a:latin typeface="Consolas" panose="020B0609020204030204" pitchFamily="49" charset="0"/>
-                <a:cs typeface="Consolas" panose="020B0609020204030204" pitchFamily="49" charset="0"/>
-              </a:rPr>
-              <a:t>// console.log(x); </a:t>
-            </a:r>
-          </a:p>
-          <a:p>
-            <a:pPr marL="0" marR="0" lvl="0" indent="0" algn="l" defTabSz="914400" rtl="0" eaLnBrk="0" fontAlgn="base" latinLnBrk="0" hangingPunct="0">
-              <a:lnSpc>
-                <a:spcPct val="100000"/>
-              </a:lnSpc>
-              <a:spcBef>
-                <a:spcPct val="0"/>
-              </a:spcBef>
-              <a:spcAft>
-                <a:spcPct val="0"/>
-              </a:spcAft>
-              <a:buClrTx/>
-              <a:buSzTx/>
-              <a:buFontTx/>
-              <a:buNone/>
-              <a:tabLst/>
-            </a:pPr>
-            <a:endParaRPr lang="en-US" altLang="en-US" sz="1000" dirty="0">
-              <a:solidFill>
-                <a:srgbClr val="708090"/>
-              </a:solidFill>
-              <a:latin typeface="Consolas" panose="020B0609020204030204" pitchFamily="49" charset="0"/>
-              <a:cs typeface="Consolas" panose="020B0609020204030204" pitchFamily="49" charset="0"/>
-            </a:endParaRPr>
-          </a:p>
-          <a:p>
-            <a:pPr marL="0" marR="0" lvl="0" indent="0" algn="l" defTabSz="914400" rtl="0" eaLnBrk="0" fontAlgn="base" latinLnBrk="0" hangingPunct="0">
-              <a:lnSpc>
-                <a:spcPct val="100000"/>
-              </a:lnSpc>
-              <a:spcBef>
-                <a:spcPct val="0"/>
-              </a:spcBef>
-              <a:spcAft>
-                <a:spcPct val="0"/>
-              </a:spcAft>
-              <a:buClrTx/>
-              <a:buSzTx/>
-              <a:buFontTx/>
-              <a:buNone/>
-              <a:tabLst/>
-            </a:pPr>
-            <a:r>
-              <a:rPr kumimoji="0" lang="en-US" altLang="en-US" sz="1000" b="0" i="0" u="none" strike="noStrike" cap="none" normalizeH="0" baseline="0" dirty="0" smtClean="0">
-                <a:ln>
-                  <a:noFill/>
-                </a:ln>
-                <a:solidFill>
-                  <a:srgbClr val="0077AA"/>
-                </a:solidFill>
-                <a:effectLst/>
-                <a:latin typeface="Consolas" panose="020B0609020204030204" pitchFamily="49" charset="0"/>
-                <a:cs typeface="Consolas" panose="020B0609020204030204" pitchFamily="49" charset="0"/>
-              </a:rPr>
-              <a:t>let</a:t>
-            </a:r>
-            <a:r>
-              <a:rPr kumimoji="0" lang="en-US" altLang="en-US" sz="1000" b="0" i="0" u="none" strike="noStrike" cap="none" normalizeH="0" baseline="0" dirty="0" smtClean="0">
-                <a:ln>
-                  <a:noFill/>
-                </a:ln>
-                <a:solidFill>
-                  <a:srgbClr val="000000"/>
-                </a:solidFill>
-                <a:effectLst/>
-                <a:latin typeface="Consolas" panose="020B0609020204030204" pitchFamily="49" charset="0"/>
-                <a:cs typeface="Consolas" panose="020B0609020204030204" pitchFamily="49" charset="0"/>
-              </a:rPr>
-              <a:t> x </a:t>
-            </a:r>
-            <a:r>
-              <a:rPr kumimoji="0" lang="en-US" altLang="en-US" sz="1000" b="0" i="0" u="none" strike="noStrike" cap="none" normalizeH="0" baseline="0" dirty="0" smtClean="0">
-                <a:ln>
-                  <a:noFill/>
-                </a:ln>
-                <a:solidFill>
-                  <a:srgbClr val="A67F59"/>
-                </a:solidFill>
-                <a:effectLst/>
-                <a:latin typeface="Consolas" panose="020B0609020204030204" pitchFamily="49" charset="0"/>
-                <a:cs typeface="Consolas" panose="020B0609020204030204" pitchFamily="49" charset="0"/>
-              </a:rPr>
-              <a:t>=</a:t>
-            </a:r>
-            <a:r>
-              <a:rPr kumimoji="0" lang="en-US" altLang="en-US" sz="1000" b="0" i="0" u="none" strike="noStrike" cap="none" normalizeH="0" baseline="0" dirty="0" smtClean="0">
-                <a:ln>
-                  <a:noFill/>
-                </a:ln>
-                <a:solidFill>
-                  <a:srgbClr val="000000"/>
-                </a:solidFill>
-                <a:effectLst/>
-                <a:latin typeface="Consolas" panose="020B0609020204030204" pitchFamily="49" charset="0"/>
-                <a:cs typeface="Consolas" panose="020B0609020204030204" pitchFamily="49" charset="0"/>
-              </a:rPr>
-              <a:t> </a:t>
-            </a:r>
-            <a:r>
-              <a:rPr kumimoji="0" lang="en-US" altLang="en-US" sz="1000" b="0" i="0" u="none" strike="noStrike" cap="none" normalizeH="0" baseline="0" dirty="0" smtClean="0">
-                <a:ln>
-                  <a:noFill/>
-                </a:ln>
-                <a:solidFill>
-                  <a:srgbClr val="990055"/>
-                </a:solidFill>
-                <a:effectLst/>
-                <a:latin typeface="Consolas" panose="020B0609020204030204" pitchFamily="49" charset="0"/>
-                <a:cs typeface="Consolas" panose="020B0609020204030204" pitchFamily="49" charset="0"/>
-              </a:rPr>
-              <a:t>42</a:t>
-            </a:r>
-            <a:r>
-              <a:rPr kumimoji="0" lang="en-US" altLang="en-US" sz="1000" b="0" i="0" u="none" strike="noStrike" cap="none" normalizeH="0" baseline="0" dirty="0" smtClean="0">
-                <a:ln>
-                  <a:noFill/>
-                </a:ln>
-                <a:solidFill>
-                  <a:srgbClr val="999999"/>
-                </a:solidFill>
-                <a:effectLst/>
-                <a:latin typeface="Consolas" panose="020B0609020204030204" pitchFamily="49" charset="0"/>
-                <a:cs typeface="Consolas" panose="020B0609020204030204" pitchFamily="49" charset="0"/>
-              </a:rPr>
-              <a:t>;</a:t>
-            </a:r>
-            <a:r>
-              <a:rPr kumimoji="0" lang="en-US" altLang="en-US" sz="1000" b="0" i="0" u="none" strike="noStrike" cap="none" normalizeH="0" baseline="0" dirty="0" smtClean="0">
-                <a:ln>
-                  <a:noFill/>
-                </a:ln>
-                <a:solidFill>
-                  <a:srgbClr val="000000"/>
-                </a:solidFill>
-                <a:effectLst/>
-                <a:latin typeface="Consolas" panose="020B0609020204030204" pitchFamily="49" charset="0"/>
-                <a:cs typeface="Consolas" panose="020B0609020204030204" pitchFamily="49" charset="0"/>
-              </a:rPr>
-              <a:t> </a:t>
-            </a:r>
-            <a:r>
-              <a:rPr kumimoji="0" lang="en-US" altLang="en-US" sz="1000" b="0" i="0" u="none" strike="noStrike" cap="none" normalizeH="0" baseline="0" dirty="0" smtClean="0">
-                <a:ln>
-                  <a:noFill/>
-                </a:ln>
-                <a:solidFill>
-                  <a:srgbClr val="708090"/>
-                </a:solidFill>
-                <a:effectLst/>
-                <a:latin typeface="Consolas" panose="020B0609020204030204" pitchFamily="49" charset="0"/>
-                <a:cs typeface="Consolas" panose="020B0609020204030204" pitchFamily="49" charset="0"/>
-              </a:rPr>
-              <a:t>// From here on, accessing `x` is perfectly fine! </a:t>
-            </a:r>
-          </a:p>
-          <a:p>
-            <a:pPr marL="0" marR="0" lvl="0" indent="0" algn="l" defTabSz="914400" rtl="0" eaLnBrk="0" fontAlgn="base" latinLnBrk="0" hangingPunct="0">
-              <a:lnSpc>
-                <a:spcPct val="100000"/>
-              </a:lnSpc>
-              <a:spcBef>
-                <a:spcPct val="0"/>
-              </a:spcBef>
-              <a:spcAft>
-                <a:spcPct val="0"/>
-              </a:spcAft>
-              <a:buClrTx/>
-              <a:buSzTx/>
-              <a:buFontTx/>
-              <a:buNone/>
-              <a:tabLst/>
-            </a:pPr>
-            <a:r>
-              <a:rPr kumimoji="0" lang="en-US" altLang="en-US" sz="1000" b="0" i="0" u="none" strike="noStrike" cap="none" normalizeH="0" baseline="0" dirty="0" smtClean="0">
-                <a:ln>
-                  <a:noFill/>
-                </a:ln>
-                <a:solidFill>
-                  <a:srgbClr val="000000"/>
-                </a:solidFill>
-                <a:effectLst/>
-                <a:latin typeface="Consolas" panose="020B0609020204030204" pitchFamily="49" charset="0"/>
-                <a:cs typeface="Consolas" panose="020B0609020204030204" pitchFamily="49" charset="0"/>
-              </a:rPr>
-              <a:t>console</a:t>
-            </a:r>
-            <a:r>
-              <a:rPr kumimoji="0" lang="en-US" altLang="en-US" sz="1000" b="0" i="0" u="none" strike="noStrike" cap="none" normalizeH="0" baseline="0" dirty="0" smtClean="0">
-                <a:ln>
-                  <a:noFill/>
-                </a:ln>
-                <a:solidFill>
-                  <a:srgbClr val="999999"/>
-                </a:solidFill>
-                <a:effectLst/>
-                <a:latin typeface="Consolas" panose="020B0609020204030204" pitchFamily="49" charset="0"/>
-                <a:cs typeface="Consolas" panose="020B0609020204030204" pitchFamily="49" charset="0"/>
-              </a:rPr>
-              <a:t>.</a:t>
-            </a:r>
-            <a:r>
-              <a:rPr kumimoji="0" lang="en-US" altLang="en-US" sz="1000" b="0" i="0" u="none" strike="noStrike" cap="none" normalizeH="0" baseline="0" dirty="0" smtClean="0">
-                <a:ln>
-                  <a:noFill/>
-                </a:ln>
-                <a:solidFill>
-                  <a:srgbClr val="DD4A68"/>
-                </a:solidFill>
-                <a:effectLst/>
-                <a:latin typeface="Consolas" panose="020B0609020204030204" pitchFamily="49" charset="0"/>
-                <a:cs typeface="Consolas" panose="020B0609020204030204" pitchFamily="49" charset="0"/>
-              </a:rPr>
-              <a:t>log</a:t>
-            </a:r>
-            <a:r>
-              <a:rPr kumimoji="0" lang="en-US" altLang="en-US" sz="1000" b="0" i="0" u="none" strike="noStrike" cap="none" normalizeH="0" baseline="0" dirty="0" smtClean="0">
-                <a:ln>
-                  <a:noFill/>
-                </a:ln>
-                <a:solidFill>
-                  <a:srgbClr val="999999"/>
-                </a:solidFill>
-                <a:effectLst/>
-                <a:latin typeface="Consolas" panose="020B0609020204030204" pitchFamily="49" charset="0"/>
-                <a:cs typeface="Consolas" panose="020B0609020204030204" pitchFamily="49" charset="0"/>
-              </a:rPr>
-              <a:t>(</a:t>
-            </a:r>
-            <a:r>
-              <a:rPr kumimoji="0" lang="en-US" altLang="en-US" sz="1000" b="0" i="0" u="none" strike="noStrike" cap="none" normalizeH="0" baseline="0" dirty="0" smtClean="0">
-                <a:ln>
-                  <a:noFill/>
-                </a:ln>
-                <a:solidFill>
-                  <a:srgbClr val="000000"/>
-                </a:solidFill>
-                <a:effectLst/>
-                <a:latin typeface="Consolas" panose="020B0609020204030204" pitchFamily="49" charset="0"/>
-                <a:cs typeface="Consolas" panose="020B0609020204030204" pitchFamily="49" charset="0"/>
-              </a:rPr>
-              <a:t>x</a:t>
-            </a:r>
-            <a:r>
-              <a:rPr kumimoji="0" lang="en-US" altLang="en-US" sz="1000" b="0" i="0" u="none" strike="noStrike" cap="none" normalizeH="0" baseline="0" dirty="0" smtClean="0">
-                <a:ln>
-                  <a:noFill/>
-                </a:ln>
-                <a:solidFill>
-                  <a:srgbClr val="999999"/>
-                </a:solidFill>
-                <a:effectLst/>
-                <a:latin typeface="Consolas" panose="020B0609020204030204" pitchFamily="49" charset="0"/>
-                <a:cs typeface="Consolas" panose="020B0609020204030204" pitchFamily="49" charset="0"/>
-              </a:rPr>
-              <a:t>);</a:t>
-            </a:r>
-            <a:r>
-              <a:rPr kumimoji="0" lang="en-US" altLang="en-US" sz="900" b="0" i="0" u="none" strike="noStrike" cap="none" normalizeH="0" baseline="0" dirty="0" smtClean="0">
-                <a:ln>
-                  <a:noFill/>
-                </a:ln>
-                <a:solidFill>
-                  <a:schemeClr val="tx1"/>
-                </a:solidFill>
-                <a:effectLst/>
-              </a:rPr>
-              <a:t> </a:t>
-            </a:r>
-            <a:endParaRPr kumimoji="0" lang="en-US" altLang="en-US" sz="1800" b="0" i="0" u="none" strike="noStrike" cap="none" normalizeH="0" baseline="0" dirty="0" smtClean="0">
-              <a:ln>
-                <a:noFill/>
-              </a:ln>
-              <a:solidFill>
-                <a:schemeClr val="tx1"/>
-              </a:solidFill>
-              <a:effectLst/>
-              <a:latin typeface="Arial" panose="020B0604020202020204" pitchFamily="34" charset="0"/>
-            </a:endParaRPr>
-          </a:p>
-        </p:txBody>
-      </p:sp>
-    </p:spTree>
-    <p:extLst>
-      <p:ext uri="{BB962C8B-B14F-4D97-AF65-F5344CB8AC3E}">
-        <p14:creationId xmlns:p14="http://schemas.microsoft.com/office/powerpoint/2010/main" val="1165382354"/>
-      </p:ext>
-    </p:extLst>
-  </p:cSld>
-  <p:clrMapOvr>
-    <a:masterClrMapping/>
-  </p:clrMapOvr>
-  <p:timing>
-    <p:tnLst>
-      <p:par>
-        <p:cTn id="1" dur="indefinite" restart="never" nodeType="tmRoot"/>
-      </p:par>
-    </p:tnLst>
-  </p:timing>
-</p:sld>
-</file>
-
-<file path=ppt/slides/slide33.xml><?xml version="1.0" encoding="utf-8"?>
-<p:sld xmlns:a="http://schemas.openxmlformats.org/drawingml/2006/main" xmlns:r="http://schemas.openxmlformats.org/officeDocument/2006/relationships" xmlns:p="http://schemas.openxmlformats.org/presentationml/2006/main">
-  <p:cSld>
-    <p:spTree>
-      <p:nvGrpSpPr>
-        <p:cNvPr id="1" name=""/>
-        <p:cNvGrpSpPr/>
-        <p:nvPr/>
-      </p:nvGrpSpPr>
-      <p:grpSpPr>
-        <a:xfrm>
-          <a:off x="0" y="0"/>
-          <a:ext cx="0" cy="0"/>
-          <a:chOff x="0" y="0"/>
-          <a:chExt cx="0" cy="0"/>
-        </a:xfrm>
-      </p:grpSpPr>
-      <p:sp>
-        <p:nvSpPr>
-          <p:cNvPr id="2" name="Title 1"/>
-          <p:cNvSpPr>
-            <a:spLocks noGrp="1"/>
-          </p:cNvSpPr>
-          <p:nvPr>
-            <p:ph type="title"/>
-          </p:nvPr>
-        </p:nvSpPr>
-        <p:spPr/>
-        <p:txBody>
-          <a:bodyPr/>
-          <a:lstStyle/>
-          <a:p>
-            <a:r>
-              <a:rPr lang="en-US" dirty="0" err="1"/>
-              <a:t>ReferenceError</a:t>
-            </a:r>
-            <a:endParaRPr lang="en-US" dirty="0"/>
-          </a:p>
-        </p:txBody>
-      </p:sp>
-      <p:sp>
-        <p:nvSpPr>
-          <p:cNvPr id="4" name="Rectangle 1"/>
-          <p:cNvSpPr>
-            <a:spLocks noGrp="1" noChangeArrowheads="1"/>
-          </p:cNvSpPr>
-          <p:nvPr>
-            <p:ph idx="1"/>
-          </p:nvPr>
-        </p:nvSpPr>
-        <p:spPr bwMode="auto">
-          <a:xfrm>
-            <a:off x="838200" y="3447299"/>
-            <a:ext cx="4470776" cy="1107996"/>
-          </a:xfrm>
-          <a:prstGeom prst="rect">
-            <a:avLst/>
-          </a:prstGeom>
-          <a:solidFill>
-            <a:srgbClr val="F5F2F0"/>
-          </a:solidFill>
-          <a:ln>
-            <a:noFill/>
-          </a:ln>
-          <a:effectLst/>
-          <a:extLst>
-            <a:ext uri="{91240B29-F687-4F45-9708-019B960494DF}">
-              <a14:hiddenLine xmlns:a14="http://schemas.microsoft.com/office/drawing/2010/main" w="9525">
-                <a:solidFill>
-                  <a:schemeClr val="tx1"/>
-                </a:solidFill>
-                <a:miter lim="800000"/>
-                <a:headEnd/>
-                <a:tailEnd/>
-              </a14:hiddenLine>
-            </a:ext>
-            <a:ext uri="{AF507438-7753-43E0-B8FC-AC1667EBCBE1}">
-              <a14:hiddenEffects xmlns:a14="http://schemas.microsoft.com/office/drawing/2010/main">
-                <a:effectLst>
-                  <a:outerShdw dist="35921" dir="2700000" algn="ctr" rotWithShape="0">
-                    <a:schemeClr val="bg2"/>
-                  </a:outerShdw>
-                </a:effectLst>
-              </a14:hiddenEffects>
-            </a:ext>
-          </a:extLst>
-        </p:spPr>
-        <p:txBody>
-          <a:bodyPr vert="horz" wrap="none" lIns="0" tIns="0" rIns="0" bIns="0" numCol="1" anchor="ctr" anchorCtr="0" compatLnSpc="1">
-            <a:prstTxWarp prst="textNoShape">
-              <a:avLst/>
-            </a:prstTxWarp>
-            <a:spAutoFit/>
-          </a:bodyPr>
-          <a:lstStyle/>
-          <a:p>
-            <a:pPr marL="0" marR="0" lvl="0" indent="0" algn="l" defTabSz="914400" rtl="0" eaLnBrk="0" fontAlgn="base" latinLnBrk="0" hangingPunct="0">
-              <a:lnSpc>
-                <a:spcPct val="100000"/>
-              </a:lnSpc>
-              <a:spcBef>
-                <a:spcPct val="0"/>
-              </a:spcBef>
-              <a:spcAft>
-                <a:spcPct val="0"/>
-              </a:spcAft>
-              <a:buClrTx/>
-              <a:buSzTx/>
-              <a:buFontTx/>
-              <a:buNone/>
-              <a:tabLst/>
-            </a:pPr>
-            <a:r>
-              <a:rPr kumimoji="0" lang="en-US" altLang="en-US" sz="2400" b="0" i="0" u="none" strike="noStrike" cap="none" normalizeH="0" baseline="0" dirty="0" smtClean="0">
-                <a:ln>
-                  <a:noFill/>
-                </a:ln>
-                <a:solidFill>
-                  <a:srgbClr val="0077AA"/>
-                </a:solidFill>
-                <a:effectLst/>
-                <a:latin typeface="Consolas" panose="020B0609020204030204" pitchFamily="49" charset="0"/>
-                <a:cs typeface="Consolas" panose="020B0609020204030204" pitchFamily="49" charset="0"/>
-              </a:rPr>
-              <a:t>let</a:t>
-            </a:r>
-            <a:r>
-              <a:rPr kumimoji="0" lang="en-US" altLang="en-US" sz="2400" b="0" i="0" u="none" strike="noStrike" cap="none" normalizeH="0" baseline="0" dirty="0" smtClean="0">
-                <a:ln>
-                  <a:noFill/>
-                </a:ln>
-                <a:solidFill>
-                  <a:srgbClr val="000000"/>
-                </a:solidFill>
-                <a:effectLst/>
-                <a:latin typeface="Consolas" panose="020B0609020204030204" pitchFamily="49" charset="0"/>
-                <a:cs typeface="Consolas" panose="020B0609020204030204" pitchFamily="49" charset="0"/>
-              </a:rPr>
-              <a:t> a </a:t>
-            </a:r>
-            <a:r>
-              <a:rPr kumimoji="0" lang="en-US" altLang="en-US" sz="2400" b="0" i="0" u="none" strike="noStrike" cap="none" normalizeH="0" baseline="0" dirty="0" smtClean="0">
-                <a:ln>
-                  <a:noFill/>
-                </a:ln>
-                <a:solidFill>
-                  <a:srgbClr val="A67F59"/>
-                </a:solidFill>
-                <a:effectLst/>
-                <a:latin typeface="Consolas" panose="020B0609020204030204" pitchFamily="49" charset="0"/>
-                <a:cs typeface="Consolas" panose="020B0609020204030204" pitchFamily="49" charset="0"/>
-              </a:rPr>
-              <a:t>=</a:t>
-            </a:r>
-            <a:r>
-              <a:rPr kumimoji="0" lang="en-US" altLang="en-US" sz="2400" b="0" i="0" u="none" strike="noStrike" cap="none" normalizeH="0" baseline="0" dirty="0" smtClean="0">
-                <a:ln>
-                  <a:noFill/>
-                </a:ln>
-                <a:solidFill>
-                  <a:srgbClr val="000000"/>
-                </a:solidFill>
-                <a:effectLst/>
-                <a:latin typeface="Consolas" panose="020B0609020204030204" pitchFamily="49" charset="0"/>
-                <a:cs typeface="Consolas" panose="020B0609020204030204" pitchFamily="49" charset="0"/>
-              </a:rPr>
-              <a:t> </a:t>
-            </a:r>
-            <a:r>
-              <a:rPr kumimoji="0" lang="en-US" altLang="en-US" sz="2400" b="0" i="0" u="none" strike="noStrike" cap="none" normalizeH="0" baseline="0" dirty="0" smtClean="0">
-                <a:ln>
-                  <a:noFill/>
-                </a:ln>
-                <a:solidFill>
-                  <a:srgbClr val="DD4A68"/>
-                </a:solidFill>
-                <a:effectLst/>
-                <a:latin typeface="Consolas" panose="020B0609020204030204" pitchFamily="49" charset="0"/>
-                <a:cs typeface="Consolas" panose="020B0609020204030204" pitchFamily="49" charset="0"/>
-              </a:rPr>
-              <a:t>f</a:t>
-            </a:r>
-            <a:r>
-              <a:rPr kumimoji="0" lang="en-US" altLang="en-US" sz="2400" b="0" i="0" u="none" strike="noStrike" cap="none" normalizeH="0" baseline="0" dirty="0" smtClean="0">
-                <a:ln>
-                  <a:noFill/>
-                </a:ln>
-                <a:solidFill>
-                  <a:srgbClr val="999999"/>
-                </a:solidFill>
-                <a:effectLst/>
-                <a:latin typeface="Consolas" panose="020B0609020204030204" pitchFamily="49" charset="0"/>
-                <a:cs typeface="Consolas" panose="020B0609020204030204" pitchFamily="49" charset="0"/>
-              </a:rPr>
-              <a:t>();</a:t>
-            </a:r>
-            <a:r>
-              <a:rPr kumimoji="0" lang="en-US" altLang="en-US" sz="2400" b="0" i="0" u="none" strike="noStrike" cap="none" normalizeH="0" baseline="0" dirty="0" smtClean="0">
-                <a:ln>
-                  <a:noFill/>
-                </a:ln>
-                <a:solidFill>
-                  <a:srgbClr val="000000"/>
-                </a:solidFill>
-                <a:effectLst/>
-                <a:latin typeface="Consolas" panose="020B0609020204030204" pitchFamily="49" charset="0"/>
-                <a:cs typeface="Consolas" panose="020B0609020204030204" pitchFamily="49" charset="0"/>
-              </a:rPr>
-              <a:t> </a:t>
-            </a:r>
-          </a:p>
-          <a:p>
-            <a:pPr marL="0" marR="0" lvl="0" indent="0" algn="l" defTabSz="914400" rtl="0" eaLnBrk="0" fontAlgn="base" latinLnBrk="0" hangingPunct="0">
-              <a:lnSpc>
-                <a:spcPct val="100000"/>
-              </a:lnSpc>
-              <a:spcBef>
-                <a:spcPct val="0"/>
-              </a:spcBef>
-              <a:spcAft>
-                <a:spcPct val="0"/>
-              </a:spcAft>
-              <a:buClrTx/>
-              <a:buSzTx/>
-              <a:buFontTx/>
-              <a:buNone/>
-              <a:tabLst/>
-            </a:pPr>
-            <a:r>
-              <a:rPr kumimoji="0" lang="en-US" altLang="en-US" sz="2400" b="0" i="0" u="none" strike="noStrike" cap="none" normalizeH="0" baseline="0" dirty="0" err="1" smtClean="0">
-                <a:ln>
-                  <a:noFill/>
-                </a:ln>
-                <a:solidFill>
-                  <a:srgbClr val="0077AA"/>
-                </a:solidFill>
-                <a:effectLst/>
-                <a:latin typeface="Consolas" panose="020B0609020204030204" pitchFamily="49" charset="0"/>
-                <a:cs typeface="Consolas" panose="020B0609020204030204" pitchFamily="49" charset="0"/>
-              </a:rPr>
-              <a:t>const</a:t>
-            </a:r>
-            <a:r>
-              <a:rPr kumimoji="0" lang="en-US" altLang="en-US" sz="2400" b="0" i="0" u="none" strike="noStrike" cap="none" normalizeH="0" baseline="0" dirty="0" smtClean="0">
-                <a:ln>
-                  <a:noFill/>
-                </a:ln>
-                <a:solidFill>
-                  <a:srgbClr val="000000"/>
-                </a:solidFill>
-                <a:effectLst/>
-                <a:latin typeface="Consolas" panose="020B0609020204030204" pitchFamily="49" charset="0"/>
-                <a:cs typeface="Consolas" panose="020B0609020204030204" pitchFamily="49" charset="0"/>
-              </a:rPr>
-              <a:t> b </a:t>
-            </a:r>
-            <a:r>
-              <a:rPr kumimoji="0" lang="en-US" altLang="en-US" sz="2400" b="0" i="0" u="none" strike="noStrike" cap="none" normalizeH="0" baseline="0" dirty="0" smtClean="0">
-                <a:ln>
-                  <a:noFill/>
-                </a:ln>
-                <a:solidFill>
-                  <a:srgbClr val="A67F59"/>
-                </a:solidFill>
-                <a:effectLst/>
-                <a:latin typeface="Consolas" panose="020B0609020204030204" pitchFamily="49" charset="0"/>
-                <a:cs typeface="Consolas" panose="020B0609020204030204" pitchFamily="49" charset="0"/>
-              </a:rPr>
-              <a:t>=</a:t>
-            </a:r>
-            <a:r>
-              <a:rPr kumimoji="0" lang="en-US" altLang="en-US" sz="2400" b="0" i="0" u="none" strike="noStrike" cap="none" normalizeH="0" baseline="0" dirty="0" smtClean="0">
-                <a:ln>
-                  <a:noFill/>
-                </a:ln>
-                <a:solidFill>
-                  <a:srgbClr val="000000"/>
-                </a:solidFill>
-                <a:effectLst/>
-                <a:latin typeface="Consolas" panose="020B0609020204030204" pitchFamily="49" charset="0"/>
-                <a:cs typeface="Consolas" panose="020B0609020204030204" pitchFamily="49" charset="0"/>
-              </a:rPr>
-              <a:t> </a:t>
-            </a:r>
-            <a:r>
-              <a:rPr kumimoji="0" lang="en-US" altLang="en-US" sz="2400" b="0" i="0" u="none" strike="noStrike" cap="none" normalizeH="0" baseline="0" dirty="0" smtClean="0">
-                <a:ln>
-                  <a:noFill/>
-                </a:ln>
-                <a:solidFill>
-                  <a:srgbClr val="990055"/>
-                </a:solidFill>
-                <a:effectLst/>
-                <a:latin typeface="Consolas" panose="020B0609020204030204" pitchFamily="49" charset="0"/>
-                <a:cs typeface="Consolas" panose="020B0609020204030204" pitchFamily="49" charset="0"/>
-              </a:rPr>
-              <a:t>2</a:t>
-            </a:r>
-            <a:r>
-              <a:rPr kumimoji="0" lang="en-US" altLang="en-US" sz="2400" b="0" i="0" u="none" strike="noStrike" cap="none" normalizeH="0" baseline="0" dirty="0" smtClean="0">
-                <a:ln>
-                  <a:noFill/>
-                </a:ln>
-                <a:solidFill>
-                  <a:srgbClr val="999999"/>
-                </a:solidFill>
-                <a:effectLst/>
-                <a:latin typeface="Consolas" panose="020B0609020204030204" pitchFamily="49" charset="0"/>
-                <a:cs typeface="Consolas" panose="020B0609020204030204" pitchFamily="49" charset="0"/>
-              </a:rPr>
-              <a:t>;</a:t>
-            </a:r>
-            <a:r>
-              <a:rPr kumimoji="0" lang="en-US" altLang="en-US" sz="2400" b="0" i="0" u="none" strike="noStrike" cap="none" normalizeH="0" baseline="0" dirty="0" smtClean="0">
-                <a:ln>
-                  <a:noFill/>
-                </a:ln>
-                <a:solidFill>
-                  <a:srgbClr val="000000"/>
-                </a:solidFill>
-                <a:effectLst/>
-                <a:latin typeface="Consolas" panose="020B0609020204030204" pitchFamily="49" charset="0"/>
-                <a:cs typeface="Consolas" panose="020B0609020204030204" pitchFamily="49" charset="0"/>
-              </a:rPr>
-              <a:t> </a:t>
-            </a:r>
-          </a:p>
-          <a:p>
-            <a:pPr marL="0" marR="0" lvl="0" indent="0" algn="l" defTabSz="914400" rtl="0" eaLnBrk="0" fontAlgn="base" latinLnBrk="0" hangingPunct="0">
-              <a:lnSpc>
-                <a:spcPct val="100000"/>
-              </a:lnSpc>
-              <a:spcBef>
-                <a:spcPct val="0"/>
-              </a:spcBef>
-              <a:spcAft>
-                <a:spcPct val="0"/>
-              </a:spcAft>
-              <a:buClrTx/>
-              <a:buSzTx/>
-              <a:buFontTx/>
-              <a:buNone/>
-              <a:tabLst/>
-            </a:pPr>
-            <a:r>
-              <a:rPr kumimoji="0" lang="en-US" altLang="en-US" sz="2400" b="0" i="0" u="none" strike="noStrike" cap="none" normalizeH="0" baseline="0" dirty="0" smtClean="0">
-                <a:ln>
-                  <a:noFill/>
-                </a:ln>
-                <a:solidFill>
-                  <a:srgbClr val="0077AA"/>
-                </a:solidFill>
-                <a:effectLst/>
-                <a:latin typeface="Consolas" panose="020B0609020204030204" pitchFamily="49" charset="0"/>
-                <a:cs typeface="Consolas" panose="020B0609020204030204" pitchFamily="49" charset="0"/>
-              </a:rPr>
-              <a:t>function</a:t>
-            </a:r>
-            <a:r>
-              <a:rPr kumimoji="0" lang="en-US" altLang="en-US" sz="2400" b="0" i="0" u="none" strike="noStrike" cap="none" normalizeH="0" baseline="0" dirty="0" smtClean="0">
-                <a:ln>
-                  <a:noFill/>
-                </a:ln>
-                <a:solidFill>
-                  <a:srgbClr val="000000"/>
-                </a:solidFill>
-                <a:effectLst/>
-                <a:latin typeface="Consolas" panose="020B0609020204030204" pitchFamily="49" charset="0"/>
-                <a:cs typeface="Consolas" panose="020B0609020204030204" pitchFamily="49" charset="0"/>
-              </a:rPr>
-              <a:t> </a:t>
-            </a:r>
-            <a:r>
-              <a:rPr kumimoji="0" lang="en-US" altLang="en-US" sz="2400" b="0" i="0" u="none" strike="noStrike" cap="none" normalizeH="0" baseline="0" dirty="0" smtClean="0">
-                <a:ln>
-                  <a:noFill/>
-                </a:ln>
-                <a:solidFill>
-                  <a:srgbClr val="DD4A68"/>
-                </a:solidFill>
-                <a:effectLst/>
-                <a:latin typeface="Consolas" panose="020B0609020204030204" pitchFamily="49" charset="0"/>
-                <a:cs typeface="Consolas" panose="020B0609020204030204" pitchFamily="49" charset="0"/>
-              </a:rPr>
-              <a:t>f</a:t>
-            </a:r>
-            <a:r>
-              <a:rPr kumimoji="0" lang="en-US" altLang="en-US" sz="2400" b="0" i="0" u="none" strike="noStrike" cap="none" normalizeH="0" baseline="0" dirty="0" smtClean="0">
-                <a:ln>
-                  <a:noFill/>
-                </a:ln>
-                <a:solidFill>
-                  <a:srgbClr val="999999"/>
-                </a:solidFill>
-                <a:effectLst/>
-                <a:latin typeface="Consolas" panose="020B0609020204030204" pitchFamily="49" charset="0"/>
-                <a:cs typeface="Consolas" panose="020B0609020204030204" pitchFamily="49" charset="0"/>
-              </a:rPr>
-              <a:t>()</a:t>
-            </a:r>
-            <a:r>
-              <a:rPr kumimoji="0" lang="en-US" altLang="en-US" sz="2400" b="0" i="0" u="none" strike="noStrike" cap="none" normalizeH="0" baseline="0" dirty="0" smtClean="0">
-                <a:ln>
-                  <a:noFill/>
-                </a:ln>
-                <a:solidFill>
-                  <a:srgbClr val="000000"/>
-                </a:solidFill>
-                <a:effectLst/>
-                <a:latin typeface="Consolas" panose="020B0609020204030204" pitchFamily="49" charset="0"/>
-                <a:cs typeface="Consolas" panose="020B0609020204030204" pitchFamily="49" charset="0"/>
-              </a:rPr>
-              <a:t> </a:t>
-            </a:r>
-            <a:r>
-              <a:rPr kumimoji="0" lang="en-US" altLang="en-US" sz="2400" b="0" i="0" u="none" strike="noStrike" cap="none" normalizeH="0" baseline="0" dirty="0" smtClean="0">
-                <a:ln>
-                  <a:noFill/>
-                </a:ln>
-                <a:solidFill>
-                  <a:srgbClr val="999999"/>
-                </a:solidFill>
-                <a:effectLst/>
-                <a:latin typeface="Consolas" panose="020B0609020204030204" pitchFamily="49" charset="0"/>
-                <a:cs typeface="Consolas" panose="020B0609020204030204" pitchFamily="49" charset="0"/>
-              </a:rPr>
-              <a:t>{</a:t>
-            </a:r>
-            <a:r>
-              <a:rPr kumimoji="0" lang="en-US" altLang="en-US" sz="2400" b="0" i="0" u="none" strike="noStrike" cap="none" normalizeH="0" baseline="0" dirty="0" smtClean="0">
-                <a:ln>
-                  <a:noFill/>
-                </a:ln>
-                <a:solidFill>
-                  <a:srgbClr val="000000"/>
-                </a:solidFill>
-                <a:effectLst/>
-                <a:latin typeface="Consolas" panose="020B0609020204030204" pitchFamily="49" charset="0"/>
-                <a:cs typeface="Consolas" panose="020B0609020204030204" pitchFamily="49" charset="0"/>
-              </a:rPr>
-              <a:t> </a:t>
-            </a:r>
-            <a:r>
-              <a:rPr kumimoji="0" lang="en-US" altLang="en-US" sz="2400" b="0" i="0" u="none" strike="noStrike" cap="none" normalizeH="0" baseline="0" dirty="0" smtClean="0">
-                <a:ln>
-                  <a:noFill/>
-                </a:ln>
-                <a:solidFill>
-                  <a:srgbClr val="0077AA"/>
-                </a:solidFill>
-                <a:effectLst/>
-                <a:latin typeface="Consolas" panose="020B0609020204030204" pitchFamily="49" charset="0"/>
-                <a:cs typeface="Consolas" panose="020B0609020204030204" pitchFamily="49" charset="0"/>
-              </a:rPr>
-              <a:t>return</a:t>
-            </a:r>
-            <a:r>
-              <a:rPr kumimoji="0" lang="en-US" altLang="en-US" sz="2400" b="0" i="0" u="none" strike="noStrike" cap="none" normalizeH="0" baseline="0" dirty="0" smtClean="0">
-                <a:ln>
-                  <a:noFill/>
-                </a:ln>
-                <a:solidFill>
-                  <a:srgbClr val="000000"/>
-                </a:solidFill>
-                <a:effectLst/>
-                <a:latin typeface="Consolas" panose="020B0609020204030204" pitchFamily="49" charset="0"/>
-                <a:cs typeface="Consolas" panose="020B0609020204030204" pitchFamily="49" charset="0"/>
-              </a:rPr>
-              <a:t> b</a:t>
-            </a:r>
-            <a:r>
-              <a:rPr kumimoji="0" lang="en-US" altLang="en-US" sz="2400" b="0" i="0" u="none" strike="noStrike" cap="none" normalizeH="0" baseline="0" dirty="0" smtClean="0">
-                <a:ln>
-                  <a:noFill/>
-                </a:ln>
-                <a:solidFill>
-                  <a:srgbClr val="999999"/>
-                </a:solidFill>
-                <a:effectLst/>
-                <a:latin typeface="Consolas" panose="020B0609020204030204" pitchFamily="49" charset="0"/>
-                <a:cs typeface="Consolas" panose="020B0609020204030204" pitchFamily="49" charset="0"/>
-              </a:rPr>
-              <a:t>;</a:t>
-            </a:r>
-            <a:r>
-              <a:rPr kumimoji="0" lang="en-US" altLang="en-US" sz="2400" b="0" i="0" u="none" strike="noStrike" cap="none" normalizeH="0" baseline="0" dirty="0" smtClean="0">
-                <a:ln>
-                  <a:noFill/>
-                </a:ln>
-                <a:solidFill>
-                  <a:srgbClr val="000000"/>
-                </a:solidFill>
-                <a:effectLst/>
-                <a:latin typeface="Consolas" panose="020B0609020204030204" pitchFamily="49" charset="0"/>
-                <a:cs typeface="Consolas" panose="020B0609020204030204" pitchFamily="49" charset="0"/>
-              </a:rPr>
-              <a:t> </a:t>
-            </a:r>
-            <a:r>
-              <a:rPr kumimoji="0" lang="en-US" altLang="en-US" sz="2400" b="0" i="0" u="none" strike="noStrike" cap="none" normalizeH="0" baseline="0" dirty="0" smtClean="0">
-                <a:ln>
-                  <a:noFill/>
-                </a:ln>
-                <a:solidFill>
-                  <a:srgbClr val="999999"/>
-                </a:solidFill>
-                <a:effectLst/>
-                <a:latin typeface="Consolas" panose="020B0609020204030204" pitchFamily="49" charset="0"/>
-                <a:cs typeface="Consolas" panose="020B0609020204030204" pitchFamily="49" charset="0"/>
-              </a:rPr>
-              <a:t>}</a:t>
-            </a:r>
-            <a:r>
-              <a:rPr kumimoji="0" lang="en-US" altLang="en-US" sz="2000" b="0" i="0" u="none" strike="noStrike" cap="none" normalizeH="0" baseline="0" dirty="0" smtClean="0">
-                <a:ln>
-                  <a:noFill/>
-                </a:ln>
-                <a:solidFill>
-                  <a:schemeClr val="tx1"/>
-                </a:solidFill>
-                <a:effectLst/>
-              </a:rPr>
-              <a:t> </a:t>
-            </a:r>
-            <a:endParaRPr kumimoji="0" lang="en-US" altLang="en-US" sz="4800" b="0" i="0" u="none" strike="noStrike" cap="none" normalizeH="0" baseline="0" dirty="0" smtClean="0">
-              <a:ln>
-                <a:noFill/>
-              </a:ln>
-              <a:solidFill>
-                <a:schemeClr val="tx1"/>
-              </a:solidFill>
-              <a:effectLst/>
-              <a:latin typeface="Arial" panose="020B0604020202020204" pitchFamily="34" charset="0"/>
-            </a:endParaRPr>
-          </a:p>
-        </p:txBody>
-      </p:sp>
-    </p:spTree>
-    <p:extLst>
-      <p:ext uri="{BB962C8B-B14F-4D97-AF65-F5344CB8AC3E}">
-        <p14:creationId xmlns:p14="http://schemas.microsoft.com/office/powerpoint/2010/main" val="4266518205"/>
-      </p:ext>
-    </p:extLst>
-  </p:cSld>
-  <p:clrMapOvr>
-    <a:masterClrMapping/>
-  </p:clrMapOvr>
-  <p:timing>
-    <p:tnLst>
-      <p:par>
-        <p:cTn id="1" dur="indefinite" restart="never" nodeType="tmRoot"/>
-      </p:par>
-    </p:tnLst>
-  </p:timing>
-</p:sld>
-</file>
-
-<file path=ppt/slides/slide34.xml><?xml version="1.0" encoding="utf-8"?>
-<p:sld xmlns:a="http://schemas.openxmlformats.org/drawingml/2006/main" xmlns:r="http://schemas.openxmlformats.org/officeDocument/2006/relationships" xmlns:p="http://schemas.openxmlformats.org/presentationml/2006/main">
-  <p:cSld>
-    <p:spTree>
-      <p:nvGrpSpPr>
-        <p:cNvPr id="1" name=""/>
-        <p:cNvGrpSpPr/>
-        <p:nvPr/>
-      </p:nvGrpSpPr>
-      <p:grpSpPr>
-        <a:xfrm>
-          <a:off x="0" y="0"/>
-          <a:ext cx="0" cy="0"/>
-          <a:chOff x="0" y="0"/>
-          <a:chExt cx="0" cy="0"/>
-        </a:xfrm>
-      </p:grpSpPr>
-      <p:sp>
-        <p:nvSpPr>
-          <p:cNvPr id="2" name="Title 1"/>
-          <p:cNvSpPr>
-            <a:spLocks noGrp="1"/>
-          </p:cNvSpPr>
-          <p:nvPr>
-            <p:ph type="title"/>
-          </p:nvPr>
-        </p:nvSpPr>
-        <p:spPr/>
-        <p:txBody>
-          <a:bodyPr/>
-          <a:lstStyle/>
-          <a:p>
-            <a:r>
-              <a:rPr lang="en-US" dirty="0" smtClean="0"/>
-              <a:t>Example	</a:t>
-            </a:r>
-            <a:endParaRPr lang="en-US" dirty="0"/>
-          </a:p>
-        </p:txBody>
-      </p:sp>
-      <p:sp>
-        <p:nvSpPr>
-          <p:cNvPr id="4" name="Rectangle 1"/>
-          <p:cNvSpPr>
-            <a:spLocks noGrp="1" noChangeArrowheads="1"/>
-          </p:cNvSpPr>
-          <p:nvPr>
-            <p:ph idx="1"/>
-          </p:nvPr>
-        </p:nvSpPr>
-        <p:spPr bwMode="auto">
-          <a:xfrm>
-            <a:off x="838200" y="3139521"/>
-            <a:ext cx="4472378" cy="1723549"/>
-          </a:xfrm>
-          <a:prstGeom prst="rect">
-            <a:avLst/>
-          </a:prstGeom>
-          <a:solidFill>
-            <a:srgbClr val="F5F2F0"/>
-          </a:solidFill>
-          <a:ln>
-            <a:noFill/>
-          </a:ln>
-          <a:effectLst/>
-          <a:extLst>
-            <a:ext uri="{91240B29-F687-4F45-9708-019B960494DF}">
-              <a14:hiddenLine xmlns:a14="http://schemas.microsoft.com/office/drawing/2010/main" w="9525">
-                <a:solidFill>
-                  <a:schemeClr val="tx1"/>
-                </a:solidFill>
-                <a:miter lim="800000"/>
-                <a:headEnd/>
-                <a:tailEnd/>
-              </a14:hiddenLine>
-            </a:ext>
-            <a:ext uri="{AF507438-7753-43E0-B8FC-AC1667EBCBE1}">
-              <a14:hiddenEffects xmlns:a14="http://schemas.microsoft.com/office/drawing/2010/main">
-                <a:effectLst>
-                  <a:outerShdw dist="35921" dir="2700000" algn="ctr" rotWithShape="0">
-                    <a:schemeClr val="bg2"/>
-                  </a:outerShdw>
-                </a:effectLst>
-              </a14:hiddenEffects>
-            </a:ext>
-          </a:extLst>
-        </p:spPr>
-        <p:txBody>
-          <a:bodyPr vert="horz" wrap="none" lIns="0" tIns="0" rIns="0" bIns="0" numCol="1" anchor="ctr" anchorCtr="0" compatLnSpc="1">
-            <a:prstTxWarp prst="textNoShape">
-              <a:avLst/>
-            </a:prstTxWarp>
-            <a:spAutoFit/>
-          </a:bodyPr>
-          <a:lstStyle/>
-          <a:p>
-            <a:pPr marL="0" marR="0" lvl="0" indent="0" algn="l" defTabSz="914400" rtl="0" eaLnBrk="0" fontAlgn="base" latinLnBrk="0" hangingPunct="0">
-              <a:lnSpc>
-                <a:spcPct val="100000"/>
-              </a:lnSpc>
-              <a:spcBef>
-                <a:spcPct val="0"/>
-              </a:spcBef>
-              <a:spcAft>
-                <a:spcPct val="0"/>
-              </a:spcAft>
-              <a:buClrTx/>
-              <a:buSzTx/>
-              <a:buFontTx/>
-              <a:buNone/>
-              <a:tabLst/>
-            </a:pPr>
-            <a:r>
-              <a:rPr kumimoji="0" lang="en-US" altLang="en-US" b="0" i="0" u="none" strike="noStrike" cap="none" normalizeH="0" baseline="0" dirty="0" smtClean="0">
-                <a:ln>
-                  <a:noFill/>
-                </a:ln>
-                <a:solidFill>
-                  <a:srgbClr val="0077AA"/>
-                </a:solidFill>
-                <a:effectLst/>
-                <a:latin typeface="Consolas" panose="020B0609020204030204" pitchFamily="49" charset="0"/>
-                <a:cs typeface="Consolas" panose="020B0609020204030204" pitchFamily="49" charset="0"/>
-              </a:rPr>
-              <a:t>let</a:t>
-            </a:r>
-            <a:r>
-              <a:rPr kumimoji="0" lang="en-US" altLang="en-US" b="0" i="0" u="none" strike="noStrike" cap="none" normalizeH="0" baseline="0" dirty="0" smtClean="0">
-                <a:ln>
-                  <a:noFill/>
-                </a:ln>
-                <a:solidFill>
-                  <a:srgbClr val="000000"/>
-                </a:solidFill>
-                <a:effectLst/>
-                <a:latin typeface="Consolas" panose="020B0609020204030204" pitchFamily="49" charset="0"/>
-                <a:cs typeface="Consolas" panose="020B0609020204030204" pitchFamily="49" charset="0"/>
-              </a:rPr>
-              <a:t> b </a:t>
-            </a:r>
-            <a:r>
-              <a:rPr kumimoji="0" lang="en-US" altLang="en-US" b="0" i="0" u="none" strike="noStrike" cap="none" normalizeH="0" baseline="0" dirty="0" smtClean="0">
-                <a:ln>
-                  <a:noFill/>
-                </a:ln>
-                <a:solidFill>
-                  <a:srgbClr val="A67F59"/>
-                </a:solidFill>
-                <a:effectLst/>
-                <a:latin typeface="Consolas" panose="020B0609020204030204" pitchFamily="49" charset="0"/>
-                <a:cs typeface="Consolas" panose="020B0609020204030204" pitchFamily="49" charset="0"/>
-              </a:rPr>
-              <a:t>=</a:t>
-            </a:r>
-            <a:r>
-              <a:rPr kumimoji="0" lang="en-US" altLang="en-US" b="0" i="0" u="none" strike="noStrike" cap="none" normalizeH="0" baseline="0" dirty="0" smtClean="0">
-                <a:ln>
-                  <a:noFill/>
-                </a:ln>
-                <a:solidFill>
-                  <a:srgbClr val="000000"/>
-                </a:solidFill>
-                <a:effectLst/>
-                <a:latin typeface="Consolas" panose="020B0609020204030204" pitchFamily="49" charset="0"/>
-                <a:cs typeface="Consolas" panose="020B0609020204030204" pitchFamily="49" charset="0"/>
-              </a:rPr>
-              <a:t> </a:t>
-            </a:r>
-            <a:r>
-              <a:rPr kumimoji="0" lang="en-US" altLang="en-US" b="0" i="0" u="none" strike="noStrike" cap="none" normalizeH="0" baseline="0" dirty="0" smtClean="0">
-                <a:ln>
-                  <a:noFill/>
-                </a:ln>
-                <a:solidFill>
-                  <a:srgbClr val="990055"/>
-                </a:solidFill>
-                <a:effectLst/>
-                <a:latin typeface="Consolas" panose="020B0609020204030204" pitchFamily="49" charset="0"/>
-                <a:cs typeface="Consolas" panose="020B0609020204030204" pitchFamily="49" charset="0"/>
-              </a:rPr>
-              <a:t>1</a:t>
-            </a:r>
-            <a:r>
-              <a:rPr kumimoji="0" lang="en-US" altLang="en-US" b="0" i="0" u="none" strike="noStrike" cap="none" normalizeH="0" baseline="0" dirty="0" smtClean="0">
-                <a:ln>
-                  <a:noFill/>
-                </a:ln>
-                <a:solidFill>
-                  <a:srgbClr val="999999"/>
-                </a:solidFill>
-                <a:effectLst/>
-                <a:latin typeface="Consolas" panose="020B0609020204030204" pitchFamily="49" charset="0"/>
-                <a:cs typeface="Consolas" panose="020B0609020204030204" pitchFamily="49" charset="0"/>
-              </a:rPr>
-              <a:t>;</a:t>
-            </a:r>
-            <a:r>
-              <a:rPr kumimoji="0" lang="en-US" altLang="en-US" b="0" i="0" u="none" strike="noStrike" cap="none" normalizeH="0" baseline="0" dirty="0" smtClean="0">
-                <a:ln>
-                  <a:noFill/>
-                </a:ln>
-                <a:solidFill>
-                  <a:srgbClr val="000000"/>
-                </a:solidFill>
-                <a:effectLst/>
-                <a:latin typeface="Consolas" panose="020B0609020204030204" pitchFamily="49" charset="0"/>
-                <a:cs typeface="Consolas" panose="020B0609020204030204" pitchFamily="49" charset="0"/>
-              </a:rPr>
-              <a:t> </a:t>
-            </a:r>
-          </a:p>
-          <a:p>
-            <a:pPr marL="0" marR="0" lvl="0" indent="0" algn="l" defTabSz="914400" rtl="0" eaLnBrk="0" fontAlgn="base" latinLnBrk="0" hangingPunct="0">
-              <a:lnSpc>
-                <a:spcPct val="100000"/>
-              </a:lnSpc>
-              <a:spcBef>
-                <a:spcPct val="0"/>
-              </a:spcBef>
-              <a:spcAft>
-                <a:spcPct val="0"/>
-              </a:spcAft>
-              <a:buClrTx/>
-              <a:buSzTx/>
-              <a:buFontTx/>
-              <a:buNone/>
-              <a:tabLst/>
-            </a:pPr>
-            <a:r>
-              <a:rPr kumimoji="0" lang="en-US" altLang="en-US" b="0" i="0" u="none" strike="noStrike" cap="none" normalizeH="0" baseline="0" dirty="0" smtClean="0">
-                <a:ln>
-                  <a:noFill/>
-                </a:ln>
-                <a:solidFill>
-                  <a:srgbClr val="999999"/>
-                </a:solidFill>
-                <a:effectLst/>
-                <a:latin typeface="Consolas" panose="020B0609020204030204" pitchFamily="49" charset="0"/>
-                <a:cs typeface="Consolas" panose="020B0609020204030204" pitchFamily="49" charset="0"/>
-              </a:rPr>
-              <a:t>(</a:t>
-            </a:r>
-            <a:r>
-              <a:rPr kumimoji="0" lang="en-US" altLang="en-US" b="0" i="0" u="none" strike="noStrike" cap="none" normalizeH="0" baseline="0" dirty="0" smtClean="0">
-                <a:ln>
-                  <a:noFill/>
-                </a:ln>
-                <a:solidFill>
-                  <a:srgbClr val="0077AA"/>
-                </a:solidFill>
-                <a:effectLst/>
-                <a:latin typeface="Consolas" panose="020B0609020204030204" pitchFamily="49" charset="0"/>
-                <a:cs typeface="Consolas" panose="020B0609020204030204" pitchFamily="49" charset="0"/>
-              </a:rPr>
-              <a:t>function</a:t>
-            </a:r>
-            <a:r>
-              <a:rPr kumimoji="0" lang="en-US" altLang="en-US" b="0" i="0" u="none" strike="noStrike" cap="none" normalizeH="0" baseline="0" dirty="0" smtClean="0">
-                <a:ln>
-                  <a:noFill/>
-                </a:ln>
-                <a:solidFill>
-                  <a:srgbClr val="999999"/>
-                </a:solidFill>
-                <a:effectLst/>
-                <a:latin typeface="Consolas" panose="020B0609020204030204" pitchFamily="49" charset="0"/>
-                <a:cs typeface="Consolas" panose="020B0609020204030204" pitchFamily="49" charset="0"/>
-              </a:rPr>
-              <a:t>(</a:t>
-            </a:r>
-            <a:r>
-              <a:rPr kumimoji="0" lang="en-US" altLang="en-US" b="0" i="0" u="none" strike="noStrike" cap="none" normalizeH="0" baseline="0" dirty="0" smtClean="0">
-                <a:ln>
-                  <a:noFill/>
-                </a:ln>
-                <a:solidFill>
-                  <a:srgbClr val="000000"/>
-                </a:solidFill>
-                <a:effectLst/>
-                <a:latin typeface="Consolas" panose="020B0609020204030204" pitchFamily="49" charset="0"/>
-                <a:cs typeface="Consolas" panose="020B0609020204030204" pitchFamily="49" charset="0"/>
-              </a:rPr>
-              <a:t>a </a:t>
-            </a:r>
-            <a:r>
-              <a:rPr kumimoji="0" lang="en-US" altLang="en-US" b="0" i="0" u="none" strike="noStrike" cap="none" normalizeH="0" baseline="0" dirty="0" smtClean="0">
-                <a:ln>
-                  <a:noFill/>
-                </a:ln>
-                <a:solidFill>
-                  <a:srgbClr val="A67F59"/>
-                </a:solidFill>
-                <a:effectLst/>
-                <a:latin typeface="Consolas" panose="020B0609020204030204" pitchFamily="49" charset="0"/>
-                <a:cs typeface="Consolas" panose="020B0609020204030204" pitchFamily="49" charset="0"/>
-              </a:rPr>
-              <a:t>=</a:t>
-            </a:r>
-            <a:r>
-              <a:rPr kumimoji="0" lang="en-US" altLang="en-US" b="0" i="0" u="none" strike="noStrike" cap="none" normalizeH="0" baseline="0" dirty="0" smtClean="0">
-                <a:ln>
-                  <a:noFill/>
-                </a:ln>
-                <a:solidFill>
-                  <a:srgbClr val="000000"/>
-                </a:solidFill>
-                <a:effectLst/>
-                <a:latin typeface="Consolas" panose="020B0609020204030204" pitchFamily="49" charset="0"/>
-                <a:cs typeface="Consolas" panose="020B0609020204030204" pitchFamily="49" charset="0"/>
-              </a:rPr>
-              <a:t> b</a:t>
-            </a:r>
-            <a:r>
-              <a:rPr kumimoji="0" lang="en-US" altLang="en-US" b="0" i="0" u="none" strike="noStrike" cap="none" normalizeH="0" baseline="0" dirty="0" smtClean="0">
-                <a:ln>
-                  <a:noFill/>
-                </a:ln>
-                <a:solidFill>
-                  <a:srgbClr val="999999"/>
-                </a:solidFill>
-                <a:effectLst/>
-                <a:latin typeface="Consolas" panose="020B0609020204030204" pitchFamily="49" charset="0"/>
-                <a:cs typeface="Consolas" panose="020B0609020204030204" pitchFamily="49" charset="0"/>
-              </a:rPr>
-              <a:t>,</a:t>
-            </a:r>
-            <a:r>
-              <a:rPr kumimoji="0" lang="en-US" altLang="en-US" b="0" i="0" u="none" strike="noStrike" cap="none" normalizeH="0" baseline="0" dirty="0" smtClean="0">
-                <a:ln>
-                  <a:noFill/>
-                </a:ln>
-                <a:solidFill>
-                  <a:srgbClr val="000000"/>
-                </a:solidFill>
-                <a:effectLst/>
-                <a:latin typeface="Consolas" panose="020B0609020204030204" pitchFamily="49" charset="0"/>
-                <a:cs typeface="Consolas" panose="020B0609020204030204" pitchFamily="49" charset="0"/>
-              </a:rPr>
-              <a:t> b</a:t>
-            </a:r>
-            <a:r>
-              <a:rPr kumimoji="0" lang="en-US" altLang="en-US" b="0" i="0" u="none" strike="noStrike" cap="none" normalizeH="0" baseline="0" dirty="0" smtClean="0">
-                <a:ln>
-                  <a:noFill/>
-                </a:ln>
-                <a:solidFill>
-                  <a:srgbClr val="999999"/>
-                </a:solidFill>
-                <a:effectLst/>
-                <a:latin typeface="Consolas" panose="020B0609020204030204" pitchFamily="49" charset="0"/>
-                <a:cs typeface="Consolas" panose="020B0609020204030204" pitchFamily="49" charset="0"/>
-              </a:rPr>
-              <a:t>)</a:t>
-            </a:r>
-            <a:r>
-              <a:rPr kumimoji="0" lang="en-US" altLang="en-US" b="0" i="0" u="none" strike="noStrike" cap="none" normalizeH="0" baseline="0" dirty="0" smtClean="0">
-                <a:ln>
-                  <a:noFill/>
-                </a:ln>
-                <a:solidFill>
-                  <a:srgbClr val="000000"/>
-                </a:solidFill>
-                <a:effectLst/>
-                <a:latin typeface="Consolas" panose="020B0609020204030204" pitchFamily="49" charset="0"/>
-                <a:cs typeface="Consolas" panose="020B0609020204030204" pitchFamily="49" charset="0"/>
-              </a:rPr>
-              <a:t> </a:t>
-            </a:r>
-            <a:r>
-              <a:rPr kumimoji="0" lang="en-US" altLang="en-US" b="0" i="0" u="none" strike="noStrike" cap="none" normalizeH="0" baseline="0" dirty="0" smtClean="0">
-                <a:ln>
-                  <a:noFill/>
-                </a:ln>
-                <a:solidFill>
-                  <a:srgbClr val="999999"/>
-                </a:solidFill>
-                <a:effectLst/>
-                <a:latin typeface="Consolas" panose="020B0609020204030204" pitchFamily="49" charset="0"/>
-                <a:cs typeface="Consolas" panose="020B0609020204030204" pitchFamily="49" charset="0"/>
-              </a:rPr>
-              <a:t>{</a:t>
-            </a:r>
-          </a:p>
-          <a:p>
-            <a:pPr marL="0" marR="0" lvl="0" indent="0" algn="l" defTabSz="914400" rtl="0" eaLnBrk="0" fontAlgn="base" latinLnBrk="0" hangingPunct="0">
-              <a:lnSpc>
-                <a:spcPct val="100000"/>
-              </a:lnSpc>
-              <a:spcBef>
-                <a:spcPct val="0"/>
-              </a:spcBef>
-              <a:spcAft>
-                <a:spcPct val="0"/>
-              </a:spcAft>
-              <a:buClrTx/>
-              <a:buSzTx/>
-              <a:buFontTx/>
-              <a:buNone/>
-              <a:tabLst/>
-            </a:pPr>
-            <a:r>
-              <a:rPr lang="en-US" altLang="en-US" dirty="0">
-                <a:solidFill>
-                  <a:srgbClr val="000000"/>
-                </a:solidFill>
-                <a:latin typeface="Consolas" panose="020B0609020204030204" pitchFamily="49" charset="0"/>
-                <a:cs typeface="Consolas" panose="020B0609020204030204" pitchFamily="49" charset="0"/>
-              </a:rPr>
-              <a:t>	</a:t>
-            </a:r>
-            <a:r>
-              <a:rPr kumimoji="0" lang="en-US" altLang="en-US" b="0" i="0" u="none" strike="noStrike" cap="none" normalizeH="0" baseline="0" dirty="0" smtClean="0">
-                <a:ln>
-                  <a:noFill/>
-                </a:ln>
-                <a:solidFill>
-                  <a:srgbClr val="000000"/>
-                </a:solidFill>
-                <a:effectLst/>
-                <a:latin typeface="Consolas" panose="020B0609020204030204" pitchFamily="49" charset="0"/>
-                <a:cs typeface="Consolas" panose="020B0609020204030204" pitchFamily="49" charset="0"/>
-              </a:rPr>
-              <a:t>console</a:t>
-            </a:r>
-            <a:r>
-              <a:rPr kumimoji="0" lang="en-US" altLang="en-US" b="0" i="0" u="none" strike="noStrike" cap="none" normalizeH="0" baseline="0" dirty="0" smtClean="0">
-                <a:ln>
-                  <a:noFill/>
-                </a:ln>
-                <a:solidFill>
-                  <a:srgbClr val="999999"/>
-                </a:solidFill>
-                <a:effectLst/>
-                <a:latin typeface="Consolas" panose="020B0609020204030204" pitchFamily="49" charset="0"/>
-                <a:cs typeface="Consolas" panose="020B0609020204030204" pitchFamily="49" charset="0"/>
-              </a:rPr>
-              <a:t>.</a:t>
-            </a:r>
-            <a:r>
-              <a:rPr kumimoji="0" lang="en-US" altLang="en-US" b="0" i="0" u="none" strike="noStrike" cap="none" normalizeH="0" baseline="0" dirty="0" smtClean="0">
-                <a:ln>
-                  <a:noFill/>
-                </a:ln>
-                <a:solidFill>
-                  <a:srgbClr val="DD4A68"/>
-                </a:solidFill>
-                <a:effectLst/>
-                <a:latin typeface="Consolas" panose="020B0609020204030204" pitchFamily="49" charset="0"/>
-                <a:cs typeface="Consolas" panose="020B0609020204030204" pitchFamily="49" charset="0"/>
-              </a:rPr>
-              <a:t>log</a:t>
-            </a:r>
-            <a:r>
-              <a:rPr kumimoji="0" lang="en-US" altLang="en-US" b="0" i="0" u="none" strike="noStrike" cap="none" normalizeH="0" baseline="0" dirty="0" smtClean="0">
-                <a:ln>
-                  <a:noFill/>
-                </a:ln>
-                <a:solidFill>
-                  <a:srgbClr val="999999"/>
-                </a:solidFill>
-                <a:effectLst/>
-                <a:latin typeface="Consolas" panose="020B0609020204030204" pitchFamily="49" charset="0"/>
-                <a:cs typeface="Consolas" panose="020B0609020204030204" pitchFamily="49" charset="0"/>
-              </a:rPr>
-              <a:t>(</a:t>
-            </a:r>
-            <a:r>
-              <a:rPr kumimoji="0" lang="en-US" altLang="en-US" b="0" i="0" u="none" strike="noStrike" cap="none" normalizeH="0" baseline="0" dirty="0" smtClean="0">
-                <a:ln>
-                  <a:noFill/>
-                </a:ln>
-                <a:solidFill>
-                  <a:srgbClr val="000000"/>
-                </a:solidFill>
-                <a:effectLst/>
-                <a:latin typeface="Consolas" panose="020B0609020204030204" pitchFamily="49" charset="0"/>
-                <a:cs typeface="Consolas" panose="020B0609020204030204" pitchFamily="49" charset="0"/>
-              </a:rPr>
-              <a:t>a</a:t>
-            </a:r>
-            <a:r>
-              <a:rPr kumimoji="0" lang="en-US" altLang="en-US" b="0" i="0" u="none" strike="noStrike" cap="none" normalizeH="0" baseline="0" dirty="0" smtClean="0">
-                <a:ln>
-                  <a:noFill/>
-                </a:ln>
-                <a:solidFill>
-                  <a:srgbClr val="999999"/>
-                </a:solidFill>
-                <a:effectLst/>
-                <a:latin typeface="Consolas" panose="020B0609020204030204" pitchFamily="49" charset="0"/>
-                <a:cs typeface="Consolas" panose="020B0609020204030204" pitchFamily="49" charset="0"/>
-              </a:rPr>
-              <a:t>,</a:t>
-            </a:r>
-            <a:r>
-              <a:rPr kumimoji="0" lang="en-US" altLang="en-US" b="0" i="0" u="none" strike="noStrike" cap="none" normalizeH="0" baseline="0" dirty="0" smtClean="0">
-                <a:ln>
-                  <a:noFill/>
-                </a:ln>
-                <a:solidFill>
-                  <a:srgbClr val="000000"/>
-                </a:solidFill>
-                <a:effectLst/>
-                <a:latin typeface="Consolas" panose="020B0609020204030204" pitchFamily="49" charset="0"/>
-                <a:cs typeface="Consolas" panose="020B0609020204030204" pitchFamily="49" charset="0"/>
-              </a:rPr>
-              <a:t> b</a:t>
-            </a:r>
-            <a:r>
-              <a:rPr kumimoji="0" lang="en-US" altLang="en-US" b="0" i="0" u="none" strike="noStrike" cap="none" normalizeH="0" baseline="0" dirty="0" smtClean="0">
-                <a:ln>
-                  <a:noFill/>
-                </a:ln>
-                <a:solidFill>
-                  <a:srgbClr val="999999"/>
-                </a:solidFill>
-                <a:effectLst/>
-                <a:latin typeface="Consolas" panose="020B0609020204030204" pitchFamily="49" charset="0"/>
-                <a:cs typeface="Consolas" panose="020B0609020204030204" pitchFamily="49" charset="0"/>
-              </a:rPr>
-              <a:t>);</a:t>
-            </a:r>
-          </a:p>
-          <a:p>
-            <a:pPr marL="0" marR="0" lvl="0" indent="0" algn="l" defTabSz="914400" rtl="0" eaLnBrk="0" fontAlgn="base" latinLnBrk="0" hangingPunct="0">
-              <a:lnSpc>
-                <a:spcPct val="100000"/>
-              </a:lnSpc>
-              <a:spcBef>
-                <a:spcPct val="0"/>
-              </a:spcBef>
-              <a:spcAft>
-                <a:spcPct val="0"/>
-              </a:spcAft>
-              <a:buClrTx/>
-              <a:buSzTx/>
-              <a:buFontTx/>
-              <a:buNone/>
-              <a:tabLst/>
-            </a:pPr>
-            <a:r>
-              <a:rPr kumimoji="0" lang="en-US" altLang="en-US" b="0" i="0" u="none" strike="noStrike" cap="none" normalizeH="0" baseline="0" dirty="0" smtClean="0">
-                <a:ln>
-                  <a:noFill/>
-                </a:ln>
-                <a:solidFill>
-                  <a:srgbClr val="999999"/>
-                </a:solidFill>
-                <a:effectLst/>
-                <a:latin typeface="Consolas" panose="020B0609020204030204" pitchFamily="49" charset="0"/>
-                <a:cs typeface="Consolas" panose="020B0609020204030204" pitchFamily="49" charset="0"/>
-              </a:rPr>
-              <a:t>}(</a:t>
-            </a:r>
-            <a:r>
-              <a:rPr kumimoji="0" lang="en-US" altLang="en-US" b="0" i="0" u="none" strike="noStrike" cap="none" normalizeH="0" baseline="0" dirty="0" smtClean="0">
-                <a:ln>
-                  <a:noFill/>
-                </a:ln>
-                <a:solidFill>
-                  <a:srgbClr val="000000"/>
-                </a:solidFill>
-                <a:effectLst/>
-                <a:latin typeface="Consolas" panose="020B0609020204030204" pitchFamily="49" charset="0"/>
-                <a:cs typeface="Consolas" panose="020B0609020204030204" pitchFamily="49" charset="0"/>
-              </a:rPr>
-              <a:t>undefined</a:t>
-            </a:r>
-            <a:r>
-              <a:rPr kumimoji="0" lang="en-US" altLang="en-US" b="0" i="0" u="none" strike="noStrike" cap="none" normalizeH="0" baseline="0" dirty="0" smtClean="0">
-                <a:ln>
-                  <a:noFill/>
-                </a:ln>
-                <a:solidFill>
-                  <a:srgbClr val="999999"/>
-                </a:solidFill>
-                <a:effectLst/>
-                <a:latin typeface="Consolas" panose="020B0609020204030204" pitchFamily="49" charset="0"/>
-                <a:cs typeface="Consolas" panose="020B0609020204030204" pitchFamily="49" charset="0"/>
-              </a:rPr>
-              <a:t>,</a:t>
-            </a:r>
-            <a:r>
-              <a:rPr kumimoji="0" lang="en-US" altLang="en-US" b="0" i="0" u="none" strike="noStrike" cap="none" normalizeH="0" baseline="0" dirty="0" smtClean="0">
-                <a:ln>
-                  <a:noFill/>
-                </a:ln>
-                <a:solidFill>
-                  <a:srgbClr val="000000"/>
-                </a:solidFill>
-                <a:effectLst/>
-                <a:latin typeface="Consolas" panose="020B0609020204030204" pitchFamily="49" charset="0"/>
-                <a:cs typeface="Consolas" panose="020B0609020204030204" pitchFamily="49" charset="0"/>
-              </a:rPr>
-              <a:t> </a:t>
-            </a:r>
-            <a:r>
-              <a:rPr kumimoji="0" lang="en-US" altLang="en-US" b="0" i="0" u="none" strike="noStrike" cap="none" normalizeH="0" baseline="0" dirty="0" smtClean="0">
-                <a:ln>
-                  <a:noFill/>
-                </a:ln>
-                <a:solidFill>
-                  <a:srgbClr val="990055"/>
-                </a:solidFill>
-                <a:effectLst/>
-                <a:latin typeface="Consolas" panose="020B0609020204030204" pitchFamily="49" charset="0"/>
-                <a:cs typeface="Consolas" panose="020B0609020204030204" pitchFamily="49" charset="0"/>
-              </a:rPr>
-              <a:t>2</a:t>
-            </a:r>
-            <a:r>
-              <a:rPr kumimoji="0" lang="en-US" altLang="en-US" b="0" i="0" u="none" strike="noStrike" cap="none" normalizeH="0" baseline="0" dirty="0" smtClean="0">
-                <a:ln>
-                  <a:noFill/>
-                </a:ln>
-                <a:solidFill>
-                  <a:srgbClr val="999999"/>
-                </a:solidFill>
-                <a:effectLst/>
-                <a:latin typeface="Consolas" panose="020B0609020204030204" pitchFamily="49" charset="0"/>
-                <a:cs typeface="Consolas" panose="020B0609020204030204" pitchFamily="49" charset="0"/>
-              </a:rPr>
-              <a:t>));</a:t>
-            </a:r>
-            <a:r>
-              <a:rPr kumimoji="0" lang="en-US" altLang="en-US" sz="2400" b="0" i="0" u="none" strike="noStrike" cap="none" normalizeH="0" baseline="0" dirty="0" smtClean="0">
-                <a:ln>
-                  <a:noFill/>
-                </a:ln>
-                <a:solidFill>
-                  <a:schemeClr val="tx1"/>
-                </a:solidFill>
-                <a:effectLst/>
-              </a:rPr>
-              <a:t> </a:t>
-            </a:r>
-            <a:endParaRPr kumimoji="0" lang="en-US" altLang="en-US" sz="5400" b="0" i="0" u="none" strike="noStrike" cap="none" normalizeH="0" baseline="0" dirty="0" smtClean="0">
-              <a:ln>
-                <a:noFill/>
-              </a:ln>
-              <a:solidFill>
-                <a:schemeClr val="tx1"/>
-              </a:solidFill>
-              <a:effectLst/>
-              <a:latin typeface="Arial" panose="020B0604020202020204" pitchFamily="34" charset="0"/>
-            </a:endParaRPr>
-          </a:p>
-        </p:txBody>
-      </p:sp>
-    </p:spTree>
-    <p:extLst>
-      <p:ext uri="{BB962C8B-B14F-4D97-AF65-F5344CB8AC3E}">
-        <p14:creationId xmlns:p14="http://schemas.microsoft.com/office/powerpoint/2010/main" val="3234375480"/>
-      </p:ext>
-    </p:extLst>
-  </p:cSld>
-  <p:clrMapOvr>
-    <a:masterClrMapping/>
-  </p:clrMapOvr>
-  <p:timing>
-    <p:tnLst>
-      <p:par>
-        <p:cTn id="1" dur="indefinite" restart="never" nodeType="tmRoot"/>
-      </p:par>
-    </p:tnLst>
-  </p:timing>
-</p:sld>
-</file>
-
-<file path=ppt/slides/slide35.xml><?xml version="1.0" encoding="utf-8"?>
-<p:sld xmlns:a="http://schemas.openxmlformats.org/drawingml/2006/main" xmlns:r="http://schemas.openxmlformats.org/officeDocument/2006/relationships" xmlns:p="http://schemas.openxmlformats.org/presentationml/2006/main">
-  <p:cSld>
-    <p:spTree>
-      <p:nvGrpSpPr>
-        <p:cNvPr id="1" name=""/>
-        <p:cNvGrpSpPr/>
-        <p:nvPr/>
-      </p:nvGrpSpPr>
-      <p:grpSpPr>
-        <a:xfrm>
-          <a:off x="0" y="0"/>
-          <a:ext cx="0" cy="0"/>
-          <a:chOff x="0" y="0"/>
-          <a:chExt cx="0" cy="0"/>
-        </a:xfrm>
-      </p:grpSpPr>
-      <p:sp>
-        <p:nvSpPr>
-          <p:cNvPr id="2" name="Title 1"/>
-          <p:cNvSpPr>
-            <a:spLocks noGrp="1"/>
-          </p:cNvSpPr>
-          <p:nvPr>
-            <p:ph type="title"/>
-          </p:nvPr>
-        </p:nvSpPr>
-        <p:spPr/>
-        <p:txBody>
-          <a:bodyPr/>
-          <a:lstStyle/>
-          <a:p>
-            <a:r>
-              <a:rPr lang="en-US" dirty="0" smtClean="0"/>
-              <a:t>Scope</a:t>
-            </a:r>
-            <a:endParaRPr lang="en-US" dirty="0"/>
-          </a:p>
-        </p:txBody>
-      </p:sp>
-      <p:sp>
-        <p:nvSpPr>
-          <p:cNvPr id="3" name="Content Placeholder 2"/>
-          <p:cNvSpPr>
-            <a:spLocks noGrp="1"/>
-          </p:cNvSpPr>
-          <p:nvPr>
-            <p:ph idx="1"/>
-          </p:nvPr>
-        </p:nvSpPr>
-        <p:spPr/>
-        <p:txBody>
-          <a:bodyPr/>
-          <a:lstStyle/>
-          <a:p>
-            <a:pPr marL="0" indent="0">
-              <a:buNone/>
-            </a:pPr>
-            <a:r>
-              <a:rPr lang="en-US" dirty="0" smtClean="0"/>
-              <a:t>ES3 – global scope, function scope, try-catch</a:t>
-            </a:r>
-          </a:p>
-          <a:p>
-            <a:pPr marL="0" indent="0">
-              <a:buNone/>
-            </a:pPr>
-            <a:r>
-              <a:rPr lang="en-US" dirty="0"/>
-              <a:t>ES5 </a:t>
-            </a:r>
-            <a:r>
-              <a:rPr lang="en-US" dirty="0" smtClean="0"/>
-              <a:t>- added </a:t>
-            </a:r>
-            <a:r>
-              <a:rPr lang="en-US" dirty="0"/>
-              <a:t>a scope used by strict </a:t>
-            </a:r>
-            <a:r>
-              <a:rPr lang="en-US" dirty="0" err="1"/>
-              <a:t>eval</a:t>
-            </a:r>
-            <a:r>
-              <a:rPr lang="en-US" dirty="0" smtClean="0"/>
-              <a:t>().</a:t>
-            </a:r>
-          </a:p>
-          <a:p>
-            <a:pPr marL="0" indent="0">
-              <a:buNone/>
-            </a:pPr>
-            <a:r>
-              <a:rPr lang="en-US" dirty="0" smtClean="0"/>
-              <a:t>ES6 </a:t>
-            </a:r>
-            <a:r>
-              <a:rPr lang="en-US" dirty="0"/>
-              <a:t>- block scopes, for-loop scopes, the new global let scope, module scopes, and additional scopes that are used when evaluating default values for arguments</a:t>
-            </a:r>
-          </a:p>
-        </p:txBody>
-      </p:sp>
-    </p:spTree>
-    <p:extLst>
-      <p:ext uri="{BB962C8B-B14F-4D97-AF65-F5344CB8AC3E}">
-        <p14:creationId xmlns:p14="http://schemas.microsoft.com/office/powerpoint/2010/main" val="3197421052"/>
-      </p:ext>
-    </p:extLst>
-  </p:cSld>
-  <p:clrMapOvr>
-    <a:masterClrMapping/>
-  </p:clrMapOvr>
-</p:sld>
-</file>
-
-<file path=ppt/slides/slide36.xml><?xml version="1.0" encoding="utf-8"?>
-<p:sld xmlns:a="http://schemas.openxmlformats.org/drawingml/2006/main" xmlns:r="http://schemas.openxmlformats.org/officeDocument/2006/relationships" xmlns:p="http://schemas.openxmlformats.org/presentationml/2006/main">
-  <p:cSld>
-    <p:spTree>
-      <p:nvGrpSpPr>
-        <p:cNvPr id="1" name=""/>
-        <p:cNvGrpSpPr/>
-        <p:nvPr/>
-      </p:nvGrpSpPr>
-      <p:grpSpPr>
-        <a:xfrm>
-          <a:off x="0" y="0"/>
-          <a:ext cx="0" cy="0"/>
-          <a:chOff x="0" y="0"/>
-          <a:chExt cx="0" cy="0"/>
-        </a:xfrm>
-      </p:grpSpPr>
-      <p:sp>
-        <p:nvSpPr>
-          <p:cNvPr id="3" name="Content Placeholder 2"/>
-          <p:cNvSpPr>
-            <a:spLocks noGrp="1"/>
-          </p:cNvSpPr>
-          <p:nvPr>
-            <p:ph idx="1"/>
-          </p:nvPr>
-        </p:nvSpPr>
-        <p:spPr/>
-        <p:txBody>
-          <a:bodyPr/>
-          <a:lstStyle/>
-          <a:p>
-            <a:pPr marL="0" indent="0">
-              <a:buNone/>
-            </a:pPr>
-            <a:r>
-              <a:rPr lang="en-US" dirty="0"/>
-              <a:t>Yes. To use them on the web, you’ll have to use an ES6 compiler such </a:t>
-            </a:r>
-            <a:r>
-              <a:rPr lang="en-US" dirty="0" err="1"/>
-              <a:t>as</a:t>
-            </a:r>
-            <a:r>
-              <a:rPr lang="en-US" dirty="0" err="1">
-                <a:hlinkClick r:id="rId2"/>
-              </a:rPr>
-              <a:t>Babel</a:t>
-            </a:r>
-            <a:r>
-              <a:rPr lang="en-US" dirty="0"/>
-              <a:t>, </a:t>
-            </a:r>
-            <a:r>
-              <a:rPr lang="en-US" dirty="0" err="1">
-                <a:hlinkClick r:id="rId3"/>
-              </a:rPr>
-              <a:t>Traceur</a:t>
-            </a:r>
-            <a:r>
-              <a:rPr lang="en-US" dirty="0"/>
-              <a:t>, or </a:t>
-            </a:r>
-            <a:r>
-              <a:rPr lang="en-US" dirty="0" err="1">
-                <a:hlinkClick r:id="rId4"/>
-              </a:rPr>
-              <a:t>TypeScript</a:t>
-            </a:r>
-            <a:r>
-              <a:rPr lang="en-US" dirty="0"/>
-              <a:t>. (Babel and </a:t>
-            </a:r>
-            <a:r>
-              <a:rPr lang="en-US" dirty="0" err="1"/>
-              <a:t>Traceur</a:t>
-            </a:r>
-            <a:r>
-              <a:rPr lang="en-US" dirty="0"/>
-              <a:t> do not support the temporal dead zone yet.)</a:t>
-            </a:r>
-            <a:endParaRPr lang="en-US" dirty="0"/>
-          </a:p>
-        </p:txBody>
-      </p:sp>
-      <p:sp>
-        <p:nvSpPr>
-          <p:cNvPr id="4" name="Rectangle 1"/>
-          <p:cNvSpPr>
-            <a:spLocks noGrp="1" noChangeArrowheads="1"/>
-          </p:cNvSpPr>
-          <p:nvPr>
-            <p:ph type="title"/>
-          </p:nvPr>
-        </p:nvSpPr>
-        <p:spPr bwMode="auto">
-          <a:xfrm>
-            <a:off x="838200" y="230611"/>
-            <a:ext cx="7561365" cy="1594592"/>
-          </a:xfrm>
-          <a:prstGeom prst="rect">
-            <a:avLst/>
-          </a:prstGeom>
-          <a:solidFill>
-            <a:srgbClr val="FFFFFF"/>
-          </a:solidFill>
-          <a:ln>
-            <a:noFill/>
-          </a:ln>
-          <a:effectLst/>
-          <a:extLst>
-            <a:ext uri="{91240B29-F687-4F45-9708-019B960494DF}">
-              <a14:hiddenLine xmlns:a14="http://schemas.microsoft.com/office/drawing/2010/main" w="9525">
-                <a:solidFill>
-                  <a:schemeClr val="tx1"/>
-                </a:solidFill>
-                <a:miter lim="800000"/>
-                <a:headEnd/>
-                <a:tailEnd/>
-              </a14:hiddenLine>
-            </a:ext>
-            <a:ext uri="{AF507438-7753-43E0-B8FC-AC1667EBCBE1}">
-              <a14:hiddenEffects xmlns:a14="http://schemas.microsoft.com/office/drawing/2010/main">
-                <a:effectLst>
-                  <a:outerShdw dist="35921" dir="2700000" algn="ctr" rotWithShape="0">
-                    <a:schemeClr val="bg2"/>
-                  </a:outerShdw>
-                </a:effectLst>
-              </a14:hiddenEffects>
-            </a:ext>
-          </a:extLst>
-        </p:spPr>
-        <p:txBody>
-          <a:bodyPr vert="horz" wrap="none" lIns="0" tIns="158700" rIns="0" bIns="79350" numCol="1" anchor="ctr" anchorCtr="0" compatLnSpc="1">
-            <a:prstTxWarp prst="textNoShape">
-              <a:avLst/>
-            </a:prstTxWarp>
-            <a:spAutoFit/>
-          </a:bodyPr>
-          <a:lstStyle/>
-          <a:p>
-            <a:pPr marL="0" marR="0" lvl="0" indent="0" algn="l" defTabSz="914400" rtl="0" eaLnBrk="0" fontAlgn="base" latinLnBrk="0" hangingPunct="0">
-              <a:lnSpc>
-                <a:spcPct val="100000"/>
-              </a:lnSpc>
-              <a:spcBef>
-                <a:spcPct val="0"/>
-              </a:spcBef>
-              <a:spcAft>
-                <a:spcPct val="0"/>
-              </a:spcAft>
-              <a:buClrTx/>
-              <a:buSzTx/>
-              <a:buFontTx/>
-              <a:buNone/>
-              <a:tabLst/>
-            </a:pPr>
-            <a:r>
-              <a:rPr kumimoji="0" lang="en-US" altLang="en-US" b="1" i="0" u="none" strike="noStrike" cap="none" normalizeH="0" baseline="0" smtClean="0">
-                <a:ln>
-                  <a:noFill/>
-                </a:ln>
-                <a:solidFill>
-                  <a:srgbClr val="000000"/>
-                </a:solidFill>
-                <a:effectLst/>
-                <a:latin typeface="Open Sans"/>
-              </a:rPr>
-              <a:t>Can I use </a:t>
-            </a:r>
-            <a:r>
-              <a:rPr kumimoji="0" lang="en-US" altLang="en-US" b="1" i="0" u="none" strike="noStrike" cap="none" normalizeH="0" baseline="0" smtClean="0">
-                <a:ln>
-                  <a:noFill/>
-                </a:ln>
-                <a:solidFill>
-                  <a:srgbClr val="000000"/>
-                </a:solidFill>
-                <a:effectLst/>
-                <a:latin typeface="Arial Unicode MS" panose="020B0604020202020204" pitchFamily="34" charset="-128"/>
-              </a:rPr>
-              <a:t>let</a:t>
-            </a:r>
-            <a:r>
-              <a:rPr kumimoji="0" lang="en-US" altLang="en-US" b="1" i="0" u="none" strike="noStrike" cap="none" normalizeH="0" baseline="0" smtClean="0">
-                <a:ln>
-                  <a:noFill/>
-                </a:ln>
-                <a:solidFill>
-                  <a:srgbClr val="000000"/>
-                </a:solidFill>
-                <a:effectLst/>
-                <a:latin typeface="Open Sans"/>
-              </a:rPr>
-              <a:t> and </a:t>
-            </a:r>
-            <a:r>
-              <a:rPr kumimoji="0" lang="en-US" altLang="en-US" b="1" i="0" u="none" strike="noStrike" cap="none" normalizeH="0" baseline="0" smtClean="0">
-                <a:ln>
-                  <a:noFill/>
-                </a:ln>
-                <a:solidFill>
-                  <a:srgbClr val="000000"/>
-                </a:solidFill>
-                <a:effectLst/>
-                <a:latin typeface="Arial Unicode MS" panose="020B0604020202020204" pitchFamily="34" charset="-128"/>
-              </a:rPr>
-              <a:t>const</a:t>
-            </a:r>
-            <a:r>
-              <a:rPr kumimoji="0" lang="en-US" altLang="en-US" b="1" i="0" u="none" strike="noStrike" cap="none" normalizeH="0" baseline="0" smtClean="0">
-                <a:ln>
-                  <a:noFill/>
-                </a:ln>
-                <a:solidFill>
-                  <a:srgbClr val="000000"/>
-                </a:solidFill>
-                <a:effectLst/>
-                <a:latin typeface="Open Sans"/>
-              </a:rPr>
-              <a:t> now?</a:t>
-            </a:r>
-          </a:p>
-          <a:p>
-            <a:pPr marL="0" marR="0" lvl="0" indent="0" algn="l" defTabSz="914400" rtl="0" eaLnBrk="0" fontAlgn="base" latinLnBrk="0" hangingPunct="0">
-              <a:lnSpc>
-                <a:spcPct val="100000"/>
-              </a:lnSpc>
-              <a:spcBef>
-                <a:spcPct val="0"/>
-              </a:spcBef>
-              <a:spcAft>
-                <a:spcPct val="0"/>
-              </a:spcAft>
-              <a:buClrTx/>
-              <a:buSzTx/>
-              <a:buFontTx/>
-              <a:buNone/>
-              <a:tabLst/>
-            </a:pPr>
-            <a:endParaRPr kumimoji="0" lang="en-US" altLang="en-US" b="0" i="0" u="none" strike="noStrike" cap="none" normalizeH="0" baseline="0" smtClean="0">
-              <a:ln>
-                <a:noFill/>
-              </a:ln>
-              <a:solidFill>
-                <a:schemeClr val="tx1"/>
-              </a:solidFill>
-              <a:effectLst/>
-              <a:latin typeface="Arial" panose="020B0604020202020204" pitchFamily="34" charset="0"/>
-            </a:endParaRPr>
-          </a:p>
-        </p:txBody>
-      </p:sp>
-    </p:spTree>
-    <p:extLst>
-      <p:ext uri="{BB962C8B-B14F-4D97-AF65-F5344CB8AC3E}">
-        <p14:creationId xmlns:p14="http://schemas.microsoft.com/office/powerpoint/2010/main" val="1856033063"/>
-      </p:ext>
-    </p:extLst>
-  </p:cSld>
-  <p:clrMapOvr>
-    <a:masterClrMapping/>
-  </p:clrMapOvr>
-</p:sld>
-</file>
-
-<file path=ppt/slides/slide37.xml><?xml version="1.0" encoding="utf-8"?>
-<p:sld xmlns:a="http://schemas.openxmlformats.org/drawingml/2006/main" xmlns:r="http://schemas.openxmlformats.org/officeDocument/2006/relationships" xmlns:p="http://schemas.openxmlformats.org/presentationml/2006/main">
-  <p:cSld>
-    <p:spTree>
-      <p:nvGrpSpPr>
-        <p:cNvPr id="1" name=""/>
-        <p:cNvGrpSpPr/>
-        <p:nvPr/>
-      </p:nvGrpSpPr>
-      <p:grpSpPr>
-        <a:xfrm>
-          <a:off x="0" y="0"/>
-          <a:ext cx="0" cy="0"/>
-          <a:chOff x="0" y="0"/>
-          <a:chExt cx="0" cy="0"/>
-        </a:xfrm>
-      </p:grpSpPr>
-      <p:sp>
-        <p:nvSpPr>
-          <p:cNvPr id="2" name="Title 1"/>
-          <p:cNvSpPr>
-            <a:spLocks noGrp="1"/>
-          </p:cNvSpPr>
-          <p:nvPr>
-            <p:ph type="title"/>
-          </p:nvPr>
-        </p:nvSpPr>
-        <p:spPr/>
-        <p:txBody>
-          <a:bodyPr/>
-          <a:lstStyle/>
-          <a:p>
-            <a:r>
-              <a:rPr lang="en-US" dirty="0" smtClean="0"/>
-              <a:t>References</a:t>
-            </a:r>
-            <a:endParaRPr lang="en-US" dirty="0"/>
-          </a:p>
-        </p:txBody>
-      </p:sp>
-      <p:sp>
-        <p:nvSpPr>
-          <p:cNvPr id="3" name="Content Placeholder 2"/>
-          <p:cNvSpPr>
-            <a:spLocks noGrp="1"/>
-          </p:cNvSpPr>
-          <p:nvPr>
-            <p:ph idx="1"/>
-          </p:nvPr>
-        </p:nvSpPr>
-        <p:spPr/>
-        <p:txBody>
-          <a:bodyPr/>
-          <a:lstStyle/>
-          <a:p>
-            <a:pPr marL="0" indent="0">
-              <a:buNone/>
-            </a:pPr>
-            <a:r>
-              <a:rPr lang="en-US" dirty="0"/>
-              <a:t>https://hacks.mozilla.org/category/es6-in-depth/</a:t>
-            </a:r>
-          </a:p>
-        </p:txBody>
-      </p:sp>
-    </p:spTree>
-    <p:extLst>
-      <p:ext uri="{BB962C8B-B14F-4D97-AF65-F5344CB8AC3E}">
-        <p14:creationId xmlns:p14="http://schemas.microsoft.com/office/powerpoint/2010/main" val="4024423919"/>
       </p:ext>
     </p:extLst>
   </p:cSld>

--- a/es6/es6.pptx
+++ b/es6/es6.pptx
@@ -25,6 +25,13 @@
     <p:sldId id="274" r:id="rId19"/>
     <p:sldId id="275" r:id="rId20"/>
     <p:sldId id="284" r:id="rId21"/>
+    <p:sldId id="287" r:id="rId22"/>
+    <p:sldId id="285" r:id="rId23"/>
+    <p:sldId id="286" r:id="rId24"/>
+    <p:sldId id="288" r:id="rId25"/>
+    <p:sldId id="289" r:id="rId26"/>
+    <p:sldId id="290" r:id="rId27"/>
+    <p:sldId id="291" r:id="rId28"/>
   </p:sldIdLst>
   <p:sldSz cx="12192000" cy="6858000"/>
   <p:notesSz cx="6858000" cy="9144000"/>
@@ -262,7 +269,7 @@
           <a:p>
             <a:fld id="{4D8EEEE2-ACBB-41C1-BCFD-8A829CFB8979}" type="datetimeFigureOut">
               <a:rPr lang="en-US" smtClean="0"/>
-              <a:t>9/12/2015</a:t>
+              <a:t>9/16/2015</a:t>
             </a:fld>
             <a:endParaRPr lang="en-US"/>
           </a:p>
@@ -432,7 +439,7 @@
           <a:p>
             <a:fld id="{4D8EEEE2-ACBB-41C1-BCFD-8A829CFB8979}" type="datetimeFigureOut">
               <a:rPr lang="en-US" smtClean="0"/>
-              <a:t>9/12/2015</a:t>
+              <a:t>9/16/2015</a:t>
             </a:fld>
             <a:endParaRPr lang="en-US"/>
           </a:p>
@@ -612,7 +619,7 @@
           <a:p>
             <a:fld id="{4D8EEEE2-ACBB-41C1-BCFD-8A829CFB8979}" type="datetimeFigureOut">
               <a:rPr lang="en-US" smtClean="0"/>
-              <a:t>9/12/2015</a:t>
+              <a:t>9/16/2015</a:t>
             </a:fld>
             <a:endParaRPr lang="en-US"/>
           </a:p>
@@ -782,7 +789,7 @@
           <a:p>
             <a:fld id="{4D8EEEE2-ACBB-41C1-BCFD-8A829CFB8979}" type="datetimeFigureOut">
               <a:rPr lang="en-US" smtClean="0"/>
-              <a:t>9/12/2015</a:t>
+              <a:t>9/16/2015</a:t>
             </a:fld>
             <a:endParaRPr lang="en-US"/>
           </a:p>
@@ -1028,7 +1035,7 @@
           <a:p>
             <a:fld id="{4D8EEEE2-ACBB-41C1-BCFD-8A829CFB8979}" type="datetimeFigureOut">
               <a:rPr lang="en-US" smtClean="0"/>
-              <a:t>9/12/2015</a:t>
+              <a:t>9/16/2015</a:t>
             </a:fld>
             <a:endParaRPr lang="en-US"/>
           </a:p>
@@ -1260,7 +1267,7 @@
           <a:p>
             <a:fld id="{4D8EEEE2-ACBB-41C1-BCFD-8A829CFB8979}" type="datetimeFigureOut">
               <a:rPr lang="en-US" smtClean="0"/>
-              <a:t>9/12/2015</a:t>
+              <a:t>9/16/2015</a:t>
             </a:fld>
             <a:endParaRPr lang="en-US"/>
           </a:p>
@@ -1627,7 +1634,7 @@
           <a:p>
             <a:fld id="{4D8EEEE2-ACBB-41C1-BCFD-8A829CFB8979}" type="datetimeFigureOut">
               <a:rPr lang="en-US" smtClean="0"/>
-              <a:t>9/12/2015</a:t>
+              <a:t>9/16/2015</a:t>
             </a:fld>
             <a:endParaRPr lang="en-US"/>
           </a:p>
@@ -1745,7 +1752,7 @@
           <a:p>
             <a:fld id="{4D8EEEE2-ACBB-41C1-BCFD-8A829CFB8979}" type="datetimeFigureOut">
               <a:rPr lang="en-US" smtClean="0"/>
-              <a:t>9/12/2015</a:t>
+              <a:t>9/16/2015</a:t>
             </a:fld>
             <a:endParaRPr lang="en-US"/>
           </a:p>
@@ -1840,7 +1847,7 @@
           <a:p>
             <a:fld id="{4D8EEEE2-ACBB-41C1-BCFD-8A829CFB8979}" type="datetimeFigureOut">
               <a:rPr lang="en-US" smtClean="0"/>
-              <a:t>9/12/2015</a:t>
+              <a:t>9/16/2015</a:t>
             </a:fld>
             <a:endParaRPr lang="en-US"/>
           </a:p>
@@ -2117,7 +2124,7 @@
           <a:p>
             <a:fld id="{4D8EEEE2-ACBB-41C1-BCFD-8A829CFB8979}" type="datetimeFigureOut">
               <a:rPr lang="en-US" smtClean="0"/>
-              <a:t>9/12/2015</a:t>
+              <a:t>9/16/2015</a:t>
             </a:fld>
             <a:endParaRPr lang="en-US"/>
           </a:p>
@@ -2370,7 +2377,7 @@
           <a:p>
             <a:fld id="{4D8EEEE2-ACBB-41C1-BCFD-8A829CFB8979}" type="datetimeFigureOut">
               <a:rPr lang="en-US" smtClean="0"/>
-              <a:t>9/12/2015</a:t>
+              <a:t>9/16/2015</a:t>
             </a:fld>
             <a:endParaRPr lang="en-US"/>
           </a:p>
@@ -2583,7 +2590,7 @@
           <a:p>
             <a:fld id="{4D8EEEE2-ACBB-41C1-BCFD-8A829CFB8979}" type="datetimeFigureOut">
               <a:rPr lang="en-US" smtClean="0"/>
-              <a:t>9/12/2015</a:t>
+              <a:t>9/16/2015</a:t>
             </a:fld>
             <a:endParaRPr lang="en-US"/>
           </a:p>
@@ -6170,6 +6177,2531 @@
 </p:sld>
 </file>
 
+<file path=ppt/slides/slide21.xml><?xml version="1.0" encoding="utf-8"?>
+<p:sld xmlns:a="http://schemas.openxmlformats.org/drawingml/2006/main" xmlns:r="http://schemas.openxmlformats.org/officeDocument/2006/relationships" xmlns:p="http://schemas.openxmlformats.org/presentationml/2006/main">
+  <p:cSld>
+    <p:spTree>
+      <p:nvGrpSpPr>
+        <p:cNvPr id="1" name=""/>
+        <p:cNvGrpSpPr/>
+        <p:nvPr/>
+      </p:nvGrpSpPr>
+      <p:grpSpPr>
+        <a:xfrm>
+          <a:off x="0" y="0"/>
+          <a:ext cx="0" cy="0"/>
+          <a:chOff x="0" y="0"/>
+          <a:chExt cx="0" cy="0"/>
+        </a:xfrm>
+      </p:grpSpPr>
+      <p:sp>
+        <p:nvSpPr>
+          <p:cNvPr id="2" name="Title 1"/>
+          <p:cNvSpPr>
+            <a:spLocks noGrp="1"/>
+          </p:cNvSpPr>
+          <p:nvPr>
+            <p:ph type="title"/>
+          </p:nvPr>
+        </p:nvSpPr>
+        <p:spPr/>
+        <p:txBody>
+          <a:bodyPr/>
+          <a:lstStyle/>
+          <a:p>
+            <a:r>
+              <a:rPr lang="en-US" dirty="0" smtClean="0"/>
+              <a:t>LET AND CONST</a:t>
+            </a:r>
+            <a:endParaRPr lang="en-US" dirty="0"/>
+          </a:p>
+        </p:txBody>
+      </p:sp>
+      <p:sp>
+        <p:nvSpPr>
+          <p:cNvPr id="3" name="Content Placeholder 2"/>
+          <p:cNvSpPr>
+            <a:spLocks noGrp="1"/>
+          </p:cNvSpPr>
+          <p:nvPr>
+            <p:ph idx="1"/>
+          </p:nvPr>
+        </p:nvSpPr>
+        <p:spPr/>
+        <p:txBody>
+          <a:bodyPr/>
+          <a:lstStyle/>
+          <a:p>
+            <a:endParaRPr lang="en-US"/>
+          </a:p>
+        </p:txBody>
+      </p:sp>
+    </p:spTree>
+    <p:extLst>
+      <p:ext uri="{BB962C8B-B14F-4D97-AF65-F5344CB8AC3E}">
+        <p14:creationId xmlns:p14="http://schemas.microsoft.com/office/powerpoint/2010/main" val="620824180"/>
+      </p:ext>
+    </p:extLst>
+  </p:cSld>
+  <p:clrMapOvr>
+    <a:masterClrMapping/>
+  </p:clrMapOvr>
+</p:sld>
+</file>
+
+<file path=ppt/slides/slide22.xml><?xml version="1.0" encoding="utf-8"?>
+<p:sld xmlns:a="http://schemas.openxmlformats.org/drawingml/2006/main" xmlns:r="http://schemas.openxmlformats.org/officeDocument/2006/relationships" xmlns:p="http://schemas.openxmlformats.org/presentationml/2006/main">
+  <p:cSld>
+    <p:spTree>
+      <p:nvGrpSpPr>
+        <p:cNvPr id="1" name=""/>
+        <p:cNvGrpSpPr/>
+        <p:nvPr/>
+      </p:nvGrpSpPr>
+      <p:grpSpPr>
+        <a:xfrm>
+          <a:off x="0" y="0"/>
+          <a:ext cx="0" cy="0"/>
+          <a:chOff x="0" y="0"/>
+          <a:chExt cx="0" cy="0"/>
+        </a:xfrm>
+      </p:grpSpPr>
+      <p:sp>
+        <p:nvSpPr>
+          <p:cNvPr id="3" name="Content Placeholder 2"/>
+          <p:cNvSpPr>
+            <a:spLocks noGrp="1"/>
+          </p:cNvSpPr>
+          <p:nvPr>
+            <p:ph idx="1"/>
+          </p:nvPr>
+        </p:nvSpPr>
+        <p:spPr>
+          <a:xfrm>
+            <a:off x="403302" y="164093"/>
+            <a:ext cx="10515600" cy="6102892"/>
+          </a:xfrm>
+        </p:spPr>
+        <p:txBody>
+          <a:bodyPr>
+            <a:normAutofit fontScale="62500" lnSpcReduction="20000"/>
+          </a:bodyPr>
+          <a:lstStyle/>
+          <a:p>
+            <a:pPr marL="0" indent="0">
+              <a:buNone/>
+            </a:pPr>
+            <a:r>
+              <a:rPr lang="en-US" dirty="0"/>
+              <a:t>Class declarations…</a:t>
+            </a:r>
+          </a:p>
+          <a:p>
+            <a:pPr marL="0" indent="0">
+              <a:buNone/>
+            </a:pPr>
+            <a:endParaRPr lang="en-US" dirty="0"/>
+          </a:p>
+          <a:p>
+            <a:pPr marL="0" indent="0">
+              <a:buNone/>
+            </a:pPr>
+            <a:r>
+              <a:rPr lang="en-US" dirty="0"/>
+              <a:t>are block-scoped.</a:t>
+            </a:r>
+          </a:p>
+          <a:p>
+            <a:pPr marL="0" indent="0">
+              <a:buNone/>
+            </a:pPr>
+            <a:r>
+              <a:rPr lang="en-US" dirty="0"/>
+              <a:t>don’t create properties on the global object.</a:t>
+            </a:r>
+          </a:p>
+          <a:p>
+            <a:pPr marL="0" indent="0">
+              <a:buNone/>
+            </a:pPr>
+            <a:r>
+              <a:rPr lang="en-US" dirty="0"/>
+              <a:t>are not hoisted.</a:t>
+            </a:r>
+          </a:p>
+          <a:p>
+            <a:pPr marL="0" indent="0">
+              <a:buNone/>
+            </a:pPr>
+            <a:r>
+              <a:rPr lang="en-US" dirty="0"/>
+              <a:t>Classes not being hoisted may be surprising, because, under the hood, they create functions. The rationale for this behavior is that the values of their extends clauses are defined via expressions and those expressions have to be executed at the appropriate times.</a:t>
+            </a:r>
+          </a:p>
+          <a:p>
+            <a:pPr marL="0" indent="0">
+              <a:buNone/>
+            </a:pPr>
+            <a:endParaRPr lang="en-US" dirty="0"/>
+          </a:p>
+          <a:p>
+            <a:pPr marL="0" indent="0">
+              <a:buNone/>
+            </a:pPr>
+            <a:r>
+              <a:rPr lang="en-US" dirty="0"/>
+              <a:t>{ // Enter a new scope</a:t>
+            </a:r>
+          </a:p>
+          <a:p>
+            <a:pPr marL="0" indent="0">
+              <a:buNone/>
+            </a:pPr>
+            <a:endParaRPr lang="en-US" dirty="0"/>
+          </a:p>
+          <a:p>
+            <a:pPr marL="0" indent="0">
+              <a:buNone/>
+            </a:pPr>
+            <a:r>
+              <a:rPr lang="en-US" dirty="0"/>
+              <a:t>    </a:t>
+            </a:r>
+            <a:r>
+              <a:rPr lang="en-US" dirty="0" err="1"/>
+              <a:t>const</a:t>
+            </a:r>
+            <a:r>
+              <a:rPr lang="en-US" dirty="0"/>
+              <a:t> identity = x =&gt; x;</a:t>
+            </a:r>
+          </a:p>
+          <a:p>
+            <a:pPr marL="0" indent="0">
+              <a:buNone/>
+            </a:pPr>
+            <a:endParaRPr lang="en-US" dirty="0"/>
+          </a:p>
+          <a:p>
+            <a:pPr marL="0" indent="0">
+              <a:buNone/>
+            </a:pPr>
+            <a:r>
+              <a:rPr lang="en-US" dirty="0"/>
+              <a:t>    // Here we are in the temporal dead zone of `</a:t>
+            </a:r>
+            <a:r>
+              <a:rPr lang="en-US" dirty="0" err="1"/>
+              <a:t>MyClass</a:t>
+            </a:r>
+            <a:r>
+              <a:rPr lang="en-US" dirty="0"/>
+              <a:t>`</a:t>
+            </a:r>
+          </a:p>
+          <a:p>
+            <a:pPr marL="0" indent="0">
+              <a:buNone/>
+            </a:pPr>
+            <a:r>
+              <a:rPr lang="en-US" dirty="0"/>
+              <a:t>    let </a:t>
+            </a:r>
+            <a:r>
+              <a:rPr lang="en-US" dirty="0" err="1"/>
+              <a:t>inst</a:t>
+            </a:r>
+            <a:r>
+              <a:rPr lang="en-US" dirty="0"/>
+              <a:t> = new </a:t>
+            </a:r>
+            <a:r>
+              <a:rPr lang="en-US" dirty="0" err="1"/>
+              <a:t>MyClass</a:t>
+            </a:r>
+            <a:r>
+              <a:rPr lang="en-US" dirty="0"/>
+              <a:t>(); // </a:t>
+            </a:r>
+            <a:r>
+              <a:rPr lang="en-US" dirty="0" err="1"/>
+              <a:t>ReferenceError</a:t>
+            </a:r>
+            <a:endParaRPr lang="en-US" dirty="0"/>
+          </a:p>
+          <a:p>
+            <a:pPr marL="0" indent="0">
+              <a:buNone/>
+            </a:pPr>
+            <a:endParaRPr lang="en-US" dirty="0"/>
+          </a:p>
+          <a:p>
+            <a:pPr marL="0" indent="0">
+              <a:buNone/>
+            </a:pPr>
+            <a:r>
+              <a:rPr lang="en-US" dirty="0"/>
+              <a:t>    // Note the expression in the `extends` clause</a:t>
+            </a:r>
+          </a:p>
+          <a:p>
+            <a:pPr marL="0" indent="0">
+              <a:buNone/>
+            </a:pPr>
+            <a:r>
+              <a:rPr lang="en-US" dirty="0"/>
+              <a:t>    class </a:t>
+            </a:r>
+            <a:r>
+              <a:rPr lang="en-US" dirty="0" err="1"/>
+              <a:t>MyClass</a:t>
+            </a:r>
+            <a:r>
+              <a:rPr lang="en-US" dirty="0"/>
+              <a:t> extends identity(Object) {</a:t>
+            </a:r>
+          </a:p>
+          <a:p>
+            <a:pPr marL="0" indent="0">
+              <a:buNone/>
+            </a:pPr>
+            <a:r>
+              <a:rPr lang="en-US" dirty="0"/>
+              <a:t>    }</a:t>
+            </a:r>
+          </a:p>
+          <a:p>
+            <a:pPr marL="0" indent="0">
+              <a:buNone/>
+            </a:pPr>
+            <a:r>
+              <a:rPr lang="en-US" dirty="0"/>
+              <a:t>}</a:t>
+            </a:r>
+          </a:p>
+        </p:txBody>
+      </p:sp>
+    </p:spTree>
+    <p:extLst>
+      <p:ext uri="{BB962C8B-B14F-4D97-AF65-F5344CB8AC3E}">
+        <p14:creationId xmlns:p14="http://schemas.microsoft.com/office/powerpoint/2010/main" val="4234020854"/>
+      </p:ext>
+    </p:extLst>
+  </p:cSld>
+  <p:clrMapOvr>
+    <a:masterClrMapping/>
+  </p:clrMapOvr>
+</p:sld>
+</file>
+
+<file path=ppt/slides/slide23.xml><?xml version="1.0" encoding="utf-8"?>
+<p:sld xmlns:a="http://schemas.openxmlformats.org/drawingml/2006/main" xmlns:r="http://schemas.openxmlformats.org/officeDocument/2006/relationships" xmlns:p="http://schemas.openxmlformats.org/presentationml/2006/main">
+  <p:cSld>
+    <p:spTree>
+      <p:nvGrpSpPr>
+        <p:cNvPr id="1" name=""/>
+        <p:cNvGrpSpPr/>
+        <p:nvPr/>
+      </p:nvGrpSpPr>
+      <p:grpSpPr>
+        <a:xfrm>
+          <a:off x="0" y="0"/>
+          <a:ext cx="0" cy="0"/>
+          <a:chOff x="0" y="0"/>
+          <a:chExt cx="0" cy="0"/>
+        </a:xfrm>
+      </p:grpSpPr>
+      <p:sp>
+        <p:nvSpPr>
+          <p:cNvPr id="3" name="Content Placeholder 2"/>
+          <p:cNvSpPr>
+            <a:spLocks noGrp="1"/>
+          </p:cNvSpPr>
+          <p:nvPr>
+            <p:ph idx="1"/>
+          </p:nvPr>
+        </p:nvSpPr>
+        <p:spPr>
+          <a:xfrm>
+            <a:off x="748990" y="230999"/>
+            <a:ext cx="10515600" cy="5779507"/>
+          </a:xfrm>
+        </p:spPr>
+        <p:txBody>
+          <a:bodyPr>
+            <a:normAutofit fontScale="92500" lnSpcReduction="10000"/>
+          </a:bodyPr>
+          <a:lstStyle/>
+          <a:p>
+            <a:pPr marL="0" indent="0">
+              <a:buNone/>
+            </a:pPr>
+            <a:r>
+              <a:rPr lang="en-US" dirty="0"/>
+              <a:t>10.7 The global object</a:t>
+            </a:r>
+          </a:p>
+          <a:p>
+            <a:pPr marL="0" indent="0">
+              <a:buNone/>
+            </a:pPr>
+            <a:r>
+              <a:rPr lang="en-US" dirty="0"/>
+              <a:t>JavaScript’s global object (window in web browsers, global in Node.js) is more a bug than a feature, especially with regard to performance. That’s why it’s not surprising that ES6 introduces a distinction:</a:t>
+            </a:r>
+          </a:p>
+          <a:p>
+            <a:pPr marL="0" indent="0">
+              <a:buNone/>
+            </a:pPr>
+            <a:endParaRPr lang="en-US" dirty="0"/>
+          </a:p>
+          <a:p>
+            <a:pPr marL="0" indent="0">
+              <a:buNone/>
+            </a:pPr>
+            <a:r>
+              <a:rPr lang="en-US" dirty="0"/>
+              <a:t>All properties of the global object are global variables. In global scope, the following declarations create such properties:</a:t>
+            </a:r>
+          </a:p>
+          <a:p>
+            <a:pPr marL="0" indent="0">
+              <a:buNone/>
+            </a:pPr>
+            <a:r>
+              <a:rPr lang="en-US" dirty="0" err="1"/>
+              <a:t>var</a:t>
+            </a:r>
+            <a:r>
+              <a:rPr lang="en-US" dirty="0"/>
+              <a:t> declarations</a:t>
+            </a:r>
+          </a:p>
+          <a:p>
+            <a:pPr marL="0" indent="0">
+              <a:buNone/>
+            </a:pPr>
+            <a:r>
+              <a:rPr lang="en-US" dirty="0"/>
+              <a:t>Function declarations</a:t>
+            </a:r>
+          </a:p>
+          <a:p>
+            <a:pPr marL="0" indent="0">
+              <a:buNone/>
+            </a:pPr>
+            <a:r>
+              <a:rPr lang="en-US" dirty="0"/>
+              <a:t>But there are now also global variables that are not properties of the global object. In global scope, the following declarations create such variables:</a:t>
+            </a:r>
+          </a:p>
+          <a:p>
+            <a:pPr marL="0" indent="0">
+              <a:buNone/>
+            </a:pPr>
+            <a:r>
+              <a:rPr lang="en-US" dirty="0"/>
+              <a:t>let declarations</a:t>
+            </a:r>
+          </a:p>
+          <a:p>
+            <a:pPr marL="0" indent="0">
+              <a:buNone/>
+            </a:pPr>
+            <a:r>
+              <a:rPr lang="en-US" dirty="0" err="1"/>
+              <a:t>const</a:t>
+            </a:r>
+            <a:r>
+              <a:rPr lang="en-US" dirty="0"/>
+              <a:t> declarations</a:t>
+            </a:r>
+          </a:p>
+          <a:p>
+            <a:pPr marL="0" indent="0">
+              <a:buNone/>
+            </a:pPr>
+            <a:r>
+              <a:rPr lang="en-US" dirty="0"/>
+              <a:t>Class declarations</a:t>
+            </a:r>
+          </a:p>
+        </p:txBody>
+      </p:sp>
+    </p:spTree>
+    <p:extLst>
+      <p:ext uri="{BB962C8B-B14F-4D97-AF65-F5344CB8AC3E}">
+        <p14:creationId xmlns:p14="http://schemas.microsoft.com/office/powerpoint/2010/main" val="3658888952"/>
+      </p:ext>
+    </p:extLst>
+  </p:cSld>
+  <p:clrMapOvr>
+    <a:masterClrMapping/>
+  </p:clrMapOvr>
+</p:sld>
+</file>
+
+<file path=ppt/slides/slide24.xml><?xml version="1.0" encoding="utf-8"?>
+<p:sld xmlns:a="http://schemas.openxmlformats.org/drawingml/2006/main" xmlns:r="http://schemas.openxmlformats.org/officeDocument/2006/relationships" xmlns:p="http://schemas.openxmlformats.org/presentationml/2006/main">
+  <p:cSld>
+    <p:spTree>
+      <p:nvGrpSpPr>
+        <p:cNvPr id="1" name=""/>
+        <p:cNvGrpSpPr/>
+        <p:nvPr/>
+      </p:nvGrpSpPr>
+      <p:grpSpPr>
+        <a:xfrm>
+          <a:off x="0" y="0"/>
+          <a:ext cx="0" cy="0"/>
+          <a:chOff x="0" y="0"/>
+          <a:chExt cx="0" cy="0"/>
+        </a:xfrm>
+      </p:grpSpPr>
+      <p:sp>
+        <p:nvSpPr>
+          <p:cNvPr id="2" name="Title 1"/>
+          <p:cNvSpPr>
+            <a:spLocks noGrp="1"/>
+          </p:cNvSpPr>
+          <p:nvPr>
+            <p:ph type="title"/>
+          </p:nvPr>
+        </p:nvSpPr>
+        <p:spPr/>
+        <p:txBody>
+          <a:bodyPr/>
+          <a:lstStyle/>
+          <a:p>
+            <a:r>
+              <a:rPr lang="en-US" dirty="0" smtClean="0"/>
+              <a:t>???</a:t>
+            </a:r>
+            <a:endParaRPr lang="en-US" dirty="0"/>
+          </a:p>
+        </p:txBody>
+      </p:sp>
+      <p:sp>
+        <p:nvSpPr>
+          <p:cNvPr id="4" name="Rectangle 1"/>
+          <p:cNvSpPr>
+            <a:spLocks noGrp="1" noChangeArrowheads="1"/>
+          </p:cNvSpPr>
+          <p:nvPr>
+            <p:ph idx="1"/>
+          </p:nvPr>
+        </p:nvSpPr>
+        <p:spPr bwMode="auto">
+          <a:prstGeom prst="rect">
+            <a:avLst/>
+          </a:prstGeom>
+          <a:noFill/>
+          <a:ln>
+            <a:noFill/>
+          </a:ln>
+          <a:effectLst/>
+          <a:extLst>
+            <a:ext uri="{909E8E84-426E-40DD-AFC4-6F175D3DCCD1}">
+              <a14:hiddenFill xmlns:a14="http://schemas.microsoft.com/office/drawing/2010/main">
+                <a:solidFill>
+                  <a:schemeClr val="accent1"/>
+                </a:solidFill>
+              </a14:hiddenFill>
+            </a:ext>
+            <a:ext uri="{91240B29-F687-4F45-9708-019B960494DF}">
+              <a14:hiddenLine xmlns:a14="http://schemas.microsoft.com/office/drawing/2010/main" w="9525">
+                <a:solidFill>
+                  <a:schemeClr val="tx1"/>
+                </a:solidFill>
+                <a:miter lim="800000"/>
+                <a:headEnd/>
+                <a:tailEnd/>
+              </a14:hiddenLine>
+            </a:ext>
+            <a:ext uri="{AF507438-7753-43E0-B8FC-AC1667EBCBE1}">
+              <a14:hiddenEffects xmlns:a14="http://schemas.microsoft.com/office/drawing/2010/main">
+                <a:effectLst>
+                  <a:outerShdw dist="35921" dir="2700000" algn="ctr" rotWithShape="0">
+                    <a:schemeClr val="bg2"/>
+                  </a:outerShdw>
+                </a:effectLst>
+              </a14:hiddenEffects>
+            </a:ext>
+          </a:extLst>
+        </p:spPr>
+        <p:txBody>
+          <a:bodyPr vert="horz" wrap="none" lIns="91440" tIns="79350" rIns="91440" bIns="79350" numCol="1" anchor="ctr" anchorCtr="0" compatLnSpc="1">
+            <a:prstTxWarp prst="textNoShape">
+              <a:avLst/>
+            </a:prstTxWarp>
+            <a:spAutoFit/>
+          </a:bodyPr>
+          <a:lstStyle>
+            <a:lvl1pPr eaLnBrk="0" fontAlgn="base" hangingPunct="0">
+              <a:spcBef>
+                <a:spcPct val="0"/>
+              </a:spcBef>
+              <a:spcAft>
+                <a:spcPct val="0"/>
+              </a:spcAft>
+              <a:defRPr>
+                <a:solidFill>
+                  <a:schemeClr val="tx1"/>
+                </a:solidFill>
+                <a:latin typeface="Arial" panose="020B0604020202020204" pitchFamily="34" charset="0"/>
+              </a:defRPr>
+            </a:lvl1pPr>
+            <a:lvl2pPr eaLnBrk="0" fontAlgn="base" hangingPunct="0">
+              <a:spcBef>
+                <a:spcPct val="0"/>
+              </a:spcBef>
+              <a:spcAft>
+                <a:spcPct val="0"/>
+              </a:spcAft>
+              <a:defRPr>
+                <a:solidFill>
+                  <a:schemeClr val="tx1"/>
+                </a:solidFill>
+                <a:latin typeface="Arial" panose="020B0604020202020204" pitchFamily="34" charset="0"/>
+              </a:defRPr>
+            </a:lvl2pPr>
+            <a:lvl3pPr eaLnBrk="0" fontAlgn="base" hangingPunct="0">
+              <a:spcBef>
+                <a:spcPct val="0"/>
+              </a:spcBef>
+              <a:spcAft>
+                <a:spcPct val="0"/>
+              </a:spcAft>
+              <a:defRPr>
+                <a:solidFill>
+                  <a:schemeClr val="tx1"/>
+                </a:solidFill>
+                <a:latin typeface="Arial" panose="020B0604020202020204" pitchFamily="34" charset="0"/>
+              </a:defRPr>
+            </a:lvl3pPr>
+            <a:lvl4pPr eaLnBrk="0" fontAlgn="base" hangingPunct="0">
+              <a:spcBef>
+                <a:spcPct val="0"/>
+              </a:spcBef>
+              <a:spcAft>
+                <a:spcPct val="0"/>
+              </a:spcAft>
+              <a:defRPr>
+                <a:solidFill>
+                  <a:schemeClr val="tx1"/>
+                </a:solidFill>
+                <a:latin typeface="Arial" panose="020B0604020202020204" pitchFamily="34" charset="0"/>
+              </a:defRPr>
+            </a:lvl4pPr>
+            <a:lvl5pPr eaLnBrk="0" fontAlgn="base" hangingPunct="0">
+              <a:spcBef>
+                <a:spcPct val="0"/>
+              </a:spcBef>
+              <a:spcAft>
+                <a:spcPct val="0"/>
+              </a:spcAft>
+              <a:defRPr>
+                <a:solidFill>
+                  <a:schemeClr val="tx1"/>
+                </a:solidFill>
+                <a:latin typeface="Arial" panose="020B0604020202020204" pitchFamily="34" charset="0"/>
+              </a:defRPr>
+            </a:lvl5pPr>
+            <a:lvl6pPr eaLnBrk="0" fontAlgn="base" hangingPunct="0">
+              <a:spcBef>
+                <a:spcPct val="0"/>
+              </a:spcBef>
+              <a:spcAft>
+                <a:spcPct val="0"/>
+              </a:spcAft>
+              <a:defRPr>
+                <a:solidFill>
+                  <a:schemeClr val="tx1"/>
+                </a:solidFill>
+                <a:latin typeface="Arial" panose="020B0604020202020204" pitchFamily="34" charset="0"/>
+              </a:defRPr>
+            </a:lvl6pPr>
+            <a:lvl7pPr eaLnBrk="0" fontAlgn="base" hangingPunct="0">
+              <a:spcBef>
+                <a:spcPct val="0"/>
+              </a:spcBef>
+              <a:spcAft>
+                <a:spcPct val="0"/>
+              </a:spcAft>
+              <a:defRPr>
+                <a:solidFill>
+                  <a:schemeClr val="tx1"/>
+                </a:solidFill>
+                <a:latin typeface="Arial" panose="020B0604020202020204" pitchFamily="34" charset="0"/>
+              </a:defRPr>
+            </a:lvl7pPr>
+            <a:lvl8pPr eaLnBrk="0" fontAlgn="base" hangingPunct="0">
+              <a:spcBef>
+                <a:spcPct val="0"/>
+              </a:spcBef>
+              <a:spcAft>
+                <a:spcPct val="0"/>
+              </a:spcAft>
+              <a:defRPr>
+                <a:solidFill>
+                  <a:schemeClr val="tx1"/>
+                </a:solidFill>
+                <a:latin typeface="Arial" panose="020B0604020202020204" pitchFamily="34" charset="0"/>
+              </a:defRPr>
+            </a:lvl8pPr>
+            <a:lvl9pPr eaLnBrk="0" fontAlgn="base" hangingPunct="0">
+              <a:spcBef>
+                <a:spcPct val="0"/>
+              </a:spcBef>
+              <a:spcAft>
+                <a:spcPct val="0"/>
+              </a:spcAft>
+              <a:defRPr>
+                <a:solidFill>
+                  <a:schemeClr val="tx1"/>
+                </a:solidFill>
+                <a:latin typeface="Arial" panose="020B0604020202020204" pitchFamily="34" charset="0"/>
+              </a:defRPr>
+            </a:lvl9pPr>
+          </a:lstStyle>
+          <a:p>
+            <a:pPr marL="0" marR="0" lvl="0" indent="0" algn="l" defTabSz="914400" rtl="0" eaLnBrk="0" fontAlgn="base" latinLnBrk="0" hangingPunct="0">
+              <a:lnSpc>
+                <a:spcPct val="100000"/>
+              </a:lnSpc>
+              <a:spcBef>
+                <a:spcPct val="0"/>
+              </a:spcBef>
+              <a:spcAft>
+                <a:spcPct val="0"/>
+              </a:spcAft>
+              <a:buClrTx/>
+              <a:buSzTx/>
+              <a:buFontTx/>
+              <a:buNone/>
+              <a:tabLst/>
+            </a:pPr>
+            <a:r>
+              <a:rPr kumimoji="0" lang="en-US" altLang="en-US" sz="900" b="1" i="0" u="none" strike="noStrike" cap="none" normalizeH="0" baseline="0" smtClean="0">
+                <a:ln>
+                  <a:noFill/>
+                </a:ln>
+                <a:solidFill>
+                  <a:srgbClr val="000000"/>
+                </a:solidFill>
+                <a:effectLst/>
+                <a:latin typeface="Arial" panose="020B0604020202020204" pitchFamily="34" charset="0"/>
+                <a:cs typeface="Arial" panose="020B0604020202020204" pitchFamily="34" charset="0"/>
+              </a:rPr>
+              <a:t>10.4.1 </a:t>
+            </a:r>
+            <a:r>
+              <a:rPr kumimoji="0" lang="en-US" altLang="en-US" sz="1000" b="1" i="0" u="none" strike="noStrike" cap="none" normalizeH="0" baseline="0" smtClean="0">
+                <a:ln>
+                  <a:noFill/>
+                </a:ln>
+                <a:solidFill>
+                  <a:srgbClr val="000000"/>
+                </a:solidFill>
+                <a:effectLst/>
+                <a:latin typeface="Arial Unicode MS" panose="020B0604020202020204" pitchFamily="34" charset="-128"/>
+                <a:cs typeface="Arial" panose="020B0604020202020204" pitchFamily="34" charset="0"/>
+              </a:rPr>
+              <a:t>typeof</a:t>
+            </a:r>
+            <a:r>
+              <a:rPr kumimoji="0" lang="en-US" altLang="en-US" sz="900" b="1" i="0" u="none" strike="noStrike" cap="none" normalizeH="0" baseline="0" smtClean="0">
+                <a:ln>
+                  <a:noFill/>
+                </a:ln>
+                <a:solidFill>
+                  <a:srgbClr val="000000"/>
+                </a:solidFill>
+                <a:effectLst/>
+                <a:latin typeface="Arial" panose="020B0604020202020204" pitchFamily="34" charset="0"/>
+                <a:cs typeface="Arial" panose="020B0604020202020204" pitchFamily="34" charset="0"/>
+              </a:rPr>
+              <a:t> and the temporal dead zone</a:t>
+            </a:r>
+          </a:p>
+          <a:p>
+            <a:pPr marL="0" marR="0" lvl="0" indent="0" algn="l" defTabSz="914400" rtl="0" eaLnBrk="0" fontAlgn="base" latinLnBrk="0" hangingPunct="0">
+              <a:lnSpc>
+                <a:spcPct val="100000"/>
+              </a:lnSpc>
+              <a:spcBef>
+                <a:spcPct val="0"/>
+              </a:spcBef>
+              <a:spcAft>
+                <a:spcPct val="0"/>
+              </a:spcAft>
+              <a:buClrTx/>
+              <a:buSzTx/>
+              <a:buFontTx/>
+              <a:buNone/>
+              <a:tabLst/>
+            </a:pPr>
+            <a:r>
+              <a:rPr kumimoji="0" lang="en-US" altLang="en-US" sz="900" b="0" i="0" u="none" strike="noStrike" cap="none" normalizeH="0" baseline="0" smtClean="0">
+                <a:ln>
+                  <a:noFill/>
+                </a:ln>
+                <a:solidFill>
+                  <a:srgbClr val="000000"/>
+                </a:solidFill>
+                <a:effectLst/>
+                <a:latin typeface="Arial" panose="020B0604020202020204" pitchFamily="34" charset="0"/>
+                <a:cs typeface="Arial" panose="020B0604020202020204" pitchFamily="34" charset="0"/>
+              </a:rPr>
+              <a:t>A variable being unaccessible in the temporal dead zone means that you can’t even apply</a:t>
+            </a:r>
+            <a:r>
+              <a:rPr kumimoji="0" lang="en-US" altLang="en-US" sz="1800" b="0" i="0" u="none" strike="noStrike" cap="none" normalizeH="0" baseline="0" smtClean="0">
+                <a:ln>
+                  <a:noFill/>
+                </a:ln>
+                <a:solidFill>
+                  <a:srgbClr val="000000"/>
+                </a:solidFill>
+                <a:effectLst/>
+                <a:latin typeface="Arial" panose="020B0604020202020204" pitchFamily="34" charset="0"/>
+                <a:cs typeface="Arial" panose="020B0604020202020204" pitchFamily="34" charset="0"/>
+              </a:rPr>
+              <a:t> </a:t>
+            </a:r>
+            <a:r>
+              <a:rPr kumimoji="0" lang="en-US" altLang="en-US" sz="1000" b="0" i="0" u="none" strike="noStrike" cap="none" normalizeH="0" baseline="0" smtClean="0">
+                <a:ln>
+                  <a:noFill/>
+                </a:ln>
+                <a:solidFill>
+                  <a:srgbClr val="000000"/>
+                </a:solidFill>
+                <a:effectLst/>
+                <a:latin typeface="Arial Unicode MS" panose="020B0604020202020204" pitchFamily="34" charset="-128"/>
+                <a:cs typeface="Arial" panose="020B0604020202020204" pitchFamily="34" charset="0"/>
+              </a:rPr>
+              <a:t>typeof</a:t>
+            </a:r>
+            <a:r>
+              <a:rPr kumimoji="0" lang="en-US" altLang="en-US" sz="900" b="0" i="0" u="none" strike="noStrike" cap="none" normalizeH="0" baseline="0" smtClean="0">
+                <a:ln>
+                  <a:noFill/>
+                </a:ln>
+                <a:solidFill>
+                  <a:srgbClr val="000000"/>
+                </a:solidFill>
+                <a:effectLst/>
+                <a:latin typeface="Arial" panose="020B0604020202020204" pitchFamily="34" charset="0"/>
+                <a:cs typeface="Arial" panose="020B0604020202020204" pitchFamily="34" charset="0"/>
+              </a:rPr>
+              <a:t> </a:t>
+            </a:r>
+            <a:r>
+              <a:rPr kumimoji="0" lang="en-US" altLang="en-US" sz="1800" b="0" i="0" u="none" strike="noStrike" cap="none" normalizeH="0" baseline="0" smtClean="0">
+                <a:ln>
+                  <a:noFill/>
+                </a:ln>
+                <a:solidFill>
+                  <a:srgbClr val="000000"/>
+                </a:solidFill>
+                <a:effectLst/>
+                <a:latin typeface="Arial" panose="020B0604020202020204" pitchFamily="34" charset="0"/>
+                <a:cs typeface="Arial" panose="020B0604020202020204" pitchFamily="34" charset="0"/>
+              </a:rPr>
+              <a:t>to it:</a:t>
+            </a:r>
+            <a:endParaRPr kumimoji="0" lang="en-US" altLang="en-US" sz="1800" b="0" i="0" u="none" strike="noStrike" cap="none" normalizeH="0" baseline="0" smtClean="0">
+              <a:ln>
+                <a:noFill/>
+              </a:ln>
+              <a:solidFill>
+                <a:schemeClr val="tx1"/>
+              </a:solidFill>
+              <a:effectLst/>
+            </a:endParaRPr>
+          </a:p>
+          <a:p>
+            <a:pPr marL="0" marR="0" lvl="0" indent="0" algn="l" defTabSz="914400" rtl="0" eaLnBrk="0" fontAlgn="base" latinLnBrk="0" hangingPunct="0">
+              <a:lnSpc>
+                <a:spcPct val="100000"/>
+              </a:lnSpc>
+              <a:spcBef>
+                <a:spcPct val="0"/>
+              </a:spcBef>
+              <a:spcAft>
+                <a:spcPct val="0"/>
+              </a:spcAft>
+              <a:buClrTx/>
+              <a:buSzTx/>
+              <a:buFontTx/>
+              <a:buNone/>
+              <a:tabLst/>
+            </a:pPr>
+            <a:r>
+              <a:rPr kumimoji="0" lang="en-US" altLang="en-US" sz="1000" b="1" i="0" u="none" strike="noStrike" cap="none" normalizeH="0" baseline="0" smtClean="0">
+                <a:ln>
+                  <a:noFill/>
+                </a:ln>
+                <a:solidFill>
+                  <a:srgbClr val="008000"/>
+                </a:solidFill>
+                <a:effectLst/>
+                <a:latin typeface="Arial Unicode MS" panose="020B0604020202020204" pitchFamily="34" charset="-128"/>
+              </a:rPr>
+              <a:t>if</a:t>
+            </a:r>
+            <a:r>
+              <a:rPr kumimoji="0" lang="en-US" altLang="en-US" sz="1000" b="0" i="0" u="none" strike="noStrike" cap="none" normalizeH="0" baseline="0" smtClean="0">
+                <a:ln>
+                  <a:noFill/>
+                </a:ln>
+                <a:solidFill>
+                  <a:schemeClr val="tx1"/>
+                </a:solidFill>
+                <a:effectLst/>
+                <a:latin typeface="Courier"/>
+              </a:rPr>
+              <a:t> </a:t>
+            </a:r>
+            <a:r>
+              <a:rPr kumimoji="0" lang="en-US" altLang="en-US" sz="1000" b="0" i="0" u="none" strike="noStrike" cap="none" normalizeH="0" baseline="0" smtClean="0">
+                <a:ln>
+                  <a:noFill/>
+                </a:ln>
+                <a:solidFill>
+                  <a:schemeClr val="tx1"/>
+                </a:solidFill>
+                <a:effectLst/>
+                <a:latin typeface="Arial Unicode MS" panose="020B0604020202020204" pitchFamily="34" charset="-128"/>
+              </a:rPr>
+              <a:t>(</a:t>
+            </a:r>
+            <a:r>
+              <a:rPr kumimoji="0" lang="en-US" altLang="en-US" sz="1000" b="1" i="0" u="none" strike="noStrike" cap="none" normalizeH="0" baseline="0" smtClean="0">
+                <a:ln>
+                  <a:noFill/>
+                </a:ln>
+                <a:solidFill>
+                  <a:srgbClr val="008000"/>
+                </a:solidFill>
+                <a:effectLst/>
+                <a:latin typeface="Arial Unicode MS" panose="020B0604020202020204" pitchFamily="34" charset="-128"/>
+              </a:rPr>
+              <a:t>true</a:t>
+            </a:r>
+            <a:r>
+              <a:rPr kumimoji="0" lang="en-US" altLang="en-US" sz="1000" b="0" i="0" u="none" strike="noStrike" cap="none" normalizeH="0" baseline="0" smtClean="0">
+                <a:ln>
+                  <a:noFill/>
+                </a:ln>
+                <a:solidFill>
+                  <a:schemeClr val="tx1"/>
+                </a:solidFill>
+                <a:effectLst/>
+                <a:latin typeface="Arial Unicode MS" panose="020B0604020202020204" pitchFamily="34" charset="-128"/>
+              </a:rPr>
+              <a:t>)</a:t>
+            </a:r>
+            <a:r>
+              <a:rPr kumimoji="0" lang="en-US" altLang="en-US" sz="1000" b="0" i="0" u="none" strike="noStrike" cap="none" normalizeH="0" baseline="0" smtClean="0">
+                <a:ln>
+                  <a:noFill/>
+                </a:ln>
+                <a:solidFill>
+                  <a:schemeClr val="tx1"/>
+                </a:solidFill>
+                <a:effectLst/>
+                <a:latin typeface="Courier"/>
+              </a:rPr>
+              <a:t> </a:t>
+            </a:r>
+            <a:r>
+              <a:rPr kumimoji="0" lang="en-US" altLang="en-US" sz="1000" b="0" i="0" u="none" strike="noStrike" cap="none" normalizeH="0" baseline="0" smtClean="0">
+                <a:ln>
+                  <a:noFill/>
+                </a:ln>
+                <a:solidFill>
+                  <a:schemeClr val="tx1"/>
+                </a:solidFill>
+                <a:effectLst/>
+                <a:latin typeface="Arial Unicode MS" panose="020B0604020202020204" pitchFamily="34" charset="-128"/>
+              </a:rPr>
+              <a:t>{</a:t>
+            </a:r>
+            <a:r>
+              <a:rPr kumimoji="0" lang="en-US" altLang="en-US" sz="1000" b="0" i="0" u="none" strike="noStrike" cap="none" normalizeH="0" baseline="0" smtClean="0">
+                <a:ln>
+                  <a:noFill/>
+                </a:ln>
+                <a:solidFill>
+                  <a:schemeClr val="tx1"/>
+                </a:solidFill>
+                <a:effectLst/>
+                <a:latin typeface="Courier"/>
+              </a:rPr>
+              <a:t> </a:t>
+            </a:r>
+            <a:r>
+              <a:rPr kumimoji="0" lang="en-US" altLang="en-US" sz="1000" b="0" i="0" u="none" strike="noStrike" cap="none" normalizeH="0" baseline="0" smtClean="0">
+                <a:ln>
+                  <a:noFill/>
+                </a:ln>
+                <a:solidFill>
+                  <a:schemeClr val="tx1"/>
+                </a:solidFill>
+                <a:effectLst/>
+                <a:latin typeface="Arial Unicode MS" panose="020B0604020202020204" pitchFamily="34" charset="-128"/>
+              </a:rPr>
+              <a:t>console.log(</a:t>
+            </a:r>
+            <a:r>
+              <a:rPr kumimoji="0" lang="en-US" altLang="en-US" sz="1000" b="1" i="0" u="none" strike="noStrike" cap="none" normalizeH="0" baseline="0" smtClean="0">
+                <a:ln>
+                  <a:noFill/>
+                </a:ln>
+                <a:solidFill>
+                  <a:srgbClr val="008000"/>
+                </a:solidFill>
+                <a:effectLst/>
+                <a:latin typeface="Arial Unicode MS" panose="020B0604020202020204" pitchFamily="34" charset="-128"/>
+              </a:rPr>
+              <a:t>typeof</a:t>
+            </a:r>
+            <a:r>
+              <a:rPr kumimoji="0" lang="en-US" altLang="en-US" sz="1000" b="0" i="0" u="none" strike="noStrike" cap="none" normalizeH="0" baseline="0" smtClean="0">
+                <a:ln>
+                  <a:noFill/>
+                </a:ln>
+                <a:solidFill>
+                  <a:schemeClr val="tx1"/>
+                </a:solidFill>
+                <a:effectLst/>
+                <a:latin typeface="Courier"/>
+              </a:rPr>
+              <a:t> </a:t>
+            </a:r>
+            <a:r>
+              <a:rPr kumimoji="0" lang="en-US" altLang="en-US" sz="1000" b="0" i="0" u="none" strike="noStrike" cap="none" normalizeH="0" baseline="0" smtClean="0">
+                <a:ln>
+                  <a:noFill/>
+                </a:ln>
+                <a:solidFill>
+                  <a:schemeClr val="tx1"/>
+                </a:solidFill>
+                <a:effectLst/>
+                <a:latin typeface="Arial Unicode MS" panose="020B0604020202020204" pitchFamily="34" charset="-128"/>
+              </a:rPr>
+              <a:t>tmp);</a:t>
+            </a:r>
+            <a:r>
+              <a:rPr kumimoji="0" lang="en-US" altLang="en-US" sz="1000" b="0" i="0" u="none" strike="noStrike" cap="none" normalizeH="0" baseline="0" smtClean="0">
+                <a:ln>
+                  <a:noFill/>
+                </a:ln>
+                <a:solidFill>
+                  <a:schemeClr val="tx1"/>
+                </a:solidFill>
+                <a:effectLst/>
+                <a:latin typeface="Courier"/>
+              </a:rPr>
+              <a:t> </a:t>
+            </a:r>
+            <a:r>
+              <a:rPr kumimoji="0" lang="en-US" altLang="en-US" sz="1000" b="0" i="1" u="none" strike="noStrike" cap="none" normalizeH="0" baseline="0" smtClean="0">
+                <a:ln>
+                  <a:noFill/>
+                </a:ln>
+                <a:solidFill>
+                  <a:srgbClr val="408080"/>
+                </a:solidFill>
+                <a:effectLst/>
+                <a:latin typeface="Arial Unicode MS" panose="020B0604020202020204" pitchFamily="34" charset="-128"/>
+              </a:rPr>
+              <a:t>// ReferenceError</a:t>
+            </a:r>
+            <a:r>
+              <a:rPr kumimoji="0" lang="en-US" altLang="en-US" sz="1000" b="0" i="0" u="none" strike="noStrike" cap="none" normalizeH="0" baseline="0" smtClean="0">
+                <a:ln>
+                  <a:noFill/>
+                </a:ln>
+                <a:solidFill>
+                  <a:schemeClr val="tx1"/>
+                </a:solidFill>
+                <a:effectLst/>
+                <a:latin typeface="Courier"/>
+              </a:rPr>
+              <a:t> </a:t>
+            </a:r>
+            <a:r>
+              <a:rPr kumimoji="0" lang="en-US" altLang="en-US" sz="1000" b="1" i="0" u="none" strike="noStrike" cap="none" normalizeH="0" baseline="0" smtClean="0">
+                <a:ln>
+                  <a:noFill/>
+                </a:ln>
+                <a:solidFill>
+                  <a:srgbClr val="008000"/>
+                </a:solidFill>
+                <a:effectLst/>
+                <a:latin typeface="Arial Unicode MS" panose="020B0604020202020204" pitchFamily="34" charset="-128"/>
+              </a:rPr>
+              <a:t>let</a:t>
+            </a:r>
+            <a:r>
+              <a:rPr kumimoji="0" lang="en-US" altLang="en-US" sz="1000" b="0" i="0" u="none" strike="noStrike" cap="none" normalizeH="0" baseline="0" smtClean="0">
+                <a:ln>
+                  <a:noFill/>
+                </a:ln>
+                <a:solidFill>
+                  <a:schemeClr val="tx1"/>
+                </a:solidFill>
+                <a:effectLst/>
+                <a:latin typeface="Courier"/>
+              </a:rPr>
+              <a:t> </a:t>
+            </a:r>
+            <a:r>
+              <a:rPr kumimoji="0" lang="en-US" altLang="en-US" sz="1000" b="0" i="0" u="none" strike="noStrike" cap="none" normalizeH="0" baseline="0" smtClean="0">
+                <a:ln>
+                  <a:noFill/>
+                </a:ln>
+                <a:solidFill>
+                  <a:schemeClr val="tx1"/>
+                </a:solidFill>
+                <a:effectLst/>
+                <a:latin typeface="Arial Unicode MS" panose="020B0604020202020204" pitchFamily="34" charset="-128"/>
+              </a:rPr>
+              <a:t>tmp;</a:t>
+            </a:r>
+            <a:r>
+              <a:rPr kumimoji="0" lang="en-US" altLang="en-US" sz="1000" b="0" i="0" u="none" strike="noStrike" cap="none" normalizeH="0" baseline="0" smtClean="0">
+                <a:ln>
+                  <a:noFill/>
+                </a:ln>
+                <a:solidFill>
+                  <a:schemeClr val="tx1"/>
+                </a:solidFill>
+                <a:effectLst/>
+                <a:latin typeface="Courier"/>
+              </a:rPr>
+              <a:t> </a:t>
+            </a:r>
+            <a:r>
+              <a:rPr kumimoji="0" lang="en-US" altLang="en-US" sz="1000" b="0" i="0" u="none" strike="noStrike" cap="none" normalizeH="0" baseline="0" smtClean="0">
+                <a:ln>
+                  <a:noFill/>
+                </a:ln>
+                <a:solidFill>
+                  <a:schemeClr val="tx1"/>
+                </a:solidFill>
+                <a:effectLst/>
+                <a:latin typeface="Arial Unicode MS" panose="020B0604020202020204" pitchFamily="34" charset="-128"/>
+              </a:rPr>
+              <a:t>}</a:t>
+            </a:r>
+            <a:endParaRPr kumimoji="0" lang="en-US" altLang="en-US" sz="1800" b="0" i="0" u="none" strike="noStrike" cap="none" normalizeH="0" baseline="0" smtClean="0">
+              <a:ln>
+                <a:noFill/>
+              </a:ln>
+              <a:solidFill>
+                <a:schemeClr val="tx1"/>
+              </a:solidFill>
+              <a:effectLst/>
+              <a:latin typeface="Arial" panose="020B0604020202020204" pitchFamily="34" charset="0"/>
+            </a:endParaRPr>
+          </a:p>
+        </p:txBody>
+      </p:sp>
+    </p:spTree>
+    <p:extLst>
+      <p:ext uri="{BB962C8B-B14F-4D97-AF65-F5344CB8AC3E}">
+        <p14:creationId xmlns:p14="http://schemas.microsoft.com/office/powerpoint/2010/main" val="1521195738"/>
+      </p:ext>
+    </p:extLst>
+  </p:cSld>
+  <p:clrMapOvr>
+    <a:masterClrMapping/>
+  </p:clrMapOvr>
+</p:sld>
+</file>
+
+<file path=ppt/slides/slide25.xml><?xml version="1.0" encoding="utf-8"?>
+<p:sld xmlns:a="http://schemas.openxmlformats.org/drawingml/2006/main" xmlns:r="http://schemas.openxmlformats.org/officeDocument/2006/relationships" xmlns:p="http://schemas.openxmlformats.org/presentationml/2006/main">
+  <p:cSld>
+    <p:spTree>
+      <p:nvGrpSpPr>
+        <p:cNvPr id="1" name=""/>
+        <p:cNvGrpSpPr/>
+        <p:nvPr/>
+      </p:nvGrpSpPr>
+      <p:grpSpPr>
+        <a:xfrm>
+          <a:off x="0" y="0"/>
+          <a:ext cx="0" cy="0"/>
+          <a:chOff x="0" y="0"/>
+          <a:chExt cx="0" cy="0"/>
+        </a:xfrm>
+      </p:grpSpPr>
+      <p:sp>
+        <p:nvSpPr>
+          <p:cNvPr id="2" name="Title 1"/>
+          <p:cNvSpPr>
+            <a:spLocks noGrp="1"/>
+          </p:cNvSpPr>
+          <p:nvPr>
+            <p:ph type="title"/>
+          </p:nvPr>
+        </p:nvSpPr>
+        <p:spPr/>
+        <p:txBody>
+          <a:bodyPr/>
+          <a:lstStyle/>
+          <a:p>
+            <a:r>
+              <a:rPr lang="en-US" dirty="0" smtClean="0"/>
+              <a:t>Scope History</a:t>
+            </a:r>
+            <a:endParaRPr lang="en-US" dirty="0"/>
+          </a:p>
+        </p:txBody>
+      </p:sp>
+      <p:sp>
+        <p:nvSpPr>
+          <p:cNvPr id="3" name="Content Placeholder 2"/>
+          <p:cNvSpPr>
+            <a:spLocks noGrp="1"/>
+          </p:cNvSpPr>
+          <p:nvPr>
+            <p:ph idx="1"/>
+          </p:nvPr>
+        </p:nvSpPr>
+        <p:spPr/>
+        <p:txBody>
+          <a:bodyPr/>
+          <a:lstStyle/>
+          <a:p>
+            <a:pPr marL="0" indent="0">
+              <a:buNone/>
+            </a:pPr>
+            <a:r>
+              <a:rPr lang="en-US" dirty="0" smtClean="0"/>
+              <a:t>ES3 – global scope, function scope, try-catch</a:t>
+            </a:r>
+          </a:p>
+          <a:p>
+            <a:pPr marL="0" indent="0">
+              <a:buNone/>
+            </a:pPr>
+            <a:r>
+              <a:rPr lang="en-US" dirty="0"/>
+              <a:t>ES5 </a:t>
+            </a:r>
+            <a:r>
+              <a:rPr lang="en-US" dirty="0" smtClean="0"/>
+              <a:t>- added </a:t>
+            </a:r>
+            <a:r>
+              <a:rPr lang="en-US" dirty="0"/>
+              <a:t>a scope used by strict </a:t>
+            </a:r>
+            <a:r>
+              <a:rPr lang="en-US" dirty="0" err="1"/>
+              <a:t>eval</a:t>
+            </a:r>
+            <a:r>
+              <a:rPr lang="en-US" dirty="0" smtClean="0"/>
+              <a:t>().</a:t>
+            </a:r>
+          </a:p>
+          <a:p>
+            <a:pPr marL="0" indent="0">
+              <a:buNone/>
+            </a:pPr>
+            <a:r>
+              <a:rPr lang="en-US" dirty="0" smtClean="0"/>
+              <a:t>ES6 </a:t>
+            </a:r>
+            <a:r>
+              <a:rPr lang="en-US" dirty="0"/>
+              <a:t>- block scopes, for-loop scopes, the new global let scope, module scopes, and additional scopes that are used when evaluating default values for arguments</a:t>
+            </a:r>
+          </a:p>
+        </p:txBody>
+      </p:sp>
+    </p:spTree>
+    <p:extLst>
+      <p:ext uri="{BB962C8B-B14F-4D97-AF65-F5344CB8AC3E}">
+        <p14:creationId xmlns:p14="http://schemas.microsoft.com/office/powerpoint/2010/main" val="358193488"/>
+      </p:ext>
+    </p:extLst>
+  </p:cSld>
+  <p:clrMapOvr>
+    <a:masterClrMapping/>
+  </p:clrMapOvr>
+</p:sld>
+</file>
+
+<file path=ppt/slides/slide26.xml><?xml version="1.0" encoding="utf-8"?>
+<p:sld xmlns:a="http://schemas.openxmlformats.org/drawingml/2006/main" xmlns:r="http://schemas.openxmlformats.org/officeDocument/2006/relationships" xmlns:p="http://schemas.openxmlformats.org/presentationml/2006/main">
+  <p:cSld>
+    <p:spTree>
+      <p:nvGrpSpPr>
+        <p:cNvPr id="1" name=""/>
+        <p:cNvGrpSpPr/>
+        <p:nvPr/>
+      </p:nvGrpSpPr>
+      <p:grpSpPr>
+        <a:xfrm>
+          <a:off x="0" y="0"/>
+          <a:ext cx="0" cy="0"/>
+          <a:chOff x="0" y="0"/>
+          <a:chExt cx="0" cy="0"/>
+        </a:xfrm>
+      </p:grpSpPr>
+      <p:sp>
+        <p:nvSpPr>
+          <p:cNvPr id="2" name="Title 1"/>
+          <p:cNvSpPr>
+            <a:spLocks noGrp="1"/>
+          </p:cNvSpPr>
+          <p:nvPr>
+            <p:ph type="title"/>
+          </p:nvPr>
+        </p:nvSpPr>
+        <p:spPr/>
+        <p:txBody>
+          <a:bodyPr/>
+          <a:lstStyle/>
+          <a:p>
+            <a:r>
+              <a:rPr lang="en-US" b="1" dirty="0"/>
+              <a:t>The temporal dead </a:t>
+            </a:r>
+            <a:r>
+              <a:rPr lang="en-US" b="1" dirty="0" smtClean="0"/>
+              <a:t>zone</a:t>
+            </a:r>
+            <a:endParaRPr lang="en-US" dirty="0"/>
+          </a:p>
+        </p:txBody>
+      </p:sp>
+      <p:sp>
+        <p:nvSpPr>
+          <p:cNvPr id="4" name="Rectangle 1"/>
+          <p:cNvSpPr>
+            <a:spLocks noGrp="1" noChangeArrowheads="1"/>
+          </p:cNvSpPr>
+          <p:nvPr>
+            <p:ph idx="1"/>
+          </p:nvPr>
+        </p:nvSpPr>
+        <p:spPr bwMode="auto">
+          <a:xfrm>
+            <a:off x="838200" y="3228673"/>
+            <a:ext cx="4195379" cy="1545244"/>
+          </a:xfrm>
+          <a:prstGeom prst="rect">
+            <a:avLst/>
+          </a:prstGeom>
+          <a:noFill/>
+          <a:ln>
+            <a:noFill/>
+          </a:ln>
+          <a:effectLst/>
+          <a:extLst>
+            <a:ext uri="{909E8E84-426E-40DD-AFC4-6F175D3DCCD1}">
+              <a14:hiddenFill xmlns:a14="http://schemas.microsoft.com/office/drawing/2010/main">
+                <a:solidFill>
+                  <a:schemeClr val="accent1"/>
+                </a:solidFill>
+              </a14:hiddenFill>
+            </a:ext>
+            <a:ext uri="{91240B29-F687-4F45-9708-019B960494DF}">
+              <a14:hiddenLine xmlns:a14="http://schemas.microsoft.com/office/drawing/2010/main" w="9525">
+                <a:solidFill>
+                  <a:schemeClr val="tx1"/>
+                </a:solidFill>
+                <a:miter lim="800000"/>
+                <a:headEnd/>
+                <a:tailEnd/>
+              </a14:hiddenLine>
+            </a:ext>
+            <a:ext uri="{AF507438-7753-43E0-B8FC-AC1667EBCBE1}">
+              <a14:hiddenEffects xmlns:a14="http://schemas.microsoft.com/office/drawing/2010/main">
+                <a:effectLst>
+                  <a:outerShdw dist="35921" dir="2700000" algn="ctr" rotWithShape="0">
+                    <a:schemeClr val="bg2"/>
+                  </a:outerShdw>
+                </a:effectLst>
+              </a14:hiddenEffects>
+            </a:ext>
+          </a:extLst>
+        </p:spPr>
+        <p:txBody>
+          <a:bodyPr vert="horz" wrap="none" lIns="91440" tIns="79350" rIns="91440" bIns="79350" numCol="1" anchor="ctr" anchorCtr="0" compatLnSpc="1">
+            <a:prstTxWarp prst="textNoShape">
+              <a:avLst/>
+            </a:prstTxWarp>
+            <a:spAutoFit/>
+          </a:bodyPr>
+          <a:lstStyle/>
+          <a:p>
+            <a:pPr marL="0" marR="0" lvl="0" indent="0" algn="l" defTabSz="914400" rtl="0" eaLnBrk="0" fontAlgn="base" latinLnBrk="0" hangingPunct="0">
+              <a:lnSpc>
+                <a:spcPct val="100000"/>
+              </a:lnSpc>
+              <a:spcBef>
+                <a:spcPct val="0"/>
+              </a:spcBef>
+              <a:spcAft>
+                <a:spcPct val="0"/>
+              </a:spcAft>
+              <a:buClrTx/>
+              <a:buSzTx/>
+              <a:buFontTx/>
+              <a:buNone/>
+              <a:tabLst/>
+            </a:pPr>
+            <a:r>
+              <a:rPr kumimoji="0" lang="en-US" altLang="en-US" sz="1000" b="1" i="0" u="none" strike="noStrike" cap="none" normalizeH="0" baseline="0" dirty="0" smtClean="0">
+                <a:ln>
+                  <a:noFill/>
+                </a:ln>
+                <a:solidFill>
+                  <a:srgbClr val="008000"/>
+                </a:solidFill>
+                <a:effectLst/>
+                <a:latin typeface="Arial Unicode MS" panose="020B0604020202020204" pitchFamily="34" charset="-128"/>
+              </a:rPr>
+              <a:t>if</a:t>
+            </a:r>
+            <a:r>
+              <a:rPr kumimoji="0" lang="en-US" altLang="en-US" sz="1000" b="0" i="0" u="none" strike="noStrike" cap="none" normalizeH="0" baseline="0" dirty="0" smtClean="0">
+                <a:ln>
+                  <a:noFill/>
+                </a:ln>
+                <a:solidFill>
+                  <a:srgbClr val="000000"/>
+                </a:solidFill>
+                <a:effectLst/>
+                <a:latin typeface="Courier"/>
+              </a:rPr>
+              <a:t> </a:t>
+            </a:r>
+            <a:r>
+              <a:rPr kumimoji="0" lang="en-US" altLang="en-US" sz="1000" b="0" i="0" u="none" strike="noStrike" cap="none" normalizeH="0" baseline="0" dirty="0" smtClean="0">
+                <a:ln>
+                  <a:noFill/>
+                </a:ln>
+                <a:solidFill>
+                  <a:srgbClr val="000000"/>
+                </a:solidFill>
+                <a:effectLst/>
+                <a:latin typeface="Arial Unicode MS" panose="020B0604020202020204" pitchFamily="34" charset="-128"/>
+              </a:rPr>
+              <a:t>(</a:t>
+            </a:r>
+            <a:r>
+              <a:rPr kumimoji="0" lang="en-US" altLang="en-US" sz="1000" b="1" i="0" u="none" strike="noStrike" cap="none" normalizeH="0" baseline="0" dirty="0" smtClean="0">
+                <a:ln>
+                  <a:noFill/>
+                </a:ln>
+                <a:solidFill>
+                  <a:srgbClr val="008000"/>
+                </a:solidFill>
+                <a:effectLst/>
+                <a:latin typeface="Arial Unicode MS" panose="020B0604020202020204" pitchFamily="34" charset="-128"/>
+              </a:rPr>
+              <a:t>true</a:t>
+            </a:r>
+            <a:r>
+              <a:rPr kumimoji="0" lang="en-US" altLang="en-US" sz="1000" b="0" i="0" u="none" strike="noStrike" cap="none" normalizeH="0" baseline="0" dirty="0" smtClean="0">
+                <a:ln>
+                  <a:noFill/>
+                </a:ln>
+                <a:solidFill>
+                  <a:srgbClr val="000000"/>
+                </a:solidFill>
+                <a:effectLst/>
+                <a:latin typeface="Arial Unicode MS" panose="020B0604020202020204" pitchFamily="34" charset="-128"/>
+              </a:rPr>
+              <a:t>)</a:t>
+            </a:r>
+            <a:r>
+              <a:rPr kumimoji="0" lang="en-US" altLang="en-US" sz="1000" b="0" i="0" u="none" strike="noStrike" cap="none" normalizeH="0" baseline="0" dirty="0" smtClean="0">
+                <a:ln>
+                  <a:noFill/>
+                </a:ln>
+                <a:solidFill>
+                  <a:srgbClr val="000000"/>
+                </a:solidFill>
+                <a:effectLst/>
+                <a:latin typeface="Courier"/>
+              </a:rPr>
+              <a:t> </a:t>
+            </a:r>
+            <a:r>
+              <a:rPr kumimoji="0" lang="en-US" altLang="en-US" sz="1000" b="0" i="0" u="none" strike="noStrike" cap="none" normalizeH="0" baseline="0" dirty="0" smtClean="0">
+                <a:ln>
+                  <a:noFill/>
+                </a:ln>
+                <a:solidFill>
+                  <a:srgbClr val="000000"/>
+                </a:solidFill>
+                <a:effectLst/>
+                <a:latin typeface="Arial Unicode MS" panose="020B0604020202020204" pitchFamily="34" charset="-128"/>
+              </a:rPr>
+              <a:t>{</a:t>
+            </a:r>
+            <a:r>
+              <a:rPr kumimoji="0" lang="en-US" altLang="en-US" sz="1000" b="0" i="0" u="none" strike="noStrike" cap="none" normalizeH="0" baseline="0" dirty="0" smtClean="0">
+                <a:ln>
+                  <a:noFill/>
+                </a:ln>
+                <a:solidFill>
+                  <a:srgbClr val="000000"/>
+                </a:solidFill>
+                <a:effectLst/>
+                <a:latin typeface="Courier"/>
+              </a:rPr>
+              <a:t> </a:t>
+            </a:r>
+            <a:r>
+              <a:rPr kumimoji="0" lang="en-US" altLang="en-US" sz="1000" b="0" i="1" u="none" strike="noStrike" cap="none" normalizeH="0" baseline="0" dirty="0" smtClean="0">
+                <a:ln>
+                  <a:noFill/>
+                </a:ln>
+                <a:solidFill>
+                  <a:srgbClr val="408080"/>
+                </a:solidFill>
+                <a:effectLst/>
+                <a:latin typeface="Arial Unicode MS" panose="020B0604020202020204" pitchFamily="34" charset="-128"/>
+              </a:rPr>
+              <a:t>// enter new scope, TDZ starts</a:t>
+            </a:r>
+            <a:r>
+              <a:rPr kumimoji="0" lang="en-US" altLang="en-US" sz="1000" b="0" i="0" u="none" strike="noStrike" cap="none" normalizeH="0" baseline="0" dirty="0" smtClean="0">
+                <a:ln>
+                  <a:noFill/>
+                </a:ln>
+                <a:solidFill>
+                  <a:srgbClr val="000000"/>
+                </a:solidFill>
+                <a:effectLst/>
+                <a:latin typeface="Courier"/>
+              </a:rPr>
+              <a:t> </a:t>
+            </a:r>
+          </a:p>
+          <a:p>
+            <a:pPr marL="0" marR="0" lvl="0" indent="0" algn="l" defTabSz="914400" rtl="0" eaLnBrk="0" fontAlgn="base" latinLnBrk="0" hangingPunct="0">
+              <a:lnSpc>
+                <a:spcPct val="100000"/>
+              </a:lnSpc>
+              <a:spcBef>
+                <a:spcPct val="0"/>
+              </a:spcBef>
+              <a:spcAft>
+                <a:spcPct val="0"/>
+              </a:spcAft>
+              <a:buClrTx/>
+              <a:buSzTx/>
+              <a:buFontTx/>
+              <a:buNone/>
+              <a:tabLst/>
+            </a:pPr>
+            <a:r>
+              <a:rPr kumimoji="0" lang="en-US" altLang="en-US" sz="1000" b="1" i="0" u="none" strike="noStrike" cap="none" normalizeH="0" baseline="0" dirty="0" smtClean="0">
+                <a:ln>
+                  <a:noFill/>
+                </a:ln>
+                <a:solidFill>
+                  <a:srgbClr val="008000"/>
+                </a:solidFill>
+                <a:effectLst/>
+                <a:latin typeface="Arial Unicode MS" panose="020B0604020202020204" pitchFamily="34" charset="-128"/>
+              </a:rPr>
+              <a:t>	</a:t>
+            </a:r>
+            <a:r>
+              <a:rPr kumimoji="0" lang="en-US" altLang="en-US" sz="1000" b="1" i="0" u="none" strike="noStrike" cap="none" normalizeH="0" baseline="0" dirty="0" err="1" smtClean="0">
+                <a:ln>
+                  <a:noFill/>
+                </a:ln>
+                <a:solidFill>
+                  <a:srgbClr val="008000"/>
+                </a:solidFill>
+                <a:effectLst/>
+                <a:latin typeface="Arial Unicode MS" panose="020B0604020202020204" pitchFamily="34" charset="-128"/>
+              </a:rPr>
+              <a:t>const</a:t>
+            </a:r>
+            <a:r>
+              <a:rPr kumimoji="0" lang="en-US" altLang="en-US" sz="1000" b="0" i="0" u="none" strike="noStrike" cap="none" normalizeH="0" baseline="0" dirty="0" smtClean="0">
+                <a:ln>
+                  <a:noFill/>
+                </a:ln>
+                <a:solidFill>
+                  <a:srgbClr val="000000"/>
+                </a:solidFill>
+                <a:effectLst/>
+                <a:latin typeface="Courier"/>
+              </a:rPr>
+              <a:t> </a:t>
+            </a:r>
+            <a:r>
+              <a:rPr kumimoji="0" lang="en-US" altLang="en-US" sz="1000" b="0" i="0" u="none" strike="noStrike" cap="none" normalizeH="0" baseline="0" dirty="0" err="1" smtClean="0">
+                <a:ln>
+                  <a:noFill/>
+                </a:ln>
+                <a:solidFill>
+                  <a:srgbClr val="000000"/>
+                </a:solidFill>
+                <a:effectLst/>
+                <a:latin typeface="Arial Unicode MS" panose="020B0604020202020204" pitchFamily="34" charset="-128"/>
+              </a:rPr>
+              <a:t>func</a:t>
+            </a:r>
+            <a:r>
+              <a:rPr kumimoji="0" lang="en-US" altLang="en-US" sz="1000" b="0" i="0" u="none" strike="noStrike" cap="none" normalizeH="0" baseline="0" dirty="0" smtClean="0">
+                <a:ln>
+                  <a:noFill/>
+                </a:ln>
+                <a:solidFill>
+                  <a:srgbClr val="000000"/>
+                </a:solidFill>
+                <a:effectLst/>
+                <a:latin typeface="Courier"/>
+              </a:rPr>
+              <a:t> </a:t>
+            </a:r>
+            <a:r>
+              <a:rPr kumimoji="0" lang="en-US" altLang="en-US" sz="1000" b="0" i="0" u="none" strike="noStrike" cap="none" normalizeH="0" baseline="0" dirty="0" smtClean="0">
+                <a:ln>
+                  <a:noFill/>
+                </a:ln>
+                <a:solidFill>
+                  <a:srgbClr val="666666"/>
+                </a:solidFill>
+                <a:effectLst/>
+                <a:latin typeface="Arial Unicode MS" panose="020B0604020202020204" pitchFamily="34" charset="-128"/>
+              </a:rPr>
+              <a:t>=</a:t>
+            </a:r>
+            <a:r>
+              <a:rPr kumimoji="0" lang="en-US" altLang="en-US" sz="1000" b="0" i="0" u="none" strike="noStrike" cap="none" normalizeH="0" baseline="0" dirty="0" smtClean="0">
+                <a:ln>
+                  <a:noFill/>
+                </a:ln>
+                <a:solidFill>
+                  <a:srgbClr val="000000"/>
+                </a:solidFill>
+                <a:effectLst/>
+                <a:latin typeface="Courier"/>
+              </a:rPr>
+              <a:t> </a:t>
+            </a:r>
+            <a:r>
+              <a:rPr kumimoji="0" lang="en-US" altLang="en-US" sz="1000" b="1" i="0" u="none" strike="noStrike" cap="none" normalizeH="0" baseline="0" dirty="0" smtClean="0">
+                <a:ln>
+                  <a:noFill/>
+                </a:ln>
+                <a:solidFill>
+                  <a:srgbClr val="008000"/>
+                </a:solidFill>
+                <a:effectLst/>
+                <a:latin typeface="Arial Unicode MS" panose="020B0604020202020204" pitchFamily="34" charset="-128"/>
+              </a:rPr>
+              <a:t>function</a:t>
+            </a:r>
+            <a:r>
+              <a:rPr kumimoji="0" lang="en-US" altLang="en-US" sz="1000" b="0" i="0" u="none" strike="noStrike" cap="none" normalizeH="0" baseline="0" dirty="0" smtClean="0">
+                <a:ln>
+                  <a:noFill/>
+                </a:ln>
+                <a:solidFill>
+                  <a:srgbClr val="000000"/>
+                </a:solidFill>
+                <a:effectLst/>
+                <a:latin typeface="Courier"/>
+              </a:rPr>
+              <a:t> </a:t>
+            </a:r>
+            <a:r>
+              <a:rPr kumimoji="0" lang="en-US" altLang="en-US" sz="1000" b="0" i="0" u="none" strike="noStrike" cap="none" normalizeH="0" baseline="0" dirty="0" smtClean="0">
+                <a:ln>
+                  <a:noFill/>
+                </a:ln>
+                <a:solidFill>
+                  <a:srgbClr val="000000"/>
+                </a:solidFill>
+                <a:effectLst/>
+                <a:latin typeface="Arial Unicode MS" panose="020B0604020202020204" pitchFamily="34" charset="-128"/>
+              </a:rPr>
+              <a:t>()</a:t>
+            </a:r>
+            <a:r>
+              <a:rPr kumimoji="0" lang="en-US" altLang="en-US" sz="1000" b="0" i="0" u="none" strike="noStrike" cap="none" normalizeH="0" baseline="0" dirty="0" smtClean="0">
+                <a:ln>
+                  <a:noFill/>
+                </a:ln>
+                <a:solidFill>
+                  <a:srgbClr val="000000"/>
+                </a:solidFill>
+                <a:effectLst/>
+                <a:latin typeface="Courier"/>
+              </a:rPr>
+              <a:t> </a:t>
+            </a:r>
+            <a:r>
+              <a:rPr kumimoji="0" lang="en-US" altLang="en-US" sz="1000" b="0" i="0" u="none" strike="noStrike" cap="none" normalizeH="0" baseline="0" dirty="0" smtClean="0">
+                <a:ln>
+                  <a:noFill/>
+                </a:ln>
+                <a:solidFill>
+                  <a:srgbClr val="000000"/>
+                </a:solidFill>
+                <a:effectLst/>
+                <a:latin typeface="Arial Unicode MS" panose="020B0604020202020204" pitchFamily="34" charset="-128"/>
+              </a:rPr>
+              <a:t>{</a:t>
+            </a:r>
+            <a:r>
+              <a:rPr kumimoji="0" lang="en-US" altLang="en-US" sz="1000" b="0" i="0" u="none" strike="noStrike" cap="none" normalizeH="0" baseline="0" dirty="0" smtClean="0">
+                <a:ln>
+                  <a:noFill/>
+                </a:ln>
+                <a:solidFill>
+                  <a:srgbClr val="000000"/>
+                </a:solidFill>
+                <a:effectLst/>
+                <a:latin typeface="Courier"/>
+              </a:rPr>
+              <a:t> </a:t>
+            </a:r>
+          </a:p>
+          <a:p>
+            <a:pPr marL="0" marR="0" lvl="0" indent="0" algn="l" defTabSz="914400" rtl="0" eaLnBrk="0" fontAlgn="base" latinLnBrk="0" hangingPunct="0">
+              <a:lnSpc>
+                <a:spcPct val="100000"/>
+              </a:lnSpc>
+              <a:spcBef>
+                <a:spcPct val="0"/>
+              </a:spcBef>
+              <a:spcAft>
+                <a:spcPct val="0"/>
+              </a:spcAft>
+              <a:buClrTx/>
+              <a:buSzTx/>
+              <a:buFontTx/>
+              <a:buNone/>
+              <a:tabLst/>
+            </a:pPr>
+            <a:r>
+              <a:rPr lang="en-US" altLang="en-US" sz="1000" dirty="0">
+                <a:solidFill>
+                  <a:srgbClr val="000000"/>
+                </a:solidFill>
+                <a:latin typeface="Courier"/>
+              </a:rPr>
+              <a:t>		</a:t>
+            </a:r>
+            <a:r>
+              <a:rPr kumimoji="0" lang="en-US" altLang="en-US" sz="1000" b="0" i="0" u="none" strike="noStrike" cap="none" normalizeH="0" baseline="0" dirty="0" smtClean="0">
+                <a:ln>
+                  <a:noFill/>
+                </a:ln>
+                <a:solidFill>
+                  <a:srgbClr val="000000"/>
+                </a:solidFill>
+                <a:effectLst/>
+                <a:latin typeface="Arial Unicode MS" panose="020B0604020202020204" pitchFamily="34" charset="-128"/>
+              </a:rPr>
+              <a:t>console.log(</a:t>
+            </a:r>
+            <a:r>
+              <a:rPr kumimoji="0" lang="en-US" altLang="en-US" sz="1000" b="0" i="0" u="none" strike="noStrike" cap="none" normalizeH="0" baseline="0" dirty="0" err="1" smtClean="0">
+                <a:ln>
+                  <a:noFill/>
+                </a:ln>
+                <a:solidFill>
+                  <a:srgbClr val="000000"/>
+                </a:solidFill>
+                <a:effectLst/>
+                <a:latin typeface="Arial Unicode MS" panose="020B0604020202020204" pitchFamily="34" charset="-128"/>
+              </a:rPr>
+              <a:t>myVar</a:t>
+            </a:r>
+            <a:r>
+              <a:rPr kumimoji="0" lang="en-US" altLang="en-US" sz="1000" b="0" i="0" u="none" strike="noStrike" cap="none" normalizeH="0" baseline="0" dirty="0" smtClean="0">
+                <a:ln>
+                  <a:noFill/>
+                </a:ln>
+                <a:solidFill>
+                  <a:srgbClr val="000000"/>
+                </a:solidFill>
+                <a:effectLst/>
+                <a:latin typeface="Arial Unicode MS" panose="020B0604020202020204" pitchFamily="34" charset="-128"/>
+              </a:rPr>
+              <a:t>);</a:t>
+            </a:r>
+            <a:r>
+              <a:rPr kumimoji="0" lang="en-US" altLang="en-US" sz="1000" b="0" i="0" u="none" strike="noStrike" cap="none" normalizeH="0" baseline="0" dirty="0" smtClean="0">
+                <a:ln>
+                  <a:noFill/>
+                </a:ln>
+                <a:solidFill>
+                  <a:srgbClr val="000000"/>
+                </a:solidFill>
+                <a:effectLst/>
+                <a:latin typeface="Courier"/>
+              </a:rPr>
+              <a:t> </a:t>
+            </a:r>
+            <a:r>
+              <a:rPr kumimoji="0" lang="en-US" altLang="en-US" sz="1000" b="0" i="1" u="none" strike="noStrike" cap="none" normalizeH="0" baseline="0" dirty="0" smtClean="0">
+                <a:ln>
+                  <a:noFill/>
+                </a:ln>
+                <a:solidFill>
+                  <a:srgbClr val="408080"/>
+                </a:solidFill>
+                <a:effectLst/>
+                <a:latin typeface="Arial Unicode MS" panose="020B0604020202020204" pitchFamily="34" charset="-128"/>
+              </a:rPr>
+              <a:t>// OK!</a:t>
+            </a:r>
+            <a:r>
+              <a:rPr kumimoji="0" lang="en-US" altLang="en-US" sz="1000" b="0" i="0" u="none" strike="noStrike" cap="none" normalizeH="0" baseline="0" dirty="0" smtClean="0">
+                <a:ln>
+                  <a:noFill/>
+                </a:ln>
+                <a:solidFill>
+                  <a:srgbClr val="000000"/>
+                </a:solidFill>
+                <a:effectLst/>
+                <a:latin typeface="Courier"/>
+              </a:rPr>
+              <a:t> </a:t>
+            </a:r>
+          </a:p>
+          <a:p>
+            <a:pPr marL="0" marR="0" lvl="0" indent="0" algn="l" defTabSz="914400" rtl="0" eaLnBrk="0" fontAlgn="base" latinLnBrk="0" hangingPunct="0">
+              <a:lnSpc>
+                <a:spcPct val="100000"/>
+              </a:lnSpc>
+              <a:spcBef>
+                <a:spcPct val="0"/>
+              </a:spcBef>
+              <a:spcAft>
+                <a:spcPct val="0"/>
+              </a:spcAft>
+              <a:buClrTx/>
+              <a:buSzTx/>
+              <a:buFontTx/>
+              <a:buNone/>
+              <a:tabLst/>
+            </a:pPr>
+            <a:r>
+              <a:rPr lang="en-US" altLang="en-US" sz="1000" dirty="0">
+                <a:solidFill>
+                  <a:srgbClr val="000000"/>
+                </a:solidFill>
+                <a:latin typeface="Courier"/>
+              </a:rPr>
+              <a:t>	</a:t>
+            </a:r>
+            <a:r>
+              <a:rPr kumimoji="0" lang="en-US" altLang="en-US" sz="1000" b="0" i="0" u="none" strike="noStrike" cap="none" normalizeH="0" baseline="0" dirty="0" smtClean="0">
+                <a:ln>
+                  <a:noFill/>
+                </a:ln>
+                <a:solidFill>
+                  <a:srgbClr val="000000"/>
+                </a:solidFill>
+                <a:effectLst/>
+                <a:latin typeface="Arial Unicode MS" panose="020B0604020202020204" pitchFamily="34" charset="-128"/>
+              </a:rPr>
+              <a:t>};</a:t>
+            </a:r>
+            <a:r>
+              <a:rPr kumimoji="0" lang="en-US" altLang="en-US" sz="1000" b="0" i="0" u="none" strike="noStrike" cap="none" normalizeH="0" baseline="0" dirty="0" smtClean="0">
+                <a:ln>
+                  <a:noFill/>
+                </a:ln>
+                <a:solidFill>
+                  <a:srgbClr val="000000"/>
+                </a:solidFill>
+                <a:effectLst/>
+                <a:latin typeface="Courier"/>
+              </a:rPr>
+              <a:t> </a:t>
+            </a:r>
+          </a:p>
+          <a:p>
+            <a:pPr marL="0" marR="0" lvl="0" indent="0" algn="l" defTabSz="914400" rtl="0" eaLnBrk="0" fontAlgn="base" latinLnBrk="0" hangingPunct="0">
+              <a:lnSpc>
+                <a:spcPct val="100000"/>
+              </a:lnSpc>
+              <a:spcBef>
+                <a:spcPct val="0"/>
+              </a:spcBef>
+              <a:spcAft>
+                <a:spcPct val="0"/>
+              </a:spcAft>
+              <a:buClrTx/>
+              <a:buSzTx/>
+              <a:buFontTx/>
+              <a:buNone/>
+              <a:tabLst/>
+            </a:pPr>
+            <a:r>
+              <a:rPr lang="en-US" altLang="en-US" sz="1000" dirty="0">
+                <a:solidFill>
+                  <a:srgbClr val="000000"/>
+                </a:solidFill>
+                <a:latin typeface="Courier"/>
+              </a:rPr>
+              <a:t>	</a:t>
+            </a:r>
+            <a:r>
+              <a:rPr kumimoji="0" lang="en-US" altLang="en-US" sz="1000" b="0" i="1" u="none" strike="noStrike" cap="none" normalizeH="0" baseline="0" dirty="0" smtClean="0">
+                <a:ln>
+                  <a:noFill/>
+                </a:ln>
+                <a:solidFill>
+                  <a:srgbClr val="408080"/>
+                </a:solidFill>
+                <a:effectLst/>
+                <a:latin typeface="Arial Unicode MS" panose="020B0604020202020204" pitchFamily="34" charset="-128"/>
+              </a:rPr>
+              <a:t>// Here we are within the TDZ and</a:t>
+            </a:r>
+            <a:r>
+              <a:rPr kumimoji="0" lang="en-US" altLang="en-US" sz="1000" b="0" i="0" u="none" strike="noStrike" cap="none" normalizeH="0" baseline="0" dirty="0" smtClean="0">
+                <a:ln>
+                  <a:noFill/>
+                </a:ln>
+                <a:solidFill>
+                  <a:srgbClr val="000000"/>
+                </a:solidFill>
+                <a:effectLst/>
+                <a:latin typeface="Courier"/>
+              </a:rPr>
+              <a:t> </a:t>
+            </a:r>
+          </a:p>
+          <a:p>
+            <a:pPr marL="0" marR="0" lvl="0" indent="0" algn="l" defTabSz="914400" rtl="0" eaLnBrk="0" fontAlgn="base" latinLnBrk="0" hangingPunct="0">
+              <a:lnSpc>
+                <a:spcPct val="100000"/>
+              </a:lnSpc>
+              <a:spcBef>
+                <a:spcPct val="0"/>
+              </a:spcBef>
+              <a:spcAft>
+                <a:spcPct val="0"/>
+              </a:spcAft>
+              <a:buClrTx/>
+              <a:buSzTx/>
+              <a:buFontTx/>
+              <a:buNone/>
+              <a:tabLst/>
+            </a:pPr>
+            <a:r>
+              <a:rPr lang="en-US" altLang="en-US" sz="1000" dirty="0">
+                <a:solidFill>
+                  <a:srgbClr val="000000"/>
+                </a:solidFill>
+                <a:latin typeface="Courier"/>
+              </a:rPr>
+              <a:t>	</a:t>
+            </a:r>
+            <a:r>
+              <a:rPr kumimoji="0" lang="en-US" altLang="en-US" sz="1000" b="0" i="1" u="none" strike="noStrike" cap="none" normalizeH="0" baseline="0" dirty="0" smtClean="0">
+                <a:ln>
+                  <a:noFill/>
+                </a:ln>
+                <a:solidFill>
+                  <a:srgbClr val="408080"/>
+                </a:solidFill>
+                <a:effectLst/>
+                <a:latin typeface="Arial Unicode MS" panose="020B0604020202020204" pitchFamily="34" charset="-128"/>
+              </a:rPr>
+              <a:t>// accessing `</a:t>
+            </a:r>
+            <a:r>
+              <a:rPr kumimoji="0" lang="en-US" altLang="en-US" sz="1000" b="0" i="1" u="none" strike="noStrike" cap="none" normalizeH="0" baseline="0" dirty="0" err="1" smtClean="0">
+                <a:ln>
+                  <a:noFill/>
+                </a:ln>
+                <a:solidFill>
+                  <a:srgbClr val="408080"/>
+                </a:solidFill>
+                <a:effectLst/>
+                <a:latin typeface="Arial Unicode MS" panose="020B0604020202020204" pitchFamily="34" charset="-128"/>
+              </a:rPr>
+              <a:t>myVar</a:t>
+            </a:r>
+            <a:r>
+              <a:rPr kumimoji="0" lang="en-US" altLang="en-US" sz="1000" b="0" i="1" u="none" strike="noStrike" cap="none" normalizeH="0" baseline="0" dirty="0" smtClean="0">
+                <a:ln>
+                  <a:noFill/>
+                </a:ln>
+                <a:solidFill>
+                  <a:srgbClr val="408080"/>
+                </a:solidFill>
+                <a:effectLst/>
+                <a:latin typeface="Arial Unicode MS" panose="020B0604020202020204" pitchFamily="34" charset="-128"/>
+              </a:rPr>
+              <a:t>` would cause a `</a:t>
+            </a:r>
+            <a:r>
+              <a:rPr kumimoji="0" lang="en-US" altLang="en-US" sz="1000" b="0" i="1" u="none" strike="noStrike" cap="none" normalizeH="0" baseline="0" dirty="0" err="1" smtClean="0">
+                <a:ln>
+                  <a:noFill/>
+                </a:ln>
+                <a:solidFill>
+                  <a:srgbClr val="408080"/>
+                </a:solidFill>
+                <a:effectLst/>
+                <a:latin typeface="Arial Unicode MS" panose="020B0604020202020204" pitchFamily="34" charset="-128"/>
+              </a:rPr>
+              <a:t>ReferenceError</a:t>
+            </a:r>
+            <a:r>
+              <a:rPr kumimoji="0" lang="en-US" altLang="en-US" sz="1000" b="0" i="1" u="none" strike="noStrike" cap="none" normalizeH="0" baseline="0" dirty="0" smtClean="0">
+                <a:ln>
+                  <a:noFill/>
+                </a:ln>
+                <a:solidFill>
+                  <a:srgbClr val="408080"/>
+                </a:solidFill>
+                <a:effectLst/>
+                <a:latin typeface="Arial Unicode MS" panose="020B0604020202020204" pitchFamily="34" charset="-128"/>
+              </a:rPr>
+              <a:t>`</a:t>
+            </a:r>
+            <a:r>
+              <a:rPr kumimoji="0" lang="en-US" altLang="en-US" sz="1000" b="0" i="0" u="none" strike="noStrike" cap="none" normalizeH="0" baseline="0" dirty="0" smtClean="0">
+                <a:ln>
+                  <a:noFill/>
+                </a:ln>
+                <a:solidFill>
+                  <a:srgbClr val="000000"/>
+                </a:solidFill>
+                <a:effectLst/>
+                <a:latin typeface="Courier"/>
+              </a:rPr>
+              <a:t> </a:t>
+            </a:r>
+          </a:p>
+          <a:p>
+            <a:pPr marL="0" marR="0" lvl="0" indent="0" algn="l" defTabSz="914400" rtl="0" eaLnBrk="0" fontAlgn="base" latinLnBrk="0" hangingPunct="0">
+              <a:lnSpc>
+                <a:spcPct val="100000"/>
+              </a:lnSpc>
+              <a:spcBef>
+                <a:spcPct val="0"/>
+              </a:spcBef>
+              <a:spcAft>
+                <a:spcPct val="0"/>
+              </a:spcAft>
+              <a:buClrTx/>
+              <a:buSzTx/>
+              <a:buFontTx/>
+              <a:buNone/>
+              <a:tabLst/>
+            </a:pPr>
+            <a:r>
+              <a:rPr lang="en-US" altLang="en-US" sz="1000" dirty="0">
+                <a:solidFill>
+                  <a:srgbClr val="000000"/>
+                </a:solidFill>
+                <a:latin typeface="Courier"/>
+              </a:rPr>
+              <a:t>	</a:t>
+            </a:r>
+            <a:r>
+              <a:rPr kumimoji="0" lang="en-US" altLang="en-US" sz="1000" b="1" i="0" u="none" strike="noStrike" cap="none" normalizeH="0" baseline="0" dirty="0" smtClean="0">
+                <a:ln>
+                  <a:noFill/>
+                </a:ln>
+                <a:solidFill>
+                  <a:srgbClr val="008000"/>
+                </a:solidFill>
+                <a:effectLst/>
+                <a:latin typeface="Arial Unicode MS" panose="020B0604020202020204" pitchFamily="34" charset="-128"/>
+              </a:rPr>
+              <a:t>let</a:t>
+            </a:r>
+            <a:r>
+              <a:rPr kumimoji="0" lang="en-US" altLang="en-US" sz="1000" b="0" i="0" u="none" strike="noStrike" cap="none" normalizeH="0" baseline="0" dirty="0" smtClean="0">
+                <a:ln>
+                  <a:noFill/>
+                </a:ln>
+                <a:solidFill>
+                  <a:srgbClr val="000000"/>
+                </a:solidFill>
+                <a:effectLst/>
+                <a:latin typeface="Courier"/>
+              </a:rPr>
+              <a:t> </a:t>
+            </a:r>
+            <a:r>
+              <a:rPr kumimoji="0" lang="en-US" altLang="en-US" sz="1000" b="0" i="0" u="none" strike="noStrike" cap="none" normalizeH="0" baseline="0" dirty="0" err="1" smtClean="0">
+                <a:ln>
+                  <a:noFill/>
+                </a:ln>
+                <a:solidFill>
+                  <a:srgbClr val="000000"/>
+                </a:solidFill>
+                <a:effectLst/>
+                <a:latin typeface="Arial Unicode MS" panose="020B0604020202020204" pitchFamily="34" charset="-128"/>
+              </a:rPr>
+              <a:t>myVar</a:t>
+            </a:r>
+            <a:r>
+              <a:rPr kumimoji="0" lang="en-US" altLang="en-US" sz="1000" b="0" i="0" u="none" strike="noStrike" cap="none" normalizeH="0" baseline="0" dirty="0" smtClean="0">
+                <a:ln>
+                  <a:noFill/>
+                </a:ln>
+                <a:solidFill>
+                  <a:srgbClr val="000000"/>
+                </a:solidFill>
+                <a:effectLst/>
+                <a:latin typeface="Courier"/>
+              </a:rPr>
+              <a:t> </a:t>
+            </a:r>
+            <a:r>
+              <a:rPr kumimoji="0" lang="en-US" altLang="en-US" sz="1000" b="0" i="0" u="none" strike="noStrike" cap="none" normalizeH="0" baseline="0" dirty="0" smtClean="0">
+                <a:ln>
+                  <a:noFill/>
+                </a:ln>
+                <a:solidFill>
+                  <a:srgbClr val="666666"/>
+                </a:solidFill>
+                <a:effectLst/>
+                <a:latin typeface="Arial Unicode MS" panose="020B0604020202020204" pitchFamily="34" charset="-128"/>
+              </a:rPr>
+              <a:t>=</a:t>
+            </a:r>
+            <a:r>
+              <a:rPr kumimoji="0" lang="en-US" altLang="en-US" sz="1000" b="0" i="0" u="none" strike="noStrike" cap="none" normalizeH="0" baseline="0" dirty="0" smtClean="0">
+                <a:ln>
+                  <a:noFill/>
+                </a:ln>
+                <a:solidFill>
+                  <a:srgbClr val="000000"/>
+                </a:solidFill>
+                <a:effectLst/>
+                <a:latin typeface="Courier"/>
+              </a:rPr>
+              <a:t> </a:t>
+            </a:r>
+            <a:r>
+              <a:rPr kumimoji="0" lang="en-US" altLang="en-US" sz="1000" b="0" i="0" u="none" strike="noStrike" cap="none" normalizeH="0" baseline="0" dirty="0" smtClean="0">
+                <a:ln>
+                  <a:noFill/>
+                </a:ln>
+                <a:solidFill>
+                  <a:srgbClr val="666666"/>
+                </a:solidFill>
+                <a:effectLst/>
+                <a:latin typeface="Arial Unicode MS" panose="020B0604020202020204" pitchFamily="34" charset="-128"/>
+              </a:rPr>
+              <a:t>3</a:t>
+            </a:r>
+            <a:r>
+              <a:rPr kumimoji="0" lang="en-US" altLang="en-US" sz="1000" b="0" i="0" u="none" strike="noStrike" cap="none" normalizeH="0" baseline="0" dirty="0" smtClean="0">
+                <a:ln>
+                  <a:noFill/>
+                </a:ln>
+                <a:solidFill>
+                  <a:srgbClr val="000000"/>
+                </a:solidFill>
+                <a:effectLst/>
+                <a:latin typeface="Arial Unicode MS" panose="020B0604020202020204" pitchFamily="34" charset="-128"/>
+              </a:rPr>
+              <a:t>;</a:t>
+            </a:r>
+            <a:r>
+              <a:rPr kumimoji="0" lang="en-US" altLang="en-US" sz="1000" b="0" i="0" u="none" strike="noStrike" cap="none" normalizeH="0" baseline="0" dirty="0" smtClean="0">
+                <a:ln>
+                  <a:noFill/>
+                </a:ln>
+                <a:solidFill>
+                  <a:srgbClr val="000000"/>
+                </a:solidFill>
+                <a:effectLst/>
+                <a:latin typeface="Courier"/>
+              </a:rPr>
+              <a:t> </a:t>
+            </a:r>
+            <a:r>
+              <a:rPr kumimoji="0" lang="en-US" altLang="en-US" sz="1000" b="0" i="1" u="none" strike="noStrike" cap="none" normalizeH="0" baseline="0" dirty="0" smtClean="0">
+                <a:ln>
+                  <a:noFill/>
+                </a:ln>
+                <a:solidFill>
+                  <a:srgbClr val="408080"/>
+                </a:solidFill>
+                <a:effectLst/>
+                <a:latin typeface="Arial Unicode MS" panose="020B0604020202020204" pitchFamily="34" charset="-128"/>
+              </a:rPr>
+              <a:t>// TDZ ends</a:t>
+            </a:r>
+            <a:r>
+              <a:rPr kumimoji="0" lang="en-US" altLang="en-US" sz="1000" b="0" i="0" u="none" strike="noStrike" cap="none" normalizeH="0" baseline="0" dirty="0" smtClean="0">
+                <a:ln>
+                  <a:noFill/>
+                </a:ln>
+                <a:solidFill>
+                  <a:srgbClr val="000000"/>
+                </a:solidFill>
+                <a:effectLst/>
+                <a:latin typeface="Courier"/>
+              </a:rPr>
+              <a:t> </a:t>
+            </a:r>
+          </a:p>
+          <a:p>
+            <a:pPr marL="0" marR="0" lvl="0" indent="0" algn="l" defTabSz="914400" rtl="0" eaLnBrk="0" fontAlgn="base" latinLnBrk="0" hangingPunct="0">
+              <a:lnSpc>
+                <a:spcPct val="100000"/>
+              </a:lnSpc>
+              <a:spcBef>
+                <a:spcPct val="0"/>
+              </a:spcBef>
+              <a:spcAft>
+                <a:spcPct val="0"/>
+              </a:spcAft>
+              <a:buClrTx/>
+              <a:buSzTx/>
+              <a:buFontTx/>
+              <a:buNone/>
+              <a:tabLst/>
+            </a:pPr>
+            <a:r>
+              <a:rPr kumimoji="0" lang="en-US" altLang="en-US" sz="1000" b="0" i="0" u="none" strike="noStrike" cap="none" normalizeH="0" baseline="0" dirty="0" smtClean="0">
+                <a:ln>
+                  <a:noFill/>
+                </a:ln>
+                <a:solidFill>
+                  <a:srgbClr val="000000"/>
+                </a:solidFill>
+                <a:effectLst/>
+                <a:latin typeface="Arial Unicode MS" panose="020B0604020202020204" pitchFamily="34" charset="-128"/>
+              </a:rPr>
+              <a:t>	</a:t>
+            </a:r>
+            <a:r>
+              <a:rPr kumimoji="0" lang="en-US" altLang="en-US" sz="1000" b="0" i="0" u="none" strike="noStrike" cap="none" normalizeH="0" baseline="0" dirty="0" err="1" smtClean="0">
+                <a:ln>
+                  <a:noFill/>
+                </a:ln>
+                <a:solidFill>
+                  <a:srgbClr val="000000"/>
+                </a:solidFill>
+                <a:effectLst/>
+                <a:latin typeface="Arial Unicode MS" panose="020B0604020202020204" pitchFamily="34" charset="-128"/>
+              </a:rPr>
+              <a:t>func</a:t>
+            </a:r>
+            <a:r>
+              <a:rPr kumimoji="0" lang="en-US" altLang="en-US" sz="1000" b="0" i="0" u="none" strike="noStrike" cap="none" normalizeH="0" baseline="0" dirty="0" smtClean="0">
+                <a:ln>
+                  <a:noFill/>
+                </a:ln>
+                <a:solidFill>
+                  <a:srgbClr val="000000"/>
+                </a:solidFill>
+                <a:effectLst/>
+                <a:latin typeface="Arial Unicode MS" panose="020B0604020202020204" pitchFamily="34" charset="-128"/>
+              </a:rPr>
+              <a:t>();</a:t>
+            </a:r>
+            <a:r>
+              <a:rPr kumimoji="0" lang="en-US" altLang="en-US" sz="1000" b="0" i="0" u="none" strike="noStrike" cap="none" normalizeH="0" baseline="0" dirty="0" smtClean="0">
+                <a:ln>
+                  <a:noFill/>
+                </a:ln>
+                <a:solidFill>
+                  <a:srgbClr val="000000"/>
+                </a:solidFill>
+                <a:effectLst/>
+                <a:latin typeface="Courier"/>
+              </a:rPr>
+              <a:t> </a:t>
+            </a:r>
+            <a:r>
+              <a:rPr kumimoji="0" lang="en-US" altLang="en-US" sz="1000" b="0" i="1" u="none" strike="noStrike" cap="none" normalizeH="0" baseline="0" dirty="0" smtClean="0">
+                <a:ln>
+                  <a:noFill/>
+                </a:ln>
+                <a:solidFill>
+                  <a:srgbClr val="408080"/>
+                </a:solidFill>
+                <a:effectLst/>
+                <a:latin typeface="Arial Unicode MS" panose="020B0604020202020204" pitchFamily="34" charset="-128"/>
+              </a:rPr>
+              <a:t>// called outside TDZ</a:t>
+            </a:r>
+            <a:r>
+              <a:rPr kumimoji="0" lang="en-US" altLang="en-US" sz="1000" b="0" i="0" u="none" strike="noStrike" cap="none" normalizeH="0" baseline="0" dirty="0" smtClean="0">
+                <a:ln>
+                  <a:noFill/>
+                </a:ln>
+                <a:solidFill>
+                  <a:srgbClr val="000000"/>
+                </a:solidFill>
+                <a:effectLst/>
+                <a:latin typeface="Courier"/>
+              </a:rPr>
+              <a:t> </a:t>
+            </a:r>
+          </a:p>
+          <a:p>
+            <a:pPr marL="0" marR="0" lvl="0" indent="0" algn="l" defTabSz="914400" rtl="0" eaLnBrk="0" fontAlgn="base" latinLnBrk="0" hangingPunct="0">
+              <a:lnSpc>
+                <a:spcPct val="100000"/>
+              </a:lnSpc>
+              <a:spcBef>
+                <a:spcPct val="0"/>
+              </a:spcBef>
+              <a:spcAft>
+                <a:spcPct val="0"/>
+              </a:spcAft>
+              <a:buClrTx/>
+              <a:buSzTx/>
+              <a:buFontTx/>
+              <a:buNone/>
+              <a:tabLst/>
+            </a:pPr>
+            <a:r>
+              <a:rPr kumimoji="0" lang="en-US" altLang="en-US" sz="1000" b="0" i="0" u="none" strike="noStrike" cap="none" normalizeH="0" baseline="0" dirty="0" smtClean="0">
+                <a:ln>
+                  <a:noFill/>
+                </a:ln>
+                <a:solidFill>
+                  <a:srgbClr val="000000"/>
+                </a:solidFill>
+                <a:effectLst/>
+                <a:latin typeface="Arial Unicode MS" panose="020B0604020202020204" pitchFamily="34" charset="-128"/>
+              </a:rPr>
+              <a:t>}</a:t>
+            </a:r>
+            <a:r>
+              <a:rPr kumimoji="0" lang="en-US" altLang="en-US" sz="900" b="0" i="0" u="none" strike="noStrike" cap="none" normalizeH="0" baseline="0" dirty="0" smtClean="0">
+                <a:ln>
+                  <a:noFill/>
+                </a:ln>
+                <a:solidFill>
+                  <a:schemeClr val="tx1"/>
+                </a:solidFill>
+                <a:effectLst/>
+              </a:rPr>
+              <a:t> </a:t>
+            </a:r>
+            <a:endParaRPr kumimoji="0" lang="en-US" altLang="en-US" sz="1800" b="0" i="0" u="none" strike="noStrike" cap="none" normalizeH="0" baseline="0" dirty="0" smtClean="0">
+              <a:ln>
+                <a:noFill/>
+              </a:ln>
+              <a:solidFill>
+                <a:schemeClr val="tx1"/>
+              </a:solidFill>
+              <a:effectLst/>
+              <a:latin typeface="Arial" panose="020B0604020202020204" pitchFamily="34" charset="0"/>
+            </a:endParaRPr>
+          </a:p>
+        </p:txBody>
+      </p:sp>
+    </p:spTree>
+    <p:extLst>
+      <p:ext uri="{BB962C8B-B14F-4D97-AF65-F5344CB8AC3E}">
+        <p14:creationId xmlns:p14="http://schemas.microsoft.com/office/powerpoint/2010/main" val="3711607282"/>
+      </p:ext>
+    </p:extLst>
+  </p:cSld>
+  <p:clrMapOvr>
+    <a:masterClrMapping/>
+  </p:clrMapOvr>
+</p:sld>
+</file>
+
+<file path=ppt/slides/slide27.xml><?xml version="1.0" encoding="utf-8"?>
+<p:sld xmlns:a="http://schemas.openxmlformats.org/drawingml/2006/main" xmlns:r="http://schemas.openxmlformats.org/officeDocument/2006/relationships" xmlns:p="http://schemas.openxmlformats.org/presentationml/2006/main">
+  <p:cSld>
+    <p:spTree>
+      <p:nvGrpSpPr>
+        <p:cNvPr id="1" name=""/>
+        <p:cNvGrpSpPr/>
+        <p:nvPr/>
+      </p:nvGrpSpPr>
+      <p:grpSpPr>
+        <a:xfrm>
+          <a:off x="0" y="0"/>
+          <a:ext cx="0" cy="0"/>
+          <a:chOff x="0" y="0"/>
+          <a:chExt cx="0" cy="0"/>
+        </a:xfrm>
+      </p:grpSpPr>
+      <p:sp>
+        <p:nvSpPr>
+          <p:cNvPr id="2" name="Title 1"/>
+          <p:cNvSpPr>
+            <a:spLocks noGrp="1"/>
+          </p:cNvSpPr>
+          <p:nvPr>
+            <p:ph type="title"/>
+          </p:nvPr>
+        </p:nvSpPr>
+        <p:spPr/>
+        <p:txBody>
+          <a:bodyPr/>
+          <a:lstStyle/>
+          <a:p>
+            <a:r>
+              <a:rPr lang="en-US" dirty="0" smtClean="0"/>
+              <a:t>The temporal dead zone</a:t>
+            </a:r>
+            <a:endParaRPr lang="en-US" dirty="0"/>
+          </a:p>
+        </p:txBody>
+      </p:sp>
+      <p:sp>
+        <p:nvSpPr>
+          <p:cNvPr id="3" name="Content Placeholder 2"/>
+          <p:cNvSpPr>
+            <a:spLocks noGrp="1"/>
+          </p:cNvSpPr>
+          <p:nvPr>
+            <p:ph idx="1"/>
+          </p:nvPr>
+        </p:nvSpPr>
+        <p:spPr/>
+        <p:txBody>
+          <a:bodyPr>
+            <a:normAutofit fontScale="85000" lnSpcReduction="20000"/>
+          </a:bodyPr>
+          <a:lstStyle/>
+          <a:p>
+            <a:pPr marL="0" indent="0">
+              <a:buNone/>
+            </a:pPr>
+            <a:r>
+              <a:rPr lang="en-US" dirty="0"/>
+              <a:t>// OK: `y` accesses `x` after it has been declared</a:t>
+            </a:r>
+          </a:p>
+          <a:p>
+            <a:pPr marL="0" indent="0">
+              <a:buNone/>
+            </a:pPr>
+            <a:r>
+              <a:rPr lang="en-US" dirty="0"/>
+              <a:t>function foo(x=1, y=x) {</a:t>
+            </a:r>
+          </a:p>
+          <a:p>
+            <a:pPr marL="0" indent="0">
+              <a:buNone/>
+            </a:pPr>
+            <a:r>
+              <a:rPr lang="en-US" dirty="0"/>
+              <a:t>    return [x, y];</a:t>
+            </a:r>
+          </a:p>
+          <a:p>
+            <a:pPr marL="0" indent="0">
+              <a:buNone/>
+            </a:pPr>
+            <a:r>
+              <a:rPr lang="en-US" dirty="0"/>
+              <a:t>}</a:t>
+            </a:r>
+          </a:p>
+          <a:p>
+            <a:pPr marL="0" indent="0">
+              <a:buNone/>
+            </a:pPr>
+            <a:r>
+              <a:rPr lang="en-US" dirty="0"/>
+              <a:t>foo(); // [1,1]</a:t>
+            </a:r>
+          </a:p>
+          <a:p>
+            <a:pPr marL="0" indent="0">
+              <a:buNone/>
+            </a:pPr>
+            <a:endParaRPr lang="en-US" dirty="0"/>
+          </a:p>
+          <a:p>
+            <a:pPr marL="0" indent="0">
+              <a:buNone/>
+            </a:pPr>
+            <a:r>
+              <a:rPr lang="en-US" dirty="0"/>
+              <a:t>// Exception: `x` tries to access `y` within TDZ</a:t>
+            </a:r>
+          </a:p>
+          <a:p>
+            <a:pPr marL="0" indent="0">
+              <a:buNone/>
+            </a:pPr>
+            <a:r>
+              <a:rPr lang="en-US" dirty="0"/>
+              <a:t>function bar(x=y, y=2) {</a:t>
+            </a:r>
+          </a:p>
+          <a:p>
+            <a:pPr marL="0" indent="0">
+              <a:buNone/>
+            </a:pPr>
+            <a:r>
+              <a:rPr lang="en-US" dirty="0"/>
+              <a:t>    return [x, y];</a:t>
+            </a:r>
+          </a:p>
+          <a:p>
+            <a:pPr marL="0" indent="0">
+              <a:buNone/>
+            </a:pPr>
+            <a:r>
+              <a:rPr lang="en-US" dirty="0"/>
+              <a:t>}</a:t>
+            </a:r>
+          </a:p>
+          <a:p>
+            <a:pPr marL="0" indent="0">
+              <a:buNone/>
+            </a:pPr>
+            <a:r>
+              <a:rPr lang="en-US" dirty="0"/>
+              <a:t>bar(); // </a:t>
+            </a:r>
+            <a:r>
+              <a:rPr lang="en-US" dirty="0" err="1"/>
+              <a:t>ReferenceError</a:t>
+            </a:r>
+            <a:endParaRPr lang="en-US" dirty="0"/>
+          </a:p>
+        </p:txBody>
+      </p:sp>
+    </p:spTree>
+    <p:extLst>
+      <p:ext uri="{BB962C8B-B14F-4D97-AF65-F5344CB8AC3E}">
+        <p14:creationId xmlns:p14="http://schemas.microsoft.com/office/powerpoint/2010/main" val="3447032897"/>
+      </p:ext>
+    </p:extLst>
+  </p:cSld>
+  <p:clrMapOvr>
+    <a:masterClrMapping/>
+  </p:clrMapOvr>
+</p:sld>
+</file>
+
 <file path=ppt/slides/slide3.xml><?xml version="1.0" encoding="utf-8"?>
 <p:sld xmlns:a="http://schemas.openxmlformats.org/drawingml/2006/main" xmlns:r="http://schemas.openxmlformats.org/officeDocument/2006/relationships" xmlns:p="http://schemas.openxmlformats.org/presentationml/2006/main">
   <p:cSld>
